--- a/MIMO/MU-MIMO.pptx
+++ b/MIMO/MU-MIMO.pptx
@@ -5,15 +5,17 @@
     <p:sldMasterId id="2147483648" r:id="rId1"/>
   </p:sldMasterIdLst>
   <p:notesMasterIdLst>
-    <p:notesMasterId r:id="rId8"/>
+    <p:notesMasterId r:id="rId10"/>
   </p:notesMasterIdLst>
   <p:sldIdLst>
     <p:sldId id="256" r:id="rId2"/>
     <p:sldId id="257" r:id="rId3"/>
     <p:sldId id="261" r:id="rId4"/>
-    <p:sldId id="259" r:id="rId5"/>
-    <p:sldId id="260" r:id="rId6"/>
-    <p:sldId id="258" r:id="rId7"/>
+    <p:sldId id="264" r:id="rId5"/>
+    <p:sldId id="263" r:id="rId6"/>
+    <p:sldId id="262" r:id="rId7"/>
+    <p:sldId id="259" r:id="rId8"/>
+    <p:sldId id="260" r:id="rId9"/>
   </p:sldIdLst>
   <p:sldSz cx="12192000" cy="6858000"/>
   <p:notesSz cx="6858000" cy="9144000"/>
@@ -115,6 +117,9 @@
   <p:extLst>
     <p:ext uri="{EFAFB233-063F-42B5-8137-9DF3F51BA10A}">
       <p15:sldGuideLst xmlns:p15="http://schemas.microsoft.com/office/powerpoint/2012/main"/>
+    </p:ext>
+    <p:ext uri="{2D200454-40CA-4A62-9FC3-DE9A4176ACB9}">
+      <p15:notesGuideLst xmlns:p15="http://schemas.microsoft.com/office/powerpoint/2012/main"/>
     </p:ext>
   </p:extLst>
 </p:presentation>
@@ -828,7 +833,7 @@
           <a:p>
             <a:fld id="{DC2831F3-BB68-44E4-A072-5829AC2F76F5}" type="slidenum">
               <a:rPr kumimoji="1" lang="ja-JP" altLang="en-US" smtClean="0"/>
-              <a:t>4</a:t>
+              <a:t>7</a:t>
             </a:fld>
             <a:endParaRPr kumimoji="1" lang="ja-JP" altLang="en-US"/>
           </a:p>
@@ -994,7 +999,7 @@
           <a:p>
             <a:fld id="{83865FC5-081D-46DF-9F40-B9AC6F30491E}" type="datetimeFigureOut">
               <a:rPr kumimoji="1" lang="ja-JP" altLang="en-US" smtClean="0"/>
-              <a:t>2023/10/24</a:t>
+              <a:t>2023/10/25</a:t>
             </a:fld>
             <a:endParaRPr kumimoji="1" lang="ja-JP" altLang="en-US"/>
           </a:p>
@@ -1224,7 +1229,7 @@
           <a:p>
             <a:fld id="{83865FC5-081D-46DF-9F40-B9AC6F30491E}" type="datetimeFigureOut">
               <a:rPr kumimoji="1" lang="ja-JP" altLang="en-US" smtClean="0"/>
-              <a:t>2023/10/24</a:t>
+              <a:t>2023/10/25</a:t>
             </a:fld>
             <a:endParaRPr kumimoji="1" lang="ja-JP" altLang="en-US"/>
           </a:p>
@@ -1464,7 +1469,7 @@
           <a:p>
             <a:fld id="{83865FC5-081D-46DF-9F40-B9AC6F30491E}" type="datetimeFigureOut">
               <a:rPr kumimoji="1" lang="ja-JP" altLang="en-US" smtClean="0"/>
-              <a:t>2023/10/24</a:t>
+              <a:t>2023/10/25</a:t>
             </a:fld>
             <a:endParaRPr kumimoji="1" lang="ja-JP" altLang="en-US"/>
           </a:p>
@@ -1694,7 +1699,7 @@
           <a:p>
             <a:fld id="{83865FC5-081D-46DF-9F40-B9AC6F30491E}" type="datetimeFigureOut">
               <a:rPr kumimoji="1" lang="ja-JP" altLang="en-US" smtClean="0"/>
-              <a:t>2023/10/24</a:t>
+              <a:t>2023/10/25</a:t>
             </a:fld>
             <a:endParaRPr kumimoji="1" lang="ja-JP" altLang="en-US"/>
           </a:p>
@@ -1969,7 +1974,7 @@
           <a:p>
             <a:fld id="{83865FC5-081D-46DF-9F40-B9AC6F30491E}" type="datetimeFigureOut">
               <a:rPr kumimoji="1" lang="ja-JP" altLang="en-US" smtClean="0"/>
-              <a:t>2023/10/24</a:t>
+              <a:t>2023/10/25</a:t>
             </a:fld>
             <a:endParaRPr kumimoji="1" lang="ja-JP" altLang="en-US"/>
           </a:p>
@@ -2298,7 +2303,7 @@
           <a:p>
             <a:fld id="{83865FC5-081D-46DF-9F40-B9AC6F30491E}" type="datetimeFigureOut">
               <a:rPr kumimoji="1" lang="ja-JP" altLang="en-US" smtClean="0"/>
-              <a:t>2023/10/24</a:t>
+              <a:t>2023/10/25</a:t>
             </a:fld>
             <a:endParaRPr kumimoji="1" lang="ja-JP" altLang="en-US"/>
           </a:p>
@@ -2774,7 +2779,7 @@
           <a:p>
             <a:fld id="{83865FC5-081D-46DF-9F40-B9AC6F30491E}" type="datetimeFigureOut">
               <a:rPr kumimoji="1" lang="ja-JP" altLang="en-US" smtClean="0"/>
-              <a:t>2023/10/24</a:t>
+              <a:t>2023/10/25</a:t>
             </a:fld>
             <a:endParaRPr kumimoji="1" lang="ja-JP" altLang="en-US"/>
           </a:p>
@@ -2915,7 +2920,7 @@
           <a:p>
             <a:fld id="{83865FC5-081D-46DF-9F40-B9AC6F30491E}" type="datetimeFigureOut">
               <a:rPr kumimoji="1" lang="ja-JP" altLang="en-US" smtClean="0"/>
-              <a:t>2023/10/24</a:t>
+              <a:t>2023/10/25</a:t>
             </a:fld>
             <a:endParaRPr kumimoji="1" lang="ja-JP" altLang="en-US"/>
           </a:p>
@@ -3028,7 +3033,7 @@
           <a:p>
             <a:fld id="{83865FC5-081D-46DF-9F40-B9AC6F30491E}" type="datetimeFigureOut">
               <a:rPr kumimoji="1" lang="ja-JP" altLang="en-US" smtClean="0"/>
-              <a:t>2023/10/24</a:t>
+              <a:t>2023/10/25</a:t>
             </a:fld>
             <a:endParaRPr kumimoji="1" lang="ja-JP" altLang="en-US"/>
           </a:p>
@@ -3371,7 +3376,7 @@
           <a:p>
             <a:fld id="{83865FC5-081D-46DF-9F40-B9AC6F30491E}" type="datetimeFigureOut">
               <a:rPr kumimoji="1" lang="ja-JP" altLang="en-US" smtClean="0"/>
-              <a:t>2023/10/24</a:t>
+              <a:t>2023/10/25</a:t>
             </a:fld>
             <a:endParaRPr kumimoji="1" lang="ja-JP" altLang="en-US"/>
           </a:p>
@@ -3659,7 +3664,7 @@
           <a:p>
             <a:fld id="{83865FC5-081D-46DF-9F40-B9AC6F30491E}" type="datetimeFigureOut">
               <a:rPr kumimoji="1" lang="ja-JP" altLang="en-US" smtClean="0"/>
-              <a:t>2023/10/24</a:t>
+              <a:t>2023/10/25</a:t>
             </a:fld>
             <a:endParaRPr kumimoji="1" lang="ja-JP" altLang="en-US"/>
           </a:p>
@@ -3932,7 +3937,7 @@
           <a:p>
             <a:fld id="{83865FC5-081D-46DF-9F40-B9AC6F30491E}" type="datetimeFigureOut">
               <a:rPr kumimoji="1" lang="ja-JP" altLang="en-US" smtClean="0"/>
-              <a:t>2023/10/24</a:t>
+              <a:t>2023/10/25</a:t>
             </a:fld>
             <a:endParaRPr kumimoji="1" lang="ja-JP" altLang="en-US"/>
           </a:p>
@@ -7242,7 +7247,7 @@
         </p:nvSpPr>
         <p:spPr>
           <a:xfrm>
-            <a:off x="0" y="113549"/>
+            <a:off x="0" y="70686"/>
             <a:ext cx="13501314" cy="646331"/>
           </a:xfrm>
           <a:prstGeom prst="rect">
@@ -7277,6 +7282,1184 @@
           </a:p>
         </p:txBody>
       </p:sp>
+      <p:grpSp>
+        <p:nvGrpSpPr>
+          <p:cNvPr id="47" name="グループ化 46">
+            <a:extLst>
+              <a:ext uri="{FF2B5EF4-FFF2-40B4-BE49-F238E27FC236}">
+                <a16:creationId xmlns:a16="http://schemas.microsoft.com/office/drawing/2014/main" id="{7E500382-E91E-98FE-F72F-0CC5A9A0248F}"/>
+              </a:ext>
+            </a:extLst>
+          </p:cNvPr>
+          <p:cNvGrpSpPr/>
+          <p:nvPr/>
+        </p:nvGrpSpPr>
+        <p:grpSpPr>
+          <a:xfrm>
+            <a:off x="873323" y="997759"/>
+            <a:ext cx="10445353" cy="2308324"/>
+            <a:chOff x="1259085" y="940590"/>
+            <a:chExt cx="10445353" cy="2308324"/>
+          </a:xfrm>
+        </p:grpSpPr>
+        <p:sp>
+          <p:nvSpPr>
+            <p:cNvPr id="6" name="テキスト ボックス 5">
+              <a:extLst>
+                <a:ext uri="{FF2B5EF4-FFF2-40B4-BE49-F238E27FC236}">
+                  <a16:creationId xmlns:a16="http://schemas.microsoft.com/office/drawing/2014/main" id="{E881AD4B-C83D-5980-6E1D-963DF60CD3E0}"/>
+                </a:ext>
+              </a:extLst>
+            </p:cNvPr>
+            <p:cNvSpPr txBox="1"/>
+            <p:nvPr/>
+          </p:nvSpPr>
+          <p:spPr>
+            <a:xfrm>
+              <a:off x="1259085" y="940590"/>
+              <a:ext cx="10445353" cy="2308324"/>
+            </a:xfrm>
+            <a:prstGeom prst="rect">
+              <a:avLst/>
+            </a:prstGeom>
+            <a:noFill/>
+          </p:spPr>
+          <p:txBody>
+            <a:bodyPr wrap="square" rtlCol="0">
+              <a:spAutoFit/>
+            </a:bodyPr>
+            <a:lstStyle/>
+            <a:p>
+              <a:r>
+                <a:rPr kumimoji="1" lang="ja-JP" altLang="en-US" sz="2400" dirty="0">
+                  <a:latin typeface="BIZ UDPゴシック" panose="020B0400000000000000" pitchFamily="50" charset="-128"/>
+                  <a:ea typeface="BIZ UDPゴシック" panose="020B0400000000000000" pitchFamily="50" charset="-128"/>
+                </a:rPr>
+                <a:t>あらかじめ推定されている伝搬チャネル行列　　を用いて基地局でそれぞれ送信するデータ数と同数の伝搬環境に対応した指向性を形成する</a:t>
+              </a:r>
+              <a:r>
+                <a:rPr kumimoji="1" lang="en-US" altLang="ja-JP" sz="2400" dirty="0">
+                  <a:latin typeface="BIZ UDPゴシック" panose="020B0400000000000000" pitchFamily="50" charset="-128"/>
+                  <a:ea typeface="BIZ UDPゴシック" panose="020B0400000000000000" pitchFamily="50" charset="-128"/>
+                </a:rPr>
+                <a:t>.</a:t>
+              </a:r>
+            </a:p>
+            <a:p>
+              <a:endParaRPr lang="en-US" altLang="ja-JP" sz="2400" dirty="0">
+                <a:latin typeface="BIZ UDPゴシック" panose="020B0400000000000000" pitchFamily="50" charset="-128"/>
+                <a:ea typeface="BIZ UDPゴシック" panose="020B0400000000000000" pitchFamily="50" charset="-128"/>
+              </a:endParaRPr>
+            </a:p>
+            <a:p>
+              <a:r>
+                <a:rPr kumimoji="1" lang="ja-JP" altLang="en-US" sz="2400" dirty="0">
+                  <a:latin typeface="BIZ UDPゴシック" panose="020B0400000000000000" pitchFamily="50" charset="-128"/>
+                  <a:ea typeface="BIZ UDPゴシック" panose="020B0400000000000000" pitchFamily="50" charset="-128"/>
+                </a:rPr>
+                <a:t>このような指向性を基地局と端末局で形成することで</a:t>
+              </a:r>
+              <a:r>
+                <a:rPr kumimoji="1" lang="en-US" altLang="ja-JP" sz="2400" dirty="0">
+                  <a:latin typeface="BIZ UDPゴシック" panose="020B0400000000000000" pitchFamily="50" charset="-128"/>
+                  <a:ea typeface="BIZ UDPゴシック" panose="020B0400000000000000" pitchFamily="50" charset="-128"/>
+                </a:rPr>
+                <a:t>,</a:t>
+              </a:r>
+              <a:r>
+                <a:rPr kumimoji="1" lang="ja-JP" altLang="en-US" sz="2400" dirty="0">
+                  <a:latin typeface="BIZ UDPゴシック" panose="020B0400000000000000" pitchFamily="50" charset="-128"/>
+                  <a:ea typeface="BIZ UDPゴシック" panose="020B0400000000000000" pitchFamily="50" charset="-128"/>
+                </a:rPr>
+                <a:t>受信側では信号分離技術を用いずに</a:t>
+              </a:r>
+              <a:r>
+                <a:rPr kumimoji="1" lang="en-US" altLang="ja-JP" sz="2400" dirty="0">
+                  <a:latin typeface="BIZ UDPゴシック" panose="020B0400000000000000" pitchFamily="50" charset="-128"/>
+                  <a:ea typeface="BIZ UDPゴシック" panose="020B0400000000000000" pitchFamily="50" charset="-128"/>
+                </a:rPr>
+                <a:t>MIMO</a:t>
+              </a:r>
+              <a:r>
+                <a:rPr kumimoji="1" lang="ja-JP" altLang="en-US" sz="2400" dirty="0">
+                  <a:latin typeface="BIZ UDPゴシック" panose="020B0400000000000000" pitchFamily="50" charset="-128"/>
+                  <a:ea typeface="BIZ UDPゴシック" panose="020B0400000000000000" pitchFamily="50" charset="-128"/>
+                </a:rPr>
+                <a:t>による通信が実現でき</a:t>
+              </a:r>
+              <a:r>
+                <a:rPr kumimoji="1" lang="en-US" altLang="ja-JP" sz="2400" dirty="0">
+                  <a:latin typeface="BIZ UDPゴシック" panose="020B0400000000000000" pitchFamily="50" charset="-128"/>
+                  <a:ea typeface="BIZ UDPゴシック" panose="020B0400000000000000" pitchFamily="50" charset="-128"/>
+                </a:rPr>
+                <a:t>,</a:t>
+              </a:r>
+              <a:r>
+                <a:rPr kumimoji="1" lang="ja-JP" altLang="en-US" sz="2400" dirty="0">
+                  <a:latin typeface="BIZ UDPゴシック" panose="020B0400000000000000" pitchFamily="50" charset="-128"/>
+                  <a:ea typeface="BIZ UDPゴシック" panose="020B0400000000000000" pitchFamily="50" charset="-128"/>
+                </a:rPr>
+                <a:t>端末側の負荷が軽減されるが</a:t>
+              </a:r>
+              <a:r>
+                <a:rPr kumimoji="1" lang="en-US" altLang="ja-JP" sz="2400" dirty="0">
+                  <a:latin typeface="BIZ UDPゴシック" panose="020B0400000000000000" pitchFamily="50" charset="-128"/>
+                  <a:ea typeface="BIZ UDPゴシック" panose="020B0400000000000000" pitchFamily="50" charset="-128"/>
+                </a:rPr>
+                <a:t>,</a:t>
+              </a:r>
+              <a:r>
+                <a:rPr kumimoji="1" lang="ja-JP" altLang="en-US" sz="2400" dirty="0">
+                  <a:latin typeface="BIZ UDPゴシック" panose="020B0400000000000000" pitchFamily="50" charset="-128"/>
+                  <a:ea typeface="BIZ UDPゴシック" panose="020B0400000000000000" pitchFamily="50" charset="-128"/>
+                </a:rPr>
+                <a:t>基地局側の負荷が大きくなる</a:t>
+              </a:r>
+              <a:r>
+                <a:rPr kumimoji="1" lang="en-US" altLang="ja-JP" sz="2400" dirty="0">
+                  <a:latin typeface="BIZ UDPゴシック" panose="020B0400000000000000" pitchFamily="50" charset="-128"/>
+                  <a:ea typeface="BIZ UDPゴシック" panose="020B0400000000000000" pitchFamily="50" charset="-128"/>
+                </a:rPr>
+                <a:t>.</a:t>
+              </a:r>
+              <a:endParaRPr kumimoji="1" lang="ja-JP" altLang="en-US" sz="2400" dirty="0">
+                <a:latin typeface="BIZ UDPゴシック" panose="020B0400000000000000" pitchFamily="50" charset="-128"/>
+                <a:ea typeface="BIZ UDPゴシック" panose="020B0400000000000000" pitchFamily="50" charset="-128"/>
+              </a:endParaRPr>
+            </a:p>
+          </p:txBody>
+        </p:sp>
+        <p:pic>
+          <p:nvPicPr>
+            <p:cNvPr id="7" name="図 6" descr="\documentclass{jsarticle}&#10;\usepackage{amsmath}&#10;\usepackage[T1]{fontenc}&#10;\usepackage{lmodern}&#10;\pagestyle{empty}&#10;&#10;\begin{document}&#10;%\begin{align*}&#10;%\end{align*}&#10;$H$&#10;\end{document}" title="IguanaTex Bitmap Display">
+              <a:extLst>
+                <a:ext uri="{FF2B5EF4-FFF2-40B4-BE49-F238E27FC236}">
+                  <a16:creationId xmlns:a16="http://schemas.microsoft.com/office/drawing/2014/main" id="{92B810F1-3F76-34B2-5262-B08532D41925}"/>
+                </a:ext>
+              </a:extLst>
+            </p:cNvPr>
+            <p:cNvPicPr>
+              <a:picLocks noChangeAspect="1"/>
+            </p:cNvPicPr>
+            <p:nvPr>
+              <p:custDataLst>
+                <p:tags r:id="rId3"/>
+              </p:custDataLst>
+            </p:nvPr>
+          </p:nvPicPr>
+          <p:blipFill>
+            <a:blip r:embed="rId6">
+              <a:extLst>
+                <a:ext uri="{28A0092B-C50C-407E-A947-70E740481C1C}">
+                  <a14:useLocalDpi xmlns:a14="http://schemas.microsoft.com/office/drawing/2010/main" val="0"/>
+                </a:ext>
+              </a:extLst>
+            </a:blip>
+            <a:stretch>
+              <a:fillRect/>
+            </a:stretch>
+          </p:blipFill>
+          <p:spPr>
+            <a:xfrm>
+              <a:off x="7272339" y="1047801"/>
+              <a:ext cx="356166" cy="291409"/>
+            </a:xfrm>
+            <a:prstGeom prst="rect">
+              <a:avLst/>
+            </a:prstGeom>
+          </p:spPr>
+        </p:pic>
+      </p:grpSp>
+      <p:grpSp>
+        <p:nvGrpSpPr>
+          <p:cNvPr id="18" name="グループ化 17">
+            <a:extLst>
+              <a:ext uri="{FF2B5EF4-FFF2-40B4-BE49-F238E27FC236}">
+                <a16:creationId xmlns:a16="http://schemas.microsoft.com/office/drawing/2014/main" id="{D17FDEFF-73C1-9D5E-7FC3-A2A1C6D7370C}"/>
+              </a:ext>
+            </a:extLst>
+          </p:cNvPr>
+          <p:cNvGrpSpPr/>
+          <p:nvPr/>
+        </p:nvGrpSpPr>
+        <p:grpSpPr>
+          <a:xfrm>
+            <a:off x="2363007" y="3795440"/>
+            <a:ext cx="2308198" cy="2130986"/>
+            <a:chOff x="2620183" y="4236243"/>
+            <a:chExt cx="2308198" cy="2130986"/>
+          </a:xfrm>
+        </p:grpSpPr>
+        <p:pic>
+          <p:nvPicPr>
+            <p:cNvPr id="10" name="グラフィックス 9">
+              <a:extLst>
+                <a:ext uri="{FF2B5EF4-FFF2-40B4-BE49-F238E27FC236}">
+                  <a16:creationId xmlns:a16="http://schemas.microsoft.com/office/drawing/2014/main" id="{CE50F8F2-D80F-72AB-D909-450AF4F45B7F}"/>
+                </a:ext>
+              </a:extLst>
+            </p:cNvPr>
+            <p:cNvPicPr>
+              <a:picLocks noChangeAspect="1"/>
+            </p:cNvPicPr>
+            <p:nvPr/>
+          </p:nvPicPr>
+          <p:blipFill>
+            <a:blip r:embed="rId7">
+              <a:extLst>
+                <a:ext uri="{28A0092B-C50C-407E-A947-70E740481C1C}">
+                  <a14:useLocalDpi xmlns:a14="http://schemas.microsoft.com/office/drawing/2010/main" val="0"/>
+                </a:ext>
+                <a:ext uri="{96DAC541-7B7A-43D3-8B79-37D633B846F1}">
+                  <asvg:svgBlip xmlns:asvg="http://schemas.microsoft.com/office/drawing/2016/SVG/main" r:embed="rId8"/>
+                </a:ext>
+              </a:extLst>
+            </a:blip>
+            <a:stretch>
+              <a:fillRect/>
+            </a:stretch>
+          </p:blipFill>
+          <p:spPr>
+            <a:xfrm>
+              <a:off x="2620183" y="4236243"/>
+              <a:ext cx="2308198" cy="2130986"/>
+            </a:xfrm>
+            <a:prstGeom prst="rect">
+              <a:avLst/>
+            </a:prstGeom>
+          </p:spPr>
+        </p:pic>
+        <p:sp>
+          <p:nvSpPr>
+            <p:cNvPr id="13" name="テキスト ボックス 12">
+              <a:extLst>
+                <a:ext uri="{FF2B5EF4-FFF2-40B4-BE49-F238E27FC236}">
+                  <a16:creationId xmlns:a16="http://schemas.microsoft.com/office/drawing/2014/main" id="{CE40106C-D6CF-32A5-DFB7-02FC9B3CEDE8}"/>
+                </a:ext>
+              </a:extLst>
+            </p:cNvPr>
+            <p:cNvSpPr txBox="1"/>
+            <p:nvPr/>
+          </p:nvSpPr>
+          <p:spPr>
+            <a:xfrm>
+              <a:off x="3705552" y="4609238"/>
+              <a:ext cx="492443" cy="1384995"/>
+            </a:xfrm>
+            <a:prstGeom prst="rect">
+              <a:avLst/>
+            </a:prstGeom>
+            <a:noFill/>
+          </p:spPr>
+          <p:txBody>
+            <a:bodyPr vert="eaVert" wrap="square" rtlCol="0">
+              <a:spAutoFit/>
+            </a:bodyPr>
+            <a:lstStyle/>
+            <a:p>
+              <a:pPr algn="ctr"/>
+              <a:r>
+                <a:rPr lang="ja-JP" altLang="en-US" sz="2000" dirty="0">
+                  <a:latin typeface="BIZ UDPゴシック" panose="020B0400000000000000" pitchFamily="50" charset="-128"/>
+                  <a:ea typeface="BIZ UDPゴシック" panose="020B0400000000000000" pitchFamily="50" charset="-128"/>
+                </a:rPr>
+                <a:t>指向性制御</a:t>
+              </a:r>
+              <a:endParaRPr kumimoji="1" lang="ja-JP" altLang="en-US" sz="2000" dirty="0">
+                <a:latin typeface="BIZ UDPゴシック" panose="020B0400000000000000" pitchFamily="50" charset="-128"/>
+                <a:ea typeface="BIZ UDPゴシック" panose="020B0400000000000000" pitchFamily="50" charset="-128"/>
+              </a:endParaRPr>
+            </a:p>
+          </p:txBody>
+        </p:sp>
+        <p:sp>
+          <p:nvSpPr>
+            <p:cNvPr id="14" name="テキスト ボックス 13">
+              <a:extLst>
+                <a:ext uri="{FF2B5EF4-FFF2-40B4-BE49-F238E27FC236}">
+                  <a16:creationId xmlns:a16="http://schemas.microsoft.com/office/drawing/2014/main" id="{AF6EA58C-C92C-55E6-E4C3-C0CD2279EEC4}"/>
+                </a:ext>
+              </a:extLst>
+            </p:cNvPr>
+            <p:cNvSpPr txBox="1"/>
+            <p:nvPr/>
+          </p:nvSpPr>
+          <p:spPr>
+            <a:xfrm>
+              <a:off x="2620206" y="4609238"/>
+              <a:ext cx="492443" cy="1384995"/>
+            </a:xfrm>
+            <a:prstGeom prst="rect">
+              <a:avLst/>
+            </a:prstGeom>
+            <a:noFill/>
+          </p:spPr>
+          <p:txBody>
+            <a:bodyPr vert="eaVert" wrap="square" rtlCol="0">
+              <a:spAutoFit/>
+            </a:bodyPr>
+            <a:lstStyle/>
+            <a:p>
+              <a:pPr algn="ctr"/>
+              <a:r>
+                <a:rPr kumimoji="1" lang="ja-JP" altLang="en-US" sz="2000" dirty="0">
+                  <a:latin typeface="BIZ UDPゴシック" panose="020B0400000000000000" pitchFamily="50" charset="-128"/>
+                  <a:ea typeface="BIZ UDPゴシック" panose="020B0400000000000000" pitchFamily="50" charset="-128"/>
+                </a:rPr>
+                <a:t>送信</a:t>
+              </a:r>
+            </a:p>
+          </p:txBody>
+        </p:sp>
+      </p:grpSp>
+      <p:grpSp>
+        <p:nvGrpSpPr>
+          <p:cNvPr id="17" name="グループ化 16">
+            <a:extLst>
+              <a:ext uri="{FF2B5EF4-FFF2-40B4-BE49-F238E27FC236}">
+                <a16:creationId xmlns:a16="http://schemas.microsoft.com/office/drawing/2014/main" id="{58C116F0-D234-5ACC-450F-8A96B713B3F8}"/>
+              </a:ext>
+            </a:extLst>
+          </p:cNvPr>
+          <p:cNvGrpSpPr/>
+          <p:nvPr/>
+        </p:nvGrpSpPr>
+        <p:grpSpPr>
+          <a:xfrm>
+            <a:off x="8723305" y="4443401"/>
+            <a:ext cx="1530355" cy="1483025"/>
+            <a:chOff x="8280393" y="4829174"/>
+            <a:chExt cx="1530355" cy="1483025"/>
+          </a:xfrm>
+        </p:grpSpPr>
+        <p:pic>
+          <p:nvPicPr>
+            <p:cNvPr id="12" name="グラフィックス 11">
+              <a:extLst>
+                <a:ext uri="{FF2B5EF4-FFF2-40B4-BE49-F238E27FC236}">
+                  <a16:creationId xmlns:a16="http://schemas.microsoft.com/office/drawing/2014/main" id="{65641599-1111-43AC-22D5-98CC0241ABAB}"/>
+                </a:ext>
+              </a:extLst>
+            </p:cNvPr>
+            <p:cNvPicPr>
+              <a:picLocks noChangeAspect="1"/>
+            </p:cNvPicPr>
+            <p:nvPr/>
+          </p:nvPicPr>
+          <p:blipFill>
+            <a:blip r:embed="rId9">
+              <a:extLst>
+                <a:ext uri="{28A0092B-C50C-407E-A947-70E740481C1C}">
+                  <a14:useLocalDpi xmlns:a14="http://schemas.microsoft.com/office/drawing/2010/main" val="0"/>
+                </a:ext>
+                <a:ext uri="{96DAC541-7B7A-43D3-8B79-37D633B846F1}">
+                  <asvg:svgBlip xmlns:asvg="http://schemas.microsoft.com/office/drawing/2016/SVG/main" r:embed="rId10"/>
+                </a:ext>
+              </a:extLst>
+            </a:blip>
+            <a:stretch>
+              <a:fillRect/>
+            </a:stretch>
+          </p:blipFill>
+          <p:spPr>
+            <a:xfrm>
+              <a:off x="8280393" y="4829174"/>
+              <a:ext cx="1530355" cy="1483025"/>
+            </a:xfrm>
+            <a:prstGeom prst="rect">
+              <a:avLst/>
+            </a:prstGeom>
+          </p:spPr>
+        </p:pic>
+        <p:sp>
+          <p:nvSpPr>
+            <p:cNvPr id="16" name="テキスト ボックス 15">
+              <a:extLst>
+                <a:ext uri="{FF2B5EF4-FFF2-40B4-BE49-F238E27FC236}">
+                  <a16:creationId xmlns:a16="http://schemas.microsoft.com/office/drawing/2014/main" id="{73A87C0D-137B-34B6-E2E9-4F9250F643A9}"/>
+                </a:ext>
+              </a:extLst>
+            </p:cNvPr>
+            <p:cNvSpPr txBox="1"/>
+            <p:nvPr/>
+          </p:nvSpPr>
+          <p:spPr>
+            <a:xfrm>
+              <a:off x="9216287" y="4884340"/>
+              <a:ext cx="492443" cy="1384995"/>
+            </a:xfrm>
+            <a:prstGeom prst="rect">
+              <a:avLst/>
+            </a:prstGeom>
+            <a:noFill/>
+          </p:spPr>
+          <p:txBody>
+            <a:bodyPr vert="eaVert" wrap="square" rtlCol="0">
+              <a:spAutoFit/>
+            </a:bodyPr>
+            <a:lstStyle/>
+            <a:p>
+              <a:pPr algn="ctr"/>
+              <a:r>
+                <a:rPr lang="ja-JP" altLang="en-US" sz="2000" dirty="0">
+                  <a:latin typeface="BIZ UDPゴシック" panose="020B0400000000000000" pitchFamily="50" charset="-128"/>
+                  <a:ea typeface="BIZ UDPゴシック" panose="020B0400000000000000" pitchFamily="50" charset="-128"/>
+                </a:rPr>
+                <a:t>受信</a:t>
+              </a:r>
+              <a:endParaRPr kumimoji="1" lang="ja-JP" altLang="en-US" sz="2000" dirty="0">
+                <a:latin typeface="BIZ UDPゴシック" panose="020B0400000000000000" pitchFamily="50" charset="-128"/>
+                <a:ea typeface="BIZ UDPゴシック" panose="020B0400000000000000" pitchFamily="50" charset="-128"/>
+              </a:endParaRPr>
+            </a:p>
+          </p:txBody>
+        </p:sp>
+      </p:grpSp>
+      <p:cxnSp>
+        <p:nvCxnSpPr>
+          <p:cNvPr id="19" name="直線コネクタ 18">
+            <a:extLst>
+              <a:ext uri="{FF2B5EF4-FFF2-40B4-BE49-F238E27FC236}">
+                <a16:creationId xmlns:a16="http://schemas.microsoft.com/office/drawing/2014/main" id="{B7FF0058-731C-3D1F-1CDA-3F8AD970A134}"/>
+              </a:ext>
+            </a:extLst>
+          </p:cNvPr>
+          <p:cNvCxnSpPr>
+            <a:cxnSpLocks/>
+          </p:cNvCxnSpPr>
+          <p:nvPr/>
+        </p:nvCxnSpPr>
+        <p:spPr>
+          <a:xfrm flipV="1">
+            <a:off x="5106086" y="3609085"/>
+            <a:ext cx="1762120" cy="316649"/>
+          </a:xfrm>
+          <a:prstGeom prst="line">
+            <a:avLst/>
+          </a:prstGeom>
+          <a:ln w="12700">
+            <a:prstDash val="lgDashDot"/>
+          </a:ln>
+        </p:spPr>
+        <p:style>
+          <a:lnRef idx="1">
+            <a:schemeClr val="accent1"/>
+          </a:lnRef>
+          <a:fillRef idx="0">
+            <a:schemeClr val="accent1"/>
+          </a:fillRef>
+          <a:effectRef idx="0">
+            <a:schemeClr val="accent1"/>
+          </a:effectRef>
+          <a:fontRef idx="minor">
+            <a:schemeClr val="tx1"/>
+          </a:fontRef>
+        </p:style>
+      </p:cxnSp>
+      <p:cxnSp>
+        <p:nvCxnSpPr>
+          <p:cNvPr id="20" name="直線矢印コネクタ 19">
+            <a:extLst>
+              <a:ext uri="{FF2B5EF4-FFF2-40B4-BE49-F238E27FC236}">
+                <a16:creationId xmlns:a16="http://schemas.microsoft.com/office/drawing/2014/main" id="{54CF8130-5DB5-3B82-8F29-FF9E56D85120}"/>
+              </a:ext>
+            </a:extLst>
+          </p:cNvPr>
+          <p:cNvCxnSpPr>
+            <a:cxnSpLocks/>
+          </p:cNvCxnSpPr>
+          <p:nvPr/>
+        </p:nvCxnSpPr>
+        <p:spPr>
+          <a:xfrm>
+            <a:off x="6892772" y="3609086"/>
+            <a:ext cx="1765578" cy="787065"/>
+          </a:xfrm>
+          <a:prstGeom prst="straightConnector1">
+            <a:avLst/>
+          </a:prstGeom>
+          <a:ln w="12700">
+            <a:prstDash val="lgDashDot"/>
+            <a:tailEnd type="triangle"/>
+          </a:ln>
+        </p:spPr>
+        <p:style>
+          <a:lnRef idx="1">
+            <a:schemeClr val="accent1"/>
+          </a:lnRef>
+          <a:fillRef idx="0">
+            <a:schemeClr val="accent1"/>
+          </a:fillRef>
+          <a:effectRef idx="0">
+            <a:schemeClr val="accent1"/>
+          </a:effectRef>
+          <a:fontRef idx="minor">
+            <a:schemeClr val="tx1"/>
+          </a:fontRef>
+        </p:style>
+      </p:cxnSp>
+      <p:cxnSp>
+        <p:nvCxnSpPr>
+          <p:cNvPr id="21" name="直線コネクタ 20">
+            <a:extLst>
+              <a:ext uri="{FF2B5EF4-FFF2-40B4-BE49-F238E27FC236}">
+                <a16:creationId xmlns:a16="http://schemas.microsoft.com/office/drawing/2014/main" id="{319F47B9-954C-3242-958B-70AADE201F2B}"/>
+              </a:ext>
+            </a:extLst>
+          </p:cNvPr>
+          <p:cNvCxnSpPr>
+            <a:cxnSpLocks/>
+          </p:cNvCxnSpPr>
+          <p:nvPr/>
+        </p:nvCxnSpPr>
+        <p:spPr>
+          <a:xfrm>
+            <a:off x="5061931" y="5439374"/>
+            <a:ext cx="1917512" cy="471697"/>
+          </a:xfrm>
+          <a:prstGeom prst="line">
+            <a:avLst/>
+          </a:prstGeom>
+          <a:ln w="12700">
+            <a:prstDash val="sysDash"/>
+          </a:ln>
+        </p:spPr>
+        <p:style>
+          <a:lnRef idx="1">
+            <a:schemeClr val="accent1"/>
+          </a:lnRef>
+          <a:fillRef idx="0">
+            <a:schemeClr val="accent1"/>
+          </a:fillRef>
+          <a:effectRef idx="0">
+            <a:schemeClr val="accent1"/>
+          </a:effectRef>
+          <a:fontRef idx="minor">
+            <a:schemeClr val="tx1"/>
+          </a:fontRef>
+        </p:style>
+      </p:cxnSp>
+      <p:cxnSp>
+        <p:nvCxnSpPr>
+          <p:cNvPr id="22" name="直線矢印コネクタ 21">
+            <a:extLst>
+              <a:ext uri="{FF2B5EF4-FFF2-40B4-BE49-F238E27FC236}">
+                <a16:creationId xmlns:a16="http://schemas.microsoft.com/office/drawing/2014/main" id="{49758E3B-6458-8837-B4B9-48617B5EC1E9}"/>
+              </a:ext>
+            </a:extLst>
+          </p:cNvPr>
+          <p:cNvCxnSpPr>
+            <a:cxnSpLocks/>
+          </p:cNvCxnSpPr>
+          <p:nvPr/>
+        </p:nvCxnSpPr>
+        <p:spPr>
+          <a:xfrm>
+            <a:off x="5229341" y="4647394"/>
+            <a:ext cx="3070360" cy="213538"/>
+          </a:xfrm>
+          <a:prstGeom prst="straightConnector1">
+            <a:avLst/>
+          </a:prstGeom>
+          <a:ln w="57150">
+            <a:tailEnd type="triangle"/>
+          </a:ln>
+        </p:spPr>
+        <p:style>
+          <a:lnRef idx="1">
+            <a:schemeClr val="accent1"/>
+          </a:lnRef>
+          <a:fillRef idx="0">
+            <a:schemeClr val="accent1"/>
+          </a:fillRef>
+          <a:effectRef idx="0">
+            <a:schemeClr val="accent1"/>
+          </a:effectRef>
+          <a:fontRef idx="minor">
+            <a:schemeClr val="tx1"/>
+          </a:fontRef>
+        </p:style>
+      </p:cxnSp>
+      <p:sp>
+        <p:nvSpPr>
+          <p:cNvPr id="24" name="楕円 23">
+            <a:extLst>
+              <a:ext uri="{FF2B5EF4-FFF2-40B4-BE49-F238E27FC236}">
+                <a16:creationId xmlns:a16="http://schemas.microsoft.com/office/drawing/2014/main" id="{54FAC5C2-8D39-E843-18EE-07581E9FE4E5}"/>
+              </a:ext>
+            </a:extLst>
+          </p:cNvPr>
+          <p:cNvSpPr/>
+          <p:nvPr/>
+        </p:nvSpPr>
+        <p:spPr>
+          <a:xfrm rot="16446304">
+            <a:off x="5077920" y="4192282"/>
+            <a:ext cx="263574" cy="875267"/>
+          </a:xfrm>
+          <a:prstGeom prst="ellipse">
+            <a:avLst/>
+          </a:prstGeom>
+          <a:noFill/>
+          <a:ln w="28575">
+            <a:solidFill>
+              <a:schemeClr val="accent1"/>
+            </a:solidFill>
+          </a:ln>
+        </p:spPr>
+        <p:style>
+          <a:lnRef idx="2">
+            <a:schemeClr val="accent1">
+              <a:shade val="15000"/>
+            </a:schemeClr>
+          </a:lnRef>
+          <a:fillRef idx="1">
+            <a:schemeClr val="accent1"/>
+          </a:fillRef>
+          <a:effectRef idx="0">
+            <a:schemeClr val="accent1"/>
+          </a:effectRef>
+          <a:fontRef idx="minor">
+            <a:schemeClr val="lt1"/>
+          </a:fontRef>
+        </p:style>
+        <p:txBody>
+          <a:bodyPr rtlCol="0" anchor="ctr"/>
+          <a:lstStyle/>
+          <a:p>
+            <a:pPr algn="ctr"/>
+            <a:endParaRPr kumimoji="1" lang="ja-JP" altLang="en-US"/>
+          </a:p>
+        </p:txBody>
+      </p:sp>
+      <p:sp>
+        <p:nvSpPr>
+          <p:cNvPr id="25" name="楕円 24">
+            <a:extLst>
+              <a:ext uri="{FF2B5EF4-FFF2-40B4-BE49-F238E27FC236}">
+                <a16:creationId xmlns:a16="http://schemas.microsoft.com/office/drawing/2014/main" id="{EC17C73C-A8B9-CB25-6261-8B2C57D4EEE7}"/>
+              </a:ext>
+            </a:extLst>
+          </p:cNvPr>
+          <p:cNvSpPr/>
+          <p:nvPr/>
+        </p:nvSpPr>
+        <p:spPr>
+          <a:xfrm rot="16553957">
+            <a:off x="8005488" y="4420154"/>
+            <a:ext cx="237512" cy="868867"/>
+          </a:xfrm>
+          <a:prstGeom prst="ellipse">
+            <a:avLst/>
+          </a:prstGeom>
+          <a:noFill/>
+          <a:ln w="28575">
+            <a:solidFill>
+              <a:schemeClr val="accent1"/>
+            </a:solidFill>
+          </a:ln>
+        </p:spPr>
+        <p:style>
+          <a:lnRef idx="2">
+            <a:schemeClr val="accent1">
+              <a:shade val="15000"/>
+            </a:schemeClr>
+          </a:lnRef>
+          <a:fillRef idx="1">
+            <a:schemeClr val="accent1"/>
+          </a:fillRef>
+          <a:effectRef idx="0">
+            <a:schemeClr val="accent1"/>
+          </a:effectRef>
+          <a:fontRef idx="minor">
+            <a:schemeClr val="lt1"/>
+          </a:fontRef>
+        </p:style>
+        <p:txBody>
+          <a:bodyPr rtlCol="0" anchor="ctr"/>
+          <a:lstStyle/>
+          <a:p>
+            <a:pPr algn="ctr"/>
+            <a:endParaRPr kumimoji="1" lang="ja-JP" altLang="en-US"/>
+          </a:p>
+        </p:txBody>
+      </p:sp>
+      <p:sp>
+        <p:nvSpPr>
+          <p:cNvPr id="26" name="楕円 25">
+            <a:extLst>
+              <a:ext uri="{FF2B5EF4-FFF2-40B4-BE49-F238E27FC236}">
+                <a16:creationId xmlns:a16="http://schemas.microsoft.com/office/drawing/2014/main" id="{1A914062-08BE-D5D2-80CF-2589FE484DAC}"/>
+              </a:ext>
+            </a:extLst>
+          </p:cNvPr>
+          <p:cNvSpPr/>
+          <p:nvPr/>
+        </p:nvSpPr>
+        <p:spPr>
+          <a:xfrm rot="15569531">
+            <a:off x="5085063" y="3585396"/>
+            <a:ext cx="224880" cy="661645"/>
+          </a:xfrm>
+          <a:prstGeom prst="ellipse">
+            <a:avLst/>
+          </a:prstGeom>
+          <a:noFill/>
+          <a:ln w="12700">
+            <a:solidFill>
+              <a:schemeClr val="accent1"/>
+            </a:solidFill>
+            <a:prstDash val="lgDashDot"/>
+          </a:ln>
+        </p:spPr>
+        <p:style>
+          <a:lnRef idx="2">
+            <a:schemeClr val="accent1">
+              <a:shade val="15000"/>
+            </a:schemeClr>
+          </a:lnRef>
+          <a:fillRef idx="1">
+            <a:schemeClr val="accent1"/>
+          </a:fillRef>
+          <a:effectRef idx="0">
+            <a:schemeClr val="accent1"/>
+          </a:effectRef>
+          <a:fontRef idx="minor">
+            <a:schemeClr val="lt1"/>
+          </a:fontRef>
+        </p:style>
+        <p:txBody>
+          <a:bodyPr rtlCol="0" anchor="ctr"/>
+          <a:lstStyle/>
+          <a:p>
+            <a:pPr algn="ctr"/>
+            <a:endParaRPr kumimoji="1" lang="ja-JP" altLang="en-US"/>
+          </a:p>
+        </p:txBody>
+      </p:sp>
+      <p:sp>
+        <p:nvSpPr>
+          <p:cNvPr id="27" name="楕円 26">
+            <a:extLst>
+              <a:ext uri="{FF2B5EF4-FFF2-40B4-BE49-F238E27FC236}">
+                <a16:creationId xmlns:a16="http://schemas.microsoft.com/office/drawing/2014/main" id="{A43F7C90-034A-D6A2-0DCC-357CE3AC0EC8}"/>
+              </a:ext>
+            </a:extLst>
+          </p:cNvPr>
+          <p:cNvSpPr/>
+          <p:nvPr/>
+        </p:nvSpPr>
+        <p:spPr>
+          <a:xfrm rot="18038143">
+            <a:off x="8461825" y="4060576"/>
+            <a:ext cx="256963" cy="579037"/>
+          </a:xfrm>
+          <a:prstGeom prst="ellipse">
+            <a:avLst/>
+          </a:prstGeom>
+          <a:noFill/>
+          <a:ln w="12700">
+            <a:solidFill>
+              <a:schemeClr val="accent1"/>
+            </a:solidFill>
+            <a:prstDash val="lgDashDot"/>
+          </a:ln>
+        </p:spPr>
+        <p:style>
+          <a:lnRef idx="2">
+            <a:schemeClr val="accent1">
+              <a:shade val="15000"/>
+            </a:schemeClr>
+          </a:lnRef>
+          <a:fillRef idx="1">
+            <a:schemeClr val="accent1"/>
+          </a:fillRef>
+          <a:effectRef idx="0">
+            <a:schemeClr val="accent1"/>
+          </a:effectRef>
+          <a:fontRef idx="minor">
+            <a:schemeClr val="lt1"/>
+          </a:fontRef>
+        </p:style>
+        <p:txBody>
+          <a:bodyPr rtlCol="0" anchor="ctr"/>
+          <a:lstStyle/>
+          <a:p>
+            <a:pPr algn="ctr"/>
+            <a:endParaRPr kumimoji="1" lang="ja-JP" altLang="en-US"/>
+          </a:p>
+        </p:txBody>
+      </p:sp>
+      <p:sp>
+        <p:nvSpPr>
+          <p:cNvPr id="28" name="楕円 27">
+            <a:extLst>
+              <a:ext uri="{FF2B5EF4-FFF2-40B4-BE49-F238E27FC236}">
+                <a16:creationId xmlns:a16="http://schemas.microsoft.com/office/drawing/2014/main" id="{E272B8E8-6F96-EBEA-51E5-F9704CC88DD9}"/>
+              </a:ext>
+            </a:extLst>
+          </p:cNvPr>
+          <p:cNvSpPr/>
+          <p:nvPr/>
+        </p:nvSpPr>
+        <p:spPr>
+          <a:xfrm rot="16951928">
+            <a:off x="4973964" y="5089647"/>
+            <a:ext cx="264245" cy="684724"/>
+          </a:xfrm>
+          <a:prstGeom prst="ellipse">
+            <a:avLst/>
+          </a:prstGeom>
+          <a:noFill/>
+          <a:ln w="12700">
+            <a:solidFill>
+              <a:schemeClr val="accent1"/>
+            </a:solidFill>
+            <a:prstDash val="sysDash"/>
+          </a:ln>
+        </p:spPr>
+        <p:style>
+          <a:lnRef idx="2">
+            <a:schemeClr val="accent1">
+              <a:shade val="15000"/>
+            </a:schemeClr>
+          </a:lnRef>
+          <a:fillRef idx="1">
+            <a:schemeClr val="accent1"/>
+          </a:fillRef>
+          <a:effectRef idx="0">
+            <a:schemeClr val="accent1"/>
+          </a:effectRef>
+          <a:fontRef idx="minor">
+            <a:schemeClr val="lt1"/>
+          </a:fontRef>
+        </p:style>
+        <p:txBody>
+          <a:bodyPr rtlCol="0" anchor="ctr"/>
+          <a:lstStyle/>
+          <a:p>
+            <a:pPr algn="ctr"/>
+            <a:endParaRPr kumimoji="1" lang="ja-JP" altLang="en-US"/>
+          </a:p>
+        </p:txBody>
+      </p:sp>
+      <p:sp>
+        <p:nvSpPr>
+          <p:cNvPr id="29" name="楕円 28">
+            <a:extLst>
+              <a:ext uri="{FF2B5EF4-FFF2-40B4-BE49-F238E27FC236}">
+                <a16:creationId xmlns:a16="http://schemas.microsoft.com/office/drawing/2014/main" id="{86F019EF-ADD5-9220-9289-9195C505A0C8}"/>
+              </a:ext>
+            </a:extLst>
+          </p:cNvPr>
+          <p:cNvSpPr/>
+          <p:nvPr/>
+        </p:nvSpPr>
+        <p:spPr>
+          <a:xfrm rot="15102959">
+            <a:off x="8334228" y="5167686"/>
+            <a:ext cx="273234" cy="676569"/>
+          </a:xfrm>
+          <a:prstGeom prst="ellipse">
+            <a:avLst/>
+          </a:prstGeom>
+          <a:noFill/>
+          <a:ln w="12700">
+            <a:solidFill>
+              <a:schemeClr val="accent1"/>
+            </a:solidFill>
+            <a:prstDash val="sysDash"/>
+          </a:ln>
+        </p:spPr>
+        <p:style>
+          <a:lnRef idx="2">
+            <a:schemeClr val="accent1">
+              <a:shade val="15000"/>
+            </a:schemeClr>
+          </a:lnRef>
+          <a:fillRef idx="1">
+            <a:schemeClr val="accent1"/>
+          </a:fillRef>
+          <a:effectRef idx="0">
+            <a:schemeClr val="accent1"/>
+          </a:effectRef>
+          <a:fontRef idx="minor">
+            <a:schemeClr val="lt1"/>
+          </a:fontRef>
+        </p:style>
+        <p:txBody>
+          <a:bodyPr rtlCol="0" anchor="ctr"/>
+          <a:lstStyle/>
+          <a:p>
+            <a:pPr algn="ctr"/>
+            <a:endParaRPr kumimoji="1" lang="ja-JP" altLang="en-US"/>
+          </a:p>
+        </p:txBody>
+      </p:sp>
+      <p:cxnSp>
+        <p:nvCxnSpPr>
+          <p:cNvPr id="30" name="直線矢印コネクタ 29">
+            <a:extLst>
+              <a:ext uri="{FF2B5EF4-FFF2-40B4-BE49-F238E27FC236}">
+                <a16:creationId xmlns:a16="http://schemas.microsoft.com/office/drawing/2014/main" id="{F612E52D-0AA3-1DEA-7F1C-807904D884A8}"/>
+              </a:ext>
+            </a:extLst>
+          </p:cNvPr>
+          <p:cNvCxnSpPr>
+            <a:cxnSpLocks/>
+          </p:cNvCxnSpPr>
+          <p:nvPr/>
+        </p:nvCxnSpPr>
+        <p:spPr>
+          <a:xfrm flipV="1">
+            <a:off x="6979444" y="5439374"/>
+            <a:ext cx="1610862" cy="471697"/>
+          </a:xfrm>
+          <a:prstGeom prst="straightConnector1">
+            <a:avLst/>
+          </a:prstGeom>
+          <a:ln w="12700">
+            <a:prstDash val="sysDash"/>
+            <a:tailEnd type="triangle"/>
+          </a:ln>
+        </p:spPr>
+        <p:style>
+          <a:lnRef idx="1">
+            <a:schemeClr val="accent1"/>
+          </a:lnRef>
+          <a:fillRef idx="0">
+            <a:schemeClr val="accent1"/>
+          </a:fillRef>
+          <a:effectRef idx="0">
+            <a:schemeClr val="accent1"/>
+          </a:effectRef>
+          <a:fontRef idx="minor">
+            <a:schemeClr val="tx1"/>
+          </a:fontRef>
+        </p:style>
+      </p:cxnSp>
+      <p:grpSp>
+        <p:nvGrpSpPr>
+          <p:cNvPr id="43" name="グループ化 42">
+            <a:extLst>
+              <a:ext uri="{FF2B5EF4-FFF2-40B4-BE49-F238E27FC236}">
+                <a16:creationId xmlns:a16="http://schemas.microsoft.com/office/drawing/2014/main" id="{3BEA54EA-D621-AA98-7E7A-07CD0F5708AC}"/>
+              </a:ext>
+            </a:extLst>
+          </p:cNvPr>
+          <p:cNvGrpSpPr/>
+          <p:nvPr/>
+        </p:nvGrpSpPr>
+        <p:grpSpPr>
+          <a:xfrm>
+            <a:off x="3196915" y="6101054"/>
+            <a:ext cx="743904" cy="442767"/>
+            <a:chOff x="3268353" y="5729579"/>
+            <a:chExt cx="743904" cy="442767"/>
+          </a:xfrm>
+        </p:grpSpPr>
+        <p:pic>
+          <p:nvPicPr>
+            <p:cNvPr id="40" name="図 39" descr="\documentclass{jsarticle}&#10;\usepackage{amsmath}&#10;\usepackage[T1]{fontenc}&#10;\usepackage{lmodern}&#10;\pagestyle{empty}&#10;&#10;\begin{document}&#10;%\begin{align*}&#10;%\end{align*}&#10;$H$&#10;\end{document}" title="IguanaTex Bitmap Display">
+              <a:extLst>
+                <a:ext uri="{FF2B5EF4-FFF2-40B4-BE49-F238E27FC236}">
+                  <a16:creationId xmlns:a16="http://schemas.microsoft.com/office/drawing/2014/main" id="{170E1632-576C-D387-8E0C-9589FD25DA90}"/>
+                </a:ext>
+              </a:extLst>
+            </p:cNvPr>
+            <p:cNvPicPr>
+              <a:picLocks noChangeAspect="1"/>
+            </p:cNvPicPr>
+            <p:nvPr>
+              <p:custDataLst>
+                <p:tags r:id="rId2"/>
+              </p:custDataLst>
+            </p:nvPr>
+          </p:nvPicPr>
+          <p:blipFill>
+            <a:blip r:embed="rId6">
+              <a:extLst>
+                <a:ext uri="{28A0092B-C50C-407E-A947-70E740481C1C}">
+                  <a14:useLocalDpi xmlns:a14="http://schemas.microsoft.com/office/drawing/2010/main" val="0"/>
+                </a:ext>
+              </a:extLst>
+            </a:blip>
+            <a:stretch>
+              <a:fillRect/>
+            </a:stretch>
+          </p:blipFill>
+          <p:spPr>
+            <a:xfrm>
+              <a:off x="3447424" y="5787463"/>
+              <a:ext cx="385762" cy="315624"/>
+            </a:xfrm>
+            <a:prstGeom prst="rect">
+              <a:avLst/>
+            </a:prstGeom>
+          </p:spPr>
+        </p:pic>
+        <p:sp>
+          <p:nvSpPr>
+            <p:cNvPr id="42" name="吹き出し: 四角形 41">
+              <a:extLst>
+                <a:ext uri="{FF2B5EF4-FFF2-40B4-BE49-F238E27FC236}">
+                  <a16:creationId xmlns:a16="http://schemas.microsoft.com/office/drawing/2014/main" id="{9369BADC-4DA4-1F08-85E4-96133D20E8ED}"/>
+                </a:ext>
+              </a:extLst>
+            </p:cNvPr>
+            <p:cNvSpPr/>
+            <p:nvPr/>
+          </p:nvSpPr>
+          <p:spPr>
+            <a:xfrm rot="10800000">
+              <a:off x="3268353" y="5729579"/>
+              <a:ext cx="743904" cy="442767"/>
+            </a:xfrm>
+            <a:prstGeom prst="wedgeRectCallout">
+              <a:avLst>
+                <a:gd name="adj1" fmla="val -23509"/>
+                <a:gd name="adj2" fmla="val 78634"/>
+              </a:avLst>
+            </a:prstGeom>
+            <a:noFill/>
+          </p:spPr>
+          <p:style>
+            <a:lnRef idx="2">
+              <a:schemeClr val="accent1">
+                <a:shade val="15000"/>
+              </a:schemeClr>
+            </a:lnRef>
+            <a:fillRef idx="1">
+              <a:schemeClr val="accent1"/>
+            </a:fillRef>
+            <a:effectRef idx="0">
+              <a:schemeClr val="accent1"/>
+            </a:effectRef>
+            <a:fontRef idx="minor">
+              <a:schemeClr val="lt1"/>
+            </a:fontRef>
+          </p:style>
+          <p:txBody>
+            <a:bodyPr rtlCol="0" anchor="ctr"/>
+            <a:lstStyle/>
+            <a:p>
+              <a:pPr algn="ctr"/>
+              <a:endParaRPr kumimoji="1" lang="ja-JP" altLang="en-US"/>
+            </a:p>
+          </p:txBody>
+        </p:sp>
+      </p:grpSp>
+      <p:grpSp>
+        <p:nvGrpSpPr>
+          <p:cNvPr id="44" name="グループ化 43">
+            <a:extLst>
+              <a:ext uri="{FF2B5EF4-FFF2-40B4-BE49-F238E27FC236}">
+                <a16:creationId xmlns:a16="http://schemas.microsoft.com/office/drawing/2014/main" id="{24F29C8B-51AA-AF15-BE3E-305EF9347BD6}"/>
+              </a:ext>
+            </a:extLst>
+          </p:cNvPr>
+          <p:cNvGrpSpPr/>
+          <p:nvPr/>
+        </p:nvGrpSpPr>
+        <p:grpSpPr>
+          <a:xfrm>
+            <a:off x="9407738" y="6102363"/>
+            <a:ext cx="743904" cy="442767"/>
+            <a:chOff x="3268353" y="5729579"/>
+            <a:chExt cx="743904" cy="442767"/>
+          </a:xfrm>
+        </p:grpSpPr>
+        <p:pic>
+          <p:nvPicPr>
+            <p:cNvPr id="45" name="図 44" descr="\documentclass{jsarticle}&#10;\usepackage{amsmath}&#10;\usepackage[T1]{fontenc}&#10;\usepackage{lmodern}&#10;\pagestyle{empty}&#10;&#10;\begin{document}&#10;%\begin{align*}&#10;%\end{align*}&#10;$H$&#10;\end{document}" title="IguanaTex Bitmap Display">
+              <a:extLst>
+                <a:ext uri="{FF2B5EF4-FFF2-40B4-BE49-F238E27FC236}">
+                  <a16:creationId xmlns:a16="http://schemas.microsoft.com/office/drawing/2014/main" id="{DA312184-2462-A82B-5D40-0BF46DCC5183}"/>
+                </a:ext>
+              </a:extLst>
+            </p:cNvPr>
+            <p:cNvPicPr>
+              <a:picLocks noChangeAspect="1"/>
+            </p:cNvPicPr>
+            <p:nvPr>
+              <p:custDataLst>
+                <p:tags r:id="rId1"/>
+              </p:custDataLst>
+            </p:nvPr>
+          </p:nvPicPr>
+          <p:blipFill>
+            <a:blip r:embed="rId6">
+              <a:extLst>
+                <a:ext uri="{28A0092B-C50C-407E-A947-70E740481C1C}">
+                  <a14:useLocalDpi xmlns:a14="http://schemas.microsoft.com/office/drawing/2010/main" val="0"/>
+                </a:ext>
+              </a:extLst>
+            </a:blip>
+            <a:stretch>
+              <a:fillRect/>
+            </a:stretch>
+          </p:blipFill>
+          <p:spPr>
+            <a:xfrm>
+              <a:off x="3447424" y="5787463"/>
+              <a:ext cx="385762" cy="315624"/>
+            </a:xfrm>
+            <a:prstGeom prst="rect">
+              <a:avLst/>
+            </a:prstGeom>
+          </p:spPr>
+        </p:pic>
+        <p:sp>
+          <p:nvSpPr>
+            <p:cNvPr id="46" name="吹き出し: 四角形 45">
+              <a:extLst>
+                <a:ext uri="{FF2B5EF4-FFF2-40B4-BE49-F238E27FC236}">
+                  <a16:creationId xmlns:a16="http://schemas.microsoft.com/office/drawing/2014/main" id="{06692787-6A79-6092-BB81-B6AE6B8FB857}"/>
+                </a:ext>
+              </a:extLst>
+            </p:cNvPr>
+            <p:cNvSpPr/>
+            <p:nvPr/>
+          </p:nvSpPr>
+          <p:spPr>
+            <a:xfrm rot="10800000">
+              <a:off x="3268353" y="5729579"/>
+              <a:ext cx="743904" cy="442767"/>
+            </a:xfrm>
+            <a:prstGeom prst="wedgeRectCallout">
+              <a:avLst>
+                <a:gd name="adj1" fmla="val -23509"/>
+                <a:gd name="adj2" fmla="val 78634"/>
+              </a:avLst>
+            </a:prstGeom>
+            <a:noFill/>
+          </p:spPr>
+          <p:style>
+            <a:lnRef idx="2">
+              <a:schemeClr val="accent1">
+                <a:shade val="15000"/>
+              </a:schemeClr>
+            </a:lnRef>
+            <a:fillRef idx="1">
+              <a:schemeClr val="accent1"/>
+            </a:fillRef>
+            <a:effectRef idx="0">
+              <a:schemeClr val="accent1"/>
+            </a:effectRef>
+            <a:fontRef idx="minor">
+              <a:schemeClr val="lt1"/>
+            </a:fontRef>
+          </p:style>
+          <p:txBody>
+            <a:bodyPr rtlCol="0" anchor="ctr"/>
+            <a:lstStyle/>
+            <a:p>
+              <a:pPr algn="ctr"/>
+              <a:endParaRPr kumimoji="1" lang="ja-JP" altLang="en-US"/>
+            </a:p>
+          </p:txBody>
+        </p:sp>
+      </p:grpSp>
     </p:spTree>
     <p:extLst>
       <p:ext uri="{BB962C8B-B14F-4D97-AF65-F5344CB8AC3E}">
@@ -7312,7 +8495,7 @@
           <p:cNvPr id="4" name="テキスト ボックス 3">
             <a:extLst>
               <a:ext uri="{FF2B5EF4-FFF2-40B4-BE49-F238E27FC236}">
-                <a16:creationId xmlns:a16="http://schemas.microsoft.com/office/drawing/2014/main" id="{81C4D86E-650F-FAF4-76BA-8BA9C8F1DF2B}"/>
+                <a16:creationId xmlns:a16="http://schemas.microsoft.com/office/drawing/2014/main" id="{79A47DC8-5623-32CB-1412-59A23A9FDAC1}"/>
               </a:ext>
             </a:extLst>
           </p:cNvPr>
@@ -7321,8 +8504,8 @@
         </p:nvSpPr>
         <p:spPr>
           <a:xfrm>
-            <a:off x="14245" y="213451"/>
-            <a:ext cx="12615488" cy="646331"/>
+            <a:off x="0" y="70686"/>
+            <a:ext cx="13501314" cy="646331"/>
           </a:xfrm>
           <a:prstGeom prst="rect">
             <a:avLst/>
@@ -7336,11 +8519,18 @@
           <a:lstStyle/>
           <a:p>
             <a:r>
-              <a:rPr kumimoji="1" lang="en-US" altLang="ja-JP" sz="3600" b="1" dirty="0">
+              <a:rPr lang="ja-JP" altLang="en-US" sz="3600" b="1" dirty="0">
                 <a:latin typeface="BIZ UDPゴシック" panose="020B0400000000000000" pitchFamily="50" charset="-128"/>
                 <a:ea typeface="BIZ UDPゴシック" panose="020B0400000000000000" pitchFamily="50" charset="-128"/>
               </a:rPr>
-              <a:t>CSI (Channel State Information) Feedback</a:t>
+              <a:t>固有モード伝送</a:t>
+            </a:r>
+            <a:r>
+              <a:rPr lang="en-US" altLang="ja-JP" sz="3600" b="1" dirty="0">
+                <a:latin typeface="BIZ UDPゴシック" panose="020B0400000000000000" pitchFamily="50" charset="-128"/>
+                <a:ea typeface="BIZ UDPゴシック" panose="020B0400000000000000" pitchFamily="50" charset="-128"/>
+              </a:rPr>
+              <a:t>(EM-BF : Eigenmode Beamforming)</a:t>
             </a:r>
             <a:endParaRPr kumimoji="1" lang="ja-JP" altLang="en-US" sz="3600" b="1" dirty="0">
               <a:latin typeface="BIZ UDPゴシック" panose="020B0400000000000000" pitchFamily="50" charset="-128"/>
@@ -7349,61 +8539,22 @@
           </a:p>
         </p:txBody>
       </p:sp>
-      <p:pic>
-        <p:nvPicPr>
-          <p:cNvPr id="6" name="グラフィックス 5">
-            <a:extLst>
-              <a:ext uri="{FF2B5EF4-FFF2-40B4-BE49-F238E27FC236}">
-                <a16:creationId xmlns:a16="http://schemas.microsoft.com/office/drawing/2014/main" id="{12A619E8-682C-71F5-145C-F3E2A024FCD3}"/>
-              </a:ext>
-            </a:extLst>
-          </p:cNvPr>
-          <p:cNvPicPr>
-            <a:picLocks noChangeAspect="1"/>
-          </p:cNvPicPr>
+      <p:sp>
+        <p:nvSpPr>
+          <p:cNvPr id="6" name="テキスト ボックス 5">
+            <a:extLst>
+              <a:ext uri="{FF2B5EF4-FFF2-40B4-BE49-F238E27FC236}">
+                <a16:creationId xmlns:a16="http://schemas.microsoft.com/office/drawing/2014/main" id="{3630BCC8-59BB-1F54-623D-8AB85D7513CA}"/>
+              </a:ext>
+            </a:extLst>
+          </p:cNvPr>
+          <p:cNvSpPr txBox="1"/>
           <p:nvPr/>
-        </p:nvPicPr>
-        <p:blipFill>
-          <a:blip r:embed="rId3">
-            <a:extLst>
-              <a:ext uri="{28A0092B-C50C-407E-A947-70E740481C1C}">
-                <a14:useLocalDpi xmlns:a14="http://schemas.microsoft.com/office/drawing/2010/main" val="0"/>
-              </a:ext>
-              <a:ext uri="{96DAC541-7B7A-43D3-8B79-37D633B846F1}">
-                <asvg:svgBlip xmlns:asvg="http://schemas.microsoft.com/office/drawing/2016/SVG/main" r:embed="rId4"/>
-              </a:ext>
-            </a:extLst>
-          </a:blip>
-          <a:stretch>
-            <a:fillRect/>
-          </a:stretch>
-        </p:blipFill>
+        </p:nvSpPr>
         <p:spPr>
           <a:xfrm>
-            <a:off x="627781" y="1671638"/>
-            <a:ext cx="11398355" cy="3219959"/>
-          </a:xfrm>
-          <a:prstGeom prst="rect">
-            <a:avLst/>
-          </a:prstGeom>
-        </p:spPr>
-      </p:pic>
-      <p:sp>
-        <p:nvSpPr>
-          <p:cNvPr id="7" name="テキスト ボックス 6">
-            <a:extLst>
-              <a:ext uri="{FF2B5EF4-FFF2-40B4-BE49-F238E27FC236}">
-                <a16:creationId xmlns:a16="http://schemas.microsoft.com/office/drawing/2014/main" id="{2388829A-20B8-6B2C-61E1-65EA718070F2}"/>
-              </a:ext>
-            </a:extLst>
-          </p:cNvPr>
-          <p:cNvSpPr txBox="1"/>
-          <p:nvPr/>
-        </p:nvSpPr>
-        <p:spPr>
-          <a:xfrm>
-            <a:off x="27706" y="2372611"/>
-            <a:ext cx="600075" cy="338554"/>
+            <a:off x="466683" y="1088976"/>
+            <a:ext cx="3098048" cy="646331"/>
           </a:xfrm>
           <a:prstGeom prst="rect">
             <a:avLst/>
@@ -7416,27 +8567,22 @@
           </a:bodyPr>
           <a:lstStyle/>
           <a:p>
-            <a:pPr algn="ctr"/>
-            <a:r>
-              <a:rPr kumimoji="1" lang="en-US" altLang="ja-JP" sz="1600" dirty="0">
+            <a:r>
+              <a:rPr kumimoji="1" lang="ja-JP" altLang="en-US" sz="3600" b="1" dirty="0">
                 <a:latin typeface="BIZ UDPゴシック" panose="020B0400000000000000" pitchFamily="50" charset="-128"/>
                 <a:ea typeface="BIZ UDPゴシック" panose="020B0400000000000000" pitchFamily="50" charset="-128"/>
               </a:rPr>
-              <a:t>AP</a:t>
-            </a:r>
-            <a:endParaRPr kumimoji="1" lang="ja-JP" altLang="en-US" sz="1600" dirty="0">
-              <a:latin typeface="BIZ UDPゴシック" panose="020B0400000000000000" pitchFamily="50" charset="-128"/>
-              <a:ea typeface="BIZ UDPゴシック" panose="020B0400000000000000" pitchFamily="50" charset="-128"/>
-            </a:endParaRPr>
-          </a:p>
-        </p:txBody>
-      </p:sp>
-      <p:sp>
-        <p:nvSpPr>
-          <p:cNvPr id="168" name="テキスト ボックス 167">
-            <a:extLst>
-              <a:ext uri="{FF2B5EF4-FFF2-40B4-BE49-F238E27FC236}">
-                <a16:creationId xmlns:a16="http://schemas.microsoft.com/office/drawing/2014/main" id="{088B0BC2-448D-E815-74D2-B1CA14E9ADBD}"/>
+              <a:t>通信フロー</a:t>
+            </a:r>
+          </a:p>
+        </p:txBody>
+      </p:sp>
+      <p:sp>
+        <p:nvSpPr>
+          <p:cNvPr id="7" name="テキスト ボックス 6">
+            <a:extLst>
+              <a:ext uri="{FF2B5EF4-FFF2-40B4-BE49-F238E27FC236}">
+                <a16:creationId xmlns:a16="http://schemas.microsoft.com/office/drawing/2014/main" id="{005F191A-A314-1957-2837-BC045205815B}"/>
               </a:ext>
             </a:extLst>
           </p:cNvPr>
@@ -7445,8 +8591,8 @@
         </p:nvSpPr>
         <p:spPr>
           <a:xfrm>
-            <a:off x="0" y="3002518"/>
-            <a:ext cx="985838" cy="338554"/>
+            <a:off x="2378869" y="2278856"/>
+            <a:ext cx="7858125" cy="2031325"/>
           </a:xfrm>
           <a:prstGeom prst="rect">
             <a:avLst/>
@@ -7459,1097 +8605,112 @@
           </a:bodyPr>
           <a:lstStyle/>
           <a:p>
-            <a:pPr algn="ctr"/>
-            <a:r>
-              <a:rPr lang="en-US" altLang="ja-JP" sz="1600" dirty="0">
-                <a:latin typeface="BIZ UDPゴシック" panose="020B0400000000000000" pitchFamily="50" charset="-128"/>
-                <a:ea typeface="BIZ UDPゴシック" panose="020B0400000000000000" pitchFamily="50" charset="-128"/>
-              </a:rPr>
-              <a:t>STA#1</a:t>
-            </a:r>
-            <a:endParaRPr kumimoji="1" lang="ja-JP" altLang="en-US" sz="1600" dirty="0">
-              <a:latin typeface="BIZ UDPゴシック" panose="020B0400000000000000" pitchFamily="50" charset="-128"/>
-              <a:ea typeface="BIZ UDPゴシック" panose="020B0400000000000000" pitchFamily="50" charset="-128"/>
-            </a:endParaRPr>
-          </a:p>
-        </p:txBody>
-      </p:sp>
-      <p:sp>
-        <p:nvSpPr>
-          <p:cNvPr id="169" name="テキスト ボックス 168">
-            <a:extLst>
-              <a:ext uri="{FF2B5EF4-FFF2-40B4-BE49-F238E27FC236}">
-                <a16:creationId xmlns:a16="http://schemas.microsoft.com/office/drawing/2014/main" id="{112CBA20-874B-5C26-ECB3-F482F9D4BDBB}"/>
-              </a:ext>
-            </a:extLst>
-          </p:cNvPr>
-          <p:cNvSpPr txBox="1"/>
-          <p:nvPr/>
-        </p:nvSpPr>
-        <p:spPr>
-          <a:xfrm>
-            <a:off x="0" y="3707704"/>
-            <a:ext cx="985838" cy="338554"/>
-          </a:xfrm>
-          <a:prstGeom prst="rect">
-            <a:avLst/>
-          </a:prstGeom>
-          <a:noFill/>
-        </p:spPr>
-        <p:txBody>
-          <a:bodyPr wrap="square" rtlCol="0">
-            <a:spAutoFit/>
-          </a:bodyPr>
-          <a:lstStyle/>
-          <a:p>
-            <a:pPr algn="ctr"/>
-            <a:r>
-              <a:rPr lang="en-US" altLang="ja-JP" sz="1600" dirty="0">
-                <a:latin typeface="BIZ UDPゴシック" panose="020B0400000000000000" pitchFamily="50" charset="-128"/>
-                <a:ea typeface="BIZ UDPゴシック" panose="020B0400000000000000" pitchFamily="50" charset="-128"/>
-              </a:rPr>
-              <a:t>STA#2</a:t>
-            </a:r>
-            <a:endParaRPr kumimoji="1" lang="ja-JP" altLang="en-US" sz="1600" dirty="0">
-              <a:latin typeface="BIZ UDPゴシック" panose="020B0400000000000000" pitchFamily="50" charset="-128"/>
-              <a:ea typeface="BIZ UDPゴシック" panose="020B0400000000000000" pitchFamily="50" charset="-128"/>
-            </a:endParaRPr>
-          </a:p>
-        </p:txBody>
-      </p:sp>
-      <p:sp>
-        <p:nvSpPr>
-          <p:cNvPr id="170" name="テキスト ボックス 169">
-            <a:extLst>
-              <a:ext uri="{FF2B5EF4-FFF2-40B4-BE49-F238E27FC236}">
-                <a16:creationId xmlns:a16="http://schemas.microsoft.com/office/drawing/2014/main" id="{15026D28-7045-5263-8518-70D6E68BCEF1}"/>
-              </a:ext>
-            </a:extLst>
-          </p:cNvPr>
-          <p:cNvSpPr txBox="1"/>
-          <p:nvPr/>
-        </p:nvSpPr>
-        <p:spPr>
-          <a:xfrm>
-            <a:off x="0" y="4434419"/>
-            <a:ext cx="985838" cy="338554"/>
-          </a:xfrm>
-          <a:prstGeom prst="rect">
-            <a:avLst/>
-          </a:prstGeom>
-          <a:noFill/>
-        </p:spPr>
-        <p:txBody>
-          <a:bodyPr wrap="square" rtlCol="0">
-            <a:spAutoFit/>
-          </a:bodyPr>
-          <a:lstStyle/>
-          <a:p>
-            <a:pPr algn="ctr"/>
-            <a:r>
-              <a:rPr lang="en-US" altLang="ja-JP" sz="1600" dirty="0">
-                <a:latin typeface="BIZ UDPゴシック" panose="020B0400000000000000" pitchFamily="50" charset="-128"/>
-                <a:ea typeface="BIZ UDPゴシック" panose="020B0400000000000000" pitchFamily="50" charset="-128"/>
-              </a:rPr>
-              <a:t>STA#3</a:t>
-            </a:r>
-            <a:endParaRPr kumimoji="1" lang="ja-JP" altLang="en-US" sz="1600" dirty="0">
-              <a:latin typeface="BIZ UDPゴシック" panose="020B0400000000000000" pitchFamily="50" charset="-128"/>
-              <a:ea typeface="BIZ UDPゴシック" panose="020B0400000000000000" pitchFamily="50" charset="-128"/>
-            </a:endParaRPr>
-          </a:p>
-        </p:txBody>
-      </p:sp>
-      <p:sp>
-        <p:nvSpPr>
-          <p:cNvPr id="171" name="テキスト ボックス 170">
-            <a:extLst>
-              <a:ext uri="{FF2B5EF4-FFF2-40B4-BE49-F238E27FC236}">
-                <a16:creationId xmlns:a16="http://schemas.microsoft.com/office/drawing/2014/main" id="{9403DECD-D9A2-B926-2932-13A7155072CB}"/>
-              </a:ext>
-            </a:extLst>
-          </p:cNvPr>
-          <p:cNvSpPr txBox="1"/>
-          <p:nvPr/>
-        </p:nvSpPr>
-        <p:spPr>
-          <a:xfrm>
-            <a:off x="327743" y="2021152"/>
-            <a:ext cx="1000125" cy="430887"/>
-          </a:xfrm>
-          <a:prstGeom prst="rect">
-            <a:avLst/>
-          </a:prstGeom>
-          <a:noFill/>
-        </p:spPr>
-        <p:txBody>
-          <a:bodyPr wrap="square" rtlCol="0">
-            <a:spAutoFit/>
-          </a:bodyPr>
-          <a:lstStyle/>
-          <a:p>
-            <a:r>
-              <a:rPr kumimoji="1" lang="en-US" altLang="ja-JP" sz="1050" dirty="0">
-                <a:latin typeface="BIZ UDPゴシック" panose="020B0400000000000000" pitchFamily="50" charset="-128"/>
-                <a:ea typeface="BIZ UDPゴシック" panose="020B0400000000000000" pitchFamily="50" charset="-128"/>
-              </a:rPr>
-              <a:t>DIFS</a:t>
-            </a:r>
-          </a:p>
-          <a:p>
-            <a:r>
-              <a:rPr lang="en-US" altLang="ja-JP" sz="1050" dirty="0">
-                <a:latin typeface="BIZ UDPゴシック" panose="020B0400000000000000" pitchFamily="50" charset="-128"/>
-                <a:ea typeface="BIZ UDPゴシック" panose="020B0400000000000000" pitchFamily="50" charset="-128"/>
-              </a:rPr>
-              <a:t>+Backoff</a:t>
-            </a:r>
-            <a:endParaRPr kumimoji="1" lang="ja-JP" altLang="en-US" sz="1050" dirty="0">
-              <a:latin typeface="BIZ UDPゴシック" panose="020B0400000000000000" pitchFamily="50" charset="-128"/>
-              <a:ea typeface="BIZ UDPゴシック" panose="020B0400000000000000" pitchFamily="50" charset="-128"/>
-            </a:endParaRPr>
-          </a:p>
-        </p:txBody>
-      </p:sp>
-      <p:sp>
-        <p:nvSpPr>
-          <p:cNvPr id="172" name="テキスト ボックス 171">
-            <a:extLst>
-              <a:ext uri="{FF2B5EF4-FFF2-40B4-BE49-F238E27FC236}">
-                <a16:creationId xmlns:a16="http://schemas.microsoft.com/office/drawing/2014/main" id="{3705F5EA-19C3-7D91-FBBE-7EA9C69BBB1D}"/>
-              </a:ext>
-            </a:extLst>
-          </p:cNvPr>
-          <p:cNvSpPr txBox="1"/>
-          <p:nvPr/>
-        </p:nvSpPr>
-        <p:spPr>
-          <a:xfrm>
-            <a:off x="1198410" y="1071474"/>
-            <a:ext cx="1144740" cy="600164"/>
-          </a:xfrm>
-          <a:prstGeom prst="rect">
-            <a:avLst/>
-          </a:prstGeom>
-          <a:noFill/>
-        </p:spPr>
-        <p:txBody>
-          <a:bodyPr wrap="square" rtlCol="0">
-            <a:spAutoFit/>
-          </a:bodyPr>
-          <a:lstStyle/>
-          <a:p>
-            <a:pPr algn="ctr"/>
-            <a:r>
-              <a:rPr kumimoji="1" lang="en-US" altLang="ja-JP" sz="1100" dirty="0">
-                <a:latin typeface="BIZ UDPゴシック" panose="020B0400000000000000" pitchFamily="50" charset="-128"/>
-                <a:ea typeface="BIZ UDPゴシック" panose="020B0400000000000000" pitchFamily="50" charset="-128"/>
-              </a:rPr>
-              <a:t>Request</a:t>
-            </a:r>
-          </a:p>
-          <a:p>
-            <a:pPr algn="ctr"/>
-            <a:r>
-              <a:rPr lang="en-US" altLang="ja-JP" sz="1100" dirty="0">
-                <a:latin typeface="BIZ UDPゴシック" panose="020B0400000000000000" pitchFamily="50" charset="-128"/>
-                <a:ea typeface="BIZ UDPゴシック" panose="020B0400000000000000" pitchFamily="50" charset="-128"/>
-              </a:rPr>
-              <a:t>of channel</a:t>
-            </a:r>
-          </a:p>
-          <a:p>
-            <a:pPr algn="ctr"/>
-            <a:r>
-              <a:rPr lang="en-US" altLang="ja-JP" sz="1100" dirty="0">
-                <a:latin typeface="BIZ UDPゴシック" panose="020B0400000000000000" pitchFamily="50" charset="-128"/>
-                <a:ea typeface="BIZ UDPゴシック" panose="020B0400000000000000" pitchFamily="50" charset="-128"/>
-              </a:rPr>
-              <a:t>estimate </a:t>
-            </a:r>
-            <a:endParaRPr kumimoji="1" lang="ja-JP" altLang="en-US" sz="1100" dirty="0">
-              <a:latin typeface="BIZ UDPゴシック" panose="020B0400000000000000" pitchFamily="50" charset="-128"/>
-              <a:ea typeface="BIZ UDPゴシック" panose="020B0400000000000000" pitchFamily="50" charset="-128"/>
-            </a:endParaRPr>
-          </a:p>
-        </p:txBody>
-      </p:sp>
-      <p:sp>
-        <p:nvSpPr>
-          <p:cNvPr id="173" name="テキスト ボックス 172">
-            <a:extLst>
-              <a:ext uri="{FF2B5EF4-FFF2-40B4-BE49-F238E27FC236}">
-                <a16:creationId xmlns:a16="http://schemas.microsoft.com/office/drawing/2014/main" id="{7E35AB74-2888-904E-5658-D3DB76F5333B}"/>
-              </a:ext>
-            </a:extLst>
-          </p:cNvPr>
-          <p:cNvSpPr txBox="1"/>
-          <p:nvPr/>
-        </p:nvSpPr>
-        <p:spPr>
-          <a:xfrm>
-            <a:off x="3465359" y="1186890"/>
-            <a:ext cx="2221066" cy="369332"/>
-          </a:xfrm>
-          <a:prstGeom prst="rect">
-            <a:avLst/>
-          </a:prstGeom>
-          <a:noFill/>
-        </p:spPr>
-        <p:txBody>
-          <a:bodyPr wrap="square" rtlCol="0">
-            <a:spAutoFit/>
-          </a:bodyPr>
-          <a:lstStyle/>
-          <a:p>
-            <a:pPr algn="ctr"/>
-            <a:r>
-              <a:rPr kumimoji="1" lang="en-US" altLang="ja-JP" dirty="0">
-                <a:latin typeface="BIZ UDPゴシック" panose="020B0400000000000000" pitchFamily="50" charset="-128"/>
-                <a:ea typeface="BIZ UDPゴシック" panose="020B0400000000000000" pitchFamily="50" charset="-128"/>
-              </a:rPr>
-              <a:t>CSI feedback</a:t>
-            </a:r>
-            <a:endParaRPr kumimoji="1" lang="ja-JP" altLang="en-US" dirty="0">
-              <a:latin typeface="BIZ UDPゴシック" panose="020B0400000000000000" pitchFamily="50" charset="-128"/>
-              <a:ea typeface="BIZ UDPゴシック" panose="020B0400000000000000" pitchFamily="50" charset="-128"/>
-            </a:endParaRPr>
-          </a:p>
-        </p:txBody>
-      </p:sp>
-      <p:sp>
-        <p:nvSpPr>
-          <p:cNvPr id="174" name="テキスト ボックス 173">
-            <a:extLst>
-              <a:ext uri="{FF2B5EF4-FFF2-40B4-BE49-F238E27FC236}">
-                <a16:creationId xmlns:a16="http://schemas.microsoft.com/office/drawing/2014/main" id="{FAEB38AC-355A-0B2F-60D9-29ACF79E424A}"/>
-              </a:ext>
-            </a:extLst>
-          </p:cNvPr>
-          <p:cNvSpPr txBox="1"/>
-          <p:nvPr/>
-        </p:nvSpPr>
-        <p:spPr>
-          <a:xfrm>
-            <a:off x="6618133" y="1140724"/>
-            <a:ext cx="1411441" cy="461665"/>
-          </a:xfrm>
-          <a:prstGeom prst="rect">
-            <a:avLst/>
-          </a:prstGeom>
-          <a:noFill/>
-        </p:spPr>
-        <p:txBody>
-          <a:bodyPr wrap="square" rtlCol="0">
-            <a:spAutoFit/>
-          </a:bodyPr>
-          <a:lstStyle/>
-          <a:p>
-            <a:pPr algn="ctr"/>
-            <a:r>
-              <a:rPr kumimoji="1" lang="en-US" altLang="ja-JP" sz="1200" dirty="0">
-                <a:latin typeface="BIZ UDPゴシック" panose="020B0400000000000000" pitchFamily="50" charset="-128"/>
-                <a:ea typeface="BIZ UDPゴシック" panose="020B0400000000000000" pitchFamily="50" charset="-128"/>
-              </a:rPr>
-              <a:t>Data</a:t>
-            </a:r>
-          </a:p>
-          <a:p>
-            <a:pPr algn="ctr"/>
-            <a:r>
-              <a:rPr lang="en-US" altLang="ja-JP" sz="1200" dirty="0">
-                <a:latin typeface="BIZ UDPゴシック" panose="020B0400000000000000" pitchFamily="50" charset="-128"/>
-                <a:ea typeface="BIZ UDPゴシック" panose="020B0400000000000000" pitchFamily="50" charset="-128"/>
-              </a:rPr>
-              <a:t>transmission</a:t>
-            </a:r>
-            <a:endParaRPr kumimoji="1" lang="ja-JP" altLang="en-US" sz="1200" dirty="0">
-              <a:latin typeface="BIZ UDPゴシック" panose="020B0400000000000000" pitchFamily="50" charset="-128"/>
-              <a:ea typeface="BIZ UDPゴシック" panose="020B0400000000000000" pitchFamily="50" charset="-128"/>
-            </a:endParaRPr>
-          </a:p>
-        </p:txBody>
-      </p:sp>
-      <p:sp>
-        <p:nvSpPr>
-          <p:cNvPr id="175" name="テキスト ボックス 174">
-            <a:extLst>
-              <a:ext uri="{FF2B5EF4-FFF2-40B4-BE49-F238E27FC236}">
-                <a16:creationId xmlns:a16="http://schemas.microsoft.com/office/drawing/2014/main" id="{1FD25F08-AFC6-02A4-08EB-7801AD199CCC}"/>
-              </a:ext>
-            </a:extLst>
-          </p:cNvPr>
-          <p:cNvSpPr txBox="1"/>
-          <p:nvPr/>
-        </p:nvSpPr>
-        <p:spPr>
-          <a:xfrm>
-            <a:off x="8757999" y="1217668"/>
-            <a:ext cx="2244880" cy="338554"/>
-          </a:xfrm>
-          <a:prstGeom prst="rect">
-            <a:avLst/>
-          </a:prstGeom>
-          <a:noFill/>
-        </p:spPr>
-        <p:txBody>
-          <a:bodyPr wrap="square" rtlCol="0">
-            <a:spAutoFit/>
-          </a:bodyPr>
-          <a:lstStyle/>
-          <a:p>
-            <a:pPr algn="ctr"/>
-            <a:r>
-              <a:rPr kumimoji="1" lang="en-US" altLang="ja-JP" sz="1600" dirty="0">
-                <a:latin typeface="BIZ UDPゴシック" panose="020B0400000000000000" pitchFamily="50" charset="-128"/>
-                <a:ea typeface="BIZ UDPゴシック" panose="020B0400000000000000" pitchFamily="50" charset="-128"/>
-              </a:rPr>
-              <a:t>Acknowl</a:t>
-            </a:r>
-            <a:r>
-              <a:rPr lang="en-US" altLang="ja-JP" sz="1600" dirty="0">
-                <a:latin typeface="BIZ UDPゴシック" panose="020B0400000000000000" pitchFamily="50" charset="-128"/>
-                <a:ea typeface="BIZ UDPゴシック" panose="020B0400000000000000" pitchFamily="50" charset="-128"/>
-              </a:rPr>
-              <a:t>edgment</a:t>
-            </a:r>
-            <a:endParaRPr kumimoji="1" lang="ja-JP" altLang="en-US" sz="1600" dirty="0">
-              <a:latin typeface="BIZ UDPゴシック" panose="020B0400000000000000" pitchFamily="50" charset="-128"/>
-              <a:ea typeface="BIZ UDPゴシック" panose="020B0400000000000000" pitchFamily="50" charset="-128"/>
-            </a:endParaRPr>
-          </a:p>
-        </p:txBody>
-      </p:sp>
-      <p:sp>
-        <p:nvSpPr>
-          <p:cNvPr id="176" name="テキスト ボックス 175">
-            <a:extLst>
-              <a:ext uri="{FF2B5EF4-FFF2-40B4-BE49-F238E27FC236}">
-                <a16:creationId xmlns:a16="http://schemas.microsoft.com/office/drawing/2014/main" id="{144B6EFB-A490-7C69-DF14-F9E6B3E4F1A7}"/>
-              </a:ext>
-            </a:extLst>
-          </p:cNvPr>
-          <p:cNvSpPr txBox="1"/>
-          <p:nvPr/>
-        </p:nvSpPr>
-        <p:spPr>
-          <a:xfrm>
-            <a:off x="1103163" y="2299251"/>
-            <a:ext cx="600076" cy="276999"/>
-          </a:xfrm>
-          <a:prstGeom prst="rect">
-            <a:avLst/>
-          </a:prstGeom>
-          <a:noFill/>
-        </p:spPr>
-        <p:txBody>
-          <a:bodyPr wrap="square" rtlCol="0">
-            <a:spAutoFit/>
-          </a:bodyPr>
-          <a:lstStyle/>
-          <a:p>
-            <a:pPr algn="ctr"/>
-            <a:r>
-              <a:rPr kumimoji="1" lang="en-US" altLang="ja-JP" sz="1200" spc="-150" dirty="0">
-                <a:latin typeface="BIZ UDPゴシック" panose="020B0400000000000000" pitchFamily="50" charset="-128"/>
-                <a:ea typeface="BIZ UDPゴシック" panose="020B0400000000000000" pitchFamily="50" charset="-128"/>
-              </a:rPr>
-              <a:t>NDPA</a:t>
-            </a:r>
-            <a:endParaRPr kumimoji="1" lang="ja-JP" altLang="en-US" sz="1200" spc="-150" dirty="0">
-              <a:latin typeface="BIZ UDPゴシック" panose="020B0400000000000000" pitchFamily="50" charset="-128"/>
-              <a:ea typeface="BIZ UDPゴシック" panose="020B0400000000000000" pitchFamily="50" charset="-128"/>
-            </a:endParaRPr>
-          </a:p>
-        </p:txBody>
-      </p:sp>
-      <p:sp>
-        <p:nvSpPr>
-          <p:cNvPr id="177" name="テキスト ボックス 176">
-            <a:extLst>
-              <a:ext uri="{FF2B5EF4-FFF2-40B4-BE49-F238E27FC236}">
-                <a16:creationId xmlns:a16="http://schemas.microsoft.com/office/drawing/2014/main" id="{6A0A1455-1BB4-2ADD-BA25-433691DAE06A}"/>
-              </a:ext>
-            </a:extLst>
-          </p:cNvPr>
-          <p:cNvSpPr txBox="1"/>
-          <p:nvPr/>
-        </p:nvSpPr>
-        <p:spPr>
-          <a:xfrm>
-            <a:off x="1770780" y="2292107"/>
-            <a:ext cx="600076" cy="276999"/>
-          </a:xfrm>
-          <a:prstGeom prst="rect">
-            <a:avLst/>
-          </a:prstGeom>
-          <a:noFill/>
-        </p:spPr>
-        <p:txBody>
-          <a:bodyPr wrap="square" rtlCol="0">
-            <a:spAutoFit/>
-          </a:bodyPr>
-          <a:lstStyle/>
-          <a:p>
-            <a:pPr algn="ctr"/>
-            <a:r>
-              <a:rPr kumimoji="1" lang="en-US" altLang="ja-JP" sz="1200" spc="-150" dirty="0">
-                <a:latin typeface="BIZ UDPゴシック" panose="020B0400000000000000" pitchFamily="50" charset="-128"/>
-                <a:ea typeface="BIZ UDPゴシック" panose="020B0400000000000000" pitchFamily="50" charset="-128"/>
-              </a:rPr>
-              <a:t>NDP</a:t>
-            </a:r>
-            <a:endParaRPr kumimoji="1" lang="ja-JP" altLang="en-US" sz="1200" spc="-150" dirty="0">
-              <a:latin typeface="BIZ UDPゴシック" panose="020B0400000000000000" pitchFamily="50" charset="-128"/>
-              <a:ea typeface="BIZ UDPゴシック" panose="020B0400000000000000" pitchFamily="50" charset="-128"/>
-            </a:endParaRPr>
-          </a:p>
-        </p:txBody>
-      </p:sp>
-      <p:sp>
-        <p:nvSpPr>
-          <p:cNvPr id="178" name="テキスト ボックス 177">
-            <a:extLst>
-              <a:ext uri="{FF2B5EF4-FFF2-40B4-BE49-F238E27FC236}">
-                <a16:creationId xmlns:a16="http://schemas.microsoft.com/office/drawing/2014/main" id="{62779FE2-BEE1-B490-3063-346B07F88716}"/>
-              </a:ext>
-            </a:extLst>
-          </p:cNvPr>
-          <p:cNvSpPr txBox="1"/>
-          <p:nvPr/>
-        </p:nvSpPr>
-        <p:spPr>
-          <a:xfrm>
-            <a:off x="3266205" y="2292107"/>
-            <a:ext cx="600076" cy="276999"/>
-          </a:xfrm>
-          <a:prstGeom prst="rect">
-            <a:avLst/>
-          </a:prstGeom>
-          <a:noFill/>
-        </p:spPr>
-        <p:txBody>
-          <a:bodyPr wrap="square" rtlCol="0">
-            <a:spAutoFit/>
-          </a:bodyPr>
-          <a:lstStyle/>
-          <a:p>
-            <a:pPr algn="ctr"/>
-            <a:r>
-              <a:rPr lang="en-US" altLang="ja-JP" sz="1200" spc="-150" dirty="0">
-                <a:latin typeface="BIZ UDPゴシック" panose="020B0400000000000000" pitchFamily="50" charset="-128"/>
-                <a:ea typeface="BIZ UDPゴシック" panose="020B0400000000000000" pitchFamily="50" charset="-128"/>
-              </a:rPr>
-              <a:t>BRP</a:t>
-            </a:r>
-            <a:endParaRPr kumimoji="1" lang="ja-JP" altLang="en-US" sz="1200" spc="-150" dirty="0">
-              <a:latin typeface="BIZ UDPゴシック" panose="020B0400000000000000" pitchFamily="50" charset="-128"/>
-              <a:ea typeface="BIZ UDPゴシック" panose="020B0400000000000000" pitchFamily="50" charset="-128"/>
-            </a:endParaRPr>
-          </a:p>
-        </p:txBody>
-      </p:sp>
-      <p:sp>
-        <p:nvSpPr>
-          <p:cNvPr id="179" name="テキスト ボックス 178">
-            <a:extLst>
-              <a:ext uri="{FF2B5EF4-FFF2-40B4-BE49-F238E27FC236}">
-                <a16:creationId xmlns:a16="http://schemas.microsoft.com/office/drawing/2014/main" id="{82E3EC7C-7BBF-CB28-CD85-2CEC9A143DED}"/>
-              </a:ext>
-            </a:extLst>
-          </p:cNvPr>
-          <p:cNvSpPr txBox="1"/>
-          <p:nvPr/>
-        </p:nvSpPr>
-        <p:spPr>
-          <a:xfrm>
-            <a:off x="5276598" y="2300982"/>
-            <a:ext cx="600076" cy="276999"/>
-          </a:xfrm>
-          <a:prstGeom prst="rect">
-            <a:avLst/>
-          </a:prstGeom>
-          <a:noFill/>
-        </p:spPr>
-        <p:txBody>
-          <a:bodyPr wrap="square" rtlCol="0">
-            <a:spAutoFit/>
-          </a:bodyPr>
-          <a:lstStyle/>
-          <a:p>
-            <a:pPr algn="ctr"/>
-            <a:r>
-              <a:rPr lang="en-US" altLang="ja-JP" sz="1200" spc="-150" dirty="0">
-                <a:latin typeface="BIZ UDPゴシック" panose="020B0400000000000000" pitchFamily="50" charset="-128"/>
-                <a:ea typeface="BIZ UDPゴシック" panose="020B0400000000000000" pitchFamily="50" charset="-128"/>
-              </a:rPr>
-              <a:t>BRP</a:t>
-            </a:r>
-            <a:endParaRPr kumimoji="1" lang="ja-JP" altLang="en-US" sz="1200" spc="-150" dirty="0">
-              <a:latin typeface="BIZ UDPゴシック" panose="020B0400000000000000" pitchFamily="50" charset="-128"/>
-              <a:ea typeface="BIZ UDPゴシック" panose="020B0400000000000000" pitchFamily="50" charset="-128"/>
-            </a:endParaRPr>
-          </a:p>
-        </p:txBody>
-      </p:sp>
-      <p:sp>
-        <p:nvSpPr>
-          <p:cNvPr id="180" name="テキスト ボックス 179">
-            <a:extLst>
-              <a:ext uri="{FF2B5EF4-FFF2-40B4-BE49-F238E27FC236}">
-                <a16:creationId xmlns:a16="http://schemas.microsoft.com/office/drawing/2014/main" id="{64909182-4C68-8BA6-7D2D-E3E47B87059E}"/>
-              </a:ext>
-            </a:extLst>
-          </p:cNvPr>
-          <p:cNvSpPr txBox="1"/>
-          <p:nvPr/>
-        </p:nvSpPr>
-        <p:spPr>
-          <a:xfrm>
-            <a:off x="2518493" y="2952350"/>
-            <a:ext cx="600076" cy="338554"/>
-          </a:xfrm>
-          <a:prstGeom prst="rect">
-            <a:avLst/>
-          </a:prstGeom>
-          <a:noFill/>
-        </p:spPr>
-        <p:txBody>
-          <a:bodyPr wrap="square" rtlCol="0">
-            <a:spAutoFit/>
-          </a:bodyPr>
-          <a:lstStyle/>
-          <a:p>
-            <a:pPr algn="ctr"/>
-            <a:r>
-              <a:rPr lang="en-US" altLang="ja-JP" sz="1600" spc="-150" dirty="0">
-                <a:latin typeface="BIZ UDPゴシック" panose="020B0400000000000000" pitchFamily="50" charset="-128"/>
-                <a:ea typeface="BIZ UDPゴシック" panose="020B0400000000000000" pitchFamily="50" charset="-128"/>
-              </a:rPr>
-              <a:t>BR</a:t>
-            </a:r>
-            <a:endParaRPr kumimoji="1" lang="ja-JP" altLang="en-US" sz="1600" spc="-150" dirty="0">
-              <a:latin typeface="BIZ UDPゴシック" panose="020B0400000000000000" pitchFamily="50" charset="-128"/>
-              <a:ea typeface="BIZ UDPゴシック" panose="020B0400000000000000" pitchFamily="50" charset="-128"/>
-            </a:endParaRPr>
-          </a:p>
-        </p:txBody>
-      </p:sp>
-      <p:sp>
-        <p:nvSpPr>
-          <p:cNvPr id="181" name="テキスト ボックス 180">
-            <a:extLst>
-              <a:ext uri="{FF2B5EF4-FFF2-40B4-BE49-F238E27FC236}">
-                <a16:creationId xmlns:a16="http://schemas.microsoft.com/office/drawing/2014/main" id="{3E7CE7B3-B25B-52A8-E343-AF24ECD86C52}"/>
-              </a:ext>
-            </a:extLst>
-          </p:cNvPr>
-          <p:cNvSpPr txBox="1"/>
-          <p:nvPr/>
-        </p:nvSpPr>
-        <p:spPr>
-          <a:xfrm>
-            <a:off x="4018680" y="3686272"/>
-            <a:ext cx="600076" cy="338554"/>
-          </a:xfrm>
-          <a:prstGeom prst="rect">
-            <a:avLst/>
-          </a:prstGeom>
-          <a:noFill/>
-        </p:spPr>
-        <p:txBody>
-          <a:bodyPr wrap="square" rtlCol="0">
-            <a:spAutoFit/>
-          </a:bodyPr>
-          <a:lstStyle/>
-          <a:p>
-            <a:pPr algn="ctr"/>
-            <a:r>
-              <a:rPr lang="en-US" altLang="ja-JP" sz="1600" spc="-150" dirty="0">
-                <a:latin typeface="BIZ UDPゴシック" panose="020B0400000000000000" pitchFamily="50" charset="-128"/>
-                <a:ea typeface="BIZ UDPゴシック" panose="020B0400000000000000" pitchFamily="50" charset="-128"/>
-              </a:rPr>
-              <a:t>BR</a:t>
-            </a:r>
-            <a:endParaRPr kumimoji="1" lang="ja-JP" altLang="en-US" sz="1600" spc="-150" dirty="0">
-              <a:latin typeface="BIZ UDPゴシック" panose="020B0400000000000000" pitchFamily="50" charset="-128"/>
-              <a:ea typeface="BIZ UDPゴシック" panose="020B0400000000000000" pitchFamily="50" charset="-128"/>
-            </a:endParaRPr>
-          </a:p>
-        </p:txBody>
-      </p:sp>
-      <p:sp>
-        <p:nvSpPr>
-          <p:cNvPr id="182" name="テキスト ボックス 181">
-            <a:extLst>
-              <a:ext uri="{FF2B5EF4-FFF2-40B4-BE49-F238E27FC236}">
-                <a16:creationId xmlns:a16="http://schemas.microsoft.com/office/drawing/2014/main" id="{CDEE1ED0-235C-E210-2BFB-697408945A1F}"/>
-              </a:ext>
-            </a:extLst>
-          </p:cNvPr>
-          <p:cNvSpPr txBox="1"/>
-          <p:nvPr/>
-        </p:nvSpPr>
-        <p:spPr>
-          <a:xfrm>
-            <a:off x="6021951" y="4390810"/>
-            <a:ext cx="600076" cy="338554"/>
-          </a:xfrm>
-          <a:prstGeom prst="rect">
-            <a:avLst/>
-          </a:prstGeom>
-          <a:noFill/>
-        </p:spPr>
-        <p:txBody>
-          <a:bodyPr wrap="square" rtlCol="0">
-            <a:spAutoFit/>
-          </a:bodyPr>
-          <a:lstStyle/>
-          <a:p>
-            <a:pPr algn="ctr"/>
-            <a:r>
-              <a:rPr lang="en-US" altLang="ja-JP" sz="1600" spc="-150" dirty="0">
-                <a:latin typeface="BIZ UDPゴシック" panose="020B0400000000000000" pitchFamily="50" charset="-128"/>
-                <a:ea typeface="BIZ UDPゴシック" panose="020B0400000000000000" pitchFamily="50" charset="-128"/>
-              </a:rPr>
-              <a:t>BR</a:t>
-            </a:r>
-            <a:endParaRPr kumimoji="1" lang="ja-JP" altLang="en-US" sz="1600" spc="-150" dirty="0">
-              <a:latin typeface="BIZ UDPゴシック" panose="020B0400000000000000" pitchFamily="50" charset="-128"/>
-              <a:ea typeface="BIZ UDPゴシック" panose="020B0400000000000000" pitchFamily="50" charset="-128"/>
-            </a:endParaRPr>
-          </a:p>
-        </p:txBody>
-      </p:sp>
-      <p:sp>
-        <p:nvSpPr>
-          <p:cNvPr id="183" name="テキスト ボックス 182">
-            <a:extLst>
-              <a:ext uri="{FF2B5EF4-FFF2-40B4-BE49-F238E27FC236}">
-                <a16:creationId xmlns:a16="http://schemas.microsoft.com/office/drawing/2014/main" id="{5AAE0DD0-F877-A3EE-86BC-85EB3130C3C5}"/>
-              </a:ext>
-            </a:extLst>
-          </p:cNvPr>
-          <p:cNvSpPr txBox="1"/>
-          <p:nvPr/>
-        </p:nvSpPr>
-        <p:spPr>
-          <a:xfrm>
-            <a:off x="7063376" y="2298150"/>
-            <a:ext cx="818536" cy="307777"/>
-          </a:xfrm>
-          <a:prstGeom prst="rect">
-            <a:avLst/>
-          </a:prstGeom>
-          <a:noFill/>
-        </p:spPr>
-        <p:txBody>
-          <a:bodyPr wrap="square" rtlCol="0">
-            <a:spAutoFit/>
-          </a:bodyPr>
-          <a:lstStyle/>
-          <a:p>
-            <a:pPr algn="ctr"/>
-            <a:r>
-              <a:rPr kumimoji="1" lang="en-US" altLang="ja-JP" sz="1400" spc="-150" dirty="0">
-                <a:latin typeface="BIZ UDPゴシック" panose="020B0400000000000000" pitchFamily="50" charset="-128"/>
-                <a:ea typeface="BIZ UDPゴシック" panose="020B0400000000000000" pitchFamily="50" charset="-128"/>
-              </a:rPr>
-              <a:t>DATA</a:t>
-            </a:r>
-            <a:endParaRPr kumimoji="1" lang="ja-JP" altLang="en-US" sz="1400" spc="-150" dirty="0">
-              <a:latin typeface="BIZ UDPゴシック" panose="020B0400000000000000" pitchFamily="50" charset="-128"/>
-              <a:ea typeface="BIZ UDPゴシック" panose="020B0400000000000000" pitchFamily="50" charset="-128"/>
-            </a:endParaRPr>
-          </a:p>
-        </p:txBody>
-      </p:sp>
-      <p:sp>
-        <p:nvSpPr>
-          <p:cNvPr id="184" name="テキスト ボックス 183">
-            <a:extLst>
-              <a:ext uri="{FF2B5EF4-FFF2-40B4-BE49-F238E27FC236}">
-                <a16:creationId xmlns:a16="http://schemas.microsoft.com/office/drawing/2014/main" id="{DF0E4591-26D7-6904-9FE3-CCDDBA2A9A8D}"/>
-              </a:ext>
-            </a:extLst>
-          </p:cNvPr>
-          <p:cNvSpPr txBox="1"/>
-          <p:nvPr/>
-        </p:nvSpPr>
-        <p:spPr>
-          <a:xfrm>
-            <a:off x="8952252" y="2285849"/>
-            <a:ext cx="548332" cy="307777"/>
-          </a:xfrm>
-          <a:prstGeom prst="rect">
-            <a:avLst/>
-          </a:prstGeom>
-          <a:noFill/>
-        </p:spPr>
-        <p:txBody>
-          <a:bodyPr wrap="square" rtlCol="0">
-            <a:spAutoFit/>
-          </a:bodyPr>
-          <a:lstStyle/>
-          <a:p>
-            <a:pPr algn="ctr"/>
-            <a:r>
-              <a:rPr lang="en-US" altLang="ja-JP" sz="1400" spc="-150" dirty="0">
-                <a:latin typeface="BIZ UDPゴシック" panose="020B0400000000000000" pitchFamily="50" charset="-128"/>
-                <a:ea typeface="BIZ UDPゴシック" panose="020B0400000000000000" pitchFamily="50" charset="-128"/>
-              </a:rPr>
-              <a:t>BAR</a:t>
-            </a:r>
-            <a:endParaRPr kumimoji="1" lang="ja-JP" altLang="en-US" sz="1400" spc="-150" dirty="0">
-              <a:latin typeface="BIZ UDPゴシック" panose="020B0400000000000000" pitchFamily="50" charset="-128"/>
-              <a:ea typeface="BIZ UDPゴシック" panose="020B0400000000000000" pitchFamily="50" charset="-128"/>
-            </a:endParaRPr>
-          </a:p>
-        </p:txBody>
-      </p:sp>
-      <p:sp>
-        <p:nvSpPr>
-          <p:cNvPr id="185" name="テキスト ボックス 184">
-            <a:extLst>
-              <a:ext uri="{FF2B5EF4-FFF2-40B4-BE49-F238E27FC236}">
-                <a16:creationId xmlns:a16="http://schemas.microsoft.com/office/drawing/2014/main" id="{D7E63310-3E91-CCA4-78E2-27DB1EEAF637}"/>
-              </a:ext>
-            </a:extLst>
-          </p:cNvPr>
-          <p:cNvSpPr txBox="1"/>
-          <p:nvPr/>
-        </p:nvSpPr>
-        <p:spPr>
-          <a:xfrm>
-            <a:off x="10628076" y="2282761"/>
-            <a:ext cx="548332" cy="307777"/>
-          </a:xfrm>
-          <a:prstGeom prst="rect">
-            <a:avLst/>
-          </a:prstGeom>
-          <a:noFill/>
-        </p:spPr>
-        <p:txBody>
-          <a:bodyPr wrap="square" rtlCol="0">
-            <a:spAutoFit/>
-          </a:bodyPr>
-          <a:lstStyle/>
-          <a:p>
-            <a:pPr algn="ctr"/>
-            <a:r>
-              <a:rPr lang="en-US" altLang="ja-JP" sz="1400" spc="-150" dirty="0">
-                <a:latin typeface="BIZ UDPゴシック" panose="020B0400000000000000" pitchFamily="50" charset="-128"/>
-                <a:ea typeface="BIZ UDPゴシック" panose="020B0400000000000000" pitchFamily="50" charset="-128"/>
-              </a:rPr>
-              <a:t>BAR</a:t>
-            </a:r>
-            <a:endParaRPr kumimoji="1" lang="ja-JP" altLang="en-US" sz="1400" spc="-150" dirty="0">
-              <a:latin typeface="BIZ UDPゴシック" panose="020B0400000000000000" pitchFamily="50" charset="-128"/>
-              <a:ea typeface="BIZ UDPゴシック" panose="020B0400000000000000" pitchFamily="50" charset="-128"/>
-            </a:endParaRPr>
-          </a:p>
-        </p:txBody>
-      </p:sp>
-      <p:sp>
-        <p:nvSpPr>
-          <p:cNvPr id="186" name="テキスト ボックス 185">
-            <a:extLst>
-              <a:ext uri="{FF2B5EF4-FFF2-40B4-BE49-F238E27FC236}">
-                <a16:creationId xmlns:a16="http://schemas.microsoft.com/office/drawing/2014/main" id="{27235142-674D-56F2-D0A6-50A8862C79AB}"/>
-              </a:ext>
-            </a:extLst>
-          </p:cNvPr>
-          <p:cNvSpPr txBox="1"/>
-          <p:nvPr/>
-        </p:nvSpPr>
-        <p:spPr>
-          <a:xfrm>
-            <a:off x="8209667" y="3002518"/>
-            <a:ext cx="548332" cy="307777"/>
-          </a:xfrm>
-          <a:prstGeom prst="rect">
-            <a:avLst/>
-          </a:prstGeom>
-          <a:noFill/>
-        </p:spPr>
-        <p:txBody>
-          <a:bodyPr wrap="square" rtlCol="0">
-            <a:spAutoFit/>
-          </a:bodyPr>
-          <a:lstStyle/>
-          <a:p>
-            <a:pPr algn="ctr"/>
-            <a:r>
-              <a:rPr lang="en-US" altLang="ja-JP" sz="1400" spc="-150" dirty="0">
-                <a:latin typeface="BIZ UDPゴシック" panose="020B0400000000000000" pitchFamily="50" charset="-128"/>
-                <a:ea typeface="BIZ UDPゴシック" panose="020B0400000000000000" pitchFamily="50" charset="-128"/>
-              </a:rPr>
-              <a:t>BA</a:t>
-            </a:r>
-            <a:endParaRPr kumimoji="1" lang="ja-JP" altLang="en-US" sz="1400" spc="-150" dirty="0">
-              <a:latin typeface="BIZ UDPゴシック" panose="020B0400000000000000" pitchFamily="50" charset="-128"/>
-              <a:ea typeface="BIZ UDPゴシック" panose="020B0400000000000000" pitchFamily="50" charset="-128"/>
-            </a:endParaRPr>
-          </a:p>
-        </p:txBody>
-      </p:sp>
-      <p:sp>
-        <p:nvSpPr>
-          <p:cNvPr id="187" name="テキスト ボックス 186">
-            <a:extLst>
-              <a:ext uri="{FF2B5EF4-FFF2-40B4-BE49-F238E27FC236}">
-                <a16:creationId xmlns:a16="http://schemas.microsoft.com/office/drawing/2014/main" id="{2503E611-F636-8375-E4A2-A8915994155A}"/>
-              </a:ext>
-            </a:extLst>
-          </p:cNvPr>
-          <p:cNvSpPr txBox="1"/>
-          <p:nvPr/>
-        </p:nvSpPr>
-        <p:spPr>
-          <a:xfrm>
-            <a:off x="9627705" y="3738481"/>
-            <a:ext cx="548332" cy="307777"/>
-          </a:xfrm>
-          <a:prstGeom prst="rect">
-            <a:avLst/>
-          </a:prstGeom>
-          <a:noFill/>
-        </p:spPr>
-        <p:txBody>
-          <a:bodyPr wrap="square" rtlCol="0">
-            <a:spAutoFit/>
-          </a:bodyPr>
-          <a:lstStyle/>
-          <a:p>
-            <a:pPr algn="ctr"/>
-            <a:r>
-              <a:rPr lang="en-US" altLang="ja-JP" sz="1400" spc="-150" dirty="0">
-                <a:latin typeface="BIZ UDPゴシック" panose="020B0400000000000000" pitchFamily="50" charset="-128"/>
-                <a:ea typeface="BIZ UDPゴシック" panose="020B0400000000000000" pitchFamily="50" charset="-128"/>
-              </a:rPr>
-              <a:t>BA</a:t>
-            </a:r>
-            <a:endParaRPr kumimoji="1" lang="ja-JP" altLang="en-US" sz="1400" spc="-150" dirty="0">
-              <a:latin typeface="BIZ UDPゴシック" panose="020B0400000000000000" pitchFamily="50" charset="-128"/>
-              <a:ea typeface="BIZ UDPゴシック" panose="020B0400000000000000" pitchFamily="50" charset="-128"/>
-            </a:endParaRPr>
-          </a:p>
-        </p:txBody>
-      </p:sp>
-      <p:sp>
-        <p:nvSpPr>
-          <p:cNvPr id="188" name="テキスト ボックス 187">
-            <a:extLst>
-              <a:ext uri="{FF2B5EF4-FFF2-40B4-BE49-F238E27FC236}">
-                <a16:creationId xmlns:a16="http://schemas.microsoft.com/office/drawing/2014/main" id="{5D807CA8-141E-1863-7997-C058394371C6}"/>
-              </a:ext>
-            </a:extLst>
-          </p:cNvPr>
-          <p:cNvSpPr txBox="1"/>
-          <p:nvPr/>
-        </p:nvSpPr>
-        <p:spPr>
-          <a:xfrm>
-            <a:off x="11290053" y="4449807"/>
-            <a:ext cx="548332" cy="307777"/>
-          </a:xfrm>
-          <a:prstGeom prst="rect">
-            <a:avLst/>
-          </a:prstGeom>
-          <a:noFill/>
-        </p:spPr>
-        <p:txBody>
-          <a:bodyPr wrap="square" rtlCol="0">
-            <a:spAutoFit/>
-          </a:bodyPr>
-          <a:lstStyle/>
-          <a:p>
-            <a:pPr algn="ctr"/>
-            <a:r>
-              <a:rPr lang="en-US" altLang="ja-JP" sz="1400" spc="-150" dirty="0">
-                <a:latin typeface="BIZ UDPゴシック" panose="020B0400000000000000" pitchFamily="50" charset="-128"/>
-                <a:ea typeface="BIZ UDPゴシック" panose="020B0400000000000000" pitchFamily="50" charset="-128"/>
-              </a:rPr>
-              <a:t>BA</a:t>
-            </a:r>
-            <a:endParaRPr kumimoji="1" lang="ja-JP" altLang="en-US" sz="1400" spc="-150" dirty="0">
-              <a:latin typeface="BIZ UDPゴシック" panose="020B0400000000000000" pitchFamily="50" charset="-128"/>
-              <a:ea typeface="BIZ UDPゴシック" panose="020B0400000000000000" pitchFamily="50" charset="-128"/>
-            </a:endParaRPr>
-          </a:p>
-        </p:txBody>
-      </p:sp>
-      <p:sp>
-        <p:nvSpPr>
-          <p:cNvPr id="189" name="テキスト ボックス 188">
-            <a:extLst>
-              <a:ext uri="{FF2B5EF4-FFF2-40B4-BE49-F238E27FC236}">
-                <a16:creationId xmlns:a16="http://schemas.microsoft.com/office/drawing/2014/main" id="{EC81809D-DDF9-9754-95D5-34AB158D0CA7}"/>
-              </a:ext>
-            </a:extLst>
-          </p:cNvPr>
-          <p:cNvSpPr txBox="1"/>
-          <p:nvPr/>
-        </p:nvSpPr>
-        <p:spPr>
-          <a:xfrm>
-            <a:off x="327743" y="5063318"/>
-            <a:ext cx="3776018" cy="584775"/>
-          </a:xfrm>
-          <a:prstGeom prst="rect">
-            <a:avLst/>
-          </a:prstGeom>
-          <a:noFill/>
-        </p:spPr>
-        <p:txBody>
-          <a:bodyPr wrap="square" rtlCol="0">
-            <a:spAutoFit/>
-          </a:bodyPr>
-          <a:lstStyle/>
-          <a:p>
-            <a:r>
-              <a:rPr lang="en-US" altLang="ja-JP" sz="1600" dirty="0">
-                <a:latin typeface="BIZ UDPゴシック" panose="020B0400000000000000" pitchFamily="50" charset="-128"/>
-                <a:ea typeface="BIZ UDPゴシック" panose="020B0400000000000000" pitchFamily="50" charset="-128"/>
-              </a:rPr>
-              <a:t>NDP : Null Data Packet</a:t>
-            </a:r>
-          </a:p>
-          <a:p>
-            <a:r>
-              <a:rPr kumimoji="1" lang="en-US" altLang="ja-JP" sz="1600" dirty="0">
-                <a:latin typeface="BIZ UDPゴシック" panose="020B0400000000000000" pitchFamily="50" charset="-128"/>
-                <a:ea typeface="BIZ UDPゴシック" panose="020B0400000000000000" pitchFamily="50" charset="-128"/>
-              </a:rPr>
-              <a:t>NDPA : </a:t>
-            </a:r>
-            <a:r>
-              <a:rPr lang="en-US" altLang="ja-JP" sz="1600" dirty="0">
-                <a:latin typeface="BIZ UDPゴシック" panose="020B0400000000000000" pitchFamily="50" charset="-128"/>
-                <a:ea typeface="BIZ UDPゴシック" panose="020B0400000000000000" pitchFamily="50" charset="-128"/>
-              </a:rPr>
-              <a:t>NDP Announcement</a:t>
-            </a:r>
-            <a:endParaRPr kumimoji="1" lang="ja-JP" altLang="en-US" sz="1600" dirty="0">
-              <a:latin typeface="BIZ UDPゴシック" panose="020B0400000000000000" pitchFamily="50" charset="-128"/>
-              <a:ea typeface="BIZ UDPゴシック" panose="020B0400000000000000" pitchFamily="50" charset="-128"/>
-            </a:endParaRPr>
-          </a:p>
-        </p:txBody>
-      </p:sp>
-      <p:sp>
-        <p:nvSpPr>
-          <p:cNvPr id="190" name="テキスト ボックス 189">
-            <a:extLst>
-              <a:ext uri="{FF2B5EF4-FFF2-40B4-BE49-F238E27FC236}">
-                <a16:creationId xmlns:a16="http://schemas.microsoft.com/office/drawing/2014/main" id="{B72C3E15-BEAF-BA79-983D-76CFE01B5865}"/>
-              </a:ext>
-            </a:extLst>
-          </p:cNvPr>
-          <p:cNvSpPr txBox="1"/>
-          <p:nvPr/>
-        </p:nvSpPr>
-        <p:spPr>
-          <a:xfrm>
-            <a:off x="4312223" y="5063318"/>
-            <a:ext cx="3776018" cy="584775"/>
-          </a:xfrm>
-          <a:prstGeom prst="rect">
-            <a:avLst/>
-          </a:prstGeom>
-          <a:noFill/>
-        </p:spPr>
-        <p:txBody>
-          <a:bodyPr wrap="square" rtlCol="0">
-            <a:spAutoFit/>
-          </a:bodyPr>
-          <a:lstStyle/>
-          <a:p>
-            <a:r>
-              <a:rPr lang="en-US" altLang="ja-JP" sz="1600" dirty="0">
-                <a:latin typeface="BIZ UDPゴシック" panose="020B0400000000000000" pitchFamily="50" charset="-128"/>
-                <a:ea typeface="BIZ UDPゴシック" panose="020B0400000000000000" pitchFamily="50" charset="-128"/>
-              </a:rPr>
-              <a:t>BR : Beamforming Report</a:t>
-            </a:r>
-          </a:p>
-          <a:p>
-            <a:r>
-              <a:rPr lang="en-US" altLang="ja-JP" sz="1600" dirty="0">
-                <a:latin typeface="BIZ UDPゴシック" panose="020B0400000000000000" pitchFamily="50" charset="-128"/>
-                <a:ea typeface="BIZ UDPゴシック" panose="020B0400000000000000" pitchFamily="50" charset="-128"/>
-              </a:rPr>
-              <a:t>BRP : BR Polling</a:t>
-            </a:r>
-            <a:endParaRPr kumimoji="1" lang="ja-JP" altLang="en-US" sz="1600" dirty="0">
-              <a:latin typeface="BIZ UDPゴシック" panose="020B0400000000000000" pitchFamily="50" charset="-128"/>
-              <a:ea typeface="BIZ UDPゴシック" panose="020B0400000000000000" pitchFamily="50" charset="-128"/>
-            </a:endParaRPr>
-          </a:p>
-        </p:txBody>
-      </p:sp>
-      <p:sp>
-        <p:nvSpPr>
-          <p:cNvPr id="191" name="テキスト ボックス 190">
-            <a:extLst>
-              <a:ext uri="{FF2B5EF4-FFF2-40B4-BE49-F238E27FC236}">
-                <a16:creationId xmlns:a16="http://schemas.microsoft.com/office/drawing/2014/main" id="{B48D9C16-ABB4-E7BC-A2C2-09D7BA0395DC}"/>
-              </a:ext>
-            </a:extLst>
-          </p:cNvPr>
-          <p:cNvSpPr txBox="1"/>
-          <p:nvPr/>
-        </p:nvSpPr>
-        <p:spPr>
-          <a:xfrm>
-            <a:off x="8304128" y="5032897"/>
-            <a:ext cx="3776018" cy="584775"/>
-          </a:xfrm>
-          <a:prstGeom prst="rect">
-            <a:avLst/>
-          </a:prstGeom>
-          <a:noFill/>
-        </p:spPr>
-        <p:txBody>
-          <a:bodyPr wrap="square" rtlCol="0">
-            <a:spAutoFit/>
-          </a:bodyPr>
-          <a:lstStyle/>
-          <a:p>
-            <a:r>
-              <a:rPr lang="en-US" altLang="ja-JP" sz="1600" dirty="0">
-                <a:latin typeface="BIZ UDPゴシック" panose="020B0400000000000000" pitchFamily="50" charset="-128"/>
-                <a:ea typeface="BIZ UDPゴシック" panose="020B0400000000000000" pitchFamily="50" charset="-128"/>
-              </a:rPr>
-              <a:t>BA : Block ACK</a:t>
-            </a:r>
-          </a:p>
-          <a:p>
-            <a:r>
-              <a:rPr kumimoji="1" lang="en-US" altLang="ja-JP" sz="1600" dirty="0">
-                <a:latin typeface="BIZ UDPゴシック" panose="020B0400000000000000" pitchFamily="50" charset="-128"/>
-                <a:ea typeface="BIZ UDPゴシック" panose="020B0400000000000000" pitchFamily="50" charset="-128"/>
-              </a:rPr>
-              <a:t>BAR : BA R</a:t>
-            </a:r>
-            <a:r>
-              <a:rPr lang="en-US" altLang="ja-JP" sz="1600" dirty="0">
-                <a:latin typeface="BIZ UDPゴシック" panose="020B0400000000000000" pitchFamily="50" charset="-128"/>
-                <a:ea typeface="BIZ UDPゴシック" panose="020B0400000000000000" pitchFamily="50" charset="-128"/>
-              </a:rPr>
-              <a:t>equest</a:t>
-            </a:r>
-            <a:endParaRPr kumimoji="1" lang="ja-JP" altLang="en-US" sz="1600" dirty="0">
-              <a:latin typeface="BIZ UDPゴシック" panose="020B0400000000000000" pitchFamily="50" charset="-128"/>
-              <a:ea typeface="BIZ UDPゴシック" panose="020B0400000000000000" pitchFamily="50" charset="-128"/>
-            </a:endParaRPr>
+            <a:pPr marL="285750" indent="-285750">
+              <a:buFont typeface="Arial" panose="020B0604020202020204" pitchFamily="34" charset="0"/>
+              <a:buChar char="•"/>
+            </a:pPr>
+            <a:r>
+              <a:rPr kumimoji="1" lang="ja-JP" altLang="en-US" dirty="0"/>
+              <a:t>送信と受信の両方で伝搬チャネル行列　　を推定する</a:t>
+            </a:r>
+            <a:r>
+              <a:rPr kumimoji="1" lang="en-US" altLang="ja-JP" dirty="0"/>
+              <a:t>.</a:t>
+            </a:r>
+            <a:r>
+              <a:rPr kumimoji="1" lang="ja-JP" altLang="en-US" dirty="0"/>
+              <a:t>受信側では</a:t>
+            </a:r>
+            <a:r>
+              <a:rPr lang="en-US" altLang="ja-JP" dirty="0"/>
+              <a:t>,</a:t>
+            </a:r>
+            <a:r>
+              <a:rPr lang="ja-JP" altLang="en-US" dirty="0"/>
+              <a:t>ロングプリアンプルを複数回送信されることで推定できる</a:t>
+            </a:r>
+            <a:r>
+              <a:rPr lang="en-US" altLang="ja-JP" dirty="0"/>
+              <a:t>.</a:t>
+            </a:r>
+          </a:p>
+          <a:p>
+            <a:pPr marL="285750" indent="-285750">
+              <a:buFont typeface="Arial" panose="020B0604020202020204" pitchFamily="34" charset="0"/>
+              <a:buChar char="•"/>
+            </a:pPr>
+            <a:endParaRPr kumimoji="1" lang="en-US" altLang="ja-JP" dirty="0"/>
+          </a:p>
+          <a:p>
+            <a:pPr marL="285750" indent="-285750">
+              <a:buFont typeface="Arial" panose="020B0604020202020204" pitchFamily="34" charset="0"/>
+              <a:buChar char="•"/>
+            </a:pPr>
+            <a:r>
+              <a:rPr kumimoji="1" lang="ja-JP" altLang="en-US" dirty="0"/>
+              <a:t>送信信号を分岐し</a:t>
+            </a:r>
+            <a:r>
+              <a:rPr kumimoji="1" lang="en-US" altLang="ja-JP" dirty="0"/>
+              <a:t>,</a:t>
+            </a:r>
+            <a:r>
+              <a:rPr kumimoji="1" lang="ja-JP" altLang="en-US" dirty="0"/>
+              <a:t>　　　　に送信側固有ベクトル　　　をそれぞれ乗算する</a:t>
+            </a:r>
+            <a:r>
+              <a:rPr kumimoji="1" lang="en-US" altLang="ja-JP" dirty="0"/>
+              <a:t>.</a:t>
+            </a:r>
+            <a:r>
+              <a:rPr kumimoji="1" lang="ja-JP" altLang="en-US" dirty="0"/>
+              <a:t>その後</a:t>
+            </a:r>
+            <a:r>
+              <a:rPr lang="en-US" altLang="ja-JP" dirty="0"/>
+              <a:t>,</a:t>
+            </a:r>
+            <a:r>
+              <a:rPr lang="ja-JP" altLang="en-US" dirty="0"/>
+              <a:t>アンテナ素子番号に相当する信号をそれぞれ加算する</a:t>
+            </a:r>
+            <a:r>
+              <a:rPr lang="en-US" altLang="ja-JP" dirty="0"/>
+              <a:t>.</a:t>
+            </a:r>
+          </a:p>
+          <a:p>
+            <a:pPr marL="285750" indent="-285750">
+              <a:buFont typeface="Arial" panose="020B0604020202020204" pitchFamily="34" charset="0"/>
+              <a:buChar char="•"/>
+            </a:pPr>
+            <a:endParaRPr kumimoji="1" lang="en-US" altLang="ja-JP" dirty="0"/>
+          </a:p>
+          <a:p>
+            <a:pPr marL="285750" indent="-285750">
+              <a:buFont typeface="Arial" panose="020B0604020202020204" pitchFamily="34" charset="0"/>
+              <a:buChar char="•"/>
+            </a:pPr>
+            <a:r>
+              <a:rPr lang="ja-JP" altLang="en-US" dirty="0"/>
+              <a:t>受信信号　　　を分岐し</a:t>
+            </a:r>
+            <a:r>
+              <a:rPr lang="en-US" altLang="ja-JP" dirty="0"/>
+              <a:t>,</a:t>
+            </a:r>
+            <a:r>
+              <a:rPr lang="ja-JP" altLang="en-US"/>
+              <a:t>それぞれに受信側固有ベクトル</a:t>
+            </a:r>
+            <a:endParaRPr kumimoji="1" lang="ja-JP" altLang="en-US" dirty="0"/>
           </a:p>
         </p:txBody>
       </p:sp>
     </p:spTree>
     <p:extLst>
       <p:ext uri="{BB962C8B-B14F-4D97-AF65-F5344CB8AC3E}">
-        <p14:creationId xmlns:p14="http://schemas.microsoft.com/office/powerpoint/2010/main" val="428280065"/>
+        <p14:creationId xmlns:p14="http://schemas.microsoft.com/office/powerpoint/2010/main" val="2100741056"/>
       </p:ext>
     </p:extLst>
   </p:cSld>
@@ -8581,7 +8742,7 @@
           <p:cNvPr id="4" name="テキスト ボックス 3">
             <a:extLst>
               <a:ext uri="{FF2B5EF4-FFF2-40B4-BE49-F238E27FC236}">
-                <a16:creationId xmlns:a16="http://schemas.microsoft.com/office/drawing/2014/main" id="{EC1B87F1-9C1C-5F33-C890-DF44359298D6}"/>
+                <a16:creationId xmlns:a16="http://schemas.microsoft.com/office/drawing/2014/main" id="{6DA1B855-A02E-9D33-2441-A78553870BB7}"/>
               </a:ext>
             </a:extLst>
           </p:cNvPr>
@@ -8590,8 +8751,8 @@
         </p:nvSpPr>
         <p:spPr>
           <a:xfrm>
-            <a:off x="14245" y="213451"/>
-            <a:ext cx="12615488" cy="646331"/>
+            <a:off x="0" y="70686"/>
+            <a:ext cx="13501314" cy="646331"/>
           </a:xfrm>
           <a:prstGeom prst="rect">
             <a:avLst/>
@@ -8605,11 +8766,18 @@
           <a:lstStyle/>
           <a:p>
             <a:r>
-              <a:rPr kumimoji="1" lang="en-US" altLang="ja-JP" sz="3600" b="1" dirty="0">
+              <a:rPr lang="ja-JP" altLang="en-US" sz="3600" b="1" dirty="0">
                 <a:latin typeface="BIZ UDPゴシック" panose="020B0400000000000000" pitchFamily="50" charset="-128"/>
                 <a:ea typeface="BIZ UDPゴシック" panose="020B0400000000000000" pitchFamily="50" charset="-128"/>
               </a:rPr>
-              <a:t>CSI (Channel State Information) Feedback</a:t>
+              <a:t>固有モード伝送</a:t>
+            </a:r>
+            <a:r>
+              <a:rPr lang="en-US" altLang="ja-JP" sz="3600" b="1" dirty="0">
+                <a:latin typeface="BIZ UDPゴシック" panose="020B0400000000000000" pitchFamily="50" charset="-128"/>
+                <a:ea typeface="BIZ UDPゴシック" panose="020B0400000000000000" pitchFamily="50" charset="-128"/>
+              </a:rPr>
+              <a:t>(EM-BF : Eigenmode Beamforming)</a:t>
             </a:r>
             <a:endParaRPr kumimoji="1" lang="ja-JP" altLang="en-US" sz="3600" b="1" dirty="0">
               <a:latin typeface="BIZ UDPゴシック" panose="020B0400000000000000" pitchFamily="50" charset="-128"/>
@@ -8623,325 +8791,7 @@
           <p:cNvPr id="5" name="テキスト ボックス 4">
             <a:extLst>
               <a:ext uri="{FF2B5EF4-FFF2-40B4-BE49-F238E27FC236}">
-                <a16:creationId xmlns:a16="http://schemas.microsoft.com/office/drawing/2014/main" id="{FB223AAB-1D89-B214-7555-3FF6808DA4C8}"/>
-              </a:ext>
-            </a:extLst>
-          </p:cNvPr>
-          <p:cNvSpPr txBox="1"/>
-          <p:nvPr/>
-        </p:nvSpPr>
-        <p:spPr>
-          <a:xfrm>
-            <a:off x="1242780" y="1837521"/>
-            <a:ext cx="9815513" cy="954107"/>
-          </a:xfrm>
-          <a:prstGeom prst="rect">
-            <a:avLst/>
-          </a:prstGeom>
-          <a:noFill/>
-        </p:spPr>
-        <p:txBody>
-          <a:bodyPr wrap="square" rtlCol="0">
-            <a:spAutoFit/>
-          </a:bodyPr>
-          <a:lstStyle/>
-          <a:p>
-            <a:r>
-              <a:rPr kumimoji="1" lang="ja-JP" altLang="en-US" sz="2800" dirty="0">
-                <a:latin typeface="BIZ UDPゴシック" panose="020B0400000000000000" pitchFamily="50" charset="-128"/>
-                <a:ea typeface="BIZ UDPゴシック" panose="020B0400000000000000" pitchFamily="50" charset="-128"/>
-              </a:rPr>
-              <a:t>データパケットは</a:t>
-            </a:r>
-            <a:r>
-              <a:rPr kumimoji="1" lang="en-US" altLang="ja-JP" sz="2800" dirty="0">
-                <a:latin typeface="BIZ UDPゴシック" panose="020B0400000000000000" pitchFamily="50" charset="-128"/>
-                <a:ea typeface="BIZ UDPゴシック" panose="020B0400000000000000" pitchFamily="50" charset="-128"/>
-              </a:rPr>
-              <a:t>CSI</a:t>
-            </a:r>
-            <a:r>
-              <a:rPr lang="ja-JP" altLang="en-US" sz="2800" dirty="0">
-                <a:latin typeface="BIZ UDPゴシック" panose="020B0400000000000000" pitchFamily="50" charset="-128"/>
-                <a:ea typeface="BIZ UDPゴシック" panose="020B0400000000000000" pitchFamily="50" charset="-128"/>
-              </a:rPr>
-              <a:t> </a:t>
-            </a:r>
-            <a:r>
-              <a:rPr lang="en-US" altLang="ja-JP" sz="2800" dirty="0">
-                <a:latin typeface="BIZ UDPゴシック" panose="020B0400000000000000" pitchFamily="50" charset="-128"/>
-                <a:ea typeface="BIZ UDPゴシック" panose="020B0400000000000000" pitchFamily="50" charset="-128"/>
-              </a:rPr>
-              <a:t>Feedback</a:t>
-            </a:r>
-            <a:r>
-              <a:rPr lang="ja-JP" altLang="en-US" sz="2800" dirty="0">
-                <a:latin typeface="BIZ UDPゴシック" panose="020B0400000000000000" pitchFamily="50" charset="-128"/>
-                <a:ea typeface="BIZ UDPゴシック" panose="020B0400000000000000" pitchFamily="50" charset="-128"/>
-              </a:rPr>
-              <a:t>によるチャネル推定が完了したところで送信状態へ移行し</a:t>
-            </a:r>
-            <a:r>
-              <a:rPr lang="en-US" altLang="ja-JP" sz="2800" dirty="0">
-                <a:latin typeface="BIZ UDPゴシック" panose="020B0400000000000000" pitchFamily="50" charset="-128"/>
-                <a:ea typeface="BIZ UDPゴシック" panose="020B0400000000000000" pitchFamily="50" charset="-128"/>
-              </a:rPr>
-              <a:t>,</a:t>
-            </a:r>
-            <a:r>
-              <a:rPr lang="ja-JP" altLang="en-US" sz="2800" dirty="0">
-                <a:latin typeface="BIZ UDPゴシック" panose="020B0400000000000000" pitchFamily="50" charset="-128"/>
-                <a:ea typeface="BIZ UDPゴシック" panose="020B0400000000000000" pitchFamily="50" charset="-128"/>
-              </a:rPr>
-              <a:t>同期して送信する必要がある</a:t>
-            </a:r>
-            <a:r>
-              <a:rPr lang="en-US" altLang="ja-JP" sz="2800" dirty="0">
-                <a:latin typeface="BIZ UDPゴシック" panose="020B0400000000000000" pitchFamily="50" charset="-128"/>
-                <a:ea typeface="BIZ UDPゴシック" panose="020B0400000000000000" pitchFamily="50" charset="-128"/>
-              </a:rPr>
-              <a:t>.</a:t>
-            </a:r>
-            <a:endParaRPr kumimoji="1" lang="ja-JP" altLang="en-US" sz="2800" dirty="0">
-              <a:latin typeface="BIZ UDPゴシック" panose="020B0400000000000000" pitchFamily="50" charset="-128"/>
-              <a:ea typeface="BIZ UDPゴシック" panose="020B0400000000000000" pitchFamily="50" charset="-128"/>
-            </a:endParaRPr>
-          </a:p>
-        </p:txBody>
-      </p:sp>
-      <p:sp>
-        <p:nvSpPr>
-          <p:cNvPr id="7" name="テキスト ボックス 6">
-            <a:extLst>
-              <a:ext uri="{FF2B5EF4-FFF2-40B4-BE49-F238E27FC236}">
-                <a16:creationId xmlns:a16="http://schemas.microsoft.com/office/drawing/2014/main" id="{708DC01C-0E7E-9586-9518-8051754A0E16}"/>
-              </a:ext>
-            </a:extLst>
-          </p:cNvPr>
-          <p:cNvSpPr txBox="1"/>
-          <p:nvPr/>
-        </p:nvSpPr>
-        <p:spPr>
-          <a:xfrm>
-            <a:off x="1902156" y="2860655"/>
-            <a:ext cx="9156137" cy="954107"/>
-          </a:xfrm>
-          <a:prstGeom prst="rect">
-            <a:avLst/>
-          </a:prstGeom>
-          <a:noFill/>
-        </p:spPr>
-        <p:txBody>
-          <a:bodyPr wrap="square" rtlCol="0">
-            <a:spAutoFit/>
-          </a:bodyPr>
-          <a:lstStyle/>
-          <a:p>
-            <a:r>
-              <a:rPr lang="ja-JP" altLang="en-US" sz="2800" dirty="0">
-                <a:latin typeface="BIZ UDPゴシック" panose="020B0400000000000000" pitchFamily="50" charset="-128"/>
-                <a:ea typeface="BIZ UDPゴシック" panose="020B0400000000000000" pitchFamily="50" charset="-128"/>
-              </a:rPr>
-              <a:t>データ送信開始までのオーバーヘッドとなり</a:t>
-            </a:r>
-            <a:r>
-              <a:rPr lang="en-US" altLang="ja-JP" sz="2800" dirty="0">
-                <a:latin typeface="BIZ UDPゴシック" panose="020B0400000000000000" pitchFamily="50" charset="-128"/>
-                <a:ea typeface="BIZ UDPゴシック" panose="020B0400000000000000" pitchFamily="50" charset="-128"/>
-              </a:rPr>
-              <a:t>,</a:t>
-            </a:r>
-            <a:r>
-              <a:rPr lang="ja-JP" altLang="en-US" sz="2800" dirty="0">
-                <a:latin typeface="BIZ UDPゴシック" panose="020B0400000000000000" pitchFamily="50" charset="-128"/>
-                <a:ea typeface="BIZ UDPゴシック" panose="020B0400000000000000" pitchFamily="50" charset="-128"/>
-              </a:rPr>
-              <a:t>伝送効率を低下させる</a:t>
-            </a:r>
-            <a:r>
-              <a:rPr lang="en-US" altLang="ja-JP" sz="2800" dirty="0">
-                <a:latin typeface="BIZ UDPゴシック" panose="020B0400000000000000" pitchFamily="50" charset="-128"/>
-                <a:ea typeface="BIZ UDPゴシック" panose="020B0400000000000000" pitchFamily="50" charset="-128"/>
-              </a:rPr>
-              <a:t>.</a:t>
-            </a:r>
-            <a:endParaRPr kumimoji="1" lang="ja-JP" altLang="en-US" sz="2800" dirty="0">
-              <a:latin typeface="BIZ UDPゴシック" panose="020B0400000000000000" pitchFamily="50" charset="-128"/>
-              <a:ea typeface="BIZ UDPゴシック" panose="020B0400000000000000" pitchFamily="50" charset="-128"/>
-            </a:endParaRPr>
-          </a:p>
-        </p:txBody>
-      </p:sp>
-      <p:sp>
-        <p:nvSpPr>
-          <p:cNvPr id="8" name="テキスト ボックス 7">
-            <a:extLst>
-              <a:ext uri="{FF2B5EF4-FFF2-40B4-BE49-F238E27FC236}">
-                <a16:creationId xmlns:a16="http://schemas.microsoft.com/office/drawing/2014/main" id="{EE806ECE-119D-E56E-856F-CDC63ED5EA8B}"/>
-              </a:ext>
-            </a:extLst>
-          </p:cNvPr>
-          <p:cNvSpPr txBox="1"/>
-          <p:nvPr/>
-        </p:nvSpPr>
-        <p:spPr>
-          <a:xfrm>
-            <a:off x="1444956" y="2860655"/>
-            <a:ext cx="457200" cy="523220"/>
-          </a:xfrm>
-          <a:prstGeom prst="rect">
-            <a:avLst/>
-          </a:prstGeom>
-          <a:noFill/>
-        </p:spPr>
-        <p:txBody>
-          <a:bodyPr wrap="square" rtlCol="0">
-            <a:spAutoFit/>
-          </a:bodyPr>
-          <a:lstStyle/>
-          <a:p>
-            <a:r>
-              <a:rPr kumimoji="1" lang="ja-JP" altLang="en-US" sz="2800" dirty="0">
-                <a:latin typeface="BIZ UDPゴシック" panose="020B0400000000000000" pitchFamily="50" charset="-128"/>
-                <a:ea typeface="BIZ UDPゴシック" panose="020B0400000000000000" pitchFamily="50" charset="-128"/>
-              </a:rPr>
-              <a:t>⇒</a:t>
-            </a:r>
-          </a:p>
-        </p:txBody>
-      </p:sp>
-      <p:sp>
-        <p:nvSpPr>
-          <p:cNvPr id="10" name="テキスト ボックス 9">
-            <a:extLst>
-              <a:ext uri="{FF2B5EF4-FFF2-40B4-BE49-F238E27FC236}">
-                <a16:creationId xmlns:a16="http://schemas.microsoft.com/office/drawing/2014/main" id="{78A50DDA-CEB1-FE07-556C-222AC94D4BD9}"/>
-              </a:ext>
-            </a:extLst>
-          </p:cNvPr>
-          <p:cNvSpPr txBox="1"/>
-          <p:nvPr/>
-        </p:nvSpPr>
-        <p:spPr>
-          <a:xfrm>
-            <a:off x="1242781" y="4209247"/>
-            <a:ext cx="9815513" cy="1815882"/>
-          </a:xfrm>
-          <a:prstGeom prst="rect">
-            <a:avLst/>
-          </a:prstGeom>
-          <a:noFill/>
-        </p:spPr>
-        <p:txBody>
-          <a:bodyPr wrap="square" rtlCol="0">
-            <a:spAutoFit/>
-          </a:bodyPr>
-          <a:lstStyle/>
-          <a:p>
-            <a:r>
-              <a:rPr lang="en-US" altLang="ja-JP" sz="2800" dirty="0">
-                <a:latin typeface="BIZ UDPゴシック" panose="020B0400000000000000" pitchFamily="50" charset="-128"/>
-                <a:ea typeface="BIZ UDPゴシック" panose="020B0400000000000000" pitchFamily="50" charset="-128"/>
-              </a:rPr>
-              <a:t>MU-MIMO</a:t>
-            </a:r>
-            <a:r>
-              <a:rPr lang="ja-JP" altLang="en-US" sz="2800" dirty="0">
-                <a:latin typeface="BIZ UDPゴシック" panose="020B0400000000000000" pitchFamily="50" charset="-128"/>
-                <a:ea typeface="BIZ UDPゴシック" panose="020B0400000000000000" pitchFamily="50" charset="-128"/>
-              </a:rPr>
-              <a:t>の場合</a:t>
-            </a:r>
-            <a:r>
-              <a:rPr lang="en-US" altLang="ja-JP" sz="2800" dirty="0">
-                <a:latin typeface="BIZ UDPゴシック" panose="020B0400000000000000" pitchFamily="50" charset="-128"/>
-                <a:ea typeface="BIZ UDPゴシック" panose="020B0400000000000000" pitchFamily="50" charset="-128"/>
-              </a:rPr>
-              <a:t>,</a:t>
-            </a:r>
-            <a:r>
-              <a:rPr lang="ja-JP" altLang="en-US" sz="2800" dirty="0">
-                <a:latin typeface="BIZ UDPゴシック" panose="020B0400000000000000" pitchFamily="50" charset="-128"/>
-                <a:ea typeface="BIZ UDPゴシック" panose="020B0400000000000000" pitchFamily="50" charset="-128"/>
-              </a:rPr>
-              <a:t>複数</a:t>
-            </a:r>
-            <a:r>
-              <a:rPr lang="en-US" altLang="ja-JP" sz="2800" dirty="0">
-                <a:latin typeface="BIZ UDPゴシック" panose="020B0400000000000000" pitchFamily="50" charset="-128"/>
-                <a:ea typeface="BIZ UDPゴシック" panose="020B0400000000000000" pitchFamily="50" charset="-128"/>
-              </a:rPr>
-              <a:t>STA</a:t>
-            </a:r>
-            <a:r>
-              <a:rPr lang="ja-JP" altLang="en-US" sz="2800" dirty="0">
-                <a:latin typeface="BIZ UDPゴシック" panose="020B0400000000000000" pitchFamily="50" charset="-128"/>
-                <a:ea typeface="BIZ UDPゴシック" panose="020B0400000000000000" pitchFamily="50" charset="-128"/>
-              </a:rPr>
-              <a:t>宛てに同期してデータを送信しなければならないため</a:t>
-            </a:r>
-            <a:r>
-              <a:rPr lang="en-US" altLang="ja-JP" sz="2800" dirty="0">
-                <a:latin typeface="BIZ UDPゴシック" panose="020B0400000000000000" pitchFamily="50" charset="-128"/>
-                <a:ea typeface="BIZ UDPゴシック" panose="020B0400000000000000" pitchFamily="50" charset="-128"/>
-              </a:rPr>
-              <a:t>,</a:t>
-            </a:r>
-            <a:r>
-              <a:rPr lang="ja-JP" altLang="en-US" sz="2800" dirty="0">
-                <a:latin typeface="BIZ UDPゴシック" panose="020B0400000000000000" pitchFamily="50" charset="-128"/>
-                <a:ea typeface="BIZ UDPゴシック" panose="020B0400000000000000" pitchFamily="50" charset="-128"/>
-              </a:rPr>
-              <a:t>従来の無線</a:t>
-            </a:r>
-            <a:r>
-              <a:rPr lang="en-US" altLang="ja-JP" sz="2800" dirty="0">
-                <a:latin typeface="BIZ UDPゴシック" panose="020B0400000000000000" pitchFamily="50" charset="-128"/>
-                <a:ea typeface="BIZ UDPゴシック" panose="020B0400000000000000" pitchFamily="50" charset="-128"/>
-              </a:rPr>
-              <a:t>LAN</a:t>
-            </a:r>
-            <a:r>
-              <a:rPr lang="ja-JP" altLang="en-US" sz="2800" dirty="0">
-                <a:latin typeface="BIZ UDPゴシック" panose="020B0400000000000000" pitchFamily="50" charset="-128"/>
-                <a:ea typeface="BIZ UDPゴシック" panose="020B0400000000000000" pitchFamily="50" charset="-128"/>
-              </a:rPr>
-              <a:t>は自立分散制御であったが</a:t>
-            </a:r>
-            <a:r>
-              <a:rPr lang="en-US" altLang="ja-JP" sz="2800" dirty="0">
-                <a:latin typeface="BIZ UDPゴシック" panose="020B0400000000000000" pitchFamily="50" charset="-128"/>
-                <a:ea typeface="BIZ UDPゴシック" panose="020B0400000000000000" pitchFamily="50" charset="-128"/>
-              </a:rPr>
-              <a:t>,</a:t>
-            </a:r>
-            <a:r>
-              <a:rPr lang="ja-JP" altLang="en-US" sz="2800" dirty="0">
-                <a:latin typeface="BIZ UDPゴシック" panose="020B0400000000000000" pitchFamily="50" charset="-128"/>
-                <a:ea typeface="BIZ UDPゴシック" panose="020B0400000000000000" pitchFamily="50" charset="-128"/>
-              </a:rPr>
-              <a:t>集中制御のような送信タイミングをスケジューリングするなどの工夫が必要となる</a:t>
-            </a:r>
-            <a:r>
-              <a:rPr lang="en-US" altLang="ja-JP" sz="2800" dirty="0">
-                <a:latin typeface="BIZ UDPゴシック" panose="020B0400000000000000" pitchFamily="50" charset="-128"/>
-                <a:ea typeface="BIZ UDPゴシック" panose="020B0400000000000000" pitchFamily="50" charset="-128"/>
-              </a:rPr>
-              <a:t>.</a:t>
-            </a:r>
-            <a:endParaRPr kumimoji="1" lang="ja-JP" altLang="en-US" sz="2800" dirty="0">
-              <a:latin typeface="BIZ UDPゴシック" panose="020B0400000000000000" pitchFamily="50" charset="-128"/>
-              <a:ea typeface="BIZ UDPゴシック" panose="020B0400000000000000" pitchFamily="50" charset="-128"/>
-            </a:endParaRPr>
-          </a:p>
-        </p:txBody>
-      </p:sp>
-      <p:sp>
-        <p:nvSpPr>
-          <p:cNvPr id="11" name="テキスト ボックス 10">
-            <a:extLst>
-              <a:ext uri="{FF2B5EF4-FFF2-40B4-BE49-F238E27FC236}">
-                <a16:creationId xmlns:a16="http://schemas.microsoft.com/office/drawing/2014/main" id="{FB98A88C-F9F2-08E8-6FA3-9C33C730FBBF}"/>
+                <a16:creationId xmlns:a16="http://schemas.microsoft.com/office/drawing/2014/main" id="{EBB340E6-4AED-CB3C-4DB0-0383FFA20E24}"/>
               </a:ext>
             </a:extLst>
           </p:cNvPr>
@@ -8978,10 +8828,94 @@
           </a:p>
         </p:txBody>
       </p:sp>
+      <p:sp>
+        <p:nvSpPr>
+          <p:cNvPr id="6" name="テキスト ボックス 5">
+            <a:extLst>
+              <a:ext uri="{FF2B5EF4-FFF2-40B4-BE49-F238E27FC236}">
+                <a16:creationId xmlns:a16="http://schemas.microsoft.com/office/drawing/2014/main" id="{853707C1-A7BF-09CF-4FC0-75B384D78E97}"/>
+              </a:ext>
+            </a:extLst>
+          </p:cNvPr>
+          <p:cNvSpPr txBox="1"/>
+          <p:nvPr/>
+        </p:nvSpPr>
+        <p:spPr>
+          <a:xfrm>
+            <a:off x="1045368" y="2644170"/>
+            <a:ext cx="10101263" cy="1569660"/>
+          </a:xfrm>
+          <a:prstGeom prst="rect">
+            <a:avLst/>
+          </a:prstGeom>
+          <a:noFill/>
+        </p:spPr>
+        <p:txBody>
+          <a:bodyPr wrap="square" rtlCol="0">
+            <a:spAutoFit/>
+          </a:bodyPr>
+          <a:lstStyle/>
+          <a:p>
+            <a:r>
+              <a:rPr kumimoji="1" lang="ja-JP" altLang="en-US" sz="3200" dirty="0">
+                <a:latin typeface="BIZ UDPゴシック" panose="020B0400000000000000" pitchFamily="50" charset="-128"/>
+                <a:ea typeface="BIZ UDPゴシック" panose="020B0400000000000000" pitchFamily="50" charset="-128"/>
+              </a:rPr>
+              <a:t>ユーザが増えるとすべてのユーザに対してチャネル推定の手順を繰り返し実施し</a:t>
+            </a:r>
+            <a:r>
+              <a:rPr kumimoji="1" lang="en-US" altLang="ja-JP" sz="3200" dirty="0">
+                <a:latin typeface="BIZ UDPゴシック" panose="020B0400000000000000" pitchFamily="50" charset="-128"/>
+                <a:ea typeface="BIZ UDPゴシック" panose="020B0400000000000000" pitchFamily="50" charset="-128"/>
+              </a:rPr>
+              <a:t>,</a:t>
+            </a:r>
+            <a:r>
+              <a:rPr kumimoji="1" lang="ja-JP" altLang="en-US" sz="3200" dirty="0">
+                <a:latin typeface="BIZ UDPゴシック" panose="020B0400000000000000" pitchFamily="50" charset="-128"/>
+                <a:ea typeface="BIZ UDPゴシック" panose="020B0400000000000000" pitchFamily="50" charset="-128"/>
+              </a:rPr>
+              <a:t>多重伝送可能なユーザを選定</a:t>
+            </a:r>
+            <a:r>
+              <a:rPr lang="ja-JP" altLang="en-US" sz="3200" dirty="0">
+                <a:latin typeface="BIZ UDPゴシック" panose="020B0400000000000000" pitchFamily="50" charset="-128"/>
+                <a:ea typeface="BIZ UDPゴシック" panose="020B0400000000000000" pitchFamily="50" charset="-128"/>
+              </a:rPr>
+              <a:t>しなければならず</a:t>
+            </a:r>
+            <a:r>
+              <a:rPr lang="en-US" altLang="ja-JP" sz="3200" dirty="0">
+                <a:latin typeface="BIZ UDPゴシック" panose="020B0400000000000000" pitchFamily="50" charset="-128"/>
+                <a:ea typeface="BIZ UDPゴシック" panose="020B0400000000000000" pitchFamily="50" charset="-128"/>
+              </a:rPr>
+              <a:t>,</a:t>
+            </a:r>
+            <a:r>
+              <a:rPr lang="ja-JP" altLang="en-US" sz="3200" dirty="0">
+                <a:latin typeface="BIZ UDPゴシック" panose="020B0400000000000000" pitchFamily="50" charset="-128"/>
+                <a:ea typeface="BIZ UDPゴシック" panose="020B0400000000000000" pitchFamily="50" charset="-128"/>
+              </a:rPr>
+              <a:t>大きなオーバーヘッドとなる</a:t>
+            </a:r>
+            <a:r>
+              <a:rPr lang="en-US" altLang="ja-JP" sz="3200" dirty="0">
+                <a:latin typeface="BIZ UDPゴシック" panose="020B0400000000000000" pitchFamily="50" charset="-128"/>
+                <a:ea typeface="BIZ UDPゴシック" panose="020B0400000000000000" pitchFamily="50" charset="-128"/>
+              </a:rPr>
+              <a:t>.</a:t>
+            </a:r>
+            <a:endParaRPr kumimoji="1" lang="ja-JP" altLang="en-US" sz="3200" dirty="0">
+              <a:latin typeface="BIZ UDPゴシック" panose="020B0400000000000000" pitchFamily="50" charset="-128"/>
+              <a:ea typeface="BIZ UDPゴシック" panose="020B0400000000000000" pitchFamily="50" charset="-128"/>
+            </a:endParaRPr>
+          </a:p>
+        </p:txBody>
+      </p:sp>
     </p:spTree>
     <p:extLst>
       <p:ext uri="{BB962C8B-B14F-4D97-AF65-F5344CB8AC3E}">
-        <p14:creationId xmlns:p14="http://schemas.microsoft.com/office/powerpoint/2010/main" val="3037100936"/>
+        <p14:creationId xmlns:p14="http://schemas.microsoft.com/office/powerpoint/2010/main" val="3975280355"/>
       </p:ext>
     </p:extLst>
   </p:cSld>
@@ -9008,613 +8942,1809 @@
           <a:chExt cx="0" cy="0"/>
         </a:xfrm>
       </p:grpSpPr>
-      <p:grpSp>
-        <p:nvGrpSpPr>
-          <p:cNvPr id="4" name="グループ化 3">
-            <a:extLst>
-              <a:ext uri="{FF2B5EF4-FFF2-40B4-BE49-F238E27FC236}">
-                <a16:creationId xmlns:a16="http://schemas.microsoft.com/office/drawing/2014/main" id="{004530C9-F6B0-4F30-101C-A37D41309C3C}"/>
-              </a:ext>
-            </a:extLst>
-          </p:cNvPr>
-          <p:cNvGrpSpPr/>
+      <p:sp>
+        <p:nvSpPr>
+          <p:cNvPr id="4" name="テキスト ボックス 3">
+            <a:extLst>
+              <a:ext uri="{FF2B5EF4-FFF2-40B4-BE49-F238E27FC236}">
+                <a16:creationId xmlns:a16="http://schemas.microsoft.com/office/drawing/2014/main" id="{F41D5E34-65A8-598A-6399-FEC1DFBB018D}"/>
+              </a:ext>
+            </a:extLst>
+          </p:cNvPr>
+          <p:cNvSpPr txBox="1"/>
           <p:nvPr/>
-        </p:nvGrpSpPr>
-        <p:grpSpPr>
+        </p:nvSpPr>
+        <p:spPr>
           <a:xfrm>
-            <a:off x="1094874" y="2288166"/>
-            <a:ext cx="3752213" cy="2859184"/>
-            <a:chOff x="6426434" y="3363702"/>
-            <a:chExt cx="4425981" cy="3036134"/>
+            <a:off x="14245" y="213451"/>
+            <a:ext cx="12615488" cy="646331"/>
           </a:xfrm>
-        </p:grpSpPr>
-        <p:pic>
-          <p:nvPicPr>
-            <p:cNvPr id="5" name="グラフィックス 4">
-              <a:extLst>
-                <a:ext uri="{FF2B5EF4-FFF2-40B4-BE49-F238E27FC236}">
-                  <a16:creationId xmlns:a16="http://schemas.microsoft.com/office/drawing/2014/main" id="{7074FFFF-003C-067F-BFB7-3C0B4043EB13}"/>
-                </a:ext>
-              </a:extLst>
-            </p:cNvPr>
-            <p:cNvPicPr>
-              <a:picLocks noChangeAspect="1"/>
-            </p:cNvPicPr>
-            <p:nvPr/>
-          </p:nvPicPr>
-          <p:blipFill>
-            <a:blip r:embed="rId6">
-              <a:extLst>
-                <a:ext uri="{28A0092B-C50C-407E-A947-70E740481C1C}">
-                  <a14:useLocalDpi xmlns:a14="http://schemas.microsoft.com/office/drawing/2010/main" val="0"/>
-                </a:ext>
-                <a:ext uri="{96DAC541-7B7A-43D3-8B79-37D633B846F1}">
-                  <asvg:svgBlip xmlns:asvg="http://schemas.microsoft.com/office/drawing/2016/SVG/main" r:embed="rId7"/>
-                </a:ext>
-              </a:extLst>
-            </a:blip>
-            <a:stretch>
-              <a:fillRect/>
-            </a:stretch>
-          </p:blipFill>
-          <p:spPr>
-            <a:xfrm>
-              <a:off x="6426434" y="3733035"/>
-              <a:ext cx="4414977" cy="2624049"/>
-            </a:xfrm>
-            <a:prstGeom prst="rect">
-              <a:avLst/>
-            </a:prstGeom>
-          </p:spPr>
-        </p:pic>
-        <p:pic>
-          <p:nvPicPr>
-            <p:cNvPr id="6" name="図 5" descr="\documentclass{jsarticle}&#10;\usepackage{amsmath}&#10;\usepackage[T1]{fontenc}&#10;\usepackage{lmodern}&#10;\pagestyle{empty}&#10;&#10;\begin{document}&#10;%\begin{align*}&#10;%\end{align*}&#10;&#10;$S_1$&#10;&#10;\end{document}" title="IguanaTex Bitmap Display">
-              <a:extLst>
-                <a:ext uri="{FF2B5EF4-FFF2-40B4-BE49-F238E27FC236}">
-                  <a16:creationId xmlns:a16="http://schemas.microsoft.com/office/drawing/2014/main" id="{48E61D12-82CC-1387-859E-D50521DF6DBF}"/>
-                </a:ext>
-              </a:extLst>
-            </p:cNvPr>
-            <p:cNvPicPr>
-              <a:picLocks noChangeAspect="1"/>
-            </p:cNvPicPr>
-            <p:nvPr>
-              <p:custDataLst>
-                <p:tags r:id="rId1"/>
-              </p:custDataLst>
-            </p:nvPr>
-          </p:nvPicPr>
-          <p:blipFill>
-            <a:blip r:embed="rId8">
-              <a:extLst>
-                <a:ext uri="{28A0092B-C50C-407E-A947-70E740481C1C}">
-                  <a14:useLocalDpi xmlns:a14="http://schemas.microsoft.com/office/drawing/2010/main" val="0"/>
-                </a:ext>
-              </a:extLst>
-            </a:blip>
-            <a:stretch>
-              <a:fillRect/>
-            </a:stretch>
-          </p:blipFill>
-          <p:spPr>
-            <a:xfrm>
-              <a:off x="6520564" y="4237482"/>
-              <a:ext cx="301446" cy="287564"/>
-            </a:xfrm>
-            <a:prstGeom prst="rect">
-              <a:avLst/>
-            </a:prstGeom>
-          </p:spPr>
-        </p:pic>
-        <p:pic>
-          <p:nvPicPr>
-            <p:cNvPr id="7" name="図 6" descr="\documentclass{jsarticle}&#10;\usepackage{amsmath}&#10;\usepackage[T1]{fontenc}&#10;\usepackage{lmodern}&#10;\pagestyle{empty}&#10;&#10;\begin{document}&#10;%\begin{align*}&#10;%\end{align*}&#10;&#10;$S_2$&#10;&#10;\end{document}" title="IguanaTex Bitmap Display">
-              <a:extLst>
-                <a:ext uri="{FF2B5EF4-FFF2-40B4-BE49-F238E27FC236}">
-                  <a16:creationId xmlns:a16="http://schemas.microsoft.com/office/drawing/2014/main" id="{2C6E48D6-7C55-D3E6-FFCA-0685CF4A1F19}"/>
-                </a:ext>
-              </a:extLst>
-            </p:cNvPr>
-            <p:cNvPicPr>
-              <a:picLocks noChangeAspect="1"/>
-            </p:cNvPicPr>
-            <p:nvPr>
-              <p:custDataLst>
-                <p:tags r:id="rId2"/>
-              </p:custDataLst>
-            </p:nvPr>
-          </p:nvPicPr>
-          <p:blipFill>
-            <a:blip r:embed="rId9">
-              <a:extLst>
-                <a:ext uri="{28A0092B-C50C-407E-A947-70E740481C1C}">
-                  <a14:useLocalDpi xmlns:a14="http://schemas.microsoft.com/office/drawing/2010/main" val="0"/>
-                </a:ext>
-              </a:extLst>
-            </a:blip>
-            <a:stretch>
-              <a:fillRect/>
-            </a:stretch>
-          </p:blipFill>
-          <p:spPr>
-            <a:xfrm>
-              <a:off x="6520564" y="5817130"/>
-              <a:ext cx="301446" cy="281998"/>
-            </a:xfrm>
-            <a:prstGeom prst="rect">
-              <a:avLst/>
-            </a:prstGeom>
-          </p:spPr>
-        </p:pic>
-        <p:sp>
-          <p:nvSpPr>
-            <p:cNvPr id="8" name="テキスト ボックス 7">
-              <a:extLst>
-                <a:ext uri="{FF2B5EF4-FFF2-40B4-BE49-F238E27FC236}">
-                  <a16:creationId xmlns:a16="http://schemas.microsoft.com/office/drawing/2014/main" id="{20D4E2DA-9820-C28D-5D0C-4CA393C87823}"/>
-                </a:ext>
-              </a:extLst>
-            </p:cNvPr>
-            <p:cNvSpPr txBox="1"/>
-            <p:nvPr/>
-          </p:nvSpPr>
-          <p:spPr>
-            <a:xfrm>
-              <a:off x="6871447" y="3363704"/>
-              <a:ext cx="685800" cy="369332"/>
-            </a:xfrm>
-            <a:prstGeom prst="rect">
-              <a:avLst/>
-            </a:prstGeom>
-            <a:noFill/>
-          </p:spPr>
-          <p:txBody>
-            <a:bodyPr wrap="square" rtlCol="0">
-              <a:spAutoFit/>
-            </a:bodyPr>
-            <a:lstStyle/>
-            <a:p>
-              <a:r>
-                <a:rPr kumimoji="1" lang="en-US" altLang="ja-JP" dirty="0">
-                  <a:latin typeface="BIZ UDPゴシック" panose="020B0400000000000000" pitchFamily="50" charset="-128"/>
-                  <a:ea typeface="BIZ UDPゴシック" panose="020B0400000000000000" pitchFamily="50" charset="-128"/>
-                </a:rPr>
-                <a:t>#1</a:t>
-              </a:r>
-              <a:endParaRPr kumimoji="1" lang="ja-JP" altLang="en-US" dirty="0">
+          <a:prstGeom prst="rect">
+            <a:avLst/>
+          </a:prstGeom>
+          <a:noFill/>
+        </p:spPr>
+        <p:txBody>
+          <a:bodyPr wrap="square" rtlCol="0">
+            <a:spAutoFit/>
+          </a:bodyPr>
+          <a:lstStyle/>
+          <a:p>
+            <a:r>
+              <a:rPr kumimoji="1" lang="en-US" altLang="ja-JP" sz="3600" b="1" dirty="0">
                 <a:latin typeface="BIZ UDPゴシック" panose="020B0400000000000000" pitchFamily="50" charset="-128"/>
                 <a:ea typeface="BIZ UDPゴシック" panose="020B0400000000000000" pitchFamily="50" charset="-128"/>
-              </a:endParaRPr>
-            </a:p>
-          </p:txBody>
-        </p:sp>
-        <p:sp>
-          <p:nvSpPr>
-            <p:cNvPr id="9" name="テキスト ボックス 8">
-              <a:extLst>
-                <a:ext uri="{FF2B5EF4-FFF2-40B4-BE49-F238E27FC236}">
-                  <a16:creationId xmlns:a16="http://schemas.microsoft.com/office/drawing/2014/main" id="{1FE34EE4-BF62-8FE7-B46A-79AF57302E6A}"/>
-                </a:ext>
-              </a:extLst>
-            </p:cNvPr>
-            <p:cNvSpPr txBox="1"/>
-            <p:nvPr/>
-          </p:nvSpPr>
-          <p:spPr>
-            <a:xfrm>
-              <a:off x="6871447" y="4860394"/>
-              <a:ext cx="685800" cy="369332"/>
-            </a:xfrm>
-            <a:prstGeom prst="rect">
-              <a:avLst/>
-            </a:prstGeom>
-            <a:noFill/>
-          </p:spPr>
-          <p:txBody>
-            <a:bodyPr wrap="square" rtlCol="0">
-              <a:spAutoFit/>
-            </a:bodyPr>
-            <a:lstStyle/>
-            <a:p>
-              <a:r>
-                <a:rPr kumimoji="1" lang="en-US" altLang="ja-JP" dirty="0">
-                  <a:latin typeface="BIZ UDPゴシック" panose="020B0400000000000000" pitchFamily="50" charset="-128"/>
-                  <a:ea typeface="BIZ UDPゴシック" panose="020B0400000000000000" pitchFamily="50" charset="-128"/>
-                </a:rPr>
-                <a:t>#2</a:t>
-              </a:r>
-              <a:endParaRPr kumimoji="1" lang="ja-JP" altLang="en-US" dirty="0">
-                <a:latin typeface="BIZ UDPゴシック" panose="020B0400000000000000" pitchFamily="50" charset="-128"/>
-                <a:ea typeface="BIZ UDPゴシック" panose="020B0400000000000000" pitchFamily="50" charset="-128"/>
-              </a:endParaRPr>
-            </a:p>
-          </p:txBody>
-        </p:sp>
-        <p:sp>
-          <p:nvSpPr>
-            <p:cNvPr id="10" name="テキスト ボックス 9">
-              <a:extLst>
-                <a:ext uri="{FF2B5EF4-FFF2-40B4-BE49-F238E27FC236}">
-                  <a16:creationId xmlns:a16="http://schemas.microsoft.com/office/drawing/2014/main" id="{A20148DC-80B6-6F37-5D75-6C0E7C39C9C7}"/>
-                </a:ext>
-              </a:extLst>
-            </p:cNvPr>
-            <p:cNvSpPr txBox="1"/>
-            <p:nvPr/>
-          </p:nvSpPr>
-          <p:spPr>
-            <a:xfrm>
-              <a:off x="9350188" y="3363702"/>
-              <a:ext cx="685800" cy="369332"/>
-            </a:xfrm>
-            <a:prstGeom prst="rect">
-              <a:avLst/>
-            </a:prstGeom>
-            <a:noFill/>
-          </p:spPr>
-          <p:txBody>
-            <a:bodyPr wrap="square" rtlCol="0">
-              <a:spAutoFit/>
-            </a:bodyPr>
-            <a:lstStyle/>
-            <a:p>
-              <a:r>
-                <a:rPr kumimoji="1" lang="en-US" altLang="ja-JP" dirty="0">
-                  <a:latin typeface="BIZ UDPゴシック" panose="020B0400000000000000" pitchFamily="50" charset="-128"/>
-                  <a:ea typeface="BIZ UDPゴシック" panose="020B0400000000000000" pitchFamily="50" charset="-128"/>
-                </a:rPr>
-                <a:t>#1</a:t>
-              </a:r>
-              <a:endParaRPr kumimoji="1" lang="ja-JP" altLang="en-US" dirty="0">
-                <a:latin typeface="BIZ UDPゴシック" panose="020B0400000000000000" pitchFamily="50" charset="-128"/>
-                <a:ea typeface="BIZ UDPゴシック" panose="020B0400000000000000" pitchFamily="50" charset="-128"/>
-              </a:endParaRPr>
-            </a:p>
-          </p:txBody>
-        </p:sp>
-        <p:sp>
-          <p:nvSpPr>
-            <p:cNvPr id="11" name="テキスト ボックス 10">
-              <a:extLst>
-                <a:ext uri="{FF2B5EF4-FFF2-40B4-BE49-F238E27FC236}">
-                  <a16:creationId xmlns:a16="http://schemas.microsoft.com/office/drawing/2014/main" id="{993ADB6D-1420-88CE-1701-6F4344B0068F}"/>
-                </a:ext>
-              </a:extLst>
-            </p:cNvPr>
-            <p:cNvSpPr txBox="1"/>
-            <p:nvPr/>
-          </p:nvSpPr>
-          <p:spPr>
-            <a:xfrm>
-              <a:off x="9350188" y="4903147"/>
-              <a:ext cx="685800" cy="369332"/>
-            </a:xfrm>
-            <a:prstGeom prst="rect">
-              <a:avLst/>
-            </a:prstGeom>
-            <a:noFill/>
-          </p:spPr>
-          <p:txBody>
-            <a:bodyPr wrap="square" rtlCol="0">
-              <a:spAutoFit/>
-            </a:bodyPr>
-            <a:lstStyle/>
-            <a:p>
-              <a:r>
-                <a:rPr kumimoji="1" lang="en-US" altLang="ja-JP" dirty="0">
-                  <a:latin typeface="BIZ UDPゴシック" panose="020B0400000000000000" pitchFamily="50" charset="-128"/>
-                  <a:ea typeface="BIZ UDPゴシック" panose="020B0400000000000000" pitchFamily="50" charset="-128"/>
-                </a:rPr>
-                <a:t>#2</a:t>
-              </a:r>
-              <a:endParaRPr kumimoji="1" lang="ja-JP" altLang="en-US" dirty="0">
-                <a:latin typeface="BIZ UDPゴシック" panose="020B0400000000000000" pitchFamily="50" charset="-128"/>
-                <a:ea typeface="BIZ UDPゴシック" panose="020B0400000000000000" pitchFamily="50" charset="-128"/>
-              </a:endParaRPr>
-            </a:p>
-          </p:txBody>
-        </p:sp>
-        <p:pic>
-          <p:nvPicPr>
-            <p:cNvPr id="12" name="図 11" descr="\documentclass{jsarticle}&#10;\usepackage{amsmath}&#10;\usepackage[T1]{fontenc}&#10;\usepackage{lmodern}&#10;\pagestyle{empty}&#10;&#10;\begin{document}&#10;%\begin{align*}&#10;%\end{align*}&#10;&#10;$S_1$&#10;&#10;\end{document}" title="IguanaTex Bitmap Display">
-              <a:extLst>
-                <a:ext uri="{FF2B5EF4-FFF2-40B4-BE49-F238E27FC236}">
-                  <a16:creationId xmlns:a16="http://schemas.microsoft.com/office/drawing/2014/main" id="{769B960C-FEE8-E285-AC8C-12F34BA315C4}"/>
-                </a:ext>
-              </a:extLst>
-            </p:cNvPr>
-            <p:cNvPicPr>
-              <a:picLocks noChangeAspect="1"/>
-            </p:cNvPicPr>
-            <p:nvPr>
-              <p:custDataLst>
-                <p:tags r:id="rId3"/>
-              </p:custDataLst>
-            </p:nvPr>
-          </p:nvPicPr>
-          <p:blipFill>
-            <a:blip r:embed="rId8">
-              <a:extLst>
-                <a:ext uri="{28A0092B-C50C-407E-A947-70E740481C1C}">
-                  <a14:useLocalDpi xmlns:a14="http://schemas.microsoft.com/office/drawing/2010/main" val="0"/>
-                </a:ext>
-              </a:extLst>
-            </a:blip>
-            <a:stretch>
-              <a:fillRect/>
-            </a:stretch>
-          </p:blipFill>
-          <p:spPr>
-            <a:xfrm>
-              <a:off x="10424693" y="4572830"/>
-              <a:ext cx="301446" cy="287564"/>
-            </a:xfrm>
-            <a:prstGeom prst="rect">
-              <a:avLst/>
-            </a:prstGeom>
-          </p:spPr>
-        </p:pic>
-        <p:pic>
-          <p:nvPicPr>
-            <p:cNvPr id="13" name="図 12" descr="\documentclass{jsarticle}&#10;\usepackage{amsmath}&#10;\usepackage[T1]{fontenc}&#10;\usepackage{lmodern}&#10;\pagestyle{empty}&#10;&#10;\begin{document}&#10;%\begin{align*}&#10;%\end{align*}&#10;&#10;$S_2$&#10;&#10;\end{document}" title="IguanaTex Bitmap Display">
-              <a:extLst>
-                <a:ext uri="{FF2B5EF4-FFF2-40B4-BE49-F238E27FC236}">
-                  <a16:creationId xmlns:a16="http://schemas.microsoft.com/office/drawing/2014/main" id="{2D93FD6B-62B3-15E7-98C7-77196EAD514D}"/>
-                </a:ext>
-              </a:extLst>
-            </p:cNvPr>
-            <p:cNvPicPr>
-              <a:picLocks noChangeAspect="1"/>
-            </p:cNvPicPr>
-            <p:nvPr>
-              <p:custDataLst>
-                <p:tags r:id="rId4"/>
-              </p:custDataLst>
-            </p:nvPr>
-          </p:nvPicPr>
-          <p:blipFill>
-            <a:blip r:embed="rId9">
-              <a:extLst>
-                <a:ext uri="{28A0092B-C50C-407E-A947-70E740481C1C}">
-                  <a14:useLocalDpi xmlns:a14="http://schemas.microsoft.com/office/drawing/2010/main" val="0"/>
-                </a:ext>
-              </a:extLst>
-            </a:blip>
-            <a:stretch>
-              <a:fillRect/>
-            </a:stretch>
-          </p:blipFill>
-          <p:spPr>
-            <a:xfrm>
-              <a:off x="10424693" y="4946814"/>
-              <a:ext cx="301446" cy="281998"/>
-            </a:xfrm>
-            <a:prstGeom prst="rect">
-              <a:avLst/>
-            </a:prstGeom>
-          </p:spPr>
-        </p:pic>
-        <p:sp>
-          <p:nvSpPr>
-            <p:cNvPr id="14" name="テキスト ボックス 13">
-              <a:extLst>
-                <a:ext uri="{FF2B5EF4-FFF2-40B4-BE49-F238E27FC236}">
-                  <a16:creationId xmlns:a16="http://schemas.microsoft.com/office/drawing/2014/main" id="{A5EAF2CB-0DAD-C616-3F6D-C642407A9620}"/>
-                </a:ext>
-              </a:extLst>
-            </p:cNvPr>
-            <p:cNvSpPr txBox="1"/>
-            <p:nvPr/>
-          </p:nvSpPr>
-          <p:spPr>
-            <a:xfrm>
-              <a:off x="6814325" y="4525046"/>
-              <a:ext cx="685801" cy="338554"/>
-            </a:xfrm>
-            <a:prstGeom prst="rect">
-              <a:avLst/>
-            </a:prstGeom>
-            <a:noFill/>
-          </p:spPr>
-          <p:txBody>
-            <a:bodyPr wrap="square" rtlCol="0">
-              <a:spAutoFit/>
-            </a:bodyPr>
-            <a:lstStyle/>
-            <a:p>
-              <a:pPr algn="ctr"/>
-              <a:r>
-                <a:rPr lang="en-US" altLang="ja-JP" sz="1400" dirty="0">
-                  <a:latin typeface="BIZ UDPゴシック" panose="020B0400000000000000" pitchFamily="50" charset="-128"/>
-                  <a:ea typeface="BIZ UDPゴシック" panose="020B0400000000000000" pitchFamily="50" charset="-128"/>
-                </a:rPr>
-                <a:t>Tx1</a:t>
-              </a:r>
-              <a:endParaRPr kumimoji="1" lang="ja-JP" altLang="en-US" sz="1400" dirty="0">
-                <a:latin typeface="BIZ UDPゴシック" panose="020B0400000000000000" pitchFamily="50" charset="-128"/>
-                <a:ea typeface="BIZ UDPゴシック" panose="020B0400000000000000" pitchFamily="50" charset="-128"/>
-              </a:endParaRPr>
-            </a:p>
-          </p:txBody>
-        </p:sp>
-        <p:sp>
-          <p:nvSpPr>
-            <p:cNvPr id="15" name="テキスト ボックス 14">
-              <a:extLst>
-                <a:ext uri="{FF2B5EF4-FFF2-40B4-BE49-F238E27FC236}">
-                  <a16:creationId xmlns:a16="http://schemas.microsoft.com/office/drawing/2014/main" id="{513EE737-B3F9-27BE-4C5F-9C87C7AF8B41}"/>
-                </a:ext>
-              </a:extLst>
-            </p:cNvPr>
-            <p:cNvSpPr txBox="1"/>
-            <p:nvPr/>
-          </p:nvSpPr>
-          <p:spPr>
-            <a:xfrm>
-              <a:off x="6760692" y="6045270"/>
-              <a:ext cx="796556" cy="326825"/>
-            </a:xfrm>
-            <a:prstGeom prst="rect">
-              <a:avLst/>
-            </a:prstGeom>
-            <a:noFill/>
-          </p:spPr>
-          <p:txBody>
-            <a:bodyPr wrap="square" rtlCol="0">
-              <a:spAutoFit/>
-            </a:bodyPr>
-            <a:lstStyle/>
-            <a:p>
-              <a:pPr algn="ctr"/>
-              <a:r>
-                <a:rPr lang="en-US" altLang="ja-JP" sz="1400" dirty="0">
-                  <a:latin typeface="BIZ UDPゴシック" panose="020B0400000000000000" pitchFamily="50" charset="-128"/>
-                  <a:ea typeface="BIZ UDPゴシック" panose="020B0400000000000000" pitchFamily="50" charset="-128"/>
-                </a:rPr>
-                <a:t>Tx2</a:t>
-              </a:r>
-              <a:endParaRPr kumimoji="1" lang="ja-JP" altLang="en-US" sz="1400" dirty="0">
-                <a:latin typeface="BIZ UDPゴシック" panose="020B0400000000000000" pitchFamily="50" charset="-128"/>
-                <a:ea typeface="BIZ UDPゴシック" panose="020B0400000000000000" pitchFamily="50" charset="-128"/>
-              </a:endParaRPr>
-            </a:p>
-          </p:txBody>
-        </p:sp>
-        <p:sp>
-          <p:nvSpPr>
-            <p:cNvPr id="16" name="テキスト ボックス 15">
-              <a:extLst>
-                <a:ext uri="{FF2B5EF4-FFF2-40B4-BE49-F238E27FC236}">
-                  <a16:creationId xmlns:a16="http://schemas.microsoft.com/office/drawing/2014/main" id="{7545F0D4-018B-FCDA-AE72-63FB375AE14C}"/>
-                </a:ext>
-              </a:extLst>
-            </p:cNvPr>
-            <p:cNvSpPr txBox="1"/>
-            <p:nvPr/>
-          </p:nvSpPr>
-          <p:spPr>
-            <a:xfrm>
-              <a:off x="9259613" y="4530114"/>
-              <a:ext cx="787854" cy="326825"/>
-            </a:xfrm>
-            <a:prstGeom prst="rect">
-              <a:avLst/>
-            </a:prstGeom>
-            <a:noFill/>
-          </p:spPr>
-          <p:txBody>
-            <a:bodyPr wrap="square" rtlCol="0">
-              <a:spAutoFit/>
-            </a:bodyPr>
-            <a:lstStyle/>
-            <a:p>
-              <a:pPr algn="ctr"/>
-              <a:r>
-                <a:rPr lang="en-US" altLang="ja-JP" sz="1400" dirty="0">
-                  <a:latin typeface="BIZ UDPゴシック" panose="020B0400000000000000" pitchFamily="50" charset="-128"/>
-                  <a:ea typeface="BIZ UDPゴシック" panose="020B0400000000000000" pitchFamily="50" charset="-128"/>
-                </a:rPr>
-                <a:t>Rx1</a:t>
-              </a:r>
-              <a:endParaRPr kumimoji="1" lang="ja-JP" altLang="en-US" sz="1400" dirty="0">
-                <a:latin typeface="BIZ UDPゴシック" panose="020B0400000000000000" pitchFamily="50" charset="-128"/>
-                <a:ea typeface="BIZ UDPゴシック" panose="020B0400000000000000" pitchFamily="50" charset="-128"/>
-              </a:endParaRPr>
-            </a:p>
-          </p:txBody>
-        </p:sp>
-        <p:sp>
-          <p:nvSpPr>
-            <p:cNvPr id="17" name="テキスト ボックス 16">
-              <a:extLst>
-                <a:ext uri="{FF2B5EF4-FFF2-40B4-BE49-F238E27FC236}">
-                  <a16:creationId xmlns:a16="http://schemas.microsoft.com/office/drawing/2014/main" id="{BCACC51D-8A86-E9B7-1269-EDD18470C4EE}"/>
-                </a:ext>
-              </a:extLst>
-            </p:cNvPr>
-            <p:cNvSpPr txBox="1"/>
-            <p:nvPr/>
-          </p:nvSpPr>
-          <p:spPr>
-            <a:xfrm>
-              <a:off x="9310642" y="6061282"/>
-              <a:ext cx="685801" cy="338554"/>
-            </a:xfrm>
-            <a:prstGeom prst="rect">
-              <a:avLst/>
-            </a:prstGeom>
-            <a:noFill/>
-          </p:spPr>
-          <p:txBody>
-            <a:bodyPr wrap="square" rtlCol="0">
-              <a:spAutoFit/>
-            </a:bodyPr>
-            <a:lstStyle/>
-            <a:p>
-              <a:pPr algn="ctr"/>
-              <a:r>
-                <a:rPr lang="en-US" altLang="ja-JP" sz="1400" dirty="0">
-                  <a:latin typeface="BIZ UDPゴシック" panose="020B0400000000000000" pitchFamily="50" charset="-128"/>
-                  <a:ea typeface="BIZ UDPゴシック" panose="020B0400000000000000" pitchFamily="50" charset="-128"/>
-                </a:rPr>
-                <a:t>Rx2</a:t>
-              </a:r>
-              <a:endParaRPr kumimoji="1" lang="ja-JP" altLang="en-US" sz="1400" dirty="0">
-                <a:latin typeface="BIZ UDPゴシック" panose="020B0400000000000000" pitchFamily="50" charset="-128"/>
-                <a:ea typeface="BIZ UDPゴシック" panose="020B0400000000000000" pitchFamily="50" charset="-128"/>
-              </a:endParaRPr>
-            </a:p>
-          </p:txBody>
-        </p:sp>
-        <p:sp>
-          <p:nvSpPr>
-            <p:cNvPr id="18" name="テキスト ボックス 17">
-              <a:extLst>
-                <a:ext uri="{FF2B5EF4-FFF2-40B4-BE49-F238E27FC236}">
-                  <a16:creationId xmlns:a16="http://schemas.microsoft.com/office/drawing/2014/main" id="{2536C863-8A40-ADC9-585A-D570C55BF9AF}"/>
-                </a:ext>
-              </a:extLst>
-            </p:cNvPr>
-            <p:cNvSpPr txBox="1"/>
-            <p:nvPr/>
-          </p:nvSpPr>
-          <p:spPr>
-            <a:xfrm>
-              <a:off x="10298417" y="5272479"/>
-              <a:ext cx="553998" cy="779929"/>
-            </a:xfrm>
-            <a:prstGeom prst="rect">
-              <a:avLst/>
-            </a:prstGeom>
-            <a:noFill/>
-          </p:spPr>
-          <p:txBody>
-            <a:bodyPr vert="eaVert" wrap="square" rtlCol="0">
-              <a:spAutoFit/>
-            </a:bodyPr>
-            <a:lstStyle/>
-            <a:p>
-              <a:pPr algn="ctr"/>
-              <a:r>
-                <a:rPr lang="ja-JP" altLang="en-US" sz="2400" dirty="0">
-                  <a:latin typeface="BIZ UDPゴシック" panose="020B0400000000000000" pitchFamily="50" charset="-128"/>
-                  <a:ea typeface="BIZ UDPゴシック" panose="020B0400000000000000" pitchFamily="50" charset="-128"/>
-                </a:rPr>
-                <a:t>分離</a:t>
-              </a:r>
-              <a:endParaRPr kumimoji="1" lang="ja-JP" altLang="en-US" sz="2400" dirty="0">
-                <a:latin typeface="BIZ UDPゴシック" panose="020B0400000000000000" pitchFamily="50" charset="-128"/>
-                <a:ea typeface="BIZ UDPゴシック" panose="020B0400000000000000" pitchFamily="50" charset="-128"/>
-              </a:endParaRPr>
-            </a:p>
-          </p:txBody>
-        </p:sp>
-      </p:grpSp>
+              </a:rPr>
+              <a:t>CSI (Channel State Information) Feedback</a:t>
+            </a:r>
+            <a:endParaRPr kumimoji="1" lang="ja-JP" altLang="en-US" sz="3600" b="1" dirty="0">
+              <a:latin typeface="BIZ UDPゴシック" panose="020B0400000000000000" pitchFamily="50" charset="-128"/>
+              <a:ea typeface="BIZ UDPゴシック" panose="020B0400000000000000" pitchFamily="50" charset="-128"/>
+            </a:endParaRPr>
+          </a:p>
+        </p:txBody>
+      </p:sp>
+      <p:sp>
+        <p:nvSpPr>
+          <p:cNvPr id="5" name="テキスト ボックス 4">
+            <a:extLst>
+              <a:ext uri="{FF2B5EF4-FFF2-40B4-BE49-F238E27FC236}">
+                <a16:creationId xmlns:a16="http://schemas.microsoft.com/office/drawing/2014/main" id="{7647DFC4-FF82-13ED-C459-1C393B102D57}"/>
+              </a:ext>
+            </a:extLst>
+          </p:cNvPr>
+          <p:cNvSpPr txBox="1"/>
+          <p:nvPr/>
+        </p:nvSpPr>
+        <p:spPr>
+          <a:xfrm>
+            <a:off x="2943224" y="2543175"/>
+            <a:ext cx="4321969" cy="923330"/>
+          </a:xfrm>
+          <a:prstGeom prst="rect">
+            <a:avLst/>
+          </a:prstGeom>
+          <a:noFill/>
+        </p:spPr>
+        <p:txBody>
+          <a:bodyPr wrap="square" rtlCol="0">
+            <a:spAutoFit/>
+          </a:bodyPr>
+          <a:lstStyle/>
+          <a:p>
+            <a:r>
+              <a:rPr lang="en-US" altLang="ja-JP" dirty="0"/>
+              <a:t>MU-MIMO</a:t>
+            </a:r>
+            <a:r>
+              <a:rPr lang="ja-JP" altLang="en-US" dirty="0"/>
+              <a:t>のアクセス制御では</a:t>
+            </a:r>
+            <a:r>
+              <a:rPr lang="en-US" altLang="ja-JP" dirty="0"/>
+              <a:t>AP(Access Point)</a:t>
+            </a:r>
+            <a:r>
+              <a:rPr lang="ja-JP" altLang="en-US" dirty="0"/>
+              <a:t>は</a:t>
+            </a:r>
+            <a:r>
+              <a:rPr lang="en-US" altLang="ja-JP" dirty="0"/>
+              <a:t>STAs(Stations)</a:t>
+            </a:r>
+            <a:r>
+              <a:rPr lang="ja-JP" altLang="en-US" dirty="0"/>
+              <a:t>にビームを動的に向ける送信ビームふぉー</a:t>
+            </a:r>
+            <a:endParaRPr lang="en-US" altLang="ja-JP" dirty="0"/>
+          </a:p>
+        </p:txBody>
+      </p:sp>
     </p:spTree>
     <p:extLst>
       <p:ext uri="{BB962C8B-B14F-4D97-AF65-F5344CB8AC3E}">
-        <p14:creationId xmlns:p14="http://schemas.microsoft.com/office/powerpoint/2010/main" val="1479289501"/>
+        <p14:creationId xmlns:p14="http://schemas.microsoft.com/office/powerpoint/2010/main" val="2616035584"/>
+      </p:ext>
+    </p:extLst>
+  </p:cSld>
+  <p:clrMapOvr>
+    <a:masterClrMapping/>
+  </p:clrMapOvr>
+</p:sld>
+</file>
+
+<file path=ppt/slides/slide7.xml><?xml version="1.0" encoding="utf-8"?>
+<p:sld xmlns:a="http://schemas.openxmlformats.org/drawingml/2006/main" xmlns:r="http://schemas.openxmlformats.org/officeDocument/2006/relationships" xmlns:p="http://schemas.openxmlformats.org/presentationml/2006/main">
+  <p:cSld>
+    <p:spTree>
+      <p:nvGrpSpPr>
+        <p:cNvPr id="1" name=""/>
+        <p:cNvGrpSpPr/>
+        <p:nvPr/>
+      </p:nvGrpSpPr>
+      <p:grpSpPr>
+        <a:xfrm>
+          <a:off x="0" y="0"/>
+          <a:ext cx="0" cy="0"/>
+          <a:chOff x="0" y="0"/>
+          <a:chExt cx="0" cy="0"/>
+        </a:xfrm>
+      </p:grpSpPr>
+      <p:sp>
+        <p:nvSpPr>
+          <p:cNvPr id="4" name="テキスト ボックス 3">
+            <a:extLst>
+              <a:ext uri="{FF2B5EF4-FFF2-40B4-BE49-F238E27FC236}">
+                <a16:creationId xmlns:a16="http://schemas.microsoft.com/office/drawing/2014/main" id="{81C4D86E-650F-FAF4-76BA-8BA9C8F1DF2B}"/>
+              </a:ext>
+            </a:extLst>
+          </p:cNvPr>
+          <p:cNvSpPr txBox="1"/>
+          <p:nvPr/>
+        </p:nvSpPr>
+        <p:spPr>
+          <a:xfrm>
+            <a:off x="14245" y="213451"/>
+            <a:ext cx="12615488" cy="646331"/>
+          </a:xfrm>
+          <a:prstGeom prst="rect">
+            <a:avLst/>
+          </a:prstGeom>
+          <a:noFill/>
+        </p:spPr>
+        <p:txBody>
+          <a:bodyPr wrap="square" rtlCol="0">
+            <a:spAutoFit/>
+          </a:bodyPr>
+          <a:lstStyle/>
+          <a:p>
+            <a:r>
+              <a:rPr kumimoji="1" lang="en-US" altLang="ja-JP" sz="3600" b="1" dirty="0">
+                <a:latin typeface="BIZ UDPゴシック" panose="020B0400000000000000" pitchFamily="50" charset="-128"/>
+                <a:ea typeface="BIZ UDPゴシック" panose="020B0400000000000000" pitchFamily="50" charset="-128"/>
+              </a:rPr>
+              <a:t>CSI (Channel State Information) Feedback</a:t>
+            </a:r>
+            <a:endParaRPr kumimoji="1" lang="ja-JP" altLang="en-US" sz="3600" b="1" dirty="0">
+              <a:latin typeface="BIZ UDPゴシック" panose="020B0400000000000000" pitchFamily="50" charset="-128"/>
+              <a:ea typeface="BIZ UDPゴシック" panose="020B0400000000000000" pitchFamily="50" charset="-128"/>
+            </a:endParaRPr>
+          </a:p>
+        </p:txBody>
+      </p:sp>
+      <p:pic>
+        <p:nvPicPr>
+          <p:cNvPr id="6" name="グラフィックス 5">
+            <a:extLst>
+              <a:ext uri="{FF2B5EF4-FFF2-40B4-BE49-F238E27FC236}">
+                <a16:creationId xmlns:a16="http://schemas.microsoft.com/office/drawing/2014/main" id="{12A619E8-682C-71F5-145C-F3E2A024FCD3}"/>
+              </a:ext>
+            </a:extLst>
+          </p:cNvPr>
+          <p:cNvPicPr>
+            <a:picLocks noChangeAspect="1"/>
+          </p:cNvPicPr>
+          <p:nvPr/>
+        </p:nvPicPr>
+        <p:blipFill>
+          <a:blip r:embed="rId3">
+            <a:extLst>
+              <a:ext uri="{28A0092B-C50C-407E-A947-70E740481C1C}">
+                <a14:useLocalDpi xmlns:a14="http://schemas.microsoft.com/office/drawing/2010/main" val="0"/>
+              </a:ext>
+              <a:ext uri="{96DAC541-7B7A-43D3-8B79-37D633B846F1}">
+                <asvg:svgBlip xmlns:asvg="http://schemas.microsoft.com/office/drawing/2016/SVG/main" r:embed="rId4"/>
+              </a:ext>
+            </a:extLst>
+          </a:blip>
+          <a:stretch>
+            <a:fillRect/>
+          </a:stretch>
+        </p:blipFill>
+        <p:spPr>
+          <a:xfrm>
+            <a:off x="627781" y="1671638"/>
+            <a:ext cx="11398355" cy="3219959"/>
+          </a:xfrm>
+          <a:prstGeom prst="rect">
+            <a:avLst/>
+          </a:prstGeom>
+        </p:spPr>
+      </p:pic>
+      <p:sp>
+        <p:nvSpPr>
+          <p:cNvPr id="7" name="テキスト ボックス 6">
+            <a:extLst>
+              <a:ext uri="{FF2B5EF4-FFF2-40B4-BE49-F238E27FC236}">
+                <a16:creationId xmlns:a16="http://schemas.microsoft.com/office/drawing/2014/main" id="{2388829A-20B8-6B2C-61E1-65EA718070F2}"/>
+              </a:ext>
+            </a:extLst>
+          </p:cNvPr>
+          <p:cNvSpPr txBox="1"/>
+          <p:nvPr/>
+        </p:nvSpPr>
+        <p:spPr>
+          <a:xfrm>
+            <a:off x="27706" y="2372611"/>
+            <a:ext cx="600075" cy="338554"/>
+          </a:xfrm>
+          <a:prstGeom prst="rect">
+            <a:avLst/>
+          </a:prstGeom>
+          <a:noFill/>
+        </p:spPr>
+        <p:txBody>
+          <a:bodyPr wrap="square" rtlCol="0">
+            <a:spAutoFit/>
+          </a:bodyPr>
+          <a:lstStyle/>
+          <a:p>
+            <a:pPr algn="ctr"/>
+            <a:r>
+              <a:rPr kumimoji="1" lang="en-US" altLang="ja-JP" sz="1600" dirty="0">
+                <a:latin typeface="BIZ UDPゴシック" panose="020B0400000000000000" pitchFamily="50" charset="-128"/>
+                <a:ea typeface="BIZ UDPゴシック" panose="020B0400000000000000" pitchFamily="50" charset="-128"/>
+              </a:rPr>
+              <a:t>AP</a:t>
+            </a:r>
+            <a:endParaRPr kumimoji="1" lang="ja-JP" altLang="en-US" sz="1600" dirty="0">
+              <a:latin typeface="BIZ UDPゴシック" panose="020B0400000000000000" pitchFamily="50" charset="-128"/>
+              <a:ea typeface="BIZ UDPゴシック" panose="020B0400000000000000" pitchFamily="50" charset="-128"/>
+            </a:endParaRPr>
+          </a:p>
+        </p:txBody>
+      </p:sp>
+      <p:sp>
+        <p:nvSpPr>
+          <p:cNvPr id="168" name="テキスト ボックス 167">
+            <a:extLst>
+              <a:ext uri="{FF2B5EF4-FFF2-40B4-BE49-F238E27FC236}">
+                <a16:creationId xmlns:a16="http://schemas.microsoft.com/office/drawing/2014/main" id="{088B0BC2-448D-E815-74D2-B1CA14E9ADBD}"/>
+              </a:ext>
+            </a:extLst>
+          </p:cNvPr>
+          <p:cNvSpPr txBox="1"/>
+          <p:nvPr/>
+        </p:nvSpPr>
+        <p:spPr>
+          <a:xfrm>
+            <a:off x="0" y="3002518"/>
+            <a:ext cx="985838" cy="338554"/>
+          </a:xfrm>
+          <a:prstGeom prst="rect">
+            <a:avLst/>
+          </a:prstGeom>
+          <a:noFill/>
+        </p:spPr>
+        <p:txBody>
+          <a:bodyPr wrap="square" rtlCol="0">
+            <a:spAutoFit/>
+          </a:bodyPr>
+          <a:lstStyle/>
+          <a:p>
+            <a:pPr algn="ctr"/>
+            <a:r>
+              <a:rPr lang="en-US" altLang="ja-JP" sz="1600" dirty="0">
+                <a:latin typeface="BIZ UDPゴシック" panose="020B0400000000000000" pitchFamily="50" charset="-128"/>
+                <a:ea typeface="BIZ UDPゴシック" panose="020B0400000000000000" pitchFamily="50" charset="-128"/>
+              </a:rPr>
+              <a:t>STA#1</a:t>
+            </a:r>
+            <a:endParaRPr kumimoji="1" lang="ja-JP" altLang="en-US" sz="1600" dirty="0">
+              <a:latin typeface="BIZ UDPゴシック" panose="020B0400000000000000" pitchFamily="50" charset="-128"/>
+              <a:ea typeface="BIZ UDPゴシック" panose="020B0400000000000000" pitchFamily="50" charset="-128"/>
+            </a:endParaRPr>
+          </a:p>
+        </p:txBody>
+      </p:sp>
+      <p:sp>
+        <p:nvSpPr>
+          <p:cNvPr id="169" name="テキスト ボックス 168">
+            <a:extLst>
+              <a:ext uri="{FF2B5EF4-FFF2-40B4-BE49-F238E27FC236}">
+                <a16:creationId xmlns:a16="http://schemas.microsoft.com/office/drawing/2014/main" id="{112CBA20-874B-5C26-ECB3-F482F9D4BDBB}"/>
+              </a:ext>
+            </a:extLst>
+          </p:cNvPr>
+          <p:cNvSpPr txBox="1"/>
+          <p:nvPr/>
+        </p:nvSpPr>
+        <p:spPr>
+          <a:xfrm>
+            <a:off x="0" y="3707704"/>
+            <a:ext cx="985838" cy="338554"/>
+          </a:xfrm>
+          <a:prstGeom prst="rect">
+            <a:avLst/>
+          </a:prstGeom>
+          <a:noFill/>
+        </p:spPr>
+        <p:txBody>
+          <a:bodyPr wrap="square" rtlCol="0">
+            <a:spAutoFit/>
+          </a:bodyPr>
+          <a:lstStyle/>
+          <a:p>
+            <a:pPr algn="ctr"/>
+            <a:r>
+              <a:rPr lang="en-US" altLang="ja-JP" sz="1600" dirty="0">
+                <a:latin typeface="BIZ UDPゴシック" panose="020B0400000000000000" pitchFamily="50" charset="-128"/>
+                <a:ea typeface="BIZ UDPゴシック" panose="020B0400000000000000" pitchFamily="50" charset="-128"/>
+              </a:rPr>
+              <a:t>STA#2</a:t>
+            </a:r>
+            <a:endParaRPr kumimoji="1" lang="ja-JP" altLang="en-US" sz="1600" dirty="0">
+              <a:latin typeface="BIZ UDPゴシック" panose="020B0400000000000000" pitchFamily="50" charset="-128"/>
+              <a:ea typeface="BIZ UDPゴシック" panose="020B0400000000000000" pitchFamily="50" charset="-128"/>
+            </a:endParaRPr>
+          </a:p>
+        </p:txBody>
+      </p:sp>
+      <p:sp>
+        <p:nvSpPr>
+          <p:cNvPr id="170" name="テキスト ボックス 169">
+            <a:extLst>
+              <a:ext uri="{FF2B5EF4-FFF2-40B4-BE49-F238E27FC236}">
+                <a16:creationId xmlns:a16="http://schemas.microsoft.com/office/drawing/2014/main" id="{15026D28-7045-5263-8518-70D6E68BCEF1}"/>
+              </a:ext>
+            </a:extLst>
+          </p:cNvPr>
+          <p:cNvSpPr txBox="1"/>
+          <p:nvPr/>
+        </p:nvSpPr>
+        <p:spPr>
+          <a:xfrm>
+            <a:off x="0" y="4434419"/>
+            <a:ext cx="985838" cy="338554"/>
+          </a:xfrm>
+          <a:prstGeom prst="rect">
+            <a:avLst/>
+          </a:prstGeom>
+          <a:noFill/>
+        </p:spPr>
+        <p:txBody>
+          <a:bodyPr wrap="square" rtlCol="0">
+            <a:spAutoFit/>
+          </a:bodyPr>
+          <a:lstStyle/>
+          <a:p>
+            <a:pPr algn="ctr"/>
+            <a:r>
+              <a:rPr lang="en-US" altLang="ja-JP" sz="1600" dirty="0">
+                <a:latin typeface="BIZ UDPゴシック" panose="020B0400000000000000" pitchFamily="50" charset="-128"/>
+                <a:ea typeface="BIZ UDPゴシック" panose="020B0400000000000000" pitchFamily="50" charset="-128"/>
+              </a:rPr>
+              <a:t>STA#3</a:t>
+            </a:r>
+            <a:endParaRPr kumimoji="1" lang="ja-JP" altLang="en-US" sz="1600" dirty="0">
+              <a:latin typeface="BIZ UDPゴシック" panose="020B0400000000000000" pitchFamily="50" charset="-128"/>
+              <a:ea typeface="BIZ UDPゴシック" panose="020B0400000000000000" pitchFamily="50" charset="-128"/>
+            </a:endParaRPr>
+          </a:p>
+        </p:txBody>
+      </p:sp>
+      <p:sp>
+        <p:nvSpPr>
+          <p:cNvPr id="171" name="テキスト ボックス 170">
+            <a:extLst>
+              <a:ext uri="{FF2B5EF4-FFF2-40B4-BE49-F238E27FC236}">
+                <a16:creationId xmlns:a16="http://schemas.microsoft.com/office/drawing/2014/main" id="{9403DECD-D9A2-B926-2932-13A7155072CB}"/>
+              </a:ext>
+            </a:extLst>
+          </p:cNvPr>
+          <p:cNvSpPr txBox="1"/>
+          <p:nvPr/>
+        </p:nvSpPr>
+        <p:spPr>
+          <a:xfrm>
+            <a:off x="327743" y="2021152"/>
+            <a:ext cx="1000125" cy="430887"/>
+          </a:xfrm>
+          <a:prstGeom prst="rect">
+            <a:avLst/>
+          </a:prstGeom>
+          <a:noFill/>
+        </p:spPr>
+        <p:txBody>
+          <a:bodyPr wrap="square" rtlCol="0">
+            <a:spAutoFit/>
+          </a:bodyPr>
+          <a:lstStyle/>
+          <a:p>
+            <a:r>
+              <a:rPr kumimoji="1" lang="en-US" altLang="ja-JP" sz="1050" dirty="0">
+                <a:latin typeface="BIZ UDPゴシック" panose="020B0400000000000000" pitchFamily="50" charset="-128"/>
+                <a:ea typeface="BIZ UDPゴシック" panose="020B0400000000000000" pitchFamily="50" charset="-128"/>
+              </a:rPr>
+              <a:t>DIFS</a:t>
+            </a:r>
+          </a:p>
+          <a:p>
+            <a:r>
+              <a:rPr lang="en-US" altLang="ja-JP" sz="1050" dirty="0">
+                <a:latin typeface="BIZ UDPゴシック" panose="020B0400000000000000" pitchFamily="50" charset="-128"/>
+                <a:ea typeface="BIZ UDPゴシック" panose="020B0400000000000000" pitchFamily="50" charset="-128"/>
+              </a:rPr>
+              <a:t>+Backoff</a:t>
+            </a:r>
+            <a:endParaRPr kumimoji="1" lang="ja-JP" altLang="en-US" sz="1050" dirty="0">
+              <a:latin typeface="BIZ UDPゴシック" panose="020B0400000000000000" pitchFamily="50" charset="-128"/>
+              <a:ea typeface="BIZ UDPゴシック" panose="020B0400000000000000" pitchFamily="50" charset="-128"/>
+            </a:endParaRPr>
+          </a:p>
+        </p:txBody>
+      </p:sp>
+      <p:sp>
+        <p:nvSpPr>
+          <p:cNvPr id="172" name="テキスト ボックス 171">
+            <a:extLst>
+              <a:ext uri="{FF2B5EF4-FFF2-40B4-BE49-F238E27FC236}">
+                <a16:creationId xmlns:a16="http://schemas.microsoft.com/office/drawing/2014/main" id="{3705F5EA-19C3-7D91-FBBE-7EA9C69BBB1D}"/>
+              </a:ext>
+            </a:extLst>
+          </p:cNvPr>
+          <p:cNvSpPr txBox="1"/>
+          <p:nvPr/>
+        </p:nvSpPr>
+        <p:spPr>
+          <a:xfrm>
+            <a:off x="1198410" y="1071474"/>
+            <a:ext cx="1144740" cy="600164"/>
+          </a:xfrm>
+          <a:prstGeom prst="rect">
+            <a:avLst/>
+          </a:prstGeom>
+          <a:noFill/>
+        </p:spPr>
+        <p:txBody>
+          <a:bodyPr wrap="square" rtlCol="0">
+            <a:spAutoFit/>
+          </a:bodyPr>
+          <a:lstStyle/>
+          <a:p>
+            <a:pPr algn="ctr"/>
+            <a:r>
+              <a:rPr kumimoji="1" lang="en-US" altLang="ja-JP" sz="1100" dirty="0">
+                <a:latin typeface="BIZ UDPゴシック" panose="020B0400000000000000" pitchFamily="50" charset="-128"/>
+                <a:ea typeface="BIZ UDPゴシック" panose="020B0400000000000000" pitchFamily="50" charset="-128"/>
+              </a:rPr>
+              <a:t>Request</a:t>
+            </a:r>
+          </a:p>
+          <a:p>
+            <a:pPr algn="ctr"/>
+            <a:r>
+              <a:rPr lang="en-US" altLang="ja-JP" sz="1100" dirty="0">
+                <a:latin typeface="BIZ UDPゴシック" panose="020B0400000000000000" pitchFamily="50" charset="-128"/>
+                <a:ea typeface="BIZ UDPゴシック" panose="020B0400000000000000" pitchFamily="50" charset="-128"/>
+              </a:rPr>
+              <a:t>of channel</a:t>
+            </a:r>
+          </a:p>
+          <a:p>
+            <a:pPr algn="ctr"/>
+            <a:r>
+              <a:rPr lang="en-US" altLang="ja-JP" sz="1100" dirty="0">
+                <a:latin typeface="BIZ UDPゴシック" panose="020B0400000000000000" pitchFamily="50" charset="-128"/>
+                <a:ea typeface="BIZ UDPゴシック" panose="020B0400000000000000" pitchFamily="50" charset="-128"/>
+              </a:rPr>
+              <a:t>estimate </a:t>
+            </a:r>
+            <a:endParaRPr kumimoji="1" lang="ja-JP" altLang="en-US" sz="1100" dirty="0">
+              <a:latin typeface="BIZ UDPゴシック" panose="020B0400000000000000" pitchFamily="50" charset="-128"/>
+              <a:ea typeface="BIZ UDPゴシック" panose="020B0400000000000000" pitchFamily="50" charset="-128"/>
+            </a:endParaRPr>
+          </a:p>
+        </p:txBody>
+      </p:sp>
+      <p:sp>
+        <p:nvSpPr>
+          <p:cNvPr id="173" name="テキスト ボックス 172">
+            <a:extLst>
+              <a:ext uri="{FF2B5EF4-FFF2-40B4-BE49-F238E27FC236}">
+                <a16:creationId xmlns:a16="http://schemas.microsoft.com/office/drawing/2014/main" id="{7E35AB74-2888-904E-5658-D3DB76F5333B}"/>
+              </a:ext>
+            </a:extLst>
+          </p:cNvPr>
+          <p:cNvSpPr txBox="1"/>
+          <p:nvPr/>
+        </p:nvSpPr>
+        <p:spPr>
+          <a:xfrm>
+            <a:off x="3465359" y="1186890"/>
+            <a:ext cx="2221066" cy="369332"/>
+          </a:xfrm>
+          <a:prstGeom prst="rect">
+            <a:avLst/>
+          </a:prstGeom>
+          <a:noFill/>
+        </p:spPr>
+        <p:txBody>
+          <a:bodyPr wrap="square" rtlCol="0">
+            <a:spAutoFit/>
+          </a:bodyPr>
+          <a:lstStyle/>
+          <a:p>
+            <a:pPr algn="ctr"/>
+            <a:r>
+              <a:rPr kumimoji="1" lang="en-US" altLang="ja-JP" dirty="0">
+                <a:latin typeface="BIZ UDPゴシック" panose="020B0400000000000000" pitchFamily="50" charset="-128"/>
+                <a:ea typeface="BIZ UDPゴシック" panose="020B0400000000000000" pitchFamily="50" charset="-128"/>
+              </a:rPr>
+              <a:t>CSI feedback</a:t>
+            </a:r>
+            <a:endParaRPr kumimoji="1" lang="ja-JP" altLang="en-US" dirty="0">
+              <a:latin typeface="BIZ UDPゴシック" panose="020B0400000000000000" pitchFamily="50" charset="-128"/>
+              <a:ea typeface="BIZ UDPゴシック" panose="020B0400000000000000" pitchFamily="50" charset="-128"/>
+            </a:endParaRPr>
+          </a:p>
+        </p:txBody>
+      </p:sp>
+      <p:sp>
+        <p:nvSpPr>
+          <p:cNvPr id="174" name="テキスト ボックス 173">
+            <a:extLst>
+              <a:ext uri="{FF2B5EF4-FFF2-40B4-BE49-F238E27FC236}">
+                <a16:creationId xmlns:a16="http://schemas.microsoft.com/office/drawing/2014/main" id="{FAEB38AC-355A-0B2F-60D9-29ACF79E424A}"/>
+              </a:ext>
+            </a:extLst>
+          </p:cNvPr>
+          <p:cNvSpPr txBox="1"/>
+          <p:nvPr/>
+        </p:nvSpPr>
+        <p:spPr>
+          <a:xfrm>
+            <a:off x="6618133" y="1140724"/>
+            <a:ext cx="1411441" cy="461665"/>
+          </a:xfrm>
+          <a:prstGeom prst="rect">
+            <a:avLst/>
+          </a:prstGeom>
+          <a:noFill/>
+        </p:spPr>
+        <p:txBody>
+          <a:bodyPr wrap="square" rtlCol="0">
+            <a:spAutoFit/>
+          </a:bodyPr>
+          <a:lstStyle/>
+          <a:p>
+            <a:pPr algn="ctr"/>
+            <a:r>
+              <a:rPr kumimoji="1" lang="en-US" altLang="ja-JP" sz="1200" dirty="0">
+                <a:latin typeface="BIZ UDPゴシック" panose="020B0400000000000000" pitchFamily="50" charset="-128"/>
+                <a:ea typeface="BIZ UDPゴシック" panose="020B0400000000000000" pitchFamily="50" charset="-128"/>
+              </a:rPr>
+              <a:t>Data</a:t>
+            </a:r>
+          </a:p>
+          <a:p>
+            <a:pPr algn="ctr"/>
+            <a:r>
+              <a:rPr lang="en-US" altLang="ja-JP" sz="1200" dirty="0">
+                <a:latin typeface="BIZ UDPゴシック" panose="020B0400000000000000" pitchFamily="50" charset="-128"/>
+                <a:ea typeface="BIZ UDPゴシック" panose="020B0400000000000000" pitchFamily="50" charset="-128"/>
+              </a:rPr>
+              <a:t>transmission</a:t>
+            </a:r>
+            <a:endParaRPr kumimoji="1" lang="ja-JP" altLang="en-US" sz="1200" dirty="0">
+              <a:latin typeface="BIZ UDPゴシック" panose="020B0400000000000000" pitchFamily="50" charset="-128"/>
+              <a:ea typeface="BIZ UDPゴシック" panose="020B0400000000000000" pitchFamily="50" charset="-128"/>
+            </a:endParaRPr>
+          </a:p>
+        </p:txBody>
+      </p:sp>
+      <p:sp>
+        <p:nvSpPr>
+          <p:cNvPr id="175" name="テキスト ボックス 174">
+            <a:extLst>
+              <a:ext uri="{FF2B5EF4-FFF2-40B4-BE49-F238E27FC236}">
+                <a16:creationId xmlns:a16="http://schemas.microsoft.com/office/drawing/2014/main" id="{1FD25F08-AFC6-02A4-08EB-7801AD199CCC}"/>
+              </a:ext>
+            </a:extLst>
+          </p:cNvPr>
+          <p:cNvSpPr txBox="1"/>
+          <p:nvPr/>
+        </p:nvSpPr>
+        <p:spPr>
+          <a:xfrm>
+            <a:off x="8757999" y="1217668"/>
+            <a:ext cx="2244880" cy="338554"/>
+          </a:xfrm>
+          <a:prstGeom prst="rect">
+            <a:avLst/>
+          </a:prstGeom>
+          <a:noFill/>
+        </p:spPr>
+        <p:txBody>
+          <a:bodyPr wrap="square" rtlCol="0">
+            <a:spAutoFit/>
+          </a:bodyPr>
+          <a:lstStyle/>
+          <a:p>
+            <a:pPr algn="ctr"/>
+            <a:r>
+              <a:rPr kumimoji="1" lang="en-US" altLang="ja-JP" sz="1600" dirty="0">
+                <a:latin typeface="BIZ UDPゴシック" panose="020B0400000000000000" pitchFamily="50" charset="-128"/>
+                <a:ea typeface="BIZ UDPゴシック" panose="020B0400000000000000" pitchFamily="50" charset="-128"/>
+              </a:rPr>
+              <a:t>Acknowl</a:t>
+            </a:r>
+            <a:r>
+              <a:rPr lang="en-US" altLang="ja-JP" sz="1600" dirty="0">
+                <a:latin typeface="BIZ UDPゴシック" panose="020B0400000000000000" pitchFamily="50" charset="-128"/>
+                <a:ea typeface="BIZ UDPゴシック" panose="020B0400000000000000" pitchFamily="50" charset="-128"/>
+              </a:rPr>
+              <a:t>edgment</a:t>
+            </a:r>
+            <a:endParaRPr kumimoji="1" lang="ja-JP" altLang="en-US" sz="1600" dirty="0">
+              <a:latin typeface="BIZ UDPゴシック" panose="020B0400000000000000" pitchFamily="50" charset="-128"/>
+              <a:ea typeface="BIZ UDPゴシック" panose="020B0400000000000000" pitchFamily="50" charset="-128"/>
+            </a:endParaRPr>
+          </a:p>
+        </p:txBody>
+      </p:sp>
+      <p:sp>
+        <p:nvSpPr>
+          <p:cNvPr id="176" name="テキスト ボックス 175">
+            <a:extLst>
+              <a:ext uri="{FF2B5EF4-FFF2-40B4-BE49-F238E27FC236}">
+                <a16:creationId xmlns:a16="http://schemas.microsoft.com/office/drawing/2014/main" id="{144B6EFB-A490-7C69-DF14-F9E6B3E4F1A7}"/>
+              </a:ext>
+            </a:extLst>
+          </p:cNvPr>
+          <p:cNvSpPr txBox="1"/>
+          <p:nvPr/>
+        </p:nvSpPr>
+        <p:spPr>
+          <a:xfrm>
+            <a:off x="1103163" y="2299251"/>
+            <a:ext cx="600076" cy="276999"/>
+          </a:xfrm>
+          <a:prstGeom prst="rect">
+            <a:avLst/>
+          </a:prstGeom>
+          <a:noFill/>
+        </p:spPr>
+        <p:txBody>
+          <a:bodyPr wrap="square" rtlCol="0">
+            <a:spAutoFit/>
+          </a:bodyPr>
+          <a:lstStyle/>
+          <a:p>
+            <a:pPr algn="ctr"/>
+            <a:r>
+              <a:rPr kumimoji="1" lang="en-US" altLang="ja-JP" sz="1200" spc="-150" dirty="0">
+                <a:latin typeface="BIZ UDPゴシック" panose="020B0400000000000000" pitchFamily="50" charset="-128"/>
+                <a:ea typeface="BIZ UDPゴシック" panose="020B0400000000000000" pitchFamily="50" charset="-128"/>
+              </a:rPr>
+              <a:t>NDPA</a:t>
+            </a:r>
+            <a:endParaRPr kumimoji="1" lang="ja-JP" altLang="en-US" sz="1200" spc="-150" dirty="0">
+              <a:latin typeface="BIZ UDPゴシック" panose="020B0400000000000000" pitchFamily="50" charset="-128"/>
+              <a:ea typeface="BIZ UDPゴシック" panose="020B0400000000000000" pitchFamily="50" charset="-128"/>
+            </a:endParaRPr>
+          </a:p>
+        </p:txBody>
+      </p:sp>
+      <p:sp>
+        <p:nvSpPr>
+          <p:cNvPr id="177" name="テキスト ボックス 176">
+            <a:extLst>
+              <a:ext uri="{FF2B5EF4-FFF2-40B4-BE49-F238E27FC236}">
+                <a16:creationId xmlns:a16="http://schemas.microsoft.com/office/drawing/2014/main" id="{6A0A1455-1BB4-2ADD-BA25-433691DAE06A}"/>
+              </a:ext>
+            </a:extLst>
+          </p:cNvPr>
+          <p:cNvSpPr txBox="1"/>
+          <p:nvPr/>
+        </p:nvSpPr>
+        <p:spPr>
+          <a:xfrm>
+            <a:off x="1770780" y="2292107"/>
+            <a:ext cx="600076" cy="276999"/>
+          </a:xfrm>
+          <a:prstGeom prst="rect">
+            <a:avLst/>
+          </a:prstGeom>
+          <a:noFill/>
+        </p:spPr>
+        <p:txBody>
+          <a:bodyPr wrap="square" rtlCol="0">
+            <a:spAutoFit/>
+          </a:bodyPr>
+          <a:lstStyle/>
+          <a:p>
+            <a:pPr algn="ctr"/>
+            <a:r>
+              <a:rPr kumimoji="1" lang="en-US" altLang="ja-JP" sz="1200" spc="-150" dirty="0">
+                <a:latin typeface="BIZ UDPゴシック" panose="020B0400000000000000" pitchFamily="50" charset="-128"/>
+                <a:ea typeface="BIZ UDPゴシック" panose="020B0400000000000000" pitchFamily="50" charset="-128"/>
+              </a:rPr>
+              <a:t>NDP</a:t>
+            </a:r>
+            <a:endParaRPr kumimoji="1" lang="ja-JP" altLang="en-US" sz="1200" spc="-150" dirty="0">
+              <a:latin typeface="BIZ UDPゴシック" panose="020B0400000000000000" pitchFamily="50" charset="-128"/>
+              <a:ea typeface="BIZ UDPゴシック" panose="020B0400000000000000" pitchFamily="50" charset="-128"/>
+            </a:endParaRPr>
+          </a:p>
+        </p:txBody>
+      </p:sp>
+      <p:sp>
+        <p:nvSpPr>
+          <p:cNvPr id="178" name="テキスト ボックス 177">
+            <a:extLst>
+              <a:ext uri="{FF2B5EF4-FFF2-40B4-BE49-F238E27FC236}">
+                <a16:creationId xmlns:a16="http://schemas.microsoft.com/office/drawing/2014/main" id="{62779FE2-BEE1-B490-3063-346B07F88716}"/>
+              </a:ext>
+            </a:extLst>
+          </p:cNvPr>
+          <p:cNvSpPr txBox="1"/>
+          <p:nvPr/>
+        </p:nvSpPr>
+        <p:spPr>
+          <a:xfrm>
+            <a:off x="3266205" y="2292107"/>
+            <a:ext cx="600076" cy="276999"/>
+          </a:xfrm>
+          <a:prstGeom prst="rect">
+            <a:avLst/>
+          </a:prstGeom>
+          <a:noFill/>
+        </p:spPr>
+        <p:txBody>
+          <a:bodyPr wrap="square" rtlCol="0">
+            <a:spAutoFit/>
+          </a:bodyPr>
+          <a:lstStyle/>
+          <a:p>
+            <a:pPr algn="ctr"/>
+            <a:r>
+              <a:rPr lang="en-US" altLang="ja-JP" sz="1200" spc="-150" dirty="0">
+                <a:latin typeface="BIZ UDPゴシック" panose="020B0400000000000000" pitchFamily="50" charset="-128"/>
+                <a:ea typeface="BIZ UDPゴシック" panose="020B0400000000000000" pitchFamily="50" charset="-128"/>
+              </a:rPr>
+              <a:t>BRP</a:t>
+            </a:r>
+            <a:endParaRPr kumimoji="1" lang="ja-JP" altLang="en-US" sz="1200" spc="-150" dirty="0">
+              <a:latin typeface="BIZ UDPゴシック" panose="020B0400000000000000" pitchFamily="50" charset="-128"/>
+              <a:ea typeface="BIZ UDPゴシック" panose="020B0400000000000000" pitchFamily="50" charset="-128"/>
+            </a:endParaRPr>
+          </a:p>
+        </p:txBody>
+      </p:sp>
+      <p:sp>
+        <p:nvSpPr>
+          <p:cNvPr id="179" name="テキスト ボックス 178">
+            <a:extLst>
+              <a:ext uri="{FF2B5EF4-FFF2-40B4-BE49-F238E27FC236}">
+                <a16:creationId xmlns:a16="http://schemas.microsoft.com/office/drawing/2014/main" id="{82E3EC7C-7BBF-CB28-CD85-2CEC9A143DED}"/>
+              </a:ext>
+            </a:extLst>
+          </p:cNvPr>
+          <p:cNvSpPr txBox="1"/>
+          <p:nvPr/>
+        </p:nvSpPr>
+        <p:spPr>
+          <a:xfrm>
+            <a:off x="5276598" y="2300982"/>
+            <a:ext cx="600076" cy="276999"/>
+          </a:xfrm>
+          <a:prstGeom prst="rect">
+            <a:avLst/>
+          </a:prstGeom>
+          <a:noFill/>
+        </p:spPr>
+        <p:txBody>
+          <a:bodyPr wrap="square" rtlCol="0">
+            <a:spAutoFit/>
+          </a:bodyPr>
+          <a:lstStyle/>
+          <a:p>
+            <a:pPr algn="ctr"/>
+            <a:r>
+              <a:rPr lang="en-US" altLang="ja-JP" sz="1200" spc="-150" dirty="0">
+                <a:latin typeface="BIZ UDPゴシック" panose="020B0400000000000000" pitchFamily="50" charset="-128"/>
+                <a:ea typeface="BIZ UDPゴシック" panose="020B0400000000000000" pitchFamily="50" charset="-128"/>
+              </a:rPr>
+              <a:t>BRP</a:t>
+            </a:r>
+            <a:endParaRPr kumimoji="1" lang="ja-JP" altLang="en-US" sz="1200" spc="-150" dirty="0">
+              <a:latin typeface="BIZ UDPゴシック" panose="020B0400000000000000" pitchFamily="50" charset="-128"/>
+              <a:ea typeface="BIZ UDPゴシック" panose="020B0400000000000000" pitchFamily="50" charset="-128"/>
+            </a:endParaRPr>
+          </a:p>
+        </p:txBody>
+      </p:sp>
+      <p:sp>
+        <p:nvSpPr>
+          <p:cNvPr id="180" name="テキスト ボックス 179">
+            <a:extLst>
+              <a:ext uri="{FF2B5EF4-FFF2-40B4-BE49-F238E27FC236}">
+                <a16:creationId xmlns:a16="http://schemas.microsoft.com/office/drawing/2014/main" id="{64909182-4C68-8BA6-7D2D-E3E47B87059E}"/>
+              </a:ext>
+            </a:extLst>
+          </p:cNvPr>
+          <p:cNvSpPr txBox="1"/>
+          <p:nvPr/>
+        </p:nvSpPr>
+        <p:spPr>
+          <a:xfrm>
+            <a:off x="2518493" y="2952350"/>
+            <a:ext cx="600076" cy="338554"/>
+          </a:xfrm>
+          <a:prstGeom prst="rect">
+            <a:avLst/>
+          </a:prstGeom>
+          <a:noFill/>
+        </p:spPr>
+        <p:txBody>
+          <a:bodyPr wrap="square" rtlCol="0">
+            <a:spAutoFit/>
+          </a:bodyPr>
+          <a:lstStyle/>
+          <a:p>
+            <a:pPr algn="ctr"/>
+            <a:r>
+              <a:rPr lang="en-US" altLang="ja-JP" sz="1600" spc="-150" dirty="0">
+                <a:latin typeface="BIZ UDPゴシック" panose="020B0400000000000000" pitchFamily="50" charset="-128"/>
+                <a:ea typeface="BIZ UDPゴシック" panose="020B0400000000000000" pitchFamily="50" charset="-128"/>
+              </a:rPr>
+              <a:t>BR</a:t>
+            </a:r>
+            <a:endParaRPr kumimoji="1" lang="ja-JP" altLang="en-US" sz="1600" spc="-150" dirty="0">
+              <a:latin typeface="BIZ UDPゴシック" panose="020B0400000000000000" pitchFamily="50" charset="-128"/>
+              <a:ea typeface="BIZ UDPゴシック" panose="020B0400000000000000" pitchFamily="50" charset="-128"/>
+            </a:endParaRPr>
+          </a:p>
+        </p:txBody>
+      </p:sp>
+      <p:sp>
+        <p:nvSpPr>
+          <p:cNvPr id="181" name="テキスト ボックス 180">
+            <a:extLst>
+              <a:ext uri="{FF2B5EF4-FFF2-40B4-BE49-F238E27FC236}">
+                <a16:creationId xmlns:a16="http://schemas.microsoft.com/office/drawing/2014/main" id="{3E7CE7B3-B25B-52A8-E343-AF24ECD86C52}"/>
+              </a:ext>
+            </a:extLst>
+          </p:cNvPr>
+          <p:cNvSpPr txBox="1"/>
+          <p:nvPr/>
+        </p:nvSpPr>
+        <p:spPr>
+          <a:xfrm>
+            <a:off x="4018680" y="3686272"/>
+            <a:ext cx="600076" cy="338554"/>
+          </a:xfrm>
+          <a:prstGeom prst="rect">
+            <a:avLst/>
+          </a:prstGeom>
+          <a:noFill/>
+        </p:spPr>
+        <p:txBody>
+          <a:bodyPr wrap="square" rtlCol="0">
+            <a:spAutoFit/>
+          </a:bodyPr>
+          <a:lstStyle/>
+          <a:p>
+            <a:pPr algn="ctr"/>
+            <a:r>
+              <a:rPr lang="en-US" altLang="ja-JP" sz="1600" spc="-150" dirty="0">
+                <a:latin typeface="BIZ UDPゴシック" panose="020B0400000000000000" pitchFamily="50" charset="-128"/>
+                <a:ea typeface="BIZ UDPゴシック" panose="020B0400000000000000" pitchFamily="50" charset="-128"/>
+              </a:rPr>
+              <a:t>BR</a:t>
+            </a:r>
+            <a:endParaRPr kumimoji="1" lang="ja-JP" altLang="en-US" sz="1600" spc="-150" dirty="0">
+              <a:latin typeface="BIZ UDPゴシック" panose="020B0400000000000000" pitchFamily="50" charset="-128"/>
+              <a:ea typeface="BIZ UDPゴシック" panose="020B0400000000000000" pitchFamily="50" charset="-128"/>
+            </a:endParaRPr>
+          </a:p>
+        </p:txBody>
+      </p:sp>
+      <p:sp>
+        <p:nvSpPr>
+          <p:cNvPr id="182" name="テキスト ボックス 181">
+            <a:extLst>
+              <a:ext uri="{FF2B5EF4-FFF2-40B4-BE49-F238E27FC236}">
+                <a16:creationId xmlns:a16="http://schemas.microsoft.com/office/drawing/2014/main" id="{CDEE1ED0-235C-E210-2BFB-697408945A1F}"/>
+              </a:ext>
+            </a:extLst>
+          </p:cNvPr>
+          <p:cNvSpPr txBox="1"/>
+          <p:nvPr/>
+        </p:nvSpPr>
+        <p:spPr>
+          <a:xfrm>
+            <a:off x="6021951" y="4390810"/>
+            <a:ext cx="600076" cy="338554"/>
+          </a:xfrm>
+          <a:prstGeom prst="rect">
+            <a:avLst/>
+          </a:prstGeom>
+          <a:noFill/>
+        </p:spPr>
+        <p:txBody>
+          <a:bodyPr wrap="square" rtlCol="0">
+            <a:spAutoFit/>
+          </a:bodyPr>
+          <a:lstStyle/>
+          <a:p>
+            <a:pPr algn="ctr"/>
+            <a:r>
+              <a:rPr lang="en-US" altLang="ja-JP" sz="1600" spc="-150" dirty="0">
+                <a:latin typeface="BIZ UDPゴシック" panose="020B0400000000000000" pitchFamily="50" charset="-128"/>
+                <a:ea typeface="BIZ UDPゴシック" panose="020B0400000000000000" pitchFamily="50" charset="-128"/>
+              </a:rPr>
+              <a:t>BR</a:t>
+            </a:r>
+            <a:endParaRPr kumimoji="1" lang="ja-JP" altLang="en-US" sz="1600" spc="-150" dirty="0">
+              <a:latin typeface="BIZ UDPゴシック" panose="020B0400000000000000" pitchFamily="50" charset="-128"/>
+              <a:ea typeface="BIZ UDPゴシック" panose="020B0400000000000000" pitchFamily="50" charset="-128"/>
+            </a:endParaRPr>
+          </a:p>
+        </p:txBody>
+      </p:sp>
+      <p:sp>
+        <p:nvSpPr>
+          <p:cNvPr id="183" name="テキスト ボックス 182">
+            <a:extLst>
+              <a:ext uri="{FF2B5EF4-FFF2-40B4-BE49-F238E27FC236}">
+                <a16:creationId xmlns:a16="http://schemas.microsoft.com/office/drawing/2014/main" id="{5AAE0DD0-F877-A3EE-86BC-85EB3130C3C5}"/>
+              </a:ext>
+            </a:extLst>
+          </p:cNvPr>
+          <p:cNvSpPr txBox="1"/>
+          <p:nvPr/>
+        </p:nvSpPr>
+        <p:spPr>
+          <a:xfrm>
+            <a:off x="7063376" y="2298150"/>
+            <a:ext cx="818536" cy="307777"/>
+          </a:xfrm>
+          <a:prstGeom prst="rect">
+            <a:avLst/>
+          </a:prstGeom>
+          <a:noFill/>
+        </p:spPr>
+        <p:txBody>
+          <a:bodyPr wrap="square" rtlCol="0">
+            <a:spAutoFit/>
+          </a:bodyPr>
+          <a:lstStyle/>
+          <a:p>
+            <a:pPr algn="ctr"/>
+            <a:r>
+              <a:rPr kumimoji="1" lang="en-US" altLang="ja-JP" sz="1400" spc="-150" dirty="0">
+                <a:latin typeface="BIZ UDPゴシック" panose="020B0400000000000000" pitchFamily="50" charset="-128"/>
+                <a:ea typeface="BIZ UDPゴシック" panose="020B0400000000000000" pitchFamily="50" charset="-128"/>
+              </a:rPr>
+              <a:t>DATA</a:t>
+            </a:r>
+            <a:endParaRPr kumimoji="1" lang="ja-JP" altLang="en-US" sz="1400" spc="-150" dirty="0">
+              <a:latin typeface="BIZ UDPゴシック" panose="020B0400000000000000" pitchFamily="50" charset="-128"/>
+              <a:ea typeface="BIZ UDPゴシック" panose="020B0400000000000000" pitchFamily="50" charset="-128"/>
+            </a:endParaRPr>
+          </a:p>
+        </p:txBody>
+      </p:sp>
+      <p:sp>
+        <p:nvSpPr>
+          <p:cNvPr id="184" name="テキスト ボックス 183">
+            <a:extLst>
+              <a:ext uri="{FF2B5EF4-FFF2-40B4-BE49-F238E27FC236}">
+                <a16:creationId xmlns:a16="http://schemas.microsoft.com/office/drawing/2014/main" id="{DF0E4591-26D7-6904-9FE3-CCDDBA2A9A8D}"/>
+              </a:ext>
+            </a:extLst>
+          </p:cNvPr>
+          <p:cNvSpPr txBox="1"/>
+          <p:nvPr/>
+        </p:nvSpPr>
+        <p:spPr>
+          <a:xfrm>
+            <a:off x="8952252" y="2285849"/>
+            <a:ext cx="548332" cy="307777"/>
+          </a:xfrm>
+          <a:prstGeom prst="rect">
+            <a:avLst/>
+          </a:prstGeom>
+          <a:noFill/>
+        </p:spPr>
+        <p:txBody>
+          <a:bodyPr wrap="square" rtlCol="0">
+            <a:spAutoFit/>
+          </a:bodyPr>
+          <a:lstStyle/>
+          <a:p>
+            <a:pPr algn="ctr"/>
+            <a:r>
+              <a:rPr lang="en-US" altLang="ja-JP" sz="1400" spc="-150" dirty="0">
+                <a:latin typeface="BIZ UDPゴシック" panose="020B0400000000000000" pitchFamily="50" charset="-128"/>
+                <a:ea typeface="BIZ UDPゴシック" panose="020B0400000000000000" pitchFamily="50" charset="-128"/>
+              </a:rPr>
+              <a:t>BAR</a:t>
+            </a:r>
+            <a:endParaRPr kumimoji="1" lang="ja-JP" altLang="en-US" sz="1400" spc="-150" dirty="0">
+              <a:latin typeface="BIZ UDPゴシック" panose="020B0400000000000000" pitchFamily="50" charset="-128"/>
+              <a:ea typeface="BIZ UDPゴシック" panose="020B0400000000000000" pitchFamily="50" charset="-128"/>
+            </a:endParaRPr>
+          </a:p>
+        </p:txBody>
+      </p:sp>
+      <p:sp>
+        <p:nvSpPr>
+          <p:cNvPr id="185" name="テキスト ボックス 184">
+            <a:extLst>
+              <a:ext uri="{FF2B5EF4-FFF2-40B4-BE49-F238E27FC236}">
+                <a16:creationId xmlns:a16="http://schemas.microsoft.com/office/drawing/2014/main" id="{D7E63310-3E91-CCA4-78E2-27DB1EEAF637}"/>
+              </a:ext>
+            </a:extLst>
+          </p:cNvPr>
+          <p:cNvSpPr txBox="1"/>
+          <p:nvPr/>
+        </p:nvSpPr>
+        <p:spPr>
+          <a:xfrm>
+            <a:off x="10628076" y="2282761"/>
+            <a:ext cx="548332" cy="307777"/>
+          </a:xfrm>
+          <a:prstGeom prst="rect">
+            <a:avLst/>
+          </a:prstGeom>
+          <a:noFill/>
+        </p:spPr>
+        <p:txBody>
+          <a:bodyPr wrap="square" rtlCol="0">
+            <a:spAutoFit/>
+          </a:bodyPr>
+          <a:lstStyle/>
+          <a:p>
+            <a:pPr algn="ctr"/>
+            <a:r>
+              <a:rPr lang="en-US" altLang="ja-JP" sz="1400" spc="-150" dirty="0">
+                <a:latin typeface="BIZ UDPゴシック" panose="020B0400000000000000" pitchFamily="50" charset="-128"/>
+                <a:ea typeface="BIZ UDPゴシック" panose="020B0400000000000000" pitchFamily="50" charset="-128"/>
+              </a:rPr>
+              <a:t>BAR</a:t>
+            </a:r>
+            <a:endParaRPr kumimoji="1" lang="ja-JP" altLang="en-US" sz="1400" spc="-150" dirty="0">
+              <a:latin typeface="BIZ UDPゴシック" panose="020B0400000000000000" pitchFamily="50" charset="-128"/>
+              <a:ea typeface="BIZ UDPゴシック" panose="020B0400000000000000" pitchFamily="50" charset="-128"/>
+            </a:endParaRPr>
+          </a:p>
+        </p:txBody>
+      </p:sp>
+      <p:sp>
+        <p:nvSpPr>
+          <p:cNvPr id="186" name="テキスト ボックス 185">
+            <a:extLst>
+              <a:ext uri="{FF2B5EF4-FFF2-40B4-BE49-F238E27FC236}">
+                <a16:creationId xmlns:a16="http://schemas.microsoft.com/office/drawing/2014/main" id="{27235142-674D-56F2-D0A6-50A8862C79AB}"/>
+              </a:ext>
+            </a:extLst>
+          </p:cNvPr>
+          <p:cNvSpPr txBox="1"/>
+          <p:nvPr/>
+        </p:nvSpPr>
+        <p:spPr>
+          <a:xfrm>
+            <a:off x="8209667" y="3002518"/>
+            <a:ext cx="548332" cy="307777"/>
+          </a:xfrm>
+          <a:prstGeom prst="rect">
+            <a:avLst/>
+          </a:prstGeom>
+          <a:noFill/>
+        </p:spPr>
+        <p:txBody>
+          <a:bodyPr wrap="square" rtlCol="0">
+            <a:spAutoFit/>
+          </a:bodyPr>
+          <a:lstStyle/>
+          <a:p>
+            <a:pPr algn="ctr"/>
+            <a:r>
+              <a:rPr lang="en-US" altLang="ja-JP" sz="1400" spc="-150" dirty="0">
+                <a:latin typeface="BIZ UDPゴシック" panose="020B0400000000000000" pitchFamily="50" charset="-128"/>
+                <a:ea typeface="BIZ UDPゴシック" panose="020B0400000000000000" pitchFamily="50" charset="-128"/>
+              </a:rPr>
+              <a:t>BA</a:t>
+            </a:r>
+            <a:endParaRPr kumimoji="1" lang="ja-JP" altLang="en-US" sz="1400" spc="-150" dirty="0">
+              <a:latin typeface="BIZ UDPゴシック" panose="020B0400000000000000" pitchFamily="50" charset="-128"/>
+              <a:ea typeface="BIZ UDPゴシック" panose="020B0400000000000000" pitchFamily="50" charset="-128"/>
+            </a:endParaRPr>
+          </a:p>
+        </p:txBody>
+      </p:sp>
+      <p:sp>
+        <p:nvSpPr>
+          <p:cNvPr id="187" name="テキスト ボックス 186">
+            <a:extLst>
+              <a:ext uri="{FF2B5EF4-FFF2-40B4-BE49-F238E27FC236}">
+                <a16:creationId xmlns:a16="http://schemas.microsoft.com/office/drawing/2014/main" id="{2503E611-F636-8375-E4A2-A8915994155A}"/>
+              </a:ext>
+            </a:extLst>
+          </p:cNvPr>
+          <p:cNvSpPr txBox="1"/>
+          <p:nvPr/>
+        </p:nvSpPr>
+        <p:spPr>
+          <a:xfrm>
+            <a:off x="9627705" y="3738481"/>
+            <a:ext cx="548332" cy="307777"/>
+          </a:xfrm>
+          <a:prstGeom prst="rect">
+            <a:avLst/>
+          </a:prstGeom>
+          <a:noFill/>
+        </p:spPr>
+        <p:txBody>
+          <a:bodyPr wrap="square" rtlCol="0">
+            <a:spAutoFit/>
+          </a:bodyPr>
+          <a:lstStyle/>
+          <a:p>
+            <a:pPr algn="ctr"/>
+            <a:r>
+              <a:rPr lang="en-US" altLang="ja-JP" sz="1400" spc="-150" dirty="0">
+                <a:latin typeface="BIZ UDPゴシック" panose="020B0400000000000000" pitchFamily="50" charset="-128"/>
+                <a:ea typeface="BIZ UDPゴシック" panose="020B0400000000000000" pitchFamily="50" charset="-128"/>
+              </a:rPr>
+              <a:t>BA</a:t>
+            </a:r>
+            <a:endParaRPr kumimoji="1" lang="ja-JP" altLang="en-US" sz="1400" spc="-150" dirty="0">
+              <a:latin typeface="BIZ UDPゴシック" panose="020B0400000000000000" pitchFamily="50" charset="-128"/>
+              <a:ea typeface="BIZ UDPゴシック" panose="020B0400000000000000" pitchFamily="50" charset="-128"/>
+            </a:endParaRPr>
+          </a:p>
+        </p:txBody>
+      </p:sp>
+      <p:sp>
+        <p:nvSpPr>
+          <p:cNvPr id="188" name="テキスト ボックス 187">
+            <a:extLst>
+              <a:ext uri="{FF2B5EF4-FFF2-40B4-BE49-F238E27FC236}">
+                <a16:creationId xmlns:a16="http://schemas.microsoft.com/office/drawing/2014/main" id="{5D807CA8-141E-1863-7997-C058394371C6}"/>
+              </a:ext>
+            </a:extLst>
+          </p:cNvPr>
+          <p:cNvSpPr txBox="1"/>
+          <p:nvPr/>
+        </p:nvSpPr>
+        <p:spPr>
+          <a:xfrm>
+            <a:off x="11290053" y="4449807"/>
+            <a:ext cx="548332" cy="307777"/>
+          </a:xfrm>
+          <a:prstGeom prst="rect">
+            <a:avLst/>
+          </a:prstGeom>
+          <a:noFill/>
+        </p:spPr>
+        <p:txBody>
+          <a:bodyPr wrap="square" rtlCol="0">
+            <a:spAutoFit/>
+          </a:bodyPr>
+          <a:lstStyle/>
+          <a:p>
+            <a:pPr algn="ctr"/>
+            <a:r>
+              <a:rPr lang="en-US" altLang="ja-JP" sz="1400" spc="-150" dirty="0">
+                <a:latin typeface="BIZ UDPゴシック" panose="020B0400000000000000" pitchFamily="50" charset="-128"/>
+                <a:ea typeface="BIZ UDPゴシック" panose="020B0400000000000000" pitchFamily="50" charset="-128"/>
+              </a:rPr>
+              <a:t>BA</a:t>
+            </a:r>
+            <a:endParaRPr kumimoji="1" lang="ja-JP" altLang="en-US" sz="1400" spc="-150" dirty="0">
+              <a:latin typeface="BIZ UDPゴシック" panose="020B0400000000000000" pitchFamily="50" charset="-128"/>
+              <a:ea typeface="BIZ UDPゴシック" panose="020B0400000000000000" pitchFamily="50" charset="-128"/>
+            </a:endParaRPr>
+          </a:p>
+        </p:txBody>
+      </p:sp>
+      <p:sp>
+        <p:nvSpPr>
+          <p:cNvPr id="189" name="テキスト ボックス 188">
+            <a:extLst>
+              <a:ext uri="{FF2B5EF4-FFF2-40B4-BE49-F238E27FC236}">
+                <a16:creationId xmlns:a16="http://schemas.microsoft.com/office/drawing/2014/main" id="{EC81809D-DDF9-9754-95D5-34AB158D0CA7}"/>
+              </a:ext>
+            </a:extLst>
+          </p:cNvPr>
+          <p:cNvSpPr txBox="1"/>
+          <p:nvPr/>
+        </p:nvSpPr>
+        <p:spPr>
+          <a:xfrm>
+            <a:off x="327743" y="5063318"/>
+            <a:ext cx="3776018" cy="584775"/>
+          </a:xfrm>
+          <a:prstGeom prst="rect">
+            <a:avLst/>
+          </a:prstGeom>
+          <a:noFill/>
+        </p:spPr>
+        <p:txBody>
+          <a:bodyPr wrap="square" rtlCol="0">
+            <a:spAutoFit/>
+          </a:bodyPr>
+          <a:lstStyle/>
+          <a:p>
+            <a:r>
+              <a:rPr lang="en-US" altLang="ja-JP" sz="1600" dirty="0">
+                <a:latin typeface="BIZ UDPゴシック" panose="020B0400000000000000" pitchFamily="50" charset="-128"/>
+                <a:ea typeface="BIZ UDPゴシック" panose="020B0400000000000000" pitchFamily="50" charset="-128"/>
+              </a:rPr>
+              <a:t>NDP : Null Data Packet</a:t>
+            </a:r>
+          </a:p>
+          <a:p>
+            <a:r>
+              <a:rPr kumimoji="1" lang="en-US" altLang="ja-JP" sz="1600" dirty="0">
+                <a:latin typeface="BIZ UDPゴシック" panose="020B0400000000000000" pitchFamily="50" charset="-128"/>
+                <a:ea typeface="BIZ UDPゴシック" panose="020B0400000000000000" pitchFamily="50" charset="-128"/>
+              </a:rPr>
+              <a:t>NDPA : </a:t>
+            </a:r>
+            <a:r>
+              <a:rPr lang="en-US" altLang="ja-JP" sz="1600" dirty="0">
+                <a:latin typeface="BIZ UDPゴシック" panose="020B0400000000000000" pitchFamily="50" charset="-128"/>
+                <a:ea typeface="BIZ UDPゴシック" panose="020B0400000000000000" pitchFamily="50" charset="-128"/>
+              </a:rPr>
+              <a:t>NDP Announcement</a:t>
+            </a:r>
+            <a:endParaRPr kumimoji="1" lang="ja-JP" altLang="en-US" sz="1600" dirty="0">
+              <a:latin typeface="BIZ UDPゴシック" panose="020B0400000000000000" pitchFamily="50" charset="-128"/>
+              <a:ea typeface="BIZ UDPゴシック" panose="020B0400000000000000" pitchFamily="50" charset="-128"/>
+            </a:endParaRPr>
+          </a:p>
+        </p:txBody>
+      </p:sp>
+      <p:sp>
+        <p:nvSpPr>
+          <p:cNvPr id="190" name="テキスト ボックス 189">
+            <a:extLst>
+              <a:ext uri="{FF2B5EF4-FFF2-40B4-BE49-F238E27FC236}">
+                <a16:creationId xmlns:a16="http://schemas.microsoft.com/office/drawing/2014/main" id="{B72C3E15-BEAF-BA79-983D-76CFE01B5865}"/>
+              </a:ext>
+            </a:extLst>
+          </p:cNvPr>
+          <p:cNvSpPr txBox="1"/>
+          <p:nvPr/>
+        </p:nvSpPr>
+        <p:spPr>
+          <a:xfrm>
+            <a:off x="4312223" y="5063318"/>
+            <a:ext cx="3776018" cy="584775"/>
+          </a:xfrm>
+          <a:prstGeom prst="rect">
+            <a:avLst/>
+          </a:prstGeom>
+          <a:noFill/>
+        </p:spPr>
+        <p:txBody>
+          <a:bodyPr wrap="square" rtlCol="0">
+            <a:spAutoFit/>
+          </a:bodyPr>
+          <a:lstStyle/>
+          <a:p>
+            <a:r>
+              <a:rPr lang="en-US" altLang="ja-JP" sz="1600" dirty="0">
+                <a:latin typeface="BIZ UDPゴシック" panose="020B0400000000000000" pitchFamily="50" charset="-128"/>
+                <a:ea typeface="BIZ UDPゴシック" panose="020B0400000000000000" pitchFamily="50" charset="-128"/>
+              </a:rPr>
+              <a:t>BR : Beamforming Report</a:t>
+            </a:r>
+          </a:p>
+          <a:p>
+            <a:r>
+              <a:rPr lang="en-US" altLang="ja-JP" sz="1600" dirty="0">
+                <a:latin typeface="BIZ UDPゴシック" panose="020B0400000000000000" pitchFamily="50" charset="-128"/>
+                <a:ea typeface="BIZ UDPゴシック" panose="020B0400000000000000" pitchFamily="50" charset="-128"/>
+              </a:rPr>
+              <a:t>BRP : BR Polling</a:t>
+            </a:r>
+            <a:endParaRPr kumimoji="1" lang="ja-JP" altLang="en-US" sz="1600" dirty="0">
+              <a:latin typeface="BIZ UDPゴシック" panose="020B0400000000000000" pitchFamily="50" charset="-128"/>
+              <a:ea typeface="BIZ UDPゴシック" panose="020B0400000000000000" pitchFamily="50" charset="-128"/>
+            </a:endParaRPr>
+          </a:p>
+        </p:txBody>
+      </p:sp>
+      <p:sp>
+        <p:nvSpPr>
+          <p:cNvPr id="191" name="テキスト ボックス 190">
+            <a:extLst>
+              <a:ext uri="{FF2B5EF4-FFF2-40B4-BE49-F238E27FC236}">
+                <a16:creationId xmlns:a16="http://schemas.microsoft.com/office/drawing/2014/main" id="{B48D9C16-ABB4-E7BC-A2C2-09D7BA0395DC}"/>
+              </a:ext>
+            </a:extLst>
+          </p:cNvPr>
+          <p:cNvSpPr txBox="1"/>
+          <p:nvPr/>
+        </p:nvSpPr>
+        <p:spPr>
+          <a:xfrm>
+            <a:off x="8304128" y="5032897"/>
+            <a:ext cx="3776018" cy="584775"/>
+          </a:xfrm>
+          <a:prstGeom prst="rect">
+            <a:avLst/>
+          </a:prstGeom>
+          <a:noFill/>
+        </p:spPr>
+        <p:txBody>
+          <a:bodyPr wrap="square" rtlCol="0">
+            <a:spAutoFit/>
+          </a:bodyPr>
+          <a:lstStyle/>
+          <a:p>
+            <a:r>
+              <a:rPr lang="en-US" altLang="ja-JP" sz="1600" dirty="0">
+                <a:latin typeface="BIZ UDPゴシック" panose="020B0400000000000000" pitchFamily="50" charset="-128"/>
+                <a:ea typeface="BIZ UDPゴシック" panose="020B0400000000000000" pitchFamily="50" charset="-128"/>
+              </a:rPr>
+              <a:t>BA : Block ACK</a:t>
+            </a:r>
+          </a:p>
+          <a:p>
+            <a:r>
+              <a:rPr kumimoji="1" lang="en-US" altLang="ja-JP" sz="1600" dirty="0">
+                <a:latin typeface="BIZ UDPゴシック" panose="020B0400000000000000" pitchFamily="50" charset="-128"/>
+                <a:ea typeface="BIZ UDPゴシック" panose="020B0400000000000000" pitchFamily="50" charset="-128"/>
+              </a:rPr>
+              <a:t>BAR : BA R</a:t>
+            </a:r>
+            <a:r>
+              <a:rPr lang="en-US" altLang="ja-JP" sz="1600" dirty="0">
+                <a:latin typeface="BIZ UDPゴシック" panose="020B0400000000000000" pitchFamily="50" charset="-128"/>
+                <a:ea typeface="BIZ UDPゴシック" panose="020B0400000000000000" pitchFamily="50" charset="-128"/>
+              </a:rPr>
+              <a:t>equest</a:t>
+            </a:r>
+            <a:endParaRPr kumimoji="1" lang="ja-JP" altLang="en-US" sz="1600" dirty="0">
+              <a:latin typeface="BIZ UDPゴシック" panose="020B0400000000000000" pitchFamily="50" charset="-128"/>
+              <a:ea typeface="BIZ UDPゴシック" panose="020B0400000000000000" pitchFamily="50" charset="-128"/>
+            </a:endParaRPr>
+          </a:p>
+        </p:txBody>
+      </p:sp>
+    </p:spTree>
+    <p:extLst>
+      <p:ext uri="{BB962C8B-B14F-4D97-AF65-F5344CB8AC3E}">
+        <p14:creationId xmlns:p14="http://schemas.microsoft.com/office/powerpoint/2010/main" val="428280065"/>
+      </p:ext>
+    </p:extLst>
+  </p:cSld>
+  <p:clrMapOvr>
+    <a:masterClrMapping/>
+  </p:clrMapOvr>
+</p:sld>
+</file>
+
+<file path=ppt/slides/slide8.xml><?xml version="1.0" encoding="utf-8"?>
+<p:sld xmlns:a="http://schemas.openxmlformats.org/drawingml/2006/main" xmlns:r="http://schemas.openxmlformats.org/officeDocument/2006/relationships" xmlns:p="http://schemas.openxmlformats.org/presentationml/2006/main">
+  <p:cSld>
+    <p:spTree>
+      <p:nvGrpSpPr>
+        <p:cNvPr id="1" name=""/>
+        <p:cNvGrpSpPr/>
+        <p:nvPr/>
+      </p:nvGrpSpPr>
+      <p:grpSpPr>
+        <a:xfrm>
+          <a:off x="0" y="0"/>
+          <a:ext cx="0" cy="0"/>
+          <a:chOff x="0" y="0"/>
+          <a:chExt cx="0" cy="0"/>
+        </a:xfrm>
+      </p:grpSpPr>
+      <p:sp>
+        <p:nvSpPr>
+          <p:cNvPr id="4" name="テキスト ボックス 3">
+            <a:extLst>
+              <a:ext uri="{FF2B5EF4-FFF2-40B4-BE49-F238E27FC236}">
+                <a16:creationId xmlns:a16="http://schemas.microsoft.com/office/drawing/2014/main" id="{EC1B87F1-9C1C-5F33-C890-DF44359298D6}"/>
+              </a:ext>
+            </a:extLst>
+          </p:cNvPr>
+          <p:cNvSpPr txBox="1"/>
+          <p:nvPr/>
+        </p:nvSpPr>
+        <p:spPr>
+          <a:xfrm>
+            <a:off x="14245" y="213451"/>
+            <a:ext cx="12615488" cy="646331"/>
+          </a:xfrm>
+          <a:prstGeom prst="rect">
+            <a:avLst/>
+          </a:prstGeom>
+          <a:noFill/>
+        </p:spPr>
+        <p:txBody>
+          <a:bodyPr wrap="square" rtlCol="0">
+            <a:spAutoFit/>
+          </a:bodyPr>
+          <a:lstStyle/>
+          <a:p>
+            <a:r>
+              <a:rPr kumimoji="1" lang="en-US" altLang="ja-JP" sz="3600" b="1" dirty="0">
+                <a:latin typeface="BIZ UDPゴシック" panose="020B0400000000000000" pitchFamily="50" charset="-128"/>
+                <a:ea typeface="BIZ UDPゴシック" panose="020B0400000000000000" pitchFamily="50" charset="-128"/>
+              </a:rPr>
+              <a:t>CSI (Channel State Information) Feedback</a:t>
+            </a:r>
+            <a:endParaRPr kumimoji="1" lang="ja-JP" altLang="en-US" sz="3600" b="1" dirty="0">
+              <a:latin typeface="BIZ UDPゴシック" panose="020B0400000000000000" pitchFamily="50" charset="-128"/>
+              <a:ea typeface="BIZ UDPゴシック" panose="020B0400000000000000" pitchFamily="50" charset="-128"/>
+            </a:endParaRPr>
+          </a:p>
+        </p:txBody>
+      </p:sp>
+      <p:sp>
+        <p:nvSpPr>
+          <p:cNvPr id="5" name="テキスト ボックス 4">
+            <a:extLst>
+              <a:ext uri="{FF2B5EF4-FFF2-40B4-BE49-F238E27FC236}">
+                <a16:creationId xmlns:a16="http://schemas.microsoft.com/office/drawing/2014/main" id="{FB223AAB-1D89-B214-7555-3FF6808DA4C8}"/>
+              </a:ext>
+            </a:extLst>
+          </p:cNvPr>
+          <p:cNvSpPr txBox="1"/>
+          <p:nvPr/>
+        </p:nvSpPr>
+        <p:spPr>
+          <a:xfrm>
+            <a:off x="1242780" y="1837521"/>
+            <a:ext cx="9815513" cy="954107"/>
+          </a:xfrm>
+          <a:prstGeom prst="rect">
+            <a:avLst/>
+          </a:prstGeom>
+          <a:noFill/>
+        </p:spPr>
+        <p:txBody>
+          <a:bodyPr wrap="square" rtlCol="0">
+            <a:spAutoFit/>
+          </a:bodyPr>
+          <a:lstStyle/>
+          <a:p>
+            <a:r>
+              <a:rPr kumimoji="1" lang="ja-JP" altLang="en-US" sz="2800" dirty="0">
+                <a:latin typeface="BIZ UDPゴシック" panose="020B0400000000000000" pitchFamily="50" charset="-128"/>
+                <a:ea typeface="BIZ UDPゴシック" panose="020B0400000000000000" pitchFamily="50" charset="-128"/>
+              </a:rPr>
+              <a:t>データパケットは</a:t>
+            </a:r>
+            <a:r>
+              <a:rPr kumimoji="1" lang="en-US" altLang="ja-JP" sz="2800" dirty="0">
+                <a:latin typeface="BIZ UDPゴシック" panose="020B0400000000000000" pitchFamily="50" charset="-128"/>
+                <a:ea typeface="BIZ UDPゴシック" panose="020B0400000000000000" pitchFamily="50" charset="-128"/>
+              </a:rPr>
+              <a:t>CSI</a:t>
+            </a:r>
+            <a:r>
+              <a:rPr lang="ja-JP" altLang="en-US" sz="2800" dirty="0">
+                <a:latin typeface="BIZ UDPゴシック" panose="020B0400000000000000" pitchFamily="50" charset="-128"/>
+                <a:ea typeface="BIZ UDPゴシック" panose="020B0400000000000000" pitchFamily="50" charset="-128"/>
+              </a:rPr>
+              <a:t> </a:t>
+            </a:r>
+            <a:r>
+              <a:rPr lang="en-US" altLang="ja-JP" sz="2800" dirty="0">
+                <a:latin typeface="BIZ UDPゴシック" panose="020B0400000000000000" pitchFamily="50" charset="-128"/>
+                <a:ea typeface="BIZ UDPゴシック" panose="020B0400000000000000" pitchFamily="50" charset="-128"/>
+              </a:rPr>
+              <a:t>Feedback</a:t>
+            </a:r>
+            <a:r>
+              <a:rPr lang="ja-JP" altLang="en-US" sz="2800" dirty="0">
+                <a:latin typeface="BIZ UDPゴシック" panose="020B0400000000000000" pitchFamily="50" charset="-128"/>
+                <a:ea typeface="BIZ UDPゴシック" panose="020B0400000000000000" pitchFamily="50" charset="-128"/>
+              </a:rPr>
+              <a:t>によるチャネル推定が完了したところで送信状態へ移行し</a:t>
+            </a:r>
+            <a:r>
+              <a:rPr lang="en-US" altLang="ja-JP" sz="2800" dirty="0">
+                <a:latin typeface="BIZ UDPゴシック" panose="020B0400000000000000" pitchFamily="50" charset="-128"/>
+                <a:ea typeface="BIZ UDPゴシック" panose="020B0400000000000000" pitchFamily="50" charset="-128"/>
+              </a:rPr>
+              <a:t>,</a:t>
+            </a:r>
+            <a:r>
+              <a:rPr lang="ja-JP" altLang="en-US" sz="2800" dirty="0">
+                <a:latin typeface="BIZ UDPゴシック" panose="020B0400000000000000" pitchFamily="50" charset="-128"/>
+                <a:ea typeface="BIZ UDPゴシック" panose="020B0400000000000000" pitchFamily="50" charset="-128"/>
+              </a:rPr>
+              <a:t>同期して送信する必要がある</a:t>
+            </a:r>
+            <a:r>
+              <a:rPr lang="en-US" altLang="ja-JP" sz="2800" dirty="0">
+                <a:latin typeface="BIZ UDPゴシック" panose="020B0400000000000000" pitchFamily="50" charset="-128"/>
+                <a:ea typeface="BIZ UDPゴシック" panose="020B0400000000000000" pitchFamily="50" charset="-128"/>
+              </a:rPr>
+              <a:t>.</a:t>
+            </a:r>
+            <a:endParaRPr kumimoji="1" lang="ja-JP" altLang="en-US" sz="2800" dirty="0">
+              <a:latin typeface="BIZ UDPゴシック" panose="020B0400000000000000" pitchFamily="50" charset="-128"/>
+              <a:ea typeface="BIZ UDPゴシック" panose="020B0400000000000000" pitchFamily="50" charset="-128"/>
+            </a:endParaRPr>
+          </a:p>
+        </p:txBody>
+      </p:sp>
+      <p:sp>
+        <p:nvSpPr>
+          <p:cNvPr id="7" name="テキスト ボックス 6">
+            <a:extLst>
+              <a:ext uri="{FF2B5EF4-FFF2-40B4-BE49-F238E27FC236}">
+                <a16:creationId xmlns:a16="http://schemas.microsoft.com/office/drawing/2014/main" id="{708DC01C-0E7E-9586-9518-8051754A0E16}"/>
+              </a:ext>
+            </a:extLst>
+          </p:cNvPr>
+          <p:cNvSpPr txBox="1"/>
+          <p:nvPr/>
+        </p:nvSpPr>
+        <p:spPr>
+          <a:xfrm>
+            <a:off x="1902156" y="2860655"/>
+            <a:ext cx="9156137" cy="954107"/>
+          </a:xfrm>
+          <a:prstGeom prst="rect">
+            <a:avLst/>
+          </a:prstGeom>
+          <a:noFill/>
+        </p:spPr>
+        <p:txBody>
+          <a:bodyPr wrap="square" rtlCol="0">
+            <a:spAutoFit/>
+          </a:bodyPr>
+          <a:lstStyle/>
+          <a:p>
+            <a:r>
+              <a:rPr lang="ja-JP" altLang="en-US" sz="2800" dirty="0">
+                <a:latin typeface="BIZ UDPゴシック" panose="020B0400000000000000" pitchFamily="50" charset="-128"/>
+                <a:ea typeface="BIZ UDPゴシック" panose="020B0400000000000000" pitchFamily="50" charset="-128"/>
+              </a:rPr>
+              <a:t>データ送信開始までのオーバーヘッドとなり</a:t>
+            </a:r>
+            <a:r>
+              <a:rPr lang="en-US" altLang="ja-JP" sz="2800" dirty="0">
+                <a:latin typeface="BIZ UDPゴシック" panose="020B0400000000000000" pitchFamily="50" charset="-128"/>
+                <a:ea typeface="BIZ UDPゴシック" panose="020B0400000000000000" pitchFamily="50" charset="-128"/>
+              </a:rPr>
+              <a:t>,</a:t>
+            </a:r>
+            <a:r>
+              <a:rPr lang="ja-JP" altLang="en-US" sz="2800" dirty="0">
+                <a:latin typeface="BIZ UDPゴシック" panose="020B0400000000000000" pitchFamily="50" charset="-128"/>
+                <a:ea typeface="BIZ UDPゴシック" panose="020B0400000000000000" pitchFamily="50" charset="-128"/>
+              </a:rPr>
+              <a:t>伝送効率を低下させる</a:t>
+            </a:r>
+            <a:r>
+              <a:rPr lang="en-US" altLang="ja-JP" sz="2800" dirty="0">
+                <a:latin typeface="BIZ UDPゴシック" panose="020B0400000000000000" pitchFamily="50" charset="-128"/>
+                <a:ea typeface="BIZ UDPゴシック" panose="020B0400000000000000" pitchFamily="50" charset="-128"/>
+              </a:rPr>
+              <a:t>.</a:t>
+            </a:r>
+            <a:endParaRPr kumimoji="1" lang="ja-JP" altLang="en-US" sz="2800" dirty="0">
+              <a:latin typeface="BIZ UDPゴシック" panose="020B0400000000000000" pitchFamily="50" charset="-128"/>
+              <a:ea typeface="BIZ UDPゴシック" panose="020B0400000000000000" pitchFamily="50" charset="-128"/>
+            </a:endParaRPr>
+          </a:p>
+        </p:txBody>
+      </p:sp>
+      <p:sp>
+        <p:nvSpPr>
+          <p:cNvPr id="8" name="テキスト ボックス 7">
+            <a:extLst>
+              <a:ext uri="{FF2B5EF4-FFF2-40B4-BE49-F238E27FC236}">
+                <a16:creationId xmlns:a16="http://schemas.microsoft.com/office/drawing/2014/main" id="{EE806ECE-119D-E56E-856F-CDC63ED5EA8B}"/>
+              </a:ext>
+            </a:extLst>
+          </p:cNvPr>
+          <p:cNvSpPr txBox="1"/>
+          <p:nvPr/>
+        </p:nvSpPr>
+        <p:spPr>
+          <a:xfrm>
+            <a:off x="1444956" y="2860655"/>
+            <a:ext cx="457200" cy="523220"/>
+          </a:xfrm>
+          <a:prstGeom prst="rect">
+            <a:avLst/>
+          </a:prstGeom>
+          <a:noFill/>
+        </p:spPr>
+        <p:txBody>
+          <a:bodyPr wrap="square" rtlCol="0">
+            <a:spAutoFit/>
+          </a:bodyPr>
+          <a:lstStyle/>
+          <a:p>
+            <a:r>
+              <a:rPr kumimoji="1" lang="ja-JP" altLang="en-US" sz="2800" dirty="0">
+                <a:latin typeface="BIZ UDPゴシック" panose="020B0400000000000000" pitchFamily="50" charset="-128"/>
+                <a:ea typeface="BIZ UDPゴシック" panose="020B0400000000000000" pitchFamily="50" charset="-128"/>
+              </a:rPr>
+              <a:t>⇒</a:t>
+            </a:r>
+          </a:p>
+        </p:txBody>
+      </p:sp>
+      <p:sp>
+        <p:nvSpPr>
+          <p:cNvPr id="10" name="テキスト ボックス 9">
+            <a:extLst>
+              <a:ext uri="{FF2B5EF4-FFF2-40B4-BE49-F238E27FC236}">
+                <a16:creationId xmlns:a16="http://schemas.microsoft.com/office/drawing/2014/main" id="{78A50DDA-CEB1-FE07-556C-222AC94D4BD9}"/>
+              </a:ext>
+            </a:extLst>
+          </p:cNvPr>
+          <p:cNvSpPr txBox="1"/>
+          <p:nvPr/>
+        </p:nvSpPr>
+        <p:spPr>
+          <a:xfrm>
+            <a:off x="1242781" y="4209247"/>
+            <a:ext cx="9815513" cy="1815882"/>
+          </a:xfrm>
+          <a:prstGeom prst="rect">
+            <a:avLst/>
+          </a:prstGeom>
+          <a:noFill/>
+        </p:spPr>
+        <p:txBody>
+          <a:bodyPr wrap="square" rtlCol="0">
+            <a:spAutoFit/>
+          </a:bodyPr>
+          <a:lstStyle/>
+          <a:p>
+            <a:r>
+              <a:rPr lang="en-US" altLang="ja-JP" sz="2800" dirty="0">
+                <a:latin typeface="BIZ UDPゴシック" panose="020B0400000000000000" pitchFamily="50" charset="-128"/>
+                <a:ea typeface="BIZ UDPゴシック" panose="020B0400000000000000" pitchFamily="50" charset="-128"/>
+              </a:rPr>
+              <a:t>MU-MIMO</a:t>
+            </a:r>
+            <a:r>
+              <a:rPr lang="ja-JP" altLang="en-US" sz="2800" dirty="0">
+                <a:latin typeface="BIZ UDPゴシック" panose="020B0400000000000000" pitchFamily="50" charset="-128"/>
+                <a:ea typeface="BIZ UDPゴシック" panose="020B0400000000000000" pitchFamily="50" charset="-128"/>
+              </a:rPr>
+              <a:t>の場合</a:t>
+            </a:r>
+            <a:r>
+              <a:rPr lang="en-US" altLang="ja-JP" sz="2800" dirty="0">
+                <a:latin typeface="BIZ UDPゴシック" panose="020B0400000000000000" pitchFamily="50" charset="-128"/>
+                <a:ea typeface="BIZ UDPゴシック" panose="020B0400000000000000" pitchFamily="50" charset="-128"/>
+              </a:rPr>
+              <a:t>,</a:t>
+            </a:r>
+            <a:r>
+              <a:rPr lang="ja-JP" altLang="en-US" sz="2800" dirty="0">
+                <a:latin typeface="BIZ UDPゴシック" panose="020B0400000000000000" pitchFamily="50" charset="-128"/>
+                <a:ea typeface="BIZ UDPゴシック" panose="020B0400000000000000" pitchFamily="50" charset="-128"/>
+              </a:rPr>
+              <a:t>複数</a:t>
+            </a:r>
+            <a:r>
+              <a:rPr lang="en-US" altLang="ja-JP" sz="2800" dirty="0">
+                <a:latin typeface="BIZ UDPゴシック" panose="020B0400000000000000" pitchFamily="50" charset="-128"/>
+                <a:ea typeface="BIZ UDPゴシック" panose="020B0400000000000000" pitchFamily="50" charset="-128"/>
+              </a:rPr>
+              <a:t>STA</a:t>
+            </a:r>
+            <a:r>
+              <a:rPr lang="ja-JP" altLang="en-US" sz="2800" dirty="0">
+                <a:latin typeface="BIZ UDPゴシック" panose="020B0400000000000000" pitchFamily="50" charset="-128"/>
+                <a:ea typeface="BIZ UDPゴシック" panose="020B0400000000000000" pitchFamily="50" charset="-128"/>
+              </a:rPr>
+              <a:t>宛てに同期してデータを送信しなければならないため</a:t>
+            </a:r>
+            <a:r>
+              <a:rPr lang="en-US" altLang="ja-JP" sz="2800" dirty="0">
+                <a:latin typeface="BIZ UDPゴシック" panose="020B0400000000000000" pitchFamily="50" charset="-128"/>
+                <a:ea typeface="BIZ UDPゴシック" panose="020B0400000000000000" pitchFamily="50" charset="-128"/>
+              </a:rPr>
+              <a:t>,</a:t>
+            </a:r>
+            <a:r>
+              <a:rPr lang="ja-JP" altLang="en-US" sz="2800" dirty="0">
+                <a:latin typeface="BIZ UDPゴシック" panose="020B0400000000000000" pitchFamily="50" charset="-128"/>
+                <a:ea typeface="BIZ UDPゴシック" panose="020B0400000000000000" pitchFamily="50" charset="-128"/>
+              </a:rPr>
+              <a:t>従来の無線</a:t>
+            </a:r>
+            <a:r>
+              <a:rPr lang="en-US" altLang="ja-JP" sz="2800" dirty="0">
+                <a:latin typeface="BIZ UDPゴシック" panose="020B0400000000000000" pitchFamily="50" charset="-128"/>
+                <a:ea typeface="BIZ UDPゴシック" panose="020B0400000000000000" pitchFamily="50" charset="-128"/>
+              </a:rPr>
+              <a:t>LAN</a:t>
+            </a:r>
+            <a:r>
+              <a:rPr lang="ja-JP" altLang="en-US" sz="2800" dirty="0">
+                <a:latin typeface="BIZ UDPゴシック" panose="020B0400000000000000" pitchFamily="50" charset="-128"/>
+                <a:ea typeface="BIZ UDPゴシック" panose="020B0400000000000000" pitchFamily="50" charset="-128"/>
+              </a:rPr>
+              <a:t>は自立分散制御であったが</a:t>
+            </a:r>
+            <a:r>
+              <a:rPr lang="en-US" altLang="ja-JP" sz="2800" dirty="0">
+                <a:latin typeface="BIZ UDPゴシック" panose="020B0400000000000000" pitchFamily="50" charset="-128"/>
+                <a:ea typeface="BIZ UDPゴシック" panose="020B0400000000000000" pitchFamily="50" charset="-128"/>
+              </a:rPr>
+              <a:t>,</a:t>
+            </a:r>
+            <a:r>
+              <a:rPr lang="ja-JP" altLang="en-US" sz="2800" dirty="0">
+                <a:latin typeface="BIZ UDPゴシック" panose="020B0400000000000000" pitchFamily="50" charset="-128"/>
+                <a:ea typeface="BIZ UDPゴシック" panose="020B0400000000000000" pitchFamily="50" charset="-128"/>
+              </a:rPr>
+              <a:t>集中制御のような送信タイミングをスケジューリングするなどの工夫が必要となる</a:t>
+            </a:r>
+            <a:r>
+              <a:rPr lang="en-US" altLang="ja-JP" sz="2800" dirty="0">
+                <a:latin typeface="BIZ UDPゴシック" panose="020B0400000000000000" pitchFamily="50" charset="-128"/>
+                <a:ea typeface="BIZ UDPゴシック" panose="020B0400000000000000" pitchFamily="50" charset="-128"/>
+              </a:rPr>
+              <a:t>.</a:t>
+            </a:r>
+            <a:endParaRPr kumimoji="1" lang="ja-JP" altLang="en-US" sz="2800" dirty="0">
+              <a:latin typeface="BIZ UDPゴシック" panose="020B0400000000000000" pitchFamily="50" charset="-128"/>
+              <a:ea typeface="BIZ UDPゴシック" panose="020B0400000000000000" pitchFamily="50" charset="-128"/>
+            </a:endParaRPr>
+          </a:p>
+        </p:txBody>
+      </p:sp>
+      <p:sp>
+        <p:nvSpPr>
+          <p:cNvPr id="11" name="テキスト ボックス 10">
+            <a:extLst>
+              <a:ext uri="{FF2B5EF4-FFF2-40B4-BE49-F238E27FC236}">
+                <a16:creationId xmlns:a16="http://schemas.microsoft.com/office/drawing/2014/main" id="{FB98A88C-F9F2-08E8-6FA3-9C33C730FBBF}"/>
+              </a:ext>
+            </a:extLst>
+          </p:cNvPr>
+          <p:cNvSpPr txBox="1"/>
+          <p:nvPr/>
+        </p:nvSpPr>
+        <p:spPr>
+          <a:xfrm>
+            <a:off x="466683" y="1088976"/>
+            <a:ext cx="2312236" cy="646331"/>
+          </a:xfrm>
+          <a:prstGeom prst="rect">
+            <a:avLst/>
+          </a:prstGeom>
+          <a:noFill/>
+        </p:spPr>
+        <p:txBody>
+          <a:bodyPr wrap="square" rtlCol="0">
+            <a:spAutoFit/>
+          </a:bodyPr>
+          <a:lstStyle/>
+          <a:p>
+            <a:r>
+              <a:rPr lang="ja-JP" altLang="en-US" sz="3600" b="1" dirty="0">
+                <a:latin typeface="BIZ UDPゴシック" panose="020B0400000000000000" pitchFamily="50" charset="-128"/>
+                <a:ea typeface="BIZ UDPゴシック" panose="020B0400000000000000" pitchFamily="50" charset="-128"/>
+              </a:rPr>
+              <a:t>デメリット</a:t>
+            </a:r>
+            <a:endParaRPr kumimoji="1" lang="ja-JP" altLang="en-US" sz="3600" b="1" dirty="0">
+              <a:latin typeface="BIZ UDPゴシック" panose="020B0400000000000000" pitchFamily="50" charset="-128"/>
+              <a:ea typeface="BIZ UDPゴシック" panose="020B0400000000000000" pitchFamily="50" charset="-128"/>
+            </a:endParaRPr>
+          </a:p>
+        </p:txBody>
+      </p:sp>
+    </p:spTree>
+    <p:extLst>
+      <p:ext uri="{BB962C8B-B14F-4D97-AF65-F5344CB8AC3E}">
+        <p14:creationId xmlns:p14="http://schemas.microsoft.com/office/powerpoint/2010/main" val="3037100936"/>
       </p:ext>
     </p:extLst>
   </p:cSld>
@@ -9707,13 +10837,13 @@
 <file path=ppt/tags/tag13.xml><?xml version="1.0" encoding="utf-8"?>
 <p:tagLst xmlns:a="http://schemas.openxmlformats.org/drawingml/2006/main" xmlns:r="http://schemas.openxmlformats.org/officeDocument/2006/relationships" xmlns:p="http://schemas.openxmlformats.org/presentationml/2006/main">
   <p:tag name="OUTPUTDPI" val="1200"/>
-  <p:tag name="ORIGINALHEIGHT" val="108.7652"/>
-  <p:tag name="ORIGINALWIDTH" val="114.0159"/>
+  <p:tag name="ORIGINALHEIGHT" val="87.76228"/>
+  <p:tag name="ORIGINALWIDTH" val="107.265"/>
   <p:tag name="OUTPUTTYPE" val="PNG"/>
   <p:tag name="IGUANATEXVERSION" val="160"/>
-  <p:tag name="LATEXADDIN" val="\documentclass{jsarticle}&#10;\usepackage{amsmath}&#10;\usepackage[T1]{fontenc}&#10;\usepackage{lmodern}&#10;\pagestyle{empty}&#10;&#10;\begin{document}&#10;%\begin{align*}&#10;%\end{align*}&#10;&#10;$S_1$&#10;&#10;\end{document}"/>
+  <p:tag name="LATEXADDIN" val="\documentclass{jsarticle}&#10;\usepackage{amsmath}&#10;\usepackage[T1]{fontenc}&#10;\usepackage{lmodern}&#10;\pagestyle{empty}&#10;&#10;\begin{document}&#10;%\begin{align*}&#10;%\end{align*}&#10;$H$&#10;\end{document}"/>
   <p:tag name="IGUANATEXSIZE" val="60"/>
-  <p:tag name="IGUANATEXCURSOR" val="164"/>
+  <p:tag name="IGUANATEXCURSOR" val="161"/>
   <p:tag name="TRANSPARENCY" val="True"/>
   <p:tag name="LATEXENGINEID" val="4"/>
   <p:tag name="TEMPFOLDER" val="c:\temp\"/>
@@ -9727,13 +10857,13 @@
 <file path=ppt/tags/tag14.xml><?xml version="1.0" encoding="utf-8"?>
 <p:tagLst xmlns:a="http://schemas.openxmlformats.org/drawingml/2006/main" xmlns:r="http://schemas.openxmlformats.org/officeDocument/2006/relationships" xmlns:p="http://schemas.openxmlformats.org/presentationml/2006/main">
   <p:tag name="OUTPUTDPI" val="1200"/>
-  <p:tag name="ORIGINALHEIGHT" val="108.7652"/>
-  <p:tag name="ORIGINALWIDTH" val="116.2662"/>
+  <p:tag name="ORIGINALHEIGHT" val="87.76228"/>
+  <p:tag name="ORIGINALWIDTH" val="107.265"/>
   <p:tag name="OUTPUTTYPE" val="PNG"/>
   <p:tag name="IGUANATEXVERSION" val="160"/>
-  <p:tag name="LATEXADDIN" val="\documentclass{jsarticle}&#10;\usepackage{amsmath}&#10;\usepackage[T1]{fontenc}&#10;\usepackage{lmodern}&#10;\pagestyle{empty}&#10;&#10;\begin{document}&#10;%\begin{align*}&#10;%\end{align*}&#10;&#10;$S_2$&#10;&#10;\end{document}"/>
+  <p:tag name="LATEXADDIN" val="\documentclass{jsarticle}&#10;\usepackage{amsmath}&#10;\usepackage[T1]{fontenc}&#10;\usepackage{lmodern}&#10;\pagestyle{empty}&#10;&#10;\begin{document}&#10;%\begin{align*}&#10;%\end{align*}&#10;$H$&#10;\end{document}"/>
   <p:tag name="IGUANATEXSIZE" val="60"/>
-  <p:tag name="IGUANATEXCURSOR" val="166"/>
+  <p:tag name="IGUANATEXCURSOR" val="161"/>
   <p:tag name="TRANSPARENCY" val="True"/>
   <p:tag name="LATEXENGINEID" val="4"/>
   <p:tag name="TEMPFOLDER" val="c:\temp\"/>
@@ -9747,33 +10877,13 @@
 <file path=ppt/tags/tag15.xml><?xml version="1.0" encoding="utf-8"?>
 <p:tagLst xmlns:a="http://schemas.openxmlformats.org/drawingml/2006/main" xmlns:r="http://schemas.openxmlformats.org/officeDocument/2006/relationships" xmlns:p="http://schemas.openxmlformats.org/presentationml/2006/main">
   <p:tag name="OUTPUTDPI" val="1200"/>
-  <p:tag name="ORIGINALHEIGHT" val="108.7652"/>
-  <p:tag name="ORIGINALWIDTH" val="114.0159"/>
+  <p:tag name="ORIGINALHEIGHT" val="87.76228"/>
+  <p:tag name="ORIGINALWIDTH" val="107.265"/>
   <p:tag name="OUTPUTTYPE" val="PNG"/>
   <p:tag name="IGUANATEXVERSION" val="160"/>
-  <p:tag name="LATEXADDIN" val="\documentclass{jsarticle}&#10;\usepackage{amsmath}&#10;\usepackage[T1]{fontenc}&#10;\usepackage{lmodern}&#10;\pagestyle{empty}&#10;&#10;\begin{document}&#10;%\begin{align*}&#10;%\end{align*}&#10;&#10;$S_1$&#10;&#10;\end{document}"/>
+  <p:tag name="LATEXADDIN" val="\documentclass{jsarticle}&#10;\usepackage{amsmath}&#10;\usepackage[T1]{fontenc}&#10;\usepackage{lmodern}&#10;\pagestyle{empty}&#10;&#10;\begin{document}&#10;%\begin{align*}&#10;%\end{align*}&#10;$H$&#10;\end{document}"/>
   <p:tag name="IGUANATEXSIZE" val="60"/>
-  <p:tag name="IGUANATEXCURSOR" val="164"/>
-  <p:tag name="TRANSPARENCY" val="True"/>
-  <p:tag name="LATEXENGINEID" val="4"/>
-  <p:tag name="TEMPFOLDER" val="c:\temp\"/>
-  <p:tag name="LATEXFORMHEIGHT" val="320"/>
-  <p:tag name="LATEXFORMWIDTH" val="385"/>
-  <p:tag name="LATEXFORMWRAP" val="True"/>
-  <p:tag name="BITMAPVECTOR" val="0"/>
-</p:tagLst>
-</file>
-
-<file path=ppt/tags/tag16.xml><?xml version="1.0" encoding="utf-8"?>
-<p:tagLst xmlns:a="http://schemas.openxmlformats.org/drawingml/2006/main" xmlns:r="http://schemas.openxmlformats.org/officeDocument/2006/relationships" xmlns:p="http://schemas.openxmlformats.org/presentationml/2006/main">
-  <p:tag name="OUTPUTDPI" val="1200"/>
-  <p:tag name="ORIGINALHEIGHT" val="108.7652"/>
-  <p:tag name="ORIGINALWIDTH" val="116.2662"/>
-  <p:tag name="OUTPUTTYPE" val="PNG"/>
-  <p:tag name="IGUANATEXVERSION" val="160"/>
-  <p:tag name="LATEXADDIN" val="\documentclass{jsarticle}&#10;\usepackage{amsmath}&#10;\usepackage[T1]{fontenc}&#10;\usepackage{lmodern}&#10;\pagestyle{empty}&#10;&#10;\begin{document}&#10;%\begin{align*}&#10;%\end{align*}&#10;&#10;$S_2$&#10;&#10;\end{document}"/>
-  <p:tag name="IGUANATEXSIZE" val="60"/>
-  <p:tag name="IGUANATEXCURSOR" val="166"/>
+  <p:tag name="IGUANATEXCURSOR" val="161"/>
   <p:tag name="TRANSPARENCY" val="True"/>
   <p:tag name="LATEXENGINEID" val="4"/>
   <p:tag name="TEMPFOLDER" val="c:\temp\"/>

--- a/MIMO/MU-MIMO.pptx
+++ b/MIMO/MU-MIMO.pptx
@@ -5,17 +5,18 @@
     <p:sldMasterId id="2147483648" r:id="rId1"/>
   </p:sldMasterIdLst>
   <p:notesMasterIdLst>
-    <p:notesMasterId r:id="rId10"/>
+    <p:notesMasterId r:id="rId11"/>
   </p:notesMasterIdLst>
   <p:sldIdLst>
     <p:sldId id="256" r:id="rId2"/>
     <p:sldId id="257" r:id="rId3"/>
     <p:sldId id="261" r:id="rId4"/>
     <p:sldId id="264" r:id="rId5"/>
-    <p:sldId id="263" r:id="rId6"/>
+    <p:sldId id="265" r:id="rId6"/>
     <p:sldId id="262" r:id="rId7"/>
     <p:sldId id="259" r:id="rId8"/>
     <p:sldId id="260" r:id="rId9"/>
+    <p:sldId id="263" r:id="rId10"/>
   </p:sldIdLst>
   <p:sldSz cx="12192000" cy="6858000"/>
   <p:notesSz cx="6858000" cy="9144000"/>
@@ -8577,136 +8578,470 @@
           </a:p>
         </p:txBody>
       </p:sp>
-      <p:sp>
-        <p:nvSpPr>
-          <p:cNvPr id="7" name="テキスト ボックス 6">
-            <a:extLst>
-              <a:ext uri="{FF2B5EF4-FFF2-40B4-BE49-F238E27FC236}">
-                <a16:creationId xmlns:a16="http://schemas.microsoft.com/office/drawing/2014/main" id="{005F191A-A314-1957-2837-BC045205815B}"/>
-              </a:ext>
-            </a:extLst>
-          </p:cNvPr>
-          <p:cNvSpPr txBox="1"/>
+      <p:grpSp>
+        <p:nvGrpSpPr>
+          <p:cNvPr id="19" name="グループ化 18">
+            <a:extLst>
+              <a:ext uri="{FF2B5EF4-FFF2-40B4-BE49-F238E27FC236}">
+                <a16:creationId xmlns:a16="http://schemas.microsoft.com/office/drawing/2014/main" id="{A9B1F7E3-47C5-CD6B-6488-B14810CD037F}"/>
+              </a:ext>
+            </a:extLst>
+          </p:cNvPr>
+          <p:cNvGrpSpPr/>
           <p:nvPr/>
-        </p:nvSpPr>
+        </p:nvGrpSpPr>
+        <p:grpSpPr>
+          <a:xfrm>
+            <a:off x="1877615" y="1878807"/>
+            <a:ext cx="8436769" cy="2031325"/>
+            <a:chOff x="1877615" y="1978819"/>
+            <a:chExt cx="8436769" cy="2031325"/>
+          </a:xfrm>
+        </p:grpSpPr>
+        <p:sp>
+          <p:nvSpPr>
+            <p:cNvPr id="7" name="テキスト ボックス 6">
+              <a:extLst>
+                <a:ext uri="{FF2B5EF4-FFF2-40B4-BE49-F238E27FC236}">
+                  <a16:creationId xmlns:a16="http://schemas.microsoft.com/office/drawing/2014/main" id="{005F191A-A314-1957-2837-BC045205815B}"/>
+                </a:ext>
+              </a:extLst>
+            </p:cNvPr>
+            <p:cNvSpPr txBox="1"/>
+            <p:nvPr/>
+          </p:nvSpPr>
+          <p:spPr>
+            <a:xfrm>
+              <a:off x="1877615" y="1978819"/>
+              <a:ext cx="8436769" cy="2031325"/>
+            </a:xfrm>
+            <a:prstGeom prst="rect">
+              <a:avLst/>
+            </a:prstGeom>
+            <a:noFill/>
+          </p:spPr>
+          <p:txBody>
+            <a:bodyPr wrap="square" rtlCol="0">
+              <a:spAutoFit/>
+            </a:bodyPr>
+            <a:lstStyle/>
+            <a:p>
+              <a:pPr marL="285750" indent="-285750">
+                <a:buFont typeface="Arial" panose="020B0604020202020204" pitchFamily="34" charset="0"/>
+                <a:buChar char="•"/>
+              </a:pPr>
+              <a:r>
+                <a:rPr kumimoji="1" lang="ja-JP" altLang="en-US" dirty="0">
+                  <a:latin typeface="BIZ UDPゴシック" panose="020B0400000000000000" pitchFamily="50" charset="-128"/>
+                  <a:ea typeface="BIZ UDPゴシック" panose="020B0400000000000000" pitchFamily="50" charset="-128"/>
+                </a:rPr>
+                <a:t>送信と受信の両方で伝搬チャネル行列　　を推定する</a:t>
+              </a:r>
+              <a:r>
+                <a:rPr kumimoji="1" lang="en-US" altLang="ja-JP" dirty="0">
+                  <a:latin typeface="BIZ UDPゴシック" panose="020B0400000000000000" pitchFamily="50" charset="-128"/>
+                  <a:ea typeface="BIZ UDPゴシック" panose="020B0400000000000000" pitchFamily="50" charset="-128"/>
+                </a:rPr>
+                <a:t>.</a:t>
+              </a:r>
+              <a:r>
+                <a:rPr kumimoji="1" lang="ja-JP" altLang="en-US" dirty="0">
+                  <a:latin typeface="BIZ UDPゴシック" panose="020B0400000000000000" pitchFamily="50" charset="-128"/>
+                  <a:ea typeface="BIZ UDPゴシック" panose="020B0400000000000000" pitchFamily="50" charset="-128"/>
+                </a:rPr>
+                <a:t>受信側では</a:t>
+              </a:r>
+              <a:r>
+                <a:rPr lang="en-US" altLang="ja-JP" dirty="0">
+                  <a:latin typeface="BIZ UDPゴシック" panose="020B0400000000000000" pitchFamily="50" charset="-128"/>
+                  <a:ea typeface="BIZ UDPゴシック" panose="020B0400000000000000" pitchFamily="50" charset="-128"/>
+                </a:rPr>
+                <a:t>,</a:t>
+              </a:r>
+              <a:r>
+                <a:rPr lang="ja-JP" altLang="en-US" dirty="0">
+                  <a:latin typeface="BIZ UDPゴシック" panose="020B0400000000000000" pitchFamily="50" charset="-128"/>
+                  <a:ea typeface="BIZ UDPゴシック" panose="020B0400000000000000" pitchFamily="50" charset="-128"/>
+                </a:rPr>
+                <a:t>ロングプリアンプルを複数回送信されることで推定できる</a:t>
+              </a:r>
+              <a:r>
+                <a:rPr lang="en-US" altLang="ja-JP" dirty="0">
+                  <a:latin typeface="BIZ UDPゴシック" panose="020B0400000000000000" pitchFamily="50" charset="-128"/>
+                  <a:ea typeface="BIZ UDPゴシック" panose="020B0400000000000000" pitchFamily="50" charset="-128"/>
+                </a:rPr>
+                <a:t>.</a:t>
+              </a:r>
+            </a:p>
+            <a:p>
+              <a:pPr marL="285750" indent="-285750">
+                <a:buFont typeface="Arial" panose="020B0604020202020204" pitchFamily="34" charset="0"/>
+                <a:buChar char="•"/>
+              </a:pPr>
+              <a:endParaRPr kumimoji="1" lang="en-US" altLang="ja-JP" dirty="0">
+                <a:latin typeface="BIZ UDPゴシック" panose="020B0400000000000000" pitchFamily="50" charset="-128"/>
+                <a:ea typeface="BIZ UDPゴシック" panose="020B0400000000000000" pitchFamily="50" charset="-128"/>
+              </a:endParaRPr>
+            </a:p>
+            <a:p>
+              <a:pPr marL="285750" indent="-285750">
+                <a:buFont typeface="Arial" panose="020B0604020202020204" pitchFamily="34" charset="0"/>
+                <a:buChar char="•"/>
+              </a:pPr>
+              <a:r>
+                <a:rPr kumimoji="1" lang="ja-JP" altLang="en-US" dirty="0">
+                  <a:latin typeface="BIZ UDPゴシック" panose="020B0400000000000000" pitchFamily="50" charset="-128"/>
+                  <a:ea typeface="BIZ UDPゴシック" panose="020B0400000000000000" pitchFamily="50" charset="-128"/>
+                </a:rPr>
+                <a:t>送信信号を分岐し</a:t>
+              </a:r>
+              <a:r>
+                <a:rPr kumimoji="1" lang="en-US" altLang="ja-JP" dirty="0">
+                  <a:latin typeface="BIZ UDPゴシック" panose="020B0400000000000000" pitchFamily="50" charset="-128"/>
+                  <a:ea typeface="BIZ UDPゴシック" panose="020B0400000000000000" pitchFamily="50" charset="-128"/>
+                </a:rPr>
+                <a:t>,</a:t>
+              </a:r>
+              <a:r>
+                <a:rPr kumimoji="1" lang="ja-JP" altLang="en-US" dirty="0">
+                  <a:latin typeface="BIZ UDPゴシック" panose="020B0400000000000000" pitchFamily="50" charset="-128"/>
+                  <a:ea typeface="BIZ UDPゴシック" panose="020B0400000000000000" pitchFamily="50" charset="-128"/>
+                </a:rPr>
+                <a:t>　　　　　　　 に送信側固有ベクトル　　　  をそれぞれ乗算する</a:t>
+              </a:r>
+              <a:r>
+                <a:rPr kumimoji="1" lang="en-US" altLang="ja-JP" dirty="0">
+                  <a:latin typeface="BIZ UDPゴシック" panose="020B0400000000000000" pitchFamily="50" charset="-128"/>
+                  <a:ea typeface="BIZ UDPゴシック" panose="020B0400000000000000" pitchFamily="50" charset="-128"/>
+                </a:rPr>
+                <a:t>.</a:t>
+              </a:r>
+              <a:r>
+                <a:rPr kumimoji="1" lang="ja-JP" altLang="en-US" dirty="0">
+                  <a:latin typeface="BIZ UDPゴシック" panose="020B0400000000000000" pitchFamily="50" charset="-128"/>
+                  <a:ea typeface="BIZ UDPゴシック" panose="020B0400000000000000" pitchFamily="50" charset="-128"/>
+                </a:rPr>
+                <a:t>その後</a:t>
+              </a:r>
+              <a:r>
+                <a:rPr lang="en-US" altLang="ja-JP" dirty="0">
+                  <a:latin typeface="BIZ UDPゴシック" panose="020B0400000000000000" pitchFamily="50" charset="-128"/>
+                  <a:ea typeface="BIZ UDPゴシック" panose="020B0400000000000000" pitchFamily="50" charset="-128"/>
+                </a:rPr>
+                <a:t>,</a:t>
+              </a:r>
+              <a:r>
+                <a:rPr lang="ja-JP" altLang="en-US" dirty="0">
+                  <a:latin typeface="BIZ UDPゴシック" panose="020B0400000000000000" pitchFamily="50" charset="-128"/>
+                  <a:ea typeface="BIZ UDPゴシック" panose="020B0400000000000000" pitchFamily="50" charset="-128"/>
+                </a:rPr>
+                <a:t>アンテナ素子番号に相当する信号をそれぞれ加算する</a:t>
+              </a:r>
+              <a:r>
+                <a:rPr lang="en-US" altLang="ja-JP" dirty="0">
+                  <a:latin typeface="BIZ UDPゴシック" panose="020B0400000000000000" pitchFamily="50" charset="-128"/>
+                  <a:ea typeface="BIZ UDPゴシック" panose="020B0400000000000000" pitchFamily="50" charset="-128"/>
+                </a:rPr>
+                <a:t>.</a:t>
+              </a:r>
+            </a:p>
+            <a:p>
+              <a:pPr marL="285750" indent="-285750">
+                <a:buFont typeface="Arial" panose="020B0604020202020204" pitchFamily="34" charset="0"/>
+                <a:buChar char="•"/>
+              </a:pPr>
+              <a:endParaRPr kumimoji="1" lang="en-US" altLang="ja-JP" dirty="0">
+                <a:latin typeface="BIZ UDPゴシック" panose="020B0400000000000000" pitchFamily="50" charset="-128"/>
+                <a:ea typeface="BIZ UDPゴシック" panose="020B0400000000000000" pitchFamily="50" charset="-128"/>
+              </a:endParaRPr>
+            </a:p>
+            <a:p>
+              <a:pPr marL="285750" indent="-285750">
+                <a:buFont typeface="Arial" panose="020B0604020202020204" pitchFamily="34" charset="0"/>
+                <a:buChar char="•"/>
+              </a:pPr>
+              <a:r>
+                <a:rPr lang="ja-JP" altLang="en-US" dirty="0">
+                  <a:latin typeface="BIZ UDPゴシック" panose="020B0400000000000000" pitchFamily="50" charset="-128"/>
+                  <a:ea typeface="BIZ UDPゴシック" panose="020B0400000000000000" pitchFamily="50" charset="-128"/>
+                </a:rPr>
+                <a:t>受信信号　　　　　  　</a:t>
+              </a:r>
+              <a:r>
+                <a:rPr lang="en-US" altLang="ja-JP" dirty="0">
+                  <a:latin typeface="BIZ UDPゴシック" panose="020B0400000000000000" pitchFamily="50" charset="-128"/>
+                  <a:ea typeface="BIZ UDPゴシック" panose="020B0400000000000000" pitchFamily="50" charset="-128"/>
+                </a:rPr>
+                <a:t> </a:t>
+              </a:r>
+              <a:r>
+                <a:rPr lang="ja-JP" altLang="en-US" dirty="0">
+                  <a:latin typeface="BIZ UDPゴシック" panose="020B0400000000000000" pitchFamily="50" charset="-128"/>
+                  <a:ea typeface="BIZ UDPゴシック" panose="020B0400000000000000" pitchFamily="50" charset="-128"/>
+                </a:rPr>
+                <a:t>を分岐し</a:t>
+              </a:r>
+              <a:r>
+                <a:rPr lang="en-US" altLang="ja-JP" dirty="0">
+                  <a:latin typeface="BIZ UDPゴシック" panose="020B0400000000000000" pitchFamily="50" charset="-128"/>
+                  <a:ea typeface="BIZ UDPゴシック" panose="020B0400000000000000" pitchFamily="50" charset="-128"/>
+                </a:rPr>
+                <a:t>,</a:t>
+              </a:r>
+              <a:r>
+                <a:rPr lang="ja-JP" altLang="en-US" dirty="0">
+                  <a:latin typeface="BIZ UDPゴシック" panose="020B0400000000000000" pitchFamily="50" charset="-128"/>
+                  <a:ea typeface="BIZ UDPゴシック" panose="020B0400000000000000" pitchFamily="50" charset="-128"/>
+                </a:rPr>
+                <a:t>それぞれに受信側固有ベクトル　　　    を乗算する</a:t>
+              </a:r>
+              <a:endParaRPr kumimoji="1" lang="ja-JP" altLang="en-US" dirty="0">
+                <a:latin typeface="BIZ UDPゴシック" panose="020B0400000000000000" pitchFamily="50" charset="-128"/>
+                <a:ea typeface="BIZ UDPゴシック" panose="020B0400000000000000" pitchFamily="50" charset="-128"/>
+              </a:endParaRPr>
+            </a:p>
+          </p:txBody>
+        </p:sp>
+        <p:pic>
+          <p:nvPicPr>
+            <p:cNvPr id="3" name="図 2" descr="\documentclass{jsarticle}&#10;\usepackage{amsmath}&#10;\usepackage[T1]{fontenc}&#10;\usepackage{lmodern}&#10;\pagestyle{empty}&#10;&#10;\begin{document}&#10;%\begin{align*}&#10;%\end{align*}&#10;$H$&#10;\end{document}" title="IguanaTex Bitmap Display">
+              <a:extLst>
+                <a:ext uri="{FF2B5EF4-FFF2-40B4-BE49-F238E27FC236}">
+                  <a16:creationId xmlns:a16="http://schemas.microsoft.com/office/drawing/2014/main" id="{44472F7F-7E15-DAFF-F65E-F5F46738985F}"/>
+                </a:ext>
+              </a:extLst>
+            </p:cNvPr>
+            <p:cNvPicPr>
+              <a:picLocks noChangeAspect="1"/>
+            </p:cNvPicPr>
+            <p:nvPr>
+              <p:custDataLst>
+                <p:tags r:id="rId1"/>
+              </p:custDataLst>
+            </p:nvPr>
+          </p:nvPicPr>
+          <p:blipFill>
+            <a:blip r:embed="rId7">
+              <a:extLst>
+                <a:ext uri="{28A0092B-C50C-407E-A947-70E740481C1C}">
+                  <a14:useLocalDpi xmlns:a14="http://schemas.microsoft.com/office/drawing/2010/main" val="0"/>
+                </a:ext>
+              </a:extLst>
+            </a:blip>
+            <a:stretch>
+              <a:fillRect/>
+            </a:stretch>
+          </p:blipFill>
+          <p:spPr>
+            <a:xfrm>
+              <a:off x="6096000" y="2077605"/>
+              <a:ext cx="245975" cy="201252"/>
+            </a:xfrm>
+            <a:prstGeom prst="rect">
+              <a:avLst/>
+            </a:prstGeom>
+          </p:spPr>
+        </p:pic>
+        <p:pic>
+          <p:nvPicPr>
+            <p:cNvPr id="9" name="図 8" descr="\documentclass{jsarticle}&#10;\usepackage{amsmath}&#10;\usepackage[T1]{fontenc}&#10;\usepackage{lmodern}&#10;\pagestyle{empty}&#10;&#10;\begin{document}&#10;%\begin{align*}&#10;%\end{align*}&#10;$s_1(t),s_2(t)$&#10;\end{document}" title="IguanaTex Bitmap Display">
+              <a:extLst>
+                <a:ext uri="{FF2B5EF4-FFF2-40B4-BE49-F238E27FC236}">
+                  <a16:creationId xmlns:a16="http://schemas.microsoft.com/office/drawing/2014/main" id="{72C94CE4-002D-C31D-90AD-FCF5F0D88279}"/>
+                </a:ext>
+              </a:extLst>
+            </p:cNvPr>
+            <p:cNvPicPr>
+              <a:picLocks noChangeAspect="1"/>
+            </p:cNvPicPr>
+            <p:nvPr>
+              <p:custDataLst>
+                <p:tags r:id="rId2"/>
+              </p:custDataLst>
+            </p:nvPr>
+          </p:nvPicPr>
+          <p:blipFill>
+            <a:blip r:embed="rId8">
+              <a:extLst>
+                <a:ext uri="{28A0092B-C50C-407E-A947-70E740481C1C}">
+                  <a14:useLocalDpi xmlns:a14="http://schemas.microsoft.com/office/drawing/2010/main" val="0"/>
+                </a:ext>
+              </a:extLst>
+            </a:blip>
+            <a:stretch>
+              <a:fillRect/>
+            </a:stretch>
+          </p:blipFill>
+          <p:spPr>
+            <a:xfrm>
+              <a:off x="4178389" y="2890864"/>
+              <a:ext cx="1065125" cy="207234"/>
+            </a:xfrm>
+            <a:prstGeom prst="rect">
+              <a:avLst/>
+            </a:prstGeom>
+          </p:spPr>
+        </p:pic>
+        <p:pic>
+          <p:nvPicPr>
+            <p:cNvPr id="12" name="図 11" descr="\documentclass{jsarticle}&#10;\usepackage{amsmath}&#10;\usepackage[T1]{fontenc}&#10;\usepackage{lmodern}&#10;\pagestyle{empty}&#10;&#10;\begin{document}&#10;%\begin{align*}&#10;%\end{align*}&#10;$v_1,v_2$&#10;\end{document}" title="IguanaTex Bitmap Display">
+              <a:extLst>
+                <a:ext uri="{FF2B5EF4-FFF2-40B4-BE49-F238E27FC236}">
+                  <a16:creationId xmlns:a16="http://schemas.microsoft.com/office/drawing/2014/main" id="{F57732C9-D0E3-C3D0-0A0F-920C97F50920}"/>
+                </a:ext>
+              </a:extLst>
+            </p:cNvPr>
+            <p:cNvPicPr>
+              <a:picLocks noChangeAspect="1"/>
+            </p:cNvPicPr>
+            <p:nvPr>
+              <p:custDataLst>
+                <p:tags r:id="rId3"/>
+              </p:custDataLst>
+            </p:nvPr>
+          </p:nvPicPr>
+          <p:blipFill>
+            <a:blip r:embed="rId9">
+              <a:extLst>
+                <a:ext uri="{28A0092B-C50C-407E-A947-70E740481C1C}">
+                  <a14:useLocalDpi xmlns:a14="http://schemas.microsoft.com/office/drawing/2010/main" val="0"/>
+                </a:ext>
+              </a:extLst>
+            </a:blip>
+            <a:stretch>
+              <a:fillRect/>
+            </a:stretch>
+          </p:blipFill>
+          <p:spPr>
+            <a:xfrm>
+              <a:off x="7491598" y="2957076"/>
+              <a:ext cx="531838" cy="133660"/>
+            </a:xfrm>
+            <a:prstGeom prst="rect">
+              <a:avLst/>
+            </a:prstGeom>
+          </p:spPr>
+        </p:pic>
+        <p:pic>
+          <p:nvPicPr>
+            <p:cNvPr id="15" name="図 14" descr="\documentclass{jsarticle}&#10;\usepackage{amsmath}&#10;\usepackage[T1]{fontenc}&#10;\usepackage{lmodern}&#10;\pagestyle{empty}&#10;&#10;\begin{document}&#10;%\begin{align*}&#10;%\end{align*}&#10;$y_1(t),y_2(t)$&#10;\end{document}" title="IguanaTex Bitmap Display">
+              <a:extLst>
+                <a:ext uri="{FF2B5EF4-FFF2-40B4-BE49-F238E27FC236}">
+                  <a16:creationId xmlns:a16="http://schemas.microsoft.com/office/drawing/2014/main" id="{5442E602-E6CF-8A13-B171-4B752B19EC1A}"/>
+                </a:ext>
+              </a:extLst>
+            </p:cNvPr>
+            <p:cNvPicPr>
+              <a:picLocks noChangeAspect="1"/>
+            </p:cNvPicPr>
+            <p:nvPr>
+              <p:custDataLst>
+                <p:tags r:id="rId4"/>
+              </p:custDataLst>
+            </p:nvPr>
+          </p:nvPicPr>
+          <p:blipFill>
+            <a:blip r:embed="rId10">
+              <a:extLst>
+                <a:ext uri="{28A0092B-C50C-407E-A947-70E740481C1C}">
+                  <a14:useLocalDpi xmlns:a14="http://schemas.microsoft.com/office/drawing/2010/main" val="0"/>
+                </a:ext>
+              </a:extLst>
+            </a:blip>
+            <a:stretch>
+              <a:fillRect/>
+            </a:stretch>
+          </p:blipFill>
+          <p:spPr>
+            <a:xfrm>
+              <a:off x="3199694" y="3733618"/>
+              <a:ext cx="1081066" cy="207234"/>
+            </a:xfrm>
+            <a:prstGeom prst="rect">
+              <a:avLst/>
+            </a:prstGeom>
+          </p:spPr>
+        </p:pic>
+        <p:pic>
+          <p:nvPicPr>
+            <p:cNvPr id="18" name="図 17" descr="\documentclass{jsarticle}&#10;\usepackage{amsmath}&#10;\usepackage[T1]{fontenc}&#10;\usepackage{lmodern}&#10;\pagestyle{empty}&#10;&#10;\begin{document}&#10;%\begin{align*}&#10;%\end{align*}&#10;$u_1^H,u_2^H$&#10;\end{document}" title="IguanaTex Bitmap Display">
+              <a:extLst>
+                <a:ext uri="{FF2B5EF4-FFF2-40B4-BE49-F238E27FC236}">
+                  <a16:creationId xmlns:a16="http://schemas.microsoft.com/office/drawing/2014/main" id="{06684D83-E2F7-A88C-3BE6-F8AF31D833FC}"/>
+                </a:ext>
+              </a:extLst>
+            </p:cNvPr>
+            <p:cNvPicPr>
+              <a:picLocks noChangeAspect="1"/>
+            </p:cNvPicPr>
+            <p:nvPr>
+              <p:custDataLst>
+                <p:tags r:id="rId5"/>
+              </p:custDataLst>
+            </p:nvPr>
+          </p:nvPicPr>
+          <p:blipFill>
+            <a:blip r:embed="rId11">
+              <a:extLst>
+                <a:ext uri="{28A0092B-C50C-407E-A947-70E740481C1C}">
+                  <a14:useLocalDpi xmlns:a14="http://schemas.microsoft.com/office/drawing/2010/main" val="0"/>
+                </a:ext>
+              </a:extLst>
+            </a:blip>
+            <a:stretch>
+              <a:fillRect/>
+            </a:stretch>
+          </p:blipFill>
+          <p:spPr>
+            <a:xfrm>
+              <a:off x="8352048" y="3724421"/>
+              <a:ext cx="724575" cy="225628"/>
+            </a:xfrm>
+            <a:prstGeom prst="rect">
+              <a:avLst/>
+            </a:prstGeom>
+          </p:spPr>
+        </p:pic>
+      </p:grpSp>
+      <p:pic>
+        <p:nvPicPr>
+          <p:cNvPr id="21" name="グラフィックス 20">
+            <a:extLst>
+              <a:ext uri="{FF2B5EF4-FFF2-40B4-BE49-F238E27FC236}">
+                <a16:creationId xmlns:a16="http://schemas.microsoft.com/office/drawing/2014/main" id="{5A99454A-A31F-0BD9-1759-45F660F0A4C6}"/>
+              </a:ext>
+            </a:extLst>
+          </p:cNvPr>
+          <p:cNvPicPr>
+            <a:picLocks noChangeAspect="1"/>
+          </p:cNvPicPr>
+          <p:nvPr/>
+        </p:nvPicPr>
+        <p:blipFill>
+          <a:blip r:embed="rId12">
+            <a:extLst>
+              <a:ext uri="{28A0092B-C50C-407E-A947-70E740481C1C}">
+                <a14:useLocalDpi xmlns:a14="http://schemas.microsoft.com/office/drawing/2010/main" val="0"/>
+              </a:ext>
+              <a:ext uri="{96DAC541-7B7A-43D3-8B79-37D633B846F1}">
+                <asvg:svgBlip xmlns:asvg="http://schemas.microsoft.com/office/drawing/2016/SVG/main" r:embed="rId13"/>
+              </a:ext>
+            </a:extLst>
+          </a:blip>
+          <a:stretch>
+            <a:fillRect/>
+          </a:stretch>
+        </p:blipFill>
         <p:spPr>
           <a:xfrm>
-            <a:off x="2378869" y="2278856"/>
-            <a:ext cx="7858125" cy="2031325"/>
+            <a:off x="1746162" y="4888389"/>
+            <a:ext cx="9191625" cy="1325755"/>
           </a:xfrm>
           <a:prstGeom prst="rect">
             <a:avLst/>
           </a:prstGeom>
-          <a:noFill/>
         </p:spPr>
-        <p:txBody>
-          <a:bodyPr wrap="square" rtlCol="0">
-            <a:spAutoFit/>
-          </a:bodyPr>
-          <a:lstStyle/>
-          <a:p>
-            <a:pPr marL="285750" indent="-285750">
-              <a:buFont typeface="Arial" panose="020B0604020202020204" pitchFamily="34" charset="0"/>
-              <a:buChar char="•"/>
-            </a:pPr>
-            <a:r>
-              <a:rPr kumimoji="1" lang="ja-JP" altLang="en-US" dirty="0"/>
-              <a:t>送信と受信の両方で伝搬チャネル行列　　を推定する</a:t>
-            </a:r>
-            <a:r>
-              <a:rPr kumimoji="1" lang="en-US" altLang="ja-JP" dirty="0"/>
-              <a:t>.</a:t>
-            </a:r>
-            <a:r>
-              <a:rPr kumimoji="1" lang="ja-JP" altLang="en-US" dirty="0"/>
-              <a:t>受信側では</a:t>
-            </a:r>
-            <a:r>
-              <a:rPr lang="en-US" altLang="ja-JP" dirty="0"/>
-              <a:t>,</a:t>
-            </a:r>
-            <a:r>
-              <a:rPr lang="ja-JP" altLang="en-US" dirty="0"/>
-              <a:t>ロングプリアンプルを複数回送信されることで推定できる</a:t>
-            </a:r>
-            <a:r>
-              <a:rPr lang="en-US" altLang="ja-JP" dirty="0"/>
-              <a:t>.</a:t>
-            </a:r>
-          </a:p>
-          <a:p>
-            <a:pPr marL="285750" indent="-285750">
-              <a:buFont typeface="Arial" panose="020B0604020202020204" pitchFamily="34" charset="0"/>
-              <a:buChar char="•"/>
-            </a:pPr>
-            <a:endParaRPr kumimoji="1" lang="en-US" altLang="ja-JP" dirty="0"/>
-          </a:p>
-          <a:p>
-            <a:pPr marL="285750" indent="-285750">
-              <a:buFont typeface="Arial" panose="020B0604020202020204" pitchFamily="34" charset="0"/>
-              <a:buChar char="•"/>
-            </a:pPr>
-            <a:r>
-              <a:rPr kumimoji="1" lang="ja-JP" altLang="en-US" dirty="0"/>
-              <a:t>送信信号を分岐し</a:t>
-            </a:r>
-            <a:r>
-              <a:rPr kumimoji="1" lang="en-US" altLang="ja-JP" dirty="0"/>
-              <a:t>,</a:t>
-            </a:r>
-            <a:r>
-              <a:rPr kumimoji="1" lang="ja-JP" altLang="en-US" dirty="0"/>
-              <a:t>　　　　に送信側固有ベクトル　　　をそれぞれ乗算する</a:t>
-            </a:r>
-            <a:r>
-              <a:rPr kumimoji="1" lang="en-US" altLang="ja-JP" dirty="0"/>
-              <a:t>.</a:t>
-            </a:r>
-            <a:r>
-              <a:rPr kumimoji="1" lang="ja-JP" altLang="en-US" dirty="0"/>
-              <a:t>その後</a:t>
-            </a:r>
-            <a:r>
-              <a:rPr lang="en-US" altLang="ja-JP" dirty="0"/>
-              <a:t>,</a:t>
-            </a:r>
-            <a:r>
-              <a:rPr lang="ja-JP" altLang="en-US" dirty="0"/>
-              <a:t>アンテナ素子番号に相当する信号をそれぞれ加算する</a:t>
-            </a:r>
-            <a:r>
-              <a:rPr lang="en-US" altLang="ja-JP" dirty="0"/>
-              <a:t>.</a:t>
-            </a:r>
-          </a:p>
-          <a:p>
-            <a:pPr marL="285750" indent="-285750">
-              <a:buFont typeface="Arial" panose="020B0604020202020204" pitchFamily="34" charset="0"/>
-              <a:buChar char="•"/>
-            </a:pPr>
-            <a:endParaRPr kumimoji="1" lang="en-US" altLang="ja-JP" dirty="0"/>
-          </a:p>
-          <a:p>
-            <a:pPr marL="285750" indent="-285750">
-              <a:buFont typeface="Arial" panose="020B0604020202020204" pitchFamily="34" charset="0"/>
-              <a:buChar char="•"/>
-            </a:pPr>
-            <a:r>
-              <a:rPr lang="ja-JP" altLang="en-US" dirty="0"/>
-              <a:t>受信信号　　　を分岐し</a:t>
-            </a:r>
-            <a:r>
-              <a:rPr lang="en-US" altLang="ja-JP" dirty="0"/>
-              <a:t>,</a:t>
-            </a:r>
-            <a:r>
-              <a:rPr lang="ja-JP" altLang="en-US"/>
-              <a:t>それぞれに受信側固有ベクトル</a:t>
-            </a:r>
-            <a:endParaRPr kumimoji="1" lang="ja-JP" altLang="en-US" dirty="0"/>
-          </a:p>
-        </p:txBody>
-      </p:sp>
+      </p:pic>
     </p:spTree>
     <p:extLst>
       <p:ext uri="{BB962C8B-B14F-4D97-AF65-F5344CB8AC3E}">
@@ -8737,185 +9072,10 @@
           <a:chExt cx="0" cy="0"/>
         </a:xfrm>
       </p:grpSpPr>
-      <p:sp>
-        <p:nvSpPr>
-          <p:cNvPr id="4" name="テキスト ボックス 3">
-            <a:extLst>
-              <a:ext uri="{FF2B5EF4-FFF2-40B4-BE49-F238E27FC236}">
-                <a16:creationId xmlns:a16="http://schemas.microsoft.com/office/drawing/2014/main" id="{6DA1B855-A02E-9D33-2441-A78553870BB7}"/>
-              </a:ext>
-            </a:extLst>
-          </p:cNvPr>
-          <p:cNvSpPr txBox="1"/>
-          <p:nvPr/>
-        </p:nvSpPr>
-        <p:spPr>
-          <a:xfrm>
-            <a:off x="0" y="70686"/>
-            <a:ext cx="13501314" cy="646331"/>
-          </a:xfrm>
-          <a:prstGeom prst="rect">
-            <a:avLst/>
-          </a:prstGeom>
-          <a:noFill/>
-        </p:spPr>
-        <p:txBody>
-          <a:bodyPr wrap="square" rtlCol="0">
-            <a:spAutoFit/>
-          </a:bodyPr>
-          <a:lstStyle/>
-          <a:p>
-            <a:r>
-              <a:rPr lang="ja-JP" altLang="en-US" sz="3600" b="1" dirty="0">
-                <a:latin typeface="BIZ UDPゴシック" panose="020B0400000000000000" pitchFamily="50" charset="-128"/>
-                <a:ea typeface="BIZ UDPゴシック" panose="020B0400000000000000" pitchFamily="50" charset="-128"/>
-              </a:rPr>
-              <a:t>固有モード伝送</a:t>
-            </a:r>
-            <a:r>
-              <a:rPr lang="en-US" altLang="ja-JP" sz="3600" b="1" dirty="0">
-                <a:latin typeface="BIZ UDPゴシック" panose="020B0400000000000000" pitchFamily="50" charset="-128"/>
-                <a:ea typeface="BIZ UDPゴシック" panose="020B0400000000000000" pitchFamily="50" charset="-128"/>
-              </a:rPr>
-              <a:t>(EM-BF : Eigenmode Beamforming)</a:t>
-            </a:r>
-            <a:endParaRPr kumimoji="1" lang="ja-JP" altLang="en-US" sz="3600" b="1" dirty="0">
-              <a:latin typeface="BIZ UDPゴシック" panose="020B0400000000000000" pitchFamily="50" charset="-128"/>
-              <a:ea typeface="BIZ UDPゴシック" panose="020B0400000000000000" pitchFamily="50" charset="-128"/>
-            </a:endParaRPr>
-          </a:p>
-        </p:txBody>
-      </p:sp>
-      <p:sp>
-        <p:nvSpPr>
-          <p:cNvPr id="5" name="テキスト ボックス 4">
-            <a:extLst>
-              <a:ext uri="{FF2B5EF4-FFF2-40B4-BE49-F238E27FC236}">
-                <a16:creationId xmlns:a16="http://schemas.microsoft.com/office/drawing/2014/main" id="{EBB340E6-4AED-CB3C-4DB0-0383FFA20E24}"/>
-              </a:ext>
-            </a:extLst>
-          </p:cNvPr>
-          <p:cNvSpPr txBox="1"/>
-          <p:nvPr/>
-        </p:nvSpPr>
-        <p:spPr>
-          <a:xfrm>
-            <a:off x="466683" y="1088976"/>
-            <a:ext cx="2312236" cy="646331"/>
-          </a:xfrm>
-          <a:prstGeom prst="rect">
-            <a:avLst/>
-          </a:prstGeom>
-          <a:noFill/>
-        </p:spPr>
-        <p:txBody>
-          <a:bodyPr wrap="square" rtlCol="0">
-            <a:spAutoFit/>
-          </a:bodyPr>
-          <a:lstStyle/>
-          <a:p>
-            <a:r>
-              <a:rPr lang="ja-JP" altLang="en-US" sz="3600" b="1" dirty="0">
-                <a:latin typeface="BIZ UDPゴシック" panose="020B0400000000000000" pitchFamily="50" charset="-128"/>
-                <a:ea typeface="BIZ UDPゴシック" panose="020B0400000000000000" pitchFamily="50" charset="-128"/>
-              </a:rPr>
-              <a:t>デメリット</a:t>
-            </a:r>
-            <a:endParaRPr kumimoji="1" lang="ja-JP" altLang="en-US" sz="3600" b="1" dirty="0">
-              <a:latin typeface="BIZ UDPゴシック" panose="020B0400000000000000" pitchFamily="50" charset="-128"/>
-              <a:ea typeface="BIZ UDPゴシック" panose="020B0400000000000000" pitchFamily="50" charset="-128"/>
-            </a:endParaRPr>
-          </a:p>
-        </p:txBody>
-      </p:sp>
-      <p:sp>
-        <p:nvSpPr>
-          <p:cNvPr id="6" name="テキスト ボックス 5">
-            <a:extLst>
-              <a:ext uri="{FF2B5EF4-FFF2-40B4-BE49-F238E27FC236}">
-                <a16:creationId xmlns:a16="http://schemas.microsoft.com/office/drawing/2014/main" id="{853707C1-A7BF-09CF-4FC0-75B384D78E97}"/>
-              </a:ext>
-            </a:extLst>
-          </p:cNvPr>
-          <p:cNvSpPr txBox="1"/>
-          <p:nvPr/>
-        </p:nvSpPr>
-        <p:spPr>
-          <a:xfrm>
-            <a:off x="1045368" y="2644170"/>
-            <a:ext cx="10101263" cy="1569660"/>
-          </a:xfrm>
-          <a:prstGeom prst="rect">
-            <a:avLst/>
-          </a:prstGeom>
-          <a:noFill/>
-        </p:spPr>
-        <p:txBody>
-          <a:bodyPr wrap="square" rtlCol="0">
-            <a:spAutoFit/>
-          </a:bodyPr>
-          <a:lstStyle/>
-          <a:p>
-            <a:r>
-              <a:rPr kumimoji="1" lang="ja-JP" altLang="en-US" sz="3200" dirty="0">
-                <a:latin typeface="BIZ UDPゴシック" panose="020B0400000000000000" pitchFamily="50" charset="-128"/>
-                <a:ea typeface="BIZ UDPゴシック" panose="020B0400000000000000" pitchFamily="50" charset="-128"/>
-              </a:rPr>
-              <a:t>ユーザが増えるとすべてのユーザに対してチャネル推定の手順を繰り返し実施し</a:t>
-            </a:r>
-            <a:r>
-              <a:rPr kumimoji="1" lang="en-US" altLang="ja-JP" sz="3200" dirty="0">
-                <a:latin typeface="BIZ UDPゴシック" panose="020B0400000000000000" pitchFamily="50" charset="-128"/>
-                <a:ea typeface="BIZ UDPゴシック" panose="020B0400000000000000" pitchFamily="50" charset="-128"/>
-              </a:rPr>
-              <a:t>,</a:t>
-            </a:r>
-            <a:r>
-              <a:rPr kumimoji="1" lang="ja-JP" altLang="en-US" sz="3200" dirty="0">
-                <a:latin typeface="BIZ UDPゴシック" panose="020B0400000000000000" pitchFamily="50" charset="-128"/>
-                <a:ea typeface="BIZ UDPゴシック" panose="020B0400000000000000" pitchFamily="50" charset="-128"/>
-              </a:rPr>
-              <a:t>多重伝送可能なユーザを選定</a:t>
-            </a:r>
-            <a:r>
-              <a:rPr lang="ja-JP" altLang="en-US" sz="3200" dirty="0">
-                <a:latin typeface="BIZ UDPゴシック" panose="020B0400000000000000" pitchFamily="50" charset="-128"/>
-                <a:ea typeface="BIZ UDPゴシック" panose="020B0400000000000000" pitchFamily="50" charset="-128"/>
-              </a:rPr>
-              <a:t>しなければならず</a:t>
-            </a:r>
-            <a:r>
-              <a:rPr lang="en-US" altLang="ja-JP" sz="3200" dirty="0">
-                <a:latin typeface="BIZ UDPゴシック" panose="020B0400000000000000" pitchFamily="50" charset="-128"/>
-                <a:ea typeface="BIZ UDPゴシック" panose="020B0400000000000000" pitchFamily="50" charset="-128"/>
-              </a:rPr>
-              <a:t>,</a:t>
-            </a:r>
-            <a:r>
-              <a:rPr lang="ja-JP" altLang="en-US" sz="3200" dirty="0">
-                <a:latin typeface="BIZ UDPゴシック" panose="020B0400000000000000" pitchFamily="50" charset="-128"/>
-                <a:ea typeface="BIZ UDPゴシック" panose="020B0400000000000000" pitchFamily="50" charset="-128"/>
-              </a:rPr>
-              <a:t>大きなオーバーヘッドとなる</a:t>
-            </a:r>
-            <a:r>
-              <a:rPr lang="en-US" altLang="ja-JP" sz="3200" dirty="0">
-                <a:latin typeface="BIZ UDPゴシック" panose="020B0400000000000000" pitchFamily="50" charset="-128"/>
-                <a:ea typeface="BIZ UDPゴシック" panose="020B0400000000000000" pitchFamily="50" charset="-128"/>
-              </a:rPr>
-              <a:t>.</a:t>
-            </a:r>
-            <a:endParaRPr kumimoji="1" lang="ja-JP" altLang="en-US" sz="3200" dirty="0">
-              <a:latin typeface="BIZ UDPゴシック" panose="020B0400000000000000" pitchFamily="50" charset="-128"/>
-              <a:ea typeface="BIZ UDPゴシック" panose="020B0400000000000000" pitchFamily="50" charset="-128"/>
-            </a:endParaRPr>
-          </a:p>
-        </p:txBody>
-      </p:sp>
     </p:spTree>
     <p:extLst>
       <p:ext uri="{BB962C8B-B14F-4D97-AF65-F5344CB8AC3E}">
-        <p14:creationId xmlns:p14="http://schemas.microsoft.com/office/powerpoint/2010/main" val="3975280355"/>
+        <p14:creationId xmlns:p14="http://schemas.microsoft.com/office/powerpoint/2010/main" val="700223867"/>
       </p:ext>
     </p:extLst>
   </p:cSld>
@@ -8986,10 +9146,10 @@
       </p:sp>
       <p:sp>
         <p:nvSpPr>
-          <p:cNvPr id="5" name="テキスト ボックス 4">
-            <a:extLst>
-              <a:ext uri="{FF2B5EF4-FFF2-40B4-BE49-F238E27FC236}">
-                <a16:creationId xmlns:a16="http://schemas.microsoft.com/office/drawing/2014/main" id="{7647DFC4-FF82-13ED-C459-1C393B102D57}"/>
+          <p:cNvPr id="6" name="テキスト ボックス 5">
+            <a:extLst>
+              <a:ext uri="{FF2B5EF4-FFF2-40B4-BE49-F238E27FC236}">
+                <a16:creationId xmlns:a16="http://schemas.microsoft.com/office/drawing/2014/main" id="{CEE76C06-A97C-4CF7-AEEB-98320CD54410}"/>
               </a:ext>
             </a:extLst>
           </p:cNvPr>
@@ -8998,8 +9158,8 @@
         </p:nvSpPr>
         <p:spPr>
           <a:xfrm>
-            <a:off x="2943224" y="2543175"/>
-            <a:ext cx="4321969" cy="923330"/>
+            <a:off x="4214813" y="2250281"/>
+            <a:ext cx="3686175" cy="1477328"/>
           </a:xfrm>
           <a:prstGeom prst="rect">
             <a:avLst/>
@@ -9013,30 +9173,26 @@
           <a:lstStyle/>
           <a:p>
             <a:r>
-              <a:rPr lang="en-US" altLang="ja-JP" dirty="0"/>
-              <a:t>MU-MIMO</a:t>
-            </a:r>
-            <a:r>
-              <a:rPr lang="ja-JP" altLang="en-US" dirty="0"/>
-              <a:t>のアクセス制御では</a:t>
-            </a:r>
-            <a:r>
-              <a:rPr lang="en-US" altLang="ja-JP" dirty="0"/>
-              <a:t>AP(Access Point)</a:t>
-            </a:r>
-            <a:r>
-              <a:rPr lang="ja-JP" altLang="en-US" dirty="0"/>
+              <a:rPr kumimoji="1" lang="en-US" altLang="ja-JP" dirty="0"/>
+              <a:t>AP</a:t>
+            </a:r>
+            <a:r>
+              <a:rPr kumimoji="1" lang="ja-JP" altLang="en-US" dirty="0"/>
               <a:t>は</a:t>
             </a:r>
             <a:r>
-              <a:rPr lang="en-US" altLang="ja-JP" dirty="0"/>
+              <a:rPr kumimoji="1" lang="en-US" altLang="ja-JP" dirty="0"/>
               <a:t>STAs(Stations)</a:t>
             </a:r>
             <a:r>
-              <a:rPr lang="ja-JP" altLang="en-US" dirty="0"/>
-              <a:t>にビームを動的に向ける送信ビームふぉー</a:t>
-            </a:r>
-            <a:endParaRPr lang="en-US" altLang="ja-JP" dirty="0"/>
+              <a:rPr kumimoji="1" lang="ja-JP" altLang="en-US" dirty="0"/>
+              <a:t>にビームを動的に向ける送信ビームフォーミングにより異なる信号を同時に送受信できることから空間リソースを有効に利用する</a:t>
+            </a:r>
+            <a:r>
+              <a:rPr kumimoji="1" lang="en-US" altLang="ja-JP" dirty="0"/>
+              <a:t>.</a:t>
+            </a:r>
+            <a:endParaRPr kumimoji="1" lang="ja-JP" altLang="en-US" dirty="0"/>
           </a:p>
         </p:txBody>
       </p:sp>
@@ -10587,7 +10743,7 @@
         </p:nvSpPr>
         <p:spPr>
           <a:xfrm>
-            <a:off x="1242781" y="4209247"/>
+            <a:off x="1414232" y="4409272"/>
             <a:ext cx="9815513" cy="1815882"/>
           </a:xfrm>
           <a:prstGeom prst="rect">
@@ -10745,6 +10901,204 @@
     <p:extLst>
       <p:ext uri="{BB962C8B-B14F-4D97-AF65-F5344CB8AC3E}">
         <p14:creationId xmlns:p14="http://schemas.microsoft.com/office/powerpoint/2010/main" val="3037100936"/>
+      </p:ext>
+    </p:extLst>
+  </p:cSld>
+  <p:clrMapOvr>
+    <a:masterClrMapping/>
+  </p:clrMapOvr>
+</p:sld>
+</file>
+
+<file path=ppt/slides/slide9.xml><?xml version="1.0" encoding="utf-8"?>
+<p:sld xmlns:a="http://schemas.openxmlformats.org/drawingml/2006/main" xmlns:r="http://schemas.openxmlformats.org/officeDocument/2006/relationships" xmlns:p="http://schemas.openxmlformats.org/presentationml/2006/main">
+  <p:cSld>
+    <p:spTree>
+      <p:nvGrpSpPr>
+        <p:cNvPr id="1" name=""/>
+        <p:cNvGrpSpPr/>
+        <p:nvPr/>
+      </p:nvGrpSpPr>
+      <p:grpSpPr>
+        <a:xfrm>
+          <a:off x="0" y="0"/>
+          <a:ext cx="0" cy="0"/>
+          <a:chOff x="0" y="0"/>
+          <a:chExt cx="0" cy="0"/>
+        </a:xfrm>
+      </p:grpSpPr>
+      <p:sp>
+        <p:nvSpPr>
+          <p:cNvPr id="5" name="テキスト ボックス 4">
+            <a:extLst>
+              <a:ext uri="{FF2B5EF4-FFF2-40B4-BE49-F238E27FC236}">
+                <a16:creationId xmlns:a16="http://schemas.microsoft.com/office/drawing/2014/main" id="{EBB340E6-4AED-CB3C-4DB0-0383FFA20E24}"/>
+              </a:ext>
+            </a:extLst>
+          </p:cNvPr>
+          <p:cNvSpPr txBox="1"/>
+          <p:nvPr/>
+        </p:nvSpPr>
+        <p:spPr>
+          <a:xfrm>
+            <a:off x="466683" y="1088976"/>
+            <a:ext cx="2312236" cy="646331"/>
+          </a:xfrm>
+          <a:prstGeom prst="rect">
+            <a:avLst/>
+          </a:prstGeom>
+          <a:noFill/>
+        </p:spPr>
+        <p:txBody>
+          <a:bodyPr wrap="square" rtlCol="0">
+            <a:spAutoFit/>
+          </a:bodyPr>
+          <a:lstStyle/>
+          <a:p>
+            <a:r>
+              <a:rPr lang="ja-JP" altLang="en-US" sz="3600" b="1" dirty="0">
+                <a:latin typeface="BIZ UDPゴシック" panose="020B0400000000000000" pitchFamily="50" charset="-128"/>
+                <a:ea typeface="BIZ UDPゴシック" panose="020B0400000000000000" pitchFamily="50" charset="-128"/>
+              </a:rPr>
+              <a:t>デメリット</a:t>
+            </a:r>
+            <a:endParaRPr kumimoji="1" lang="ja-JP" altLang="en-US" sz="3600" b="1" dirty="0">
+              <a:latin typeface="BIZ UDPゴシック" panose="020B0400000000000000" pitchFamily="50" charset="-128"/>
+              <a:ea typeface="BIZ UDPゴシック" panose="020B0400000000000000" pitchFamily="50" charset="-128"/>
+            </a:endParaRPr>
+          </a:p>
+        </p:txBody>
+      </p:sp>
+      <p:sp>
+        <p:nvSpPr>
+          <p:cNvPr id="6" name="テキスト ボックス 5">
+            <a:extLst>
+              <a:ext uri="{FF2B5EF4-FFF2-40B4-BE49-F238E27FC236}">
+                <a16:creationId xmlns:a16="http://schemas.microsoft.com/office/drawing/2014/main" id="{853707C1-A7BF-09CF-4FC0-75B384D78E97}"/>
+              </a:ext>
+            </a:extLst>
+          </p:cNvPr>
+          <p:cNvSpPr txBox="1"/>
+          <p:nvPr/>
+        </p:nvSpPr>
+        <p:spPr>
+          <a:xfrm>
+            <a:off x="1045368" y="2644170"/>
+            <a:ext cx="10101263" cy="1569660"/>
+          </a:xfrm>
+          <a:prstGeom prst="rect">
+            <a:avLst/>
+          </a:prstGeom>
+          <a:noFill/>
+        </p:spPr>
+        <p:txBody>
+          <a:bodyPr wrap="square" rtlCol="0">
+            <a:spAutoFit/>
+          </a:bodyPr>
+          <a:lstStyle/>
+          <a:p>
+            <a:r>
+              <a:rPr kumimoji="1" lang="ja-JP" altLang="en-US" sz="3200" dirty="0">
+                <a:latin typeface="BIZ UDPゴシック" panose="020B0400000000000000" pitchFamily="50" charset="-128"/>
+                <a:ea typeface="BIZ UDPゴシック" panose="020B0400000000000000" pitchFamily="50" charset="-128"/>
+              </a:rPr>
+              <a:t>ユーザが増えるとすべてのユーザに対してチャネル推定の手順を繰り返し実施し</a:t>
+            </a:r>
+            <a:r>
+              <a:rPr kumimoji="1" lang="en-US" altLang="ja-JP" sz="3200" dirty="0">
+                <a:latin typeface="BIZ UDPゴシック" panose="020B0400000000000000" pitchFamily="50" charset="-128"/>
+                <a:ea typeface="BIZ UDPゴシック" panose="020B0400000000000000" pitchFamily="50" charset="-128"/>
+              </a:rPr>
+              <a:t>,</a:t>
+            </a:r>
+            <a:r>
+              <a:rPr kumimoji="1" lang="ja-JP" altLang="en-US" sz="3200" dirty="0">
+                <a:latin typeface="BIZ UDPゴシック" panose="020B0400000000000000" pitchFamily="50" charset="-128"/>
+                <a:ea typeface="BIZ UDPゴシック" panose="020B0400000000000000" pitchFamily="50" charset="-128"/>
+              </a:rPr>
+              <a:t>多重伝送可能なユーザを選定</a:t>
+            </a:r>
+            <a:r>
+              <a:rPr lang="ja-JP" altLang="en-US" sz="3200" dirty="0">
+                <a:latin typeface="BIZ UDPゴシック" panose="020B0400000000000000" pitchFamily="50" charset="-128"/>
+                <a:ea typeface="BIZ UDPゴシック" panose="020B0400000000000000" pitchFamily="50" charset="-128"/>
+              </a:rPr>
+              <a:t>しなければならず</a:t>
+            </a:r>
+            <a:r>
+              <a:rPr lang="en-US" altLang="ja-JP" sz="3200" dirty="0">
+                <a:latin typeface="BIZ UDPゴシック" panose="020B0400000000000000" pitchFamily="50" charset="-128"/>
+                <a:ea typeface="BIZ UDPゴシック" panose="020B0400000000000000" pitchFamily="50" charset="-128"/>
+              </a:rPr>
+              <a:t>,</a:t>
+            </a:r>
+            <a:r>
+              <a:rPr lang="ja-JP" altLang="en-US" sz="3200" dirty="0">
+                <a:latin typeface="BIZ UDPゴシック" panose="020B0400000000000000" pitchFamily="50" charset="-128"/>
+                <a:ea typeface="BIZ UDPゴシック" panose="020B0400000000000000" pitchFamily="50" charset="-128"/>
+              </a:rPr>
+              <a:t>大きなオーバーヘッドとなる</a:t>
+            </a:r>
+            <a:r>
+              <a:rPr lang="en-US" altLang="ja-JP" sz="3200" dirty="0">
+                <a:latin typeface="BIZ UDPゴシック" panose="020B0400000000000000" pitchFamily="50" charset="-128"/>
+                <a:ea typeface="BIZ UDPゴシック" panose="020B0400000000000000" pitchFamily="50" charset="-128"/>
+              </a:rPr>
+              <a:t>.</a:t>
+            </a:r>
+            <a:endParaRPr kumimoji="1" lang="ja-JP" altLang="en-US" sz="3200" dirty="0">
+              <a:latin typeface="BIZ UDPゴシック" panose="020B0400000000000000" pitchFamily="50" charset="-128"/>
+              <a:ea typeface="BIZ UDPゴシック" panose="020B0400000000000000" pitchFamily="50" charset="-128"/>
+            </a:endParaRPr>
+          </a:p>
+        </p:txBody>
+      </p:sp>
+      <p:sp>
+        <p:nvSpPr>
+          <p:cNvPr id="2" name="テキスト ボックス 1">
+            <a:extLst>
+              <a:ext uri="{FF2B5EF4-FFF2-40B4-BE49-F238E27FC236}">
+                <a16:creationId xmlns:a16="http://schemas.microsoft.com/office/drawing/2014/main" id="{F27CA28B-6209-97D7-9437-3FEA7FF49FDF}"/>
+              </a:ext>
+            </a:extLst>
+          </p:cNvPr>
+          <p:cNvSpPr txBox="1"/>
+          <p:nvPr/>
+        </p:nvSpPr>
+        <p:spPr>
+          <a:xfrm>
+            <a:off x="14245" y="213451"/>
+            <a:ext cx="12615488" cy="646331"/>
+          </a:xfrm>
+          <a:prstGeom prst="rect">
+            <a:avLst/>
+          </a:prstGeom>
+          <a:noFill/>
+        </p:spPr>
+        <p:txBody>
+          <a:bodyPr wrap="square" rtlCol="0">
+            <a:spAutoFit/>
+          </a:bodyPr>
+          <a:lstStyle/>
+          <a:p>
+            <a:r>
+              <a:rPr kumimoji="1" lang="en-US" altLang="ja-JP" sz="3600" b="1" dirty="0">
+                <a:latin typeface="BIZ UDPゴシック" panose="020B0400000000000000" pitchFamily="50" charset="-128"/>
+                <a:ea typeface="BIZ UDPゴシック" panose="020B0400000000000000" pitchFamily="50" charset="-128"/>
+              </a:rPr>
+              <a:t>CSI (Channel State Information) Feedback</a:t>
+            </a:r>
+            <a:endParaRPr kumimoji="1" lang="ja-JP" altLang="en-US" sz="3600" b="1" dirty="0">
+              <a:latin typeface="BIZ UDPゴシック" panose="020B0400000000000000" pitchFamily="50" charset="-128"/>
+              <a:ea typeface="BIZ UDPゴシック" panose="020B0400000000000000" pitchFamily="50" charset="-128"/>
+            </a:endParaRPr>
+          </a:p>
+        </p:txBody>
+      </p:sp>
+    </p:spTree>
+    <p:extLst>
+      <p:ext uri="{BB962C8B-B14F-4D97-AF65-F5344CB8AC3E}">
+        <p14:creationId xmlns:p14="http://schemas.microsoft.com/office/powerpoint/2010/main" val="3975280355"/>
       </p:ext>
     </p:extLst>
   </p:cSld>
@@ -10894,6 +11248,86 @@
 </p:tagLst>
 </file>
 
+<file path=ppt/tags/tag16.xml><?xml version="1.0" encoding="utf-8"?>
+<p:tagLst xmlns:a="http://schemas.openxmlformats.org/drawingml/2006/main" xmlns:r="http://schemas.openxmlformats.org/officeDocument/2006/relationships" xmlns:p="http://schemas.openxmlformats.org/presentationml/2006/main">
+  <p:tag name="OUTPUTDPI" val="1200"/>
+  <p:tag name="ORIGINALHEIGHT" val="87.76228"/>
+  <p:tag name="ORIGINALWIDTH" val="107.265"/>
+  <p:tag name="OUTPUTTYPE" val="PNG"/>
+  <p:tag name="IGUANATEXVERSION" val="160"/>
+  <p:tag name="LATEXADDIN" val="\documentclass{jsarticle}&#10;\usepackage{amsmath}&#10;\usepackage[T1]{fontenc}&#10;\usepackage{lmodern}&#10;\pagestyle{empty}&#10;&#10;\begin{document}&#10;%\begin{align*}&#10;%\end{align*}&#10;$H$&#10;\end{document}"/>
+  <p:tag name="IGUANATEXSIZE" val="60"/>
+  <p:tag name="IGUANATEXCURSOR" val="161"/>
+  <p:tag name="TRANSPARENCY" val="True"/>
+  <p:tag name="LATEXENGINEID" val="4"/>
+  <p:tag name="TEMPFOLDER" val="c:\temp\"/>
+  <p:tag name="LATEXFORMHEIGHT" val="320"/>
+  <p:tag name="LATEXFORMWIDTH" val="385"/>
+  <p:tag name="LATEXFORMWRAP" val="True"/>
+  <p:tag name="BITMAPVECTOR" val="0"/>
+</p:tagLst>
+</file>
+
+<file path=ppt/tags/tag17.xml><?xml version="1.0" encoding="utf-8"?>
+<p:tagLst xmlns:a="http://schemas.openxmlformats.org/drawingml/2006/main" xmlns:r="http://schemas.openxmlformats.org/officeDocument/2006/relationships" xmlns:p="http://schemas.openxmlformats.org/presentationml/2006/main">
+  <p:tag name="OUTPUTDPI" val="1200"/>
+  <p:tag name="ORIGINALHEIGHT" val="126.7677"/>
+  <p:tag name="ORIGINALWIDTH" val="551.3269"/>
+  <p:tag name="OUTPUTTYPE" val="PNG"/>
+  <p:tag name="IGUANATEXVERSION" val="160"/>
+  <p:tag name="LATEXADDIN" val="\documentclass{jsarticle}&#10;\usepackage{amsmath}&#10;\usepackage[T1]{fontenc}&#10;\usepackage{lmodern}&#10;\pagestyle{empty}&#10;&#10;\begin{document}&#10;%\begin{align*}&#10;%\end{align*}&#10;$s_1(t),s_2(t)$&#10;\end{document}"/>
+  <p:tag name="IGUANATEXSIZE" val="60"/>
+  <p:tag name="IGUANATEXCURSOR" val="173"/>
+  <p:tag name="TRANSPARENCY" val="True"/>
+  <p:tag name="LATEXENGINEID" val="4"/>
+  <p:tag name="TEMPFOLDER" val="c:\temp\"/>
+  <p:tag name="LATEXFORMHEIGHT" val="320"/>
+  <p:tag name="LATEXFORMWIDTH" val="385"/>
+  <p:tag name="LATEXFORMWRAP" val="True"/>
+  <p:tag name="BITMAPVECTOR" val="0"/>
+</p:tagLst>
+</file>
+
+<file path=ppt/tags/tag18.xml><?xml version="1.0" encoding="utf-8"?>
+<p:tagLst xmlns:a="http://schemas.openxmlformats.org/drawingml/2006/main" xmlns:r="http://schemas.openxmlformats.org/officeDocument/2006/relationships" xmlns:p="http://schemas.openxmlformats.org/presentationml/2006/main">
+  <p:tag name="OUTPUTDPI" val="1200"/>
+  <p:tag name="ORIGINALHEIGHT" val="81.76141"/>
+  <p:tag name="ORIGINALWIDTH" val="275.2884"/>
+  <p:tag name="OUTPUTTYPE" val="PNG"/>
+  <p:tag name="IGUANATEXVERSION" val="160"/>
+  <p:tag name="LATEXADDIN" val="\documentclass{jsarticle}&#10;\usepackage{amsmath}&#10;\usepackage[T1]{fontenc}&#10;\usepackage{lmodern}&#10;\pagestyle{empty}&#10;&#10;\begin{document}&#10;%\begin{align*}&#10;%\end{align*}&#10;$v_1,v_2$&#10;\end{document}"/>
+  <p:tag name="IGUANATEXSIZE" val="60"/>
+  <p:tag name="IGUANATEXCURSOR" val="161"/>
+  <p:tag name="TRANSPARENCY" val="True"/>
+  <p:tag name="LATEXENGINEID" val="4"/>
+  <p:tag name="TEMPFOLDER" val="c:\temp\"/>
+  <p:tag name="LATEXFORMHEIGHT" val="320"/>
+  <p:tag name="LATEXFORMWIDTH" val="385"/>
+  <p:tag name="LATEXFORMWRAP" val="True"/>
+  <p:tag name="BITMAPVECTOR" val="0"/>
+</p:tagLst>
+</file>
+
+<file path=ppt/tags/tag19.xml><?xml version="1.0" encoding="utf-8"?>
+<p:tagLst xmlns:a="http://schemas.openxmlformats.org/drawingml/2006/main" xmlns:r="http://schemas.openxmlformats.org/officeDocument/2006/relationships" xmlns:p="http://schemas.openxmlformats.org/presentationml/2006/main">
+  <p:tag name="OUTPUTDPI" val="1200"/>
+  <p:tag name="ORIGINALHEIGHT" val="126.7677"/>
+  <p:tag name="ORIGINALWIDTH" val="559.5781"/>
+  <p:tag name="OUTPUTTYPE" val="PNG"/>
+  <p:tag name="IGUANATEXVERSION" val="160"/>
+  <p:tag name="LATEXADDIN" val="\documentclass{jsarticle}&#10;\usepackage{amsmath}&#10;\usepackage[T1]{fontenc}&#10;\usepackage{lmodern}&#10;\pagestyle{empty}&#10;&#10;\begin{document}&#10;%\begin{align*}&#10;%\end{align*}&#10;$y_1(t),y_2(t)$&#10;\end{document}"/>
+  <p:tag name="IGUANATEXSIZE" val="60"/>
+  <p:tag name="IGUANATEXCURSOR" val="168"/>
+  <p:tag name="TRANSPARENCY" val="True"/>
+  <p:tag name="LATEXENGINEID" val="4"/>
+  <p:tag name="TEMPFOLDER" val="c:\temp\"/>
+  <p:tag name="LATEXFORMHEIGHT" val="320"/>
+  <p:tag name="LATEXFORMWIDTH" val="385"/>
+  <p:tag name="LATEXFORMWRAP" val="True"/>
+  <p:tag name="BITMAPVECTOR" val="0"/>
+</p:tagLst>
+</file>
+
 <file path=ppt/tags/tag2.xml><?xml version="1.0" encoding="utf-8"?>
 <p:tagLst xmlns:a="http://schemas.openxmlformats.org/drawingml/2006/main" xmlns:r="http://schemas.openxmlformats.org/officeDocument/2006/relationships" xmlns:p="http://schemas.openxmlformats.org/presentationml/2006/main">
   <p:tag name="OUTPUTDPI" val="1200"/>
@@ -10904,6 +11338,26 @@
   <p:tag name="LATEXADDIN" val="\documentclass{jsarticle}&#10;\usepackage{amsmath}&#10;\usepackage[T1]{fontenc}&#10;\usepackage{lmodern}&#10;\pagestyle{empty}&#10;&#10;\begin{document}&#10;%\begin{align*}&#10;%\end{align*}&#10;$S_2$&#10;\end{document}"/>
   <p:tag name="IGUANATEXSIZE" val="60"/>
   <p:tag name="IGUANATEXCURSOR" val="164"/>
+  <p:tag name="TRANSPARENCY" val="True"/>
+  <p:tag name="LATEXENGINEID" val="4"/>
+  <p:tag name="TEMPFOLDER" val="c:\temp\"/>
+  <p:tag name="LATEXFORMHEIGHT" val="320"/>
+  <p:tag name="LATEXFORMWIDTH" val="385"/>
+  <p:tag name="LATEXFORMWRAP" val="True"/>
+  <p:tag name="BITMAPVECTOR" val="0"/>
+</p:tagLst>
+</file>
+
+<file path=ppt/tags/tag20.xml><?xml version="1.0" encoding="utf-8"?>
+<p:tagLst xmlns:a="http://schemas.openxmlformats.org/drawingml/2006/main" xmlns:r="http://schemas.openxmlformats.org/officeDocument/2006/relationships" xmlns:p="http://schemas.openxmlformats.org/presentationml/2006/main">
+  <p:tag name="OUTPUTDPI" val="1200"/>
+  <p:tag name="ORIGINALHEIGHT" val="138.0193"/>
+  <p:tag name="ORIGINALWIDTH" val="375.0524"/>
+  <p:tag name="OUTPUTTYPE" val="PNG"/>
+  <p:tag name="IGUANATEXVERSION" val="160"/>
+  <p:tag name="LATEXADDIN" val="\documentclass{jsarticle}&#10;\usepackage{amsmath}&#10;\usepackage[T1]{fontenc}&#10;\usepackage{lmodern}&#10;\pagestyle{empty}&#10;&#10;\begin{document}&#10;%\begin{align*}&#10;%\end{align*}&#10;$u_1^H,u_2^H$&#10;\end{document}"/>
+  <p:tag name="IGUANATEXSIZE" val="60"/>
+  <p:tag name="IGUANATEXCURSOR" val="171"/>
   <p:tag name="TRANSPARENCY" val="True"/>
   <p:tag name="LATEXENGINEID" val="4"/>
   <p:tag name="TEMPFOLDER" val="c:\temp\"/>

--- a/MIMO/MU-MIMO.pptx
+++ b/MIMO/MU-MIMO.pptx
@@ -9034,14 +9034,744 @@
         </p:blipFill>
         <p:spPr>
           <a:xfrm>
-            <a:off x="1746162" y="4888389"/>
-            <a:ext cx="9191625" cy="1325755"/>
+            <a:off x="1219026" y="4736326"/>
+            <a:ext cx="10245897" cy="1477818"/>
           </a:xfrm>
           <a:prstGeom prst="rect">
             <a:avLst/>
           </a:prstGeom>
         </p:spPr>
       </p:pic>
+      <mc:AlternateContent xmlns:mc="http://schemas.openxmlformats.org/markup-compatibility/2006">
+        <mc:Choice xmlns:a14="http://schemas.microsoft.com/office/drawing/2010/main" Requires="a14">
+          <p:sp>
+            <p:nvSpPr>
+              <p:cNvPr id="5" name="テキスト ボックス 4">
+                <a:extLst>
+                  <a:ext uri="{FF2B5EF4-FFF2-40B4-BE49-F238E27FC236}">
+                    <a16:creationId xmlns:a16="http://schemas.microsoft.com/office/drawing/2014/main" id="{EEF53136-4FF9-4F4C-A1F1-D083DA594DE6}"/>
+                  </a:ext>
+                </a:extLst>
+              </p:cNvPr>
+              <p:cNvSpPr txBox="1"/>
+              <p:nvPr/>
+            </p:nvSpPr>
+            <p:spPr>
+              <a:xfrm>
+                <a:off x="1219026" y="5123621"/>
+                <a:ext cx="467244" cy="276999"/>
+              </a:xfrm>
+              <a:prstGeom prst="rect">
+                <a:avLst/>
+              </a:prstGeom>
+              <a:noFill/>
+            </p:spPr>
+            <p:txBody>
+              <a:bodyPr wrap="none" lIns="0" tIns="0" rIns="0" bIns="0" rtlCol="0">
+                <a:spAutoFit/>
+              </a:bodyPr>
+              <a:lstStyle/>
+              <a:p>
+                <a14:m>
+                  <m:oMathPara xmlns:m="http://schemas.openxmlformats.org/officeDocument/2006/math">
+                    <m:oMathParaPr>
+                      <m:jc m:val="centerGroup"/>
+                    </m:oMathParaPr>
+                    <m:oMath xmlns:m="http://schemas.openxmlformats.org/officeDocument/2006/math">
+                      <m:r>
+                        <a:rPr kumimoji="1" lang="en-US" altLang="ja-JP" b="0" i="1" smtClean="0">
+                          <a:latin typeface="Cambria Math" panose="02040503050406030204" pitchFamily="18" charset="0"/>
+                        </a:rPr>
+                        <m:t>𝑠</m:t>
+                      </m:r>
+                      <m:r>
+                        <a:rPr kumimoji="1" lang="en-US" altLang="ja-JP" b="0" i="1" smtClean="0">
+                          <a:latin typeface="Cambria Math" panose="02040503050406030204" pitchFamily="18" charset="0"/>
+                        </a:rPr>
+                        <m:t>(</m:t>
+                      </m:r>
+                      <m:r>
+                        <a:rPr kumimoji="1" lang="en-US" altLang="ja-JP" b="0" i="1" smtClean="0">
+                          <a:latin typeface="Cambria Math" panose="02040503050406030204" pitchFamily="18" charset="0"/>
+                        </a:rPr>
+                        <m:t>𝑡</m:t>
+                      </m:r>
+                      <m:r>
+                        <a:rPr kumimoji="1" lang="en-US" altLang="ja-JP" b="0" i="1" smtClean="0">
+                          <a:latin typeface="Cambria Math" panose="02040503050406030204" pitchFamily="18" charset="0"/>
+                        </a:rPr>
+                        <m:t>)</m:t>
+                      </m:r>
+                    </m:oMath>
+                  </m:oMathPara>
+                </a14:m>
+                <a:endParaRPr kumimoji="1" lang="ja-JP" altLang="en-US" dirty="0"/>
+              </a:p>
+            </p:txBody>
+          </p:sp>
+        </mc:Choice>
+        <mc:Fallback>
+          <p:sp>
+            <p:nvSpPr>
+              <p:cNvPr id="5" name="テキスト ボックス 4">
+                <a:extLst>
+                  <a:ext uri="{FF2B5EF4-FFF2-40B4-BE49-F238E27FC236}">
+                    <a16:creationId xmlns:a16="http://schemas.microsoft.com/office/drawing/2014/main" id="{EEF53136-4FF9-4F4C-A1F1-D083DA594DE6}"/>
+                  </a:ext>
+                </a:extLst>
+              </p:cNvPr>
+              <p:cNvSpPr txBox="1">
+                <a:spLocks noRot="1" noChangeAspect="1" noMove="1" noResize="1" noEditPoints="1" noAdjustHandles="1" noChangeArrowheads="1" noChangeShapeType="1" noTextEdit="1"/>
+              </p:cNvSpPr>
+              <p:nvPr/>
+            </p:nvSpPr>
+            <p:spPr>
+              <a:xfrm>
+                <a:off x="1219026" y="5123621"/>
+                <a:ext cx="467244" cy="276999"/>
+              </a:xfrm>
+              <a:prstGeom prst="rect">
+                <a:avLst/>
+              </a:prstGeom>
+              <a:blipFill>
+                <a:blip r:embed="rId14"/>
+                <a:stretch>
+                  <a:fillRect l="-5195" t="-2174" r="-15584" b="-32609"/>
+                </a:stretch>
+              </a:blipFill>
+            </p:spPr>
+            <p:txBody>
+              <a:bodyPr/>
+              <a:lstStyle/>
+              <a:p>
+                <a:r>
+                  <a:rPr lang="ja-JP" altLang="en-US">
+                    <a:noFill/>
+                  </a:rPr>
+                  <a:t> </a:t>
+                </a:r>
+              </a:p>
+            </p:txBody>
+          </p:sp>
+        </mc:Fallback>
+      </mc:AlternateContent>
+      <mc:AlternateContent xmlns:mc="http://schemas.openxmlformats.org/markup-compatibility/2006">
+        <mc:Choice xmlns:a14="http://schemas.microsoft.com/office/drawing/2010/main" Requires="a14">
+          <p:sp>
+            <p:nvSpPr>
+              <p:cNvPr id="14" name="テキスト ボックス 13">
+                <a:extLst>
+                  <a:ext uri="{FF2B5EF4-FFF2-40B4-BE49-F238E27FC236}">
+                    <a16:creationId xmlns:a16="http://schemas.microsoft.com/office/drawing/2014/main" id="{68328705-3588-4692-93BE-E0DE0FF68A59}"/>
+                  </a:ext>
+                </a:extLst>
+              </p:cNvPr>
+              <p:cNvSpPr txBox="1"/>
+              <p:nvPr/>
+            </p:nvSpPr>
+            <p:spPr>
+              <a:xfrm>
+                <a:off x="2571249" y="4736326"/>
+                <a:ext cx="495905" cy="246221"/>
+              </a:xfrm>
+              <a:prstGeom prst="rect">
+                <a:avLst/>
+              </a:prstGeom>
+              <a:noFill/>
+            </p:spPr>
+            <p:txBody>
+              <a:bodyPr wrap="none" lIns="0" tIns="0" rIns="0" bIns="0" rtlCol="0">
+                <a:spAutoFit/>
+              </a:bodyPr>
+              <a:lstStyle/>
+              <a:p>
+                <a14:m>
+                  <m:oMathPara xmlns:m="http://schemas.openxmlformats.org/officeDocument/2006/math">
+                    <m:oMathParaPr>
+                      <m:jc m:val="centerGroup"/>
+                    </m:oMathParaPr>
+                    <m:oMath xmlns:m="http://schemas.openxmlformats.org/officeDocument/2006/math">
+                      <m:sSub>
+                        <m:sSubPr>
+                          <m:ctrlPr>
+                            <a:rPr kumimoji="1" lang="en-US" altLang="ja-JP" sz="1600" i="1" smtClean="0">
+                              <a:latin typeface="Cambria Math" panose="02040503050406030204" pitchFamily="18" charset="0"/>
+                            </a:rPr>
+                          </m:ctrlPr>
+                        </m:sSubPr>
+                        <m:e>
+                          <m:r>
+                            <a:rPr kumimoji="1" lang="en-US" altLang="ja-JP" sz="1600" b="0" i="1" smtClean="0">
+                              <a:latin typeface="Cambria Math" panose="02040503050406030204" pitchFamily="18" charset="0"/>
+                            </a:rPr>
+                            <m:t>𝑠</m:t>
+                          </m:r>
+                        </m:e>
+                        <m:sub>
+                          <m:r>
+                            <a:rPr kumimoji="1" lang="en-US" altLang="ja-JP" sz="1600" b="0" i="1" smtClean="0">
+                              <a:latin typeface="Cambria Math" panose="02040503050406030204" pitchFamily="18" charset="0"/>
+                            </a:rPr>
+                            <m:t>1</m:t>
+                          </m:r>
+                        </m:sub>
+                      </m:sSub>
+                      <m:r>
+                        <a:rPr kumimoji="1" lang="en-US" altLang="ja-JP" sz="1600" b="0" i="1" smtClean="0">
+                          <a:latin typeface="Cambria Math" panose="02040503050406030204" pitchFamily="18" charset="0"/>
+                        </a:rPr>
+                        <m:t>(</m:t>
+                      </m:r>
+                      <m:r>
+                        <a:rPr kumimoji="1" lang="en-US" altLang="ja-JP" sz="1600" b="0" i="1" smtClean="0">
+                          <a:latin typeface="Cambria Math" panose="02040503050406030204" pitchFamily="18" charset="0"/>
+                        </a:rPr>
+                        <m:t>𝑡</m:t>
+                      </m:r>
+                      <m:r>
+                        <a:rPr kumimoji="1" lang="en-US" altLang="ja-JP" sz="1600" b="0" i="1" smtClean="0">
+                          <a:latin typeface="Cambria Math" panose="02040503050406030204" pitchFamily="18" charset="0"/>
+                        </a:rPr>
+                        <m:t>)</m:t>
+                      </m:r>
+                    </m:oMath>
+                  </m:oMathPara>
+                </a14:m>
+                <a:endParaRPr kumimoji="1" lang="ja-JP" altLang="en-US" dirty="0"/>
+              </a:p>
+            </p:txBody>
+          </p:sp>
+        </mc:Choice>
+        <mc:Fallback>
+          <p:sp>
+            <p:nvSpPr>
+              <p:cNvPr id="14" name="テキスト ボックス 13">
+                <a:extLst>
+                  <a:ext uri="{FF2B5EF4-FFF2-40B4-BE49-F238E27FC236}">
+                    <a16:creationId xmlns:a16="http://schemas.microsoft.com/office/drawing/2014/main" id="{68328705-3588-4692-93BE-E0DE0FF68A59}"/>
+                  </a:ext>
+                </a:extLst>
+              </p:cNvPr>
+              <p:cNvSpPr txBox="1">
+                <a:spLocks noRot="1" noChangeAspect="1" noMove="1" noResize="1" noEditPoints="1" noAdjustHandles="1" noChangeArrowheads="1" noChangeShapeType="1" noTextEdit="1"/>
+              </p:cNvSpPr>
+              <p:nvPr/>
+            </p:nvSpPr>
+            <p:spPr>
+              <a:xfrm>
+                <a:off x="2571249" y="4736326"/>
+                <a:ext cx="495905" cy="246221"/>
+              </a:xfrm>
+              <a:prstGeom prst="rect">
+                <a:avLst/>
+              </a:prstGeom>
+              <a:blipFill>
+                <a:blip r:embed="rId15"/>
+                <a:stretch>
+                  <a:fillRect l="-4938" r="-12346" b="-32500"/>
+                </a:stretch>
+              </a:blipFill>
+            </p:spPr>
+            <p:txBody>
+              <a:bodyPr/>
+              <a:lstStyle/>
+              <a:p>
+                <a:r>
+                  <a:rPr lang="ja-JP" altLang="en-US">
+                    <a:noFill/>
+                  </a:rPr>
+                  <a:t> </a:t>
+                </a:r>
+              </a:p>
+            </p:txBody>
+          </p:sp>
+        </mc:Fallback>
+      </mc:AlternateContent>
+      <mc:AlternateContent xmlns:mc="http://schemas.openxmlformats.org/markup-compatibility/2006">
+        <mc:Choice xmlns:a14="http://schemas.microsoft.com/office/drawing/2010/main" Requires="a14">
+          <p:sp>
+            <p:nvSpPr>
+              <p:cNvPr id="16" name="テキスト ボックス 15">
+                <a:extLst>
+                  <a:ext uri="{FF2B5EF4-FFF2-40B4-BE49-F238E27FC236}">
+                    <a16:creationId xmlns:a16="http://schemas.microsoft.com/office/drawing/2014/main" id="{F2D79039-1B83-4BB7-B6A6-8936826468E8}"/>
+                  </a:ext>
+                </a:extLst>
+              </p:cNvPr>
+              <p:cNvSpPr txBox="1"/>
+              <p:nvPr/>
+            </p:nvSpPr>
+            <p:spPr>
+              <a:xfrm>
+                <a:off x="2571248" y="5475235"/>
+                <a:ext cx="500650" cy="246221"/>
+              </a:xfrm>
+              <a:prstGeom prst="rect">
+                <a:avLst/>
+              </a:prstGeom>
+              <a:noFill/>
+            </p:spPr>
+            <p:txBody>
+              <a:bodyPr wrap="none" lIns="0" tIns="0" rIns="0" bIns="0" rtlCol="0">
+                <a:spAutoFit/>
+              </a:bodyPr>
+              <a:lstStyle/>
+              <a:p>
+                <a14:m>
+                  <m:oMathPara xmlns:m="http://schemas.openxmlformats.org/officeDocument/2006/math">
+                    <m:oMathParaPr>
+                      <m:jc m:val="centerGroup"/>
+                    </m:oMathParaPr>
+                    <m:oMath xmlns:m="http://schemas.openxmlformats.org/officeDocument/2006/math">
+                      <m:sSub>
+                        <m:sSubPr>
+                          <m:ctrlPr>
+                            <a:rPr kumimoji="1" lang="en-US" altLang="ja-JP" sz="1600" i="1" smtClean="0">
+                              <a:latin typeface="Cambria Math" panose="02040503050406030204" pitchFamily="18" charset="0"/>
+                            </a:rPr>
+                          </m:ctrlPr>
+                        </m:sSubPr>
+                        <m:e>
+                          <m:r>
+                            <a:rPr kumimoji="1" lang="en-US" altLang="ja-JP" sz="1600" b="0" i="1" smtClean="0">
+                              <a:latin typeface="Cambria Math" panose="02040503050406030204" pitchFamily="18" charset="0"/>
+                            </a:rPr>
+                            <m:t>𝑠</m:t>
+                          </m:r>
+                        </m:e>
+                        <m:sub>
+                          <m:r>
+                            <a:rPr kumimoji="1" lang="en-US" altLang="ja-JP" sz="1600" b="0" i="1" smtClean="0">
+                              <a:latin typeface="Cambria Math" panose="02040503050406030204" pitchFamily="18" charset="0"/>
+                            </a:rPr>
+                            <m:t>2</m:t>
+                          </m:r>
+                        </m:sub>
+                      </m:sSub>
+                      <m:r>
+                        <a:rPr kumimoji="1" lang="en-US" altLang="ja-JP" sz="1600" b="0" i="1" smtClean="0">
+                          <a:latin typeface="Cambria Math" panose="02040503050406030204" pitchFamily="18" charset="0"/>
+                        </a:rPr>
+                        <m:t>(</m:t>
+                      </m:r>
+                      <m:r>
+                        <a:rPr kumimoji="1" lang="en-US" altLang="ja-JP" sz="1600" b="0" i="1" smtClean="0">
+                          <a:latin typeface="Cambria Math" panose="02040503050406030204" pitchFamily="18" charset="0"/>
+                        </a:rPr>
+                        <m:t>𝑡</m:t>
+                      </m:r>
+                      <m:r>
+                        <a:rPr kumimoji="1" lang="en-US" altLang="ja-JP" sz="1600" b="0" i="1" smtClean="0">
+                          <a:latin typeface="Cambria Math" panose="02040503050406030204" pitchFamily="18" charset="0"/>
+                        </a:rPr>
+                        <m:t>)</m:t>
+                      </m:r>
+                    </m:oMath>
+                  </m:oMathPara>
+                </a14:m>
+                <a:endParaRPr kumimoji="1" lang="ja-JP" altLang="en-US" dirty="0"/>
+              </a:p>
+            </p:txBody>
+          </p:sp>
+        </mc:Choice>
+        <mc:Fallback>
+          <p:sp>
+            <p:nvSpPr>
+              <p:cNvPr id="16" name="テキスト ボックス 15">
+                <a:extLst>
+                  <a:ext uri="{FF2B5EF4-FFF2-40B4-BE49-F238E27FC236}">
+                    <a16:creationId xmlns:a16="http://schemas.microsoft.com/office/drawing/2014/main" id="{F2D79039-1B83-4BB7-B6A6-8936826468E8}"/>
+                  </a:ext>
+                </a:extLst>
+              </p:cNvPr>
+              <p:cNvSpPr txBox="1">
+                <a:spLocks noRot="1" noChangeAspect="1" noMove="1" noResize="1" noEditPoints="1" noAdjustHandles="1" noChangeArrowheads="1" noChangeShapeType="1" noTextEdit="1"/>
+              </p:cNvSpPr>
+              <p:nvPr/>
+            </p:nvSpPr>
+            <p:spPr>
+              <a:xfrm>
+                <a:off x="2571248" y="5475235"/>
+                <a:ext cx="500650" cy="246221"/>
+              </a:xfrm>
+              <a:prstGeom prst="rect">
+                <a:avLst/>
+              </a:prstGeom>
+              <a:blipFill>
+                <a:blip r:embed="rId16"/>
+                <a:stretch>
+                  <a:fillRect l="-4878" r="-12195" b="-31707"/>
+                </a:stretch>
+              </a:blipFill>
+            </p:spPr>
+            <p:txBody>
+              <a:bodyPr/>
+              <a:lstStyle/>
+              <a:p>
+                <a:r>
+                  <a:rPr lang="ja-JP" altLang="en-US">
+                    <a:noFill/>
+                  </a:rPr>
+                  <a:t> </a:t>
+                </a:r>
+              </a:p>
+            </p:txBody>
+          </p:sp>
+        </mc:Fallback>
+      </mc:AlternateContent>
+      <mc:AlternateContent xmlns:mc="http://schemas.openxmlformats.org/markup-compatibility/2006">
+        <mc:Choice xmlns:a14="http://schemas.microsoft.com/office/drawing/2010/main" Requires="a14">
+          <p:sp>
+            <p:nvSpPr>
+              <p:cNvPr id="8" name="テキスト ボックス 7">
+                <a:extLst>
+                  <a:ext uri="{FF2B5EF4-FFF2-40B4-BE49-F238E27FC236}">
+                    <a16:creationId xmlns:a16="http://schemas.microsoft.com/office/drawing/2014/main" id="{42ACDD72-BD63-42CD-85BC-9CD51C30513F}"/>
+                  </a:ext>
+                </a:extLst>
+              </p:cNvPr>
+              <p:cNvSpPr txBox="1"/>
+              <p:nvPr/>
+            </p:nvSpPr>
+            <p:spPr>
+              <a:xfrm>
+                <a:off x="3275012" y="4459327"/>
+                <a:ext cx="290528" cy="276999"/>
+              </a:xfrm>
+              <a:prstGeom prst="rect">
+                <a:avLst/>
+              </a:prstGeom>
+              <a:noFill/>
+            </p:spPr>
+            <p:txBody>
+              <a:bodyPr wrap="none" lIns="0" tIns="0" rIns="0" bIns="0" rtlCol="0">
+                <a:spAutoFit/>
+              </a:bodyPr>
+              <a:lstStyle/>
+              <a:p>
+                <a14:m>
+                  <m:oMathPara xmlns:m="http://schemas.openxmlformats.org/officeDocument/2006/math">
+                    <m:oMathParaPr>
+                      <m:jc m:val="centerGroup"/>
+                    </m:oMathParaPr>
+                    <m:oMath xmlns:m="http://schemas.openxmlformats.org/officeDocument/2006/math">
+                      <m:sSub>
+                        <m:sSubPr>
+                          <m:ctrlPr>
+                            <a:rPr kumimoji="1" lang="en-US" altLang="ja-JP" i="1" smtClean="0">
+                              <a:latin typeface="Cambria Math" panose="02040503050406030204" pitchFamily="18" charset="0"/>
+                            </a:rPr>
+                          </m:ctrlPr>
+                        </m:sSubPr>
+                        <m:e>
+                          <m:r>
+                            <a:rPr kumimoji="1" lang="en-US" altLang="ja-JP" b="0" i="1" smtClean="0">
+                              <a:latin typeface="Cambria Math" panose="02040503050406030204" pitchFamily="18" charset="0"/>
+                            </a:rPr>
+                            <m:t>𝑣</m:t>
+                          </m:r>
+                        </m:e>
+                        <m:sub>
+                          <m:r>
+                            <a:rPr kumimoji="1" lang="en-US" altLang="ja-JP" b="0" i="1" smtClean="0">
+                              <a:latin typeface="Cambria Math" panose="02040503050406030204" pitchFamily="18" charset="0"/>
+                            </a:rPr>
+                            <m:t>1</m:t>
+                          </m:r>
+                        </m:sub>
+                      </m:sSub>
+                    </m:oMath>
+                  </m:oMathPara>
+                </a14:m>
+                <a:endParaRPr kumimoji="1" lang="ja-JP" altLang="en-US" dirty="0"/>
+              </a:p>
+            </p:txBody>
+          </p:sp>
+        </mc:Choice>
+        <mc:Fallback>
+          <p:sp>
+            <p:nvSpPr>
+              <p:cNvPr id="8" name="テキスト ボックス 7">
+                <a:extLst>
+                  <a:ext uri="{FF2B5EF4-FFF2-40B4-BE49-F238E27FC236}">
+                    <a16:creationId xmlns:a16="http://schemas.microsoft.com/office/drawing/2014/main" id="{42ACDD72-BD63-42CD-85BC-9CD51C30513F}"/>
+                  </a:ext>
+                </a:extLst>
+              </p:cNvPr>
+              <p:cNvSpPr txBox="1">
+                <a:spLocks noRot="1" noChangeAspect="1" noMove="1" noResize="1" noEditPoints="1" noAdjustHandles="1" noChangeArrowheads="1" noChangeShapeType="1" noTextEdit="1"/>
+              </p:cNvSpPr>
+              <p:nvPr/>
+            </p:nvSpPr>
+            <p:spPr>
+              <a:xfrm>
+                <a:off x="3275012" y="4459327"/>
+                <a:ext cx="290528" cy="276999"/>
+              </a:xfrm>
+              <a:prstGeom prst="rect">
+                <a:avLst/>
+              </a:prstGeom>
+              <a:blipFill>
+                <a:blip r:embed="rId17"/>
+                <a:stretch>
+                  <a:fillRect l="-8333" r="-8333" b="-15556"/>
+                </a:stretch>
+              </a:blipFill>
+            </p:spPr>
+            <p:txBody>
+              <a:bodyPr/>
+              <a:lstStyle/>
+              <a:p>
+                <a:r>
+                  <a:rPr lang="ja-JP" altLang="en-US">
+                    <a:noFill/>
+                  </a:rPr>
+                  <a:t> </a:t>
+                </a:r>
+              </a:p>
+            </p:txBody>
+          </p:sp>
+        </mc:Fallback>
+      </mc:AlternateContent>
+      <mc:AlternateContent xmlns:mc="http://schemas.openxmlformats.org/markup-compatibility/2006">
+        <mc:Choice xmlns:a14="http://schemas.microsoft.com/office/drawing/2010/main" Requires="a14">
+          <p:sp>
+            <p:nvSpPr>
+              <p:cNvPr id="17" name="テキスト ボックス 16">
+                <a:extLst>
+                  <a:ext uri="{FF2B5EF4-FFF2-40B4-BE49-F238E27FC236}">
+                    <a16:creationId xmlns:a16="http://schemas.microsoft.com/office/drawing/2014/main" id="{D738E4B4-BBF2-4DEE-8E3E-4A9788D0BC6D}"/>
+                  </a:ext>
+                </a:extLst>
+              </p:cNvPr>
+              <p:cNvSpPr txBox="1"/>
+              <p:nvPr/>
+            </p:nvSpPr>
+            <p:spPr>
+              <a:xfrm>
+                <a:off x="3275012" y="6135278"/>
+                <a:ext cx="295850" cy="276999"/>
+              </a:xfrm>
+              <a:prstGeom prst="rect">
+                <a:avLst/>
+              </a:prstGeom>
+              <a:noFill/>
+            </p:spPr>
+            <p:txBody>
+              <a:bodyPr wrap="none" lIns="0" tIns="0" rIns="0" bIns="0" rtlCol="0">
+                <a:spAutoFit/>
+              </a:bodyPr>
+              <a:lstStyle/>
+              <a:p>
+                <a14:m>
+                  <m:oMathPara xmlns:m="http://schemas.openxmlformats.org/officeDocument/2006/math">
+                    <m:oMathParaPr>
+                      <m:jc m:val="centerGroup"/>
+                    </m:oMathParaPr>
+                    <m:oMath xmlns:m="http://schemas.openxmlformats.org/officeDocument/2006/math">
+                      <m:sSub>
+                        <m:sSubPr>
+                          <m:ctrlPr>
+                            <a:rPr kumimoji="1" lang="en-US" altLang="ja-JP" i="1" smtClean="0">
+                              <a:latin typeface="Cambria Math" panose="02040503050406030204" pitchFamily="18" charset="0"/>
+                            </a:rPr>
+                          </m:ctrlPr>
+                        </m:sSubPr>
+                        <m:e>
+                          <m:r>
+                            <a:rPr kumimoji="1" lang="en-US" altLang="ja-JP" b="0" i="1" smtClean="0">
+                              <a:latin typeface="Cambria Math" panose="02040503050406030204" pitchFamily="18" charset="0"/>
+                            </a:rPr>
+                            <m:t>𝑣</m:t>
+                          </m:r>
+                        </m:e>
+                        <m:sub>
+                          <m:r>
+                            <a:rPr kumimoji="1" lang="en-US" altLang="ja-JP" b="0" i="1" smtClean="0">
+                              <a:latin typeface="Cambria Math" panose="02040503050406030204" pitchFamily="18" charset="0"/>
+                            </a:rPr>
+                            <m:t>2</m:t>
+                          </m:r>
+                        </m:sub>
+                      </m:sSub>
+                    </m:oMath>
+                  </m:oMathPara>
+                </a14:m>
+                <a:endParaRPr kumimoji="1" lang="ja-JP" altLang="en-US" dirty="0"/>
+              </a:p>
+            </p:txBody>
+          </p:sp>
+        </mc:Choice>
+        <mc:Fallback>
+          <p:sp>
+            <p:nvSpPr>
+              <p:cNvPr id="17" name="テキスト ボックス 16">
+                <a:extLst>
+                  <a:ext uri="{FF2B5EF4-FFF2-40B4-BE49-F238E27FC236}">
+                    <a16:creationId xmlns:a16="http://schemas.microsoft.com/office/drawing/2014/main" id="{D738E4B4-BBF2-4DEE-8E3E-4A9788D0BC6D}"/>
+                  </a:ext>
+                </a:extLst>
+              </p:cNvPr>
+              <p:cNvSpPr txBox="1">
+                <a:spLocks noRot="1" noChangeAspect="1" noMove="1" noResize="1" noEditPoints="1" noAdjustHandles="1" noChangeArrowheads="1" noChangeShapeType="1" noTextEdit="1"/>
+              </p:cNvSpPr>
+              <p:nvPr/>
+            </p:nvSpPr>
+            <p:spPr>
+              <a:xfrm>
+                <a:off x="3275012" y="6135278"/>
+                <a:ext cx="295850" cy="276999"/>
+              </a:xfrm>
+              <a:prstGeom prst="rect">
+                <a:avLst/>
+              </a:prstGeom>
+              <a:blipFill>
+                <a:blip r:embed="rId18"/>
+                <a:stretch>
+                  <a:fillRect l="-8163" r="-6122" b="-15217"/>
+                </a:stretch>
+              </a:blipFill>
+            </p:spPr>
+            <p:txBody>
+              <a:bodyPr/>
+              <a:lstStyle/>
+              <a:p>
+                <a:r>
+                  <a:rPr lang="ja-JP" altLang="en-US">
+                    <a:noFill/>
+                  </a:rPr>
+                  <a:t> </a:t>
+                </a:r>
+              </a:p>
+            </p:txBody>
+          </p:sp>
+        </mc:Fallback>
+      </mc:AlternateContent>
+      <mc:AlternateContent xmlns:mc="http://schemas.openxmlformats.org/markup-compatibility/2006">
+        <mc:Choice xmlns:a14="http://schemas.microsoft.com/office/drawing/2010/main" Requires="a14">
+          <p:sp>
+            <p:nvSpPr>
+              <p:cNvPr id="20" name="テキスト ボックス 19">
+                <a:extLst>
+                  <a:ext uri="{FF2B5EF4-FFF2-40B4-BE49-F238E27FC236}">
+                    <a16:creationId xmlns:a16="http://schemas.microsoft.com/office/drawing/2014/main" id="{E858FBEC-6574-4B78-9588-09EB9D7048E2}"/>
+                  </a:ext>
+                </a:extLst>
+              </p:cNvPr>
+              <p:cNvSpPr txBox="1"/>
+              <p:nvPr/>
+            </p:nvSpPr>
+            <p:spPr>
+              <a:xfrm>
+                <a:off x="10813600" y="5123620"/>
+                <a:ext cx="467243" cy="276999"/>
+              </a:xfrm>
+              <a:prstGeom prst="rect">
+                <a:avLst/>
+              </a:prstGeom>
+              <a:noFill/>
+            </p:spPr>
+            <p:txBody>
+              <a:bodyPr wrap="none" lIns="0" tIns="0" rIns="0" bIns="0" rtlCol="0">
+                <a:spAutoFit/>
+              </a:bodyPr>
+              <a:lstStyle/>
+              <a:p>
+                <a14:m>
+                  <m:oMathPara xmlns:m="http://schemas.openxmlformats.org/officeDocument/2006/math">
+                    <m:oMathParaPr>
+                      <m:jc m:val="centerGroup"/>
+                    </m:oMathParaPr>
+                    <m:oMath xmlns:m="http://schemas.openxmlformats.org/officeDocument/2006/math">
+                      <m:acc>
+                        <m:accPr>
+                          <m:chr m:val="̃"/>
+                          <m:ctrlPr>
+                            <a:rPr kumimoji="1" lang="en-US" altLang="ja-JP" b="0" i="1" smtClean="0">
+                              <a:latin typeface="Cambria Math" panose="02040503050406030204" pitchFamily="18" charset="0"/>
+                            </a:rPr>
+                          </m:ctrlPr>
+                        </m:accPr>
+                        <m:e>
+                          <m:r>
+                            <a:rPr kumimoji="1" lang="en-US" altLang="ja-JP" b="0" i="1" smtClean="0">
+                              <a:latin typeface="Cambria Math" panose="02040503050406030204" pitchFamily="18" charset="0"/>
+                            </a:rPr>
+                            <m:t>𝑠</m:t>
+                          </m:r>
+                        </m:e>
+                      </m:acc>
+                      <m:r>
+                        <a:rPr kumimoji="1" lang="en-US" altLang="ja-JP" b="0" i="1" smtClean="0">
+                          <a:latin typeface="Cambria Math" panose="02040503050406030204" pitchFamily="18" charset="0"/>
+                        </a:rPr>
+                        <m:t>(</m:t>
+                      </m:r>
+                      <m:r>
+                        <a:rPr kumimoji="1" lang="en-US" altLang="ja-JP" b="0" i="1" smtClean="0">
+                          <a:latin typeface="Cambria Math" panose="02040503050406030204" pitchFamily="18" charset="0"/>
+                        </a:rPr>
+                        <m:t>𝑡</m:t>
+                      </m:r>
+                      <m:r>
+                        <a:rPr kumimoji="1" lang="en-US" altLang="ja-JP" b="0" i="1" smtClean="0">
+                          <a:latin typeface="Cambria Math" panose="02040503050406030204" pitchFamily="18" charset="0"/>
+                        </a:rPr>
+                        <m:t>)</m:t>
+                      </m:r>
+                    </m:oMath>
+                  </m:oMathPara>
+                </a14:m>
+                <a:endParaRPr kumimoji="1" lang="ja-JP" altLang="en-US" dirty="0"/>
+              </a:p>
+            </p:txBody>
+          </p:sp>
+        </mc:Choice>
+        <mc:Fallback>
+          <p:sp>
+            <p:nvSpPr>
+              <p:cNvPr id="20" name="テキスト ボックス 19">
+                <a:extLst>
+                  <a:ext uri="{FF2B5EF4-FFF2-40B4-BE49-F238E27FC236}">
+                    <a16:creationId xmlns:a16="http://schemas.microsoft.com/office/drawing/2014/main" id="{E858FBEC-6574-4B78-9588-09EB9D7048E2}"/>
+                  </a:ext>
+                </a:extLst>
+              </p:cNvPr>
+              <p:cNvSpPr txBox="1">
+                <a:spLocks noRot="1" noChangeAspect="1" noMove="1" noResize="1" noEditPoints="1" noAdjustHandles="1" noChangeArrowheads="1" noChangeShapeType="1" noTextEdit="1"/>
+              </p:cNvSpPr>
+              <p:nvPr/>
+            </p:nvSpPr>
+            <p:spPr>
+              <a:xfrm>
+                <a:off x="10813600" y="5123620"/>
+                <a:ext cx="467243" cy="276999"/>
+              </a:xfrm>
+              <a:prstGeom prst="rect">
+                <a:avLst/>
+              </a:prstGeom>
+              <a:blipFill>
+                <a:blip r:embed="rId19"/>
+                <a:stretch>
+                  <a:fillRect l="-5195" t="-2174" r="-15584" b="-32609"/>
+                </a:stretch>
+              </a:blipFill>
+            </p:spPr>
+            <p:txBody>
+              <a:bodyPr/>
+              <a:lstStyle/>
+              <a:p>
+                <a:r>
+                  <a:rPr lang="ja-JP" altLang="en-US">
+                    <a:noFill/>
+                  </a:rPr>
+                  <a:t> </a:t>
+                </a:r>
+              </a:p>
+            </p:txBody>
+          </p:sp>
+        </mc:Fallback>
+      </mc:AlternateContent>
     </p:spTree>
     <p:extLst>
       <p:ext uri="{BB962C8B-B14F-4D97-AF65-F5344CB8AC3E}">

--- a/MIMO/MU-MIMO.pptx
+++ b/MIMO/MU-MIMO.pptx
@@ -5,7 +5,7 @@
     <p:sldMasterId id="2147483648" r:id="rId1"/>
   </p:sldMasterIdLst>
   <p:notesMasterIdLst>
-    <p:notesMasterId r:id="rId11"/>
+    <p:notesMasterId r:id="rId12"/>
   </p:notesMasterIdLst>
   <p:sldIdLst>
     <p:sldId id="256" r:id="rId2"/>
@@ -17,6 +17,7 @@
     <p:sldId id="259" r:id="rId8"/>
     <p:sldId id="260" r:id="rId9"/>
     <p:sldId id="263" r:id="rId10"/>
+    <p:sldId id="266" r:id="rId11"/>
   </p:sldIdLst>
   <p:sldSz cx="12192000" cy="6858000"/>
   <p:notesSz cx="6858000" cy="9144000"/>
@@ -4450,6 +4451,76 @@
     <p:extLst>
       <p:ext uri="{BB962C8B-B14F-4D97-AF65-F5344CB8AC3E}">
         <p14:creationId xmlns:p14="http://schemas.microsoft.com/office/powerpoint/2010/main" val="2172113249"/>
+      </p:ext>
+    </p:extLst>
+  </p:cSld>
+  <p:clrMapOvr>
+    <a:masterClrMapping/>
+  </p:clrMapOvr>
+</p:sld>
+</file>
+
+<file path=ppt/slides/slide10.xml><?xml version="1.0" encoding="utf-8"?>
+<p:sld xmlns:a="http://schemas.openxmlformats.org/drawingml/2006/main" xmlns:r="http://schemas.openxmlformats.org/officeDocument/2006/relationships" xmlns:p="http://schemas.openxmlformats.org/presentationml/2006/main">
+  <p:cSld>
+    <p:spTree>
+      <p:nvGrpSpPr>
+        <p:cNvPr id="1" name=""/>
+        <p:cNvGrpSpPr/>
+        <p:nvPr/>
+      </p:nvGrpSpPr>
+      <p:grpSpPr>
+        <a:xfrm>
+          <a:off x="0" y="0"/>
+          <a:ext cx="0" cy="0"/>
+          <a:chOff x="0" y="0"/>
+          <a:chExt cx="0" cy="0"/>
+        </a:xfrm>
+      </p:grpSpPr>
+      <p:pic>
+        <p:nvPicPr>
+          <p:cNvPr id="4" name="図 3" descr="\documentclass{jsarticle}&#10;\usepackage{amsmath}&#10;\usepackage[T1]{fontenc}&#10;\usepackage{lmodern}&#10;\pagestyle{empty}&#10;&#10;\begin{document}&#10;%\begin{align*}&#10;%\end{align*}&#10;\begin{align*}&#10;  G = HH^H&#10;\end{align*}&#10;&#10;\end{document}" title="IguanaTex Bitmap Display">
+            <a:extLst>
+              <a:ext uri="{FF2B5EF4-FFF2-40B4-BE49-F238E27FC236}">
+                <a16:creationId xmlns:a16="http://schemas.microsoft.com/office/drawing/2014/main" id="{C6321B49-4C5C-2D57-1097-DC26D6F3C221}"/>
+              </a:ext>
+            </a:extLst>
+          </p:cNvPr>
+          <p:cNvPicPr>
+            <a:picLocks noChangeAspect="1"/>
+          </p:cNvPicPr>
+          <p:nvPr>
+            <p:custDataLst>
+              <p:tags r:id="rId1"/>
+            </p:custDataLst>
+          </p:nvPr>
+        </p:nvPicPr>
+        <p:blipFill>
+          <a:blip r:embed="rId3">
+            <a:extLst>
+              <a:ext uri="{28A0092B-C50C-407E-A947-70E740481C1C}">
+                <a14:useLocalDpi xmlns:a14="http://schemas.microsoft.com/office/drawing/2010/main" val="0"/>
+              </a:ext>
+            </a:extLst>
+          </a:blip>
+          <a:stretch>
+            <a:fillRect/>
+          </a:stretch>
+        </p:blipFill>
+        <p:spPr>
+          <a:xfrm>
+            <a:off x="2782887" y="1082675"/>
+            <a:ext cx="3479778" cy="708759"/>
+          </a:xfrm>
+          <a:prstGeom prst="rect">
+            <a:avLst/>
+          </a:prstGeom>
+        </p:spPr>
+      </p:pic>
+    </p:spTree>
+    <p:extLst>
+      <p:ext uri="{BB962C8B-B14F-4D97-AF65-F5344CB8AC3E}">
+        <p14:creationId xmlns:p14="http://schemas.microsoft.com/office/powerpoint/2010/main" val="3083605988"/>
       </p:ext>
     </p:extLst>
   </p:cSld>
@@ -9042,8 +9113,8 @@
           </a:prstGeom>
         </p:spPr>
       </p:pic>
-      <mc:AlternateContent xmlns:mc="http://schemas.openxmlformats.org/markup-compatibility/2006">
-        <mc:Choice xmlns:a14="http://schemas.microsoft.com/office/drawing/2010/main" Requires="a14">
+      <mc:AlternateContent xmlns:mc="http://schemas.openxmlformats.org/markup-compatibility/2006" xmlns:a14="http://schemas.microsoft.com/office/drawing/2010/main">
+        <mc:Choice Requires="a14">
           <p:sp>
             <p:nvSpPr>
               <p:cNvPr id="5" name="テキスト ボックス 4">
@@ -9072,6 +9143,7 @@
               </a:bodyPr>
               <a:lstStyle/>
               <a:p>
+                <a:pPr/>
                 <a14:m>
                   <m:oMathPara xmlns:m="http://schemas.openxmlformats.org/officeDocument/2006/math">
                     <m:oMathParaPr>
@@ -9110,7 +9182,7 @@
             </p:txBody>
           </p:sp>
         </mc:Choice>
-        <mc:Fallback>
+        <mc:Fallback xmlns="">
           <p:sp>
             <p:nvSpPr>
               <p:cNvPr id="5" name="テキスト ボックス 4">
@@ -9155,8 +9227,8 @@
           </p:sp>
         </mc:Fallback>
       </mc:AlternateContent>
-      <mc:AlternateContent xmlns:mc="http://schemas.openxmlformats.org/markup-compatibility/2006">
-        <mc:Choice xmlns:a14="http://schemas.microsoft.com/office/drawing/2010/main" Requires="a14">
+      <mc:AlternateContent xmlns:mc="http://schemas.openxmlformats.org/markup-compatibility/2006" xmlns:a14="http://schemas.microsoft.com/office/drawing/2010/main">
+        <mc:Choice Requires="a14">
           <p:sp>
             <p:nvSpPr>
               <p:cNvPr id="14" name="テキスト ボックス 13">
@@ -9185,6 +9257,7 @@
               </a:bodyPr>
               <a:lstStyle/>
               <a:p>
+                <a:pPr/>
                 <a14:m>
                   <m:oMathPara xmlns:m="http://schemas.openxmlformats.org/officeDocument/2006/math">
                     <m:oMathParaPr>
@@ -9242,7 +9315,7 @@
             </p:txBody>
           </p:sp>
         </mc:Choice>
-        <mc:Fallback>
+        <mc:Fallback xmlns="">
           <p:sp>
             <p:nvSpPr>
               <p:cNvPr id="14" name="テキスト ボックス 13">
@@ -9287,8 +9360,8 @@
           </p:sp>
         </mc:Fallback>
       </mc:AlternateContent>
-      <mc:AlternateContent xmlns:mc="http://schemas.openxmlformats.org/markup-compatibility/2006">
-        <mc:Choice xmlns:a14="http://schemas.microsoft.com/office/drawing/2010/main" Requires="a14">
+      <mc:AlternateContent xmlns:mc="http://schemas.openxmlformats.org/markup-compatibility/2006" xmlns:a14="http://schemas.microsoft.com/office/drawing/2010/main">
+        <mc:Choice Requires="a14">
           <p:sp>
             <p:nvSpPr>
               <p:cNvPr id="16" name="テキスト ボックス 15">
@@ -9317,6 +9390,7 @@
               </a:bodyPr>
               <a:lstStyle/>
               <a:p>
+                <a:pPr/>
                 <a14:m>
                   <m:oMathPara xmlns:m="http://schemas.openxmlformats.org/officeDocument/2006/math">
                     <m:oMathParaPr>
@@ -9374,7 +9448,7 @@
             </p:txBody>
           </p:sp>
         </mc:Choice>
-        <mc:Fallback>
+        <mc:Fallback xmlns="">
           <p:sp>
             <p:nvSpPr>
               <p:cNvPr id="16" name="テキスト ボックス 15">
@@ -9419,8 +9493,8 @@
           </p:sp>
         </mc:Fallback>
       </mc:AlternateContent>
-      <mc:AlternateContent xmlns:mc="http://schemas.openxmlformats.org/markup-compatibility/2006">
-        <mc:Choice xmlns:a14="http://schemas.microsoft.com/office/drawing/2010/main" Requires="a14">
+      <mc:AlternateContent xmlns:mc="http://schemas.openxmlformats.org/markup-compatibility/2006" xmlns:a14="http://schemas.microsoft.com/office/drawing/2010/main">
+        <mc:Choice Requires="a14">
           <p:sp>
             <p:nvSpPr>
               <p:cNvPr id="8" name="テキスト ボックス 7">
@@ -9449,6 +9523,7 @@
               </a:bodyPr>
               <a:lstStyle/>
               <a:p>
+                <a:pPr/>
                 <a14:m>
                   <m:oMathPara xmlns:m="http://schemas.openxmlformats.org/officeDocument/2006/math">
                     <m:oMathParaPr>
@@ -9488,7 +9563,7 @@
             </p:txBody>
           </p:sp>
         </mc:Choice>
-        <mc:Fallback>
+        <mc:Fallback xmlns="">
           <p:sp>
             <p:nvSpPr>
               <p:cNvPr id="8" name="テキスト ボックス 7">
@@ -9533,8 +9608,8 @@
           </p:sp>
         </mc:Fallback>
       </mc:AlternateContent>
-      <mc:AlternateContent xmlns:mc="http://schemas.openxmlformats.org/markup-compatibility/2006">
-        <mc:Choice xmlns:a14="http://schemas.microsoft.com/office/drawing/2010/main" Requires="a14">
+      <mc:AlternateContent xmlns:mc="http://schemas.openxmlformats.org/markup-compatibility/2006" xmlns:a14="http://schemas.microsoft.com/office/drawing/2010/main">
+        <mc:Choice Requires="a14">
           <p:sp>
             <p:nvSpPr>
               <p:cNvPr id="17" name="テキスト ボックス 16">
@@ -9563,6 +9638,7 @@
               </a:bodyPr>
               <a:lstStyle/>
               <a:p>
+                <a:pPr/>
                 <a14:m>
                   <m:oMathPara xmlns:m="http://schemas.openxmlformats.org/officeDocument/2006/math">
                     <m:oMathParaPr>
@@ -9602,7 +9678,7 @@
             </p:txBody>
           </p:sp>
         </mc:Choice>
-        <mc:Fallback>
+        <mc:Fallback xmlns="">
           <p:sp>
             <p:nvSpPr>
               <p:cNvPr id="17" name="テキスト ボックス 16">
@@ -9647,8 +9723,8 @@
           </p:sp>
         </mc:Fallback>
       </mc:AlternateContent>
-      <mc:AlternateContent xmlns:mc="http://schemas.openxmlformats.org/markup-compatibility/2006">
-        <mc:Choice xmlns:a14="http://schemas.microsoft.com/office/drawing/2010/main" Requires="a14">
+      <mc:AlternateContent xmlns:mc="http://schemas.openxmlformats.org/markup-compatibility/2006" xmlns:a14="http://schemas.microsoft.com/office/drawing/2010/main">
+        <mc:Choice Requires="a14">
           <p:sp>
             <p:nvSpPr>
               <p:cNvPr id="20" name="テキスト ボックス 19">
@@ -9677,6 +9753,7 @@
               </a:bodyPr>
               <a:lstStyle/>
               <a:p>
+                <a:pPr/>
                 <a14:m>
                   <m:oMathPara xmlns:m="http://schemas.openxmlformats.org/officeDocument/2006/math">
                     <m:oMathParaPr>
@@ -9727,7 +9804,7 @@
             </p:txBody>
           </p:sp>
         </mc:Choice>
-        <mc:Fallback>
+        <mc:Fallback xmlns="">
           <p:sp>
             <p:nvSpPr>
               <p:cNvPr id="20" name="テキスト ボックス 19">
@@ -9802,6 +9879,46 @@
           <a:chExt cx="0" cy="0"/>
         </a:xfrm>
       </p:grpSpPr>
+      <p:pic>
+        <p:nvPicPr>
+          <p:cNvPr id="3" name="図 2" descr="\documentclass{jsarticle}&#10;\usepackage{amsmath}&#10;\usepackage[T1]{fontenc}&#10;\usepackage{lmodern}&#10;\pagestyle{empty}&#10;&#10;\begin{document}&#10;%\begin{align*}&#10;%\end{align*}&#10;\begin{align*}&#10;  H &amp;= UDV^H\\&#10;    &amp;=&#10;    \begin{bmatrix}&#10;      u_1 &amp; u_2&#10;    \end{bmatrix}&#10;    \begin{bmatrix}&#10;      \sqrt{\lambda_1} &amp; 0\\&#10;      0 &amp; \sqrt{\lambda_2}&#10;    \end{bmatrix}&#10;    \begin{bmatrix}&#10;      v_1 &amp; v_2&#10;    \end{bmatrix}^H&#10;\end{align*}&#10;\end{document}" title="IguanaTex Bitmap Display">
+            <a:extLst>
+              <a:ext uri="{FF2B5EF4-FFF2-40B4-BE49-F238E27FC236}">
+                <a16:creationId xmlns:a16="http://schemas.microsoft.com/office/drawing/2014/main" id="{44F6DCE5-BB71-7598-3C22-E23721FB0051}"/>
+              </a:ext>
+            </a:extLst>
+          </p:cNvPr>
+          <p:cNvPicPr>
+            <a:picLocks noChangeAspect="1"/>
+          </p:cNvPicPr>
+          <p:nvPr>
+            <p:custDataLst>
+              <p:tags r:id="rId1"/>
+            </p:custDataLst>
+          </p:nvPr>
+        </p:nvPicPr>
+        <p:blipFill>
+          <a:blip r:embed="rId3">
+            <a:extLst>
+              <a:ext uri="{28A0092B-C50C-407E-A947-70E740481C1C}">
+                <a14:useLocalDpi xmlns:a14="http://schemas.microsoft.com/office/drawing/2010/main" val="0"/>
+              </a:ext>
+            </a:extLst>
+          </a:blip>
+          <a:stretch>
+            <a:fillRect/>
+          </a:stretch>
+        </p:blipFill>
+        <p:spPr>
+          <a:xfrm>
+            <a:off x="1197819" y="2534590"/>
+            <a:ext cx="9796361" cy="2442867"/>
+          </a:xfrm>
+          <a:prstGeom prst="rect">
+            <a:avLst/>
+          </a:prstGeom>
+        </p:spPr>
+      </p:pic>
     </p:spTree>
     <p:extLst>
       <p:ext uri="{BB962C8B-B14F-4D97-AF65-F5344CB8AC3E}">
@@ -12088,6 +12205,46 @@
   <p:tag name="LATEXADDIN" val="\documentclass{jsarticle}&#10;\usepackage{amsmath}&#10;\usepackage[T1]{fontenc}&#10;\usepackage{lmodern}&#10;\pagestyle{empty}&#10;&#10;\begin{document}&#10;%\begin{align*}&#10;%\end{align*}&#10;$u_1^H,u_2^H$&#10;\end{document}"/>
   <p:tag name="IGUANATEXSIZE" val="60"/>
   <p:tag name="IGUANATEXCURSOR" val="171"/>
+  <p:tag name="TRANSPARENCY" val="True"/>
+  <p:tag name="LATEXENGINEID" val="4"/>
+  <p:tag name="TEMPFOLDER" val="c:\temp\"/>
+  <p:tag name="LATEXFORMHEIGHT" val="320"/>
+  <p:tag name="LATEXFORMWIDTH" val="385"/>
+  <p:tag name="LATEXFORMWRAP" val="True"/>
+  <p:tag name="BITMAPVECTOR" val="0"/>
+</p:tagLst>
+</file>
+
+<file path=ppt/tags/tag21.xml><?xml version="1.0" encoding="utf-8"?>
+<p:tagLst xmlns:a="http://schemas.openxmlformats.org/drawingml/2006/main" xmlns:r="http://schemas.openxmlformats.org/officeDocument/2006/relationships" xmlns:p="http://schemas.openxmlformats.org/presentationml/2006/main">
+  <p:tag name="OUTPUTDPI" val="1200"/>
+  <p:tag name="ORIGINALHEIGHT" val="515.3219"/>
+  <p:tag name="ORIGINALWIDTH" val="2066.538"/>
+  <p:tag name="OUTPUTTYPE" val="PNG"/>
+  <p:tag name="IGUANATEXVERSION" val="160"/>
+  <p:tag name="LATEXADDIN" val="\documentclass{jsarticle}&#10;\usepackage{amsmath}&#10;\usepackage[T1]{fontenc}&#10;\usepackage{lmodern}&#10;\pagestyle{empty}&#10;&#10;\begin{document}&#10;%\begin{align*}&#10;%\end{align*}&#10;\begin{align*}&#10;  H &amp;= UDV^H\\&#10;    &amp;=&#10;    \begin{bmatrix}&#10;      u_1 &amp; u_2&#10;    \end{bmatrix}&#10;    \begin{bmatrix}&#10;      \sqrt{\lambda_1} &amp; 0\\&#10;      0 &amp; \sqrt{\lambda_2}&#10;    \end{bmatrix}&#10;    \begin{bmatrix}&#10;      v_1 &amp; v_2&#10;    \end{bmatrix}^H&#10;\end{align*}&#10;\end{document}"/>
+  <p:tag name="IGUANATEXSIZE" val="60"/>
+  <p:tag name="IGUANATEXCURSOR" val="412"/>
+  <p:tag name="TRANSPARENCY" val="True"/>
+  <p:tag name="LATEXENGINEID" val="4"/>
+  <p:tag name="TEMPFOLDER" val="c:\temp\"/>
+  <p:tag name="LATEXFORMHEIGHT" val="320"/>
+  <p:tag name="LATEXFORMWIDTH" val="385"/>
+  <p:tag name="LATEXFORMWRAP" val="True"/>
+  <p:tag name="BITMAPVECTOR" val="0"/>
+</p:tagLst>
+</file>
+
+<file path=ppt/tags/tag22.xml><?xml version="1.0" encoding="utf-8"?>
+<p:tagLst xmlns:a="http://schemas.openxmlformats.org/drawingml/2006/main" xmlns:r="http://schemas.openxmlformats.org/officeDocument/2006/relationships" xmlns:p="http://schemas.openxmlformats.org/presentationml/2006/main">
+  <p:tag name="OUTPUTDPI" val="1200"/>
+  <p:tag name="ORIGINALHEIGHT" val="116.2662"/>
+  <p:tag name="ORIGINALWIDTH" val="570.8297"/>
+  <p:tag name="OUTPUTTYPE" val="PNG"/>
+  <p:tag name="IGUANATEXVERSION" val="160"/>
+  <p:tag name="LATEXADDIN" val="\documentclass{jsarticle}&#10;\usepackage{amsmath}&#10;\usepackage[T1]{fontenc}&#10;\usepackage{lmodern}&#10;\pagestyle{empty}&#10;&#10;\begin{document}&#10;%\begin{align*}&#10;%\end{align*}&#10;\begin{align*}&#10;  G = HH^H&#10;\end{align*}&#10;&#10;\end{document}"/>
+  <p:tag name="IGUANATEXSIZE" val="60"/>
+  <p:tag name="IGUANATEXCURSOR" val="184"/>
   <p:tag name="TRANSPARENCY" val="True"/>
   <p:tag name="LATEXENGINEID" val="4"/>
   <p:tag name="TEMPFOLDER" val="c:\temp\"/>

--- a/MIMO/MU-MIMO.pptx
+++ b/MIMO/MU-MIMO.pptx
@@ -5,7 +5,7 @@
     <p:sldMasterId id="2147483648" r:id="rId1"/>
   </p:sldMasterIdLst>
   <p:notesMasterIdLst>
-    <p:notesMasterId r:id="rId12"/>
+    <p:notesMasterId r:id="rId13"/>
   </p:notesMasterIdLst>
   <p:sldIdLst>
     <p:sldId id="256" r:id="rId2"/>
@@ -13,11 +13,12 @@
     <p:sldId id="261" r:id="rId4"/>
     <p:sldId id="264" r:id="rId5"/>
     <p:sldId id="265" r:id="rId6"/>
-    <p:sldId id="262" r:id="rId7"/>
-    <p:sldId id="259" r:id="rId8"/>
-    <p:sldId id="260" r:id="rId9"/>
-    <p:sldId id="263" r:id="rId10"/>
-    <p:sldId id="266" r:id="rId11"/>
+    <p:sldId id="267" r:id="rId7"/>
+    <p:sldId id="262" r:id="rId8"/>
+    <p:sldId id="259" r:id="rId9"/>
+    <p:sldId id="260" r:id="rId10"/>
+    <p:sldId id="263" r:id="rId11"/>
+    <p:sldId id="266" r:id="rId12"/>
   </p:sldIdLst>
   <p:sldSz cx="12192000" cy="6858000"/>
   <p:notesSz cx="6858000" cy="9144000"/>
@@ -799,22 +800,7 @@
           <a:bodyPr/>
           <a:lstStyle/>
           <a:p>
-            <a:r>
-              <a:rPr kumimoji="1" lang="en-US" altLang="ja-JP" dirty="0"/>
-              <a:t>BR : </a:t>
-            </a:r>
-            <a:r>
-              <a:rPr kumimoji="1" lang="ja-JP" altLang="en-US" dirty="0"/>
-              <a:t>チャネル特性などの情報である</a:t>
-            </a:r>
-            <a:r>
-              <a:rPr kumimoji="1" lang="en-US" altLang="ja-JP" dirty="0"/>
-              <a:t>CSI</a:t>
-            </a:r>
-            <a:r>
-              <a:rPr kumimoji="1" lang="ja-JP" altLang="en-US" dirty="0"/>
-              <a:t>をフィードバック</a:t>
-            </a:r>
+            <a:endParaRPr kumimoji="1" lang="ja-JP" altLang="en-US" dirty="0"/>
           </a:p>
         </p:txBody>
       </p:sp>
@@ -835,7 +821,106 @@
           <a:p>
             <a:fld id="{DC2831F3-BB68-44E4-A072-5829AC2F76F5}" type="slidenum">
               <a:rPr kumimoji="1" lang="ja-JP" altLang="en-US" smtClean="0"/>
-              <a:t>7</a:t>
+              <a:t>4</a:t>
+            </a:fld>
+            <a:endParaRPr kumimoji="1" lang="ja-JP" altLang="en-US"/>
+          </a:p>
+        </p:txBody>
+      </p:sp>
+    </p:spTree>
+    <p:extLst>
+      <p:ext uri="{BB962C8B-B14F-4D97-AF65-F5344CB8AC3E}">
+        <p14:creationId xmlns:p14="http://schemas.microsoft.com/office/powerpoint/2010/main" val="1159282025"/>
+      </p:ext>
+    </p:extLst>
+  </p:cSld>
+  <p:clrMapOvr>
+    <a:masterClrMapping/>
+  </p:clrMapOvr>
+</p:notes>
+</file>
+
+<file path=ppt/notesSlides/notesSlide4.xml><?xml version="1.0" encoding="utf-8"?>
+<p:notes xmlns:a="http://schemas.openxmlformats.org/drawingml/2006/main" xmlns:r="http://schemas.openxmlformats.org/officeDocument/2006/relationships" xmlns:p="http://schemas.openxmlformats.org/presentationml/2006/main">
+  <p:cSld>
+    <p:spTree>
+      <p:nvGrpSpPr>
+        <p:cNvPr id="1" name=""/>
+        <p:cNvGrpSpPr/>
+        <p:nvPr/>
+      </p:nvGrpSpPr>
+      <p:grpSpPr>
+        <a:xfrm>
+          <a:off x="0" y="0"/>
+          <a:ext cx="0" cy="0"/>
+          <a:chOff x="0" y="0"/>
+          <a:chExt cx="0" cy="0"/>
+        </a:xfrm>
+      </p:grpSpPr>
+      <p:sp>
+        <p:nvSpPr>
+          <p:cNvPr id="2" name="スライド イメージ プレースホルダー 1"/>
+          <p:cNvSpPr>
+            <a:spLocks noGrp="1" noRot="1" noChangeAspect="1"/>
+          </p:cNvSpPr>
+          <p:nvPr>
+            <p:ph type="sldImg"/>
+          </p:nvPr>
+        </p:nvSpPr>
+        <p:spPr/>
+      </p:sp>
+      <p:sp>
+        <p:nvSpPr>
+          <p:cNvPr id="3" name="ノート プレースホルダー 2"/>
+          <p:cNvSpPr>
+            <a:spLocks noGrp="1"/>
+          </p:cNvSpPr>
+          <p:nvPr>
+            <p:ph type="body" idx="1"/>
+          </p:nvPr>
+        </p:nvSpPr>
+        <p:spPr/>
+        <p:txBody>
+          <a:bodyPr/>
+          <a:lstStyle/>
+          <a:p>
+            <a:r>
+              <a:rPr kumimoji="1" lang="en-US" altLang="ja-JP" dirty="0"/>
+              <a:t>BR : </a:t>
+            </a:r>
+            <a:r>
+              <a:rPr kumimoji="1" lang="ja-JP" altLang="en-US" dirty="0"/>
+              <a:t>チャネル特性などの情報である</a:t>
+            </a:r>
+            <a:r>
+              <a:rPr kumimoji="1" lang="en-US" altLang="ja-JP" dirty="0"/>
+              <a:t>CSI</a:t>
+            </a:r>
+            <a:r>
+              <a:rPr kumimoji="1" lang="ja-JP" altLang="en-US" dirty="0"/>
+              <a:t>をフィードバック</a:t>
+            </a:r>
+          </a:p>
+        </p:txBody>
+      </p:sp>
+      <p:sp>
+        <p:nvSpPr>
+          <p:cNvPr id="4" name="スライド番号プレースホルダー 3"/>
+          <p:cNvSpPr>
+            <a:spLocks noGrp="1"/>
+          </p:cNvSpPr>
+          <p:nvPr>
+            <p:ph type="sldNum" sz="quarter" idx="5"/>
+          </p:nvPr>
+        </p:nvSpPr>
+        <p:spPr/>
+        <p:txBody>
+          <a:bodyPr/>
+          <a:lstStyle/>
+          <a:p>
+            <a:fld id="{DC2831F3-BB68-44E4-A072-5829AC2F76F5}" type="slidenum">
+              <a:rPr kumimoji="1" lang="ja-JP" altLang="en-US" smtClean="0"/>
+              <a:t>8</a:t>
             </a:fld>
             <a:endParaRPr kumimoji="1" lang="ja-JP" altLang="en-US"/>
           </a:p>
@@ -4477,6 +4562,204 @@
           <a:chExt cx="0" cy="0"/>
         </a:xfrm>
       </p:grpSpPr>
+      <p:sp>
+        <p:nvSpPr>
+          <p:cNvPr id="5" name="テキスト ボックス 4">
+            <a:extLst>
+              <a:ext uri="{FF2B5EF4-FFF2-40B4-BE49-F238E27FC236}">
+                <a16:creationId xmlns:a16="http://schemas.microsoft.com/office/drawing/2014/main" id="{EBB340E6-4AED-CB3C-4DB0-0383FFA20E24}"/>
+              </a:ext>
+            </a:extLst>
+          </p:cNvPr>
+          <p:cNvSpPr txBox="1"/>
+          <p:nvPr/>
+        </p:nvSpPr>
+        <p:spPr>
+          <a:xfrm>
+            <a:off x="466683" y="1088976"/>
+            <a:ext cx="2312236" cy="646331"/>
+          </a:xfrm>
+          <a:prstGeom prst="rect">
+            <a:avLst/>
+          </a:prstGeom>
+          <a:noFill/>
+        </p:spPr>
+        <p:txBody>
+          <a:bodyPr wrap="square" rtlCol="0">
+            <a:spAutoFit/>
+          </a:bodyPr>
+          <a:lstStyle/>
+          <a:p>
+            <a:r>
+              <a:rPr lang="ja-JP" altLang="en-US" sz="3600" b="1" dirty="0">
+                <a:latin typeface="BIZ UDPゴシック" panose="020B0400000000000000" pitchFamily="50" charset="-128"/>
+                <a:ea typeface="BIZ UDPゴシック" panose="020B0400000000000000" pitchFamily="50" charset="-128"/>
+              </a:rPr>
+              <a:t>デメリット</a:t>
+            </a:r>
+            <a:endParaRPr kumimoji="1" lang="ja-JP" altLang="en-US" sz="3600" b="1" dirty="0">
+              <a:latin typeface="BIZ UDPゴシック" panose="020B0400000000000000" pitchFamily="50" charset="-128"/>
+              <a:ea typeface="BIZ UDPゴシック" panose="020B0400000000000000" pitchFamily="50" charset="-128"/>
+            </a:endParaRPr>
+          </a:p>
+        </p:txBody>
+      </p:sp>
+      <p:sp>
+        <p:nvSpPr>
+          <p:cNvPr id="6" name="テキスト ボックス 5">
+            <a:extLst>
+              <a:ext uri="{FF2B5EF4-FFF2-40B4-BE49-F238E27FC236}">
+                <a16:creationId xmlns:a16="http://schemas.microsoft.com/office/drawing/2014/main" id="{853707C1-A7BF-09CF-4FC0-75B384D78E97}"/>
+              </a:ext>
+            </a:extLst>
+          </p:cNvPr>
+          <p:cNvSpPr txBox="1"/>
+          <p:nvPr/>
+        </p:nvSpPr>
+        <p:spPr>
+          <a:xfrm>
+            <a:off x="1045368" y="2644170"/>
+            <a:ext cx="10101263" cy="1569660"/>
+          </a:xfrm>
+          <a:prstGeom prst="rect">
+            <a:avLst/>
+          </a:prstGeom>
+          <a:noFill/>
+        </p:spPr>
+        <p:txBody>
+          <a:bodyPr wrap="square" rtlCol="0">
+            <a:spAutoFit/>
+          </a:bodyPr>
+          <a:lstStyle/>
+          <a:p>
+            <a:r>
+              <a:rPr kumimoji="1" lang="ja-JP" altLang="en-US" sz="3200" dirty="0">
+                <a:latin typeface="BIZ UDPゴシック" panose="020B0400000000000000" pitchFamily="50" charset="-128"/>
+                <a:ea typeface="BIZ UDPゴシック" panose="020B0400000000000000" pitchFamily="50" charset="-128"/>
+              </a:rPr>
+              <a:t>ユーザが増えるとすべてのユーザに対してチャネル推定の手順を繰り返し実施し</a:t>
+            </a:r>
+            <a:r>
+              <a:rPr kumimoji="1" lang="en-US" altLang="ja-JP" sz="3200" dirty="0">
+                <a:latin typeface="BIZ UDPゴシック" panose="020B0400000000000000" pitchFamily="50" charset="-128"/>
+                <a:ea typeface="BIZ UDPゴシック" panose="020B0400000000000000" pitchFamily="50" charset="-128"/>
+              </a:rPr>
+              <a:t>,</a:t>
+            </a:r>
+            <a:r>
+              <a:rPr kumimoji="1" lang="ja-JP" altLang="en-US" sz="3200" dirty="0">
+                <a:latin typeface="BIZ UDPゴシック" panose="020B0400000000000000" pitchFamily="50" charset="-128"/>
+                <a:ea typeface="BIZ UDPゴシック" panose="020B0400000000000000" pitchFamily="50" charset="-128"/>
+              </a:rPr>
+              <a:t>多重伝送可能なユーザを選定</a:t>
+            </a:r>
+            <a:r>
+              <a:rPr lang="ja-JP" altLang="en-US" sz="3200" dirty="0">
+                <a:latin typeface="BIZ UDPゴシック" panose="020B0400000000000000" pitchFamily="50" charset="-128"/>
+                <a:ea typeface="BIZ UDPゴシック" panose="020B0400000000000000" pitchFamily="50" charset="-128"/>
+              </a:rPr>
+              <a:t>しなければならず</a:t>
+            </a:r>
+            <a:r>
+              <a:rPr lang="en-US" altLang="ja-JP" sz="3200" dirty="0">
+                <a:latin typeface="BIZ UDPゴシック" panose="020B0400000000000000" pitchFamily="50" charset="-128"/>
+                <a:ea typeface="BIZ UDPゴシック" panose="020B0400000000000000" pitchFamily="50" charset="-128"/>
+              </a:rPr>
+              <a:t>,</a:t>
+            </a:r>
+            <a:r>
+              <a:rPr lang="ja-JP" altLang="en-US" sz="3200" dirty="0">
+                <a:latin typeface="BIZ UDPゴシック" panose="020B0400000000000000" pitchFamily="50" charset="-128"/>
+                <a:ea typeface="BIZ UDPゴシック" panose="020B0400000000000000" pitchFamily="50" charset="-128"/>
+              </a:rPr>
+              <a:t>大きなオーバーヘッドとなる</a:t>
+            </a:r>
+            <a:r>
+              <a:rPr lang="en-US" altLang="ja-JP" sz="3200" dirty="0">
+                <a:latin typeface="BIZ UDPゴシック" panose="020B0400000000000000" pitchFamily="50" charset="-128"/>
+                <a:ea typeface="BIZ UDPゴシック" panose="020B0400000000000000" pitchFamily="50" charset="-128"/>
+              </a:rPr>
+              <a:t>.</a:t>
+            </a:r>
+            <a:endParaRPr kumimoji="1" lang="ja-JP" altLang="en-US" sz="3200" dirty="0">
+              <a:latin typeface="BIZ UDPゴシック" panose="020B0400000000000000" pitchFamily="50" charset="-128"/>
+              <a:ea typeface="BIZ UDPゴシック" panose="020B0400000000000000" pitchFamily="50" charset="-128"/>
+            </a:endParaRPr>
+          </a:p>
+        </p:txBody>
+      </p:sp>
+      <p:sp>
+        <p:nvSpPr>
+          <p:cNvPr id="2" name="テキスト ボックス 1">
+            <a:extLst>
+              <a:ext uri="{FF2B5EF4-FFF2-40B4-BE49-F238E27FC236}">
+                <a16:creationId xmlns:a16="http://schemas.microsoft.com/office/drawing/2014/main" id="{F27CA28B-6209-97D7-9437-3FEA7FF49FDF}"/>
+              </a:ext>
+            </a:extLst>
+          </p:cNvPr>
+          <p:cNvSpPr txBox="1"/>
+          <p:nvPr/>
+        </p:nvSpPr>
+        <p:spPr>
+          <a:xfrm>
+            <a:off x="14245" y="213451"/>
+            <a:ext cx="12615488" cy="646331"/>
+          </a:xfrm>
+          <a:prstGeom prst="rect">
+            <a:avLst/>
+          </a:prstGeom>
+          <a:noFill/>
+        </p:spPr>
+        <p:txBody>
+          <a:bodyPr wrap="square" rtlCol="0">
+            <a:spAutoFit/>
+          </a:bodyPr>
+          <a:lstStyle/>
+          <a:p>
+            <a:r>
+              <a:rPr kumimoji="1" lang="en-US" altLang="ja-JP" sz="3600" b="1" dirty="0">
+                <a:latin typeface="BIZ UDPゴシック" panose="020B0400000000000000" pitchFamily="50" charset="-128"/>
+                <a:ea typeface="BIZ UDPゴシック" panose="020B0400000000000000" pitchFamily="50" charset="-128"/>
+              </a:rPr>
+              <a:t>CSI (Channel State Information) Feedback</a:t>
+            </a:r>
+            <a:endParaRPr kumimoji="1" lang="ja-JP" altLang="en-US" sz="3600" b="1" dirty="0">
+              <a:latin typeface="BIZ UDPゴシック" panose="020B0400000000000000" pitchFamily="50" charset="-128"/>
+              <a:ea typeface="BIZ UDPゴシック" panose="020B0400000000000000" pitchFamily="50" charset="-128"/>
+            </a:endParaRPr>
+          </a:p>
+        </p:txBody>
+      </p:sp>
+    </p:spTree>
+    <p:extLst>
+      <p:ext uri="{BB962C8B-B14F-4D97-AF65-F5344CB8AC3E}">
+        <p14:creationId xmlns:p14="http://schemas.microsoft.com/office/powerpoint/2010/main" val="3975280355"/>
+      </p:ext>
+    </p:extLst>
+  </p:cSld>
+  <p:clrMapOvr>
+    <a:masterClrMapping/>
+  </p:clrMapOvr>
+</p:sld>
+</file>
+
+<file path=ppt/slides/slide11.xml><?xml version="1.0" encoding="utf-8"?>
+<p:sld xmlns:a="http://schemas.openxmlformats.org/drawingml/2006/main" xmlns:r="http://schemas.openxmlformats.org/officeDocument/2006/relationships" xmlns:p="http://schemas.openxmlformats.org/presentationml/2006/main">
+  <p:cSld>
+    <p:spTree>
+      <p:nvGrpSpPr>
+        <p:cNvPr id="1" name=""/>
+        <p:cNvGrpSpPr/>
+        <p:nvPr/>
+      </p:nvGrpSpPr>
+      <p:grpSpPr>
+        <a:xfrm>
+          <a:off x="0" y="0"/>
+          <a:ext cx="0" cy="0"/>
+          <a:chOff x="0" y="0"/>
+          <a:chExt cx="0" cy="0"/>
+        </a:xfrm>
+      </p:grpSpPr>
       <p:pic>
         <p:nvPicPr>
           <p:cNvPr id="4" name="図 3" descr="\documentclass{jsarticle}&#10;\usepackage{amsmath}&#10;\usepackage[T1]{fontenc}&#10;\usepackage{lmodern}&#10;\pagestyle{empty}&#10;&#10;\begin{document}&#10;%\begin{align*}&#10;%\end{align*}&#10;\begin{align*}&#10;  G = HH^H&#10;\end{align*}&#10;&#10;\end{document}" title="IguanaTex Bitmap Display">
@@ -4496,7 +4779,7 @@
           </p:nvPr>
         </p:nvPicPr>
         <p:blipFill>
-          <a:blip r:embed="rId3">
+          <a:blip r:embed="rId5">
             <a:extLst>
               <a:ext uri="{28A0092B-C50C-407E-A947-70E740481C1C}">
                 <a14:useLocalDpi xmlns:a14="http://schemas.microsoft.com/office/drawing/2010/main" val="0"/>
@@ -4517,6 +4800,1017 @@
           </a:prstGeom>
         </p:spPr>
       </p:pic>
+      <p:grpSp>
+        <p:nvGrpSpPr>
+          <p:cNvPr id="3" name="グループ化 2">
+            <a:extLst>
+              <a:ext uri="{FF2B5EF4-FFF2-40B4-BE49-F238E27FC236}">
+                <a16:creationId xmlns:a16="http://schemas.microsoft.com/office/drawing/2014/main" id="{4A9FB09C-1EA0-4FAD-8A50-FB0F971A4587}"/>
+              </a:ext>
+            </a:extLst>
+          </p:cNvPr>
+          <p:cNvGrpSpPr/>
+          <p:nvPr/>
+        </p:nvGrpSpPr>
+        <p:grpSpPr>
+          <a:xfrm>
+            <a:off x="2363007" y="3609085"/>
+            <a:ext cx="7890653" cy="2936045"/>
+            <a:chOff x="2363007" y="3609085"/>
+            <a:chExt cx="7890653" cy="2936045"/>
+          </a:xfrm>
+        </p:grpSpPr>
+        <p:grpSp>
+          <p:nvGrpSpPr>
+            <p:cNvPr id="5" name="グループ化 4">
+              <a:extLst>
+                <a:ext uri="{FF2B5EF4-FFF2-40B4-BE49-F238E27FC236}">
+                  <a16:creationId xmlns:a16="http://schemas.microsoft.com/office/drawing/2014/main" id="{C40D732A-2D6E-497B-8584-AC1950849FC8}"/>
+                </a:ext>
+              </a:extLst>
+            </p:cNvPr>
+            <p:cNvGrpSpPr/>
+            <p:nvPr/>
+          </p:nvGrpSpPr>
+          <p:grpSpPr>
+            <a:xfrm>
+              <a:off x="2363007" y="3795440"/>
+              <a:ext cx="2308198" cy="2130986"/>
+              <a:chOff x="2620183" y="4236243"/>
+              <a:chExt cx="2308198" cy="2130986"/>
+            </a:xfrm>
+          </p:grpSpPr>
+          <p:pic>
+            <p:nvPicPr>
+              <p:cNvPr id="26" name="グラフィックス 25">
+                <a:extLst>
+                  <a:ext uri="{FF2B5EF4-FFF2-40B4-BE49-F238E27FC236}">
+                    <a16:creationId xmlns:a16="http://schemas.microsoft.com/office/drawing/2014/main" id="{3666C4FE-4BBA-4F13-B240-9C81AA476C1B}"/>
+                  </a:ext>
+                </a:extLst>
+              </p:cNvPr>
+              <p:cNvPicPr>
+                <a:picLocks noChangeAspect="1"/>
+              </p:cNvPicPr>
+              <p:nvPr/>
+            </p:nvPicPr>
+            <p:blipFill>
+              <a:blip r:embed="rId6">
+                <a:extLst>
+                  <a:ext uri="{28A0092B-C50C-407E-A947-70E740481C1C}">
+                    <a14:useLocalDpi xmlns:a14="http://schemas.microsoft.com/office/drawing/2010/main" val="0"/>
+                  </a:ext>
+                  <a:ext uri="{96DAC541-7B7A-43D3-8B79-37D633B846F1}">
+                    <asvg:svgBlip xmlns:asvg="http://schemas.microsoft.com/office/drawing/2016/SVG/main" r:embed="rId7"/>
+                  </a:ext>
+                </a:extLst>
+              </a:blip>
+              <a:stretch>
+                <a:fillRect/>
+              </a:stretch>
+            </p:blipFill>
+            <p:spPr>
+              <a:xfrm>
+                <a:off x="2620183" y="4236243"/>
+                <a:ext cx="2308198" cy="2130986"/>
+              </a:xfrm>
+              <a:prstGeom prst="rect">
+                <a:avLst/>
+              </a:prstGeom>
+            </p:spPr>
+          </p:pic>
+          <p:sp>
+            <p:nvSpPr>
+              <p:cNvPr id="27" name="テキスト ボックス 26">
+                <a:extLst>
+                  <a:ext uri="{FF2B5EF4-FFF2-40B4-BE49-F238E27FC236}">
+                    <a16:creationId xmlns:a16="http://schemas.microsoft.com/office/drawing/2014/main" id="{3B0EF945-2CE6-410D-9796-A063E7459535}"/>
+                  </a:ext>
+                </a:extLst>
+              </p:cNvPr>
+              <p:cNvSpPr txBox="1"/>
+              <p:nvPr/>
+            </p:nvSpPr>
+            <p:spPr>
+              <a:xfrm>
+                <a:off x="3705552" y="4609238"/>
+                <a:ext cx="492443" cy="1384995"/>
+              </a:xfrm>
+              <a:prstGeom prst="rect">
+                <a:avLst/>
+              </a:prstGeom>
+              <a:noFill/>
+            </p:spPr>
+            <p:txBody>
+              <a:bodyPr vert="eaVert" wrap="square" rtlCol="0">
+                <a:spAutoFit/>
+              </a:bodyPr>
+              <a:lstStyle/>
+              <a:p>
+                <a:pPr algn="ctr"/>
+                <a:r>
+                  <a:rPr lang="ja-JP" altLang="en-US" sz="2000" dirty="0">
+                    <a:latin typeface="BIZ UDPゴシック" panose="020B0400000000000000" pitchFamily="50" charset="-128"/>
+                    <a:ea typeface="BIZ UDPゴシック" panose="020B0400000000000000" pitchFamily="50" charset="-128"/>
+                  </a:rPr>
+                  <a:t>指向性制御</a:t>
+                </a:r>
+                <a:endParaRPr kumimoji="1" lang="ja-JP" altLang="en-US" sz="2000" dirty="0">
+                  <a:latin typeface="BIZ UDPゴシック" panose="020B0400000000000000" pitchFamily="50" charset="-128"/>
+                  <a:ea typeface="BIZ UDPゴシック" panose="020B0400000000000000" pitchFamily="50" charset="-128"/>
+                </a:endParaRPr>
+              </a:p>
+            </p:txBody>
+          </p:sp>
+          <p:sp>
+            <p:nvSpPr>
+              <p:cNvPr id="28" name="テキスト ボックス 27">
+                <a:extLst>
+                  <a:ext uri="{FF2B5EF4-FFF2-40B4-BE49-F238E27FC236}">
+                    <a16:creationId xmlns:a16="http://schemas.microsoft.com/office/drawing/2014/main" id="{528BB4A8-266E-4C50-A200-75C0862CAC20}"/>
+                  </a:ext>
+                </a:extLst>
+              </p:cNvPr>
+              <p:cNvSpPr txBox="1"/>
+              <p:nvPr/>
+            </p:nvSpPr>
+            <p:spPr>
+              <a:xfrm>
+                <a:off x="2620206" y="4609238"/>
+                <a:ext cx="492443" cy="1384995"/>
+              </a:xfrm>
+              <a:prstGeom prst="rect">
+                <a:avLst/>
+              </a:prstGeom>
+              <a:noFill/>
+            </p:spPr>
+            <p:txBody>
+              <a:bodyPr vert="eaVert" wrap="square" rtlCol="0">
+                <a:spAutoFit/>
+              </a:bodyPr>
+              <a:lstStyle/>
+              <a:p>
+                <a:pPr algn="ctr"/>
+                <a:r>
+                  <a:rPr kumimoji="1" lang="ja-JP" altLang="en-US" sz="2000" dirty="0">
+                    <a:latin typeface="BIZ UDPゴシック" panose="020B0400000000000000" pitchFamily="50" charset="-128"/>
+                    <a:ea typeface="BIZ UDPゴシック" panose="020B0400000000000000" pitchFamily="50" charset="-128"/>
+                  </a:rPr>
+                  <a:t>送信</a:t>
+                </a:r>
+              </a:p>
+            </p:txBody>
+          </p:sp>
+        </p:grpSp>
+        <p:grpSp>
+          <p:nvGrpSpPr>
+            <p:cNvPr id="6" name="グループ化 5">
+              <a:extLst>
+                <a:ext uri="{FF2B5EF4-FFF2-40B4-BE49-F238E27FC236}">
+                  <a16:creationId xmlns:a16="http://schemas.microsoft.com/office/drawing/2014/main" id="{3F7B6FBC-B4E7-450F-91EB-6B356C44C551}"/>
+                </a:ext>
+              </a:extLst>
+            </p:cNvPr>
+            <p:cNvGrpSpPr/>
+            <p:nvPr/>
+          </p:nvGrpSpPr>
+          <p:grpSpPr>
+            <a:xfrm>
+              <a:off x="8723305" y="4443401"/>
+              <a:ext cx="1530355" cy="1483025"/>
+              <a:chOff x="8280393" y="4829174"/>
+              <a:chExt cx="1530355" cy="1483025"/>
+            </a:xfrm>
+          </p:grpSpPr>
+          <p:pic>
+            <p:nvPicPr>
+              <p:cNvPr id="24" name="グラフィックス 23">
+                <a:extLst>
+                  <a:ext uri="{FF2B5EF4-FFF2-40B4-BE49-F238E27FC236}">
+                    <a16:creationId xmlns:a16="http://schemas.microsoft.com/office/drawing/2014/main" id="{D3A22500-3485-418A-9DDB-3D8B44670935}"/>
+                  </a:ext>
+                </a:extLst>
+              </p:cNvPr>
+              <p:cNvPicPr>
+                <a:picLocks noChangeAspect="1"/>
+              </p:cNvPicPr>
+              <p:nvPr/>
+            </p:nvPicPr>
+            <p:blipFill>
+              <a:blip r:embed="rId8">
+                <a:extLst>
+                  <a:ext uri="{28A0092B-C50C-407E-A947-70E740481C1C}">
+                    <a14:useLocalDpi xmlns:a14="http://schemas.microsoft.com/office/drawing/2010/main" val="0"/>
+                  </a:ext>
+                  <a:ext uri="{96DAC541-7B7A-43D3-8B79-37D633B846F1}">
+                    <asvg:svgBlip xmlns:asvg="http://schemas.microsoft.com/office/drawing/2016/SVG/main" r:embed="rId9"/>
+                  </a:ext>
+                </a:extLst>
+              </a:blip>
+              <a:stretch>
+                <a:fillRect/>
+              </a:stretch>
+            </p:blipFill>
+            <p:spPr>
+              <a:xfrm>
+                <a:off x="8280393" y="4829174"/>
+                <a:ext cx="1530355" cy="1483025"/>
+              </a:xfrm>
+              <a:prstGeom prst="rect">
+                <a:avLst/>
+              </a:prstGeom>
+            </p:spPr>
+          </p:pic>
+          <p:sp>
+            <p:nvSpPr>
+              <p:cNvPr id="25" name="テキスト ボックス 24">
+                <a:extLst>
+                  <a:ext uri="{FF2B5EF4-FFF2-40B4-BE49-F238E27FC236}">
+                    <a16:creationId xmlns:a16="http://schemas.microsoft.com/office/drawing/2014/main" id="{E1163A13-AE2C-4AAA-9B60-44D4E8BD061D}"/>
+                  </a:ext>
+                </a:extLst>
+              </p:cNvPr>
+              <p:cNvSpPr txBox="1"/>
+              <p:nvPr/>
+            </p:nvSpPr>
+            <p:spPr>
+              <a:xfrm>
+                <a:off x="9216287" y="4884340"/>
+                <a:ext cx="492443" cy="1384995"/>
+              </a:xfrm>
+              <a:prstGeom prst="rect">
+                <a:avLst/>
+              </a:prstGeom>
+              <a:noFill/>
+            </p:spPr>
+            <p:txBody>
+              <a:bodyPr vert="eaVert" wrap="square" rtlCol="0">
+                <a:spAutoFit/>
+              </a:bodyPr>
+              <a:lstStyle/>
+              <a:p>
+                <a:pPr algn="ctr"/>
+                <a:r>
+                  <a:rPr lang="ja-JP" altLang="en-US" sz="2000" dirty="0">
+                    <a:latin typeface="BIZ UDPゴシック" panose="020B0400000000000000" pitchFamily="50" charset="-128"/>
+                    <a:ea typeface="BIZ UDPゴシック" panose="020B0400000000000000" pitchFamily="50" charset="-128"/>
+                  </a:rPr>
+                  <a:t>受信</a:t>
+                </a:r>
+                <a:endParaRPr kumimoji="1" lang="ja-JP" altLang="en-US" sz="2000" dirty="0">
+                  <a:latin typeface="BIZ UDPゴシック" panose="020B0400000000000000" pitchFamily="50" charset="-128"/>
+                  <a:ea typeface="BIZ UDPゴシック" panose="020B0400000000000000" pitchFamily="50" charset="-128"/>
+                </a:endParaRPr>
+              </a:p>
+            </p:txBody>
+          </p:sp>
+        </p:grpSp>
+        <p:cxnSp>
+          <p:nvCxnSpPr>
+            <p:cNvPr id="7" name="直線コネクタ 6">
+              <a:extLst>
+                <a:ext uri="{FF2B5EF4-FFF2-40B4-BE49-F238E27FC236}">
+                  <a16:creationId xmlns:a16="http://schemas.microsoft.com/office/drawing/2014/main" id="{D172BF49-52BD-489E-B44C-816EBCEC0EDF}"/>
+                </a:ext>
+              </a:extLst>
+            </p:cNvPr>
+            <p:cNvCxnSpPr>
+              <a:cxnSpLocks/>
+            </p:cNvCxnSpPr>
+            <p:nvPr/>
+          </p:nvCxnSpPr>
+          <p:spPr>
+            <a:xfrm flipV="1">
+              <a:off x="5106086" y="3609085"/>
+              <a:ext cx="1762120" cy="316649"/>
+            </a:xfrm>
+            <a:prstGeom prst="line">
+              <a:avLst/>
+            </a:prstGeom>
+            <a:ln w="12700">
+              <a:prstDash val="lgDashDot"/>
+            </a:ln>
+          </p:spPr>
+          <p:style>
+            <a:lnRef idx="1">
+              <a:schemeClr val="accent1"/>
+            </a:lnRef>
+            <a:fillRef idx="0">
+              <a:schemeClr val="accent1"/>
+            </a:fillRef>
+            <a:effectRef idx="0">
+              <a:schemeClr val="accent1"/>
+            </a:effectRef>
+            <a:fontRef idx="minor">
+              <a:schemeClr val="tx1"/>
+            </a:fontRef>
+          </p:style>
+        </p:cxnSp>
+        <p:cxnSp>
+          <p:nvCxnSpPr>
+            <p:cNvPr id="8" name="直線矢印コネクタ 7">
+              <a:extLst>
+                <a:ext uri="{FF2B5EF4-FFF2-40B4-BE49-F238E27FC236}">
+                  <a16:creationId xmlns:a16="http://schemas.microsoft.com/office/drawing/2014/main" id="{20628C72-026E-4206-AA22-A12B90A42556}"/>
+                </a:ext>
+              </a:extLst>
+            </p:cNvPr>
+            <p:cNvCxnSpPr>
+              <a:cxnSpLocks/>
+            </p:cNvCxnSpPr>
+            <p:nvPr/>
+          </p:nvCxnSpPr>
+          <p:spPr>
+            <a:xfrm>
+              <a:off x="6892772" y="3609086"/>
+              <a:ext cx="1765578" cy="787065"/>
+            </a:xfrm>
+            <a:prstGeom prst="straightConnector1">
+              <a:avLst/>
+            </a:prstGeom>
+            <a:ln w="12700">
+              <a:prstDash val="lgDashDot"/>
+              <a:tailEnd type="triangle"/>
+            </a:ln>
+          </p:spPr>
+          <p:style>
+            <a:lnRef idx="1">
+              <a:schemeClr val="accent1"/>
+            </a:lnRef>
+            <a:fillRef idx="0">
+              <a:schemeClr val="accent1"/>
+            </a:fillRef>
+            <a:effectRef idx="0">
+              <a:schemeClr val="accent1"/>
+            </a:effectRef>
+            <a:fontRef idx="minor">
+              <a:schemeClr val="tx1"/>
+            </a:fontRef>
+          </p:style>
+        </p:cxnSp>
+        <p:cxnSp>
+          <p:nvCxnSpPr>
+            <p:cNvPr id="9" name="直線コネクタ 8">
+              <a:extLst>
+                <a:ext uri="{FF2B5EF4-FFF2-40B4-BE49-F238E27FC236}">
+                  <a16:creationId xmlns:a16="http://schemas.microsoft.com/office/drawing/2014/main" id="{DB001F52-92C6-4744-B5DF-26E885A3E88A}"/>
+                </a:ext>
+              </a:extLst>
+            </p:cNvPr>
+            <p:cNvCxnSpPr>
+              <a:cxnSpLocks/>
+            </p:cNvCxnSpPr>
+            <p:nvPr/>
+          </p:nvCxnSpPr>
+          <p:spPr>
+            <a:xfrm>
+              <a:off x="5061931" y="5439374"/>
+              <a:ext cx="1917512" cy="471697"/>
+            </a:xfrm>
+            <a:prstGeom prst="line">
+              <a:avLst/>
+            </a:prstGeom>
+            <a:ln w="12700">
+              <a:prstDash val="sysDash"/>
+            </a:ln>
+          </p:spPr>
+          <p:style>
+            <a:lnRef idx="1">
+              <a:schemeClr val="accent1"/>
+            </a:lnRef>
+            <a:fillRef idx="0">
+              <a:schemeClr val="accent1"/>
+            </a:fillRef>
+            <a:effectRef idx="0">
+              <a:schemeClr val="accent1"/>
+            </a:effectRef>
+            <a:fontRef idx="minor">
+              <a:schemeClr val="tx1"/>
+            </a:fontRef>
+          </p:style>
+        </p:cxnSp>
+        <p:cxnSp>
+          <p:nvCxnSpPr>
+            <p:cNvPr id="10" name="直線矢印コネクタ 9">
+              <a:extLst>
+                <a:ext uri="{FF2B5EF4-FFF2-40B4-BE49-F238E27FC236}">
+                  <a16:creationId xmlns:a16="http://schemas.microsoft.com/office/drawing/2014/main" id="{728D04AD-01C0-4F11-87E8-D6A41F6D7517}"/>
+                </a:ext>
+              </a:extLst>
+            </p:cNvPr>
+            <p:cNvCxnSpPr>
+              <a:cxnSpLocks/>
+            </p:cNvCxnSpPr>
+            <p:nvPr/>
+          </p:nvCxnSpPr>
+          <p:spPr>
+            <a:xfrm>
+              <a:off x="5229341" y="4647394"/>
+              <a:ext cx="3070360" cy="213538"/>
+            </a:xfrm>
+            <a:prstGeom prst="straightConnector1">
+              <a:avLst/>
+            </a:prstGeom>
+            <a:ln w="57150">
+              <a:tailEnd type="triangle"/>
+            </a:ln>
+          </p:spPr>
+          <p:style>
+            <a:lnRef idx="1">
+              <a:schemeClr val="accent1"/>
+            </a:lnRef>
+            <a:fillRef idx="0">
+              <a:schemeClr val="accent1"/>
+            </a:fillRef>
+            <a:effectRef idx="0">
+              <a:schemeClr val="accent1"/>
+            </a:effectRef>
+            <a:fontRef idx="minor">
+              <a:schemeClr val="tx1"/>
+            </a:fontRef>
+          </p:style>
+        </p:cxnSp>
+        <p:sp>
+          <p:nvSpPr>
+            <p:cNvPr id="11" name="楕円 10">
+              <a:extLst>
+                <a:ext uri="{FF2B5EF4-FFF2-40B4-BE49-F238E27FC236}">
+                  <a16:creationId xmlns:a16="http://schemas.microsoft.com/office/drawing/2014/main" id="{ED36B9A5-B1EA-4C5E-90BD-25B956B774CC}"/>
+                </a:ext>
+              </a:extLst>
+            </p:cNvPr>
+            <p:cNvSpPr/>
+            <p:nvPr/>
+          </p:nvSpPr>
+          <p:spPr>
+            <a:xfrm rot="16446304">
+              <a:off x="5077920" y="4192282"/>
+              <a:ext cx="263574" cy="875267"/>
+            </a:xfrm>
+            <a:prstGeom prst="ellipse">
+              <a:avLst/>
+            </a:prstGeom>
+            <a:noFill/>
+            <a:ln w="28575">
+              <a:solidFill>
+                <a:schemeClr val="accent1"/>
+              </a:solidFill>
+            </a:ln>
+          </p:spPr>
+          <p:style>
+            <a:lnRef idx="2">
+              <a:schemeClr val="accent1">
+                <a:shade val="15000"/>
+              </a:schemeClr>
+            </a:lnRef>
+            <a:fillRef idx="1">
+              <a:schemeClr val="accent1"/>
+            </a:fillRef>
+            <a:effectRef idx="0">
+              <a:schemeClr val="accent1"/>
+            </a:effectRef>
+            <a:fontRef idx="minor">
+              <a:schemeClr val="lt1"/>
+            </a:fontRef>
+          </p:style>
+          <p:txBody>
+            <a:bodyPr rtlCol="0" anchor="ctr"/>
+            <a:lstStyle/>
+            <a:p>
+              <a:pPr algn="ctr"/>
+              <a:endParaRPr kumimoji="1" lang="ja-JP" altLang="en-US"/>
+            </a:p>
+          </p:txBody>
+        </p:sp>
+        <p:sp>
+          <p:nvSpPr>
+            <p:cNvPr id="12" name="楕円 11">
+              <a:extLst>
+                <a:ext uri="{FF2B5EF4-FFF2-40B4-BE49-F238E27FC236}">
+                  <a16:creationId xmlns:a16="http://schemas.microsoft.com/office/drawing/2014/main" id="{DD8DC2BD-70AA-4814-A0E5-F7D1019D4CCA}"/>
+                </a:ext>
+              </a:extLst>
+            </p:cNvPr>
+            <p:cNvSpPr/>
+            <p:nvPr/>
+          </p:nvSpPr>
+          <p:spPr>
+            <a:xfrm rot="16553957">
+              <a:off x="8005488" y="4420154"/>
+              <a:ext cx="237512" cy="868867"/>
+            </a:xfrm>
+            <a:prstGeom prst="ellipse">
+              <a:avLst/>
+            </a:prstGeom>
+            <a:noFill/>
+            <a:ln w="28575">
+              <a:solidFill>
+                <a:schemeClr val="accent1"/>
+              </a:solidFill>
+            </a:ln>
+          </p:spPr>
+          <p:style>
+            <a:lnRef idx="2">
+              <a:schemeClr val="accent1">
+                <a:shade val="15000"/>
+              </a:schemeClr>
+            </a:lnRef>
+            <a:fillRef idx="1">
+              <a:schemeClr val="accent1"/>
+            </a:fillRef>
+            <a:effectRef idx="0">
+              <a:schemeClr val="accent1"/>
+            </a:effectRef>
+            <a:fontRef idx="minor">
+              <a:schemeClr val="lt1"/>
+            </a:fontRef>
+          </p:style>
+          <p:txBody>
+            <a:bodyPr rtlCol="0" anchor="ctr"/>
+            <a:lstStyle/>
+            <a:p>
+              <a:pPr algn="ctr"/>
+              <a:endParaRPr kumimoji="1" lang="ja-JP" altLang="en-US"/>
+            </a:p>
+          </p:txBody>
+        </p:sp>
+        <p:sp>
+          <p:nvSpPr>
+            <p:cNvPr id="13" name="楕円 12">
+              <a:extLst>
+                <a:ext uri="{FF2B5EF4-FFF2-40B4-BE49-F238E27FC236}">
+                  <a16:creationId xmlns:a16="http://schemas.microsoft.com/office/drawing/2014/main" id="{D1371026-ABFD-459C-A49B-8781F5D7010E}"/>
+                </a:ext>
+              </a:extLst>
+            </p:cNvPr>
+            <p:cNvSpPr/>
+            <p:nvPr/>
+          </p:nvSpPr>
+          <p:spPr>
+            <a:xfrm rot="15569531">
+              <a:off x="5085063" y="3585396"/>
+              <a:ext cx="224880" cy="661645"/>
+            </a:xfrm>
+            <a:prstGeom prst="ellipse">
+              <a:avLst/>
+            </a:prstGeom>
+            <a:noFill/>
+            <a:ln w="12700">
+              <a:solidFill>
+                <a:schemeClr val="accent1"/>
+              </a:solidFill>
+              <a:prstDash val="lgDashDot"/>
+            </a:ln>
+          </p:spPr>
+          <p:style>
+            <a:lnRef idx="2">
+              <a:schemeClr val="accent1">
+                <a:shade val="15000"/>
+              </a:schemeClr>
+            </a:lnRef>
+            <a:fillRef idx="1">
+              <a:schemeClr val="accent1"/>
+            </a:fillRef>
+            <a:effectRef idx="0">
+              <a:schemeClr val="accent1"/>
+            </a:effectRef>
+            <a:fontRef idx="minor">
+              <a:schemeClr val="lt1"/>
+            </a:fontRef>
+          </p:style>
+          <p:txBody>
+            <a:bodyPr rtlCol="0" anchor="ctr"/>
+            <a:lstStyle/>
+            <a:p>
+              <a:pPr algn="ctr"/>
+              <a:endParaRPr kumimoji="1" lang="ja-JP" altLang="en-US"/>
+            </a:p>
+          </p:txBody>
+        </p:sp>
+        <p:sp>
+          <p:nvSpPr>
+            <p:cNvPr id="14" name="楕円 13">
+              <a:extLst>
+                <a:ext uri="{FF2B5EF4-FFF2-40B4-BE49-F238E27FC236}">
+                  <a16:creationId xmlns:a16="http://schemas.microsoft.com/office/drawing/2014/main" id="{E652D258-7E14-48C8-A117-3F75B4E60D11}"/>
+                </a:ext>
+              </a:extLst>
+            </p:cNvPr>
+            <p:cNvSpPr/>
+            <p:nvPr/>
+          </p:nvSpPr>
+          <p:spPr>
+            <a:xfrm rot="18038143">
+              <a:off x="8461825" y="4060576"/>
+              <a:ext cx="256963" cy="579037"/>
+            </a:xfrm>
+            <a:prstGeom prst="ellipse">
+              <a:avLst/>
+            </a:prstGeom>
+            <a:noFill/>
+            <a:ln w="12700">
+              <a:solidFill>
+                <a:schemeClr val="accent1"/>
+              </a:solidFill>
+              <a:prstDash val="lgDashDot"/>
+            </a:ln>
+          </p:spPr>
+          <p:style>
+            <a:lnRef idx="2">
+              <a:schemeClr val="accent1">
+                <a:shade val="15000"/>
+              </a:schemeClr>
+            </a:lnRef>
+            <a:fillRef idx="1">
+              <a:schemeClr val="accent1"/>
+            </a:fillRef>
+            <a:effectRef idx="0">
+              <a:schemeClr val="accent1"/>
+            </a:effectRef>
+            <a:fontRef idx="minor">
+              <a:schemeClr val="lt1"/>
+            </a:fontRef>
+          </p:style>
+          <p:txBody>
+            <a:bodyPr rtlCol="0" anchor="ctr"/>
+            <a:lstStyle/>
+            <a:p>
+              <a:pPr algn="ctr"/>
+              <a:endParaRPr kumimoji="1" lang="ja-JP" altLang="en-US"/>
+            </a:p>
+          </p:txBody>
+        </p:sp>
+        <p:sp>
+          <p:nvSpPr>
+            <p:cNvPr id="15" name="楕円 14">
+              <a:extLst>
+                <a:ext uri="{FF2B5EF4-FFF2-40B4-BE49-F238E27FC236}">
+                  <a16:creationId xmlns:a16="http://schemas.microsoft.com/office/drawing/2014/main" id="{92734FAE-B9D1-496C-8D21-96356CCA1FEF}"/>
+                </a:ext>
+              </a:extLst>
+            </p:cNvPr>
+            <p:cNvSpPr/>
+            <p:nvPr/>
+          </p:nvSpPr>
+          <p:spPr>
+            <a:xfrm rot="16951928">
+              <a:off x="4973964" y="5089647"/>
+              <a:ext cx="264245" cy="684724"/>
+            </a:xfrm>
+            <a:prstGeom prst="ellipse">
+              <a:avLst/>
+            </a:prstGeom>
+            <a:noFill/>
+            <a:ln w="12700">
+              <a:solidFill>
+                <a:schemeClr val="accent1"/>
+              </a:solidFill>
+              <a:prstDash val="sysDash"/>
+            </a:ln>
+          </p:spPr>
+          <p:style>
+            <a:lnRef idx="2">
+              <a:schemeClr val="accent1">
+                <a:shade val="15000"/>
+              </a:schemeClr>
+            </a:lnRef>
+            <a:fillRef idx="1">
+              <a:schemeClr val="accent1"/>
+            </a:fillRef>
+            <a:effectRef idx="0">
+              <a:schemeClr val="accent1"/>
+            </a:effectRef>
+            <a:fontRef idx="minor">
+              <a:schemeClr val="lt1"/>
+            </a:fontRef>
+          </p:style>
+          <p:txBody>
+            <a:bodyPr rtlCol="0" anchor="ctr"/>
+            <a:lstStyle/>
+            <a:p>
+              <a:pPr algn="ctr"/>
+              <a:endParaRPr kumimoji="1" lang="ja-JP" altLang="en-US"/>
+            </a:p>
+          </p:txBody>
+        </p:sp>
+        <p:sp>
+          <p:nvSpPr>
+            <p:cNvPr id="16" name="楕円 15">
+              <a:extLst>
+                <a:ext uri="{FF2B5EF4-FFF2-40B4-BE49-F238E27FC236}">
+                  <a16:creationId xmlns:a16="http://schemas.microsoft.com/office/drawing/2014/main" id="{460B96F5-8B6B-4E76-B608-C3C431F9AB01}"/>
+                </a:ext>
+              </a:extLst>
+            </p:cNvPr>
+            <p:cNvSpPr/>
+            <p:nvPr/>
+          </p:nvSpPr>
+          <p:spPr>
+            <a:xfrm rot="15102959">
+              <a:off x="8334228" y="5167686"/>
+              <a:ext cx="273234" cy="676569"/>
+            </a:xfrm>
+            <a:prstGeom prst="ellipse">
+              <a:avLst/>
+            </a:prstGeom>
+            <a:noFill/>
+            <a:ln w="12700">
+              <a:solidFill>
+                <a:schemeClr val="accent1"/>
+              </a:solidFill>
+              <a:prstDash val="sysDash"/>
+            </a:ln>
+          </p:spPr>
+          <p:style>
+            <a:lnRef idx="2">
+              <a:schemeClr val="accent1">
+                <a:shade val="15000"/>
+              </a:schemeClr>
+            </a:lnRef>
+            <a:fillRef idx="1">
+              <a:schemeClr val="accent1"/>
+            </a:fillRef>
+            <a:effectRef idx="0">
+              <a:schemeClr val="accent1"/>
+            </a:effectRef>
+            <a:fontRef idx="minor">
+              <a:schemeClr val="lt1"/>
+            </a:fontRef>
+          </p:style>
+          <p:txBody>
+            <a:bodyPr rtlCol="0" anchor="ctr"/>
+            <a:lstStyle/>
+            <a:p>
+              <a:pPr algn="ctr"/>
+              <a:endParaRPr kumimoji="1" lang="ja-JP" altLang="en-US"/>
+            </a:p>
+          </p:txBody>
+        </p:sp>
+        <p:cxnSp>
+          <p:nvCxnSpPr>
+            <p:cNvPr id="17" name="直線矢印コネクタ 16">
+              <a:extLst>
+                <a:ext uri="{FF2B5EF4-FFF2-40B4-BE49-F238E27FC236}">
+                  <a16:creationId xmlns:a16="http://schemas.microsoft.com/office/drawing/2014/main" id="{6711819C-24B2-4E61-AAE7-E06BE333A614}"/>
+                </a:ext>
+              </a:extLst>
+            </p:cNvPr>
+            <p:cNvCxnSpPr>
+              <a:cxnSpLocks/>
+            </p:cNvCxnSpPr>
+            <p:nvPr/>
+          </p:nvCxnSpPr>
+          <p:spPr>
+            <a:xfrm flipV="1">
+              <a:off x="6979444" y="5439374"/>
+              <a:ext cx="1610862" cy="471697"/>
+            </a:xfrm>
+            <a:prstGeom prst="straightConnector1">
+              <a:avLst/>
+            </a:prstGeom>
+            <a:ln w="12700">
+              <a:prstDash val="sysDash"/>
+              <a:tailEnd type="triangle"/>
+            </a:ln>
+          </p:spPr>
+          <p:style>
+            <a:lnRef idx="1">
+              <a:schemeClr val="accent1"/>
+            </a:lnRef>
+            <a:fillRef idx="0">
+              <a:schemeClr val="accent1"/>
+            </a:fillRef>
+            <a:effectRef idx="0">
+              <a:schemeClr val="accent1"/>
+            </a:effectRef>
+            <a:fontRef idx="minor">
+              <a:schemeClr val="tx1"/>
+            </a:fontRef>
+          </p:style>
+        </p:cxnSp>
+        <p:grpSp>
+          <p:nvGrpSpPr>
+            <p:cNvPr id="18" name="グループ化 17">
+              <a:extLst>
+                <a:ext uri="{FF2B5EF4-FFF2-40B4-BE49-F238E27FC236}">
+                  <a16:creationId xmlns:a16="http://schemas.microsoft.com/office/drawing/2014/main" id="{0EC50730-C4FB-4151-A2D6-5EDFA55014FE}"/>
+                </a:ext>
+              </a:extLst>
+            </p:cNvPr>
+            <p:cNvGrpSpPr/>
+            <p:nvPr/>
+          </p:nvGrpSpPr>
+          <p:grpSpPr>
+            <a:xfrm>
+              <a:off x="3196915" y="6101054"/>
+              <a:ext cx="743904" cy="442767"/>
+              <a:chOff x="3268353" y="5729579"/>
+              <a:chExt cx="743904" cy="442767"/>
+            </a:xfrm>
+          </p:grpSpPr>
+          <p:pic>
+            <p:nvPicPr>
+              <p:cNvPr id="22" name="図 21" descr="\documentclass{jsarticle}&#10;\usepackage{amsmath}&#10;\usepackage[T1]{fontenc}&#10;\usepackage{lmodern}&#10;\pagestyle{empty}&#10;&#10;\begin{document}&#10;%\begin{align*}&#10;%\end{align*}&#10;$H$&#10;\end{document}" title="IguanaTex Bitmap Display">
+                <a:extLst>
+                  <a:ext uri="{FF2B5EF4-FFF2-40B4-BE49-F238E27FC236}">
+                    <a16:creationId xmlns:a16="http://schemas.microsoft.com/office/drawing/2014/main" id="{A98F393C-4410-4558-8771-F542076577BF}"/>
+                  </a:ext>
+                </a:extLst>
+              </p:cNvPr>
+              <p:cNvPicPr>
+                <a:picLocks noChangeAspect="1"/>
+              </p:cNvPicPr>
+              <p:nvPr>
+                <p:custDataLst>
+                  <p:tags r:id="rId3"/>
+                </p:custDataLst>
+              </p:nvPr>
+            </p:nvPicPr>
+            <p:blipFill>
+              <a:blip r:embed="rId10">
+                <a:extLst>
+                  <a:ext uri="{28A0092B-C50C-407E-A947-70E740481C1C}">
+                    <a14:useLocalDpi xmlns:a14="http://schemas.microsoft.com/office/drawing/2010/main" val="0"/>
+                  </a:ext>
+                </a:extLst>
+              </a:blip>
+              <a:stretch>
+                <a:fillRect/>
+              </a:stretch>
+            </p:blipFill>
+            <p:spPr>
+              <a:xfrm>
+                <a:off x="3447424" y="5787463"/>
+                <a:ext cx="385762" cy="315624"/>
+              </a:xfrm>
+              <a:prstGeom prst="rect">
+                <a:avLst/>
+              </a:prstGeom>
+            </p:spPr>
+          </p:pic>
+          <p:sp>
+            <p:nvSpPr>
+              <p:cNvPr id="23" name="吹き出し: 四角形 22">
+                <a:extLst>
+                  <a:ext uri="{FF2B5EF4-FFF2-40B4-BE49-F238E27FC236}">
+                    <a16:creationId xmlns:a16="http://schemas.microsoft.com/office/drawing/2014/main" id="{231F0589-F5F3-4569-96D3-3E2E8C1CC326}"/>
+                  </a:ext>
+                </a:extLst>
+              </p:cNvPr>
+              <p:cNvSpPr/>
+              <p:nvPr/>
+            </p:nvSpPr>
+            <p:spPr>
+              <a:xfrm rot="10800000">
+                <a:off x="3268353" y="5729579"/>
+                <a:ext cx="743904" cy="442767"/>
+              </a:xfrm>
+              <a:prstGeom prst="wedgeRectCallout">
+                <a:avLst>
+                  <a:gd name="adj1" fmla="val -23509"/>
+                  <a:gd name="adj2" fmla="val 78634"/>
+                </a:avLst>
+              </a:prstGeom>
+              <a:noFill/>
+            </p:spPr>
+            <p:style>
+              <a:lnRef idx="2">
+                <a:schemeClr val="accent1">
+                  <a:shade val="15000"/>
+                </a:schemeClr>
+              </a:lnRef>
+              <a:fillRef idx="1">
+                <a:schemeClr val="accent1"/>
+              </a:fillRef>
+              <a:effectRef idx="0">
+                <a:schemeClr val="accent1"/>
+              </a:effectRef>
+              <a:fontRef idx="minor">
+                <a:schemeClr val="lt1"/>
+              </a:fontRef>
+            </p:style>
+            <p:txBody>
+              <a:bodyPr rtlCol="0" anchor="ctr"/>
+              <a:lstStyle/>
+              <a:p>
+                <a:pPr algn="ctr"/>
+                <a:endParaRPr kumimoji="1" lang="ja-JP" altLang="en-US"/>
+              </a:p>
+            </p:txBody>
+          </p:sp>
+        </p:grpSp>
+        <p:grpSp>
+          <p:nvGrpSpPr>
+            <p:cNvPr id="19" name="グループ化 18">
+              <a:extLst>
+                <a:ext uri="{FF2B5EF4-FFF2-40B4-BE49-F238E27FC236}">
+                  <a16:creationId xmlns:a16="http://schemas.microsoft.com/office/drawing/2014/main" id="{FBCF6FAF-0125-467F-BF09-3B98CC645B13}"/>
+                </a:ext>
+              </a:extLst>
+            </p:cNvPr>
+            <p:cNvGrpSpPr/>
+            <p:nvPr/>
+          </p:nvGrpSpPr>
+          <p:grpSpPr>
+            <a:xfrm>
+              <a:off x="9407738" y="6102363"/>
+              <a:ext cx="743904" cy="442767"/>
+              <a:chOff x="3268353" y="5729579"/>
+              <a:chExt cx="743904" cy="442767"/>
+            </a:xfrm>
+          </p:grpSpPr>
+          <p:pic>
+            <p:nvPicPr>
+              <p:cNvPr id="20" name="図 19" descr="\documentclass{jsarticle}&#10;\usepackage{amsmath}&#10;\usepackage[T1]{fontenc}&#10;\usepackage{lmodern}&#10;\pagestyle{empty}&#10;&#10;\begin{document}&#10;%\begin{align*}&#10;%\end{align*}&#10;$H$&#10;\end{document}" title="IguanaTex Bitmap Display">
+                <a:extLst>
+                  <a:ext uri="{FF2B5EF4-FFF2-40B4-BE49-F238E27FC236}">
+                    <a16:creationId xmlns:a16="http://schemas.microsoft.com/office/drawing/2014/main" id="{91404D65-8CF7-46C3-A9C8-C0BA826E6B66}"/>
+                  </a:ext>
+                </a:extLst>
+              </p:cNvPr>
+              <p:cNvPicPr>
+                <a:picLocks noChangeAspect="1"/>
+              </p:cNvPicPr>
+              <p:nvPr>
+                <p:custDataLst>
+                  <p:tags r:id="rId2"/>
+                </p:custDataLst>
+              </p:nvPr>
+            </p:nvPicPr>
+            <p:blipFill>
+              <a:blip r:embed="rId10">
+                <a:extLst>
+                  <a:ext uri="{28A0092B-C50C-407E-A947-70E740481C1C}">
+                    <a14:useLocalDpi xmlns:a14="http://schemas.microsoft.com/office/drawing/2010/main" val="0"/>
+                  </a:ext>
+                </a:extLst>
+              </a:blip>
+              <a:stretch>
+                <a:fillRect/>
+              </a:stretch>
+            </p:blipFill>
+            <p:spPr>
+              <a:xfrm>
+                <a:off x="3447424" y="5787463"/>
+                <a:ext cx="385762" cy="315624"/>
+              </a:xfrm>
+              <a:prstGeom prst="rect">
+                <a:avLst/>
+              </a:prstGeom>
+            </p:spPr>
+          </p:pic>
+          <p:sp>
+            <p:nvSpPr>
+              <p:cNvPr id="21" name="吹き出し: 四角形 20">
+                <a:extLst>
+                  <a:ext uri="{FF2B5EF4-FFF2-40B4-BE49-F238E27FC236}">
+                    <a16:creationId xmlns:a16="http://schemas.microsoft.com/office/drawing/2014/main" id="{453BAE32-6ED5-459F-9CB8-3BA218DD8479}"/>
+                  </a:ext>
+                </a:extLst>
+              </p:cNvPr>
+              <p:cNvSpPr/>
+              <p:nvPr/>
+            </p:nvSpPr>
+            <p:spPr>
+              <a:xfrm rot="10800000">
+                <a:off x="3268353" y="5729579"/>
+                <a:ext cx="743904" cy="442767"/>
+              </a:xfrm>
+              <a:prstGeom prst="wedgeRectCallout">
+                <a:avLst>
+                  <a:gd name="adj1" fmla="val -23509"/>
+                  <a:gd name="adj2" fmla="val 78634"/>
+                </a:avLst>
+              </a:prstGeom>
+              <a:noFill/>
+            </p:spPr>
+            <p:style>
+              <a:lnRef idx="2">
+                <a:schemeClr val="accent1">
+                  <a:shade val="15000"/>
+                </a:schemeClr>
+              </a:lnRef>
+              <a:fillRef idx="1">
+                <a:schemeClr val="accent1"/>
+              </a:fillRef>
+              <a:effectRef idx="0">
+                <a:schemeClr val="accent1"/>
+              </a:effectRef>
+              <a:fontRef idx="minor">
+                <a:schemeClr val="lt1"/>
+              </a:fontRef>
+            </p:style>
+            <p:txBody>
+              <a:bodyPr rtlCol="0" anchor="ctr"/>
+              <a:lstStyle/>
+              <a:p>
+                <a:pPr algn="ctr"/>
+                <a:endParaRPr kumimoji="1" lang="ja-JP" altLang="en-US"/>
+              </a:p>
+            </p:txBody>
+          </p:sp>
+        </p:grpSp>
+      </p:grpSp>
     </p:spTree>
     <p:extLst>
       <p:ext uri="{BB962C8B-B14F-4D97-AF65-F5344CB8AC3E}">
@@ -7544,10 +8838,10 @@
       </p:grpSp>
       <p:grpSp>
         <p:nvGrpSpPr>
-          <p:cNvPr id="18" name="グループ化 17">
+          <p:cNvPr id="2" name="グループ化 1">
             <a:extLst>
               <a:ext uri="{FF2B5EF4-FFF2-40B4-BE49-F238E27FC236}">
-                <a16:creationId xmlns:a16="http://schemas.microsoft.com/office/drawing/2014/main" id="{D17FDEFF-73C1-9D5E-7FC3-A2A1C6D7370C}"/>
+                <a16:creationId xmlns:a16="http://schemas.microsoft.com/office/drawing/2014/main" id="{5A3471B4-D95C-4AC4-BD6F-BBC8C4321AA5}"/>
               </a:ext>
             </a:extLst>
           </p:cNvPr>
@@ -7556,826 +8850,428 @@
         </p:nvGrpSpPr>
         <p:grpSpPr>
           <a:xfrm>
-            <a:off x="2363007" y="3795440"/>
-            <a:ext cx="2308198" cy="2130986"/>
-            <a:chOff x="2620183" y="4236243"/>
-            <a:chExt cx="2308198" cy="2130986"/>
+            <a:off x="2363007" y="3609085"/>
+            <a:ext cx="7890653" cy="2936045"/>
+            <a:chOff x="2363007" y="3609085"/>
+            <a:chExt cx="7890653" cy="2936045"/>
           </a:xfrm>
         </p:grpSpPr>
-        <p:pic>
-          <p:nvPicPr>
-            <p:cNvPr id="10" name="グラフィックス 9">
+        <p:grpSp>
+          <p:nvGrpSpPr>
+            <p:cNvPr id="18" name="グループ化 17">
               <a:extLst>
                 <a:ext uri="{FF2B5EF4-FFF2-40B4-BE49-F238E27FC236}">
-                  <a16:creationId xmlns:a16="http://schemas.microsoft.com/office/drawing/2014/main" id="{CE50F8F2-D80F-72AB-D909-450AF4F45B7F}"/>
+                  <a16:creationId xmlns:a16="http://schemas.microsoft.com/office/drawing/2014/main" id="{D17FDEFF-73C1-9D5E-7FC3-A2A1C6D7370C}"/>
                 </a:ext>
               </a:extLst>
             </p:cNvPr>
-            <p:cNvPicPr>
-              <a:picLocks noChangeAspect="1"/>
-            </p:cNvPicPr>
+            <p:cNvGrpSpPr/>
             <p:nvPr/>
-          </p:nvPicPr>
-          <p:blipFill>
-            <a:blip r:embed="rId7">
-              <a:extLst>
-                <a:ext uri="{28A0092B-C50C-407E-A947-70E740481C1C}">
-                  <a14:useLocalDpi xmlns:a14="http://schemas.microsoft.com/office/drawing/2010/main" val="0"/>
-                </a:ext>
-                <a:ext uri="{96DAC541-7B7A-43D3-8B79-37D633B846F1}">
-                  <asvg:svgBlip xmlns:asvg="http://schemas.microsoft.com/office/drawing/2016/SVG/main" r:embed="rId8"/>
-                </a:ext>
-              </a:extLst>
-            </a:blip>
-            <a:stretch>
-              <a:fillRect/>
-            </a:stretch>
-          </p:blipFill>
-          <p:spPr>
+          </p:nvGrpSpPr>
+          <p:grpSpPr>
             <a:xfrm>
-              <a:off x="2620183" y="4236243"/>
+              <a:off x="2363007" y="3795440"/>
               <a:ext cx="2308198" cy="2130986"/>
+              <a:chOff x="2620183" y="4236243"/>
+              <a:chExt cx="2308198" cy="2130986"/>
             </a:xfrm>
-            <a:prstGeom prst="rect">
-              <a:avLst/>
-            </a:prstGeom>
-          </p:spPr>
-        </p:pic>
-        <p:sp>
-          <p:nvSpPr>
-            <p:cNvPr id="13" name="テキスト ボックス 12">
+          </p:grpSpPr>
+          <p:pic>
+            <p:nvPicPr>
+              <p:cNvPr id="10" name="グラフィックス 9">
+                <a:extLst>
+                  <a:ext uri="{FF2B5EF4-FFF2-40B4-BE49-F238E27FC236}">
+                    <a16:creationId xmlns:a16="http://schemas.microsoft.com/office/drawing/2014/main" id="{CE50F8F2-D80F-72AB-D909-450AF4F45B7F}"/>
+                  </a:ext>
+                </a:extLst>
+              </p:cNvPr>
+              <p:cNvPicPr>
+                <a:picLocks noChangeAspect="1"/>
+              </p:cNvPicPr>
+              <p:nvPr/>
+            </p:nvPicPr>
+            <p:blipFill>
+              <a:blip r:embed="rId7">
+                <a:extLst>
+                  <a:ext uri="{28A0092B-C50C-407E-A947-70E740481C1C}">
+                    <a14:useLocalDpi xmlns:a14="http://schemas.microsoft.com/office/drawing/2010/main" val="0"/>
+                  </a:ext>
+                  <a:ext uri="{96DAC541-7B7A-43D3-8B79-37D633B846F1}">
+                    <asvg:svgBlip xmlns:asvg="http://schemas.microsoft.com/office/drawing/2016/SVG/main" r:embed="rId8"/>
+                  </a:ext>
+                </a:extLst>
+              </a:blip>
+              <a:stretch>
+                <a:fillRect/>
+              </a:stretch>
+            </p:blipFill>
+            <p:spPr>
+              <a:xfrm>
+                <a:off x="2620183" y="4236243"/>
+                <a:ext cx="2308198" cy="2130986"/>
+              </a:xfrm>
+              <a:prstGeom prst="rect">
+                <a:avLst/>
+              </a:prstGeom>
+            </p:spPr>
+          </p:pic>
+          <p:sp>
+            <p:nvSpPr>
+              <p:cNvPr id="13" name="テキスト ボックス 12">
+                <a:extLst>
+                  <a:ext uri="{FF2B5EF4-FFF2-40B4-BE49-F238E27FC236}">
+                    <a16:creationId xmlns:a16="http://schemas.microsoft.com/office/drawing/2014/main" id="{CE40106C-D6CF-32A5-DFB7-02FC9B3CEDE8}"/>
+                  </a:ext>
+                </a:extLst>
+              </p:cNvPr>
+              <p:cNvSpPr txBox="1"/>
+              <p:nvPr/>
+            </p:nvSpPr>
+            <p:spPr>
+              <a:xfrm>
+                <a:off x="3705552" y="4609238"/>
+                <a:ext cx="492443" cy="1384995"/>
+              </a:xfrm>
+              <a:prstGeom prst="rect">
+                <a:avLst/>
+              </a:prstGeom>
+              <a:noFill/>
+            </p:spPr>
+            <p:txBody>
+              <a:bodyPr vert="eaVert" wrap="square" rtlCol="0">
+                <a:spAutoFit/>
+              </a:bodyPr>
+              <a:lstStyle/>
+              <a:p>
+                <a:pPr algn="ctr"/>
+                <a:r>
+                  <a:rPr lang="ja-JP" altLang="en-US" sz="2000" dirty="0">
+                    <a:latin typeface="BIZ UDPゴシック" panose="020B0400000000000000" pitchFamily="50" charset="-128"/>
+                    <a:ea typeface="BIZ UDPゴシック" panose="020B0400000000000000" pitchFamily="50" charset="-128"/>
+                  </a:rPr>
+                  <a:t>指向性制御</a:t>
+                </a:r>
+                <a:endParaRPr kumimoji="1" lang="ja-JP" altLang="en-US" sz="2000" dirty="0">
+                  <a:latin typeface="BIZ UDPゴシック" panose="020B0400000000000000" pitchFamily="50" charset="-128"/>
+                  <a:ea typeface="BIZ UDPゴシック" panose="020B0400000000000000" pitchFamily="50" charset="-128"/>
+                </a:endParaRPr>
+              </a:p>
+            </p:txBody>
+          </p:sp>
+          <p:sp>
+            <p:nvSpPr>
+              <p:cNvPr id="14" name="テキスト ボックス 13">
+                <a:extLst>
+                  <a:ext uri="{FF2B5EF4-FFF2-40B4-BE49-F238E27FC236}">
+                    <a16:creationId xmlns:a16="http://schemas.microsoft.com/office/drawing/2014/main" id="{AF6EA58C-C92C-55E6-E4C3-C0CD2279EEC4}"/>
+                  </a:ext>
+                </a:extLst>
+              </p:cNvPr>
+              <p:cNvSpPr txBox="1"/>
+              <p:nvPr/>
+            </p:nvSpPr>
+            <p:spPr>
+              <a:xfrm>
+                <a:off x="2620206" y="4609238"/>
+                <a:ext cx="492443" cy="1384995"/>
+              </a:xfrm>
+              <a:prstGeom prst="rect">
+                <a:avLst/>
+              </a:prstGeom>
+              <a:noFill/>
+            </p:spPr>
+            <p:txBody>
+              <a:bodyPr vert="eaVert" wrap="square" rtlCol="0">
+                <a:spAutoFit/>
+              </a:bodyPr>
+              <a:lstStyle/>
+              <a:p>
+                <a:pPr algn="ctr"/>
+                <a:r>
+                  <a:rPr kumimoji="1" lang="ja-JP" altLang="en-US" sz="2000" dirty="0">
+                    <a:latin typeface="BIZ UDPゴシック" panose="020B0400000000000000" pitchFamily="50" charset="-128"/>
+                    <a:ea typeface="BIZ UDPゴシック" panose="020B0400000000000000" pitchFamily="50" charset="-128"/>
+                  </a:rPr>
+                  <a:t>送信</a:t>
+                </a:r>
+              </a:p>
+            </p:txBody>
+          </p:sp>
+        </p:grpSp>
+        <p:grpSp>
+          <p:nvGrpSpPr>
+            <p:cNvPr id="17" name="グループ化 16">
               <a:extLst>
                 <a:ext uri="{FF2B5EF4-FFF2-40B4-BE49-F238E27FC236}">
-                  <a16:creationId xmlns:a16="http://schemas.microsoft.com/office/drawing/2014/main" id="{CE40106C-D6CF-32A5-DFB7-02FC9B3CEDE8}"/>
+                  <a16:creationId xmlns:a16="http://schemas.microsoft.com/office/drawing/2014/main" id="{58C116F0-D234-5ACC-450F-8A96B713B3F8}"/>
                 </a:ext>
               </a:extLst>
             </p:cNvPr>
-            <p:cNvSpPr txBox="1"/>
+            <p:cNvGrpSpPr/>
             <p:nvPr/>
-          </p:nvSpPr>
-          <p:spPr>
+          </p:nvGrpSpPr>
+          <p:grpSpPr>
             <a:xfrm>
-              <a:off x="3705552" y="4609238"/>
-              <a:ext cx="492443" cy="1384995"/>
+              <a:off x="8723305" y="4443401"/>
+              <a:ext cx="1530355" cy="1483025"/>
+              <a:chOff x="8280393" y="4829174"/>
+              <a:chExt cx="1530355" cy="1483025"/>
             </a:xfrm>
-            <a:prstGeom prst="rect">
-              <a:avLst/>
-            </a:prstGeom>
-            <a:noFill/>
-          </p:spPr>
-          <p:txBody>
-            <a:bodyPr vert="eaVert" wrap="square" rtlCol="0">
-              <a:spAutoFit/>
-            </a:bodyPr>
-            <a:lstStyle/>
-            <a:p>
-              <a:pPr algn="ctr"/>
-              <a:r>
-                <a:rPr lang="ja-JP" altLang="en-US" sz="2000" dirty="0">
+          </p:grpSpPr>
+          <p:pic>
+            <p:nvPicPr>
+              <p:cNvPr id="12" name="グラフィックス 11">
+                <a:extLst>
+                  <a:ext uri="{FF2B5EF4-FFF2-40B4-BE49-F238E27FC236}">
+                    <a16:creationId xmlns:a16="http://schemas.microsoft.com/office/drawing/2014/main" id="{65641599-1111-43AC-22D5-98CC0241ABAB}"/>
+                  </a:ext>
+                </a:extLst>
+              </p:cNvPr>
+              <p:cNvPicPr>
+                <a:picLocks noChangeAspect="1"/>
+              </p:cNvPicPr>
+              <p:nvPr/>
+            </p:nvPicPr>
+            <p:blipFill>
+              <a:blip r:embed="rId9">
+                <a:extLst>
+                  <a:ext uri="{28A0092B-C50C-407E-A947-70E740481C1C}">
+                    <a14:useLocalDpi xmlns:a14="http://schemas.microsoft.com/office/drawing/2010/main" val="0"/>
+                  </a:ext>
+                  <a:ext uri="{96DAC541-7B7A-43D3-8B79-37D633B846F1}">
+                    <asvg:svgBlip xmlns:asvg="http://schemas.microsoft.com/office/drawing/2016/SVG/main" r:embed="rId10"/>
+                  </a:ext>
+                </a:extLst>
+              </a:blip>
+              <a:stretch>
+                <a:fillRect/>
+              </a:stretch>
+            </p:blipFill>
+            <p:spPr>
+              <a:xfrm>
+                <a:off x="8280393" y="4829174"/>
+                <a:ext cx="1530355" cy="1483025"/>
+              </a:xfrm>
+              <a:prstGeom prst="rect">
+                <a:avLst/>
+              </a:prstGeom>
+            </p:spPr>
+          </p:pic>
+          <p:sp>
+            <p:nvSpPr>
+              <p:cNvPr id="16" name="テキスト ボックス 15">
+                <a:extLst>
+                  <a:ext uri="{FF2B5EF4-FFF2-40B4-BE49-F238E27FC236}">
+                    <a16:creationId xmlns:a16="http://schemas.microsoft.com/office/drawing/2014/main" id="{73A87C0D-137B-34B6-E2E9-4F9250F643A9}"/>
+                  </a:ext>
+                </a:extLst>
+              </p:cNvPr>
+              <p:cNvSpPr txBox="1"/>
+              <p:nvPr/>
+            </p:nvSpPr>
+            <p:spPr>
+              <a:xfrm>
+                <a:off x="9216287" y="4884340"/>
+                <a:ext cx="492443" cy="1384995"/>
+              </a:xfrm>
+              <a:prstGeom prst="rect">
+                <a:avLst/>
+              </a:prstGeom>
+              <a:noFill/>
+            </p:spPr>
+            <p:txBody>
+              <a:bodyPr vert="eaVert" wrap="square" rtlCol="0">
+                <a:spAutoFit/>
+              </a:bodyPr>
+              <a:lstStyle/>
+              <a:p>
+                <a:pPr algn="ctr"/>
+                <a:r>
+                  <a:rPr lang="ja-JP" altLang="en-US" sz="2000" dirty="0">
+                    <a:latin typeface="BIZ UDPゴシック" panose="020B0400000000000000" pitchFamily="50" charset="-128"/>
+                    <a:ea typeface="BIZ UDPゴシック" panose="020B0400000000000000" pitchFamily="50" charset="-128"/>
+                  </a:rPr>
+                  <a:t>受信</a:t>
+                </a:r>
+                <a:endParaRPr kumimoji="1" lang="ja-JP" altLang="en-US" sz="2000" dirty="0">
                   <a:latin typeface="BIZ UDPゴシック" panose="020B0400000000000000" pitchFamily="50" charset="-128"/>
                   <a:ea typeface="BIZ UDPゴシック" panose="020B0400000000000000" pitchFamily="50" charset="-128"/>
-                </a:rPr>
-                <a:t>指向性制御</a:t>
-              </a:r>
-              <a:endParaRPr kumimoji="1" lang="ja-JP" altLang="en-US" sz="2000" dirty="0">
-                <a:latin typeface="BIZ UDPゴシック" panose="020B0400000000000000" pitchFamily="50" charset="-128"/>
-                <a:ea typeface="BIZ UDPゴシック" panose="020B0400000000000000" pitchFamily="50" charset="-128"/>
-              </a:endParaRPr>
-            </a:p>
-          </p:txBody>
-        </p:sp>
-        <p:sp>
-          <p:nvSpPr>
-            <p:cNvPr id="14" name="テキスト ボックス 13">
+                </a:endParaRPr>
+              </a:p>
+            </p:txBody>
+          </p:sp>
+        </p:grpSp>
+        <p:cxnSp>
+          <p:nvCxnSpPr>
+            <p:cNvPr id="19" name="直線コネクタ 18">
               <a:extLst>
                 <a:ext uri="{FF2B5EF4-FFF2-40B4-BE49-F238E27FC236}">
-                  <a16:creationId xmlns:a16="http://schemas.microsoft.com/office/drawing/2014/main" id="{AF6EA58C-C92C-55E6-E4C3-C0CD2279EEC4}"/>
+                  <a16:creationId xmlns:a16="http://schemas.microsoft.com/office/drawing/2014/main" id="{B7FF0058-731C-3D1F-1CDA-3F8AD970A134}"/>
                 </a:ext>
               </a:extLst>
             </p:cNvPr>
-            <p:cNvSpPr txBox="1"/>
+            <p:cNvCxnSpPr>
+              <a:cxnSpLocks/>
+            </p:cNvCxnSpPr>
             <p:nvPr/>
-          </p:nvSpPr>
+          </p:nvCxnSpPr>
           <p:spPr>
-            <a:xfrm>
-              <a:off x="2620206" y="4609238"/>
-              <a:ext cx="492443" cy="1384995"/>
+            <a:xfrm flipV="1">
+              <a:off x="5106086" y="3609085"/>
+              <a:ext cx="1762120" cy="316649"/>
             </a:xfrm>
-            <a:prstGeom prst="rect">
+            <a:prstGeom prst="line">
               <a:avLst/>
             </a:prstGeom>
-            <a:noFill/>
+            <a:ln w="12700">
+              <a:prstDash val="lgDashDot"/>
+            </a:ln>
           </p:spPr>
-          <p:txBody>
-            <a:bodyPr vert="eaVert" wrap="square" rtlCol="0">
-              <a:spAutoFit/>
-            </a:bodyPr>
-            <a:lstStyle/>
-            <a:p>
-              <a:pPr algn="ctr"/>
-              <a:r>
-                <a:rPr kumimoji="1" lang="ja-JP" altLang="en-US" sz="2000" dirty="0">
-                  <a:latin typeface="BIZ UDPゴシック" panose="020B0400000000000000" pitchFamily="50" charset="-128"/>
-                  <a:ea typeface="BIZ UDPゴシック" panose="020B0400000000000000" pitchFamily="50" charset="-128"/>
-                </a:rPr>
-                <a:t>送信</a:t>
-              </a:r>
-            </a:p>
-          </p:txBody>
-        </p:sp>
-      </p:grpSp>
-      <p:grpSp>
-        <p:nvGrpSpPr>
-          <p:cNvPr id="17" name="グループ化 16">
-            <a:extLst>
-              <a:ext uri="{FF2B5EF4-FFF2-40B4-BE49-F238E27FC236}">
-                <a16:creationId xmlns:a16="http://schemas.microsoft.com/office/drawing/2014/main" id="{58C116F0-D234-5ACC-450F-8A96B713B3F8}"/>
-              </a:ext>
-            </a:extLst>
-          </p:cNvPr>
-          <p:cNvGrpSpPr/>
-          <p:nvPr/>
-        </p:nvGrpSpPr>
-        <p:grpSpPr>
-          <a:xfrm>
-            <a:off x="8723305" y="4443401"/>
-            <a:ext cx="1530355" cy="1483025"/>
-            <a:chOff x="8280393" y="4829174"/>
-            <a:chExt cx="1530355" cy="1483025"/>
-          </a:xfrm>
-        </p:grpSpPr>
-        <p:pic>
-          <p:nvPicPr>
-            <p:cNvPr id="12" name="グラフィックス 11">
+          <p:style>
+            <a:lnRef idx="1">
+              <a:schemeClr val="accent1"/>
+            </a:lnRef>
+            <a:fillRef idx="0">
+              <a:schemeClr val="accent1"/>
+            </a:fillRef>
+            <a:effectRef idx="0">
+              <a:schemeClr val="accent1"/>
+            </a:effectRef>
+            <a:fontRef idx="minor">
+              <a:schemeClr val="tx1"/>
+            </a:fontRef>
+          </p:style>
+        </p:cxnSp>
+        <p:cxnSp>
+          <p:nvCxnSpPr>
+            <p:cNvPr id="20" name="直線矢印コネクタ 19">
               <a:extLst>
                 <a:ext uri="{FF2B5EF4-FFF2-40B4-BE49-F238E27FC236}">
-                  <a16:creationId xmlns:a16="http://schemas.microsoft.com/office/drawing/2014/main" id="{65641599-1111-43AC-22D5-98CC0241ABAB}"/>
+                  <a16:creationId xmlns:a16="http://schemas.microsoft.com/office/drawing/2014/main" id="{54CF8130-5DB5-3B82-8F29-FF9E56D85120}"/>
                 </a:ext>
               </a:extLst>
             </p:cNvPr>
-            <p:cNvPicPr>
-              <a:picLocks noChangeAspect="1"/>
-            </p:cNvPicPr>
+            <p:cNvCxnSpPr>
+              <a:cxnSpLocks/>
+            </p:cNvCxnSpPr>
             <p:nvPr/>
-          </p:nvPicPr>
-          <p:blipFill>
-            <a:blip r:embed="rId9">
-              <a:extLst>
-                <a:ext uri="{28A0092B-C50C-407E-A947-70E740481C1C}">
-                  <a14:useLocalDpi xmlns:a14="http://schemas.microsoft.com/office/drawing/2010/main" val="0"/>
-                </a:ext>
-                <a:ext uri="{96DAC541-7B7A-43D3-8B79-37D633B846F1}">
-                  <asvg:svgBlip xmlns:asvg="http://schemas.microsoft.com/office/drawing/2016/SVG/main" r:embed="rId10"/>
-                </a:ext>
-              </a:extLst>
-            </a:blip>
-            <a:stretch>
-              <a:fillRect/>
-            </a:stretch>
-          </p:blipFill>
+          </p:nvCxnSpPr>
           <p:spPr>
             <a:xfrm>
-              <a:off x="8280393" y="4829174"/>
-              <a:ext cx="1530355" cy="1483025"/>
+              <a:off x="6892772" y="3609086"/>
+              <a:ext cx="1765578" cy="787065"/>
             </a:xfrm>
-            <a:prstGeom prst="rect">
+            <a:prstGeom prst="straightConnector1">
               <a:avLst/>
             </a:prstGeom>
+            <a:ln w="12700">
+              <a:prstDash val="lgDashDot"/>
+              <a:tailEnd type="triangle"/>
+            </a:ln>
           </p:spPr>
-        </p:pic>
-        <p:sp>
-          <p:nvSpPr>
-            <p:cNvPr id="16" name="テキスト ボックス 15">
+          <p:style>
+            <a:lnRef idx="1">
+              <a:schemeClr val="accent1"/>
+            </a:lnRef>
+            <a:fillRef idx="0">
+              <a:schemeClr val="accent1"/>
+            </a:fillRef>
+            <a:effectRef idx="0">
+              <a:schemeClr val="accent1"/>
+            </a:effectRef>
+            <a:fontRef idx="minor">
+              <a:schemeClr val="tx1"/>
+            </a:fontRef>
+          </p:style>
+        </p:cxnSp>
+        <p:cxnSp>
+          <p:nvCxnSpPr>
+            <p:cNvPr id="21" name="直線コネクタ 20">
               <a:extLst>
                 <a:ext uri="{FF2B5EF4-FFF2-40B4-BE49-F238E27FC236}">
-                  <a16:creationId xmlns:a16="http://schemas.microsoft.com/office/drawing/2014/main" id="{73A87C0D-137B-34B6-E2E9-4F9250F643A9}"/>
+                  <a16:creationId xmlns:a16="http://schemas.microsoft.com/office/drawing/2014/main" id="{319F47B9-954C-3242-958B-70AADE201F2B}"/>
                 </a:ext>
               </a:extLst>
             </p:cNvPr>
-            <p:cNvSpPr txBox="1"/>
+            <p:cNvCxnSpPr>
+              <a:cxnSpLocks/>
+            </p:cNvCxnSpPr>
             <p:nvPr/>
-          </p:nvSpPr>
+          </p:nvCxnSpPr>
           <p:spPr>
             <a:xfrm>
-              <a:off x="9216287" y="4884340"/>
-              <a:ext cx="492443" cy="1384995"/>
+              <a:off x="5061931" y="5439374"/>
+              <a:ext cx="1917512" cy="471697"/>
             </a:xfrm>
-            <a:prstGeom prst="rect">
+            <a:prstGeom prst="line">
               <a:avLst/>
             </a:prstGeom>
-            <a:noFill/>
+            <a:ln w="12700">
+              <a:prstDash val="sysDash"/>
+            </a:ln>
           </p:spPr>
-          <p:txBody>
-            <a:bodyPr vert="eaVert" wrap="square" rtlCol="0">
-              <a:spAutoFit/>
-            </a:bodyPr>
-            <a:lstStyle/>
-            <a:p>
-              <a:pPr algn="ctr"/>
-              <a:r>
-                <a:rPr lang="ja-JP" altLang="en-US" sz="2000" dirty="0">
-                  <a:latin typeface="BIZ UDPゴシック" panose="020B0400000000000000" pitchFamily="50" charset="-128"/>
-                  <a:ea typeface="BIZ UDPゴシック" panose="020B0400000000000000" pitchFamily="50" charset="-128"/>
-                </a:rPr>
-                <a:t>受信</a:t>
-              </a:r>
-              <a:endParaRPr kumimoji="1" lang="ja-JP" altLang="en-US" sz="2000" dirty="0">
-                <a:latin typeface="BIZ UDPゴシック" panose="020B0400000000000000" pitchFamily="50" charset="-128"/>
-                <a:ea typeface="BIZ UDPゴシック" panose="020B0400000000000000" pitchFamily="50" charset="-128"/>
-              </a:endParaRPr>
-            </a:p>
-          </p:txBody>
-        </p:sp>
-      </p:grpSp>
-      <p:cxnSp>
-        <p:nvCxnSpPr>
-          <p:cNvPr id="19" name="直線コネクタ 18">
-            <a:extLst>
-              <a:ext uri="{FF2B5EF4-FFF2-40B4-BE49-F238E27FC236}">
-                <a16:creationId xmlns:a16="http://schemas.microsoft.com/office/drawing/2014/main" id="{B7FF0058-731C-3D1F-1CDA-3F8AD970A134}"/>
-              </a:ext>
-            </a:extLst>
-          </p:cNvPr>
-          <p:cNvCxnSpPr>
-            <a:cxnSpLocks/>
-          </p:cNvCxnSpPr>
-          <p:nvPr/>
-        </p:nvCxnSpPr>
-        <p:spPr>
-          <a:xfrm flipV="1">
-            <a:off x="5106086" y="3609085"/>
-            <a:ext cx="1762120" cy="316649"/>
-          </a:xfrm>
-          <a:prstGeom prst="line">
-            <a:avLst/>
-          </a:prstGeom>
-          <a:ln w="12700">
-            <a:prstDash val="lgDashDot"/>
-          </a:ln>
-        </p:spPr>
-        <p:style>
-          <a:lnRef idx="1">
-            <a:schemeClr val="accent1"/>
-          </a:lnRef>
-          <a:fillRef idx="0">
-            <a:schemeClr val="accent1"/>
-          </a:fillRef>
-          <a:effectRef idx="0">
-            <a:schemeClr val="accent1"/>
-          </a:effectRef>
-          <a:fontRef idx="minor">
-            <a:schemeClr val="tx1"/>
-          </a:fontRef>
-        </p:style>
-      </p:cxnSp>
-      <p:cxnSp>
-        <p:nvCxnSpPr>
-          <p:cNvPr id="20" name="直線矢印コネクタ 19">
-            <a:extLst>
-              <a:ext uri="{FF2B5EF4-FFF2-40B4-BE49-F238E27FC236}">
-                <a16:creationId xmlns:a16="http://schemas.microsoft.com/office/drawing/2014/main" id="{54CF8130-5DB5-3B82-8F29-FF9E56D85120}"/>
-              </a:ext>
-            </a:extLst>
-          </p:cNvPr>
-          <p:cNvCxnSpPr>
-            <a:cxnSpLocks/>
-          </p:cNvCxnSpPr>
-          <p:nvPr/>
-        </p:nvCxnSpPr>
-        <p:spPr>
-          <a:xfrm>
-            <a:off x="6892772" y="3609086"/>
-            <a:ext cx="1765578" cy="787065"/>
-          </a:xfrm>
-          <a:prstGeom prst="straightConnector1">
-            <a:avLst/>
-          </a:prstGeom>
-          <a:ln w="12700">
-            <a:prstDash val="lgDashDot"/>
-            <a:tailEnd type="triangle"/>
-          </a:ln>
-        </p:spPr>
-        <p:style>
-          <a:lnRef idx="1">
-            <a:schemeClr val="accent1"/>
-          </a:lnRef>
-          <a:fillRef idx="0">
-            <a:schemeClr val="accent1"/>
-          </a:fillRef>
-          <a:effectRef idx="0">
-            <a:schemeClr val="accent1"/>
-          </a:effectRef>
-          <a:fontRef idx="minor">
-            <a:schemeClr val="tx1"/>
-          </a:fontRef>
-        </p:style>
-      </p:cxnSp>
-      <p:cxnSp>
-        <p:nvCxnSpPr>
-          <p:cNvPr id="21" name="直線コネクタ 20">
-            <a:extLst>
-              <a:ext uri="{FF2B5EF4-FFF2-40B4-BE49-F238E27FC236}">
-                <a16:creationId xmlns:a16="http://schemas.microsoft.com/office/drawing/2014/main" id="{319F47B9-954C-3242-958B-70AADE201F2B}"/>
-              </a:ext>
-            </a:extLst>
-          </p:cNvPr>
-          <p:cNvCxnSpPr>
-            <a:cxnSpLocks/>
-          </p:cNvCxnSpPr>
-          <p:nvPr/>
-        </p:nvCxnSpPr>
-        <p:spPr>
-          <a:xfrm>
-            <a:off x="5061931" y="5439374"/>
-            <a:ext cx="1917512" cy="471697"/>
-          </a:xfrm>
-          <a:prstGeom prst="line">
-            <a:avLst/>
-          </a:prstGeom>
-          <a:ln w="12700">
-            <a:prstDash val="sysDash"/>
-          </a:ln>
-        </p:spPr>
-        <p:style>
-          <a:lnRef idx="1">
-            <a:schemeClr val="accent1"/>
-          </a:lnRef>
-          <a:fillRef idx="0">
-            <a:schemeClr val="accent1"/>
-          </a:fillRef>
-          <a:effectRef idx="0">
-            <a:schemeClr val="accent1"/>
-          </a:effectRef>
-          <a:fontRef idx="minor">
-            <a:schemeClr val="tx1"/>
-          </a:fontRef>
-        </p:style>
-      </p:cxnSp>
-      <p:cxnSp>
-        <p:nvCxnSpPr>
-          <p:cNvPr id="22" name="直線矢印コネクタ 21">
-            <a:extLst>
-              <a:ext uri="{FF2B5EF4-FFF2-40B4-BE49-F238E27FC236}">
-                <a16:creationId xmlns:a16="http://schemas.microsoft.com/office/drawing/2014/main" id="{49758E3B-6458-8837-B4B9-48617B5EC1E9}"/>
-              </a:ext>
-            </a:extLst>
-          </p:cNvPr>
-          <p:cNvCxnSpPr>
-            <a:cxnSpLocks/>
-          </p:cNvCxnSpPr>
-          <p:nvPr/>
-        </p:nvCxnSpPr>
-        <p:spPr>
-          <a:xfrm>
-            <a:off x="5229341" y="4647394"/>
-            <a:ext cx="3070360" cy="213538"/>
-          </a:xfrm>
-          <a:prstGeom prst="straightConnector1">
-            <a:avLst/>
-          </a:prstGeom>
-          <a:ln w="57150">
-            <a:tailEnd type="triangle"/>
-          </a:ln>
-        </p:spPr>
-        <p:style>
-          <a:lnRef idx="1">
-            <a:schemeClr val="accent1"/>
-          </a:lnRef>
-          <a:fillRef idx="0">
-            <a:schemeClr val="accent1"/>
-          </a:fillRef>
-          <a:effectRef idx="0">
-            <a:schemeClr val="accent1"/>
-          </a:effectRef>
-          <a:fontRef idx="minor">
-            <a:schemeClr val="tx1"/>
-          </a:fontRef>
-        </p:style>
-      </p:cxnSp>
-      <p:sp>
-        <p:nvSpPr>
-          <p:cNvPr id="24" name="楕円 23">
-            <a:extLst>
-              <a:ext uri="{FF2B5EF4-FFF2-40B4-BE49-F238E27FC236}">
-                <a16:creationId xmlns:a16="http://schemas.microsoft.com/office/drawing/2014/main" id="{54FAC5C2-8D39-E843-18EE-07581E9FE4E5}"/>
-              </a:ext>
-            </a:extLst>
-          </p:cNvPr>
-          <p:cNvSpPr/>
-          <p:nvPr/>
-        </p:nvSpPr>
-        <p:spPr>
-          <a:xfrm rot="16446304">
-            <a:off x="5077920" y="4192282"/>
-            <a:ext cx="263574" cy="875267"/>
-          </a:xfrm>
-          <a:prstGeom prst="ellipse">
-            <a:avLst/>
-          </a:prstGeom>
-          <a:noFill/>
-          <a:ln w="28575">
-            <a:solidFill>
+          <p:style>
+            <a:lnRef idx="1">
               <a:schemeClr val="accent1"/>
-            </a:solidFill>
-          </a:ln>
-        </p:spPr>
-        <p:style>
-          <a:lnRef idx="2">
-            <a:schemeClr val="accent1">
-              <a:shade val="15000"/>
-            </a:schemeClr>
-          </a:lnRef>
-          <a:fillRef idx="1">
-            <a:schemeClr val="accent1"/>
-          </a:fillRef>
-          <a:effectRef idx="0">
-            <a:schemeClr val="accent1"/>
-          </a:effectRef>
-          <a:fontRef idx="minor">
-            <a:schemeClr val="lt1"/>
-          </a:fontRef>
-        </p:style>
-        <p:txBody>
-          <a:bodyPr rtlCol="0" anchor="ctr"/>
-          <a:lstStyle/>
-          <a:p>
-            <a:pPr algn="ctr"/>
-            <a:endParaRPr kumimoji="1" lang="ja-JP" altLang="en-US"/>
-          </a:p>
-        </p:txBody>
-      </p:sp>
-      <p:sp>
-        <p:nvSpPr>
-          <p:cNvPr id="25" name="楕円 24">
-            <a:extLst>
-              <a:ext uri="{FF2B5EF4-FFF2-40B4-BE49-F238E27FC236}">
-                <a16:creationId xmlns:a16="http://schemas.microsoft.com/office/drawing/2014/main" id="{EC17C73C-A8B9-CB25-6261-8B2C57D4EEE7}"/>
-              </a:ext>
-            </a:extLst>
-          </p:cNvPr>
-          <p:cNvSpPr/>
-          <p:nvPr/>
-        </p:nvSpPr>
-        <p:spPr>
-          <a:xfrm rot="16553957">
-            <a:off x="8005488" y="4420154"/>
-            <a:ext cx="237512" cy="868867"/>
-          </a:xfrm>
-          <a:prstGeom prst="ellipse">
-            <a:avLst/>
-          </a:prstGeom>
-          <a:noFill/>
-          <a:ln w="28575">
-            <a:solidFill>
+            </a:lnRef>
+            <a:fillRef idx="0">
               <a:schemeClr val="accent1"/>
-            </a:solidFill>
-          </a:ln>
-        </p:spPr>
-        <p:style>
-          <a:lnRef idx="2">
-            <a:schemeClr val="accent1">
-              <a:shade val="15000"/>
-            </a:schemeClr>
-          </a:lnRef>
-          <a:fillRef idx="1">
-            <a:schemeClr val="accent1"/>
-          </a:fillRef>
-          <a:effectRef idx="0">
-            <a:schemeClr val="accent1"/>
-          </a:effectRef>
-          <a:fontRef idx="minor">
-            <a:schemeClr val="lt1"/>
-          </a:fontRef>
-        </p:style>
-        <p:txBody>
-          <a:bodyPr rtlCol="0" anchor="ctr"/>
-          <a:lstStyle/>
-          <a:p>
-            <a:pPr algn="ctr"/>
-            <a:endParaRPr kumimoji="1" lang="ja-JP" altLang="en-US"/>
-          </a:p>
-        </p:txBody>
-      </p:sp>
-      <p:sp>
-        <p:nvSpPr>
-          <p:cNvPr id="26" name="楕円 25">
-            <a:extLst>
-              <a:ext uri="{FF2B5EF4-FFF2-40B4-BE49-F238E27FC236}">
-                <a16:creationId xmlns:a16="http://schemas.microsoft.com/office/drawing/2014/main" id="{1A914062-08BE-D5D2-80CF-2589FE484DAC}"/>
-              </a:ext>
-            </a:extLst>
-          </p:cNvPr>
-          <p:cNvSpPr/>
-          <p:nvPr/>
-        </p:nvSpPr>
-        <p:spPr>
-          <a:xfrm rot="15569531">
-            <a:off x="5085063" y="3585396"/>
-            <a:ext cx="224880" cy="661645"/>
-          </a:xfrm>
-          <a:prstGeom prst="ellipse">
-            <a:avLst/>
-          </a:prstGeom>
-          <a:noFill/>
-          <a:ln w="12700">
-            <a:solidFill>
+            </a:fillRef>
+            <a:effectRef idx="0">
               <a:schemeClr val="accent1"/>
-            </a:solidFill>
-            <a:prstDash val="lgDashDot"/>
-          </a:ln>
-        </p:spPr>
-        <p:style>
-          <a:lnRef idx="2">
-            <a:schemeClr val="accent1">
-              <a:shade val="15000"/>
-            </a:schemeClr>
-          </a:lnRef>
-          <a:fillRef idx="1">
-            <a:schemeClr val="accent1"/>
-          </a:fillRef>
-          <a:effectRef idx="0">
-            <a:schemeClr val="accent1"/>
-          </a:effectRef>
-          <a:fontRef idx="minor">
-            <a:schemeClr val="lt1"/>
-          </a:fontRef>
-        </p:style>
-        <p:txBody>
-          <a:bodyPr rtlCol="0" anchor="ctr"/>
-          <a:lstStyle/>
-          <a:p>
-            <a:pPr algn="ctr"/>
-            <a:endParaRPr kumimoji="1" lang="ja-JP" altLang="en-US"/>
-          </a:p>
-        </p:txBody>
-      </p:sp>
-      <p:sp>
-        <p:nvSpPr>
-          <p:cNvPr id="27" name="楕円 26">
-            <a:extLst>
-              <a:ext uri="{FF2B5EF4-FFF2-40B4-BE49-F238E27FC236}">
-                <a16:creationId xmlns:a16="http://schemas.microsoft.com/office/drawing/2014/main" id="{A43F7C90-034A-D6A2-0DCC-357CE3AC0EC8}"/>
-              </a:ext>
-            </a:extLst>
-          </p:cNvPr>
-          <p:cNvSpPr/>
-          <p:nvPr/>
-        </p:nvSpPr>
-        <p:spPr>
-          <a:xfrm rot="18038143">
-            <a:off x="8461825" y="4060576"/>
-            <a:ext cx="256963" cy="579037"/>
-          </a:xfrm>
-          <a:prstGeom prst="ellipse">
-            <a:avLst/>
-          </a:prstGeom>
-          <a:noFill/>
-          <a:ln w="12700">
-            <a:solidFill>
-              <a:schemeClr val="accent1"/>
-            </a:solidFill>
-            <a:prstDash val="lgDashDot"/>
-          </a:ln>
-        </p:spPr>
-        <p:style>
-          <a:lnRef idx="2">
-            <a:schemeClr val="accent1">
-              <a:shade val="15000"/>
-            </a:schemeClr>
-          </a:lnRef>
-          <a:fillRef idx="1">
-            <a:schemeClr val="accent1"/>
-          </a:fillRef>
-          <a:effectRef idx="0">
-            <a:schemeClr val="accent1"/>
-          </a:effectRef>
-          <a:fontRef idx="minor">
-            <a:schemeClr val="lt1"/>
-          </a:fontRef>
-        </p:style>
-        <p:txBody>
-          <a:bodyPr rtlCol="0" anchor="ctr"/>
-          <a:lstStyle/>
-          <a:p>
-            <a:pPr algn="ctr"/>
-            <a:endParaRPr kumimoji="1" lang="ja-JP" altLang="en-US"/>
-          </a:p>
-        </p:txBody>
-      </p:sp>
-      <p:sp>
-        <p:nvSpPr>
-          <p:cNvPr id="28" name="楕円 27">
-            <a:extLst>
-              <a:ext uri="{FF2B5EF4-FFF2-40B4-BE49-F238E27FC236}">
-                <a16:creationId xmlns:a16="http://schemas.microsoft.com/office/drawing/2014/main" id="{E272B8E8-6F96-EBEA-51E5-F9704CC88DD9}"/>
-              </a:ext>
-            </a:extLst>
-          </p:cNvPr>
-          <p:cNvSpPr/>
-          <p:nvPr/>
-        </p:nvSpPr>
-        <p:spPr>
-          <a:xfrm rot="16951928">
-            <a:off x="4973964" y="5089647"/>
-            <a:ext cx="264245" cy="684724"/>
-          </a:xfrm>
-          <a:prstGeom prst="ellipse">
-            <a:avLst/>
-          </a:prstGeom>
-          <a:noFill/>
-          <a:ln w="12700">
-            <a:solidFill>
-              <a:schemeClr val="accent1"/>
-            </a:solidFill>
-            <a:prstDash val="sysDash"/>
-          </a:ln>
-        </p:spPr>
-        <p:style>
-          <a:lnRef idx="2">
-            <a:schemeClr val="accent1">
-              <a:shade val="15000"/>
-            </a:schemeClr>
-          </a:lnRef>
-          <a:fillRef idx="1">
-            <a:schemeClr val="accent1"/>
-          </a:fillRef>
-          <a:effectRef idx="0">
-            <a:schemeClr val="accent1"/>
-          </a:effectRef>
-          <a:fontRef idx="minor">
-            <a:schemeClr val="lt1"/>
-          </a:fontRef>
-        </p:style>
-        <p:txBody>
-          <a:bodyPr rtlCol="0" anchor="ctr"/>
-          <a:lstStyle/>
-          <a:p>
-            <a:pPr algn="ctr"/>
-            <a:endParaRPr kumimoji="1" lang="ja-JP" altLang="en-US"/>
-          </a:p>
-        </p:txBody>
-      </p:sp>
-      <p:sp>
-        <p:nvSpPr>
-          <p:cNvPr id="29" name="楕円 28">
-            <a:extLst>
-              <a:ext uri="{FF2B5EF4-FFF2-40B4-BE49-F238E27FC236}">
-                <a16:creationId xmlns:a16="http://schemas.microsoft.com/office/drawing/2014/main" id="{86F019EF-ADD5-9220-9289-9195C505A0C8}"/>
-              </a:ext>
-            </a:extLst>
-          </p:cNvPr>
-          <p:cNvSpPr/>
-          <p:nvPr/>
-        </p:nvSpPr>
-        <p:spPr>
-          <a:xfrm rot="15102959">
-            <a:off x="8334228" y="5167686"/>
-            <a:ext cx="273234" cy="676569"/>
-          </a:xfrm>
-          <a:prstGeom prst="ellipse">
-            <a:avLst/>
-          </a:prstGeom>
-          <a:noFill/>
-          <a:ln w="12700">
-            <a:solidFill>
-              <a:schemeClr val="accent1"/>
-            </a:solidFill>
-            <a:prstDash val="sysDash"/>
-          </a:ln>
-        </p:spPr>
-        <p:style>
-          <a:lnRef idx="2">
-            <a:schemeClr val="accent1">
-              <a:shade val="15000"/>
-            </a:schemeClr>
-          </a:lnRef>
-          <a:fillRef idx="1">
-            <a:schemeClr val="accent1"/>
-          </a:fillRef>
-          <a:effectRef idx="0">
-            <a:schemeClr val="accent1"/>
-          </a:effectRef>
-          <a:fontRef idx="minor">
-            <a:schemeClr val="lt1"/>
-          </a:fontRef>
-        </p:style>
-        <p:txBody>
-          <a:bodyPr rtlCol="0" anchor="ctr"/>
-          <a:lstStyle/>
-          <a:p>
-            <a:pPr algn="ctr"/>
-            <a:endParaRPr kumimoji="1" lang="ja-JP" altLang="en-US"/>
-          </a:p>
-        </p:txBody>
-      </p:sp>
-      <p:cxnSp>
-        <p:nvCxnSpPr>
-          <p:cNvPr id="30" name="直線矢印コネクタ 29">
-            <a:extLst>
-              <a:ext uri="{FF2B5EF4-FFF2-40B4-BE49-F238E27FC236}">
-                <a16:creationId xmlns:a16="http://schemas.microsoft.com/office/drawing/2014/main" id="{F612E52D-0AA3-1DEA-7F1C-807904D884A8}"/>
-              </a:ext>
-            </a:extLst>
-          </p:cNvPr>
-          <p:cNvCxnSpPr>
-            <a:cxnSpLocks/>
-          </p:cNvCxnSpPr>
-          <p:nvPr/>
-        </p:nvCxnSpPr>
-        <p:spPr>
-          <a:xfrm flipV="1">
-            <a:off x="6979444" y="5439374"/>
-            <a:ext cx="1610862" cy="471697"/>
-          </a:xfrm>
-          <a:prstGeom prst="straightConnector1">
-            <a:avLst/>
-          </a:prstGeom>
-          <a:ln w="12700">
-            <a:prstDash val="sysDash"/>
-            <a:tailEnd type="triangle"/>
-          </a:ln>
-        </p:spPr>
-        <p:style>
-          <a:lnRef idx="1">
-            <a:schemeClr val="accent1"/>
-          </a:lnRef>
-          <a:fillRef idx="0">
-            <a:schemeClr val="accent1"/>
-          </a:fillRef>
-          <a:effectRef idx="0">
-            <a:schemeClr val="accent1"/>
-          </a:effectRef>
-          <a:fontRef idx="minor">
-            <a:schemeClr val="tx1"/>
-          </a:fontRef>
-        </p:style>
-      </p:cxnSp>
-      <p:grpSp>
-        <p:nvGrpSpPr>
-          <p:cNvPr id="43" name="グループ化 42">
-            <a:extLst>
-              <a:ext uri="{FF2B5EF4-FFF2-40B4-BE49-F238E27FC236}">
-                <a16:creationId xmlns:a16="http://schemas.microsoft.com/office/drawing/2014/main" id="{3BEA54EA-D621-AA98-7E7A-07CD0F5708AC}"/>
-              </a:ext>
-            </a:extLst>
-          </p:cNvPr>
-          <p:cNvGrpSpPr/>
-          <p:nvPr/>
-        </p:nvGrpSpPr>
-        <p:grpSpPr>
-          <a:xfrm>
-            <a:off x="3196915" y="6101054"/>
-            <a:ext cx="743904" cy="442767"/>
-            <a:chOff x="3268353" y="5729579"/>
-            <a:chExt cx="743904" cy="442767"/>
-          </a:xfrm>
-        </p:grpSpPr>
-        <p:pic>
-          <p:nvPicPr>
-            <p:cNvPr id="40" name="図 39" descr="\documentclass{jsarticle}&#10;\usepackage{amsmath}&#10;\usepackage[T1]{fontenc}&#10;\usepackage{lmodern}&#10;\pagestyle{empty}&#10;&#10;\begin{document}&#10;%\begin{align*}&#10;%\end{align*}&#10;$H$&#10;\end{document}" title="IguanaTex Bitmap Display">
+            </a:effectRef>
+            <a:fontRef idx="minor">
+              <a:schemeClr val="tx1"/>
+            </a:fontRef>
+          </p:style>
+        </p:cxnSp>
+        <p:cxnSp>
+          <p:nvCxnSpPr>
+            <p:cNvPr id="22" name="直線矢印コネクタ 21">
               <a:extLst>
                 <a:ext uri="{FF2B5EF4-FFF2-40B4-BE49-F238E27FC236}">
-                  <a16:creationId xmlns:a16="http://schemas.microsoft.com/office/drawing/2014/main" id="{170E1632-576C-D387-8E0C-9589FD25DA90}"/>
+                  <a16:creationId xmlns:a16="http://schemas.microsoft.com/office/drawing/2014/main" id="{49758E3B-6458-8837-B4B9-48617B5EC1E9}"/>
                 </a:ext>
               </a:extLst>
             </p:cNvPr>
-            <p:cNvPicPr>
-              <a:picLocks noChangeAspect="1"/>
-            </p:cNvPicPr>
-            <p:nvPr>
-              <p:custDataLst>
-                <p:tags r:id="rId2"/>
-              </p:custDataLst>
-            </p:nvPr>
-          </p:nvPicPr>
-          <p:blipFill>
-            <a:blip r:embed="rId6">
-              <a:extLst>
-                <a:ext uri="{28A0092B-C50C-407E-A947-70E740481C1C}">
-                  <a14:useLocalDpi xmlns:a14="http://schemas.microsoft.com/office/drawing/2010/main" val="0"/>
-                </a:ext>
-              </a:extLst>
-            </a:blip>
-            <a:stretch>
-              <a:fillRect/>
-            </a:stretch>
-          </p:blipFill>
+            <p:cNvCxnSpPr>
+              <a:cxnSpLocks/>
+            </p:cNvCxnSpPr>
+            <p:nvPr/>
+          </p:nvCxnSpPr>
           <p:spPr>
             <a:xfrm>
-              <a:off x="3447424" y="5787463"/>
-              <a:ext cx="385762" cy="315624"/>
+              <a:off x="5229341" y="4647394"/>
+              <a:ext cx="3070360" cy="213538"/>
             </a:xfrm>
-            <a:prstGeom prst="rect">
+            <a:prstGeom prst="straightConnector1">
               <a:avLst/>
             </a:prstGeom>
+            <a:ln w="57150">
+              <a:tailEnd type="triangle"/>
+            </a:ln>
           </p:spPr>
-        </p:pic>
+          <p:style>
+            <a:lnRef idx="1">
+              <a:schemeClr val="accent1"/>
+            </a:lnRef>
+            <a:fillRef idx="0">
+              <a:schemeClr val="accent1"/>
+            </a:fillRef>
+            <a:effectRef idx="0">
+              <a:schemeClr val="accent1"/>
+            </a:effectRef>
+            <a:fontRef idx="minor">
+              <a:schemeClr val="tx1"/>
+            </a:fontRef>
+          </p:style>
+        </p:cxnSp>
         <p:sp>
           <p:nvSpPr>
-            <p:cNvPr id="42" name="吹き出し: 四角形 41">
+            <p:cNvPr id="24" name="楕円 23">
               <a:extLst>
                 <a:ext uri="{FF2B5EF4-FFF2-40B4-BE49-F238E27FC236}">
-                  <a16:creationId xmlns:a16="http://schemas.microsoft.com/office/drawing/2014/main" id="{9369BADC-4DA4-1F08-85E4-96133D20E8ED}"/>
+                  <a16:creationId xmlns:a16="http://schemas.microsoft.com/office/drawing/2014/main" id="{54FAC5C2-8D39-E843-18EE-07581E9FE4E5}"/>
                 </a:ext>
               </a:extLst>
             </p:cNvPr>
@@ -8383,17 +9279,19 @@
             <p:nvPr/>
           </p:nvSpPr>
           <p:spPr>
-            <a:xfrm rot="10800000">
-              <a:off x="3268353" y="5729579"/>
-              <a:ext cx="743904" cy="442767"/>
+            <a:xfrm rot="16446304">
+              <a:off x="5077920" y="4192282"/>
+              <a:ext cx="263574" cy="875267"/>
             </a:xfrm>
-            <a:prstGeom prst="wedgeRectCallout">
-              <a:avLst>
-                <a:gd name="adj1" fmla="val -23509"/>
-                <a:gd name="adj2" fmla="val 78634"/>
-              </a:avLst>
+            <a:prstGeom prst="ellipse">
+              <a:avLst/>
             </a:prstGeom>
             <a:noFill/>
+            <a:ln w="28575">
+              <a:solidFill>
+                <a:schemeClr val="accent1"/>
+              </a:solidFill>
+            </a:ln>
           </p:spPr>
           <p:style>
             <a:lnRef idx="2">
@@ -8420,73 +9318,12 @@
             </a:p>
           </p:txBody>
         </p:sp>
-      </p:grpSp>
-      <p:grpSp>
-        <p:nvGrpSpPr>
-          <p:cNvPr id="44" name="グループ化 43">
-            <a:extLst>
-              <a:ext uri="{FF2B5EF4-FFF2-40B4-BE49-F238E27FC236}">
-                <a16:creationId xmlns:a16="http://schemas.microsoft.com/office/drawing/2014/main" id="{24F29C8B-51AA-AF15-BE3E-305EF9347BD6}"/>
-              </a:ext>
-            </a:extLst>
-          </p:cNvPr>
-          <p:cNvGrpSpPr/>
-          <p:nvPr/>
-        </p:nvGrpSpPr>
-        <p:grpSpPr>
-          <a:xfrm>
-            <a:off x="9407738" y="6102363"/>
-            <a:ext cx="743904" cy="442767"/>
-            <a:chOff x="3268353" y="5729579"/>
-            <a:chExt cx="743904" cy="442767"/>
-          </a:xfrm>
-        </p:grpSpPr>
-        <p:pic>
-          <p:nvPicPr>
-            <p:cNvPr id="45" name="図 44" descr="\documentclass{jsarticle}&#10;\usepackage{amsmath}&#10;\usepackage[T1]{fontenc}&#10;\usepackage{lmodern}&#10;\pagestyle{empty}&#10;&#10;\begin{document}&#10;%\begin{align*}&#10;%\end{align*}&#10;$H$&#10;\end{document}" title="IguanaTex Bitmap Display">
+        <p:sp>
+          <p:nvSpPr>
+            <p:cNvPr id="25" name="楕円 24">
               <a:extLst>
                 <a:ext uri="{FF2B5EF4-FFF2-40B4-BE49-F238E27FC236}">
-                  <a16:creationId xmlns:a16="http://schemas.microsoft.com/office/drawing/2014/main" id="{DA312184-2462-A82B-5D40-0BF46DCC5183}"/>
-                </a:ext>
-              </a:extLst>
-            </p:cNvPr>
-            <p:cNvPicPr>
-              <a:picLocks noChangeAspect="1"/>
-            </p:cNvPicPr>
-            <p:nvPr>
-              <p:custDataLst>
-                <p:tags r:id="rId1"/>
-              </p:custDataLst>
-            </p:nvPr>
-          </p:nvPicPr>
-          <p:blipFill>
-            <a:blip r:embed="rId6">
-              <a:extLst>
-                <a:ext uri="{28A0092B-C50C-407E-A947-70E740481C1C}">
-                  <a14:useLocalDpi xmlns:a14="http://schemas.microsoft.com/office/drawing/2010/main" val="0"/>
-                </a:ext>
-              </a:extLst>
-            </a:blip>
-            <a:stretch>
-              <a:fillRect/>
-            </a:stretch>
-          </p:blipFill>
-          <p:spPr>
-            <a:xfrm>
-              <a:off x="3447424" y="5787463"/>
-              <a:ext cx="385762" cy="315624"/>
-            </a:xfrm>
-            <a:prstGeom prst="rect">
-              <a:avLst/>
-            </a:prstGeom>
-          </p:spPr>
-        </p:pic>
-        <p:sp>
-          <p:nvSpPr>
-            <p:cNvPr id="46" name="吹き出し: 四角形 45">
-              <a:extLst>
-                <a:ext uri="{FF2B5EF4-FFF2-40B4-BE49-F238E27FC236}">
-                  <a16:creationId xmlns:a16="http://schemas.microsoft.com/office/drawing/2014/main" id="{06692787-6A79-6092-BB81-B6AE6B8FB857}"/>
+                  <a16:creationId xmlns:a16="http://schemas.microsoft.com/office/drawing/2014/main" id="{EC17C73C-A8B9-CB25-6261-8B2C57D4EEE7}"/>
                 </a:ext>
               </a:extLst>
             </p:cNvPr>
@@ -8494,17 +9331,19 @@
             <p:nvPr/>
           </p:nvSpPr>
           <p:spPr>
-            <a:xfrm rot="10800000">
-              <a:off x="3268353" y="5729579"/>
-              <a:ext cx="743904" cy="442767"/>
+            <a:xfrm rot="16553957">
+              <a:off x="8005488" y="4420154"/>
+              <a:ext cx="237512" cy="868867"/>
             </a:xfrm>
-            <a:prstGeom prst="wedgeRectCallout">
-              <a:avLst>
-                <a:gd name="adj1" fmla="val -23509"/>
-                <a:gd name="adj2" fmla="val 78634"/>
-              </a:avLst>
+            <a:prstGeom prst="ellipse">
+              <a:avLst/>
             </a:prstGeom>
             <a:noFill/>
+            <a:ln w="28575">
+              <a:solidFill>
+                <a:schemeClr val="accent1"/>
+              </a:solidFill>
+            </a:ln>
           </p:spPr>
           <p:style>
             <a:lnRef idx="2">
@@ -8531,6 +9370,482 @@
             </a:p>
           </p:txBody>
         </p:sp>
+        <p:sp>
+          <p:nvSpPr>
+            <p:cNvPr id="26" name="楕円 25">
+              <a:extLst>
+                <a:ext uri="{FF2B5EF4-FFF2-40B4-BE49-F238E27FC236}">
+                  <a16:creationId xmlns:a16="http://schemas.microsoft.com/office/drawing/2014/main" id="{1A914062-08BE-D5D2-80CF-2589FE484DAC}"/>
+                </a:ext>
+              </a:extLst>
+            </p:cNvPr>
+            <p:cNvSpPr/>
+            <p:nvPr/>
+          </p:nvSpPr>
+          <p:spPr>
+            <a:xfrm rot="15569531">
+              <a:off x="5085063" y="3585396"/>
+              <a:ext cx="224880" cy="661645"/>
+            </a:xfrm>
+            <a:prstGeom prst="ellipse">
+              <a:avLst/>
+            </a:prstGeom>
+            <a:noFill/>
+            <a:ln w="12700">
+              <a:solidFill>
+                <a:schemeClr val="accent1"/>
+              </a:solidFill>
+              <a:prstDash val="lgDashDot"/>
+            </a:ln>
+          </p:spPr>
+          <p:style>
+            <a:lnRef idx="2">
+              <a:schemeClr val="accent1">
+                <a:shade val="15000"/>
+              </a:schemeClr>
+            </a:lnRef>
+            <a:fillRef idx="1">
+              <a:schemeClr val="accent1"/>
+            </a:fillRef>
+            <a:effectRef idx="0">
+              <a:schemeClr val="accent1"/>
+            </a:effectRef>
+            <a:fontRef idx="minor">
+              <a:schemeClr val="lt1"/>
+            </a:fontRef>
+          </p:style>
+          <p:txBody>
+            <a:bodyPr rtlCol="0" anchor="ctr"/>
+            <a:lstStyle/>
+            <a:p>
+              <a:pPr algn="ctr"/>
+              <a:endParaRPr kumimoji="1" lang="ja-JP" altLang="en-US"/>
+            </a:p>
+          </p:txBody>
+        </p:sp>
+        <p:sp>
+          <p:nvSpPr>
+            <p:cNvPr id="27" name="楕円 26">
+              <a:extLst>
+                <a:ext uri="{FF2B5EF4-FFF2-40B4-BE49-F238E27FC236}">
+                  <a16:creationId xmlns:a16="http://schemas.microsoft.com/office/drawing/2014/main" id="{A43F7C90-034A-D6A2-0DCC-357CE3AC0EC8}"/>
+                </a:ext>
+              </a:extLst>
+            </p:cNvPr>
+            <p:cNvSpPr/>
+            <p:nvPr/>
+          </p:nvSpPr>
+          <p:spPr>
+            <a:xfrm rot="18038143">
+              <a:off x="8461825" y="4060576"/>
+              <a:ext cx="256963" cy="579037"/>
+            </a:xfrm>
+            <a:prstGeom prst="ellipse">
+              <a:avLst/>
+            </a:prstGeom>
+            <a:noFill/>
+            <a:ln w="12700">
+              <a:solidFill>
+                <a:schemeClr val="accent1"/>
+              </a:solidFill>
+              <a:prstDash val="lgDashDot"/>
+            </a:ln>
+          </p:spPr>
+          <p:style>
+            <a:lnRef idx="2">
+              <a:schemeClr val="accent1">
+                <a:shade val="15000"/>
+              </a:schemeClr>
+            </a:lnRef>
+            <a:fillRef idx="1">
+              <a:schemeClr val="accent1"/>
+            </a:fillRef>
+            <a:effectRef idx="0">
+              <a:schemeClr val="accent1"/>
+            </a:effectRef>
+            <a:fontRef idx="minor">
+              <a:schemeClr val="lt1"/>
+            </a:fontRef>
+          </p:style>
+          <p:txBody>
+            <a:bodyPr rtlCol="0" anchor="ctr"/>
+            <a:lstStyle/>
+            <a:p>
+              <a:pPr algn="ctr"/>
+              <a:endParaRPr kumimoji="1" lang="ja-JP" altLang="en-US"/>
+            </a:p>
+          </p:txBody>
+        </p:sp>
+        <p:sp>
+          <p:nvSpPr>
+            <p:cNvPr id="28" name="楕円 27">
+              <a:extLst>
+                <a:ext uri="{FF2B5EF4-FFF2-40B4-BE49-F238E27FC236}">
+                  <a16:creationId xmlns:a16="http://schemas.microsoft.com/office/drawing/2014/main" id="{E272B8E8-6F96-EBEA-51E5-F9704CC88DD9}"/>
+                </a:ext>
+              </a:extLst>
+            </p:cNvPr>
+            <p:cNvSpPr/>
+            <p:nvPr/>
+          </p:nvSpPr>
+          <p:spPr>
+            <a:xfrm rot="16951928">
+              <a:off x="4973964" y="5089647"/>
+              <a:ext cx="264245" cy="684724"/>
+            </a:xfrm>
+            <a:prstGeom prst="ellipse">
+              <a:avLst/>
+            </a:prstGeom>
+            <a:noFill/>
+            <a:ln w="12700">
+              <a:solidFill>
+                <a:schemeClr val="accent1"/>
+              </a:solidFill>
+              <a:prstDash val="sysDash"/>
+            </a:ln>
+          </p:spPr>
+          <p:style>
+            <a:lnRef idx="2">
+              <a:schemeClr val="accent1">
+                <a:shade val="15000"/>
+              </a:schemeClr>
+            </a:lnRef>
+            <a:fillRef idx="1">
+              <a:schemeClr val="accent1"/>
+            </a:fillRef>
+            <a:effectRef idx="0">
+              <a:schemeClr val="accent1"/>
+            </a:effectRef>
+            <a:fontRef idx="minor">
+              <a:schemeClr val="lt1"/>
+            </a:fontRef>
+          </p:style>
+          <p:txBody>
+            <a:bodyPr rtlCol="0" anchor="ctr"/>
+            <a:lstStyle/>
+            <a:p>
+              <a:pPr algn="ctr"/>
+              <a:endParaRPr kumimoji="1" lang="ja-JP" altLang="en-US"/>
+            </a:p>
+          </p:txBody>
+        </p:sp>
+        <p:sp>
+          <p:nvSpPr>
+            <p:cNvPr id="29" name="楕円 28">
+              <a:extLst>
+                <a:ext uri="{FF2B5EF4-FFF2-40B4-BE49-F238E27FC236}">
+                  <a16:creationId xmlns:a16="http://schemas.microsoft.com/office/drawing/2014/main" id="{86F019EF-ADD5-9220-9289-9195C505A0C8}"/>
+                </a:ext>
+              </a:extLst>
+            </p:cNvPr>
+            <p:cNvSpPr/>
+            <p:nvPr/>
+          </p:nvSpPr>
+          <p:spPr>
+            <a:xfrm rot="15102959">
+              <a:off x="8334228" y="5167686"/>
+              <a:ext cx="273234" cy="676569"/>
+            </a:xfrm>
+            <a:prstGeom prst="ellipse">
+              <a:avLst/>
+            </a:prstGeom>
+            <a:noFill/>
+            <a:ln w="12700">
+              <a:solidFill>
+                <a:schemeClr val="accent1"/>
+              </a:solidFill>
+              <a:prstDash val="sysDash"/>
+            </a:ln>
+          </p:spPr>
+          <p:style>
+            <a:lnRef idx="2">
+              <a:schemeClr val="accent1">
+                <a:shade val="15000"/>
+              </a:schemeClr>
+            </a:lnRef>
+            <a:fillRef idx="1">
+              <a:schemeClr val="accent1"/>
+            </a:fillRef>
+            <a:effectRef idx="0">
+              <a:schemeClr val="accent1"/>
+            </a:effectRef>
+            <a:fontRef idx="minor">
+              <a:schemeClr val="lt1"/>
+            </a:fontRef>
+          </p:style>
+          <p:txBody>
+            <a:bodyPr rtlCol="0" anchor="ctr"/>
+            <a:lstStyle/>
+            <a:p>
+              <a:pPr algn="ctr"/>
+              <a:endParaRPr kumimoji="1" lang="ja-JP" altLang="en-US"/>
+            </a:p>
+          </p:txBody>
+        </p:sp>
+        <p:cxnSp>
+          <p:nvCxnSpPr>
+            <p:cNvPr id="30" name="直線矢印コネクタ 29">
+              <a:extLst>
+                <a:ext uri="{FF2B5EF4-FFF2-40B4-BE49-F238E27FC236}">
+                  <a16:creationId xmlns:a16="http://schemas.microsoft.com/office/drawing/2014/main" id="{F612E52D-0AA3-1DEA-7F1C-807904D884A8}"/>
+                </a:ext>
+              </a:extLst>
+            </p:cNvPr>
+            <p:cNvCxnSpPr>
+              <a:cxnSpLocks/>
+            </p:cNvCxnSpPr>
+            <p:nvPr/>
+          </p:nvCxnSpPr>
+          <p:spPr>
+            <a:xfrm flipV="1">
+              <a:off x="6979444" y="5439374"/>
+              <a:ext cx="1610862" cy="471697"/>
+            </a:xfrm>
+            <a:prstGeom prst="straightConnector1">
+              <a:avLst/>
+            </a:prstGeom>
+            <a:ln w="12700">
+              <a:prstDash val="sysDash"/>
+              <a:tailEnd type="triangle"/>
+            </a:ln>
+          </p:spPr>
+          <p:style>
+            <a:lnRef idx="1">
+              <a:schemeClr val="accent1"/>
+            </a:lnRef>
+            <a:fillRef idx="0">
+              <a:schemeClr val="accent1"/>
+            </a:fillRef>
+            <a:effectRef idx="0">
+              <a:schemeClr val="accent1"/>
+            </a:effectRef>
+            <a:fontRef idx="minor">
+              <a:schemeClr val="tx1"/>
+            </a:fontRef>
+          </p:style>
+        </p:cxnSp>
+        <p:grpSp>
+          <p:nvGrpSpPr>
+            <p:cNvPr id="43" name="グループ化 42">
+              <a:extLst>
+                <a:ext uri="{FF2B5EF4-FFF2-40B4-BE49-F238E27FC236}">
+                  <a16:creationId xmlns:a16="http://schemas.microsoft.com/office/drawing/2014/main" id="{3BEA54EA-D621-AA98-7E7A-07CD0F5708AC}"/>
+                </a:ext>
+              </a:extLst>
+            </p:cNvPr>
+            <p:cNvGrpSpPr/>
+            <p:nvPr/>
+          </p:nvGrpSpPr>
+          <p:grpSpPr>
+            <a:xfrm>
+              <a:off x="3196915" y="6101054"/>
+              <a:ext cx="743904" cy="442767"/>
+              <a:chOff x="3268353" y="5729579"/>
+              <a:chExt cx="743904" cy="442767"/>
+            </a:xfrm>
+          </p:grpSpPr>
+          <p:pic>
+            <p:nvPicPr>
+              <p:cNvPr id="40" name="図 39" descr="\documentclass{jsarticle}&#10;\usepackage{amsmath}&#10;\usepackage[T1]{fontenc}&#10;\usepackage{lmodern}&#10;\pagestyle{empty}&#10;&#10;\begin{document}&#10;%\begin{align*}&#10;%\end{align*}&#10;$H$&#10;\end{document}" title="IguanaTex Bitmap Display">
+                <a:extLst>
+                  <a:ext uri="{FF2B5EF4-FFF2-40B4-BE49-F238E27FC236}">
+                    <a16:creationId xmlns:a16="http://schemas.microsoft.com/office/drawing/2014/main" id="{170E1632-576C-D387-8E0C-9589FD25DA90}"/>
+                  </a:ext>
+                </a:extLst>
+              </p:cNvPr>
+              <p:cNvPicPr>
+                <a:picLocks noChangeAspect="1"/>
+              </p:cNvPicPr>
+              <p:nvPr>
+                <p:custDataLst>
+                  <p:tags r:id="rId2"/>
+                </p:custDataLst>
+              </p:nvPr>
+            </p:nvPicPr>
+            <p:blipFill>
+              <a:blip r:embed="rId6">
+                <a:extLst>
+                  <a:ext uri="{28A0092B-C50C-407E-A947-70E740481C1C}">
+                    <a14:useLocalDpi xmlns:a14="http://schemas.microsoft.com/office/drawing/2010/main" val="0"/>
+                  </a:ext>
+                </a:extLst>
+              </a:blip>
+              <a:stretch>
+                <a:fillRect/>
+              </a:stretch>
+            </p:blipFill>
+            <p:spPr>
+              <a:xfrm>
+                <a:off x="3447424" y="5787463"/>
+                <a:ext cx="385762" cy="315624"/>
+              </a:xfrm>
+              <a:prstGeom prst="rect">
+                <a:avLst/>
+              </a:prstGeom>
+            </p:spPr>
+          </p:pic>
+          <p:sp>
+            <p:nvSpPr>
+              <p:cNvPr id="42" name="吹き出し: 四角形 41">
+                <a:extLst>
+                  <a:ext uri="{FF2B5EF4-FFF2-40B4-BE49-F238E27FC236}">
+                    <a16:creationId xmlns:a16="http://schemas.microsoft.com/office/drawing/2014/main" id="{9369BADC-4DA4-1F08-85E4-96133D20E8ED}"/>
+                  </a:ext>
+                </a:extLst>
+              </p:cNvPr>
+              <p:cNvSpPr/>
+              <p:nvPr/>
+            </p:nvSpPr>
+            <p:spPr>
+              <a:xfrm rot="10800000">
+                <a:off x="3268353" y="5729579"/>
+                <a:ext cx="743904" cy="442767"/>
+              </a:xfrm>
+              <a:prstGeom prst="wedgeRectCallout">
+                <a:avLst>
+                  <a:gd name="adj1" fmla="val -23509"/>
+                  <a:gd name="adj2" fmla="val 78634"/>
+                </a:avLst>
+              </a:prstGeom>
+              <a:noFill/>
+            </p:spPr>
+            <p:style>
+              <a:lnRef idx="2">
+                <a:schemeClr val="accent1">
+                  <a:shade val="15000"/>
+                </a:schemeClr>
+              </a:lnRef>
+              <a:fillRef idx="1">
+                <a:schemeClr val="accent1"/>
+              </a:fillRef>
+              <a:effectRef idx="0">
+                <a:schemeClr val="accent1"/>
+              </a:effectRef>
+              <a:fontRef idx="minor">
+                <a:schemeClr val="lt1"/>
+              </a:fontRef>
+            </p:style>
+            <p:txBody>
+              <a:bodyPr rtlCol="0" anchor="ctr"/>
+              <a:lstStyle/>
+              <a:p>
+                <a:pPr algn="ctr"/>
+                <a:endParaRPr kumimoji="1" lang="ja-JP" altLang="en-US"/>
+              </a:p>
+            </p:txBody>
+          </p:sp>
+        </p:grpSp>
+        <p:grpSp>
+          <p:nvGrpSpPr>
+            <p:cNvPr id="44" name="グループ化 43">
+              <a:extLst>
+                <a:ext uri="{FF2B5EF4-FFF2-40B4-BE49-F238E27FC236}">
+                  <a16:creationId xmlns:a16="http://schemas.microsoft.com/office/drawing/2014/main" id="{24F29C8B-51AA-AF15-BE3E-305EF9347BD6}"/>
+                </a:ext>
+              </a:extLst>
+            </p:cNvPr>
+            <p:cNvGrpSpPr/>
+            <p:nvPr/>
+          </p:nvGrpSpPr>
+          <p:grpSpPr>
+            <a:xfrm>
+              <a:off x="9407738" y="6102363"/>
+              <a:ext cx="743904" cy="442767"/>
+              <a:chOff x="3268353" y="5729579"/>
+              <a:chExt cx="743904" cy="442767"/>
+            </a:xfrm>
+          </p:grpSpPr>
+          <p:pic>
+            <p:nvPicPr>
+              <p:cNvPr id="45" name="図 44" descr="\documentclass{jsarticle}&#10;\usepackage{amsmath}&#10;\usepackage[T1]{fontenc}&#10;\usepackage{lmodern}&#10;\pagestyle{empty}&#10;&#10;\begin{document}&#10;%\begin{align*}&#10;%\end{align*}&#10;$H$&#10;\end{document}" title="IguanaTex Bitmap Display">
+                <a:extLst>
+                  <a:ext uri="{FF2B5EF4-FFF2-40B4-BE49-F238E27FC236}">
+                    <a16:creationId xmlns:a16="http://schemas.microsoft.com/office/drawing/2014/main" id="{DA312184-2462-A82B-5D40-0BF46DCC5183}"/>
+                  </a:ext>
+                </a:extLst>
+              </p:cNvPr>
+              <p:cNvPicPr>
+                <a:picLocks noChangeAspect="1"/>
+              </p:cNvPicPr>
+              <p:nvPr>
+                <p:custDataLst>
+                  <p:tags r:id="rId1"/>
+                </p:custDataLst>
+              </p:nvPr>
+            </p:nvPicPr>
+            <p:blipFill>
+              <a:blip r:embed="rId6">
+                <a:extLst>
+                  <a:ext uri="{28A0092B-C50C-407E-A947-70E740481C1C}">
+                    <a14:useLocalDpi xmlns:a14="http://schemas.microsoft.com/office/drawing/2010/main" val="0"/>
+                  </a:ext>
+                </a:extLst>
+              </a:blip>
+              <a:stretch>
+                <a:fillRect/>
+              </a:stretch>
+            </p:blipFill>
+            <p:spPr>
+              <a:xfrm>
+                <a:off x="3447424" y="5787463"/>
+                <a:ext cx="385762" cy="315624"/>
+              </a:xfrm>
+              <a:prstGeom prst="rect">
+                <a:avLst/>
+              </a:prstGeom>
+            </p:spPr>
+          </p:pic>
+          <p:sp>
+            <p:nvSpPr>
+              <p:cNvPr id="46" name="吹き出し: 四角形 45">
+                <a:extLst>
+                  <a:ext uri="{FF2B5EF4-FFF2-40B4-BE49-F238E27FC236}">
+                    <a16:creationId xmlns:a16="http://schemas.microsoft.com/office/drawing/2014/main" id="{06692787-6A79-6092-BB81-B6AE6B8FB857}"/>
+                  </a:ext>
+                </a:extLst>
+              </p:cNvPr>
+              <p:cNvSpPr/>
+              <p:nvPr/>
+            </p:nvSpPr>
+            <p:spPr>
+              <a:xfrm rot="10800000">
+                <a:off x="3268353" y="5729579"/>
+                <a:ext cx="743904" cy="442767"/>
+              </a:xfrm>
+              <a:prstGeom prst="wedgeRectCallout">
+                <a:avLst>
+                  <a:gd name="adj1" fmla="val -23509"/>
+                  <a:gd name="adj2" fmla="val 78634"/>
+                </a:avLst>
+              </a:prstGeom>
+              <a:noFill/>
+            </p:spPr>
+            <p:style>
+              <a:lnRef idx="2">
+                <a:schemeClr val="accent1">
+                  <a:shade val="15000"/>
+                </a:schemeClr>
+              </a:lnRef>
+              <a:fillRef idx="1">
+                <a:schemeClr val="accent1"/>
+              </a:fillRef>
+              <a:effectRef idx="0">
+                <a:schemeClr val="accent1"/>
+              </a:effectRef>
+              <a:fontRef idx="minor">
+                <a:schemeClr val="lt1"/>
+              </a:fontRef>
+            </p:style>
+            <p:txBody>
+              <a:bodyPr rtlCol="0" anchor="ctr"/>
+              <a:lstStyle/>
+              <a:p>
+                <a:pPr algn="ctr"/>
+                <a:endParaRPr kumimoji="1" lang="ja-JP" altLang="en-US"/>
+              </a:p>
+            </p:txBody>
+          </p:sp>
+        </p:grpSp>
       </p:grpSp>
     </p:spTree>
     <p:extLst>
@@ -8887,12 +10202,12 @@
             </p:cNvPicPr>
             <p:nvPr>
               <p:custDataLst>
-                <p:tags r:id="rId1"/>
+                <p:tags r:id="rId2"/>
               </p:custDataLst>
             </p:nvPr>
           </p:nvPicPr>
           <p:blipFill>
-            <a:blip r:embed="rId7">
+            <a:blip r:embed="rId9">
               <a:extLst>
                 <a:ext uri="{28A0092B-C50C-407E-A947-70E740481C1C}">
                   <a14:useLocalDpi xmlns:a14="http://schemas.microsoft.com/office/drawing/2010/main" val="0"/>
@@ -8927,12 +10242,12 @@
             </p:cNvPicPr>
             <p:nvPr>
               <p:custDataLst>
-                <p:tags r:id="rId2"/>
+                <p:tags r:id="rId3"/>
               </p:custDataLst>
             </p:nvPr>
           </p:nvPicPr>
           <p:blipFill>
-            <a:blip r:embed="rId8">
+            <a:blip r:embed="rId10">
               <a:extLst>
                 <a:ext uri="{28A0092B-C50C-407E-A947-70E740481C1C}">
                   <a14:useLocalDpi xmlns:a14="http://schemas.microsoft.com/office/drawing/2010/main" val="0"/>
@@ -8967,12 +10282,12 @@
             </p:cNvPicPr>
             <p:nvPr>
               <p:custDataLst>
-                <p:tags r:id="rId3"/>
+                <p:tags r:id="rId4"/>
               </p:custDataLst>
             </p:nvPr>
           </p:nvPicPr>
           <p:blipFill>
-            <a:blip r:embed="rId9">
+            <a:blip r:embed="rId11">
               <a:extLst>
                 <a:ext uri="{28A0092B-C50C-407E-A947-70E740481C1C}">
                   <a14:useLocalDpi xmlns:a14="http://schemas.microsoft.com/office/drawing/2010/main" val="0"/>
@@ -9007,12 +10322,12 @@
             </p:cNvPicPr>
             <p:nvPr>
               <p:custDataLst>
-                <p:tags r:id="rId4"/>
+                <p:tags r:id="rId5"/>
               </p:custDataLst>
             </p:nvPr>
           </p:nvPicPr>
           <p:blipFill>
-            <a:blip r:embed="rId10">
+            <a:blip r:embed="rId12">
               <a:extLst>
                 <a:ext uri="{28A0092B-C50C-407E-A947-70E740481C1C}">
                   <a14:useLocalDpi xmlns:a14="http://schemas.microsoft.com/office/drawing/2010/main" val="0"/>
@@ -9047,12 +10362,12 @@
             </p:cNvPicPr>
             <p:nvPr>
               <p:custDataLst>
-                <p:tags r:id="rId5"/>
+                <p:tags r:id="rId6"/>
               </p:custDataLst>
             </p:nvPr>
           </p:nvPicPr>
           <p:blipFill>
-            <a:blip r:embed="rId11">
+            <a:blip r:embed="rId13">
               <a:extLst>
                 <a:ext uri="{28A0092B-C50C-407E-A947-70E740481C1C}">
                   <a14:useLocalDpi xmlns:a14="http://schemas.microsoft.com/office/drawing/2010/main" val="0"/>
@@ -9089,13 +10404,13 @@
           <p:nvPr/>
         </p:nvPicPr>
         <p:blipFill>
-          <a:blip r:embed="rId12">
+          <a:blip r:embed="rId14">
             <a:extLst>
               <a:ext uri="{28A0092B-C50C-407E-A947-70E740481C1C}">
                 <a14:useLocalDpi xmlns:a14="http://schemas.microsoft.com/office/drawing/2010/main" val="0"/>
               </a:ext>
               <a:ext uri="{96DAC541-7B7A-43D3-8B79-37D633B846F1}">
-                <asvg:svgBlip xmlns:asvg="http://schemas.microsoft.com/office/drawing/2016/SVG/main" r:embed="rId13"/>
+                <asvg:svgBlip xmlns:asvg="http://schemas.microsoft.com/office/drawing/2016/SVG/main" r:embed="rId15"/>
               </a:ext>
             </a:extLst>
           </a:blip>
@@ -9105,16 +10420,16 @@
         </p:blipFill>
         <p:spPr>
           <a:xfrm>
-            <a:off x="1219026" y="4736326"/>
-            <a:ext cx="10245897" cy="1477818"/>
+            <a:off x="1129574" y="4735087"/>
+            <a:ext cx="10245897" cy="1354045"/>
           </a:xfrm>
           <a:prstGeom prst="rect">
             <a:avLst/>
           </a:prstGeom>
         </p:spPr>
       </p:pic>
-      <mc:AlternateContent xmlns:mc="http://schemas.openxmlformats.org/markup-compatibility/2006" xmlns:a14="http://schemas.microsoft.com/office/drawing/2010/main">
-        <mc:Choice Requires="a14">
+      <mc:AlternateContent xmlns:mc="http://schemas.openxmlformats.org/markup-compatibility/2006">
+        <mc:Choice xmlns:a14="http://schemas.microsoft.com/office/drawing/2010/main" Requires="a14">
           <p:sp>
             <p:nvSpPr>
               <p:cNvPr id="5" name="テキスト ボックス 4">
@@ -9129,7 +10444,7 @@
             </p:nvSpPr>
             <p:spPr>
               <a:xfrm>
-                <a:off x="1219026" y="5123621"/>
+                <a:off x="1010304" y="5077190"/>
                 <a:ext cx="467244" cy="276999"/>
               </a:xfrm>
               <a:prstGeom prst="rect">
@@ -9182,7 +10497,7 @@
             </p:txBody>
           </p:sp>
         </mc:Choice>
-        <mc:Fallback xmlns="">
+        <mc:Fallback>
           <p:sp>
             <p:nvSpPr>
               <p:cNvPr id="5" name="テキスト ボックス 4">
@@ -9199,16 +10514,16 @@
             </p:nvSpPr>
             <p:spPr>
               <a:xfrm>
-                <a:off x="1219026" y="5123621"/>
+                <a:off x="1010304" y="5077190"/>
                 <a:ext cx="467244" cy="276999"/>
               </a:xfrm>
               <a:prstGeom prst="rect">
                 <a:avLst/>
               </a:prstGeom>
               <a:blipFill>
-                <a:blip r:embed="rId14"/>
+                <a:blip r:embed="rId16"/>
                 <a:stretch>
-                  <a:fillRect l="-5195" t="-2174" r="-15584" b="-32609"/>
+                  <a:fillRect l="-5263" t="-2222" r="-17105" b="-35556"/>
                 </a:stretch>
               </a:blipFill>
             </p:spPr>
@@ -9227,8 +10542,8 @@
           </p:sp>
         </mc:Fallback>
       </mc:AlternateContent>
-      <mc:AlternateContent xmlns:mc="http://schemas.openxmlformats.org/markup-compatibility/2006" xmlns:a14="http://schemas.microsoft.com/office/drawing/2010/main">
-        <mc:Choice Requires="a14">
+      <mc:AlternateContent xmlns:mc="http://schemas.openxmlformats.org/markup-compatibility/2006">
+        <mc:Choice xmlns:a14="http://schemas.microsoft.com/office/drawing/2010/main" Requires="a14">
           <p:sp>
             <p:nvSpPr>
               <p:cNvPr id="14" name="テキスト ボックス 13">
@@ -9243,7 +10558,7 @@
             </p:nvSpPr>
             <p:spPr>
               <a:xfrm>
-                <a:off x="2571249" y="4736326"/>
+                <a:off x="2362527" y="4689895"/>
                 <a:ext cx="495905" cy="246221"/>
               </a:xfrm>
               <a:prstGeom prst="rect">
@@ -9315,7 +10630,7 @@
             </p:txBody>
           </p:sp>
         </mc:Choice>
-        <mc:Fallback xmlns="">
+        <mc:Fallback>
           <p:sp>
             <p:nvSpPr>
               <p:cNvPr id="14" name="テキスト ボックス 13">
@@ -9332,16 +10647,16 @@
             </p:nvSpPr>
             <p:spPr>
               <a:xfrm>
-                <a:off x="2571249" y="4736326"/>
+                <a:off x="2362527" y="4689895"/>
                 <a:ext cx="495905" cy="246221"/>
               </a:xfrm>
               <a:prstGeom prst="rect">
                 <a:avLst/>
               </a:prstGeom>
               <a:blipFill>
-                <a:blip r:embed="rId15"/>
+                <a:blip r:embed="rId17"/>
                 <a:stretch>
-                  <a:fillRect l="-4938" r="-12346" b="-32500"/>
+                  <a:fillRect l="-4938" r="-12346" b="-31707"/>
                 </a:stretch>
               </a:blipFill>
             </p:spPr>
@@ -9360,8 +10675,8 @@
           </p:sp>
         </mc:Fallback>
       </mc:AlternateContent>
-      <mc:AlternateContent xmlns:mc="http://schemas.openxmlformats.org/markup-compatibility/2006" xmlns:a14="http://schemas.microsoft.com/office/drawing/2010/main">
-        <mc:Choice Requires="a14">
+      <mc:AlternateContent xmlns:mc="http://schemas.openxmlformats.org/markup-compatibility/2006">
+        <mc:Choice xmlns:a14="http://schemas.microsoft.com/office/drawing/2010/main" Requires="a14">
           <p:sp>
             <p:nvSpPr>
               <p:cNvPr id="16" name="テキスト ボックス 15">
@@ -9376,7 +10691,7 @@
             </p:nvSpPr>
             <p:spPr>
               <a:xfrm>
-                <a:off x="2571248" y="5475235"/>
+                <a:off x="2362526" y="5428804"/>
                 <a:ext cx="500650" cy="246221"/>
               </a:xfrm>
               <a:prstGeom prst="rect">
@@ -9448,7 +10763,7 @@
             </p:txBody>
           </p:sp>
         </mc:Choice>
-        <mc:Fallback xmlns="">
+        <mc:Fallback>
           <p:sp>
             <p:nvSpPr>
               <p:cNvPr id="16" name="テキスト ボックス 15">
@@ -9465,16 +10780,16 @@
             </p:nvSpPr>
             <p:spPr>
               <a:xfrm>
-                <a:off x="2571248" y="5475235"/>
+                <a:off x="2362526" y="5428804"/>
                 <a:ext cx="500650" cy="246221"/>
               </a:xfrm>
               <a:prstGeom prst="rect">
                 <a:avLst/>
               </a:prstGeom>
               <a:blipFill>
-                <a:blip r:embed="rId16"/>
+                <a:blip r:embed="rId18"/>
                 <a:stretch>
-                  <a:fillRect l="-4878" r="-12195" b="-31707"/>
+                  <a:fillRect l="-4878" r="-12195" b="-32500"/>
                 </a:stretch>
               </a:blipFill>
             </p:spPr>
@@ -9493,8 +10808,8 @@
           </p:sp>
         </mc:Fallback>
       </mc:AlternateContent>
-      <mc:AlternateContent xmlns:mc="http://schemas.openxmlformats.org/markup-compatibility/2006" xmlns:a14="http://schemas.microsoft.com/office/drawing/2010/main">
-        <mc:Choice Requires="a14">
+      <mc:AlternateContent xmlns:mc="http://schemas.openxmlformats.org/markup-compatibility/2006">
+        <mc:Choice xmlns:a14="http://schemas.microsoft.com/office/drawing/2010/main" Requires="a14">
           <p:sp>
             <p:nvSpPr>
               <p:cNvPr id="8" name="テキスト ボックス 7">
@@ -9509,7 +10824,7 @@
             </p:nvSpPr>
             <p:spPr>
               <a:xfrm>
-                <a:off x="3275012" y="4459327"/>
+                <a:off x="3066290" y="4412896"/>
                 <a:ext cx="290528" cy="276999"/>
               </a:xfrm>
               <a:prstGeom prst="rect">
@@ -9563,7 +10878,7 @@
             </p:txBody>
           </p:sp>
         </mc:Choice>
-        <mc:Fallback xmlns="">
+        <mc:Fallback>
           <p:sp>
             <p:nvSpPr>
               <p:cNvPr id="8" name="テキスト ボックス 7">
@@ -9580,16 +10895,16 @@
             </p:nvSpPr>
             <p:spPr>
               <a:xfrm>
-                <a:off x="3275012" y="4459327"/>
+                <a:off x="3066290" y="4412896"/>
                 <a:ext cx="290528" cy="276999"/>
               </a:xfrm>
               <a:prstGeom prst="rect">
                 <a:avLst/>
               </a:prstGeom>
               <a:blipFill>
-                <a:blip r:embed="rId17"/>
+                <a:blip r:embed="rId19"/>
                 <a:stretch>
-                  <a:fillRect l="-8333" r="-8333" b="-15556"/>
+                  <a:fillRect l="-8333" r="-6250" b="-15556"/>
                 </a:stretch>
               </a:blipFill>
             </p:spPr>
@@ -9608,8 +10923,8 @@
           </p:sp>
         </mc:Fallback>
       </mc:AlternateContent>
-      <mc:AlternateContent xmlns:mc="http://schemas.openxmlformats.org/markup-compatibility/2006" xmlns:a14="http://schemas.microsoft.com/office/drawing/2010/main">
-        <mc:Choice Requires="a14">
+      <mc:AlternateContent xmlns:mc="http://schemas.openxmlformats.org/markup-compatibility/2006">
+        <mc:Choice xmlns:a14="http://schemas.microsoft.com/office/drawing/2010/main" Requires="a14">
           <p:sp>
             <p:nvSpPr>
               <p:cNvPr id="17" name="テキスト ボックス 16">
@@ -9624,7 +10939,7 @@
             </p:nvSpPr>
             <p:spPr>
               <a:xfrm>
-                <a:off x="3275012" y="6135278"/>
+                <a:off x="3066290" y="6088847"/>
                 <a:ext cx="295850" cy="276999"/>
               </a:xfrm>
               <a:prstGeom prst="rect">
@@ -9678,7 +10993,7 @@
             </p:txBody>
           </p:sp>
         </mc:Choice>
-        <mc:Fallback xmlns="">
+        <mc:Fallback>
           <p:sp>
             <p:nvSpPr>
               <p:cNvPr id="17" name="テキスト ボックス 16">
@@ -9695,16 +11010,16 @@
             </p:nvSpPr>
             <p:spPr>
               <a:xfrm>
-                <a:off x="3275012" y="6135278"/>
+                <a:off x="3066290" y="6088847"/>
                 <a:ext cx="295850" cy="276999"/>
               </a:xfrm>
               <a:prstGeom prst="rect">
                 <a:avLst/>
               </a:prstGeom>
               <a:blipFill>
-                <a:blip r:embed="rId18"/>
+                <a:blip r:embed="rId20"/>
                 <a:stretch>
-                  <a:fillRect l="-8163" r="-6122" b="-15217"/>
+                  <a:fillRect l="-8163" r="-4082" b="-15556"/>
                 </a:stretch>
               </a:blipFill>
             </p:spPr>
@@ -9723,8 +11038,8 @@
           </p:sp>
         </mc:Fallback>
       </mc:AlternateContent>
-      <mc:AlternateContent xmlns:mc="http://schemas.openxmlformats.org/markup-compatibility/2006" xmlns:a14="http://schemas.microsoft.com/office/drawing/2010/main">
-        <mc:Choice Requires="a14">
+      <mc:AlternateContent xmlns:mc="http://schemas.openxmlformats.org/markup-compatibility/2006">
+        <mc:Choice xmlns:a14="http://schemas.microsoft.com/office/drawing/2010/main" Requires="a14">
           <p:sp>
             <p:nvSpPr>
               <p:cNvPr id="20" name="テキスト ボックス 19">
@@ -9739,7 +11054,7 @@
             </p:nvSpPr>
             <p:spPr>
               <a:xfrm>
-                <a:off x="10813600" y="5123620"/>
+                <a:off x="10764252" y="5063291"/>
                 <a:ext cx="467243" cy="276999"/>
               </a:xfrm>
               <a:prstGeom prst="rect">
@@ -9804,7 +11119,7 @@
             </p:txBody>
           </p:sp>
         </mc:Choice>
-        <mc:Fallback xmlns="">
+        <mc:Fallback>
           <p:sp>
             <p:nvSpPr>
               <p:cNvPr id="20" name="テキスト ボックス 19">
@@ -9821,16 +11136,941 @@
             </p:nvSpPr>
             <p:spPr>
               <a:xfrm>
-                <a:off x="10813600" y="5123620"/>
+                <a:off x="10764252" y="5063291"/>
                 <a:ext cx="467243" cy="276999"/>
               </a:xfrm>
               <a:prstGeom prst="rect">
                 <a:avLst/>
               </a:prstGeom>
               <a:blipFill>
-                <a:blip r:embed="rId19"/>
+                <a:blip r:embed="rId21"/>
                 <a:stretch>
-                  <a:fillRect l="-5195" t="-2174" r="-15584" b="-32609"/>
+                  <a:fillRect l="-5263" t="-4444" r="-17105" b="-35556"/>
+                </a:stretch>
+              </a:blipFill>
+            </p:spPr>
+            <p:txBody>
+              <a:bodyPr/>
+              <a:lstStyle/>
+              <a:p>
+                <a:r>
+                  <a:rPr lang="ja-JP" altLang="en-US">
+                    <a:noFill/>
+                  </a:rPr>
+                  <a:t> </a:t>
+                </a:r>
+              </a:p>
+            </p:txBody>
+          </p:sp>
+        </mc:Fallback>
+      </mc:AlternateContent>
+      <mc:AlternateContent xmlns:mc="http://schemas.openxmlformats.org/markup-compatibility/2006">
+        <mc:Choice xmlns:a14="http://schemas.microsoft.com/office/drawing/2010/main" Requires="a14">
+          <p:sp>
+            <p:nvSpPr>
+              <p:cNvPr id="22" name="テキスト ボックス 21">
+                <a:extLst>
+                  <a:ext uri="{FF2B5EF4-FFF2-40B4-BE49-F238E27FC236}">
+                    <a16:creationId xmlns:a16="http://schemas.microsoft.com/office/drawing/2014/main" id="{E9C7752F-0517-45FB-9CDD-C9ACC9DF34A4}"/>
+                  </a:ext>
+                </a:extLst>
+              </p:cNvPr>
+              <p:cNvSpPr txBox="1"/>
+              <p:nvPr/>
+            </p:nvSpPr>
+            <p:spPr>
+              <a:xfrm>
+                <a:off x="9157354" y="4418463"/>
+                <a:ext cx="345287" cy="280333"/>
+              </a:xfrm>
+              <a:prstGeom prst="rect">
+                <a:avLst/>
+              </a:prstGeom>
+              <a:noFill/>
+            </p:spPr>
+            <p:txBody>
+              <a:bodyPr wrap="none" lIns="0" tIns="0" rIns="0" bIns="0" rtlCol="0">
+                <a:spAutoFit/>
+              </a:bodyPr>
+              <a:lstStyle/>
+              <a:p>
+                <a:pPr/>
+                <a14:m>
+                  <m:oMathPara xmlns:m="http://schemas.openxmlformats.org/officeDocument/2006/math">
+                    <m:oMathParaPr>
+                      <m:jc m:val="centerGroup"/>
+                    </m:oMathParaPr>
+                    <m:oMath xmlns:m="http://schemas.openxmlformats.org/officeDocument/2006/math">
+                      <m:sSubSup>
+                        <m:sSubSupPr>
+                          <m:ctrlPr>
+                            <a:rPr kumimoji="1" lang="en-US" altLang="ja-JP" i="1" smtClean="0">
+                              <a:latin typeface="Cambria Math" panose="02040503050406030204" pitchFamily="18" charset="0"/>
+                            </a:rPr>
+                          </m:ctrlPr>
+                        </m:sSubSupPr>
+                        <m:e>
+                          <m:r>
+                            <a:rPr kumimoji="1" lang="en-US" altLang="ja-JP" b="0" i="1" smtClean="0">
+                              <a:latin typeface="Cambria Math" panose="02040503050406030204" pitchFamily="18" charset="0"/>
+                            </a:rPr>
+                            <m:t>𝑢</m:t>
+                          </m:r>
+                        </m:e>
+                        <m:sub>
+                          <m:r>
+                            <a:rPr kumimoji="1" lang="en-US" altLang="ja-JP" b="0" i="1" smtClean="0">
+                              <a:latin typeface="Cambria Math" panose="02040503050406030204" pitchFamily="18" charset="0"/>
+                            </a:rPr>
+                            <m:t>1</m:t>
+                          </m:r>
+                        </m:sub>
+                        <m:sup>
+                          <m:r>
+                            <a:rPr kumimoji="1" lang="en-US" altLang="ja-JP" b="0" i="1" smtClean="0">
+                              <a:latin typeface="Cambria Math" panose="02040503050406030204" pitchFamily="18" charset="0"/>
+                            </a:rPr>
+                            <m:t>𝐻</m:t>
+                          </m:r>
+                        </m:sup>
+                      </m:sSubSup>
+                    </m:oMath>
+                  </m:oMathPara>
+                </a14:m>
+                <a:endParaRPr kumimoji="1" lang="ja-JP" altLang="en-US" dirty="0"/>
+              </a:p>
+            </p:txBody>
+          </p:sp>
+        </mc:Choice>
+        <mc:Fallback>
+          <p:sp>
+            <p:nvSpPr>
+              <p:cNvPr id="22" name="テキスト ボックス 21">
+                <a:extLst>
+                  <a:ext uri="{FF2B5EF4-FFF2-40B4-BE49-F238E27FC236}">
+                    <a16:creationId xmlns:a16="http://schemas.microsoft.com/office/drawing/2014/main" id="{E9C7752F-0517-45FB-9CDD-C9ACC9DF34A4}"/>
+                  </a:ext>
+                </a:extLst>
+              </p:cNvPr>
+              <p:cNvSpPr txBox="1">
+                <a:spLocks noRot="1" noChangeAspect="1" noMove="1" noResize="1" noEditPoints="1" noAdjustHandles="1" noChangeArrowheads="1" noChangeShapeType="1" noTextEdit="1"/>
+              </p:cNvSpPr>
+              <p:nvPr/>
+            </p:nvSpPr>
+            <p:spPr>
+              <a:xfrm>
+                <a:off x="9157354" y="4418463"/>
+                <a:ext cx="345287" cy="280333"/>
+              </a:xfrm>
+              <a:prstGeom prst="rect">
+                <a:avLst/>
+              </a:prstGeom>
+              <a:blipFill>
+                <a:blip r:embed="rId22"/>
+                <a:stretch>
+                  <a:fillRect l="-7018" t="-4348" r="-5263" b="-15217"/>
+                </a:stretch>
+              </a:blipFill>
+            </p:spPr>
+            <p:txBody>
+              <a:bodyPr/>
+              <a:lstStyle/>
+              <a:p>
+                <a:r>
+                  <a:rPr lang="ja-JP" altLang="en-US">
+                    <a:noFill/>
+                  </a:rPr>
+                  <a:t> </a:t>
+                </a:r>
+              </a:p>
+            </p:txBody>
+          </p:sp>
+        </mc:Fallback>
+      </mc:AlternateContent>
+      <mc:AlternateContent xmlns:mc="http://schemas.openxmlformats.org/markup-compatibility/2006">
+        <mc:Choice xmlns:a14="http://schemas.microsoft.com/office/drawing/2010/main" Requires="a14">
+          <p:sp>
+            <p:nvSpPr>
+              <p:cNvPr id="23" name="テキスト ボックス 22">
+                <a:extLst>
+                  <a:ext uri="{FF2B5EF4-FFF2-40B4-BE49-F238E27FC236}">
+                    <a16:creationId xmlns:a16="http://schemas.microsoft.com/office/drawing/2014/main" id="{45BB0510-AD22-47C0-A60B-80099F8B0D31}"/>
+                  </a:ext>
+                </a:extLst>
+              </p:cNvPr>
+              <p:cNvSpPr txBox="1"/>
+              <p:nvPr/>
+            </p:nvSpPr>
+            <p:spPr>
+              <a:xfrm>
+                <a:off x="9213188" y="6130991"/>
+                <a:ext cx="345287" cy="280846"/>
+              </a:xfrm>
+              <a:prstGeom prst="rect">
+                <a:avLst/>
+              </a:prstGeom>
+              <a:noFill/>
+            </p:spPr>
+            <p:txBody>
+              <a:bodyPr wrap="none" lIns="0" tIns="0" rIns="0" bIns="0" rtlCol="0">
+                <a:spAutoFit/>
+              </a:bodyPr>
+              <a:lstStyle/>
+              <a:p>
+                <a:pPr/>
+                <a14:m>
+                  <m:oMathPara xmlns:m="http://schemas.openxmlformats.org/officeDocument/2006/math">
+                    <m:oMathParaPr>
+                      <m:jc m:val="centerGroup"/>
+                    </m:oMathParaPr>
+                    <m:oMath xmlns:m="http://schemas.openxmlformats.org/officeDocument/2006/math">
+                      <m:sSubSup>
+                        <m:sSubSupPr>
+                          <m:ctrlPr>
+                            <a:rPr kumimoji="1" lang="en-US" altLang="ja-JP" i="1" smtClean="0">
+                              <a:latin typeface="Cambria Math" panose="02040503050406030204" pitchFamily="18" charset="0"/>
+                            </a:rPr>
+                          </m:ctrlPr>
+                        </m:sSubSupPr>
+                        <m:e>
+                          <m:r>
+                            <a:rPr kumimoji="1" lang="en-US" altLang="ja-JP" b="0" i="1" smtClean="0">
+                              <a:latin typeface="Cambria Math" panose="02040503050406030204" pitchFamily="18" charset="0"/>
+                            </a:rPr>
+                            <m:t>𝑢</m:t>
+                          </m:r>
+                        </m:e>
+                        <m:sub>
+                          <m:r>
+                            <a:rPr kumimoji="1" lang="en-US" altLang="ja-JP" b="0" i="1" smtClean="0">
+                              <a:latin typeface="Cambria Math" panose="02040503050406030204" pitchFamily="18" charset="0"/>
+                            </a:rPr>
+                            <m:t>2</m:t>
+                          </m:r>
+                        </m:sub>
+                        <m:sup>
+                          <m:r>
+                            <a:rPr kumimoji="1" lang="en-US" altLang="ja-JP" b="0" i="1" smtClean="0">
+                              <a:latin typeface="Cambria Math" panose="02040503050406030204" pitchFamily="18" charset="0"/>
+                            </a:rPr>
+                            <m:t>𝐻</m:t>
+                          </m:r>
+                        </m:sup>
+                      </m:sSubSup>
+                    </m:oMath>
+                  </m:oMathPara>
+                </a14:m>
+                <a:endParaRPr kumimoji="1" lang="ja-JP" altLang="en-US" dirty="0"/>
+              </a:p>
+            </p:txBody>
+          </p:sp>
+        </mc:Choice>
+        <mc:Fallback>
+          <p:sp>
+            <p:nvSpPr>
+              <p:cNvPr id="23" name="テキスト ボックス 22">
+                <a:extLst>
+                  <a:ext uri="{FF2B5EF4-FFF2-40B4-BE49-F238E27FC236}">
+                    <a16:creationId xmlns:a16="http://schemas.microsoft.com/office/drawing/2014/main" id="{45BB0510-AD22-47C0-A60B-80099F8B0D31}"/>
+                  </a:ext>
+                </a:extLst>
+              </p:cNvPr>
+              <p:cNvSpPr txBox="1">
+                <a:spLocks noRot="1" noChangeAspect="1" noMove="1" noResize="1" noEditPoints="1" noAdjustHandles="1" noChangeArrowheads="1" noChangeShapeType="1" noTextEdit="1"/>
+              </p:cNvSpPr>
+              <p:nvPr/>
+            </p:nvSpPr>
+            <p:spPr>
+              <a:xfrm>
+                <a:off x="9213188" y="6130991"/>
+                <a:ext cx="345287" cy="280846"/>
+              </a:xfrm>
+              <a:prstGeom prst="rect">
+                <a:avLst/>
+              </a:prstGeom>
+              <a:blipFill>
+                <a:blip r:embed="rId23"/>
+                <a:stretch>
+                  <a:fillRect l="-7018" t="-2174" r="-5263" b="-17391"/>
+                </a:stretch>
+              </a:blipFill>
+            </p:spPr>
+            <p:txBody>
+              <a:bodyPr/>
+              <a:lstStyle/>
+              <a:p>
+                <a:r>
+                  <a:rPr lang="ja-JP" altLang="en-US">
+                    <a:noFill/>
+                  </a:rPr>
+                  <a:t> </a:t>
+                </a:r>
+              </a:p>
+            </p:txBody>
+          </p:sp>
+        </mc:Fallback>
+      </mc:AlternateContent>
+      <p:sp>
+        <p:nvSpPr>
+          <p:cNvPr id="2" name="雲 1">
+            <a:extLst>
+              <a:ext uri="{FF2B5EF4-FFF2-40B4-BE49-F238E27FC236}">
+                <a16:creationId xmlns:a16="http://schemas.microsoft.com/office/drawing/2014/main" id="{E7681342-C698-412D-866D-06113BA289D5}"/>
+              </a:ext>
+            </a:extLst>
+          </p:cNvPr>
+          <p:cNvSpPr/>
+          <p:nvPr/>
+        </p:nvSpPr>
+        <p:spPr>
+          <a:xfrm>
+            <a:off x="5409483" y="4485557"/>
+            <a:ext cx="1201564" cy="1183263"/>
+          </a:xfrm>
+          <a:prstGeom prst="cloud">
+            <a:avLst/>
+          </a:prstGeom>
+          <a:noFill/>
+          <a:ln w="28575"/>
+        </p:spPr>
+        <p:style>
+          <a:lnRef idx="2">
+            <a:schemeClr val="accent1">
+              <a:shade val="50000"/>
+            </a:schemeClr>
+          </a:lnRef>
+          <a:fillRef idx="1">
+            <a:schemeClr val="accent1"/>
+          </a:fillRef>
+          <a:effectRef idx="0">
+            <a:schemeClr val="accent1"/>
+          </a:effectRef>
+          <a:fontRef idx="minor">
+            <a:schemeClr val="lt1"/>
+          </a:fontRef>
+        </p:style>
+        <p:txBody>
+          <a:bodyPr rtlCol="0" anchor="ctr"/>
+          <a:lstStyle/>
+          <a:p>
+            <a:pPr algn="ctr"/>
+            <a:endParaRPr kumimoji="1" lang="ja-JP" altLang="en-US" dirty="0"/>
+          </a:p>
+        </p:txBody>
+      </p:sp>
+      <p:pic>
+        <p:nvPicPr>
+          <p:cNvPr id="24" name="図 23" descr="\documentclass{jsarticle}&#10;\usepackage{amsmath}&#10;\usepackage[T1]{fontenc}&#10;\usepackage{lmodern}&#10;\pagestyle{empty}&#10;&#10;\begin{document}&#10;%\begin{align*}&#10;%\end{align*}&#10;$H$&#10;\end{document}" title="IguanaTex Bitmap Display">
+            <a:extLst>
+              <a:ext uri="{FF2B5EF4-FFF2-40B4-BE49-F238E27FC236}">
+                <a16:creationId xmlns:a16="http://schemas.microsoft.com/office/drawing/2014/main" id="{2C52101C-CC65-4F33-A1B0-D8E913184319}"/>
+              </a:ext>
+            </a:extLst>
+          </p:cNvPr>
+          <p:cNvPicPr>
+            <a:picLocks noChangeAspect="1"/>
+          </p:cNvPicPr>
+          <p:nvPr>
+            <p:custDataLst>
+              <p:tags r:id="rId1"/>
+            </p:custDataLst>
+          </p:nvPr>
+        </p:nvPicPr>
+        <p:blipFill>
+          <a:blip r:embed="rId9">
+            <a:extLst>
+              <a:ext uri="{28A0092B-C50C-407E-A947-70E740481C1C}">
+                <a14:useLocalDpi xmlns:a14="http://schemas.microsoft.com/office/drawing/2010/main" val="0"/>
+              </a:ext>
+            </a:extLst>
+          </a:blip>
+          <a:stretch>
+            <a:fillRect/>
+          </a:stretch>
+        </p:blipFill>
+        <p:spPr>
+          <a:xfrm>
+            <a:off x="5795218" y="4901242"/>
+            <a:ext cx="430093" cy="351894"/>
+          </a:xfrm>
+          <a:prstGeom prst="rect">
+            <a:avLst/>
+          </a:prstGeom>
+        </p:spPr>
+      </p:pic>
+      <p:sp>
+        <p:nvSpPr>
+          <p:cNvPr id="10" name="テキスト ボックス 9">
+            <a:extLst>
+              <a:ext uri="{FF2B5EF4-FFF2-40B4-BE49-F238E27FC236}">
+                <a16:creationId xmlns:a16="http://schemas.microsoft.com/office/drawing/2014/main" id="{C6A543DD-9665-4CEE-B14C-D7BD74D74A76}"/>
+              </a:ext>
+            </a:extLst>
+          </p:cNvPr>
+          <p:cNvSpPr txBox="1"/>
+          <p:nvPr/>
+        </p:nvSpPr>
+        <p:spPr>
+          <a:xfrm>
+            <a:off x="5208352" y="5733600"/>
+            <a:ext cx="1603824" cy="369332"/>
+          </a:xfrm>
+          <a:prstGeom prst="rect">
+            <a:avLst/>
+          </a:prstGeom>
+          <a:noFill/>
+        </p:spPr>
+        <p:txBody>
+          <a:bodyPr wrap="square" rtlCol="0">
+            <a:spAutoFit/>
+          </a:bodyPr>
+          <a:lstStyle/>
+          <a:p>
+            <a:pPr algn="ctr"/>
+            <a:r>
+              <a:rPr kumimoji="1" lang="ja-JP" altLang="en-US" dirty="0">
+                <a:latin typeface="BIZ UDPゴシック" panose="020B0400000000000000" pitchFamily="50" charset="-128"/>
+                <a:ea typeface="BIZ UDPゴシック" panose="020B0400000000000000" pitchFamily="50" charset="-128"/>
+              </a:rPr>
+              <a:t>伝搬チャネル</a:t>
+            </a:r>
+          </a:p>
+        </p:txBody>
+      </p:sp>
+      <mc:AlternateContent xmlns:mc="http://schemas.openxmlformats.org/markup-compatibility/2006">
+        <mc:Choice xmlns:a14="http://schemas.microsoft.com/office/drawing/2010/main" Requires="a14">
+          <p:sp>
+            <p:nvSpPr>
+              <p:cNvPr id="11" name="テキスト ボックス 10">
+                <a:extLst>
+                  <a:ext uri="{FF2B5EF4-FFF2-40B4-BE49-F238E27FC236}">
+                    <a16:creationId xmlns:a16="http://schemas.microsoft.com/office/drawing/2014/main" id="{851F4E04-0A27-4885-A626-A82CF1749747}"/>
+                  </a:ext>
+                </a:extLst>
+              </p:cNvPr>
+              <p:cNvSpPr txBox="1"/>
+              <p:nvPr/>
+            </p:nvSpPr>
+            <p:spPr>
+              <a:xfrm>
+                <a:off x="9595323" y="4659117"/>
+                <a:ext cx="558871" cy="276999"/>
+              </a:xfrm>
+              <a:prstGeom prst="rect">
+                <a:avLst/>
+              </a:prstGeom>
+              <a:noFill/>
+            </p:spPr>
+            <p:txBody>
+              <a:bodyPr wrap="none" lIns="0" tIns="0" rIns="0" bIns="0" rtlCol="0">
+                <a:spAutoFit/>
+              </a:bodyPr>
+              <a:lstStyle/>
+              <a:p>
+                <a14:m>
+                  <m:oMathPara xmlns:m="http://schemas.openxmlformats.org/officeDocument/2006/math">
+                    <m:oMathParaPr>
+                      <m:jc m:val="centerGroup"/>
+                    </m:oMathParaPr>
+                    <m:oMath xmlns:m="http://schemas.openxmlformats.org/officeDocument/2006/math">
+                      <m:sSub>
+                        <m:sSubPr>
+                          <m:ctrlPr>
+                            <a:rPr kumimoji="1" lang="en-US" altLang="ja-JP" i="1" smtClean="0">
+                              <a:latin typeface="Cambria Math" panose="02040503050406030204" pitchFamily="18" charset="0"/>
+                            </a:rPr>
+                          </m:ctrlPr>
+                        </m:sSubPr>
+                        <m:e>
+                          <m:acc>
+                            <m:accPr>
+                              <m:chr m:val="̃"/>
+                              <m:ctrlPr>
+                                <a:rPr kumimoji="1" lang="en-US" altLang="ja-JP" i="1" smtClean="0">
+                                  <a:latin typeface="Cambria Math" panose="02040503050406030204" pitchFamily="18" charset="0"/>
+                                </a:rPr>
+                              </m:ctrlPr>
+                            </m:accPr>
+                            <m:e>
+                              <m:r>
+                                <a:rPr kumimoji="1" lang="en-US" altLang="ja-JP" b="0" i="1" smtClean="0">
+                                  <a:latin typeface="Cambria Math" panose="02040503050406030204" pitchFamily="18" charset="0"/>
+                                </a:rPr>
+                                <m:t>𝑠</m:t>
+                              </m:r>
+                            </m:e>
+                          </m:acc>
+                        </m:e>
+                        <m:sub>
+                          <m:r>
+                            <a:rPr kumimoji="1" lang="en-US" altLang="ja-JP" b="0" i="1" smtClean="0">
+                              <a:latin typeface="Cambria Math" panose="02040503050406030204" pitchFamily="18" charset="0"/>
+                            </a:rPr>
+                            <m:t>1</m:t>
+                          </m:r>
+                        </m:sub>
+                      </m:sSub>
+                      <m:r>
+                        <a:rPr kumimoji="1" lang="en-US" altLang="ja-JP" b="0" i="1" smtClean="0">
+                          <a:latin typeface="Cambria Math" panose="02040503050406030204" pitchFamily="18" charset="0"/>
+                        </a:rPr>
+                        <m:t>(</m:t>
+                      </m:r>
+                      <m:r>
+                        <a:rPr kumimoji="1" lang="en-US" altLang="ja-JP" b="0" i="1" smtClean="0">
+                          <a:latin typeface="Cambria Math" panose="02040503050406030204" pitchFamily="18" charset="0"/>
+                        </a:rPr>
+                        <m:t>𝑡</m:t>
+                      </m:r>
+                      <m:r>
+                        <a:rPr kumimoji="1" lang="en-US" altLang="ja-JP" b="0" i="1" smtClean="0">
+                          <a:latin typeface="Cambria Math" panose="02040503050406030204" pitchFamily="18" charset="0"/>
+                        </a:rPr>
+                        <m:t>)</m:t>
+                      </m:r>
+                    </m:oMath>
+                  </m:oMathPara>
+                </a14:m>
+                <a:endParaRPr kumimoji="1" lang="ja-JP" altLang="en-US" dirty="0"/>
+              </a:p>
+            </p:txBody>
+          </p:sp>
+        </mc:Choice>
+        <mc:Fallback>
+          <p:sp>
+            <p:nvSpPr>
+              <p:cNvPr id="11" name="テキスト ボックス 10">
+                <a:extLst>
+                  <a:ext uri="{FF2B5EF4-FFF2-40B4-BE49-F238E27FC236}">
+                    <a16:creationId xmlns:a16="http://schemas.microsoft.com/office/drawing/2014/main" id="{851F4E04-0A27-4885-A626-A82CF1749747}"/>
+                  </a:ext>
+                </a:extLst>
+              </p:cNvPr>
+              <p:cNvSpPr txBox="1">
+                <a:spLocks noRot="1" noChangeAspect="1" noMove="1" noResize="1" noEditPoints="1" noAdjustHandles="1" noChangeArrowheads="1" noChangeShapeType="1" noTextEdit="1"/>
+              </p:cNvSpPr>
+              <p:nvPr/>
+            </p:nvSpPr>
+            <p:spPr>
+              <a:xfrm>
+                <a:off x="9595323" y="4659117"/>
+                <a:ext cx="558871" cy="276999"/>
+              </a:xfrm>
+              <a:prstGeom prst="rect">
+                <a:avLst/>
+              </a:prstGeom>
+              <a:blipFill>
+                <a:blip r:embed="rId24"/>
+                <a:stretch>
+                  <a:fillRect l="-4348" t="-2174" r="-13043" b="-32609"/>
+                </a:stretch>
+              </a:blipFill>
+            </p:spPr>
+            <p:txBody>
+              <a:bodyPr/>
+              <a:lstStyle/>
+              <a:p>
+                <a:r>
+                  <a:rPr lang="ja-JP" altLang="en-US">
+                    <a:noFill/>
+                  </a:rPr>
+                  <a:t> </a:t>
+                </a:r>
+              </a:p>
+            </p:txBody>
+          </p:sp>
+        </mc:Fallback>
+      </mc:AlternateContent>
+      <mc:AlternateContent xmlns:mc="http://schemas.openxmlformats.org/markup-compatibility/2006">
+        <mc:Choice xmlns:a14="http://schemas.microsoft.com/office/drawing/2010/main" Requires="a14">
+          <p:sp>
+            <p:nvSpPr>
+              <p:cNvPr id="25" name="テキスト ボックス 24">
+                <a:extLst>
+                  <a:ext uri="{FF2B5EF4-FFF2-40B4-BE49-F238E27FC236}">
+                    <a16:creationId xmlns:a16="http://schemas.microsoft.com/office/drawing/2014/main" id="{32755378-7238-41BE-AA04-E14BB4EF99A6}"/>
+                  </a:ext>
+                </a:extLst>
+              </p:cNvPr>
+              <p:cNvSpPr txBox="1"/>
+              <p:nvPr/>
+            </p:nvSpPr>
+            <p:spPr>
+              <a:xfrm>
+                <a:off x="9595323" y="5412109"/>
+                <a:ext cx="564193" cy="276999"/>
+              </a:xfrm>
+              <a:prstGeom prst="rect">
+                <a:avLst/>
+              </a:prstGeom>
+              <a:noFill/>
+            </p:spPr>
+            <p:txBody>
+              <a:bodyPr wrap="square" lIns="0" tIns="0" rIns="0" bIns="0" rtlCol="0">
+                <a:spAutoFit/>
+              </a:bodyPr>
+              <a:lstStyle/>
+              <a:p>
+                <a14:m>
+                  <m:oMathPara xmlns:m="http://schemas.openxmlformats.org/officeDocument/2006/math">
+                    <m:oMathParaPr>
+                      <m:jc m:val="centerGroup"/>
+                    </m:oMathParaPr>
+                    <m:oMath xmlns:m="http://schemas.openxmlformats.org/officeDocument/2006/math">
+                      <m:sSub>
+                        <m:sSubPr>
+                          <m:ctrlPr>
+                            <a:rPr kumimoji="1" lang="en-US" altLang="ja-JP" i="1" smtClean="0">
+                              <a:latin typeface="Cambria Math" panose="02040503050406030204" pitchFamily="18" charset="0"/>
+                            </a:rPr>
+                          </m:ctrlPr>
+                        </m:sSubPr>
+                        <m:e>
+                          <m:acc>
+                            <m:accPr>
+                              <m:chr m:val="̃"/>
+                              <m:ctrlPr>
+                                <a:rPr kumimoji="1" lang="en-US" altLang="ja-JP" i="1" smtClean="0">
+                                  <a:latin typeface="Cambria Math" panose="02040503050406030204" pitchFamily="18" charset="0"/>
+                                </a:rPr>
+                              </m:ctrlPr>
+                            </m:accPr>
+                            <m:e>
+                              <m:r>
+                                <a:rPr kumimoji="1" lang="en-US" altLang="ja-JP" b="0" i="1" smtClean="0">
+                                  <a:latin typeface="Cambria Math" panose="02040503050406030204" pitchFamily="18" charset="0"/>
+                                </a:rPr>
+                                <m:t>𝑠</m:t>
+                              </m:r>
+                            </m:e>
+                          </m:acc>
+                        </m:e>
+                        <m:sub>
+                          <m:r>
+                            <a:rPr kumimoji="1" lang="en-US" altLang="ja-JP" b="0" i="1" smtClean="0">
+                              <a:latin typeface="Cambria Math" panose="02040503050406030204" pitchFamily="18" charset="0"/>
+                            </a:rPr>
+                            <m:t>2</m:t>
+                          </m:r>
+                        </m:sub>
+                      </m:sSub>
+                      <m:r>
+                        <a:rPr kumimoji="1" lang="en-US" altLang="ja-JP" b="0" i="1" smtClean="0">
+                          <a:latin typeface="Cambria Math" panose="02040503050406030204" pitchFamily="18" charset="0"/>
+                        </a:rPr>
+                        <m:t>(</m:t>
+                      </m:r>
+                      <m:r>
+                        <a:rPr kumimoji="1" lang="en-US" altLang="ja-JP" b="0" i="1" smtClean="0">
+                          <a:latin typeface="Cambria Math" panose="02040503050406030204" pitchFamily="18" charset="0"/>
+                        </a:rPr>
+                        <m:t>𝑡</m:t>
+                      </m:r>
+                      <m:r>
+                        <a:rPr kumimoji="1" lang="en-US" altLang="ja-JP" b="0" i="1" smtClean="0">
+                          <a:latin typeface="Cambria Math" panose="02040503050406030204" pitchFamily="18" charset="0"/>
+                        </a:rPr>
+                        <m:t>)</m:t>
+                      </m:r>
+                    </m:oMath>
+                  </m:oMathPara>
+                </a14:m>
+                <a:endParaRPr kumimoji="1" lang="ja-JP" altLang="en-US" dirty="0"/>
+              </a:p>
+            </p:txBody>
+          </p:sp>
+        </mc:Choice>
+        <mc:Fallback>
+          <p:sp>
+            <p:nvSpPr>
+              <p:cNvPr id="25" name="テキスト ボックス 24">
+                <a:extLst>
+                  <a:ext uri="{FF2B5EF4-FFF2-40B4-BE49-F238E27FC236}">
+                    <a16:creationId xmlns:a16="http://schemas.microsoft.com/office/drawing/2014/main" id="{32755378-7238-41BE-AA04-E14BB4EF99A6}"/>
+                  </a:ext>
+                </a:extLst>
+              </p:cNvPr>
+              <p:cNvSpPr txBox="1">
+                <a:spLocks noRot="1" noChangeAspect="1" noMove="1" noResize="1" noEditPoints="1" noAdjustHandles="1" noChangeArrowheads="1" noChangeShapeType="1" noTextEdit="1"/>
+              </p:cNvSpPr>
+              <p:nvPr/>
+            </p:nvSpPr>
+            <p:spPr>
+              <a:xfrm>
+                <a:off x="9595323" y="5412109"/>
+                <a:ext cx="564193" cy="276999"/>
+              </a:xfrm>
+              <a:prstGeom prst="rect">
+                <a:avLst/>
+              </a:prstGeom>
+              <a:blipFill>
+                <a:blip r:embed="rId25"/>
+                <a:stretch>
+                  <a:fillRect l="-4301" t="-4444" r="-12903" b="-35556"/>
+                </a:stretch>
+              </a:blipFill>
+            </p:spPr>
+            <p:txBody>
+              <a:bodyPr/>
+              <a:lstStyle/>
+              <a:p>
+                <a:r>
+                  <a:rPr lang="ja-JP" altLang="en-US">
+                    <a:noFill/>
+                  </a:rPr>
+                  <a:t> </a:t>
+                </a:r>
+              </a:p>
+            </p:txBody>
+          </p:sp>
+        </mc:Fallback>
+      </mc:AlternateContent>
+      <mc:AlternateContent xmlns:mc="http://schemas.openxmlformats.org/markup-compatibility/2006">
+        <mc:Choice xmlns:a14="http://schemas.microsoft.com/office/drawing/2010/main" Requires="a14">
+          <p:sp>
+            <p:nvSpPr>
+              <p:cNvPr id="13" name="テキスト ボックス 12">
+                <a:extLst>
+                  <a:ext uri="{FF2B5EF4-FFF2-40B4-BE49-F238E27FC236}">
+                    <a16:creationId xmlns:a16="http://schemas.microsoft.com/office/drawing/2014/main" id="{D57431D4-1810-47ED-9A81-89C2A85787E8}"/>
+                  </a:ext>
+                </a:extLst>
+              </p:cNvPr>
+              <p:cNvSpPr txBox="1"/>
+              <p:nvPr/>
+            </p:nvSpPr>
+            <p:spPr>
+              <a:xfrm>
+                <a:off x="7837773" y="4536006"/>
+                <a:ext cx="579967" cy="276999"/>
+              </a:xfrm>
+              <a:prstGeom prst="rect">
+                <a:avLst/>
+              </a:prstGeom>
+              <a:noFill/>
+            </p:spPr>
+            <p:txBody>
+              <a:bodyPr wrap="none" lIns="0" tIns="0" rIns="0" bIns="0" rtlCol="0">
+                <a:spAutoFit/>
+              </a:bodyPr>
+              <a:lstStyle/>
+              <a:p>
+                <a14:m>
+                  <m:oMathPara xmlns:m="http://schemas.openxmlformats.org/officeDocument/2006/math">
+                    <m:oMathParaPr>
+                      <m:jc m:val="centerGroup"/>
+                    </m:oMathParaPr>
+                    <m:oMath xmlns:m="http://schemas.openxmlformats.org/officeDocument/2006/math">
+                      <m:sSub>
+                        <m:sSubPr>
+                          <m:ctrlPr>
+                            <a:rPr kumimoji="1" lang="en-US" altLang="ja-JP" i="1" smtClean="0">
+                              <a:latin typeface="Cambria Math" panose="02040503050406030204" pitchFamily="18" charset="0"/>
+                            </a:rPr>
+                          </m:ctrlPr>
+                        </m:sSubPr>
+                        <m:e>
+                          <m:r>
+                            <a:rPr kumimoji="1" lang="en-US" altLang="ja-JP" b="0" i="1" smtClean="0">
+                              <a:latin typeface="Cambria Math" panose="02040503050406030204" pitchFamily="18" charset="0"/>
+                            </a:rPr>
+                            <m:t>𝑦</m:t>
+                          </m:r>
+                        </m:e>
+                        <m:sub>
+                          <m:r>
+                            <a:rPr kumimoji="1" lang="en-US" altLang="ja-JP" b="0" i="1" smtClean="0">
+                              <a:latin typeface="Cambria Math" panose="02040503050406030204" pitchFamily="18" charset="0"/>
+                            </a:rPr>
+                            <m:t>1</m:t>
+                          </m:r>
+                        </m:sub>
+                      </m:sSub>
+                      <m:r>
+                        <a:rPr kumimoji="1" lang="en-US" altLang="ja-JP" b="0" i="1" smtClean="0">
+                          <a:latin typeface="Cambria Math" panose="02040503050406030204" pitchFamily="18" charset="0"/>
+                        </a:rPr>
+                        <m:t>(</m:t>
+                      </m:r>
+                      <m:r>
+                        <a:rPr kumimoji="1" lang="en-US" altLang="ja-JP" b="0" i="1" smtClean="0">
+                          <a:latin typeface="Cambria Math" panose="02040503050406030204" pitchFamily="18" charset="0"/>
+                        </a:rPr>
+                        <m:t>𝑡</m:t>
+                      </m:r>
+                      <m:r>
+                        <a:rPr kumimoji="1" lang="en-US" altLang="ja-JP" b="0" i="1" smtClean="0">
+                          <a:latin typeface="Cambria Math" panose="02040503050406030204" pitchFamily="18" charset="0"/>
+                        </a:rPr>
+                        <m:t>)</m:t>
+                      </m:r>
+                    </m:oMath>
+                  </m:oMathPara>
+                </a14:m>
+                <a:endParaRPr kumimoji="1" lang="ja-JP" altLang="en-US" dirty="0"/>
+              </a:p>
+            </p:txBody>
+          </p:sp>
+        </mc:Choice>
+        <mc:Fallback>
+          <p:sp>
+            <p:nvSpPr>
+              <p:cNvPr id="13" name="テキスト ボックス 12">
+                <a:extLst>
+                  <a:ext uri="{FF2B5EF4-FFF2-40B4-BE49-F238E27FC236}">
+                    <a16:creationId xmlns:a16="http://schemas.microsoft.com/office/drawing/2014/main" id="{D57431D4-1810-47ED-9A81-89C2A85787E8}"/>
+                  </a:ext>
+                </a:extLst>
+              </p:cNvPr>
+              <p:cNvSpPr txBox="1">
+                <a:spLocks noRot="1" noChangeAspect="1" noMove="1" noResize="1" noEditPoints="1" noAdjustHandles="1" noChangeArrowheads="1" noChangeShapeType="1" noTextEdit="1"/>
+              </p:cNvSpPr>
+              <p:nvPr/>
+            </p:nvSpPr>
+            <p:spPr>
+              <a:xfrm>
+                <a:off x="7837773" y="4536006"/>
+                <a:ext cx="579967" cy="276999"/>
+              </a:xfrm>
+              <a:prstGeom prst="rect">
+                <a:avLst/>
+              </a:prstGeom>
+              <a:blipFill>
+                <a:blip r:embed="rId26"/>
+                <a:stretch>
+                  <a:fillRect l="-8421" t="-2174" r="-13684" b="-32609"/>
+                </a:stretch>
+              </a:blipFill>
+            </p:spPr>
+            <p:txBody>
+              <a:bodyPr/>
+              <a:lstStyle/>
+              <a:p>
+                <a:r>
+                  <a:rPr lang="ja-JP" altLang="en-US">
+                    <a:noFill/>
+                  </a:rPr>
+                  <a:t> </a:t>
+                </a:r>
+              </a:p>
+            </p:txBody>
+          </p:sp>
+        </mc:Fallback>
+      </mc:AlternateContent>
+      <mc:AlternateContent xmlns:mc="http://schemas.openxmlformats.org/markup-compatibility/2006">
+        <mc:Choice xmlns:a14="http://schemas.microsoft.com/office/drawing/2010/main" Requires="a14">
+          <p:sp>
+            <p:nvSpPr>
+              <p:cNvPr id="26" name="テキスト ボックス 25">
+                <a:extLst>
+                  <a:ext uri="{FF2B5EF4-FFF2-40B4-BE49-F238E27FC236}">
+                    <a16:creationId xmlns:a16="http://schemas.microsoft.com/office/drawing/2014/main" id="{5F7F9D46-818A-46B7-B451-BA0EDC0F0458}"/>
+                  </a:ext>
+                </a:extLst>
+              </p:cNvPr>
+              <p:cNvSpPr txBox="1"/>
+              <p:nvPr/>
+            </p:nvSpPr>
+            <p:spPr>
+              <a:xfrm>
+                <a:off x="8215629" y="4901242"/>
+                <a:ext cx="585288" cy="276999"/>
+              </a:xfrm>
+              <a:prstGeom prst="rect">
+                <a:avLst/>
+              </a:prstGeom>
+              <a:noFill/>
+            </p:spPr>
+            <p:txBody>
+              <a:bodyPr wrap="none" lIns="0" tIns="0" rIns="0" bIns="0" rtlCol="0">
+                <a:spAutoFit/>
+              </a:bodyPr>
+              <a:lstStyle/>
+              <a:p>
+                <a14:m>
+                  <m:oMathPara xmlns:m="http://schemas.openxmlformats.org/officeDocument/2006/math">
+                    <m:oMathParaPr>
+                      <m:jc m:val="centerGroup"/>
+                    </m:oMathParaPr>
+                    <m:oMath xmlns:m="http://schemas.openxmlformats.org/officeDocument/2006/math">
+                      <m:sSub>
+                        <m:sSubPr>
+                          <m:ctrlPr>
+                            <a:rPr kumimoji="1" lang="en-US" altLang="ja-JP" i="1" smtClean="0">
+                              <a:latin typeface="Cambria Math" panose="02040503050406030204" pitchFamily="18" charset="0"/>
+                            </a:rPr>
+                          </m:ctrlPr>
+                        </m:sSubPr>
+                        <m:e>
+                          <m:r>
+                            <a:rPr kumimoji="1" lang="en-US" altLang="ja-JP" b="0" i="1" smtClean="0">
+                              <a:latin typeface="Cambria Math" panose="02040503050406030204" pitchFamily="18" charset="0"/>
+                            </a:rPr>
+                            <m:t>𝑦</m:t>
+                          </m:r>
+                        </m:e>
+                        <m:sub>
+                          <m:r>
+                            <a:rPr kumimoji="1" lang="en-US" altLang="ja-JP" b="0" i="1" smtClean="0">
+                              <a:latin typeface="Cambria Math" panose="02040503050406030204" pitchFamily="18" charset="0"/>
+                            </a:rPr>
+                            <m:t>2</m:t>
+                          </m:r>
+                        </m:sub>
+                      </m:sSub>
+                      <m:r>
+                        <a:rPr kumimoji="1" lang="en-US" altLang="ja-JP" b="0" i="1" smtClean="0">
+                          <a:latin typeface="Cambria Math" panose="02040503050406030204" pitchFamily="18" charset="0"/>
+                        </a:rPr>
+                        <m:t>(</m:t>
+                      </m:r>
+                      <m:r>
+                        <a:rPr kumimoji="1" lang="en-US" altLang="ja-JP" b="0" i="1" smtClean="0">
+                          <a:latin typeface="Cambria Math" panose="02040503050406030204" pitchFamily="18" charset="0"/>
+                        </a:rPr>
+                        <m:t>𝑡</m:t>
+                      </m:r>
+                      <m:r>
+                        <a:rPr kumimoji="1" lang="en-US" altLang="ja-JP" b="0" i="1" smtClean="0">
+                          <a:latin typeface="Cambria Math" panose="02040503050406030204" pitchFamily="18" charset="0"/>
+                        </a:rPr>
+                        <m:t>)</m:t>
+                      </m:r>
+                    </m:oMath>
+                  </m:oMathPara>
+                </a14:m>
+                <a:endParaRPr kumimoji="1" lang="ja-JP" altLang="en-US" dirty="0"/>
+              </a:p>
+            </p:txBody>
+          </p:sp>
+        </mc:Choice>
+        <mc:Fallback>
+          <p:sp>
+            <p:nvSpPr>
+              <p:cNvPr id="26" name="テキスト ボックス 25">
+                <a:extLst>
+                  <a:ext uri="{FF2B5EF4-FFF2-40B4-BE49-F238E27FC236}">
+                    <a16:creationId xmlns:a16="http://schemas.microsoft.com/office/drawing/2014/main" id="{5F7F9D46-818A-46B7-B451-BA0EDC0F0458}"/>
+                  </a:ext>
+                </a:extLst>
+              </p:cNvPr>
+              <p:cNvSpPr txBox="1">
+                <a:spLocks noRot="1" noChangeAspect="1" noMove="1" noResize="1" noEditPoints="1" noAdjustHandles="1" noChangeArrowheads="1" noChangeShapeType="1" noTextEdit="1"/>
+              </p:cNvSpPr>
+              <p:nvPr/>
+            </p:nvSpPr>
+            <p:spPr>
+              <a:xfrm>
+                <a:off x="8215629" y="4901242"/>
+                <a:ext cx="585288" cy="276999"/>
+              </a:xfrm>
+              <a:prstGeom prst="rect">
+                <a:avLst/>
+              </a:prstGeom>
+              <a:blipFill>
+                <a:blip r:embed="rId27"/>
+                <a:stretch>
+                  <a:fillRect l="-8333" t="-2222" r="-13542" b="-35556"/>
                 </a:stretch>
               </a:blipFill>
             </p:spPr>
@@ -9898,7 +12138,7 @@
           </p:nvPr>
         </p:nvPicPr>
         <p:blipFill>
-          <a:blip r:embed="rId3">
+          <a:blip r:embed="rId5">
             <a:extLst>
               <a:ext uri="{28A0092B-C50C-407E-A947-70E740481C1C}">
                 <a14:useLocalDpi xmlns:a14="http://schemas.microsoft.com/office/drawing/2010/main" val="0"/>
@@ -9911,7 +12151,7 @@
         </p:blipFill>
         <p:spPr>
           <a:xfrm>
-            <a:off x="1197819" y="2534590"/>
+            <a:off x="1141496" y="1640069"/>
             <a:ext cx="9796361" cy="2442867"/>
           </a:xfrm>
           <a:prstGeom prst="rect">
@@ -9919,6 +12159,212 @@
           </a:prstGeom>
         </p:spPr>
       </p:pic>
+      <p:sp>
+        <p:nvSpPr>
+          <p:cNvPr id="4" name="テキスト ボックス 3">
+            <a:extLst>
+              <a:ext uri="{FF2B5EF4-FFF2-40B4-BE49-F238E27FC236}">
+                <a16:creationId xmlns:a16="http://schemas.microsoft.com/office/drawing/2014/main" id="{EB505FE5-690C-4F61-989E-0AC10582FDE2}"/>
+              </a:ext>
+            </a:extLst>
+          </p:cNvPr>
+          <p:cNvSpPr txBox="1"/>
+          <p:nvPr/>
+        </p:nvSpPr>
+        <p:spPr>
+          <a:xfrm>
+            <a:off x="0" y="70686"/>
+            <a:ext cx="13501314" cy="646331"/>
+          </a:xfrm>
+          <a:prstGeom prst="rect">
+            <a:avLst/>
+          </a:prstGeom>
+          <a:noFill/>
+        </p:spPr>
+        <p:txBody>
+          <a:bodyPr wrap="square" rtlCol="0">
+            <a:spAutoFit/>
+          </a:bodyPr>
+          <a:lstStyle/>
+          <a:p>
+            <a:r>
+              <a:rPr lang="ja-JP" altLang="en-US" sz="3600" b="1" dirty="0">
+                <a:latin typeface="BIZ UDPゴシック" panose="020B0400000000000000" pitchFamily="50" charset="-128"/>
+                <a:ea typeface="BIZ UDPゴシック" panose="020B0400000000000000" pitchFamily="50" charset="-128"/>
+              </a:rPr>
+              <a:t>固有モード伝送</a:t>
+            </a:r>
+            <a:r>
+              <a:rPr lang="en-US" altLang="ja-JP" sz="3600" b="1" dirty="0">
+                <a:latin typeface="BIZ UDPゴシック" panose="020B0400000000000000" pitchFamily="50" charset="-128"/>
+                <a:ea typeface="BIZ UDPゴシック" panose="020B0400000000000000" pitchFamily="50" charset="-128"/>
+              </a:rPr>
+              <a:t>(EM-BF : Eigenmode Beamforming)</a:t>
+            </a:r>
+            <a:endParaRPr kumimoji="1" lang="ja-JP" altLang="en-US" sz="3600" b="1" dirty="0">
+              <a:latin typeface="BIZ UDPゴシック" panose="020B0400000000000000" pitchFamily="50" charset="-128"/>
+              <a:ea typeface="BIZ UDPゴシック" panose="020B0400000000000000" pitchFamily="50" charset="-128"/>
+            </a:endParaRPr>
+          </a:p>
+        </p:txBody>
+      </p:sp>
+      <p:grpSp>
+        <p:nvGrpSpPr>
+          <p:cNvPr id="8" name="グループ化 7">
+            <a:extLst>
+              <a:ext uri="{FF2B5EF4-FFF2-40B4-BE49-F238E27FC236}">
+                <a16:creationId xmlns:a16="http://schemas.microsoft.com/office/drawing/2014/main" id="{5CFBF6CF-A7B4-4456-85FD-775939B09EFA}"/>
+              </a:ext>
+            </a:extLst>
+          </p:cNvPr>
+          <p:cNvGrpSpPr/>
+          <p:nvPr/>
+        </p:nvGrpSpPr>
+        <p:grpSpPr>
+          <a:xfrm>
+            <a:off x="413329" y="1003851"/>
+            <a:ext cx="6583818" cy="461665"/>
+            <a:chOff x="383512" y="1162878"/>
+            <a:chExt cx="6583818" cy="461665"/>
+          </a:xfrm>
+        </p:grpSpPr>
+        <p:sp>
+          <p:nvSpPr>
+            <p:cNvPr id="2" name="テキスト ボックス 1">
+              <a:extLst>
+                <a:ext uri="{FF2B5EF4-FFF2-40B4-BE49-F238E27FC236}">
+                  <a16:creationId xmlns:a16="http://schemas.microsoft.com/office/drawing/2014/main" id="{66BE02D7-D9DE-4B3D-AB11-09D40E6BB8B0}"/>
+                </a:ext>
+              </a:extLst>
+            </p:cNvPr>
+            <p:cNvSpPr txBox="1"/>
+            <p:nvPr/>
+          </p:nvSpPr>
+          <p:spPr>
+            <a:xfrm flipH="1">
+              <a:off x="383512" y="1162878"/>
+              <a:ext cx="6583818" cy="461665"/>
+            </a:xfrm>
+            <a:prstGeom prst="rect">
+              <a:avLst/>
+            </a:prstGeom>
+            <a:noFill/>
+          </p:spPr>
+          <p:txBody>
+            <a:bodyPr wrap="square" rtlCol="0">
+              <a:spAutoFit/>
+            </a:bodyPr>
+            <a:lstStyle/>
+            <a:p>
+              <a:r>
+                <a:rPr lang="ja-JP" altLang="en-US" sz="2400" dirty="0">
+                  <a:latin typeface="BIZ UDPゴシック" panose="020B0400000000000000" pitchFamily="50" charset="-128"/>
+                  <a:ea typeface="BIZ UDPゴシック" panose="020B0400000000000000" pitchFamily="50" charset="-128"/>
+                </a:rPr>
+                <a:t>伝搬チャネル行列　　を特異値分解すると</a:t>
+              </a:r>
+              <a:r>
+                <a:rPr lang="en-US" altLang="ja-JP" sz="2400" dirty="0">
+                  <a:latin typeface="BIZ UDPゴシック" panose="020B0400000000000000" pitchFamily="50" charset="-128"/>
+                  <a:ea typeface="BIZ UDPゴシック" panose="020B0400000000000000" pitchFamily="50" charset="-128"/>
+                </a:rPr>
+                <a:t>,</a:t>
+              </a:r>
+              <a:r>
+                <a:rPr lang="ja-JP" altLang="en-US" sz="2400" dirty="0">
+                  <a:latin typeface="BIZ UDPゴシック" panose="020B0400000000000000" pitchFamily="50" charset="-128"/>
+                  <a:ea typeface="BIZ UDPゴシック" panose="020B0400000000000000" pitchFamily="50" charset="-128"/>
+                </a:rPr>
+                <a:t>　　は</a:t>
+              </a:r>
+              <a:endParaRPr kumimoji="1" lang="ja-JP" altLang="en-US" sz="2400" dirty="0">
+                <a:latin typeface="BIZ UDPゴシック" panose="020B0400000000000000" pitchFamily="50" charset="-128"/>
+                <a:ea typeface="BIZ UDPゴシック" panose="020B0400000000000000" pitchFamily="50" charset="-128"/>
+              </a:endParaRPr>
+            </a:p>
+          </p:txBody>
+        </p:sp>
+        <p:pic>
+          <p:nvPicPr>
+            <p:cNvPr id="5" name="図 4" descr="\documentclass{jsarticle}&#10;\usepackage{amsmath}&#10;\usepackage[T1]{fontenc}&#10;\usepackage{lmodern}&#10;\pagestyle{empty}&#10;&#10;\begin{document}&#10;%\begin{align*}&#10;%\end{align*}&#10;$H$&#10;\end{document}" title="IguanaTex Bitmap Display">
+              <a:extLst>
+                <a:ext uri="{FF2B5EF4-FFF2-40B4-BE49-F238E27FC236}">
+                  <a16:creationId xmlns:a16="http://schemas.microsoft.com/office/drawing/2014/main" id="{0FAD635D-ECED-4270-9C0E-7B703B9EE5B0}"/>
+                </a:ext>
+              </a:extLst>
+            </p:cNvPr>
+            <p:cNvPicPr>
+              <a:picLocks noChangeAspect="1"/>
+            </p:cNvPicPr>
+            <p:nvPr>
+              <p:custDataLst>
+                <p:tags r:id="rId2"/>
+              </p:custDataLst>
+            </p:nvPr>
+          </p:nvPicPr>
+          <p:blipFill>
+            <a:blip r:embed="rId6">
+              <a:extLst>
+                <a:ext uri="{28A0092B-C50C-407E-A947-70E740481C1C}">
+                  <a14:useLocalDpi xmlns:a14="http://schemas.microsoft.com/office/drawing/2010/main" val="0"/>
+                </a:ext>
+              </a:extLst>
+            </a:blip>
+            <a:stretch>
+              <a:fillRect/>
+            </a:stretch>
+          </p:blipFill>
+          <p:spPr>
+            <a:xfrm>
+              <a:off x="2855843" y="1267238"/>
+              <a:ext cx="357745" cy="292700"/>
+            </a:xfrm>
+            <a:prstGeom prst="rect">
+              <a:avLst/>
+            </a:prstGeom>
+          </p:spPr>
+        </p:pic>
+        <p:pic>
+          <p:nvPicPr>
+            <p:cNvPr id="7" name="図 6" descr="\documentclass{jsarticle}&#10;\usepackage{amsmath}&#10;\usepackage[T1]{fontenc}&#10;\usepackage{lmodern}&#10;\pagestyle{empty}&#10;&#10;\begin{document}&#10;%\begin{align*}&#10;%\end{align*}&#10;$H$&#10;\end{document}" title="IguanaTex Bitmap Display">
+              <a:extLst>
+                <a:ext uri="{FF2B5EF4-FFF2-40B4-BE49-F238E27FC236}">
+                  <a16:creationId xmlns:a16="http://schemas.microsoft.com/office/drawing/2014/main" id="{CCD3C43A-9DB4-47F9-B351-E18E98F0C484}"/>
+                </a:ext>
+              </a:extLst>
+            </p:cNvPr>
+            <p:cNvPicPr>
+              <a:picLocks noChangeAspect="1"/>
+            </p:cNvPicPr>
+            <p:nvPr>
+              <p:custDataLst>
+                <p:tags r:id="rId3"/>
+              </p:custDataLst>
+            </p:nvPr>
+          </p:nvPicPr>
+          <p:blipFill>
+            <a:blip r:embed="rId6">
+              <a:extLst>
+                <a:ext uri="{28A0092B-C50C-407E-A947-70E740481C1C}">
+                  <a14:useLocalDpi xmlns:a14="http://schemas.microsoft.com/office/drawing/2010/main" val="0"/>
+                </a:ext>
+              </a:extLst>
+            </a:blip>
+            <a:stretch>
+              <a:fillRect/>
+            </a:stretch>
+          </p:blipFill>
+          <p:spPr>
+            <a:xfrm>
+              <a:off x="6009860" y="1247360"/>
+              <a:ext cx="357745" cy="292700"/>
+            </a:xfrm>
+            <a:prstGeom prst="rect">
+              <a:avLst/>
+            </a:prstGeom>
+          </p:spPr>
+        </p:pic>
+      </p:grpSp>
     </p:spTree>
     <p:extLst>
       <p:ext uri="{BB962C8B-B14F-4D97-AF65-F5344CB8AC3E}">
@@ -9933,6 +12379,954 @@
 </file>
 
 <file path=ppt/slides/slide6.xml><?xml version="1.0" encoding="utf-8"?>
+<p:sld xmlns:a="http://schemas.openxmlformats.org/drawingml/2006/main" xmlns:r="http://schemas.openxmlformats.org/officeDocument/2006/relationships" xmlns:p="http://schemas.openxmlformats.org/presentationml/2006/main">
+  <p:cSld>
+    <p:spTree>
+      <p:nvGrpSpPr>
+        <p:cNvPr id="1" name=""/>
+        <p:cNvGrpSpPr/>
+        <p:nvPr/>
+      </p:nvGrpSpPr>
+      <p:grpSpPr>
+        <a:xfrm>
+          <a:off x="0" y="0"/>
+          <a:ext cx="0" cy="0"/>
+          <a:chOff x="0" y="0"/>
+          <a:chExt cx="0" cy="0"/>
+        </a:xfrm>
+      </p:grpSpPr>
+      <p:sp>
+        <p:nvSpPr>
+          <p:cNvPr id="30" name="テキスト ボックス 29">
+            <a:extLst>
+              <a:ext uri="{FF2B5EF4-FFF2-40B4-BE49-F238E27FC236}">
+                <a16:creationId xmlns:a16="http://schemas.microsoft.com/office/drawing/2014/main" id="{A4FC2B76-FC5E-4197-942B-E158202DB7FC}"/>
+              </a:ext>
+            </a:extLst>
+          </p:cNvPr>
+          <p:cNvSpPr txBox="1"/>
+          <p:nvPr/>
+        </p:nvSpPr>
+        <p:spPr>
+          <a:xfrm rot="783544">
+            <a:off x="8624126" y="2755706"/>
+            <a:ext cx="2117245" cy="338554"/>
+          </a:xfrm>
+          <a:prstGeom prst="rect">
+            <a:avLst/>
+          </a:prstGeom>
+          <a:noFill/>
+        </p:spPr>
+        <p:txBody>
+          <a:bodyPr wrap="square" rtlCol="0">
+            <a:spAutoFit/>
+          </a:bodyPr>
+          <a:lstStyle/>
+          <a:p>
+            <a:r>
+              <a:rPr kumimoji="1" lang="ja-JP" altLang="en-US" sz="1600" dirty="0">
+                <a:latin typeface="BIZ UDPゴシック" panose="020B0400000000000000" pitchFamily="50" charset="-128"/>
+                <a:ea typeface="BIZ UDPゴシック" panose="020B0400000000000000" pitchFamily="50" charset="-128"/>
+              </a:rPr>
+              <a:t>情報</a:t>
+            </a:r>
+            <a:r>
+              <a:rPr lang="en-US" altLang="ja-JP" sz="1600" dirty="0">
+                <a:latin typeface="BIZ UDPゴシック" panose="020B0400000000000000" pitchFamily="50" charset="-128"/>
+                <a:ea typeface="BIZ UDPゴシック" panose="020B0400000000000000" pitchFamily="50" charset="-128"/>
+              </a:rPr>
+              <a:t>B</a:t>
+            </a:r>
+            <a:r>
+              <a:rPr kumimoji="1" lang="en-US" altLang="ja-JP" sz="1600" dirty="0">
+                <a:latin typeface="BIZ UDPゴシック" panose="020B0400000000000000" pitchFamily="50" charset="-128"/>
+                <a:ea typeface="BIZ UDPゴシック" panose="020B0400000000000000" pitchFamily="50" charset="-128"/>
+              </a:rPr>
+              <a:t>(16QAM)</a:t>
+            </a:r>
+            <a:endParaRPr kumimoji="1" lang="ja-JP" altLang="en-US" sz="1600" dirty="0">
+              <a:latin typeface="BIZ UDPゴシック" panose="020B0400000000000000" pitchFamily="50" charset="-128"/>
+              <a:ea typeface="BIZ UDPゴシック" panose="020B0400000000000000" pitchFamily="50" charset="-128"/>
+            </a:endParaRPr>
+          </a:p>
+        </p:txBody>
+      </p:sp>
+      <p:sp>
+        <p:nvSpPr>
+          <p:cNvPr id="31" name="テキスト ボックス 30">
+            <a:extLst>
+              <a:ext uri="{FF2B5EF4-FFF2-40B4-BE49-F238E27FC236}">
+                <a16:creationId xmlns:a16="http://schemas.microsoft.com/office/drawing/2014/main" id="{083D7949-395D-4A4A-9D63-2CE5DBC6217B}"/>
+              </a:ext>
+            </a:extLst>
+          </p:cNvPr>
+          <p:cNvSpPr txBox="1"/>
+          <p:nvPr/>
+        </p:nvSpPr>
+        <p:spPr>
+          <a:xfrm rot="749578">
+            <a:off x="7724488" y="5062176"/>
+            <a:ext cx="2117245" cy="307777"/>
+          </a:xfrm>
+          <a:prstGeom prst="rect">
+            <a:avLst/>
+          </a:prstGeom>
+          <a:noFill/>
+        </p:spPr>
+        <p:txBody>
+          <a:bodyPr wrap="square" rtlCol="0">
+            <a:spAutoFit/>
+          </a:bodyPr>
+          <a:lstStyle/>
+          <a:p>
+            <a:r>
+              <a:rPr kumimoji="1" lang="ja-JP" altLang="en-US" sz="1400" dirty="0">
+                <a:latin typeface="BIZ UDPゴシック" panose="020B0400000000000000" pitchFamily="50" charset="-128"/>
+                <a:ea typeface="BIZ UDPゴシック" panose="020B0400000000000000" pitchFamily="50" charset="-128"/>
+              </a:rPr>
+              <a:t>情報</a:t>
+            </a:r>
+            <a:r>
+              <a:rPr kumimoji="1" lang="en-US" altLang="ja-JP" sz="1400" dirty="0">
+                <a:latin typeface="BIZ UDPゴシック" panose="020B0400000000000000" pitchFamily="50" charset="-128"/>
+                <a:ea typeface="BIZ UDPゴシック" panose="020B0400000000000000" pitchFamily="50" charset="-128"/>
+              </a:rPr>
+              <a:t>C(QPSK)</a:t>
+            </a:r>
+            <a:endParaRPr kumimoji="1" lang="ja-JP" altLang="en-US" sz="1400" dirty="0">
+              <a:latin typeface="BIZ UDPゴシック" panose="020B0400000000000000" pitchFamily="50" charset="-128"/>
+              <a:ea typeface="BIZ UDPゴシック" panose="020B0400000000000000" pitchFamily="50" charset="-128"/>
+            </a:endParaRPr>
+          </a:p>
+        </p:txBody>
+      </p:sp>
+      <p:grpSp>
+        <p:nvGrpSpPr>
+          <p:cNvPr id="50" name="グループ化 49">
+            <a:extLst>
+              <a:ext uri="{FF2B5EF4-FFF2-40B4-BE49-F238E27FC236}">
+                <a16:creationId xmlns:a16="http://schemas.microsoft.com/office/drawing/2014/main" id="{0EF4EA86-CB05-4662-A30E-71887BA7D85B}"/>
+              </a:ext>
+            </a:extLst>
+          </p:cNvPr>
+          <p:cNvGrpSpPr/>
+          <p:nvPr/>
+        </p:nvGrpSpPr>
+        <p:grpSpPr>
+          <a:xfrm>
+            <a:off x="6540982" y="2410314"/>
+            <a:ext cx="4840774" cy="4173695"/>
+            <a:chOff x="9685622" y="1923085"/>
+            <a:chExt cx="2208005" cy="2059367"/>
+          </a:xfrm>
+        </p:grpSpPr>
+        <p:pic>
+          <p:nvPicPr>
+            <p:cNvPr id="32" name="グラフィックス 31">
+              <a:extLst>
+                <a:ext uri="{FF2B5EF4-FFF2-40B4-BE49-F238E27FC236}">
+                  <a16:creationId xmlns:a16="http://schemas.microsoft.com/office/drawing/2014/main" id="{176B60D1-40FF-471C-8150-D6FF0FDD1611}"/>
+                </a:ext>
+              </a:extLst>
+            </p:cNvPr>
+            <p:cNvPicPr>
+              <a:picLocks noChangeAspect="1"/>
+            </p:cNvPicPr>
+            <p:nvPr/>
+          </p:nvPicPr>
+          <p:blipFill>
+            <a:blip r:embed="rId2">
+              <a:extLst>
+                <a:ext uri="{28A0092B-C50C-407E-A947-70E740481C1C}">
+                  <a14:useLocalDpi xmlns:a14="http://schemas.microsoft.com/office/drawing/2010/main" val="0"/>
+                </a:ext>
+                <a:ext uri="{96DAC541-7B7A-43D3-8B79-37D633B846F1}">
+                  <asvg:svgBlip xmlns:asvg="http://schemas.microsoft.com/office/drawing/2016/SVG/main" r:embed="rId3"/>
+                </a:ext>
+              </a:extLst>
+            </a:blip>
+            <a:stretch>
+              <a:fillRect/>
+            </a:stretch>
+          </p:blipFill>
+          <p:spPr>
+            <a:xfrm>
+              <a:off x="9685622" y="1923085"/>
+              <a:ext cx="771443" cy="1749199"/>
+            </a:xfrm>
+            <a:prstGeom prst="rect">
+              <a:avLst/>
+            </a:prstGeom>
+          </p:spPr>
+        </p:pic>
+        <p:sp>
+          <p:nvSpPr>
+            <p:cNvPr id="33" name="正方形/長方形 32">
+              <a:extLst>
+                <a:ext uri="{FF2B5EF4-FFF2-40B4-BE49-F238E27FC236}">
+                  <a16:creationId xmlns:a16="http://schemas.microsoft.com/office/drawing/2014/main" id="{F01BC6CF-61A4-4998-AF64-28B8A65BF9A8}"/>
+                </a:ext>
+              </a:extLst>
+            </p:cNvPr>
+            <p:cNvSpPr/>
+            <p:nvPr/>
+          </p:nvSpPr>
+          <p:spPr>
+            <a:xfrm>
+              <a:off x="11397615" y="3464951"/>
+              <a:ext cx="496012" cy="258751"/>
+            </a:xfrm>
+            <a:prstGeom prst="rect">
+              <a:avLst/>
+            </a:prstGeom>
+            <a:noFill/>
+            <a:ln w="28575"/>
+          </p:spPr>
+          <p:style>
+            <a:lnRef idx="2">
+              <a:schemeClr val="accent1">
+                <a:shade val="15000"/>
+              </a:schemeClr>
+            </a:lnRef>
+            <a:fillRef idx="1">
+              <a:schemeClr val="accent1"/>
+            </a:fillRef>
+            <a:effectRef idx="0">
+              <a:schemeClr val="accent1"/>
+            </a:effectRef>
+            <a:fontRef idx="minor">
+              <a:schemeClr val="lt1"/>
+            </a:fontRef>
+          </p:style>
+          <p:txBody>
+            <a:bodyPr rtlCol="0" anchor="ctr"/>
+            <a:lstStyle/>
+            <a:p>
+              <a:pPr algn="ctr"/>
+              <a:endParaRPr kumimoji="1" lang="ja-JP" altLang="en-US" dirty="0"/>
+            </a:p>
+          </p:txBody>
+        </p:sp>
+        <p:sp>
+          <p:nvSpPr>
+            <p:cNvPr id="34" name="平行四辺形 33">
+              <a:extLst>
+                <a:ext uri="{FF2B5EF4-FFF2-40B4-BE49-F238E27FC236}">
+                  <a16:creationId xmlns:a16="http://schemas.microsoft.com/office/drawing/2014/main" id="{69881BAA-2BB2-4F64-8DDD-47253BEC0235}"/>
+                </a:ext>
+              </a:extLst>
+            </p:cNvPr>
+            <p:cNvSpPr/>
+            <p:nvPr/>
+          </p:nvSpPr>
+          <p:spPr>
+            <a:xfrm>
+              <a:off x="11332104" y="3723701"/>
+              <a:ext cx="561523" cy="258751"/>
+            </a:xfrm>
+            <a:prstGeom prst="parallelogram">
+              <a:avLst>
+                <a:gd name="adj" fmla="val 28572"/>
+              </a:avLst>
+            </a:prstGeom>
+            <a:noFill/>
+            <a:ln w="28575"/>
+          </p:spPr>
+          <p:style>
+            <a:lnRef idx="2">
+              <a:schemeClr val="accent1">
+                <a:shade val="15000"/>
+              </a:schemeClr>
+            </a:lnRef>
+            <a:fillRef idx="1">
+              <a:schemeClr val="accent1"/>
+            </a:fillRef>
+            <a:effectRef idx="0">
+              <a:schemeClr val="accent1"/>
+            </a:effectRef>
+            <a:fontRef idx="minor">
+              <a:schemeClr val="lt1"/>
+            </a:fontRef>
+          </p:style>
+          <p:txBody>
+            <a:bodyPr rtlCol="0" anchor="ctr"/>
+            <a:lstStyle/>
+            <a:p>
+              <a:pPr algn="ctr"/>
+              <a:endParaRPr kumimoji="1" lang="ja-JP" altLang="en-US"/>
+            </a:p>
+          </p:txBody>
+        </p:sp>
+        <p:pic>
+          <p:nvPicPr>
+            <p:cNvPr id="35" name="グラフィックス 34">
+              <a:extLst>
+                <a:ext uri="{FF2B5EF4-FFF2-40B4-BE49-F238E27FC236}">
+                  <a16:creationId xmlns:a16="http://schemas.microsoft.com/office/drawing/2014/main" id="{B2A7BFB0-386A-4A56-976F-5E1F7E03464D}"/>
+                </a:ext>
+              </a:extLst>
+            </p:cNvPr>
+            <p:cNvPicPr>
+              <a:picLocks noChangeAspect="1"/>
+            </p:cNvPicPr>
+            <p:nvPr/>
+          </p:nvPicPr>
+          <p:blipFill rotWithShape="1">
+            <a:blip r:embed="rId4">
+              <a:extLst>
+                <a:ext uri="{28A0092B-C50C-407E-A947-70E740481C1C}">
+                  <a14:useLocalDpi xmlns:a14="http://schemas.microsoft.com/office/drawing/2010/main" val="0"/>
+                </a:ext>
+                <a:ext uri="{96DAC541-7B7A-43D3-8B79-37D633B846F1}">
+                  <asvg:svgBlip xmlns:asvg="http://schemas.microsoft.com/office/drawing/2016/SVG/main" r:embed="rId5"/>
+                </a:ext>
+              </a:extLst>
+            </a:blip>
+            <a:srcRect l="1" r="-1" b="17291"/>
+            <a:stretch/>
+          </p:blipFill>
+          <p:spPr>
+            <a:xfrm flipH="1">
+              <a:off x="11494349" y="3015261"/>
+              <a:ext cx="302542" cy="449690"/>
+            </a:xfrm>
+            <a:prstGeom prst="rect">
+              <a:avLst/>
+            </a:prstGeom>
+          </p:spPr>
+        </p:pic>
+        <p:cxnSp>
+          <p:nvCxnSpPr>
+            <p:cNvPr id="36" name="直線コネクタ 35">
+              <a:extLst>
+                <a:ext uri="{FF2B5EF4-FFF2-40B4-BE49-F238E27FC236}">
+                  <a16:creationId xmlns:a16="http://schemas.microsoft.com/office/drawing/2014/main" id="{2AD5518A-3704-4EC6-8D8F-1EBFC66D407E}"/>
+                </a:ext>
+              </a:extLst>
+            </p:cNvPr>
+            <p:cNvCxnSpPr/>
+            <p:nvPr/>
+          </p:nvCxnSpPr>
+          <p:spPr>
+            <a:xfrm>
+              <a:off x="10457065" y="2132626"/>
+              <a:ext cx="794250" cy="194063"/>
+            </a:xfrm>
+            <a:prstGeom prst="line">
+              <a:avLst/>
+            </a:prstGeom>
+            <a:ln w="12700">
+              <a:prstDash val="lgDashDot"/>
+            </a:ln>
+          </p:spPr>
+          <p:style>
+            <a:lnRef idx="1">
+              <a:schemeClr val="accent1"/>
+            </a:lnRef>
+            <a:fillRef idx="0">
+              <a:schemeClr val="accent1"/>
+            </a:fillRef>
+            <a:effectRef idx="0">
+              <a:schemeClr val="accent1"/>
+            </a:effectRef>
+            <a:fontRef idx="minor">
+              <a:schemeClr val="tx1"/>
+            </a:fontRef>
+          </p:style>
+        </p:cxnSp>
+        <p:cxnSp>
+          <p:nvCxnSpPr>
+            <p:cNvPr id="37" name="直線矢印コネクタ 36">
+              <a:extLst>
+                <a:ext uri="{FF2B5EF4-FFF2-40B4-BE49-F238E27FC236}">
+                  <a16:creationId xmlns:a16="http://schemas.microsoft.com/office/drawing/2014/main" id="{068EEB63-292A-4AB0-B2BF-BC3181223C58}"/>
+                </a:ext>
+              </a:extLst>
+            </p:cNvPr>
+            <p:cNvCxnSpPr/>
+            <p:nvPr/>
+          </p:nvCxnSpPr>
+          <p:spPr>
+            <a:xfrm>
+              <a:off x="11251315" y="2326689"/>
+              <a:ext cx="336913" cy="563707"/>
+            </a:xfrm>
+            <a:prstGeom prst="straightConnector1">
+              <a:avLst/>
+            </a:prstGeom>
+            <a:ln w="12700">
+              <a:prstDash val="lgDashDot"/>
+              <a:tailEnd type="triangle"/>
+            </a:ln>
+          </p:spPr>
+          <p:style>
+            <a:lnRef idx="1">
+              <a:schemeClr val="accent1"/>
+            </a:lnRef>
+            <a:fillRef idx="0">
+              <a:schemeClr val="accent1"/>
+            </a:fillRef>
+            <a:effectRef idx="0">
+              <a:schemeClr val="accent1"/>
+            </a:effectRef>
+            <a:fontRef idx="minor">
+              <a:schemeClr val="tx1"/>
+            </a:fontRef>
+          </p:style>
+        </p:cxnSp>
+        <p:cxnSp>
+          <p:nvCxnSpPr>
+            <p:cNvPr id="38" name="直線コネクタ 37">
+              <a:extLst>
+                <a:ext uri="{FF2B5EF4-FFF2-40B4-BE49-F238E27FC236}">
+                  <a16:creationId xmlns:a16="http://schemas.microsoft.com/office/drawing/2014/main" id="{6673D335-48EA-4342-9947-5B113FD1650C}"/>
+                </a:ext>
+              </a:extLst>
+            </p:cNvPr>
+            <p:cNvCxnSpPr>
+              <a:cxnSpLocks/>
+            </p:cNvCxnSpPr>
+            <p:nvPr/>
+          </p:nvCxnSpPr>
+          <p:spPr>
+            <a:xfrm>
+              <a:off x="9909355" y="2577815"/>
+              <a:ext cx="323975" cy="672984"/>
+            </a:xfrm>
+            <a:prstGeom prst="line">
+              <a:avLst/>
+            </a:prstGeom>
+            <a:ln w="12700">
+              <a:prstDash val="sysDash"/>
+            </a:ln>
+          </p:spPr>
+          <p:style>
+            <a:lnRef idx="1">
+              <a:schemeClr val="accent1"/>
+            </a:lnRef>
+            <a:fillRef idx="0">
+              <a:schemeClr val="accent1"/>
+            </a:fillRef>
+            <a:effectRef idx="0">
+              <a:schemeClr val="accent1"/>
+            </a:effectRef>
+            <a:fontRef idx="minor">
+              <a:schemeClr val="tx1"/>
+            </a:fontRef>
+          </p:style>
+        </p:cxnSp>
+        <p:cxnSp>
+          <p:nvCxnSpPr>
+            <p:cNvPr id="39" name="直線矢印コネクタ 38">
+              <a:extLst>
+                <a:ext uri="{FF2B5EF4-FFF2-40B4-BE49-F238E27FC236}">
+                  <a16:creationId xmlns:a16="http://schemas.microsoft.com/office/drawing/2014/main" id="{B0A5FFED-62E6-4171-BF01-95CEA4EE16E8}"/>
+                </a:ext>
+              </a:extLst>
+            </p:cNvPr>
+            <p:cNvCxnSpPr>
+              <a:cxnSpLocks/>
+            </p:cNvCxnSpPr>
+            <p:nvPr/>
+          </p:nvCxnSpPr>
+          <p:spPr>
+            <a:xfrm>
+              <a:off x="10233331" y="3250799"/>
+              <a:ext cx="868244" cy="214151"/>
+            </a:xfrm>
+            <a:prstGeom prst="straightConnector1">
+              <a:avLst/>
+            </a:prstGeom>
+            <a:ln w="12700">
+              <a:prstDash val="sysDash"/>
+              <a:tailEnd type="triangle"/>
+            </a:ln>
+          </p:spPr>
+          <p:style>
+            <a:lnRef idx="1">
+              <a:schemeClr val="accent1"/>
+            </a:lnRef>
+            <a:fillRef idx="0">
+              <a:schemeClr val="accent1"/>
+            </a:fillRef>
+            <a:effectRef idx="0">
+              <a:schemeClr val="accent1"/>
+            </a:effectRef>
+            <a:fontRef idx="minor">
+              <a:schemeClr val="tx1"/>
+            </a:fontRef>
+          </p:style>
+        </p:cxnSp>
+        <p:cxnSp>
+          <p:nvCxnSpPr>
+            <p:cNvPr id="40" name="直線矢印コネクタ 39">
+              <a:extLst>
+                <a:ext uri="{FF2B5EF4-FFF2-40B4-BE49-F238E27FC236}">
+                  <a16:creationId xmlns:a16="http://schemas.microsoft.com/office/drawing/2014/main" id="{D0A8088B-A790-4372-B445-241FE332DD9A}"/>
+                </a:ext>
+              </a:extLst>
+            </p:cNvPr>
+            <p:cNvCxnSpPr>
+              <a:cxnSpLocks/>
+            </p:cNvCxnSpPr>
+            <p:nvPr/>
+          </p:nvCxnSpPr>
+          <p:spPr>
+            <a:xfrm>
+              <a:off x="10344140" y="2512526"/>
+              <a:ext cx="987964" cy="571933"/>
+            </a:xfrm>
+            <a:prstGeom prst="straightConnector1">
+              <a:avLst/>
+            </a:prstGeom>
+            <a:ln w="57150">
+              <a:tailEnd type="triangle"/>
+            </a:ln>
+          </p:spPr>
+          <p:style>
+            <a:lnRef idx="1">
+              <a:schemeClr val="accent1"/>
+            </a:lnRef>
+            <a:fillRef idx="0">
+              <a:schemeClr val="accent1"/>
+            </a:fillRef>
+            <a:effectRef idx="0">
+              <a:schemeClr val="accent1"/>
+            </a:effectRef>
+            <a:fontRef idx="minor">
+              <a:schemeClr val="tx1"/>
+            </a:fontRef>
+          </p:style>
+        </p:cxnSp>
+        <p:sp>
+          <p:nvSpPr>
+            <p:cNvPr id="44" name="楕円 43">
+              <a:extLst>
+                <a:ext uri="{FF2B5EF4-FFF2-40B4-BE49-F238E27FC236}">
+                  <a16:creationId xmlns:a16="http://schemas.microsoft.com/office/drawing/2014/main" id="{5D140319-E544-48BD-8328-17F329CD8CC5}"/>
+                </a:ext>
+              </a:extLst>
+            </p:cNvPr>
+            <p:cNvSpPr/>
+            <p:nvPr/>
+          </p:nvSpPr>
+          <p:spPr>
+            <a:xfrm rot="18060243">
+              <a:off x="10312581" y="2290155"/>
+              <a:ext cx="158963" cy="505256"/>
+            </a:xfrm>
+            <a:prstGeom prst="ellipse">
+              <a:avLst/>
+            </a:prstGeom>
+            <a:noFill/>
+            <a:ln w="28575">
+              <a:solidFill>
+                <a:schemeClr val="accent1"/>
+              </a:solidFill>
+            </a:ln>
+          </p:spPr>
+          <p:style>
+            <a:lnRef idx="2">
+              <a:schemeClr val="accent1">
+                <a:shade val="15000"/>
+              </a:schemeClr>
+            </a:lnRef>
+            <a:fillRef idx="1">
+              <a:schemeClr val="accent1"/>
+            </a:fillRef>
+            <a:effectRef idx="0">
+              <a:schemeClr val="accent1"/>
+            </a:effectRef>
+            <a:fontRef idx="minor">
+              <a:schemeClr val="lt1"/>
+            </a:fontRef>
+          </p:style>
+          <p:txBody>
+            <a:bodyPr rtlCol="0" anchor="ctr"/>
+            <a:lstStyle/>
+            <a:p>
+              <a:pPr algn="ctr"/>
+              <a:endParaRPr kumimoji="1" lang="ja-JP" altLang="en-US"/>
+            </a:p>
+          </p:txBody>
+        </p:sp>
+        <p:sp>
+          <p:nvSpPr>
+            <p:cNvPr id="45" name="楕円 44">
+              <a:extLst>
+                <a:ext uri="{FF2B5EF4-FFF2-40B4-BE49-F238E27FC236}">
+                  <a16:creationId xmlns:a16="http://schemas.microsoft.com/office/drawing/2014/main" id="{86A46B15-B356-4F2C-977E-B1F65A2E61C0}"/>
+                </a:ext>
+              </a:extLst>
+            </p:cNvPr>
+            <p:cNvSpPr/>
+            <p:nvPr/>
+          </p:nvSpPr>
+          <p:spPr>
+            <a:xfrm rot="18060243">
+              <a:off x="11119812" y="2734975"/>
+              <a:ext cx="238219" cy="573558"/>
+            </a:xfrm>
+            <a:prstGeom prst="ellipse">
+              <a:avLst/>
+            </a:prstGeom>
+            <a:noFill/>
+            <a:ln w="28575">
+              <a:solidFill>
+                <a:schemeClr val="accent1"/>
+              </a:solidFill>
+            </a:ln>
+          </p:spPr>
+          <p:style>
+            <a:lnRef idx="2">
+              <a:schemeClr val="accent1">
+                <a:shade val="15000"/>
+              </a:schemeClr>
+            </a:lnRef>
+            <a:fillRef idx="1">
+              <a:schemeClr val="accent1"/>
+            </a:fillRef>
+            <a:effectRef idx="0">
+              <a:schemeClr val="accent1"/>
+            </a:effectRef>
+            <a:fontRef idx="minor">
+              <a:schemeClr val="lt1"/>
+            </a:fontRef>
+          </p:style>
+          <p:txBody>
+            <a:bodyPr rtlCol="0" anchor="ctr"/>
+            <a:lstStyle/>
+            <a:p>
+              <a:pPr algn="ctr"/>
+              <a:endParaRPr kumimoji="1" lang="ja-JP" altLang="en-US"/>
+            </a:p>
+          </p:txBody>
+        </p:sp>
+        <p:sp>
+          <p:nvSpPr>
+            <p:cNvPr id="46" name="楕円 45">
+              <a:extLst>
+                <a:ext uri="{FF2B5EF4-FFF2-40B4-BE49-F238E27FC236}">
+                  <a16:creationId xmlns:a16="http://schemas.microsoft.com/office/drawing/2014/main" id="{443C5C33-1C02-4808-8066-42C887DD5C2E}"/>
+                </a:ext>
+              </a:extLst>
+            </p:cNvPr>
+            <p:cNvSpPr/>
+            <p:nvPr/>
+          </p:nvSpPr>
+          <p:spPr>
+            <a:xfrm rot="17075817">
+              <a:off x="10469879" y="1937585"/>
+              <a:ext cx="196226" cy="505256"/>
+            </a:xfrm>
+            <a:prstGeom prst="ellipse">
+              <a:avLst/>
+            </a:prstGeom>
+            <a:noFill/>
+            <a:ln w="12700">
+              <a:solidFill>
+                <a:schemeClr val="accent1"/>
+              </a:solidFill>
+              <a:prstDash val="lgDashDot"/>
+            </a:ln>
+          </p:spPr>
+          <p:style>
+            <a:lnRef idx="2">
+              <a:schemeClr val="accent1">
+                <a:shade val="15000"/>
+              </a:schemeClr>
+            </a:lnRef>
+            <a:fillRef idx="1">
+              <a:schemeClr val="accent1"/>
+            </a:fillRef>
+            <a:effectRef idx="0">
+              <a:schemeClr val="accent1"/>
+            </a:effectRef>
+            <a:fontRef idx="minor">
+              <a:schemeClr val="lt1"/>
+            </a:fontRef>
+          </p:style>
+          <p:txBody>
+            <a:bodyPr rtlCol="0" anchor="ctr"/>
+            <a:lstStyle/>
+            <a:p>
+              <a:pPr algn="ctr"/>
+              <a:endParaRPr kumimoji="1" lang="ja-JP" altLang="en-US"/>
+            </a:p>
+          </p:txBody>
+        </p:sp>
+        <p:sp>
+          <p:nvSpPr>
+            <p:cNvPr id="47" name="楕円 46">
+              <a:extLst>
+                <a:ext uri="{FF2B5EF4-FFF2-40B4-BE49-F238E27FC236}">
+                  <a16:creationId xmlns:a16="http://schemas.microsoft.com/office/drawing/2014/main" id="{DEBB25AE-36B9-41BF-8623-77B676B357E4}"/>
+                </a:ext>
+              </a:extLst>
+            </p:cNvPr>
+            <p:cNvSpPr/>
+            <p:nvPr/>
+          </p:nvSpPr>
+          <p:spPr>
+            <a:xfrm rot="19544429">
+              <a:off x="11457984" y="2576186"/>
+              <a:ext cx="196226" cy="505256"/>
+            </a:xfrm>
+            <a:prstGeom prst="ellipse">
+              <a:avLst/>
+            </a:prstGeom>
+            <a:noFill/>
+            <a:ln w="12700">
+              <a:solidFill>
+                <a:schemeClr val="accent1"/>
+              </a:solidFill>
+              <a:prstDash val="lgDashDot"/>
+            </a:ln>
+          </p:spPr>
+          <p:style>
+            <a:lnRef idx="2">
+              <a:schemeClr val="accent1">
+                <a:shade val="15000"/>
+              </a:schemeClr>
+            </a:lnRef>
+            <a:fillRef idx="1">
+              <a:schemeClr val="accent1"/>
+            </a:fillRef>
+            <a:effectRef idx="0">
+              <a:schemeClr val="accent1"/>
+            </a:effectRef>
+            <a:fontRef idx="minor">
+              <a:schemeClr val="lt1"/>
+            </a:fontRef>
+          </p:style>
+          <p:txBody>
+            <a:bodyPr rtlCol="0" anchor="ctr"/>
+            <a:lstStyle/>
+            <a:p>
+              <a:pPr algn="ctr"/>
+              <a:endParaRPr kumimoji="1" lang="ja-JP" altLang="en-US"/>
+            </a:p>
+          </p:txBody>
+        </p:sp>
+        <p:sp>
+          <p:nvSpPr>
+            <p:cNvPr id="48" name="楕円 47">
+              <a:extLst>
+                <a:ext uri="{FF2B5EF4-FFF2-40B4-BE49-F238E27FC236}">
+                  <a16:creationId xmlns:a16="http://schemas.microsoft.com/office/drawing/2014/main" id="{47A313A4-51FD-43A4-855E-388FE81EF74C}"/>
+                </a:ext>
+              </a:extLst>
+            </p:cNvPr>
+            <p:cNvSpPr/>
+            <p:nvPr/>
+          </p:nvSpPr>
+          <p:spPr>
+            <a:xfrm rot="20207455">
+              <a:off x="9822878" y="2372625"/>
+              <a:ext cx="196226" cy="505256"/>
+            </a:xfrm>
+            <a:prstGeom prst="ellipse">
+              <a:avLst/>
+            </a:prstGeom>
+            <a:noFill/>
+            <a:ln w="12700">
+              <a:solidFill>
+                <a:schemeClr val="accent1"/>
+              </a:solidFill>
+              <a:prstDash val="sysDash"/>
+            </a:ln>
+          </p:spPr>
+          <p:style>
+            <a:lnRef idx="2">
+              <a:schemeClr val="accent1">
+                <a:shade val="15000"/>
+              </a:schemeClr>
+            </a:lnRef>
+            <a:fillRef idx="1">
+              <a:schemeClr val="accent1"/>
+            </a:fillRef>
+            <a:effectRef idx="0">
+              <a:schemeClr val="accent1"/>
+            </a:effectRef>
+            <a:fontRef idx="minor">
+              <a:schemeClr val="lt1"/>
+            </a:fontRef>
+          </p:style>
+          <p:txBody>
+            <a:bodyPr rtlCol="0" anchor="ctr"/>
+            <a:lstStyle/>
+            <a:p>
+              <a:pPr algn="ctr"/>
+              <a:endParaRPr kumimoji="1" lang="ja-JP" altLang="en-US"/>
+            </a:p>
+          </p:txBody>
+        </p:sp>
+        <p:sp>
+          <p:nvSpPr>
+            <p:cNvPr id="49" name="楕円 48">
+              <a:extLst>
+                <a:ext uri="{FF2B5EF4-FFF2-40B4-BE49-F238E27FC236}">
+                  <a16:creationId xmlns:a16="http://schemas.microsoft.com/office/drawing/2014/main" id="{64137292-523C-42BF-974F-0926D32F592D}"/>
+                </a:ext>
+              </a:extLst>
+            </p:cNvPr>
+            <p:cNvSpPr/>
+            <p:nvPr/>
+          </p:nvSpPr>
+          <p:spPr>
+            <a:xfrm rot="17249612">
+              <a:off x="10961751" y="3211834"/>
+              <a:ext cx="196226" cy="505256"/>
+            </a:xfrm>
+            <a:prstGeom prst="ellipse">
+              <a:avLst/>
+            </a:prstGeom>
+            <a:noFill/>
+            <a:ln w="12700">
+              <a:solidFill>
+                <a:schemeClr val="accent1"/>
+              </a:solidFill>
+              <a:prstDash val="sysDash"/>
+            </a:ln>
+          </p:spPr>
+          <p:style>
+            <a:lnRef idx="2">
+              <a:schemeClr val="accent1">
+                <a:shade val="15000"/>
+              </a:schemeClr>
+            </a:lnRef>
+            <a:fillRef idx="1">
+              <a:schemeClr val="accent1"/>
+            </a:fillRef>
+            <a:effectRef idx="0">
+              <a:schemeClr val="accent1"/>
+            </a:effectRef>
+            <a:fontRef idx="minor">
+              <a:schemeClr val="lt1"/>
+            </a:fontRef>
+          </p:style>
+          <p:txBody>
+            <a:bodyPr rtlCol="0" anchor="ctr"/>
+            <a:lstStyle/>
+            <a:p>
+              <a:pPr algn="ctr"/>
+              <a:endParaRPr kumimoji="1" lang="ja-JP" altLang="en-US"/>
+            </a:p>
+          </p:txBody>
+        </p:sp>
+      </p:grpSp>
+      <p:sp>
+        <p:nvSpPr>
+          <p:cNvPr id="29" name="テキスト ボックス 28">
+            <a:extLst>
+              <a:ext uri="{FF2B5EF4-FFF2-40B4-BE49-F238E27FC236}">
+                <a16:creationId xmlns:a16="http://schemas.microsoft.com/office/drawing/2014/main" id="{04635C1E-61C9-48A3-B104-1C4CD7C5A02F}"/>
+              </a:ext>
+            </a:extLst>
+          </p:cNvPr>
+          <p:cNvSpPr txBox="1"/>
+          <p:nvPr/>
+        </p:nvSpPr>
+        <p:spPr>
+          <a:xfrm rot="1616798">
+            <a:off x="8066260" y="3794699"/>
+            <a:ext cx="2117245" cy="369332"/>
+          </a:xfrm>
+          <a:prstGeom prst="rect">
+            <a:avLst/>
+          </a:prstGeom>
+          <a:noFill/>
+        </p:spPr>
+        <p:txBody>
+          <a:bodyPr wrap="square" rtlCol="0">
+            <a:spAutoFit/>
+          </a:bodyPr>
+          <a:lstStyle/>
+          <a:p>
+            <a:r>
+              <a:rPr kumimoji="1" lang="ja-JP" altLang="en-US" dirty="0">
+                <a:latin typeface="BIZ UDPゴシック" panose="020B0400000000000000" pitchFamily="50" charset="-128"/>
+                <a:ea typeface="BIZ UDPゴシック" panose="020B0400000000000000" pitchFamily="50" charset="-128"/>
+              </a:rPr>
+              <a:t>情報</a:t>
+            </a:r>
+            <a:r>
+              <a:rPr kumimoji="1" lang="en-US" altLang="ja-JP" dirty="0">
+                <a:latin typeface="BIZ UDPゴシック" panose="020B0400000000000000" pitchFamily="50" charset="-128"/>
+                <a:ea typeface="BIZ UDPゴシック" panose="020B0400000000000000" pitchFamily="50" charset="-128"/>
+              </a:rPr>
+              <a:t>A(64QAM)</a:t>
+            </a:r>
+            <a:endParaRPr kumimoji="1" lang="ja-JP" altLang="en-US" dirty="0">
+              <a:latin typeface="BIZ UDPゴシック" panose="020B0400000000000000" pitchFamily="50" charset="-128"/>
+              <a:ea typeface="BIZ UDPゴシック" panose="020B0400000000000000" pitchFamily="50" charset="-128"/>
+            </a:endParaRPr>
+          </a:p>
+        </p:txBody>
+      </p:sp>
+      <p:sp>
+        <p:nvSpPr>
+          <p:cNvPr id="51" name="テキスト ボックス 50">
+            <a:extLst>
+              <a:ext uri="{FF2B5EF4-FFF2-40B4-BE49-F238E27FC236}">
+                <a16:creationId xmlns:a16="http://schemas.microsoft.com/office/drawing/2014/main" id="{20A5874D-D6BC-431F-AF1E-582990716935}"/>
+              </a:ext>
+            </a:extLst>
+          </p:cNvPr>
+          <p:cNvSpPr txBox="1"/>
+          <p:nvPr/>
+        </p:nvSpPr>
+        <p:spPr>
+          <a:xfrm>
+            <a:off x="0" y="70686"/>
+            <a:ext cx="13501314" cy="646331"/>
+          </a:xfrm>
+          <a:prstGeom prst="rect">
+            <a:avLst/>
+          </a:prstGeom>
+          <a:noFill/>
+        </p:spPr>
+        <p:txBody>
+          <a:bodyPr wrap="square" rtlCol="0">
+            <a:spAutoFit/>
+          </a:bodyPr>
+          <a:lstStyle/>
+          <a:p>
+            <a:r>
+              <a:rPr lang="ja-JP" altLang="en-US" sz="3600" b="1" dirty="0">
+                <a:latin typeface="BIZ UDPゴシック" panose="020B0400000000000000" pitchFamily="50" charset="-128"/>
+                <a:ea typeface="BIZ UDPゴシック" panose="020B0400000000000000" pitchFamily="50" charset="-128"/>
+              </a:rPr>
+              <a:t>固有モード伝送</a:t>
+            </a:r>
+            <a:r>
+              <a:rPr lang="en-US" altLang="ja-JP" sz="3600" b="1" dirty="0">
+                <a:latin typeface="BIZ UDPゴシック" panose="020B0400000000000000" pitchFamily="50" charset="-128"/>
+                <a:ea typeface="BIZ UDPゴシック" panose="020B0400000000000000" pitchFamily="50" charset="-128"/>
+              </a:rPr>
+              <a:t>(EM-BF : Eigenmode Beamforming)</a:t>
+            </a:r>
+            <a:endParaRPr kumimoji="1" lang="ja-JP" altLang="en-US" sz="3600" b="1" dirty="0">
+              <a:latin typeface="BIZ UDPゴシック" panose="020B0400000000000000" pitchFamily="50" charset="-128"/>
+              <a:ea typeface="BIZ UDPゴシック" panose="020B0400000000000000" pitchFamily="50" charset="-128"/>
+            </a:endParaRPr>
+          </a:p>
+        </p:txBody>
+      </p:sp>
+    </p:spTree>
+    <p:extLst>
+      <p:ext uri="{BB962C8B-B14F-4D97-AF65-F5344CB8AC3E}">
+        <p14:creationId xmlns:p14="http://schemas.microsoft.com/office/powerpoint/2010/main" val="842544541"/>
+      </p:ext>
+    </p:extLst>
+  </p:cSld>
+  <p:clrMapOvr>
+    <a:masterClrMapping/>
+  </p:clrMapOvr>
+</p:sld>
+</file>
+
+<file path=ppt/slides/slide7.xml><?xml version="1.0" encoding="utf-8"?>
 <p:sld xmlns:a="http://schemas.openxmlformats.org/drawingml/2006/main" xmlns:r="http://schemas.openxmlformats.org/officeDocument/2006/relationships" xmlns:p="http://schemas.openxmlformats.org/presentationml/2006/main">
   <p:cSld>
     <p:spTree>
@@ -10056,7 +13450,7 @@
 </p:sld>
 </file>
 
-<file path=ppt/slides/slide7.xml><?xml version="1.0" encoding="utf-8"?>
+<file path=ppt/slides/slide8.xml><?xml version="1.0" encoding="utf-8"?>
 <p:sld xmlns:a="http://schemas.openxmlformats.org/drawingml/2006/main" xmlns:r="http://schemas.openxmlformats.org/officeDocument/2006/relationships" xmlns:p="http://schemas.openxmlformats.org/presentationml/2006/main">
   <p:cSld>
     <p:spTree>
@@ -11325,7 +14719,7 @@
 </p:sld>
 </file>
 
-<file path=ppt/slides/slide8.xml><?xml version="1.0" encoding="utf-8"?>
+<file path=ppt/slides/slide9.xml><?xml version="1.0" encoding="utf-8"?>
 <p:sld xmlns:a="http://schemas.openxmlformats.org/drawingml/2006/main" xmlns:r="http://schemas.openxmlformats.org/officeDocument/2006/relationships" xmlns:p="http://schemas.openxmlformats.org/presentationml/2006/main">
   <p:cSld>
     <p:spTree>
@@ -11748,204 +15142,6 @@
     <p:extLst>
       <p:ext uri="{BB962C8B-B14F-4D97-AF65-F5344CB8AC3E}">
         <p14:creationId xmlns:p14="http://schemas.microsoft.com/office/powerpoint/2010/main" val="3037100936"/>
-      </p:ext>
-    </p:extLst>
-  </p:cSld>
-  <p:clrMapOvr>
-    <a:masterClrMapping/>
-  </p:clrMapOvr>
-</p:sld>
-</file>
-
-<file path=ppt/slides/slide9.xml><?xml version="1.0" encoding="utf-8"?>
-<p:sld xmlns:a="http://schemas.openxmlformats.org/drawingml/2006/main" xmlns:r="http://schemas.openxmlformats.org/officeDocument/2006/relationships" xmlns:p="http://schemas.openxmlformats.org/presentationml/2006/main">
-  <p:cSld>
-    <p:spTree>
-      <p:nvGrpSpPr>
-        <p:cNvPr id="1" name=""/>
-        <p:cNvGrpSpPr/>
-        <p:nvPr/>
-      </p:nvGrpSpPr>
-      <p:grpSpPr>
-        <a:xfrm>
-          <a:off x="0" y="0"/>
-          <a:ext cx="0" cy="0"/>
-          <a:chOff x="0" y="0"/>
-          <a:chExt cx="0" cy="0"/>
-        </a:xfrm>
-      </p:grpSpPr>
-      <p:sp>
-        <p:nvSpPr>
-          <p:cNvPr id="5" name="テキスト ボックス 4">
-            <a:extLst>
-              <a:ext uri="{FF2B5EF4-FFF2-40B4-BE49-F238E27FC236}">
-                <a16:creationId xmlns:a16="http://schemas.microsoft.com/office/drawing/2014/main" id="{EBB340E6-4AED-CB3C-4DB0-0383FFA20E24}"/>
-              </a:ext>
-            </a:extLst>
-          </p:cNvPr>
-          <p:cNvSpPr txBox="1"/>
-          <p:nvPr/>
-        </p:nvSpPr>
-        <p:spPr>
-          <a:xfrm>
-            <a:off x="466683" y="1088976"/>
-            <a:ext cx="2312236" cy="646331"/>
-          </a:xfrm>
-          <a:prstGeom prst="rect">
-            <a:avLst/>
-          </a:prstGeom>
-          <a:noFill/>
-        </p:spPr>
-        <p:txBody>
-          <a:bodyPr wrap="square" rtlCol="0">
-            <a:spAutoFit/>
-          </a:bodyPr>
-          <a:lstStyle/>
-          <a:p>
-            <a:r>
-              <a:rPr lang="ja-JP" altLang="en-US" sz="3600" b="1" dirty="0">
-                <a:latin typeface="BIZ UDPゴシック" panose="020B0400000000000000" pitchFamily="50" charset="-128"/>
-                <a:ea typeface="BIZ UDPゴシック" panose="020B0400000000000000" pitchFamily="50" charset="-128"/>
-              </a:rPr>
-              <a:t>デメリット</a:t>
-            </a:r>
-            <a:endParaRPr kumimoji="1" lang="ja-JP" altLang="en-US" sz="3600" b="1" dirty="0">
-              <a:latin typeface="BIZ UDPゴシック" panose="020B0400000000000000" pitchFamily="50" charset="-128"/>
-              <a:ea typeface="BIZ UDPゴシック" panose="020B0400000000000000" pitchFamily="50" charset="-128"/>
-            </a:endParaRPr>
-          </a:p>
-        </p:txBody>
-      </p:sp>
-      <p:sp>
-        <p:nvSpPr>
-          <p:cNvPr id="6" name="テキスト ボックス 5">
-            <a:extLst>
-              <a:ext uri="{FF2B5EF4-FFF2-40B4-BE49-F238E27FC236}">
-                <a16:creationId xmlns:a16="http://schemas.microsoft.com/office/drawing/2014/main" id="{853707C1-A7BF-09CF-4FC0-75B384D78E97}"/>
-              </a:ext>
-            </a:extLst>
-          </p:cNvPr>
-          <p:cNvSpPr txBox="1"/>
-          <p:nvPr/>
-        </p:nvSpPr>
-        <p:spPr>
-          <a:xfrm>
-            <a:off x="1045368" y="2644170"/>
-            <a:ext cx="10101263" cy="1569660"/>
-          </a:xfrm>
-          <a:prstGeom prst="rect">
-            <a:avLst/>
-          </a:prstGeom>
-          <a:noFill/>
-        </p:spPr>
-        <p:txBody>
-          <a:bodyPr wrap="square" rtlCol="0">
-            <a:spAutoFit/>
-          </a:bodyPr>
-          <a:lstStyle/>
-          <a:p>
-            <a:r>
-              <a:rPr kumimoji="1" lang="ja-JP" altLang="en-US" sz="3200" dirty="0">
-                <a:latin typeface="BIZ UDPゴシック" panose="020B0400000000000000" pitchFamily="50" charset="-128"/>
-                <a:ea typeface="BIZ UDPゴシック" panose="020B0400000000000000" pitchFamily="50" charset="-128"/>
-              </a:rPr>
-              <a:t>ユーザが増えるとすべてのユーザに対してチャネル推定の手順を繰り返し実施し</a:t>
-            </a:r>
-            <a:r>
-              <a:rPr kumimoji="1" lang="en-US" altLang="ja-JP" sz="3200" dirty="0">
-                <a:latin typeface="BIZ UDPゴシック" panose="020B0400000000000000" pitchFamily="50" charset="-128"/>
-                <a:ea typeface="BIZ UDPゴシック" panose="020B0400000000000000" pitchFamily="50" charset="-128"/>
-              </a:rPr>
-              <a:t>,</a:t>
-            </a:r>
-            <a:r>
-              <a:rPr kumimoji="1" lang="ja-JP" altLang="en-US" sz="3200" dirty="0">
-                <a:latin typeface="BIZ UDPゴシック" panose="020B0400000000000000" pitchFamily="50" charset="-128"/>
-                <a:ea typeface="BIZ UDPゴシック" panose="020B0400000000000000" pitchFamily="50" charset="-128"/>
-              </a:rPr>
-              <a:t>多重伝送可能なユーザを選定</a:t>
-            </a:r>
-            <a:r>
-              <a:rPr lang="ja-JP" altLang="en-US" sz="3200" dirty="0">
-                <a:latin typeface="BIZ UDPゴシック" panose="020B0400000000000000" pitchFamily="50" charset="-128"/>
-                <a:ea typeface="BIZ UDPゴシック" panose="020B0400000000000000" pitchFamily="50" charset="-128"/>
-              </a:rPr>
-              <a:t>しなければならず</a:t>
-            </a:r>
-            <a:r>
-              <a:rPr lang="en-US" altLang="ja-JP" sz="3200" dirty="0">
-                <a:latin typeface="BIZ UDPゴシック" panose="020B0400000000000000" pitchFamily="50" charset="-128"/>
-                <a:ea typeface="BIZ UDPゴシック" panose="020B0400000000000000" pitchFamily="50" charset="-128"/>
-              </a:rPr>
-              <a:t>,</a:t>
-            </a:r>
-            <a:r>
-              <a:rPr lang="ja-JP" altLang="en-US" sz="3200" dirty="0">
-                <a:latin typeface="BIZ UDPゴシック" panose="020B0400000000000000" pitchFamily="50" charset="-128"/>
-                <a:ea typeface="BIZ UDPゴシック" panose="020B0400000000000000" pitchFamily="50" charset="-128"/>
-              </a:rPr>
-              <a:t>大きなオーバーヘッドとなる</a:t>
-            </a:r>
-            <a:r>
-              <a:rPr lang="en-US" altLang="ja-JP" sz="3200" dirty="0">
-                <a:latin typeface="BIZ UDPゴシック" panose="020B0400000000000000" pitchFamily="50" charset="-128"/>
-                <a:ea typeface="BIZ UDPゴシック" panose="020B0400000000000000" pitchFamily="50" charset="-128"/>
-              </a:rPr>
-              <a:t>.</a:t>
-            </a:r>
-            <a:endParaRPr kumimoji="1" lang="ja-JP" altLang="en-US" sz="3200" dirty="0">
-              <a:latin typeface="BIZ UDPゴシック" panose="020B0400000000000000" pitchFamily="50" charset="-128"/>
-              <a:ea typeface="BIZ UDPゴシック" panose="020B0400000000000000" pitchFamily="50" charset="-128"/>
-            </a:endParaRPr>
-          </a:p>
-        </p:txBody>
-      </p:sp>
-      <p:sp>
-        <p:nvSpPr>
-          <p:cNvPr id="2" name="テキスト ボックス 1">
-            <a:extLst>
-              <a:ext uri="{FF2B5EF4-FFF2-40B4-BE49-F238E27FC236}">
-                <a16:creationId xmlns:a16="http://schemas.microsoft.com/office/drawing/2014/main" id="{F27CA28B-6209-97D7-9437-3FEA7FF49FDF}"/>
-              </a:ext>
-            </a:extLst>
-          </p:cNvPr>
-          <p:cNvSpPr txBox="1"/>
-          <p:nvPr/>
-        </p:nvSpPr>
-        <p:spPr>
-          <a:xfrm>
-            <a:off x="14245" y="213451"/>
-            <a:ext cx="12615488" cy="646331"/>
-          </a:xfrm>
-          <a:prstGeom prst="rect">
-            <a:avLst/>
-          </a:prstGeom>
-          <a:noFill/>
-        </p:spPr>
-        <p:txBody>
-          <a:bodyPr wrap="square" rtlCol="0">
-            <a:spAutoFit/>
-          </a:bodyPr>
-          <a:lstStyle/>
-          <a:p>
-            <a:r>
-              <a:rPr kumimoji="1" lang="en-US" altLang="ja-JP" sz="3600" b="1" dirty="0">
-                <a:latin typeface="BIZ UDPゴシック" panose="020B0400000000000000" pitchFamily="50" charset="-128"/>
-                <a:ea typeface="BIZ UDPゴシック" panose="020B0400000000000000" pitchFamily="50" charset="-128"/>
-              </a:rPr>
-              <a:t>CSI (Channel State Information) Feedback</a:t>
-            </a:r>
-            <a:endParaRPr kumimoji="1" lang="ja-JP" altLang="en-US" sz="3600" b="1" dirty="0">
-              <a:latin typeface="BIZ UDPゴシック" panose="020B0400000000000000" pitchFamily="50" charset="-128"/>
-              <a:ea typeface="BIZ UDPゴシック" panose="020B0400000000000000" pitchFamily="50" charset="-128"/>
-            </a:endParaRPr>
-          </a:p>
-        </p:txBody>
-      </p:sp>
-    </p:spTree>
-    <p:extLst>
-      <p:ext uri="{BB962C8B-B14F-4D97-AF65-F5344CB8AC3E}">
-        <p14:creationId xmlns:p14="http://schemas.microsoft.com/office/powerpoint/2010/main" val="3975280355"/>
       </p:ext>
     </p:extLst>
   </p:cSld>
@@ -12118,6 +15314,26 @@
 <file path=ppt/tags/tag17.xml><?xml version="1.0" encoding="utf-8"?>
 <p:tagLst xmlns:a="http://schemas.openxmlformats.org/drawingml/2006/main" xmlns:r="http://schemas.openxmlformats.org/officeDocument/2006/relationships" xmlns:p="http://schemas.openxmlformats.org/presentationml/2006/main">
   <p:tag name="OUTPUTDPI" val="1200"/>
+  <p:tag name="ORIGINALHEIGHT" val="87.76228"/>
+  <p:tag name="ORIGINALWIDTH" val="107.265"/>
+  <p:tag name="OUTPUTTYPE" val="PNG"/>
+  <p:tag name="IGUANATEXVERSION" val="160"/>
+  <p:tag name="LATEXADDIN" val="\documentclass{jsarticle}&#10;\usepackage{amsmath}&#10;\usepackage[T1]{fontenc}&#10;\usepackage{lmodern}&#10;\pagestyle{empty}&#10;&#10;\begin{document}&#10;%\begin{align*}&#10;%\end{align*}&#10;$H$&#10;\end{document}"/>
+  <p:tag name="IGUANATEXSIZE" val="60"/>
+  <p:tag name="IGUANATEXCURSOR" val="161"/>
+  <p:tag name="TRANSPARENCY" val="True"/>
+  <p:tag name="LATEXENGINEID" val="4"/>
+  <p:tag name="TEMPFOLDER" val="c:\temp\"/>
+  <p:tag name="LATEXFORMHEIGHT" val="320"/>
+  <p:tag name="LATEXFORMWIDTH" val="385"/>
+  <p:tag name="LATEXFORMWRAP" val="True"/>
+  <p:tag name="BITMAPVECTOR" val="0"/>
+</p:tagLst>
+</file>
+
+<file path=ppt/tags/tag18.xml><?xml version="1.0" encoding="utf-8"?>
+<p:tagLst xmlns:a="http://schemas.openxmlformats.org/drawingml/2006/main" xmlns:r="http://schemas.openxmlformats.org/officeDocument/2006/relationships" xmlns:p="http://schemas.openxmlformats.org/presentationml/2006/main">
+  <p:tag name="OUTPUTDPI" val="1200"/>
   <p:tag name="ORIGINALHEIGHT" val="126.7677"/>
   <p:tag name="ORIGINALWIDTH" val="551.3269"/>
   <p:tag name="OUTPUTTYPE" val="PNG"/>
@@ -12135,7 +15351,7 @@
 </p:tagLst>
 </file>
 
-<file path=ppt/tags/tag18.xml><?xml version="1.0" encoding="utf-8"?>
+<file path=ppt/tags/tag19.xml><?xml version="1.0" encoding="utf-8"?>
 <p:tagLst xmlns:a="http://schemas.openxmlformats.org/drawingml/2006/main" xmlns:r="http://schemas.openxmlformats.org/officeDocument/2006/relationships" xmlns:p="http://schemas.openxmlformats.org/presentationml/2006/main">
   <p:tag name="OUTPUTDPI" val="1200"/>
   <p:tag name="ORIGINALHEIGHT" val="81.76141"/>
@@ -12145,26 +15361,6 @@
   <p:tag name="LATEXADDIN" val="\documentclass{jsarticle}&#10;\usepackage{amsmath}&#10;\usepackage[T1]{fontenc}&#10;\usepackage{lmodern}&#10;\pagestyle{empty}&#10;&#10;\begin{document}&#10;%\begin{align*}&#10;%\end{align*}&#10;$v_1,v_2$&#10;\end{document}"/>
   <p:tag name="IGUANATEXSIZE" val="60"/>
   <p:tag name="IGUANATEXCURSOR" val="161"/>
-  <p:tag name="TRANSPARENCY" val="True"/>
-  <p:tag name="LATEXENGINEID" val="4"/>
-  <p:tag name="TEMPFOLDER" val="c:\temp\"/>
-  <p:tag name="LATEXFORMHEIGHT" val="320"/>
-  <p:tag name="LATEXFORMWIDTH" val="385"/>
-  <p:tag name="LATEXFORMWRAP" val="True"/>
-  <p:tag name="BITMAPVECTOR" val="0"/>
-</p:tagLst>
-</file>
-
-<file path=ppt/tags/tag19.xml><?xml version="1.0" encoding="utf-8"?>
-<p:tagLst xmlns:a="http://schemas.openxmlformats.org/drawingml/2006/main" xmlns:r="http://schemas.openxmlformats.org/officeDocument/2006/relationships" xmlns:p="http://schemas.openxmlformats.org/presentationml/2006/main">
-  <p:tag name="OUTPUTDPI" val="1200"/>
-  <p:tag name="ORIGINALHEIGHT" val="126.7677"/>
-  <p:tag name="ORIGINALWIDTH" val="559.5781"/>
-  <p:tag name="OUTPUTTYPE" val="PNG"/>
-  <p:tag name="IGUANATEXVERSION" val="160"/>
-  <p:tag name="LATEXADDIN" val="\documentclass{jsarticle}&#10;\usepackage{amsmath}&#10;\usepackage[T1]{fontenc}&#10;\usepackage{lmodern}&#10;\pagestyle{empty}&#10;&#10;\begin{document}&#10;%\begin{align*}&#10;%\end{align*}&#10;$y_1(t),y_2(t)$&#10;\end{document}"/>
-  <p:tag name="IGUANATEXSIZE" val="60"/>
-  <p:tag name="IGUANATEXCURSOR" val="168"/>
   <p:tag name="TRANSPARENCY" val="True"/>
   <p:tag name="LATEXENGINEID" val="4"/>
   <p:tag name="TEMPFOLDER" val="c:\temp\"/>
@@ -12198,6 +15394,26 @@
 <file path=ppt/tags/tag20.xml><?xml version="1.0" encoding="utf-8"?>
 <p:tagLst xmlns:a="http://schemas.openxmlformats.org/drawingml/2006/main" xmlns:r="http://schemas.openxmlformats.org/officeDocument/2006/relationships" xmlns:p="http://schemas.openxmlformats.org/presentationml/2006/main">
   <p:tag name="OUTPUTDPI" val="1200"/>
+  <p:tag name="ORIGINALHEIGHT" val="126.7677"/>
+  <p:tag name="ORIGINALWIDTH" val="559.5781"/>
+  <p:tag name="OUTPUTTYPE" val="PNG"/>
+  <p:tag name="IGUANATEXVERSION" val="160"/>
+  <p:tag name="LATEXADDIN" val="\documentclass{jsarticle}&#10;\usepackage{amsmath}&#10;\usepackage[T1]{fontenc}&#10;\usepackage{lmodern}&#10;\pagestyle{empty}&#10;&#10;\begin{document}&#10;%\begin{align*}&#10;%\end{align*}&#10;$y_1(t),y_2(t)$&#10;\end{document}"/>
+  <p:tag name="IGUANATEXSIZE" val="60"/>
+  <p:tag name="IGUANATEXCURSOR" val="168"/>
+  <p:tag name="TRANSPARENCY" val="True"/>
+  <p:tag name="LATEXENGINEID" val="4"/>
+  <p:tag name="TEMPFOLDER" val="c:\temp\"/>
+  <p:tag name="LATEXFORMHEIGHT" val="320"/>
+  <p:tag name="LATEXFORMWIDTH" val="385"/>
+  <p:tag name="LATEXFORMWRAP" val="True"/>
+  <p:tag name="BITMAPVECTOR" val="0"/>
+</p:tagLst>
+</file>
+
+<file path=ppt/tags/tag21.xml><?xml version="1.0" encoding="utf-8"?>
+<p:tagLst xmlns:a="http://schemas.openxmlformats.org/drawingml/2006/main" xmlns:r="http://schemas.openxmlformats.org/officeDocument/2006/relationships" xmlns:p="http://schemas.openxmlformats.org/presentationml/2006/main">
+  <p:tag name="OUTPUTDPI" val="1200"/>
   <p:tag name="ORIGINALHEIGHT" val="138.0193"/>
   <p:tag name="ORIGINALWIDTH" val="375.0524"/>
   <p:tag name="OUTPUTTYPE" val="PNG"/>
@@ -12215,7 +15431,7 @@
 </p:tagLst>
 </file>
 
-<file path=ppt/tags/tag21.xml><?xml version="1.0" encoding="utf-8"?>
+<file path=ppt/tags/tag22.xml><?xml version="1.0" encoding="utf-8"?>
 <p:tagLst xmlns:a="http://schemas.openxmlformats.org/drawingml/2006/main" xmlns:r="http://schemas.openxmlformats.org/officeDocument/2006/relationships" xmlns:p="http://schemas.openxmlformats.org/presentationml/2006/main">
   <p:tag name="OUTPUTDPI" val="1200"/>
   <p:tag name="ORIGINALHEIGHT" val="515.3219"/>
@@ -12235,7 +15451,47 @@
 </p:tagLst>
 </file>
 
-<file path=ppt/tags/tag22.xml><?xml version="1.0" encoding="utf-8"?>
+<file path=ppt/tags/tag23.xml><?xml version="1.0" encoding="utf-8"?>
+<p:tagLst xmlns:a="http://schemas.openxmlformats.org/drawingml/2006/main" xmlns:r="http://schemas.openxmlformats.org/officeDocument/2006/relationships" xmlns:p="http://schemas.openxmlformats.org/presentationml/2006/main">
+  <p:tag name="OUTPUTDPI" val="1200"/>
+  <p:tag name="ORIGINALHEIGHT" val="87.76228"/>
+  <p:tag name="ORIGINALWIDTH" val="107.265"/>
+  <p:tag name="OUTPUTTYPE" val="PNG"/>
+  <p:tag name="IGUANATEXVERSION" val="160"/>
+  <p:tag name="LATEXADDIN" val="\documentclass{jsarticle}&#10;\usepackage{amsmath}&#10;\usepackage[T1]{fontenc}&#10;\usepackage{lmodern}&#10;\pagestyle{empty}&#10;&#10;\begin{document}&#10;%\begin{align*}&#10;%\end{align*}&#10;$H$&#10;\end{document}"/>
+  <p:tag name="IGUANATEXSIZE" val="60"/>
+  <p:tag name="IGUANATEXCURSOR" val="161"/>
+  <p:tag name="TRANSPARENCY" val="True"/>
+  <p:tag name="LATEXENGINEID" val="4"/>
+  <p:tag name="TEMPFOLDER" val="c:\temp\"/>
+  <p:tag name="LATEXFORMHEIGHT" val="320"/>
+  <p:tag name="LATEXFORMWIDTH" val="385"/>
+  <p:tag name="LATEXFORMWRAP" val="True"/>
+  <p:tag name="BITMAPVECTOR" val="0"/>
+</p:tagLst>
+</file>
+
+<file path=ppt/tags/tag24.xml><?xml version="1.0" encoding="utf-8"?>
+<p:tagLst xmlns:a="http://schemas.openxmlformats.org/drawingml/2006/main" xmlns:r="http://schemas.openxmlformats.org/officeDocument/2006/relationships" xmlns:p="http://schemas.openxmlformats.org/presentationml/2006/main">
+  <p:tag name="OUTPUTDPI" val="1200"/>
+  <p:tag name="ORIGINALHEIGHT" val="87.76228"/>
+  <p:tag name="ORIGINALWIDTH" val="107.265"/>
+  <p:tag name="OUTPUTTYPE" val="PNG"/>
+  <p:tag name="IGUANATEXVERSION" val="160"/>
+  <p:tag name="LATEXADDIN" val="\documentclass{jsarticle}&#10;\usepackage{amsmath}&#10;\usepackage[T1]{fontenc}&#10;\usepackage{lmodern}&#10;\pagestyle{empty}&#10;&#10;\begin{document}&#10;%\begin{align*}&#10;%\end{align*}&#10;$H$&#10;\end{document}"/>
+  <p:tag name="IGUANATEXSIZE" val="60"/>
+  <p:tag name="IGUANATEXCURSOR" val="161"/>
+  <p:tag name="TRANSPARENCY" val="True"/>
+  <p:tag name="LATEXENGINEID" val="4"/>
+  <p:tag name="TEMPFOLDER" val="c:\temp\"/>
+  <p:tag name="LATEXFORMHEIGHT" val="320"/>
+  <p:tag name="LATEXFORMWIDTH" val="385"/>
+  <p:tag name="LATEXFORMWRAP" val="True"/>
+  <p:tag name="BITMAPVECTOR" val="0"/>
+</p:tagLst>
+</file>
+
+<file path=ppt/tags/tag25.xml><?xml version="1.0" encoding="utf-8"?>
 <p:tagLst xmlns:a="http://schemas.openxmlformats.org/drawingml/2006/main" xmlns:r="http://schemas.openxmlformats.org/officeDocument/2006/relationships" xmlns:p="http://schemas.openxmlformats.org/presentationml/2006/main">
   <p:tag name="OUTPUTDPI" val="1200"/>
   <p:tag name="ORIGINALHEIGHT" val="116.2662"/>
@@ -12245,6 +15501,46 @@
   <p:tag name="LATEXADDIN" val="\documentclass{jsarticle}&#10;\usepackage{amsmath}&#10;\usepackage[T1]{fontenc}&#10;\usepackage{lmodern}&#10;\pagestyle{empty}&#10;&#10;\begin{document}&#10;%\begin{align*}&#10;%\end{align*}&#10;\begin{align*}&#10;  G = HH^H&#10;\end{align*}&#10;&#10;\end{document}"/>
   <p:tag name="IGUANATEXSIZE" val="60"/>
   <p:tag name="IGUANATEXCURSOR" val="184"/>
+  <p:tag name="TRANSPARENCY" val="True"/>
+  <p:tag name="LATEXENGINEID" val="4"/>
+  <p:tag name="TEMPFOLDER" val="c:\temp\"/>
+  <p:tag name="LATEXFORMHEIGHT" val="320"/>
+  <p:tag name="LATEXFORMWIDTH" val="385"/>
+  <p:tag name="LATEXFORMWRAP" val="True"/>
+  <p:tag name="BITMAPVECTOR" val="0"/>
+</p:tagLst>
+</file>
+
+<file path=ppt/tags/tag26.xml><?xml version="1.0" encoding="utf-8"?>
+<p:tagLst xmlns:a="http://schemas.openxmlformats.org/drawingml/2006/main" xmlns:r="http://schemas.openxmlformats.org/officeDocument/2006/relationships" xmlns:p="http://schemas.openxmlformats.org/presentationml/2006/main">
+  <p:tag name="OUTPUTDPI" val="1200"/>
+  <p:tag name="ORIGINALHEIGHT" val="87.76228"/>
+  <p:tag name="ORIGINALWIDTH" val="107.265"/>
+  <p:tag name="OUTPUTTYPE" val="PNG"/>
+  <p:tag name="IGUANATEXVERSION" val="160"/>
+  <p:tag name="LATEXADDIN" val="\documentclass{jsarticle}&#10;\usepackage{amsmath}&#10;\usepackage[T1]{fontenc}&#10;\usepackage{lmodern}&#10;\pagestyle{empty}&#10;&#10;\begin{document}&#10;%\begin{align*}&#10;%\end{align*}&#10;$H$&#10;\end{document}"/>
+  <p:tag name="IGUANATEXSIZE" val="60"/>
+  <p:tag name="IGUANATEXCURSOR" val="161"/>
+  <p:tag name="TRANSPARENCY" val="True"/>
+  <p:tag name="LATEXENGINEID" val="4"/>
+  <p:tag name="TEMPFOLDER" val="c:\temp\"/>
+  <p:tag name="LATEXFORMHEIGHT" val="320"/>
+  <p:tag name="LATEXFORMWIDTH" val="385"/>
+  <p:tag name="LATEXFORMWRAP" val="True"/>
+  <p:tag name="BITMAPVECTOR" val="0"/>
+</p:tagLst>
+</file>
+
+<file path=ppt/tags/tag27.xml><?xml version="1.0" encoding="utf-8"?>
+<p:tagLst xmlns:a="http://schemas.openxmlformats.org/drawingml/2006/main" xmlns:r="http://schemas.openxmlformats.org/officeDocument/2006/relationships" xmlns:p="http://schemas.openxmlformats.org/presentationml/2006/main">
+  <p:tag name="OUTPUTDPI" val="1200"/>
+  <p:tag name="ORIGINALHEIGHT" val="87.76228"/>
+  <p:tag name="ORIGINALWIDTH" val="107.265"/>
+  <p:tag name="OUTPUTTYPE" val="PNG"/>
+  <p:tag name="IGUANATEXVERSION" val="160"/>
+  <p:tag name="LATEXADDIN" val="\documentclass{jsarticle}&#10;\usepackage{amsmath}&#10;\usepackage[T1]{fontenc}&#10;\usepackage{lmodern}&#10;\pagestyle{empty}&#10;&#10;\begin{document}&#10;%\begin{align*}&#10;%\end{align*}&#10;$H$&#10;\end{document}"/>
+  <p:tag name="IGUANATEXSIZE" val="60"/>
+  <p:tag name="IGUANATEXCURSOR" val="161"/>
   <p:tag name="TRANSPARENCY" val="True"/>
   <p:tag name="LATEXENGINEID" val="4"/>
   <p:tag name="TEMPFOLDER" val="c:\temp\"/>

--- a/MIMO/MU-MIMO.pptx
+++ b/MIMO/MU-MIMO.pptx
@@ -5,20 +5,21 @@
     <p:sldMasterId id="2147483648" r:id="rId1"/>
   </p:sldMasterIdLst>
   <p:notesMasterIdLst>
-    <p:notesMasterId r:id="rId13"/>
+    <p:notesMasterId r:id="rId14"/>
   </p:notesMasterIdLst>
   <p:sldIdLst>
     <p:sldId id="256" r:id="rId2"/>
     <p:sldId id="257" r:id="rId3"/>
     <p:sldId id="261" r:id="rId4"/>
-    <p:sldId id="264" r:id="rId5"/>
-    <p:sldId id="265" r:id="rId6"/>
-    <p:sldId id="267" r:id="rId7"/>
-    <p:sldId id="262" r:id="rId8"/>
-    <p:sldId id="259" r:id="rId9"/>
-    <p:sldId id="260" r:id="rId10"/>
-    <p:sldId id="263" r:id="rId11"/>
-    <p:sldId id="266" r:id="rId12"/>
+    <p:sldId id="265" r:id="rId5"/>
+    <p:sldId id="268" r:id="rId6"/>
+    <p:sldId id="264" r:id="rId7"/>
+    <p:sldId id="267" r:id="rId8"/>
+    <p:sldId id="262" r:id="rId9"/>
+    <p:sldId id="259" r:id="rId10"/>
+    <p:sldId id="260" r:id="rId11"/>
+    <p:sldId id="263" r:id="rId12"/>
+    <p:sldId id="266" r:id="rId13"/>
   </p:sldIdLst>
   <p:sldSz cx="12192000" cy="6858000"/>
   <p:notesSz cx="6858000" cy="9144000"/>
@@ -821,7 +822,7 @@
           <a:p>
             <a:fld id="{DC2831F3-BB68-44E4-A072-5829AC2F76F5}" type="slidenum">
               <a:rPr kumimoji="1" lang="ja-JP" altLang="en-US" smtClean="0"/>
-              <a:t>4</a:t>
+              <a:t>6</a:t>
             </a:fld>
             <a:endParaRPr kumimoji="1" lang="ja-JP" altLang="en-US"/>
           </a:p>
@@ -920,7 +921,7 @@
           <a:p>
             <a:fld id="{DC2831F3-BB68-44E4-A072-5829AC2F76F5}" type="slidenum">
               <a:rPr kumimoji="1" lang="ja-JP" altLang="en-US" smtClean="0"/>
-              <a:t>8</a:t>
+              <a:t>9</a:t>
             </a:fld>
             <a:endParaRPr kumimoji="1" lang="ja-JP" altLang="en-US"/>
           </a:p>
@@ -4564,10 +4565,370 @@
       </p:grpSpPr>
       <p:sp>
         <p:nvSpPr>
+          <p:cNvPr id="4" name="テキスト ボックス 3">
+            <a:extLst>
+              <a:ext uri="{FF2B5EF4-FFF2-40B4-BE49-F238E27FC236}">
+                <a16:creationId xmlns:a16="http://schemas.microsoft.com/office/drawing/2014/main" id="{EC1B87F1-9C1C-5F33-C890-DF44359298D6}"/>
+              </a:ext>
+            </a:extLst>
+          </p:cNvPr>
+          <p:cNvSpPr txBox="1"/>
+          <p:nvPr/>
+        </p:nvSpPr>
+        <p:spPr>
+          <a:xfrm>
+            <a:off x="14245" y="213451"/>
+            <a:ext cx="12615488" cy="646331"/>
+          </a:xfrm>
+          <a:prstGeom prst="rect">
+            <a:avLst/>
+          </a:prstGeom>
+          <a:noFill/>
+        </p:spPr>
+        <p:txBody>
+          <a:bodyPr wrap="square" rtlCol="0">
+            <a:spAutoFit/>
+          </a:bodyPr>
+          <a:lstStyle/>
+          <a:p>
+            <a:r>
+              <a:rPr kumimoji="1" lang="en-US" altLang="ja-JP" sz="3600" b="1" dirty="0">
+                <a:latin typeface="BIZ UDPゴシック" panose="020B0400000000000000" pitchFamily="50" charset="-128"/>
+                <a:ea typeface="BIZ UDPゴシック" panose="020B0400000000000000" pitchFamily="50" charset="-128"/>
+              </a:rPr>
+              <a:t>CSI (Channel State Information) Feedback</a:t>
+            </a:r>
+            <a:endParaRPr kumimoji="1" lang="ja-JP" altLang="en-US" sz="3600" b="1" dirty="0">
+              <a:latin typeface="BIZ UDPゴシック" panose="020B0400000000000000" pitchFamily="50" charset="-128"/>
+              <a:ea typeface="BIZ UDPゴシック" panose="020B0400000000000000" pitchFamily="50" charset="-128"/>
+            </a:endParaRPr>
+          </a:p>
+        </p:txBody>
+      </p:sp>
+      <p:sp>
+        <p:nvSpPr>
           <p:cNvPr id="5" name="テキスト ボックス 4">
             <a:extLst>
               <a:ext uri="{FF2B5EF4-FFF2-40B4-BE49-F238E27FC236}">
-                <a16:creationId xmlns:a16="http://schemas.microsoft.com/office/drawing/2014/main" id="{EBB340E6-4AED-CB3C-4DB0-0383FFA20E24}"/>
+                <a16:creationId xmlns:a16="http://schemas.microsoft.com/office/drawing/2014/main" id="{FB223AAB-1D89-B214-7555-3FF6808DA4C8}"/>
+              </a:ext>
+            </a:extLst>
+          </p:cNvPr>
+          <p:cNvSpPr txBox="1"/>
+          <p:nvPr/>
+        </p:nvSpPr>
+        <p:spPr>
+          <a:xfrm>
+            <a:off x="1242780" y="1837521"/>
+            <a:ext cx="9815513" cy="954107"/>
+          </a:xfrm>
+          <a:prstGeom prst="rect">
+            <a:avLst/>
+          </a:prstGeom>
+          <a:noFill/>
+        </p:spPr>
+        <p:txBody>
+          <a:bodyPr wrap="square" rtlCol="0">
+            <a:spAutoFit/>
+          </a:bodyPr>
+          <a:lstStyle/>
+          <a:p>
+            <a:r>
+              <a:rPr kumimoji="1" lang="ja-JP" altLang="en-US" sz="2800" dirty="0">
+                <a:latin typeface="BIZ UDPゴシック" panose="020B0400000000000000" pitchFamily="50" charset="-128"/>
+                <a:ea typeface="BIZ UDPゴシック" panose="020B0400000000000000" pitchFamily="50" charset="-128"/>
+              </a:rPr>
+              <a:t>データパケットは</a:t>
+            </a:r>
+            <a:r>
+              <a:rPr kumimoji="1" lang="en-US" altLang="ja-JP" sz="2800" dirty="0">
+                <a:latin typeface="BIZ UDPゴシック" panose="020B0400000000000000" pitchFamily="50" charset="-128"/>
+                <a:ea typeface="BIZ UDPゴシック" panose="020B0400000000000000" pitchFamily="50" charset="-128"/>
+              </a:rPr>
+              <a:t>CSI</a:t>
+            </a:r>
+            <a:r>
+              <a:rPr lang="ja-JP" altLang="en-US" sz="2800" dirty="0">
+                <a:latin typeface="BIZ UDPゴシック" panose="020B0400000000000000" pitchFamily="50" charset="-128"/>
+                <a:ea typeface="BIZ UDPゴシック" panose="020B0400000000000000" pitchFamily="50" charset="-128"/>
+              </a:rPr>
+              <a:t> </a:t>
+            </a:r>
+            <a:r>
+              <a:rPr lang="en-US" altLang="ja-JP" sz="2800" dirty="0">
+                <a:latin typeface="BIZ UDPゴシック" panose="020B0400000000000000" pitchFamily="50" charset="-128"/>
+                <a:ea typeface="BIZ UDPゴシック" panose="020B0400000000000000" pitchFamily="50" charset="-128"/>
+              </a:rPr>
+              <a:t>Feedback</a:t>
+            </a:r>
+            <a:r>
+              <a:rPr lang="ja-JP" altLang="en-US" sz="2800" dirty="0">
+                <a:latin typeface="BIZ UDPゴシック" panose="020B0400000000000000" pitchFamily="50" charset="-128"/>
+                <a:ea typeface="BIZ UDPゴシック" panose="020B0400000000000000" pitchFamily="50" charset="-128"/>
+              </a:rPr>
+              <a:t>によるチャネル推定が完了したところで送信状態へ移行し</a:t>
+            </a:r>
+            <a:r>
+              <a:rPr lang="en-US" altLang="ja-JP" sz="2800" dirty="0">
+                <a:latin typeface="BIZ UDPゴシック" panose="020B0400000000000000" pitchFamily="50" charset="-128"/>
+                <a:ea typeface="BIZ UDPゴシック" panose="020B0400000000000000" pitchFamily="50" charset="-128"/>
+              </a:rPr>
+              <a:t>,</a:t>
+            </a:r>
+            <a:r>
+              <a:rPr lang="ja-JP" altLang="en-US" sz="2800" dirty="0">
+                <a:latin typeface="BIZ UDPゴシック" panose="020B0400000000000000" pitchFamily="50" charset="-128"/>
+                <a:ea typeface="BIZ UDPゴシック" panose="020B0400000000000000" pitchFamily="50" charset="-128"/>
+              </a:rPr>
+              <a:t>同期して送信する必要がある</a:t>
+            </a:r>
+            <a:r>
+              <a:rPr lang="en-US" altLang="ja-JP" sz="2800" dirty="0">
+                <a:latin typeface="BIZ UDPゴシック" panose="020B0400000000000000" pitchFamily="50" charset="-128"/>
+                <a:ea typeface="BIZ UDPゴシック" panose="020B0400000000000000" pitchFamily="50" charset="-128"/>
+              </a:rPr>
+              <a:t>.</a:t>
+            </a:r>
+            <a:endParaRPr kumimoji="1" lang="ja-JP" altLang="en-US" sz="2800" dirty="0">
+              <a:latin typeface="BIZ UDPゴシック" panose="020B0400000000000000" pitchFamily="50" charset="-128"/>
+              <a:ea typeface="BIZ UDPゴシック" panose="020B0400000000000000" pitchFamily="50" charset="-128"/>
+            </a:endParaRPr>
+          </a:p>
+        </p:txBody>
+      </p:sp>
+      <p:sp>
+        <p:nvSpPr>
+          <p:cNvPr id="7" name="テキスト ボックス 6">
+            <a:extLst>
+              <a:ext uri="{FF2B5EF4-FFF2-40B4-BE49-F238E27FC236}">
+                <a16:creationId xmlns:a16="http://schemas.microsoft.com/office/drawing/2014/main" id="{708DC01C-0E7E-9586-9518-8051754A0E16}"/>
+              </a:ext>
+            </a:extLst>
+          </p:cNvPr>
+          <p:cNvSpPr txBox="1"/>
+          <p:nvPr/>
+        </p:nvSpPr>
+        <p:spPr>
+          <a:xfrm>
+            <a:off x="1902156" y="2860655"/>
+            <a:ext cx="9156137" cy="954107"/>
+          </a:xfrm>
+          <a:prstGeom prst="rect">
+            <a:avLst/>
+          </a:prstGeom>
+          <a:noFill/>
+        </p:spPr>
+        <p:txBody>
+          <a:bodyPr wrap="square" rtlCol="0">
+            <a:spAutoFit/>
+          </a:bodyPr>
+          <a:lstStyle/>
+          <a:p>
+            <a:r>
+              <a:rPr lang="ja-JP" altLang="en-US" sz="2800" dirty="0">
+                <a:latin typeface="BIZ UDPゴシック" panose="020B0400000000000000" pitchFamily="50" charset="-128"/>
+                <a:ea typeface="BIZ UDPゴシック" panose="020B0400000000000000" pitchFamily="50" charset="-128"/>
+              </a:rPr>
+              <a:t>データ送信開始までのオーバーヘッドとなり</a:t>
+            </a:r>
+            <a:r>
+              <a:rPr lang="en-US" altLang="ja-JP" sz="2800" dirty="0">
+                <a:latin typeface="BIZ UDPゴシック" panose="020B0400000000000000" pitchFamily="50" charset="-128"/>
+                <a:ea typeface="BIZ UDPゴシック" panose="020B0400000000000000" pitchFamily="50" charset="-128"/>
+              </a:rPr>
+              <a:t>,</a:t>
+            </a:r>
+            <a:r>
+              <a:rPr lang="ja-JP" altLang="en-US" sz="2800" dirty="0">
+                <a:latin typeface="BIZ UDPゴシック" panose="020B0400000000000000" pitchFamily="50" charset="-128"/>
+                <a:ea typeface="BIZ UDPゴシック" panose="020B0400000000000000" pitchFamily="50" charset="-128"/>
+              </a:rPr>
+              <a:t>伝送効率を低下させる</a:t>
+            </a:r>
+            <a:r>
+              <a:rPr lang="en-US" altLang="ja-JP" sz="2800" dirty="0">
+                <a:latin typeface="BIZ UDPゴシック" panose="020B0400000000000000" pitchFamily="50" charset="-128"/>
+                <a:ea typeface="BIZ UDPゴシック" panose="020B0400000000000000" pitchFamily="50" charset="-128"/>
+              </a:rPr>
+              <a:t>.</a:t>
+            </a:r>
+            <a:endParaRPr kumimoji="1" lang="ja-JP" altLang="en-US" sz="2800" dirty="0">
+              <a:latin typeface="BIZ UDPゴシック" panose="020B0400000000000000" pitchFamily="50" charset="-128"/>
+              <a:ea typeface="BIZ UDPゴシック" panose="020B0400000000000000" pitchFamily="50" charset="-128"/>
+            </a:endParaRPr>
+          </a:p>
+        </p:txBody>
+      </p:sp>
+      <p:sp>
+        <p:nvSpPr>
+          <p:cNvPr id="8" name="テキスト ボックス 7">
+            <a:extLst>
+              <a:ext uri="{FF2B5EF4-FFF2-40B4-BE49-F238E27FC236}">
+                <a16:creationId xmlns:a16="http://schemas.microsoft.com/office/drawing/2014/main" id="{EE806ECE-119D-E56E-856F-CDC63ED5EA8B}"/>
+              </a:ext>
+            </a:extLst>
+          </p:cNvPr>
+          <p:cNvSpPr txBox="1"/>
+          <p:nvPr/>
+        </p:nvSpPr>
+        <p:spPr>
+          <a:xfrm>
+            <a:off x="1444956" y="2860655"/>
+            <a:ext cx="457200" cy="523220"/>
+          </a:xfrm>
+          <a:prstGeom prst="rect">
+            <a:avLst/>
+          </a:prstGeom>
+          <a:noFill/>
+        </p:spPr>
+        <p:txBody>
+          <a:bodyPr wrap="square" rtlCol="0">
+            <a:spAutoFit/>
+          </a:bodyPr>
+          <a:lstStyle/>
+          <a:p>
+            <a:r>
+              <a:rPr kumimoji="1" lang="ja-JP" altLang="en-US" sz="2800" dirty="0">
+                <a:latin typeface="BIZ UDPゴシック" panose="020B0400000000000000" pitchFamily="50" charset="-128"/>
+                <a:ea typeface="BIZ UDPゴシック" panose="020B0400000000000000" pitchFamily="50" charset="-128"/>
+              </a:rPr>
+              <a:t>⇒</a:t>
+            </a:r>
+          </a:p>
+        </p:txBody>
+      </p:sp>
+      <p:sp>
+        <p:nvSpPr>
+          <p:cNvPr id="10" name="テキスト ボックス 9">
+            <a:extLst>
+              <a:ext uri="{FF2B5EF4-FFF2-40B4-BE49-F238E27FC236}">
+                <a16:creationId xmlns:a16="http://schemas.microsoft.com/office/drawing/2014/main" id="{78A50DDA-CEB1-FE07-556C-222AC94D4BD9}"/>
+              </a:ext>
+            </a:extLst>
+          </p:cNvPr>
+          <p:cNvSpPr txBox="1"/>
+          <p:nvPr/>
+        </p:nvSpPr>
+        <p:spPr>
+          <a:xfrm>
+            <a:off x="1414232" y="4409272"/>
+            <a:ext cx="9815513" cy="1815882"/>
+          </a:xfrm>
+          <a:prstGeom prst="rect">
+            <a:avLst/>
+          </a:prstGeom>
+          <a:noFill/>
+        </p:spPr>
+        <p:txBody>
+          <a:bodyPr wrap="square" rtlCol="0">
+            <a:spAutoFit/>
+          </a:bodyPr>
+          <a:lstStyle/>
+          <a:p>
+            <a:r>
+              <a:rPr lang="en-US" altLang="ja-JP" sz="2800" dirty="0">
+                <a:latin typeface="BIZ UDPゴシック" panose="020B0400000000000000" pitchFamily="50" charset="-128"/>
+                <a:ea typeface="BIZ UDPゴシック" panose="020B0400000000000000" pitchFamily="50" charset="-128"/>
+              </a:rPr>
+              <a:t>MU-MIMO</a:t>
+            </a:r>
+            <a:r>
+              <a:rPr lang="ja-JP" altLang="en-US" sz="2800" dirty="0">
+                <a:latin typeface="BIZ UDPゴシック" panose="020B0400000000000000" pitchFamily="50" charset="-128"/>
+                <a:ea typeface="BIZ UDPゴシック" panose="020B0400000000000000" pitchFamily="50" charset="-128"/>
+              </a:rPr>
+              <a:t>の場合</a:t>
+            </a:r>
+            <a:r>
+              <a:rPr lang="en-US" altLang="ja-JP" sz="2800" dirty="0">
+                <a:latin typeface="BIZ UDPゴシック" panose="020B0400000000000000" pitchFamily="50" charset="-128"/>
+                <a:ea typeface="BIZ UDPゴシック" panose="020B0400000000000000" pitchFamily="50" charset="-128"/>
+              </a:rPr>
+              <a:t>,</a:t>
+            </a:r>
+            <a:r>
+              <a:rPr lang="ja-JP" altLang="en-US" sz="2800" dirty="0">
+                <a:latin typeface="BIZ UDPゴシック" panose="020B0400000000000000" pitchFamily="50" charset="-128"/>
+                <a:ea typeface="BIZ UDPゴシック" panose="020B0400000000000000" pitchFamily="50" charset="-128"/>
+              </a:rPr>
+              <a:t>複数</a:t>
+            </a:r>
+            <a:r>
+              <a:rPr lang="en-US" altLang="ja-JP" sz="2800" dirty="0">
+                <a:latin typeface="BIZ UDPゴシック" panose="020B0400000000000000" pitchFamily="50" charset="-128"/>
+                <a:ea typeface="BIZ UDPゴシック" panose="020B0400000000000000" pitchFamily="50" charset="-128"/>
+              </a:rPr>
+              <a:t>STA</a:t>
+            </a:r>
+            <a:r>
+              <a:rPr lang="ja-JP" altLang="en-US" sz="2800" dirty="0">
+                <a:latin typeface="BIZ UDPゴシック" panose="020B0400000000000000" pitchFamily="50" charset="-128"/>
+                <a:ea typeface="BIZ UDPゴシック" panose="020B0400000000000000" pitchFamily="50" charset="-128"/>
+              </a:rPr>
+              <a:t>宛てに同期してデータを送信しなければならないため</a:t>
+            </a:r>
+            <a:r>
+              <a:rPr lang="en-US" altLang="ja-JP" sz="2800" dirty="0">
+                <a:latin typeface="BIZ UDPゴシック" panose="020B0400000000000000" pitchFamily="50" charset="-128"/>
+                <a:ea typeface="BIZ UDPゴシック" panose="020B0400000000000000" pitchFamily="50" charset="-128"/>
+              </a:rPr>
+              <a:t>,</a:t>
+            </a:r>
+            <a:r>
+              <a:rPr lang="ja-JP" altLang="en-US" sz="2800" dirty="0">
+                <a:latin typeface="BIZ UDPゴシック" panose="020B0400000000000000" pitchFamily="50" charset="-128"/>
+                <a:ea typeface="BIZ UDPゴシック" panose="020B0400000000000000" pitchFamily="50" charset="-128"/>
+              </a:rPr>
+              <a:t>従来の無線</a:t>
+            </a:r>
+            <a:r>
+              <a:rPr lang="en-US" altLang="ja-JP" sz="2800" dirty="0">
+                <a:latin typeface="BIZ UDPゴシック" panose="020B0400000000000000" pitchFamily="50" charset="-128"/>
+                <a:ea typeface="BIZ UDPゴシック" panose="020B0400000000000000" pitchFamily="50" charset="-128"/>
+              </a:rPr>
+              <a:t>LAN</a:t>
+            </a:r>
+            <a:r>
+              <a:rPr lang="ja-JP" altLang="en-US" sz="2800" dirty="0">
+                <a:latin typeface="BIZ UDPゴシック" panose="020B0400000000000000" pitchFamily="50" charset="-128"/>
+                <a:ea typeface="BIZ UDPゴシック" panose="020B0400000000000000" pitchFamily="50" charset="-128"/>
+              </a:rPr>
+              <a:t>は自立分散制御であったが</a:t>
+            </a:r>
+            <a:r>
+              <a:rPr lang="en-US" altLang="ja-JP" sz="2800" dirty="0">
+                <a:latin typeface="BIZ UDPゴシック" panose="020B0400000000000000" pitchFamily="50" charset="-128"/>
+                <a:ea typeface="BIZ UDPゴシック" panose="020B0400000000000000" pitchFamily="50" charset="-128"/>
+              </a:rPr>
+              <a:t>,</a:t>
+            </a:r>
+            <a:r>
+              <a:rPr lang="ja-JP" altLang="en-US" sz="2800" dirty="0">
+                <a:latin typeface="BIZ UDPゴシック" panose="020B0400000000000000" pitchFamily="50" charset="-128"/>
+                <a:ea typeface="BIZ UDPゴシック" panose="020B0400000000000000" pitchFamily="50" charset="-128"/>
+              </a:rPr>
+              <a:t>集中制御のような送信タイミングをスケジューリングするなどの工夫が必要となる</a:t>
+            </a:r>
+            <a:r>
+              <a:rPr lang="en-US" altLang="ja-JP" sz="2800" dirty="0">
+                <a:latin typeface="BIZ UDPゴシック" panose="020B0400000000000000" pitchFamily="50" charset="-128"/>
+                <a:ea typeface="BIZ UDPゴシック" panose="020B0400000000000000" pitchFamily="50" charset="-128"/>
+              </a:rPr>
+              <a:t>.</a:t>
+            </a:r>
+            <a:endParaRPr kumimoji="1" lang="ja-JP" altLang="en-US" sz="2800" dirty="0">
+              <a:latin typeface="BIZ UDPゴシック" panose="020B0400000000000000" pitchFamily="50" charset="-128"/>
+              <a:ea typeface="BIZ UDPゴシック" panose="020B0400000000000000" pitchFamily="50" charset="-128"/>
+            </a:endParaRPr>
+          </a:p>
+        </p:txBody>
+      </p:sp>
+      <p:sp>
+        <p:nvSpPr>
+          <p:cNvPr id="11" name="テキスト ボックス 10">
+            <a:extLst>
+              <a:ext uri="{FF2B5EF4-FFF2-40B4-BE49-F238E27FC236}">
+                <a16:creationId xmlns:a16="http://schemas.microsoft.com/office/drawing/2014/main" id="{FB98A88C-F9F2-08E8-6FA3-9C33C730FBBF}"/>
               </a:ext>
             </a:extLst>
           </p:cNvPr>
@@ -4604,6 +4965,78 @@
           </a:p>
         </p:txBody>
       </p:sp>
+    </p:spTree>
+    <p:extLst>
+      <p:ext uri="{BB962C8B-B14F-4D97-AF65-F5344CB8AC3E}">
+        <p14:creationId xmlns:p14="http://schemas.microsoft.com/office/powerpoint/2010/main" val="3037100936"/>
+      </p:ext>
+    </p:extLst>
+  </p:cSld>
+  <p:clrMapOvr>
+    <a:masterClrMapping/>
+  </p:clrMapOvr>
+</p:sld>
+</file>
+
+<file path=ppt/slides/slide11.xml><?xml version="1.0" encoding="utf-8"?>
+<p:sld xmlns:a="http://schemas.openxmlformats.org/drawingml/2006/main" xmlns:r="http://schemas.openxmlformats.org/officeDocument/2006/relationships" xmlns:p="http://schemas.openxmlformats.org/presentationml/2006/main">
+  <p:cSld>
+    <p:spTree>
+      <p:nvGrpSpPr>
+        <p:cNvPr id="1" name=""/>
+        <p:cNvGrpSpPr/>
+        <p:nvPr/>
+      </p:nvGrpSpPr>
+      <p:grpSpPr>
+        <a:xfrm>
+          <a:off x="0" y="0"/>
+          <a:ext cx="0" cy="0"/>
+          <a:chOff x="0" y="0"/>
+          <a:chExt cx="0" cy="0"/>
+        </a:xfrm>
+      </p:grpSpPr>
+      <p:sp>
+        <p:nvSpPr>
+          <p:cNvPr id="5" name="テキスト ボックス 4">
+            <a:extLst>
+              <a:ext uri="{FF2B5EF4-FFF2-40B4-BE49-F238E27FC236}">
+                <a16:creationId xmlns:a16="http://schemas.microsoft.com/office/drawing/2014/main" id="{EBB340E6-4AED-CB3C-4DB0-0383FFA20E24}"/>
+              </a:ext>
+            </a:extLst>
+          </p:cNvPr>
+          <p:cNvSpPr txBox="1"/>
+          <p:nvPr/>
+        </p:nvSpPr>
+        <p:spPr>
+          <a:xfrm>
+            <a:off x="466683" y="1088976"/>
+            <a:ext cx="2312236" cy="646331"/>
+          </a:xfrm>
+          <a:prstGeom prst="rect">
+            <a:avLst/>
+          </a:prstGeom>
+          <a:noFill/>
+        </p:spPr>
+        <p:txBody>
+          <a:bodyPr wrap="square" rtlCol="0">
+            <a:spAutoFit/>
+          </a:bodyPr>
+          <a:lstStyle/>
+          <a:p>
+            <a:r>
+              <a:rPr lang="ja-JP" altLang="en-US" sz="3600" b="1" dirty="0">
+                <a:latin typeface="BIZ UDPゴシック" panose="020B0400000000000000" pitchFamily="50" charset="-128"/>
+                <a:ea typeface="BIZ UDPゴシック" panose="020B0400000000000000" pitchFamily="50" charset="-128"/>
+              </a:rPr>
+              <a:t>デメリット</a:t>
+            </a:r>
+            <a:endParaRPr kumimoji="1" lang="ja-JP" altLang="en-US" sz="3600" b="1" dirty="0">
+              <a:latin typeface="BIZ UDPゴシック" panose="020B0400000000000000" pitchFamily="50" charset="-128"/>
+              <a:ea typeface="BIZ UDPゴシック" panose="020B0400000000000000" pitchFamily="50" charset="-128"/>
+            </a:endParaRPr>
+          </a:p>
+        </p:txBody>
+      </p:sp>
       <p:sp>
         <p:nvSpPr>
           <p:cNvPr id="6" name="テキスト ボックス 5">
@@ -4743,7 +5176,7 @@
 </p:sld>
 </file>
 
-<file path=ppt/slides/slide11.xml><?xml version="1.0" encoding="utf-8"?>
+<file path=ppt/slides/slide12.xml><?xml version="1.0" encoding="utf-8"?>
 <p:sld xmlns:a="http://schemas.openxmlformats.org/drawingml/2006/main" xmlns:r="http://schemas.openxmlformats.org/officeDocument/2006/relationships" xmlns:p="http://schemas.openxmlformats.org/presentationml/2006/main">
   <p:cSld>
     <p:spTree>
@@ -9877,2248 +10310,6 @@
           <a:chExt cx="0" cy="0"/>
         </a:xfrm>
       </p:grpSpPr>
-      <p:sp>
-        <p:nvSpPr>
-          <p:cNvPr id="4" name="テキスト ボックス 3">
-            <a:extLst>
-              <a:ext uri="{FF2B5EF4-FFF2-40B4-BE49-F238E27FC236}">
-                <a16:creationId xmlns:a16="http://schemas.microsoft.com/office/drawing/2014/main" id="{79A47DC8-5623-32CB-1412-59A23A9FDAC1}"/>
-              </a:ext>
-            </a:extLst>
-          </p:cNvPr>
-          <p:cNvSpPr txBox="1"/>
-          <p:nvPr/>
-        </p:nvSpPr>
-        <p:spPr>
-          <a:xfrm>
-            <a:off x="0" y="70686"/>
-            <a:ext cx="13501314" cy="646331"/>
-          </a:xfrm>
-          <a:prstGeom prst="rect">
-            <a:avLst/>
-          </a:prstGeom>
-          <a:noFill/>
-        </p:spPr>
-        <p:txBody>
-          <a:bodyPr wrap="square" rtlCol="0">
-            <a:spAutoFit/>
-          </a:bodyPr>
-          <a:lstStyle/>
-          <a:p>
-            <a:r>
-              <a:rPr lang="ja-JP" altLang="en-US" sz="3600" b="1" dirty="0">
-                <a:latin typeface="BIZ UDPゴシック" panose="020B0400000000000000" pitchFamily="50" charset="-128"/>
-                <a:ea typeface="BIZ UDPゴシック" panose="020B0400000000000000" pitchFamily="50" charset="-128"/>
-              </a:rPr>
-              <a:t>固有モード伝送</a:t>
-            </a:r>
-            <a:r>
-              <a:rPr lang="en-US" altLang="ja-JP" sz="3600" b="1" dirty="0">
-                <a:latin typeface="BIZ UDPゴシック" panose="020B0400000000000000" pitchFamily="50" charset="-128"/>
-                <a:ea typeface="BIZ UDPゴシック" panose="020B0400000000000000" pitchFamily="50" charset="-128"/>
-              </a:rPr>
-              <a:t>(EM-BF : Eigenmode Beamforming)</a:t>
-            </a:r>
-            <a:endParaRPr kumimoji="1" lang="ja-JP" altLang="en-US" sz="3600" b="1" dirty="0">
-              <a:latin typeface="BIZ UDPゴシック" panose="020B0400000000000000" pitchFamily="50" charset="-128"/>
-              <a:ea typeface="BIZ UDPゴシック" panose="020B0400000000000000" pitchFamily="50" charset="-128"/>
-            </a:endParaRPr>
-          </a:p>
-        </p:txBody>
-      </p:sp>
-      <p:sp>
-        <p:nvSpPr>
-          <p:cNvPr id="6" name="テキスト ボックス 5">
-            <a:extLst>
-              <a:ext uri="{FF2B5EF4-FFF2-40B4-BE49-F238E27FC236}">
-                <a16:creationId xmlns:a16="http://schemas.microsoft.com/office/drawing/2014/main" id="{3630BCC8-59BB-1F54-623D-8AB85D7513CA}"/>
-              </a:ext>
-            </a:extLst>
-          </p:cNvPr>
-          <p:cNvSpPr txBox="1"/>
-          <p:nvPr/>
-        </p:nvSpPr>
-        <p:spPr>
-          <a:xfrm>
-            <a:off x="466683" y="1088976"/>
-            <a:ext cx="3098048" cy="646331"/>
-          </a:xfrm>
-          <a:prstGeom prst="rect">
-            <a:avLst/>
-          </a:prstGeom>
-          <a:noFill/>
-        </p:spPr>
-        <p:txBody>
-          <a:bodyPr wrap="square" rtlCol="0">
-            <a:spAutoFit/>
-          </a:bodyPr>
-          <a:lstStyle/>
-          <a:p>
-            <a:r>
-              <a:rPr kumimoji="1" lang="ja-JP" altLang="en-US" sz="3600" b="1" dirty="0">
-                <a:latin typeface="BIZ UDPゴシック" panose="020B0400000000000000" pitchFamily="50" charset="-128"/>
-                <a:ea typeface="BIZ UDPゴシック" panose="020B0400000000000000" pitchFamily="50" charset="-128"/>
-              </a:rPr>
-              <a:t>通信フロー</a:t>
-            </a:r>
-          </a:p>
-        </p:txBody>
-      </p:sp>
-      <p:grpSp>
-        <p:nvGrpSpPr>
-          <p:cNvPr id="19" name="グループ化 18">
-            <a:extLst>
-              <a:ext uri="{FF2B5EF4-FFF2-40B4-BE49-F238E27FC236}">
-                <a16:creationId xmlns:a16="http://schemas.microsoft.com/office/drawing/2014/main" id="{A9B1F7E3-47C5-CD6B-6488-B14810CD037F}"/>
-              </a:ext>
-            </a:extLst>
-          </p:cNvPr>
-          <p:cNvGrpSpPr/>
-          <p:nvPr/>
-        </p:nvGrpSpPr>
-        <p:grpSpPr>
-          <a:xfrm>
-            <a:off x="1877615" y="1878807"/>
-            <a:ext cx="8436769" cy="2031325"/>
-            <a:chOff x="1877615" y="1978819"/>
-            <a:chExt cx="8436769" cy="2031325"/>
-          </a:xfrm>
-        </p:grpSpPr>
-        <p:sp>
-          <p:nvSpPr>
-            <p:cNvPr id="7" name="テキスト ボックス 6">
-              <a:extLst>
-                <a:ext uri="{FF2B5EF4-FFF2-40B4-BE49-F238E27FC236}">
-                  <a16:creationId xmlns:a16="http://schemas.microsoft.com/office/drawing/2014/main" id="{005F191A-A314-1957-2837-BC045205815B}"/>
-                </a:ext>
-              </a:extLst>
-            </p:cNvPr>
-            <p:cNvSpPr txBox="1"/>
-            <p:nvPr/>
-          </p:nvSpPr>
-          <p:spPr>
-            <a:xfrm>
-              <a:off x="1877615" y="1978819"/>
-              <a:ext cx="8436769" cy="2031325"/>
-            </a:xfrm>
-            <a:prstGeom prst="rect">
-              <a:avLst/>
-            </a:prstGeom>
-            <a:noFill/>
-          </p:spPr>
-          <p:txBody>
-            <a:bodyPr wrap="square" rtlCol="0">
-              <a:spAutoFit/>
-            </a:bodyPr>
-            <a:lstStyle/>
-            <a:p>
-              <a:pPr marL="285750" indent="-285750">
-                <a:buFont typeface="Arial" panose="020B0604020202020204" pitchFamily="34" charset="0"/>
-                <a:buChar char="•"/>
-              </a:pPr>
-              <a:r>
-                <a:rPr kumimoji="1" lang="ja-JP" altLang="en-US" dirty="0">
-                  <a:latin typeface="BIZ UDPゴシック" panose="020B0400000000000000" pitchFamily="50" charset="-128"/>
-                  <a:ea typeface="BIZ UDPゴシック" panose="020B0400000000000000" pitchFamily="50" charset="-128"/>
-                </a:rPr>
-                <a:t>送信と受信の両方で伝搬チャネル行列　　を推定する</a:t>
-              </a:r>
-              <a:r>
-                <a:rPr kumimoji="1" lang="en-US" altLang="ja-JP" dirty="0">
-                  <a:latin typeface="BIZ UDPゴシック" panose="020B0400000000000000" pitchFamily="50" charset="-128"/>
-                  <a:ea typeface="BIZ UDPゴシック" panose="020B0400000000000000" pitchFamily="50" charset="-128"/>
-                </a:rPr>
-                <a:t>.</a:t>
-              </a:r>
-              <a:r>
-                <a:rPr kumimoji="1" lang="ja-JP" altLang="en-US" dirty="0">
-                  <a:latin typeface="BIZ UDPゴシック" panose="020B0400000000000000" pitchFamily="50" charset="-128"/>
-                  <a:ea typeface="BIZ UDPゴシック" panose="020B0400000000000000" pitchFamily="50" charset="-128"/>
-                </a:rPr>
-                <a:t>受信側では</a:t>
-              </a:r>
-              <a:r>
-                <a:rPr lang="en-US" altLang="ja-JP" dirty="0">
-                  <a:latin typeface="BIZ UDPゴシック" panose="020B0400000000000000" pitchFamily="50" charset="-128"/>
-                  <a:ea typeface="BIZ UDPゴシック" panose="020B0400000000000000" pitchFamily="50" charset="-128"/>
-                </a:rPr>
-                <a:t>,</a:t>
-              </a:r>
-              <a:r>
-                <a:rPr lang="ja-JP" altLang="en-US" dirty="0">
-                  <a:latin typeface="BIZ UDPゴシック" panose="020B0400000000000000" pitchFamily="50" charset="-128"/>
-                  <a:ea typeface="BIZ UDPゴシック" panose="020B0400000000000000" pitchFamily="50" charset="-128"/>
-                </a:rPr>
-                <a:t>ロングプリアンプルを複数回送信されることで推定できる</a:t>
-              </a:r>
-              <a:r>
-                <a:rPr lang="en-US" altLang="ja-JP" dirty="0">
-                  <a:latin typeface="BIZ UDPゴシック" panose="020B0400000000000000" pitchFamily="50" charset="-128"/>
-                  <a:ea typeface="BIZ UDPゴシック" panose="020B0400000000000000" pitchFamily="50" charset="-128"/>
-                </a:rPr>
-                <a:t>.</a:t>
-              </a:r>
-            </a:p>
-            <a:p>
-              <a:pPr marL="285750" indent="-285750">
-                <a:buFont typeface="Arial" panose="020B0604020202020204" pitchFamily="34" charset="0"/>
-                <a:buChar char="•"/>
-              </a:pPr>
-              <a:endParaRPr kumimoji="1" lang="en-US" altLang="ja-JP" dirty="0">
-                <a:latin typeface="BIZ UDPゴシック" panose="020B0400000000000000" pitchFamily="50" charset="-128"/>
-                <a:ea typeface="BIZ UDPゴシック" panose="020B0400000000000000" pitchFamily="50" charset="-128"/>
-              </a:endParaRPr>
-            </a:p>
-            <a:p>
-              <a:pPr marL="285750" indent="-285750">
-                <a:buFont typeface="Arial" panose="020B0604020202020204" pitchFamily="34" charset="0"/>
-                <a:buChar char="•"/>
-              </a:pPr>
-              <a:r>
-                <a:rPr kumimoji="1" lang="ja-JP" altLang="en-US" dirty="0">
-                  <a:latin typeface="BIZ UDPゴシック" panose="020B0400000000000000" pitchFamily="50" charset="-128"/>
-                  <a:ea typeface="BIZ UDPゴシック" panose="020B0400000000000000" pitchFamily="50" charset="-128"/>
-                </a:rPr>
-                <a:t>送信信号を分岐し</a:t>
-              </a:r>
-              <a:r>
-                <a:rPr kumimoji="1" lang="en-US" altLang="ja-JP" dirty="0">
-                  <a:latin typeface="BIZ UDPゴシック" panose="020B0400000000000000" pitchFamily="50" charset="-128"/>
-                  <a:ea typeface="BIZ UDPゴシック" panose="020B0400000000000000" pitchFamily="50" charset="-128"/>
-                </a:rPr>
-                <a:t>,</a:t>
-              </a:r>
-              <a:r>
-                <a:rPr kumimoji="1" lang="ja-JP" altLang="en-US" dirty="0">
-                  <a:latin typeface="BIZ UDPゴシック" panose="020B0400000000000000" pitchFamily="50" charset="-128"/>
-                  <a:ea typeface="BIZ UDPゴシック" panose="020B0400000000000000" pitchFamily="50" charset="-128"/>
-                </a:rPr>
-                <a:t>　　　　　　　 に送信側固有ベクトル　　　  をそれぞれ乗算する</a:t>
-              </a:r>
-              <a:r>
-                <a:rPr kumimoji="1" lang="en-US" altLang="ja-JP" dirty="0">
-                  <a:latin typeface="BIZ UDPゴシック" panose="020B0400000000000000" pitchFamily="50" charset="-128"/>
-                  <a:ea typeface="BIZ UDPゴシック" panose="020B0400000000000000" pitchFamily="50" charset="-128"/>
-                </a:rPr>
-                <a:t>.</a:t>
-              </a:r>
-              <a:r>
-                <a:rPr kumimoji="1" lang="ja-JP" altLang="en-US" dirty="0">
-                  <a:latin typeface="BIZ UDPゴシック" panose="020B0400000000000000" pitchFamily="50" charset="-128"/>
-                  <a:ea typeface="BIZ UDPゴシック" panose="020B0400000000000000" pitchFamily="50" charset="-128"/>
-                </a:rPr>
-                <a:t>その後</a:t>
-              </a:r>
-              <a:r>
-                <a:rPr lang="en-US" altLang="ja-JP" dirty="0">
-                  <a:latin typeface="BIZ UDPゴシック" panose="020B0400000000000000" pitchFamily="50" charset="-128"/>
-                  <a:ea typeface="BIZ UDPゴシック" panose="020B0400000000000000" pitchFamily="50" charset="-128"/>
-                </a:rPr>
-                <a:t>,</a:t>
-              </a:r>
-              <a:r>
-                <a:rPr lang="ja-JP" altLang="en-US" dirty="0">
-                  <a:latin typeface="BIZ UDPゴシック" panose="020B0400000000000000" pitchFamily="50" charset="-128"/>
-                  <a:ea typeface="BIZ UDPゴシック" panose="020B0400000000000000" pitchFamily="50" charset="-128"/>
-                </a:rPr>
-                <a:t>アンテナ素子番号に相当する信号をそれぞれ加算する</a:t>
-              </a:r>
-              <a:r>
-                <a:rPr lang="en-US" altLang="ja-JP" dirty="0">
-                  <a:latin typeface="BIZ UDPゴシック" panose="020B0400000000000000" pitchFamily="50" charset="-128"/>
-                  <a:ea typeface="BIZ UDPゴシック" panose="020B0400000000000000" pitchFamily="50" charset="-128"/>
-                </a:rPr>
-                <a:t>.</a:t>
-              </a:r>
-            </a:p>
-            <a:p>
-              <a:pPr marL="285750" indent="-285750">
-                <a:buFont typeface="Arial" panose="020B0604020202020204" pitchFamily="34" charset="0"/>
-                <a:buChar char="•"/>
-              </a:pPr>
-              <a:endParaRPr kumimoji="1" lang="en-US" altLang="ja-JP" dirty="0">
-                <a:latin typeface="BIZ UDPゴシック" panose="020B0400000000000000" pitchFamily="50" charset="-128"/>
-                <a:ea typeface="BIZ UDPゴシック" panose="020B0400000000000000" pitchFamily="50" charset="-128"/>
-              </a:endParaRPr>
-            </a:p>
-            <a:p>
-              <a:pPr marL="285750" indent="-285750">
-                <a:buFont typeface="Arial" panose="020B0604020202020204" pitchFamily="34" charset="0"/>
-                <a:buChar char="•"/>
-              </a:pPr>
-              <a:r>
-                <a:rPr lang="ja-JP" altLang="en-US" dirty="0">
-                  <a:latin typeface="BIZ UDPゴシック" panose="020B0400000000000000" pitchFamily="50" charset="-128"/>
-                  <a:ea typeface="BIZ UDPゴシック" panose="020B0400000000000000" pitchFamily="50" charset="-128"/>
-                </a:rPr>
-                <a:t>受信信号　　　　　  　</a:t>
-              </a:r>
-              <a:r>
-                <a:rPr lang="en-US" altLang="ja-JP" dirty="0">
-                  <a:latin typeface="BIZ UDPゴシック" panose="020B0400000000000000" pitchFamily="50" charset="-128"/>
-                  <a:ea typeface="BIZ UDPゴシック" panose="020B0400000000000000" pitchFamily="50" charset="-128"/>
-                </a:rPr>
-                <a:t> </a:t>
-              </a:r>
-              <a:r>
-                <a:rPr lang="ja-JP" altLang="en-US" dirty="0">
-                  <a:latin typeface="BIZ UDPゴシック" panose="020B0400000000000000" pitchFamily="50" charset="-128"/>
-                  <a:ea typeface="BIZ UDPゴシック" panose="020B0400000000000000" pitchFamily="50" charset="-128"/>
-                </a:rPr>
-                <a:t>を分岐し</a:t>
-              </a:r>
-              <a:r>
-                <a:rPr lang="en-US" altLang="ja-JP" dirty="0">
-                  <a:latin typeface="BIZ UDPゴシック" panose="020B0400000000000000" pitchFamily="50" charset="-128"/>
-                  <a:ea typeface="BIZ UDPゴシック" panose="020B0400000000000000" pitchFamily="50" charset="-128"/>
-                </a:rPr>
-                <a:t>,</a:t>
-              </a:r>
-              <a:r>
-                <a:rPr lang="ja-JP" altLang="en-US" dirty="0">
-                  <a:latin typeface="BIZ UDPゴシック" panose="020B0400000000000000" pitchFamily="50" charset="-128"/>
-                  <a:ea typeface="BIZ UDPゴシック" panose="020B0400000000000000" pitchFamily="50" charset="-128"/>
-                </a:rPr>
-                <a:t>それぞれに受信側固有ベクトル　　　    を乗算する</a:t>
-              </a:r>
-              <a:endParaRPr kumimoji="1" lang="ja-JP" altLang="en-US" dirty="0">
-                <a:latin typeface="BIZ UDPゴシック" panose="020B0400000000000000" pitchFamily="50" charset="-128"/>
-                <a:ea typeface="BIZ UDPゴシック" panose="020B0400000000000000" pitchFamily="50" charset="-128"/>
-              </a:endParaRPr>
-            </a:p>
-          </p:txBody>
-        </p:sp>
-        <p:pic>
-          <p:nvPicPr>
-            <p:cNvPr id="3" name="図 2" descr="\documentclass{jsarticle}&#10;\usepackage{amsmath}&#10;\usepackage[T1]{fontenc}&#10;\usepackage{lmodern}&#10;\pagestyle{empty}&#10;&#10;\begin{document}&#10;%\begin{align*}&#10;%\end{align*}&#10;$H$&#10;\end{document}" title="IguanaTex Bitmap Display">
-              <a:extLst>
-                <a:ext uri="{FF2B5EF4-FFF2-40B4-BE49-F238E27FC236}">
-                  <a16:creationId xmlns:a16="http://schemas.microsoft.com/office/drawing/2014/main" id="{44472F7F-7E15-DAFF-F65E-F5F46738985F}"/>
-                </a:ext>
-              </a:extLst>
-            </p:cNvPr>
-            <p:cNvPicPr>
-              <a:picLocks noChangeAspect="1"/>
-            </p:cNvPicPr>
-            <p:nvPr>
-              <p:custDataLst>
-                <p:tags r:id="rId2"/>
-              </p:custDataLst>
-            </p:nvPr>
-          </p:nvPicPr>
-          <p:blipFill>
-            <a:blip r:embed="rId9">
-              <a:extLst>
-                <a:ext uri="{28A0092B-C50C-407E-A947-70E740481C1C}">
-                  <a14:useLocalDpi xmlns:a14="http://schemas.microsoft.com/office/drawing/2010/main" val="0"/>
-                </a:ext>
-              </a:extLst>
-            </a:blip>
-            <a:stretch>
-              <a:fillRect/>
-            </a:stretch>
-          </p:blipFill>
-          <p:spPr>
-            <a:xfrm>
-              <a:off x="6096000" y="2077605"/>
-              <a:ext cx="245975" cy="201252"/>
-            </a:xfrm>
-            <a:prstGeom prst="rect">
-              <a:avLst/>
-            </a:prstGeom>
-          </p:spPr>
-        </p:pic>
-        <p:pic>
-          <p:nvPicPr>
-            <p:cNvPr id="9" name="図 8" descr="\documentclass{jsarticle}&#10;\usepackage{amsmath}&#10;\usepackage[T1]{fontenc}&#10;\usepackage{lmodern}&#10;\pagestyle{empty}&#10;&#10;\begin{document}&#10;%\begin{align*}&#10;%\end{align*}&#10;$s_1(t),s_2(t)$&#10;\end{document}" title="IguanaTex Bitmap Display">
-              <a:extLst>
-                <a:ext uri="{FF2B5EF4-FFF2-40B4-BE49-F238E27FC236}">
-                  <a16:creationId xmlns:a16="http://schemas.microsoft.com/office/drawing/2014/main" id="{72C94CE4-002D-C31D-90AD-FCF5F0D88279}"/>
-                </a:ext>
-              </a:extLst>
-            </p:cNvPr>
-            <p:cNvPicPr>
-              <a:picLocks noChangeAspect="1"/>
-            </p:cNvPicPr>
-            <p:nvPr>
-              <p:custDataLst>
-                <p:tags r:id="rId3"/>
-              </p:custDataLst>
-            </p:nvPr>
-          </p:nvPicPr>
-          <p:blipFill>
-            <a:blip r:embed="rId10">
-              <a:extLst>
-                <a:ext uri="{28A0092B-C50C-407E-A947-70E740481C1C}">
-                  <a14:useLocalDpi xmlns:a14="http://schemas.microsoft.com/office/drawing/2010/main" val="0"/>
-                </a:ext>
-              </a:extLst>
-            </a:blip>
-            <a:stretch>
-              <a:fillRect/>
-            </a:stretch>
-          </p:blipFill>
-          <p:spPr>
-            <a:xfrm>
-              <a:off x="4178389" y="2890864"/>
-              <a:ext cx="1065125" cy="207234"/>
-            </a:xfrm>
-            <a:prstGeom prst="rect">
-              <a:avLst/>
-            </a:prstGeom>
-          </p:spPr>
-        </p:pic>
-        <p:pic>
-          <p:nvPicPr>
-            <p:cNvPr id="12" name="図 11" descr="\documentclass{jsarticle}&#10;\usepackage{amsmath}&#10;\usepackage[T1]{fontenc}&#10;\usepackage{lmodern}&#10;\pagestyle{empty}&#10;&#10;\begin{document}&#10;%\begin{align*}&#10;%\end{align*}&#10;$v_1,v_2$&#10;\end{document}" title="IguanaTex Bitmap Display">
-              <a:extLst>
-                <a:ext uri="{FF2B5EF4-FFF2-40B4-BE49-F238E27FC236}">
-                  <a16:creationId xmlns:a16="http://schemas.microsoft.com/office/drawing/2014/main" id="{F57732C9-D0E3-C3D0-0A0F-920C97F50920}"/>
-                </a:ext>
-              </a:extLst>
-            </p:cNvPr>
-            <p:cNvPicPr>
-              <a:picLocks noChangeAspect="1"/>
-            </p:cNvPicPr>
-            <p:nvPr>
-              <p:custDataLst>
-                <p:tags r:id="rId4"/>
-              </p:custDataLst>
-            </p:nvPr>
-          </p:nvPicPr>
-          <p:blipFill>
-            <a:blip r:embed="rId11">
-              <a:extLst>
-                <a:ext uri="{28A0092B-C50C-407E-A947-70E740481C1C}">
-                  <a14:useLocalDpi xmlns:a14="http://schemas.microsoft.com/office/drawing/2010/main" val="0"/>
-                </a:ext>
-              </a:extLst>
-            </a:blip>
-            <a:stretch>
-              <a:fillRect/>
-            </a:stretch>
-          </p:blipFill>
-          <p:spPr>
-            <a:xfrm>
-              <a:off x="7491598" y="2957076"/>
-              <a:ext cx="531838" cy="133660"/>
-            </a:xfrm>
-            <a:prstGeom prst="rect">
-              <a:avLst/>
-            </a:prstGeom>
-          </p:spPr>
-        </p:pic>
-        <p:pic>
-          <p:nvPicPr>
-            <p:cNvPr id="15" name="図 14" descr="\documentclass{jsarticle}&#10;\usepackage{amsmath}&#10;\usepackage[T1]{fontenc}&#10;\usepackage{lmodern}&#10;\pagestyle{empty}&#10;&#10;\begin{document}&#10;%\begin{align*}&#10;%\end{align*}&#10;$y_1(t),y_2(t)$&#10;\end{document}" title="IguanaTex Bitmap Display">
-              <a:extLst>
-                <a:ext uri="{FF2B5EF4-FFF2-40B4-BE49-F238E27FC236}">
-                  <a16:creationId xmlns:a16="http://schemas.microsoft.com/office/drawing/2014/main" id="{5442E602-E6CF-8A13-B171-4B752B19EC1A}"/>
-                </a:ext>
-              </a:extLst>
-            </p:cNvPr>
-            <p:cNvPicPr>
-              <a:picLocks noChangeAspect="1"/>
-            </p:cNvPicPr>
-            <p:nvPr>
-              <p:custDataLst>
-                <p:tags r:id="rId5"/>
-              </p:custDataLst>
-            </p:nvPr>
-          </p:nvPicPr>
-          <p:blipFill>
-            <a:blip r:embed="rId12">
-              <a:extLst>
-                <a:ext uri="{28A0092B-C50C-407E-A947-70E740481C1C}">
-                  <a14:useLocalDpi xmlns:a14="http://schemas.microsoft.com/office/drawing/2010/main" val="0"/>
-                </a:ext>
-              </a:extLst>
-            </a:blip>
-            <a:stretch>
-              <a:fillRect/>
-            </a:stretch>
-          </p:blipFill>
-          <p:spPr>
-            <a:xfrm>
-              <a:off x="3199694" y="3733618"/>
-              <a:ext cx="1081066" cy="207234"/>
-            </a:xfrm>
-            <a:prstGeom prst="rect">
-              <a:avLst/>
-            </a:prstGeom>
-          </p:spPr>
-        </p:pic>
-        <p:pic>
-          <p:nvPicPr>
-            <p:cNvPr id="18" name="図 17" descr="\documentclass{jsarticle}&#10;\usepackage{amsmath}&#10;\usepackage[T1]{fontenc}&#10;\usepackage{lmodern}&#10;\pagestyle{empty}&#10;&#10;\begin{document}&#10;%\begin{align*}&#10;%\end{align*}&#10;$u_1^H,u_2^H$&#10;\end{document}" title="IguanaTex Bitmap Display">
-              <a:extLst>
-                <a:ext uri="{FF2B5EF4-FFF2-40B4-BE49-F238E27FC236}">
-                  <a16:creationId xmlns:a16="http://schemas.microsoft.com/office/drawing/2014/main" id="{06684D83-E2F7-A88C-3BE6-F8AF31D833FC}"/>
-                </a:ext>
-              </a:extLst>
-            </p:cNvPr>
-            <p:cNvPicPr>
-              <a:picLocks noChangeAspect="1"/>
-            </p:cNvPicPr>
-            <p:nvPr>
-              <p:custDataLst>
-                <p:tags r:id="rId6"/>
-              </p:custDataLst>
-            </p:nvPr>
-          </p:nvPicPr>
-          <p:blipFill>
-            <a:blip r:embed="rId13">
-              <a:extLst>
-                <a:ext uri="{28A0092B-C50C-407E-A947-70E740481C1C}">
-                  <a14:useLocalDpi xmlns:a14="http://schemas.microsoft.com/office/drawing/2010/main" val="0"/>
-                </a:ext>
-              </a:extLst>
-            </a:blip>
-            <a:stretch>
-              <a:fillRect/>
-            </a:stretch>
-          </p:blipFill>
-          <p:spPr>
-            <a:xfrm>
-              <a:off x="8352048" y="3724421"/>
-              <a:ext cx="724575" cy="225628"/>
-            </a:xfrm>
-            <a:prstGeom prst="rect">
-              <a:avLst/>
-            </a:prstGeom>
-          </p:spPr>
-        </p:pic>
-      </p:grpSp>
-      <p:pic>
-        <p:nvPicPr>
-          <p:cNvPr id="21" name="グラフィックス 20">
-            <a:extLst>
-              <a:ext uri="{FF2B5EF4-FFF2-40B4-BE49-F238E27FC236}">
-                <a16:creationId xmlns:a16="http://schemas.microsoft.com/office/drawing/2014/main" id="{5A99454A-A31F-0BD9-1759-45F660F0A4C6}"/>
-              </a:ext>
-            </a:extLst>
-          </p:cNvPr>
-          <p:cNvPicPr>
-            <a:picLocks noChangeAspect="1"/>
-          </p:cNvPicPr>
-          <p:nvPr/>
-        </p:nvPicPr>
-        <p:blipFill>
-          <a:blip r:embed="rId14">
-            <a:extLst>
-              <a:ext uri="{28A0092B-C50C-407E-A947-70E740481C1C}">
-                <a14:useLocalDpi xmlns:a14="http://schemas.microsoft.com/office/drawing/2010/main" val="0"/>
-              </a:ext>
-              <a:ext uri="{96DAC541-7B7A-43D3-8B79-37D633B846F1}">
-                <asvg:svgBlip xmlns:asvg="http://schemas.microsoft.com/office/drawing/2016/SVG/main" r:embed="rId15"/>
-              </a:ext>
-            </a:extLst>
-          </a:blip>
-          <a:stretch>
-            <a:fillRect/>
-          </a:stretch>
-        </p:blipFill>
-        <p:spPr>
-          <a:xfrm>
-            <a:off x="1129574" y="4735087"/>
-            <a:ext cx="10245897" cy="1354045"/>
-          </a:xfrm>
-          <a:prstGeom prst="rect">
-            <a:avLst/>
-          </a:prstGeom>
-        </p:spPr>
-      </p:pic>
-      <mc:AlternateContent xmlns:mc="http://schemas.openxmlformats.org/markup-compatibility/2006">
-        <mc:Choice xmlns:a14="http://schemas.microsoft.com/office/drawing/2010/main" Requires="a14">
-          <p:sp>
-            <p:nvSpPr>
-              <p:cNvPr id="5" name="テキスト ボックス 4">
-                <a:extLst>
-                  <a:ext uri="{FF2B5EF4-FFF2-40B4-BE49-F238E27FC236}">
-                    <a16:creationId xmlns:a16="http://schemas.microsoft.com/office/drawing/2014/main" id="{EEF53136-4FF9-4F4C-A1F1-D083DA594DE6}"/>
-                  </a:ext>
-                </a:extLst>
-              </p:cNvPr>
-              <p:cNvSpPr txBox="1"/>
-              <p:nvPr/>
-            </p:nvSpPr>
-            <p:spPr>
-              <a:xfrm>
-                <a:off x="1010304" y="5077190"/>
-                <a:ext cx="467244" cy="276999"/>
-              </a:xfrm>
-              <a:prstGeom prst="rect">
-                <a:avLst/>
-              </a:prstGeom>
-              <a:noFill/>
-            </p:spPr>
-            <p:txBody>
-              <a:bodyPr wrap="none" lIns="0" tIns="0" rIns="0" bIns="0" rtlCol="0">
-                <a:spAutoFit/>
-              </a:bodyPr>
-              <a:lstStyle/>
-              <a:p>
-                <a:pPr/>
-                <a14:m>
-                  <m:oMathPara xmlns:m="http://schemas.openxmlformats.org/officeDocument/2006/math">
-                    <m:oMathParaPr>
-                      <m:jc m:val="centerGroup"/>
-                    </m:oMathParaPr>
-                    <m:oMath xmlns:m="http://schemas.openxmlformats.org/officeDocument/2006/math">
-                      <m:r>
-                        <a:rPr kumimoji="1" lang="en-US" altLang="ja-JP" b="0" i="1" smtClean="0">
-                          <a:latin typeface="Cambria Math" panose="02040503050406030204" pitchFamily="18" charset="0"/>
-                        </a:rPr>
-                        <m:t>𝑠</m:t>
-                      </m:r>
-                      <m:r>
-                        <a:rPr kumimoji="1" lang="en-US" altLang="ja-JP" b="0" i="1" smtClean="0">
-                          <a:latin typeface="Cambria Math" panose="02040503050406030204" pitchFamily="18" charset="0"/>
-                        </a:rPr>
-                        <m:t>(</m:t>
-                      </m:r>
-                      <m:r>
-                        <a:rPr kumimoji="1" lang="en-US" altLang="ja-JP" b="0" i="1" smtClean="0">
-                          <a:latin typeface="Cambria Math" panose="02040503050406030204" pitchFamily="18" charset="0"/>
-                        </a:rPr>
-                        <m:t>𝑡</m:t>
-                      </m:r>
-                      <m:r>
-                        <a:rPr kumimoji="1" lang="en-US" altLang="ja-JP" b="0" i="1" smtClean="0">
-                          <a:latin typeface="Cambria Math" panose="02040503050406030204" pitchFamily="18" charset="0"/>
-                        </a:rPr>
-                        <m:t>)</m:t>
-                      </m:r>
-                    </m:oMath>
-                  </m:oMathPara>
-                </a14:m>
-                <a:endParaRPr kumimoji="1" lang="ja-JP" altLang="en-US" dirty="0"/>
-              </a:p>
-            </p:txBody>
-          </p:sp>
-        </mc:Choice>
-        <mc:Fallback>
-          <p:sp>
-            <p:nvSpPr>
-              <p:cNvPr id="5" name="テキスト ボックス 4">
-                <a:extLst>
-                  <a:ext uri="{FF2B5EF4-FFF2-40B4-BE49-F238E27FC236}">
-                    <a16:creationId xmlns:a16="http://schemas.microsoft.com/office/drawing/2014/main" id="{EEF53136-4FF9-4F4C-A1F1-D083DA594DE6}"/>
-                  </a:ext>
-                </a:extLst>
-              </p:cNvPr>
-              <p:cNvSpPr txBox="1">
-                <a:spLocks noRot="1" noChangeAspect="1" noMove="1" noResize="1" noEditPoints="1" noAdjustHandles="1" noChangeArrowheads="1" noChangeShapeType="1" noTextEdit="1"/>
-              </p:cNvSpPr>
-              <p:nvPr/>
-            </p:nvSpPr>
-            <p:spPr>
-              <a:xfrm>
-                <a:off x="1010304" y="5077190"/>
-                <a:ext cx="467244" cy="276999"/>
-              </a:xfrm>
-              <a:prstGeom prst="rect">
-                <a:avLst/>
-              </a:prstGeom>
-              <a:blipFill>
-                <a:blip r:embed="rId16"/>
-                <a:stretch>
-                  <a:fillRect l="-5263" t="-2222" r="-17105" b="-35556"/>
-                </a:stretch>
-              </a:blipFill>
-            </p:spPr>
-            <p:txBody>
-              <a:bodyPr/>
-              <a:lstStyle/>
-              <a:p>
-                <a:r>
-                  <a:rPr lang="ja-JP" altLang="en-US">
-                    <a:noFill/>
-                  </a:rPr>
-                  <a:t> </a:t>
-                </a:r>
-              </a:p>
-            </p:txBody>
-          </p:sp>
-        </mc:Fallback>
-      </mc:AlternateContent>
-      <mc:AlternateContent xmlns:mc="http://schemas.openxmlformats.org/markup-compatibility/2006">
-        <mc:Choice xmlns:a14="http://schemas.microsoft.com/office/drawing/2010/main" Requires="a14">
-          <p:sp>
-            <p:nvSpPr>
-              <p:cNvPr id="14" name="テキスト ボックス 13">
-                <a:extLst>
-                  <a:ext uri="{FF2B5EF4-FFF2-40B4-BE49-F238E27FC236}">
-                    <a16:creationId xmlns:a16="http://schemas.microsoft.com/office/drawing/2014/main" id="{68328705-3588-4692-93BE-E0DE0FF68A59}"/>
-                  </a:ext>
-                </a:extLst>
-              </p:cNvPr>
-              <p:cNvSpPr txBox="1"/>
-              <p:nvPr/>
-            </p:nvSpPr>
-            <p:spPr>
-              <a:xfrm>
-                <a:off x="2362527" y="4689895"/>
-                <a:ext cx="495905" cy="246221"/>
-              </a:xfrm>
-              <a:prstGeom prst="rect">
-                <a:avLst/>
-              </a:prstGeom>
-              <a:noFill/>
-            </p:spPr>
-            <p:txBody>
-              <a:bodyPr wrap="none" lIns="0" tIns="0" rIns="0" bIns="0" rtlCol="0">
-                <a:spAutoFit/>
-              </a:bodyPr>
-              <a:lstStyle/>
-              <a:p>
-                <a:pPr/>
-                <a14:m>
-                  <m:oMathPara xmlns:m="http://schemas.openxmlformats.org/officeDocument/2006/math">
-                    <m:oMathParaPr>
-                      <m:jc m:val="centerGroup"/>
-                    </m:oMathParaPr>
-                    <m:oMath xmlns:m="http://schemas.openxmlformats.org/officeDocument/2006/math">
-                      <m:sSub>
-                        <m:sSubPr>
-                          <m:ctrlPr>
-                            <a:rPr kumimoji="1" lang="en-US" altLang="ja-JP" sz="1600" i="1" smtClean="0">
-                              <a:latin typeface="Cambria Math" panose="02040503050406030204" pitchFamily="18" charset="0"/>
-                            </a:rPr>
-                          </m:ctrlPr>
-                        </m:sSubPr>
-                        <m:e>
-                          <m:r>
-                            <a:rPr kumimoji="1" lang="en-US" altLang="ja-JP" sz="1600" b="0" i="1" smtClean="0">
-                              <a:latin typeface="Cambria Math" panose="02040503050406030204" pitchFamily="18" charset="0"/>
-                            </a:rPr>
-                            <m:t>𝑠</m:t>
-                          </m:r>
-                        </m:e>
-                        <m:sub>
-                          <m:r>
-                            <a:rPr kumimoji="1" lang="en-US" altLang="ja-JP" sz="1600" b="0" i="1" smtClean="0">
-                              <a:latin typeface="Cambria Math" panose="02040503050406030204" pitchFamily="18" charset="0"/>
-                            </a:rPr>
-                            <m:t>1</m:t>
-                          </m:r>
-                        </m:sub>
-                      </m:sSub>
-                      <m:r>
-                        <a:rPr kumimoji="1" lang="en-US" altLang="ja-JP" sz="1600" b="0" i="1" smtClean="0">
-                          <a:latin typeface="Cambria Math" panose="02040503050406030204" pitchFamily="18" charset="0"/>
-                        </a:rPr>
-                        <m:t>(</m:t>
-                      </m:r>
-                      <m:r>
-                        <a:rPr kumimoji="1" lang="en-US" altLang="ja-JP" sz="1600" b="0" i="1" smtClean="0">
-                          <a:latin typeface="Cambria Math" panose="02040503050406030204" pitchFamily="18" charset="0"/>
-                        </a:rPr>
-                        <m:t>𝑡</m:t>
-                      </m:r>
-                      <m:r>
-                        <a:rPr kumimoji="1" lang="en-US" altLang="ja-JP" sz="1600" b="0" i="1" smtClean="0">
-                          <a:latin typeface="Cambria Math" panose="02040503050406030204" pitchFamily="18" charset="0"/>
-                        </a:rPr>
-                        <m:t>)</m:t>
-                      </m:r>
-                    </m:oMath>
-                  </m:oMathPara>
-                </a14:m>
-                <a:endParaRPr kumimoji="1" lang="ja-JP" altLang="en-US" dirty="0"/>
-              </a:p>
-            </p:txBody>
-          </p:sp>
-        </mc:Choice>
-        <mc:Fallback>
-          <p:sp>
-            <p:nvSpPr>
-              <p:cNvPr id="14" name="テキスト ボックス 13">
-                <a:extLst>
-                  <a:ext uri="{FF2B5EF4-FFF2-40B4-BE49-F238E27FC236}">
-                    <a16:creationId xmlns:a16="http://schemas.microsoft.com/office/drawing/2014/main" id="{68328705-3588-4692-93BE-E0DE0FF68A59}"/>
-                  </a:ext>
-                </a:extLst>
-              </p:cNvPr>
-              <p:cNvSpPr txBox="1">
-                <a:spLocks noRot="1" noChangeAspect="1" noMove="1" noResize="1" noEditPoints="1" noAdjustHandles="1" noChangeArrowheads="1" noChangeShapeType="1" noTextEdit="1"/>
-              </p:cNvSpPr>
-              <p:nvPr/>
-            </p:nvSpPr>
-            <p:spPr>
-              <a:xfrm>
-                <a:off x="2362527" y="4689895"/>
-                <a:ext cx="495905" cy="246221"/>
-              </a:xfrm>
-              <a:prstGeom prst="rect">
-                <a:avLst/>
-              </a:prstGeom>
-              <a:blipFill>
-                <a:blip r:embed="rId17"/>
-                <a:stretch>
-                  <a:fillRect l="-4938" r="-12346" b="-31707"/>
-                </a:stretch>
-              </a:blipFill>
-            </p:spPr>
-            <p:txBody>
-              <a:bodyPr/>
-              <a:lstStyle/>
-              <a:p>
-                <a:r>
-                  <a:rPr lang="ja-JP" altLang="en-US">
-                    <a:noFill/>
-                  </a:rPr>
-                  <a:t> </a:t>
-                </a:r>
-              </a:p>
-            </p:txBody>
-          </p:sp>
-        </mc:Fallback>
-      </mc:AlternateContent>
-      <mc:AlternateContent xmlns:mc="http://schemas.openxmlformats.org/markup-compatibility/2006">
-        <mc:Choice xmlns:a14="http://schemas.microsoft.com/office/drawing/2010/main" Requires="a14">
-          <p:sp>
-            <p:nvSpPr>
-              <p:cNvPr id="16" name="テキスト ボックス 15">
-                <a:extLst>
-                  <a:ext uri="{FF2B5EF4-FFF2-40B4-BE49-F238E27FC236}">
-                    <a16:creationId xmlns:a16="http://schemas.microsoft.com/office/drawing/2014/main" id="{F2D79039-1B83-4BB7-B6A6-8936826468E8}"/>
-                  </a:ext>
-                </a:extLst>
-              </p:cNvPr>
-              <p:cNvSpPr txBox="1"/>
-              <p:nvPr/>
-            </p:nvSpPr>
-            <p:spPr>
-              <a:xfrm>
-                <a:off x="2362526" y="5428804"/>
-                <a:ext cx="500650" cy="246221"/>
-              </a:xfrm>
-              <a:prstGeom prst="rect">
-                <a:avLst/>
-              </a:prstGeom>
-              <a:noFill/>
-            </p:spPr>
-            <p:txBody>
-              <a:bodyPr wrap="none" lIns="0" tIns="0" rIns="0" bIns="0" rtlCol="0">
-                <a:spAutoFit/>
-              </a:bodyPr>
-              <a:lstStyle/>
-              <a:p>
-                <a:pPr/>
-                <a14:m>
-                  <m:oMathPara xmlns:m="http://schemas.openxmlformats.org/officeDocument/2006/math">
-                    <m:oMathParaPr>
-                      <m:jc m:val="centerGroup"/>
-                    </m:oMathParaPr>
-                    <m:oMath xmlns:m="http://schemas.openxmlformats.org/officeDocument/2006/math">
-                      <m:sSub>
-                        <m:sSubPr>
-                          <m:ctrlPr>
-                            <a:rPr kumimoji="1" lang="en-US" altLang="ja-JP" sz="1600" i="1" smtClean="0">
-                              <a:latin typeface="Cambria Math" panose="02040503050406030204" pitchFamily="18" charset="0"/>
-                            </a:rPr>
-                          </m:ctrlPr>
-                        </m:sSubPr>
-                        <m:e>
-                          <m:r>
-                            <a:rPr kumimoji="1" lang="en-US" altLang="ja-JP" sz="1600" b="0" i="1" smtClean="0">
-                              <a:latin typeface="Cambria Math" panose="02040503050406030204" pitchFamily="18" charset="0"/>
-                            </a:rPr>
-                            <m:t>𝑠</m:t>
-                          </m:r>
-                        </m:e>
-                        <m:sub>
-                          <m:r>
-                            <a:rPr kumimoji="1" lang="en-US" altLang="ja-JP" sz="1600" b="0" i="1" smtClean="0">
-                              <a:latin typeface="Cambria Math" panose="02040503050406030204" pitchFamily="18" charset="0"/>
-                            </a:rPr>
-                            <m:t>2</m:t>
-                          </m:r>
-                        </m:sub>
-                      </m:sSub>
-                      <m:r>
-                        <a:rPr kumimoji="1" lang="en-US" altLang="ja-JP" sz="1600" b="0" i="1" smtClean="0">
-                          <a:latin typeface="Cambria Math" panose="02040503050406030204" pitchFamily="18" charset="0"/>
-                        </a:rPr>
-                        <m:t>(</m:t>
-                      </m:r>
-                      <m:r>
-                        <a:rPr kumimoji="1" lang="en-US" altLang="ja-JP" sz="1600" b="0" i="1" smtClean="0">
-                          <a:latin typeface="Cambria Math" panose="02040503050406030204" pitchFamily="18" charset="0"/>
-                        </a:rPr>
-                        <m:t>𝑡</m:t>
-                      </m:r>
-                      <m:r>
-                        <a:rPr kumimoji="1" lang="en-US" altLang="ja-JP" sz="1600" b="0" i="1" smtClean="0">
-                          <a:latin typeface="Cambria Math" panose="02040503050406030204" pitchFamily="18" charset="0"/>
-                        </a:rPr>
-                        <m:t>)</m:t>
-                      </m:r>
-                    </m:oMath>
-                  </m:oMathPara>
-                </a14:m>
-                <a:endParaRPr kumimoji="1" lang="ja-JP" altLang="en-US" dirty="0"/>
-              </a:p>
-            </p:txBody>
-          </p:sp>
-        </mc:Choice>
-        <mc:Fallback>
-          <p:sp>
-            <p:nvSpPr>
-              <p:cNvPr id="16" name="テキスト ボックス 15">
-                <a:extLst>
-                  <a:ext uri="{FF2B5EF4-FFF2-40B4-BE49-F238E27FC236}">
-                    <a16:creationId xmlns:a16="http://schemas.microsoft.com/office/drawing/2014/main" id="{F2D79039-1B83-4BB7-B6A6-8936826468E8}"/>
-                  </a:ext>
-                </a:extLst>
-              </p:cNvPr>
-              <p:cNvSpPr txBox="1">
-                <a:spLocks noRot="1" noChangeAspect="1" noMove="1" noResize="1" noEditPoints="1" noAdjustHandles="1" noChangeArrowheads="1" noChangeShapeType="1" noTextEdit="1"/>
-              </p:cNvSpPr>
-              <p:nvPr/>
-            </p:nvSpPr>
-            <p:spPr>
-              <a:xfrm>
-                <a:off x="2362526" y="5428804"/>
-                <a:ext cx="500650" cy="246221"/>
-              </a:xfrm>
-              <a:prstGeom prst="rect">
-                <a:avLst/>
-              </a:prstGeom>
-              <a:blipFill>
-                <a:blip r:embed="rId18"/>
-                <a:stretch>
-                  <a:fillRect l="-4878" r="-12195" b="-32500"/>
-                </a:stretch>
-              </a:blipFill>
-            </p:spPr>
-            <p:txBody>
-              <a:bodyPr/>
-              <a:lstStyle/>
-              <a:p>
-                <a:r>
-                  <a:rPr lang="ja-JP" altLang="en-US">
-                    <a:noFill/>
-                  </a:rPr>
-                  <a:t> </a:t>
-                </a:r>
-              </a:p>
-            </p:txBody>
-          </p:sp>
-        </mc:Fallback>
-      </mc:AlternateContent>
-      <mc:AlternateContent xmlns:mc="http://schemas.openxmlformats.org/markup-compatibility/2006">
-        <mc:Choice xmlns:a14="http://schemas.microsoft.com/office/drawing/2010/main" Requires="a14">
-          <p:sp>
-            <p:nvSpPr>
-              <p:cNvPr id="8" name="テキスト ボックス 7">
-                <a:extLst>
-                  <a:ext uri="{FF2B5EF4-FFF2-40B4-BE49-F238E27FC236}">
-                    <a16:creationId xmlns:a16="http://schemas.microsoft.com/office/drawing/2014/main" id="{42ACDD72-BD63-42CD-85BC-9CD51C30513F}"/>
-                  </a:ext>
-                </a:extLst>
-              </p:cNvPr>
-              <p:cNvSpPr txBox="1"/>
-              <p:nvPr/>
-            </p:nvSpPr>
-            <p:spPr>
-              <a:xfrm>
-                <a:off x="3066290" y="4412896"/>
-                <a:ext cx="290528" cy="276999"/>
-              </a:xfrm>
-              <a:prstGeom prst="rect">
-                <a:avLst/>
-              </a:prstGeom>
-              <a:noFill/>
-            </p:spPr>
-            <p:txBody>
-              <a:bodyPr wrap="none" lIns="0" tIns="0" rIns="0" bIns="0" rtlCol="0">
-                <a:spAutoFit/>
-              </a:bodyPr>
-              <a:lstStyle/>
-              <a:p>
-                <a:pPr/>
-                <a14:m>
-                  <m:oMathPara xmlns:m="http://schemas.openxmlformats.org/officeDocument/2006/math">
-                    <m:oMathParaPr>
-                      <m:jc m:val="centerGroup"/>
-                    </m:oMathParaPr>
-                    <m:oMath xmlns:m="http://schemas.openxmlformats.org/officeDocument/2006/math">
-                      <m:sSub>
-                        <m:sSubPr>
-                          <m:ctrlPr>
-                            <a:rPr kumimoji="1" lang="en-US" altLang="ja-JP" i="1" smtClean="0">
-                              <a:latin typeface="Cambria Math" panose="02040503050406030204" pitchFamily="18" charset="0"/>
-                            </a:rPr>
-                          </m:ctrlPr>
-                        </m:sSubPr>
-                        <m:e>
-                          <m:r>
-                            <a:rPr kumimoji="1" lang="en-US" altLang="ja-JP" b="0" i="1" smtClean="0">
-                              <a:latin typeface="Cambria Math" panose="02040503050406030204" pitchFamily="18" charset="0"/>
-                            </a:rPr>
-                            <m:t>𝑣</m:t>
-                          </m:r>
-                        </m:e>
-                        <m:sub>
-                          <m:r>
-                            <a:rPr kumimoji="1" lang="en-US" altLang="ja-JP" b="0" i="1" smtClean="0">
-                              <a:latin typeface="Cambria Math" panose="02040503050406030204" pitchFamily="18" charset="0"/>
-                            </a:rPr>
-                            <m:t>1</m:t>
-                          </m:r>
-                        </m:sub>
-                      </m:sSub>
-                    </m:oMath>
-                  </m:oMathPara>
-                </a14:m>
-                <a:endParaRPr kumimoji="1" lang="ja-JP" altLang="en-US" dirty="0"/>
-              </a:p>
-            </p:txBody>
-          </p:sp>
-        </mc:Choice>
-        <mc:Fallback>
-          <p:sp>
-            <p:nvSpPr>
-              <p:cNvPr id="8" name="テキスト ボックス 7">
-                <a:extLst>
-                  <a:ext uri="{FF2B5EF4-FFF2-40B4-BE49-F238E27FC236}">
-                    <a16:creationId xmlns:a16="http://schemas.microsoft.com/office/drawing/2014/main" id="{42ACDD72-BD63-42CD-85BC-9CD51C30513F}"/>
-                  </a:ext>
-                </a:extLst>
-              </p:cNvPr>
-              <p:cNvSpPr txBox="1">
-                <a:spLocks noRot="1" noChangeAspect="1" noMove="1" noResize="1" noEditPoints="1" noAdjustHandles="1" noChangeArrowheads="1" noChangeShapeType="1" noTextEdit="1"/>
-              </p:cNvSpPr>
-              <p:nvPr/>
-            </p:nvSpPr>
-            <p:spPr>
-              <a:xfrm>
-                <a:off x="3066290" y="4412896"/>
-                <a:ext cx="290528" cy="276999"/>
-              </a:xfrm>
-              <a:prstGeom prst="rect">
-                <a:avLst/>
-              </a:prstGeom>
-              <a:blipFill>
-                <a:blip r:embed="rId19"/>
-                <a:stretch>
-                  <a:fillRect l="-8333" r="-6250" b="-15556"/>
-                </a:stretch>
-              </a:blipFill>
-            </p:spPr>
-            <p:txBody>
-              <a:bodyPr/>
-              <a:lstStyle/>
-              <a:p>
-                <a:r>
-                  <a:rPr lang="ja-JP" altLang="en-US">
-                    <a:noFill/>
-                  </a:rPr>
-                  <a:t> </a:t>
-                </a:r>
-              </a:p>
-            </p:txBody>
-          </p:sp>
-        </mc:Fallback>
-      </mc:AlternateContent>
-      <mc:AlternateContent xmlns:mc="http://schemas.openxmlformats.org/markup-compatibility/2006">
-        <mc:Choice xmlns:a14="http://schemas.microsoft.com/office/drawing/2010/main" Requires="a14">
-          <p:sp>
-            <p:nvSpPr>
-              <p:cNvPr id="17" name="テキスト ボックス 16">
-                <a:extLst>
-                  <a:ext uri="{FF2B5EF4-FFF2-40B4-BE49-F238E27FC236}">
-                    <a16:creationId xmlns:a16="http://schemas.microsoft.com/office/drawing/2014/main" id="{D738E4B4-BBF2-4DEE-8E3E-4A9788D0BC6D}"/>
-                  </a:ext>
-                </a:extLst>
-              </p:cNvPr>
-              <p:cNvSpPr txBox="1"/>
-              <p:nvPr/>
-            </p:nvSpPr>
-            <p:spPr>
-              <a:xfrm>
-                <a:off x="3066290" y="6088847"/>
-                <a:ext cx="295850" cy="276999"/>
-              </a:xfrm>
-              <a:prstGeom prst="rect">
-                <a:avLst/>
-              </a:prstGeom>
-              <a:noFill/>
-            </p:spPr>
-            <p:txBody>
-              <a:bodyPr wrap="none" lIns="0" tIns="0" rIns="0" bIns="0" rtlCol="0">
-                <a:spAutoFit/>
-              </a:bodyPr>
-              <a:lstStyle/>
-              <a:p>
-                <a:pPr/>
-                <a14:m>
-                  <m:oMathPara xmlns:m="http://schemas.openxmlformats.org/officeDocument/2006/math">
-                    <m:oMathParaPr>
-                      <m:jc m:val="centerGroup"/>
-                    </m:oMathParaPr>
-                    <m:oMath xmlns:m="http://schemas.openxmlformats.org/officeDocument/2006/math">
-                      <m:sSub>
-                        <m:sSubPr>
-                          <m:ctrlPr>
-                            <a:rPr kumimoji="1" lang="en-US" altLang="ja-JP" i="1" smtClean="0">
-                              <a:latin typeface="Cambria Math" panose="02040503050406030204" pitchFamily="18" charset="0"/>
-                            </a:rPr>
-                          </m:ctrlPr>
-                        </m:sSubPr>
-                        <m:e>
-                          <m:r>
-                            <a:rPr kumimoji="1" lang="en-US" altLang="ja-JP" b="0" i="1" smtClean="0">
-                              <a:latin typeface="Cambria Math" panose="02040503050406030204" pitchFamily="18" charset="0"/>
-                            </a:rPr>
-                            <m:t>𝑣</m:t>
-                          </m:r>
-                        </m:e>
-                        <m:sub>
-                          <m:r>
-                            <a:rPr kumimoji="1" lang="en-US" altLang="ja-JP" b="0" i="1" smtClean="0">
-                              <a:latin typeface="Cambria Math" panose="02040503050406030204" pitchFamily="18" charset="0"/>
-                            </a:rPr>
-                            <m:t>2</m:t>
-                          </m:r>
-                        </m:sub>
-                      </m:sSub>
-                    </m:oMath>
-                  </m:oMathPara>
-                </a14:m>
-                <a:endParaRPr kumimoji="1" lang="ja-JP" altLang="en-US" dirty="0"/>
-              </a:p>
-            </p:txBody>
-          </p:sp>
-        </mc:Choice>
-        <mc:Fallback>
-          <p:sp>
-            <p:nvSpPr>
-              <p:cNvPr id="17" name="テキスト ボックス 16">
-                <a:extLst>
-                  <a:ext uri="{FF2B5EF4-FFF2-40B4-BE49-F238E27FC236}">
-                    <a16:creationId xmlns:a16="http://schemas.microsoft.com/office/drawing/2014/main" id="{D738E4B4-BBF2-4DEE-8E3E-4A9788D0BC6D}"/>
-                  </a:ext>
-                </a:extLst>
-              </p:cNvPr>
-              <p:cNvSpPr txBox="1">
-                <a:spLocks noRot="1" noChangeAspect="1" noMove="1" noResize="1" noEditPoints="1" noAdjustHandles="1" noChangeArrowheads="1" noChangeShapeType="1" noTextEdit="1"/>
-              </p:cNvSpPr>
-              <p:nvPr/>
-            </p:nvSpPr>
-            <p:spPr>
-              <a:xfrm>
-                <a:off x="3066290" y="6088847"/>
-                <a:ext cx="295850" cy="276999"/>
-              </a:xfrm>
-              <a:prstGeom prst="rect">
-                <a:avLst/>
-              </a:prstGeom>
-              <a:blipFill>
-                <a:blip r:embed="rId20"/>
-                <a:stretch>
-                  <a:fillRect l="-8163" r="-4082" b="-15556"/>
-                </a:stretch>
-              </a:blipFill>
-            </p:spPr>
-            <p:txBody>
-              <a:bodyPr/>
-              <a:lstStyle/>
-              <a:p>
-                <a:r>
-                  <a:rPr lang="ja-JP" altLang="en-US">
-                    <a:noFill/>
-                  </a:rPr>
-                  <a:t> </a:t>
-                </a:r>
-              </a:p>
-            </p:txBody>
-          </p:sp>
-        </mc:Fallback>
-      </mc:AlternateContent>
-      <mc:AlternateContent xmlns:mc="http://schemas.openxmlformats.org/markup-compatibility/2006">
-        <mc:Choice xmlns:a14="http://schemas.microsoft.com/office/drawing/2010/main" Requires="a14">
-          <p:sp>
-            <p:nvSpPr>
-              <p:cNvPr id="20" name="テキスト ボックス 19">
-                <a:extLst>
-                  <a:ext uri="{FF2B5EF4-FFF2-40B4-BE49-F238E27FC236}">
-                    <a16:creationId xmlns:a16="http://schemas.microsoft.com/office/drawing/2014/main" id="{E858FBEC-6574-4B78-9588-09EB9D7048E2}"/>
-                  </a:ext>
-                </a:extLst>
-              </p:cNvPr>
-              <p:cNvSpPr txBox="1"/>
-              <p:nvPr/>
-            </p:nvSpPr>
-            <p:spPr>
-              <a:xfrm>
-                <a:off x="10764252" y="5063291"/>
-                <a:ext cx="467243" cy="276999"/>
-              </a:xfrm>
-              <a:prstGeom prst="rect">
-                <a:avLst/>
-              </a:prstGeom>
-              <a:noFill/>
-            </p:spPr>
-            <p:txBody>
-              <a:bodyPr wrap="none" lIns="0" tIns="0" rIns="0" bIns="0" rtlCol="0">
-                <a:spAutoFit/>
-              </a:bodyPr>
-              <a:lstStyle/>
-              <a:p>
-                <a:pPr/>
-                <a14:m>
-                  <m:oMathPara xmlns:m="http://schemas.openxmlformats.org/officeDocument/2006/math">
-                    <m:oMathParaPr>
-                      <m:jc m:val="centerGroup"/>
-                    </m:oMathParaPr>
-                    <m:oMath xmlns:m="http://schemas.openxmlformats.org/officeDocument/2006/math">
-                      <m:acc>
-                        <m:accPr>
-                          <m:chr m:val="̃"/>
-                          <m:ctrlPr>
-                            <a:rPr kumimoji="1" lang="en-US" altLang="ja-JP" b="0" i="1" smtClean="0">
-                              <a:latin typeface="Cambria Math" panose="02040503050406030204" pitchFamily="18" charset="0"/>
-                            </a:rPr>
-                          </m:ctrlPr>
-                        </m:accPr>
-                        <m:e>
-                          <m:r>
-                            <a:rPr kumimoji="1" lang="en-US" altLang="ja-JP" b="0" i="1" smtClean="0">
-                              <a:latin typeface="Cambria Math" panose="02040503050406030204" pitchFamily="18" charset="0"/>
-                            </a:rPr>
-                            <m:t>𝑠</m:t>
-                          </m:r>
-                        </m:e>
-                      </m:acc>
-                      <m:r>
-                        <a:rPr kumimoji="1" lang="en-US" altLang="ja-JP" b="0" i="1" smtClean="0">
-                          <a:latin typeface="Cambria Math" panose="02040503050406030204" pitchFamily="18" charset="0"/>
-                        </a:rPr>
-                        <m:t>(</m:t>
-                      </m:r>
-                      <m:r>
-                        <a:rPr kumimoji="1" lang="en-US" altLang="ja-JP" b="0" i="1" smtClean="0">
-                          <a:latin typeface="Cambria Math" panose="02040503050406030204" pitchFamily="18" charset="0"/>
-                        </a:rPr>
-                        <m:t>𝑡</m:t>
-                      </m:r>
-                      <m:r>
-                        <a:rPr kumimoji="1" lang="en-US" altLang="ja-JP" b="0" i="1" smtClean="0">
-                          <a:latin typeface="Cambria Math" panose="02040503050406030204" pitchFamily="18" charset="0"/>
-                        </a:rPr>
-                        <m:t>)</m:t>
-                      </m:r>
-                    </m:oMath>
-                  </m:oMathPara>
-                </a14:m>
-                <a:endParaRPr kumimoji="1" lang="ja-JP" altLang="en-US" dirty="0"/>
-              </a:p>
-            </p:txBody>
-          </p:sp>
-        </mc:Choice>
-        <mc:Fallback>
-          <p:sp>
-            <p:nvSpPr>
-              <p:cNvPr id="20" name="テキスト ボックス 19">
-                <a:extLst>
-                  <a:ext uri="{FF2B5EF4-FFF2-40B4-BE49-F238E27FC236}">
-                    <a16:creationId xmlns:a16="http://schemas.microsoft.com/office/drawing/2014/main" id="{E858FBEC-6574-4B78-9588-09EB9D7048E2}"/>
-                  </a:ext>
-                </a:extLst>
-              </p:cNvPr>
-              <p:cNvSpPr txBox="1">
-                <a:spLocks noRot="1" noChangeAspect="1" noMove="1" noResize="1" noEditPoints="1" noAdjustHandles="1" noChangeArrowheads="1" noChangeShapeType="1" noTextEdit="1"/>
-              </p:cNvSpPr>
-              <p:nvPr/>
-            </p:nvSpPr>
-            <p:spPr>
-              <a:xfrm>
-                <a:off x="10764252" y="5063291"/>
-                <a:ext cx="467243" cy="276999"/>
-              </a:xfrm>
-              <a:prstGeom prst="rect">
-                <a:avLst/>
-              </a:prstGeom>
-              <a:blipFill>
-                <a:blip r:embed="rId21"/>
-                <a:stretch>
-                  <a:fillRect l="-5263" t="-4444" r="-17105" b="-35556"/>
-                </a:stretch>
-              </a:blipFill>
-            </p:spPr>
-            <p:txBody>
-              <a:bodyPr/>
-              <a:lstStyle/>
-              <a:p>
-                <a:r>
-                  <a:rPr lang="ja-JP" altLang="en-US">
-                    <a:noFill/>
-                  </a:rPr>
-                  <a:t> </a:t>
-                </a:r>
-              </a:p>
-            </p:txBody>
-          </p:sp>
-        </mc:Fallback>
-      </mc:AlternateContent>
-      <mc:AlternateContent xmlns:mc="http://schemas.openxmlformats.org/markup-compatibility/2006">
-        <mc:Choice xmlns:a14="http://schemas.microsoft.com/office/drawing/2010/main" Requires="a14">
-          <p:sp>
-            <p:nvSpPr>
-              <p:cNvPr id="22" name="テキスト ボックス 21">
-                <a:extLst>
-                  <a:ext uri="{FF2B5EF4-FFF2-40B4-BE49-F238E27FC236}">
-                    <a16:creationId xmlns:a16="http://schemas.microsoft.com/office/drawing/2014/main" id="{E9C7752F-0517-45FB-9CDD-C9ACC9DF34A4}"/>
-                  </a:ext>
-                </a:extLst>
-              </p:cNvPr>
-              <p:cNvSpPr txBox="1"/>
-              <p:nvPr/>
-            </p:nvSpPr>
-            <p:spPr>
-              <a:xfrm>
-                <a:off x="9157354" y="4418463"/>
-                <a:ext cx="345287" cy="280333"/>
-              </a:xfrm>
-              <a:prstGeom prst="rect">
-                <a:avLst/>
-              </a:prstGeom>
-              <a:noFill/>
-            </p:spPr>
-            <p:txBody>
-              <a:bodyPr wrap="none" lIns="0" tIns="0" rIns="0" bIns="0" rtlCol="0">
-                <a:spAutoFit/>
-              </a:bodyPr>
-              <a:lstStyle/>
-              <a:p>
-                <a:pPr/>
-                <a14:m>
-                  <m:oMathPara xmlns:m="http://schemas.openxmlformats.org/officeDocument/2006/math">
-                    <m:oMathParaPr>
-                      <m:jc m:val="centerGroup"/>
-                    </m:oMathParaPr>
-                    <m:oMath xmlns:m="http://schemas.openxmlformats.org/officeDocument/2006/math">
-                      <m:sSubSup>
-                        <m:sSubSupPr>
-                          <m:ctrlPr>
-                            <a:rPr kumimoji="1" lang="en-US" altLang="ja-JP" i="1" smtClean="0">
-                              <a:latin typeface="Cambria Math" panose="02040503050406030204" pitchFamily="18" charset="0"/>
-                            </a:rPr>
-                          </m:ctrlPr>
-                        </m:sSubSupPr>
-                        <m:e>
-                          <m:r>
-                            <a:rPr kumimoji="1" lang="en-US" altLang="ja-JP" b="0" i="1" smtClean="0">
-                              <a:latin typeface="Cambria Math" panose="02040503050406030204" pitchFamily="18" charset="0"/>
-                            </a:rPr>
-                            <m:t>𝑢</m:t>
-                          </m:r>
-                        </m:e>
-                        <m:sub>
-                          <m:r>
-                            <a:rPr kumimoji="1" lang="en-US" altLang="ja-JP" b="0" i="1" smtClean="0">
-                              <a:latin typeface="Cambria Math" panose="02040503050406030204" pitchFamily="18" charset="0"/>
-                            </a:rPr>
-                            <m:t>1</m:t>
-                          </m:r>
-                        </m:sub>
-                        <m:sup>
-                          <m:r>
-                            <a:rPr kumimoji="1" lang="en-US" altLang="ja-JP" b="0" i="1" smtClean="0">
-                              <a:latin typeface="Cambria Math" panose="02040503050406030204" pitchFamily="18" charset="0"/>
-                            </a:rPr>
-                            <m:t>𝐻</m:t>
-                          </m:r>
-                        </m:sup>
-                      </m:sSubSup>
-                    </m:oMath>
-                  </m:oMathPara>
-                </a14:m>
-                <a:endParaRPr kumimoji="1" lang="ja-JP" altLang="en-US" dirty="0"/>
-              </a:p>
-            </p:txBody>
-          </p:sp>
-        </mc:Choice>
-        <mc:Fallback>
-          <p:sp>
-            <p:nvSpPr>
-              <p:cNvPr id="22" name="テキスト ボックス 21">
-                <a:extLst>
-                  <a:ext uri="{FF2B5EF4-FFF2-40B4-BE49-F238E27FC236}">
-                    <a16:creationId xmlns:a16="http://schemas.microsoft.com/office/drawing/2014/main" id="{E9C7752F-0517-45FB-9CDD-C9ACC9DF34A4}"/>
-                  </a:ext>
-                </a:extLst>
-              </p:cNvPr>
-              <p:cNvSpPr txBox="1">
-                <a:spLocks noRot="1" noChangeAspect="1" noMove="1" noResize="1" noEditPoints="1" noAdjustHandles="1" noChangeArrowheads="1" noChangeShapeType="1" noTextEdit="1"/>
-              </p:cNvSpPr>
-              <p:nvPr/>
-            </p:nvSpPr>
-            <p:spPr>
-              <a:xfrm>
-                <a:off x="9157354" y="4418463"/>
-                <a:ext cx="345287" cy="280333"/>
-              </a:xfrm>
-              <a:prstGeom prst="rect">
-                <a:avLst/>
-              </a:prstGeom>
-              <a:blipFill>
-                <a:blip r:embed="rId22"/>
-                <a:stretch>
-                  <a:fillRect l="-7018" t="-4348" r="-5263" b="-15217"/>
-                </a:stretch>
-              </a:blipFill>
-            </p:spPr>
-            <p:txBody>
-              <a:bodyPr/>
-              <a:lstStyle/>
-              <a:p>
-                <a:r>
-                  <a:rPr lang="ja-JP" altLang="en-US">
-                    <a:noFill/>
-                  </a:rPr>
-                  <a:t> </a:t>
-                </a:r>
-              </a:p>
-            </p:txBody>
-          </p:sp>
-        </mc:Fallback>
-      </mc:AlternateContent>
-      <mc:AlternateContent xmlns:mc="http://schemas.openxmlformats.org/markup-compatibility/2006">
-        <mc:Choice xmlns:a14="http://schemas.microsoft.com/office/drawing/2010/main" Requires="a14">
-          <p:sp>
-            <p:nvSpPr>
-              <p:cNvPr id="23" name="テキスト ボックス 22">
-                <a:extLst>
-                  <a:ext uri="{FF2B5EF4-FFF2-40B4-BE49-F238E27FC236}">
-                    <a16:creationId xmlns:a16="http://schemas.microsoft.com/office/drawing/2014/main" id="{45BB0510-AD22-47C0-A60B-80099F8B0D31}"/>
-                  </a:ext>
-                </a:extLst>
-              </p:cNvPr>
-              <p:cNvSpPr txBox="1"/>
-              <p:nvPr/>
-            </p:nvSpPr>
-            <p:spPr>
-              <a:xfrm>
-                <a:off x="9213188" y="6130991"/>
-                <a:ext cx="345287" cy="280846"/>
-              </a:xfrm>
-              <a:prstGeom prst="rect">
-                <a:avLst/>
-              </a:prstGeom>
-              <a:noFill/>
-            </p:spPr>
-            <p:txBody>
-              <a:bodyPr wrap="none" lIns="0" tIns="0" rIns="0" bIns="0" rtlCol="0">
-                <a:spAutoFit/>
-              </a:bodyPr>
-              <a:lstStyle/>
-              <a:p>
-                <a:pPr/>
-                <a14:m>
-                  <m:oMathPara xmlns:m="http://schemas.openxmlformats.org/officeDocument/2006/math">
-                    <m:oMathParaPr>
-                      <m:jc m:val="centerGroup"/>
-                    </m:oMathParaPr>
-                    <m:oMath xmlns:m="http://schemas.openxmlformats.org/officeDocument/2006/math">
-                      <m:sSubSup>
-                        <m:sSubSupPr>
-                          <m:ctrlPr>
-                            <a:rPr kumimoji="1" lang="en-US" altLang="ja-JP" i="1" smtClean="0">
-                              <a:latin typeface="Cambria Math" panose="02040503050406030204" pitchFamily="18" charset="0"/>
-                            </a:rPr>
-                          </m:ctrlPr>
-                        </m:sSubSupPr>
-                        <m:e>
-                          <m:r>
-                            <a:rPr kumimoji="1" lang="en-US" altLang="ja-JP" b="0" i="1" smtClean="0">
-                              <a:latin typeface="Cambria Math" panose="02040503050406030204" pitchFamily="18" charset="0"/>
-                            </a:rPr>
-                            <m:t>𝑢</m:t>
-                          </m:r>
-                        </m:e>
-                        <m:sub>
-                          <m:r>
-                            <a:rPr kumimoji="1" lang="en-US" altLang="ja-JP" b="0" i="1" smtClean="0">
-                              <a:latin typeface="Cambria Math" panose="02040503050406030204" pitchFamily="18" charset="0"/>
-                            </a:rPr>
-                            <m:t>2</m:t>
-                          </m:r>
-                        </m:sub>
-                        <m:sup>
-                          <m:r>
-                            <a:rPr kumimoji="1" lang="en-US" altLang="ja-JP" b="0" i="1" smtClean="0">
-                              <a:latin typeface="Cambria Math" panose="02040503050406030204" pitchFamily="18" charset="0"/>
-                            </a:rPr>
-                            <m:t>𝐻</m:t>
-                          </m:r>
-                        </m:sup>
-                      </m:sSubSup>
-                    </m:oMath>
-                  </m:oMathPara>
-                </a14:m>
-                <a:endParaRPr kumimoji="1" lang="ja-JP" altLang="en-US" dirty="0"/>
-              </a:p>
-            </p:txBody>
-          </p:sp>
-        </mc:Choice>
-        <mc:Fallback>
-          <p:sp>
-            <p:nvSpPr>
-              <p:cNvPr id="23" name="テキスト ボックス 22">
-                <a:extLst>
-                  <a:ext uri="{FF2B5EF4-FFF2-40B4-BE49-F238E27FC236}">
-                    <a16:creationId xmlns:a16="http://schemas.microsoft.com/office/drawing/2014/main" id="{45BB0510-AD22-47C0-A60B-80099F8B0D31}"/>
-                  </a:ext>
-                </a:extLst>
-              </p:cNvPr>
-              <p:cNvSpPr txBox="1">
-                <a:spLocks noRot="1" noChangeAspect="1" noMove="1" noResize="1" noEditPoints="1" noAdjustHandles="1" noChangeArrowheads="1" noChangeShapeType="1" noTextEdit="1"/>
-              </p:cNvSpPr>
-              <p:nvPr/>
-            </p:nvSpPr>
-            <p:spPr>
-              <a:xfrm>
-                <a:off x="9213188" y="6130991"/>
-                <a:ext cx="345287" cy="280846"/>
-              </a:xfrm>
-              <a:prstGeom prst="rect">
-                <a:avLst/>
-              </a:prstGeom>
-              <a:blipFill>
-                <a:blip r:embed="rId23"/>
-                <a:stretch>
-                  <a:fillRect l="-7018" t="-2174" r="-5263" b="-17391"/>
-                </a:stretch>
-              </a:blipFill>
-            </p:spPr>
-            <p:txBody>
-              <a:bodyPr/>
-              <a:lstStyle/>
-              <a:p>
-                <a:r>
-                  <a:rPr lang="ja-JP" altLang="en-US">
-                    <a:noFill/>
-                  </a:rPr>
-                  <a:t> </a:t>
-                </a:r>
-              </a:p>
-            </p:txBody>
-          </p:sp>
-        </mc:Fallback>
-      </mc:AlternateContent>
-      <p:sp>
-        <p:nvSpPr>
-          <p:cNvPr id="2" name="雲 1">
-            <a:extLst>
-              <a:ext uri="{FF2B5EF4-FFF2-40B4-BE49-F238E27FC236}">
-                <a16:creationId xmlns:a16="http://schemas.microsoft.com/office/drawing/2014/main" id="{E7681342-C698-412D-866D-06113BA289D5}"/>
-              </a:ext>
-            </a:extLst>
-          </p:cNvPr>
-          <p:cNvSpPr/>
-          <p:nvPr/>
-        </p:nvSpPr>
-        <p:spPr>
-          <a:xfrm>
-            <a:off x="5409483" y="4485557"/>
-            <a:ext cx="1201564" cy="1183263"/>
-          </a:xfrm>
-          <a:prstGeom prst="cloud">
-            <a:avLst/>
-          </a:prstGeom>
-          <a:noFill/>
-          <a:ln w="28575"/>
-        </p:spPr>
-        <p:style>
-          <a:lnRef idx="2">
-            <a:schemeClr val="accent1">
-              <a:shade val="50000"/>
-            </a:schemeClr>
-          </a:lnRef>
-          <a:fillRef idx="1">
-            <a:schemeClr val="accent1"/>
-          </a:fillRef>
-          <a:effectRef idx="0">
-            <a:schemeClr val="accent1"/>
-          </a:effectRef>
-          <a:fontRef idx="minor">
-            <a:schemeClr val="lt1"/>
-          </a:fontRef>
-        </p:style>
-        <p:txBody>
-          <a:bodyPr rtlCol="0" anchor="ctr"/>
-          <a:lstStyle/>
-          <a:p>
-            <a:pPr algn="ctr"/>
-            <a:endParaRPr kumimoji="1" lang="ja-JP" altLang="en-US" dirty="0"/>
-          </a:p>
-        </p:txBody>
-      </p:sp>
-      <p:pic>
-        <p:nvPicPr>
-          <p:cNvPr id="24" name="図 23" descr="\documentclass{jsarticle}&#10;\usepackage{amsmath}&#10;\usepackage[T1]{fontenc}&#10;\usepackage{lmodern}&#10;\pagestyle{empty}&#10;&#10;\begin{document}&#10;%\begin{align*}&#10;%\end{align*}&#10;$H$&#10;\end{document}" title="IguanaTex Bitmap Display">
-            <a:extLst>
-              <a:ext uri="{FF2B5EF4-FFF2-40B4-BE49-F238E27FC236}">
-                <a16:creationId xmlns:a16="http://schemas.microsoft.com/office/drawing/2014/main" id="{2C52101C-CC65-4F33-A1B0-D8E913184319}"/>
-              </a:ext>
-            </a:extLst>
-          </p:cNvPr>
-          <p:cNvPicPr>
-            <a:picLocks noChangeAspect="1"/>
-          </p:cNvPicPr>
-          <p:nvPr>
-            <p:custDataLst>
-              <p:tags r:id="rId1"/>
-            </p:custDataLst>
-          </p:nvPr>
-        </p:nvPicPr>
-        <p:blipFill>
-          <a:blip r:embed="rId9">
-            <a:extLst>
-              <a:ext uri="{28A0092B-C50C-407E-A947-70E740481C1C}">
-                <a14:useLocalDpi xmlns:a14="http://schemas.microsoft.com/office/drawing/2010/main" val="0"/>
-              </a:ext>
-            </a:extLst>
-          </a:blip>
-          <a:stretch>
-            <a:fillRect/>
-          </a:stretch>
-        </p:blipFill>
-        <p:spPr>
-          <a:xfrm>
-            <a:off x="5795218" y="4901242"/>
-            <a:ext cx="430093" cy="351894"/>
-          </a:xfrm>
-          <a:prstGeom prst="rect">
-            <a:avLst/>
-          </a:prstGeom>
-        </p:spPr>
-      </p:pic>
-      <p:sp>
-        <p:nvSpPr>
-          <p:cNvPr id="10" name="テキスト ボックス 9">
-            <a:extLst>
-              <a:ext uri="{FF2B5EF4-FFF2-40B4-BE49-F238E27FC236}">
-                <a16:creationId xmlns:a16="http://schemas.microsoft.com/office/drawing/2014/main" id="{C6A543DD-9665-4CEE-B14C-D7BD74D74A76}"/>
-              </a:ext>
-            </a:extLst>
-          </p:cNvPr>
-          <p:cNvSpPr txBox="1"/>
-          <p:nvPr/>
-        </p:nvSpPr>
-        <p:spPr>
-          <a:xfrm>
-            <a:off x="5208352" y="5733600"/>
-            <a:ext cx="1603824" cy="369332"/>
-          </a:xfrm>
-          <a:prstGeom prst="rect">
-            <a:avLst/>
-          </a:prstGeom>
-          <a:noFill/>
-        </p:spPr>
-        <p:txBody>
-          <a:bodyPr wrap="square" rtlCol="0">
-            <a:spAutoFit/>
-          </a:bodyPr>
-          <a:lstStyle/>
-          <a:p>
-            <a:pPr algn="ctr"/>
-            <a:r>
-              <a:rPr kumimoji="1" lang="ja-JP" altLang="en-US" dirty="0">
-                <a:latin typeface="BIZ UDPゴシック" panose="020B0400000000000000" pitchFamily="50" charset="-128"/>
-                <a:ea typeface="BIZ UDPゴシック" panose="020B0400000000000000" pitchFamily="50" charset="-128"/>
-              </a:rPr>
-              <a:t>伝搬チャネル</a:t>
-            </a:r>
-          </a:p>
-        </p:txBody>
-      </p:sp>
-      <mc:AlternateContent xmlns:mc="http://schemas.openxmlformats.org/markup-compatibility/2006">
-        <mc:Choice xmlns:a14="http://schemas.microsoft.com/office/drawing/2010/main" Requires="a14">
-          <p:sp>
-            <p:nvSpPr>
-              <p:cNvPr id="11" name="テキスト ボックス 10">
-                <a:extLst>
-                  <a:ext uri="{FF2B5EF4-FFF2-40B4-BE49-F238E27FC236}">
-                    <a16:creationId xmlns:a16="http://schemas.microsoft.com/office/drawing/2014/main" id="{851F4E04-0A27-4885-A626-A82CF1749747}"/>
-                  </a:ext>
-                </a:extLst>
-              </p:cNvPr>
-              <p:cNvSpPr txBox="1"/>
-              <p:nvPr/>
-            </p:nvSpPr>
-            <p:spPr>
-              <a:xfrm>
-                <a:off x="9595323" y="4659117"/>
-                <a:ext cx="558871" cy="276999"/>
-              </a:xfrm>
-              <a:prstGeom prst="rect">
-                <a:avLst/>
-              </a:prstGeom>
-              <a:noFill/>
-            </p:spPr>
-            <p:txBody>
-              <a:bodyPr wrap="none" lIns="0" tIns="0" rIns="0" bIns="0" rtlCol="0">
-                <a:spAutoFit/>
-              </a:bodyPr>
-              <a:lstStyle/>
-              <a:p>
-                <a14:m>
-                  <m:oMathPara xmlns:m="http://schemas.openxmlformats.org/officeDocument/2006/math">
-                    <m:oMathParaPr>
-                      <m:jc m:val="centerGroup"/>
-                    </m:oMathParaPr>
-                    <m:oMath xmlns:m="http://schemas.openxmlformats.org/officeDocument/2006/math">
-                      <m:sSub>
-                        <m:sSubPr>
-                          <m:ctrlPr>
-                            <a:rPr kumimoji="1" lang="en-US" altLang="ja-JP" i="1" smtClean="0">
-                              <a:latin typeface="Cambria Math" panose="02040503050406030204" pitchFamily="18" charset="0"/>
-                            </a:rPr>
-                          </m:ctrlPr>
-                        </m:sSubPr>
-                        <m:e>
-                          <m:acc>
-                            <m:accPr>
-                              <m:chr m:val="̃"/>
-                              <m:ctrlPr>
-                                <a:rPr kumimoji="1" lang="en-US" altLang="ja-JP" i="1" smtClean="0">
-                                  <a:latin typeface="Cambria Math" panose="02040503050406030204" pitchFamily="18" charset="0"/>
-                                </a:rPr>
-                              </m:ctrlPr>
-                            </m:accPr>
-                            <m:e>
-                              <m:r>
-                                <a:rPr kumimoji="1" lang="en-US" altLang="ja-JP" b="0" i="1" smtClean="0">
-                                  <a:latin typeface="Cambria Math" panose="02040503050406030204" pitchFamily="18" charset="0"/>
-                                </a:rPr>
-                                <m:t>𝑠</m:t>
-                              </m:r>
-                            </m:e>
-                          </m:acc>
-                        </m:e>
-                        <m:sub>
-                          <m:r>
-                            <a:rPr kumimoji="1" lang="en-US" altLang="ja-JP" b="0" i="1" smtClean="0">
-                              <a:latin typeface="Cambria Math" panose="02040503050406030204" pitchFamily="18" charset="0"/>
-                            </a:rPr>
-                            <m:t>1</m:t>
-                          </m:r>
-                        </m:sub>
-                      </m:sSub>
-                      <m:r>
-                        <a:rPr kumimoji="1" lang="en-US" altLang="ja-JP" b="0" i="1" smtClean="0">
-                          <a:latin typeface="Cambria Math" panose="02040503050406030204" pitchFamily="18" charset="0"/>
-                        </a:rPr>
-                        <m:t>(</m:t>
-                      </m:r>
-                      <m:r>
-                        <a:rPr kumimoji="1" lang="en-US" altLang="ja-JP" b="0" i="1" smtClean="0">
-                          <a:latin typeface="Cambria Math" panose="02040503050406030204" pitchFamily="18" charset="0"/>
-                        </a:rPr>
-                        <m:t>𝑡</m:t>
-                      </m:r>
-                      <m:r>
-                        <a:rPr kumimoji="1" lang="en-US" altLang="ja-JP" b="0" i="1" smtClean="0">
-                          <a:latin typeface="Cambria Math" panose="02040503050406030204" pitchFamily="18" charset="0"/>
-                        </a:rPr>
-                        <m:t>)</m:t>
-                      </m:r>
-                    </m:oMath>
-                  </m:oMathPara>
-                </a14:m>
-                <a:endParaRPr kumimoji="1" lang="ja-JP" altLang="en-US" dirty="0"/>
-              </a:p>
-            </p:txBody>
-          </p:sp>
-        </mc:Choice>
-        <mc:Fallback>
-          <p:sp>
-            <p:nvSpPr>
-              <p:cNvPr id="11" name="テキスト ボックス 10">
-                <a:extLst>
-                  <a:ext uri="{FF2B5EF4-FFF2-40B4-BE49-F238E27FC236}">
-                    <a16:creationId xmlns:a16="http://schemas.microsoft.com/office/drawing/2014/main" id="{851F4E04-0A27-4885-A626-A82CF1749747}"/>
-                  </a:ext>
-                </a:extLst>
-              </p:cNvPr>
-              <p:cNvSpPr txBox="1">
-                <a:spLocks noRot="1" noChangeAspect="1" noMove="1" noResize="1" noEditPoints="1" noAdjustHandles="1" noChangeArrowheads="1" noChangeShapeType="1" noTextEdit="1"/>
-              </p:cNvSpPr>
-              <p:nvPr/>
-            </p:nvSpPr>
-            <p:spPr>
-              <a:xfrm>
-                <a:off x="9595323" y="4659117"/>
-                <a:ext cx="558871" cy="276999"/>
-              </a:xfrm>
-              <a:prstGeom prst="rect">
-                <a:avLst/>
-              </a:prstGeom>
-              <a:blipFill>
-                <a:blip r:embed="rId24"/>
-                <a:stretch>
-                  <a:fillRect l="-4348" t="-2174" r="-13043" b="-32609"/>
-                </a:stretch>
-              </a:blipFill>
-            </p:spPr>
-            <p:txBody>
-              <a:bodyPr/>
-              <a:lstStyle/>
-              <a:p>
-                <a:r>
-                  <a:rPr lang="ja-JP" altLang="en-US">
-                    <a:noFill/>
-                  </a:rPr>
-                  <a:t> </a:t>
-                </a:r>
-              </a:p>
-            </p:txBody>
-          </p:sp>
-        </mc:Fallback>
-      </mc:AlternateContent>
-      <mc:AlternateContent xmlns:mc="http://schemas.openxmlformats.org/markup-compatibility/2006">
-        <mc:Choice xmlns:a14="http://schemas.microsoft.com/office/drawing/2010/main" Requires="a14">
-          <p:sp>
-            <p:nvSpPr>
-              <p:cNvPr id="25" name="テキスト ボックス 24">
-                <a:extLst>
-                  <a:ext uri="{FF2B5EF4-FFF2-40B4-BE49-F238E27FC236}">
-                    <a16:creationId xmlns:a16="http://schemas.microsoft.com/office/drawing/2014/main" id="{32755378-7238-41BE-AA04-E14BB4EF99A6}"/>
-                  </a:ext>
-                </a:extLst>
-              </p:cNvPr>
-              <p:cNvSpPr txBox="1"/>
-              <p:nvPr/>
-            </p:nvSpPr>
-            <p:spPr>
-              <a:xfrm>
-                <a:off x="9595323" y="5412109"/>
-                <a:ext cx="564193" cy="276999"/>
-              </a:xfrm>
-              <a:prstGeom prst="rect">
-                <a:avLst/>
-              </a:prstGeom>
-              <a:noFill/>
-            </p:spPr>
-            <p:txBody>
-              <a:bodyPr wrap="square" lIns="0" tIns="0" rIns="0" bIns="0" rtlCol="0">
-                <a:spAutoFit/>
-              </a:bodyPr>
-              <a:lstStyle/>
-              <a:p>
-                <a14:m>
-                  <m:oMathPara xmlns:m="http://schemas.openxmlformats.org/officeDocument/2006/math">
-                    <m:oMathParaPr>
-                      <m:jc m:val="centerGroup"/>
-                    </m:oMathParaPr>
-                    <m:oMath xmlns:m="http://schemas.openxmlformats.org/officeDocument/2006/math">
-                      <m:sSub>
-                        <m:sSubPr>
-                          <m:ctrlPr>
-                            <a:rPr kumimoji="1" lang="en-US" altLang="ja-JP" i="1" smtClean="0">
-                              <a:latin typeface="Cambria Math" panose="02040503050406030204" pitchFamily="18" charset="0"/>
-                            </a:rPr>
-                          </m:ctrlPr>
-                        </m:sSubPr>
-                        <m:e>
-                          <m:acc>
-                            <m:accPr>
-                              <m:chr m:val="̃"/>
-                              <m:ctrlPr>
-                                <a:rPr kumimoji="1" lang="en-US" altLang="ja-JP" i="1" smtClean="0">
-                                  <a:latin typeface="Cambria Math" panose="02040503050406030204" pitchFamily="18" charset="0"/>
-                                </a:rPr>
-                              </m:ctrlPr>
-                            </m:accPr>
-                            <m:e>
-                              <m:r>
-                                <a:rPr kumimoji="1" lang="en-US" altLang="ja-JP" b="0" i="1" smtClean="0">
-                                  <a:latin typeface="Cambria Math" panose="02040503050406030204" pitchFamily="18" charset="0"/>
-                                </a:rPr>
-                                <m:t>𝑠</m:t>
-                              </m:r>
-                            </m:e>
-                          </m:acc>
-                        </m:e>
-                        <m:sub>
-                          <m:r>
-                            <a:rPr kumimoji="1" lang="en-US" altLang="ja-JP" b="0" i="1" smtClean="0">
-                              <a:latin typeface="Cambria Math" panose="02040503050406030204" pitchFamily="18" charset="0"/>
-                            </a:rPr>
-                            <m:t>2</m:t>
-                          </m:r>
-                        </m:sub>
-                      </m:sSub>
-                      <m:r>
-                        <a:rPr kumimoji="1" lang="en-US" altLang="ja-JP" b="0" i="1" smtClean="0">
-                          <a:latin typeface="Cambria Math" panose="02040503050406030204" pitchFamily="18" charset="0"/>
-                        </a:rPr>
-                        <m:t>(</m:t>
-                      </m:r>
-                      <m:r>
-                        <a:rPr kumimoji="1" lang="en-US" altLang="ja-JP" b="0" i="1" smtClean="0">
-                          <a:latin typeface="Cambria Math" panose="02040503050406030204" pitchFamily="18" charset="0"/>
-                        </a:rPr>
-                        <m:t>𝑡</m:t>
-                      </m:r>
-                      <m:r>
-                        <a:rPr kumimoji="1" lang="en-US" altLang="ja-JP" b="0" i="1" smtClean="0">
-                          <a:latin typeface="Cambria Math" panose="02040503050406030204" pitchFamily="18" charset="0"/>
-                        </a:rPr>
-                        <m:t>)</m:t>
-                      </m:r>
-                    </m:oMath>
-                  </m:oMathPara>
-                </a14:m>
-                <a:endParaRPr kumimoji="1" lang="ja-JP" altLang="en-US" dirty="0"/>
-              </a:p>
-            </p:txBody>
-          </p:sp>
-        </mc:Choice>
-        <mc:Fallback>
-          <p:sp>
-            <p:nvSpPr>
-              <p:cNvPr id="25" name="テキスト ボックス 24">
-                <a:extLst>
-                  <a:ext uri="{FF2B5EF4-FFF2-40B4-BE49-F238E27FC236}">
-                    <a16:creationId xmlns:a16="http://schemas.microsoft.com/office/drawing/2014/main" id="{32755378-7238-41BE-AA04-E14BB4EF99A6}"/>
-                  </a:ext>
-                </a:extLst>
-              </p:cNvPr>
-              <p:cNvSpPr txBox="1">
-                <a:spLocks noRot="1" noChangeAspect="1" noMove="1" noResize="1" noEditPoints="1" noAdjustHandles="1" noChangeArrowheads="1" noChangeShapeType="1" noTextEdit="1"/>
-              </p:cNvSpPr>
-              <p:nvPr/>
-            </p:nvSpPr>
-            <p:spPr>
-              <a:xfrm>
-                <a:off x="9595323" y="5412109"/>
-                <a:ext cx="564193" cy="276999"/>
-              </a:xfrm>
-              <a:prstGeom prst="rect">
-                <a:avLst/>
-              </a:prstGeom>
-              <a:blipFill>
-                <a:blip r:embed="rId25"/>
-                <a:stretch>
-                  <a:fillRect l="-4301" t="-4444" r="-12903" b="-35556"/>
-                </a:stretch>
-              </a:blipFill>
-            </p:spPr>
-            <p:txBody>
-              <a:bodyPr/>
-              <a:lstStyle/>
-              <a:p>
-                <a:r>
-                  <a:rPr lang="ja-JP" altLang="en-US">
-                    <a:noFill/>
-                  </a:rPr>
-                  <a:t> </a:t>
-                </a:r>
-              </a:p>
-            </p:txBody>
-          </p:sp>
-        </mc:Fallback>
-      </mc:AlternateContent>
-      <mc:AlternateContent xmlns:mc="http://schemas.openxmlformats.org/markup-compatibility/2006">
-        <mc:Choice xmlns:a14="http://schemas.microsoft.com/office/drawing/2010/main" Requires="a14">
-          <p:sp>
-            <p:nvSpPr>
-              <p:cNvPr id="13" name="テキスト ボックス 12">
-                <a:extLst>
-                  <a:ext uri="{FF2B5EF4-FFF2-40B4-BE49-F238E27FC236}">
-                    <a16:creationId xmlns:a16="http://schemas.microsoft.com/office/drawing/2014/main" id="{D57431D4-1810-47ED-9A81-89C2A85787E8}"/>
-                  </a:ext>
-                </a:extLst>
-              </p:cNvPr>
-              <p:cNvSpPr txBox="1"/>
-              <p:nvPr/>
-            </p:nvSpPr>
-            <p:spPr>
-              <a:xfrm>
-                <a:off x="7837773" y="4536006"/>
-                <a:ext cx="579967" cy="276999"/>
-              </a:xfrm>
-              <a:prstGeom prst="rect">
-                <a:avLst/>
-              </a:prstGeom>
-              <a:noFill/>
-            </p:spPr>
-            <p:txBody>
-              <a:bodyPr wrap="none" lIns="0" tIns="0" rIns="0" bIns="0" rtlCol="0">
-                <a:spAutoFit/>
-              </a:bodyPr>
-              <a:lstStyle/>
-              <a:p>
-                <a14:m>
-                  <m:oMathPara xmlns:m="http://schemas.openxmlformats.org/officeDocument/2006/math">
-                    <m:oMathParaPr>
-                      <m:jc m:val="centerGroup"/>
-                    </m:oMathParaPr>
-                    <m:oMath xmlns:m="http://schemas.openxmlformats.org/officeDocument/2006/math">
-                      <m:sSub>
-                        <m:sSubPr>
-                          <m:ctrlPr>
-                            <a:rPr kumimoji="1" lang="en-US" altLang="ja-JP" i="1" smtClean="0">
-                              <a:latin typeface="Cambria Math" panose="02040503050406030204" pitchFamily="18" charset="0"/>
-                            </a:rPr>
-                          </m:ctrlPr>
-                        </m:sSubPr>
-                        <m:e>
-                          <m:r>
-                            <a:rPr kumimoji="1" lang="en-US" altLang="ja-JP" b="0" i="1" smtClean="0">
-                              <a:latin typeface="Cambria Math" panose="02040503050406030204" pitchFamily="18" charset="0"/>
-                            </a:rPr>
-                            <m:t>𝑦</m:t>
-                          </m:r>
-                        </m:e>
-                        <m:sub>
-                          <m:r>
-                            <a:rPr kumimoji="1" lang="en-US" altLang="ja-JP" b="0" i="1" smtClean="0">
-                              <a:latin typeface="Cambria Math" panose="02040503050406030204" pitchFamily="18" charset="0"/>
-                            </a:rPr>
-                            <m:t>1</m:t>
-                          </m:r>
-                        </m:sub>
-                      </m:sSub>
-                      <m:r>
-                        <a:rPr kumimoji="1" lang="en-US" altLang="ja-JP" b="0" i="1" smtClean="0">
-                          <a:latin typeface="Cambria Math" panose="02040503050406030204" pitchFamily="18" charset="0"/>
-                        </a:rPr>
-                        <m:t>(</m:t>
-                      </m:r>
-                      <m:r>
-                        <a:rPr kumimoji="1" lang="en-US" altLang="ja-JP" b="0" i="1" smtClean="0">
-                          <a:latin typeface="Cambria Math" panose="02040503050406030204" pitchFamily="18" charset="0"/>
-                        </a:rPr>
-                        <m:t>𝑡</m:t>
-                      </m:r>
-                      <m:r>
-                        <a:rPr kumimoji="1" lang="en-US" altLang="ja-JP" b="0" i="1" smtClean="0">
-                          <a:latin typeface="Cambria Math" panose="02040503050406030204" pitchFamily="18" charset="0"/>
-                        </a:rPr>
-                        <m:t>)</m:t>
-                      </m:r>
-                    </m:oMath>
-                  </m:oMathPara>
-                </a14:m>
-                <a:endParaRPr kumimoji="1" lang="ja-JP" altLang="en-US" dirty="0"/>
-              </a:p>
-            </p:txBody>
-          </p:sp>
-        </mc:Choice>
-        <mc:Fallback>
-          <p:sp>
-            <p:nvSpPr>
-              <p:cNvPr id="13" name="テキスト ボックス 12">
-                <a:extLst>
-                  <a:ext uri="{FF2B5EF4-FFF2-40B4-BE49-F238E27FC236}">
-                    <a16:creationId xmlns:a16="http://schemas.microsoft.com/office/drawing/2014/main" id="{D57431D4-1810-47ED-9A81-89C2A85787E8}"/>
-                  </a:ext>
-                </a:extLst>
-              </p:cNvPr>
-              <p:cNvSpPr txBox="1">
-                <a:spLocks noRot="1" noChangeAspect="1" noMove="1" noResize="1" noEditPoints="1" noAdjustHandles="1" noChangeArrowheads="1" noChangeShapeType="1" noTextEdit="1"/>
-              </p:cNvSpPr>
-              <p:nvPr/>
-            </p:nvSpPr>
-            <p:spPr>
-              <a:xfrm>
-                <a:off x="7837773" y="4536006"/>
-                <a:ext cx="579967" cy="276999"/>
-              </a:xfrm>
-              <a:prstGeom prst="rect">
-                <a:avLst/>
-              </a:prstGeom>
-              <a:blipFill>
-                <a:blip r:embed="rId26"/>
-                <a:stretch>
-                  <a:fillRect l="-8421" t="-2174" r="-13684" b="-32609"/>
-                </a:stretch>
-              </a:blipFill>
-            </p:spPr>
-            <p:txBody>
-              <a:bodyPr/>
-              <a:lstStyle/>
-              <a:p>
-                <a:r>
-                  <a:rPr lang="ja-JP" altLang="en-US">
-                    <a:noFill/>
-                  </a:rPr>
-                  <a:t> </a:t>
-                </a:r>
-              </a:p>
-            </p:txBody>
-          </p:sp>
-        </mc:Fallback>
-      </mc:AlternateContent>
-      <mc:AlternateContent xmlns:mc="http://schemas.openxmlformats.org/markup-compatibility/2006">
-        <mc:Choice xmlns:a14="http://schemas.microsoft.com/office/drawing/2010/main" Requires="a14">
-          <p:sp>
-            <p:nvSpPr>
-              <p:cNvPr id="26" name="テキスト ボックス 25">
-                <a:extLst>
-                  <a:ext uri="{FF2B5EF4-FFF2-40B4-BE49-F238E27FC236}">
-                    <a16:creationId xmlns:a16="http://schemas.microsoft.com/office/drawing/2014/main" id="{5F7F9D46-818A-46B7-B451-BA0EDC0F0458}"/>
-                  </a:ext>
-                </a:extLst>
-              </p:cNvPr>
-              <p:cNvSpPr txBox="1"/>
-              <p:nvPr/>
-            </p:nvSpPr>
-            <p:spPr>
-              <a:xfrm>
-                <a:off x="8215629" y="4901242"/>
-                <a:ext cx="585288" cy="276999"/>
-              </a:xfrm>
-              <a:prstGeom prst="rect">
-                <a:avLst/>
-              </a:prstGeom>
-              <a:noFill/>
-            </p:spPr>
-            <p:txBody>
-              <a:bodyPr wrap="none" lIns="0" tIns="0" rIns="0" bIns="0" rtlCol="0">
-                <a:spAutoFit/>
-              </a:bodyPr>
-              <a:lstStyle/>
-              <a:p>
-                <a14:m>
-                  <m:oMathPara xmlns:m="http://schemas.openxmlformats.org/officeDocument/2006/math">
-                    <m:oMathParaPr>
-                      <m:jc m:val="centerGroup"/>
-                    </m:oMathParaPr>
-                    <m:oMath xmlns:m="http://schemas.openxmlformats.org/officeDocument/2006/math">
-                      <m:sSub>
-                        <m:sSubPr>
-                          <m:ctrlPr>
-                            <a:rPr kumimoji="1" lang="en-US" altLang="ja-JP" i="1" smtClean="0">
-                              <a:latin typeface="Cambria Math" panose="02040503050406030204" pitchFamily="18" charset="0"/>
-                            </a:rPr>
-                          </m:ctrlPr>
-                        </m:sSubPr>
-                        <m:e>
-                          <m:r>
-                            <a:rPr kumimoji="1" lang="en-US" altLang="ja-JP" b="0" i="1" smtClean="0">
-                              <a:latin typeface="Cambria Math" panose="02040503050406030204" pitchFamily="18" charset="0"/>
-                            </a:rPr>
-                            <m:t>𝑦</m:t>
-                          </m:r>
-                        </m:e>
-                        <m:sub>
-                          <m:r>
-                            <a:rPr kumimoji="1" lang="en-US" altLang="ja-JP" b="0" i="1" smtClean="0">
-                              <a:latin typeface="Cambria Math" panose="02040503050406030204" pitchFamily="18" charset="0"/>
-                            </a:rPr>
-                            <m:t>2</m:t>
-                          </m:r>
-                        </m:sub>
-                      </m:sSub>
-                      <m:r>
-                        <a:rPr kumimoji="1" lang="en-US" altLang="ja-JP" b="0" i="1" smtClean="0">
-                          <a:latin typeface="Cambria Math" panose="02040503050406030204" pitchFamily="18" charset="0"/>
-                        </a:rPr>
-                        <m:t>(</m:t>
-                      </m:r>
-                      <m:r>
-                        <a:rPr kumimoji="1" lang="en-US" altLang="ja-JP" b="0" i="1" smtClean="0">
-                          <a:latin typeface="Cambria Math" panose="02040503050406030204" pitchFamily="18" charset="0"/>
-                        </a:rPr>
-                        <m:t>𝑡</m:t>
-                      </m:r>
-                      <m:r>
-                        <a:rPr kumimoji="1" lang="en-US" altLang="ja-JP" b="0" i="1" smtClean="0">
-                          <a:latin typeface="Cambria Math" panose="02040503050406030204" pitchFamily="18" charset="0"/>
-                        </a:rPr>
-                        <m:t>)</m:t>
-                      </m:r>
-                    </m:oMath>
-                  </m:oMathPara>
-                </a14:m>
-                <a:endParaRPr kumimoji="1" lang="ja-JP" altLang="en-US" dirty="0"/>
-              </a:p>
-            </p:txBody>
-          </p:sp>
-        </mc:Choice>
-        <mc:Fallback>
-          <p:sp>
-            <p:nvSpPr>
-              <p:cNvPr id="26" name="テキスト ボックス 25">
-                <a:extLst>
-                  <a:ext uri="{FF2B5EF4-FFF2-40B4-BE49-F238E27FC236}">
-                    <a16:creationId xmlns:a16="http://schemas.microsoft.com/office/drawing/2014/main" id="{5F7F9D46-818A-46B7-B451-BA0EDC0F0458}"/>
-                  </a:ext>
-                </a:extLst>
-              </p:cNvPr>
-              <p:cNvSpPr txBox="1">
-                <a:spLocks noRot="1" noChangeAspect="1" noMove="1" noResize="1" noEditPoints="1" noAdjustHandles="1" noChangeArrowheads="1" noChangeShapeType="1" noTextEdit="1"/>
-              </p:cNvSpPr>
-              <p:nvPr/>
-            </p:nvSpPr>
-            <p:spPr>
-              <a:xfrm>
-                <a:off x="8215629" y="4901242"/>
-                <a:ext cx="585288" cy="276999"/>
-              </a:xfrm>
-              <a:prstGeom prst="rect">
-                <a:avLst/>
-              </a:prstGeom>
-              <a:blipFill>
-                <a:blip r:embed="rId27"/>
-                <a:stretch>
-                  <a:fillRect l="-8333" t="-2222" r="-13542" b="-35556"/>
-                </a:stretch>
-              </a:blipFill>
-            </p:spPr>
-            <p:txBody>
-              <a:bodyPr/>
-              <a:lstStyle/>
-              <a:p>
-                <a:r>
-                  <a:rPr lang="ja-JP" altLang="en-US">
-                    <a:noFill/>
-                  </a:rPr>
-                  <a:t> </a:t>
-                </a:r>
-              </a:p>
-            </p:txBody>
-          </p:sp>
-        </mc:Fallback>
-      </mc:AlternateContent>
-    </p:spTree>
-    <p:extLst>
-      <p:ext uri="{BB962C8B-B14F-4D97-AF65-F5344CB8AC3E}">
-        <p14:creationId xmlns:p14="http://schemas.microsoft.com/office/powerpoint/2010/main" val="2100741056"/>
-      </p:ext>
-    </p:extLst>
-  </p:cSld>
-  <p:clrMapOvr>
-    <a:masterClrMapping/>
-  </p:clrMapOvr>
-</p:sld>
-</file>
-
-<file path=ppt/slides/slide5.xml><?xml version="1.0" encoding="utf-8"?>
-<p:sld xmlns:a="http://schemas.openxmlformats.org/drawingml/2006/main" xmlns:r="http://schemas.openxmlformats.org/officeDocument/2006/relationships" xmlns:p="http://schemas.openxmlformats.org/presentationml/2006/main">
-  <p:cSld>
-    <p:spTree>
-      <p:nvGrpSpPr>
-        <p:cNvPr id="1" name=""/>
-        <p:cNvGrpSpPr/>
-        <p:nvPr/>
-      </p:nvGrpSpPr>
-      <p:grpSpPr>
-        <a:xfrm>
-          <a:off x="0" y="0"/>
-          <a:ext cx="0" cy="0"/>
-          <a:chOff x="0" y="0"/>
-          <a:chExt cx="0" cy="0"/>
-        </a:xfrm>
-      </p:grpSpPr>
       <p:pic>
         <p:nvPicPr>
           <p:cNvPr id="3" name="図 2" descr="\documentclass{jsarticle}&#10;\usepackage{amsmath}&#10;\usepackage[T1]{fontenc}&#10;\usepackage{lmodern}&#10;\pagestyle{empty}&#10;&#10;\begin{document}&#10;%\begin{align*}&#10;%\end{align*}&#10;\begin{align*}&#10;  H &amp;= UDV^H\\&#10;    &amp;=&#10;    \begin{bmatrix}&#10;      u_1 &amp; u_2&#10;    \end{bmatrix}&#10;    \begin{bmatrix}&#10;      \sqrt{\lambda_1} &amp; 0\\&#10;      0 &amp; \sqrt{\lambda_2}&#10;    \end{bmatrix}&#10;    \begin{bmatrix}&#10;      v_1 &amp; v_2&#10;    \end{bmatrix}^H&#10;\end{align*}&#10;\end{document}" title="IguanaTex Bitmap Display">
@@ -12151,7 +10342,7 @@
         </p:blipFill>
         <p:spPr>
           <a:xfrm>
-            <a:off x="1141496" y="1640069"/>
+            <a:off x="1091490" y="2068694"/>
             <a:ext cx="9796361" cy="2442867"/>
           </a:xfrm>
           <a:prstGeom prst="rect">
@@ -12365,6 +10556,44 @@
           </p:spPr>
         </p:pic>
       </p:grpSp>
+      <p:sp>
+        <p:nvSpPr>
+          <p:cNvPr id="14" name="テキスト ボックス 13">
+            <a:extLst>
+              <a:ext uri="{FF2B5EF4-FFF2-40B4-BE49-F238E27FC236}">
+                <a16:creationId xmlns:a16="http://schemas.microsoft.com/office/drawing/2014/main" id="{74AD1DA4-786E-D79A-6474-F510558DBB55}"/>
+              </a:ext>
+            </a:extLst>
+          </p:cNvPr>
+          <p:cNvSpPr txBox="1"/>
+          <p:nvPr/>
+        </p:nvSpPr>
+        <p:spPr>
+          <a:xfrm flipH="1">
+            <a:off x="772897" y="5235332"/>
+            <a:ext cx="6583818" cy="461665"/>
+          </a:xfrm>
+          <a:prstGeom prst="rect">
+            <a:avLst/>
+          </a:prstGeom>
+          <a:noFill/>
+        </p:spPr>
+        <p:txBody>
+          <a:bodyPr wrap="square" rtlCol="0">
+            <a:spAutoFit/>
+          </a:bodyPr>
+          <a:lstStyle/>
+          <a:p>
+            <a:r>
+              <a:rPr kumimoji="1" lang="ja-JP" altLang="en-US" sz="2400" dirty="0">
+                <a:latin typeface="BIZ UDPゴシック" panose="020B0400000000000000" pitchFamily="50" charset="-128"/>
+                <a:ea typeface="BIZ UDPゴシック" panose="020B0400000000000000" pitchFamily="50" charset="-128"/>
+              </a:rPr>
+              <a:t>となる</a:t>
+            </a:r>
+          </a:p>
+        </p:txBody>
+      </p:sp>
     </p:spTree>
     <p:extLst>
       <p:ext uri="{BB962C8B-B14F-4D97-AF65-F5344CB8AC3E}">
@@ -12378,7 +10607,2452 @@
 </p:sld>
 </file>
 
+<file path=ppt/slides/slide5.xml><?xml version="1.0" encoding="utf-8"?>
+<p:sld xmlns:a="http://schemas.openxmlformats.org/drawingml/2006/main" xmlns:r="http://schemas.openxmlformats.org/officeDocument/2006/relationships" xmlns:p="http://schemas.openxmlformats.org/presentationml/2006/main">
+  <p:cSld>
+    <p:spTree>
+      <p:nvGrpSpPr>
+        <p:cNvPr id="1" name=""/>
+        <p:cNvGrpSpPr/>
+        <p:nvPr/>
+      </p:nvGrpSpPr>
+      <p:grpSpPr>
+        <a:xfrm>
+          <a:off x="0" y="0"/>
+          <a:ext cx="0" cy="0"/>
+          <a:chOff x="0" y="0"/>
+          <a:chExt cx="0" cy="0"/>
+        </a:xfrm>
+      </p:grpSpPr>
+      <p:pic>
+        <p:nvPicPr>
+          <p:cNvPr id="4" name="図 3" descr="\documentclass{jsarticle}&#10;\usepackage{amsmath}&#10;\usepackage[T1]{fontenc}&#10;\usepackage{lmodern}&#10;\pagestyle{empty}&#10;&#10;\begin{document}&#10;%\begin{align*}&#10;%\end{align*}&#10;\begin{equation*}&#10;  U^H =&#10;  \begin{bmatrix}&#10;    u_1 &amp; u_2&#10;  \end{bmatrix}^H&#10;\end{equation*}&#10;\end{document}" title="IguanaTex Bitmap Display">
+            <a:extLst>
+              <a:ext uri="{FF2B5EF4-FFF2-40B4-BE49-F238E27FC236}">
+                <a16:creationId xmlns:a16="http://schemas.microsoft.com/office/drawing/2014/main" id="{376ED844-D8B8-277C-AAAE-76FC48A8B501}"/>
+              </a:ext>
+            </a:extLst>
+          </p:cNvPr>
+          <p:cNvPicPr>
+            <a:picLocks noChangeAspect="1"/>
+          </p:cNvPicPr>
+          <p:nvPr>
+            <p:custDataLst>
+              <p:tags r:id="rId1"/>
+            </p:custDataLst>
+          </p:nvPr>
+        </p:nvPicPr>
+        <p:blipFill>
+          <a:blip r:embed="rId5">
+            <a:extLst>
+              <a:ext uri="{28A0092B-C50C-407E-A947-70E740481C1C}">
+                <a14:useLocalDpi xmlns:a14="http://schemas.microsoft.com/office/drawing/2010/main" val="0"/>
+              </a:ext>
+            </a:extLst>
+          </a:blip>
+          <a:stretch>
+            <a:fillRect/>
+          </a:stretch>
+        </p:blipFill>
+        <p:spPr>
+          <a:xfrm>
+            <a:off x="984508" y="1245235"/>
+            <a:ext cx="5468181" cy="1074905"/>
+          </a:xfrm>
+          <a:prstGeom prst="rect">
+            <a:avLst/>
+          </a:prstGeom>
+        </p:spPr>
+      </p:pic>
+      <p:pic>
+        <p:nvPicPr>
+          <p:cNvPr id="5" name="図 4" descr="\documentclass{jsarticle}&#10;\usepackage{amsmath}&#10;\usepackage[T1]{fontenc}&#10;\usepackage{lmodern}&#10;\pagestyle{empty}&#10;&#10;\begin{document}&#10;%\begin{align*}&#10;%\end{align*}&#10;\begin{equation*}&#10;  V =&#10;  \begin{bmatrix}&#10;    v_1 &amp; v_2&#10;  \end{bmatrix}&#10;\end{equation*}&#10;&#10;\end{document}" title="IguanaTex Bitmap Display">
+            <a:extLst>
+              <a:ext uri="{FF2B5EF4-FFF2-40B4-BE49-F238E27FC236}">
+                <a16:creationId xmlns:a16="http://schemas.microsoft.com/office/drawing/2014/main" id="{32672747-9B40-B10F-8DB1-A1815868E5AB}"/>
+              </a:ext>
+            </a:extLst>
+          </p:cNvPr>
+          <p:cNvPicPr>
+            <a:picLocks noChangeAspect="1"/>
+          </p:cNvPicPr>
+          <p:nvPr>
+            <p:custDataLst>
+              <p:tags r:id="rId2"/>
+            </p:custDataLst>
+          </p:nvPr>
+        </p:nvPicPr>
+        <p:blipFill>
+          <a:blip r:embed="rId6">
+            <a:extLst>
+              <a:ext uri="{28A0092B-C50C-407E-A947-70E740481C1C}">
+                <a14:useLocalDpi xmlns:a14="http://schemas.microsoft.com/office/drawing/2010/main" val="0"/>
+              </a:ext>
+            </a:extLst>
+          </a:blip>
+          <a:stretch>
+            <a:fillRect/>
+          </a:stretch>
+        </p:blipFill>
+        <p:spPr>
+          <a:xfrm>
+            <a:off x="1048802" y="2964877"/>
+            <a:ext cx="4252553" cy="928246"/>
+          </a:xfrm>
+          <a:prstGeom prst="rect">
+            <a:avLst/>
+          </a:prstGeom>
+        </p:spPr>
+      </p:pic>
+      <p:pic>
+        <p:nvPicPr>
+          <p:cNvPr id="6" name="図 5" descr="\documentclass{jsarticle}&#10;\usepackage{amsmath}&#10;\usepackage[T1]{fontenc}&#10;\usepackage{lmodern}&#10;\pagestyle{empty}&#10;&#10;\begin{document}&#10;%\begin{align*}&#10;%\end{align*}&#10;$\sqrt{\lambda_1},\sqrt{\lambda_2}$&#10;\end{document}" title="IguanaTex Bitmap Display">
+            <a:extLst>
+              <a:ext uri="{FF2B5EF4-FFF2-40B4-BE49-F238E27FC236}">
+                <a16:creationId xmlns:a16="http://schemas.microsoft.com/office/drawing/2014/main" id="{006087C7-093D-CBCB-07F6-859269C6EDC1}"/>
+              </a:ext>
+            </a:extLst>
+          </p:cNvPr>
+          <p:cNvPicPr>
+            <a:picLocks noChangeAspect="1"/>
+          </p:cNvPicPr>
+          <p:nvPr>
+            <p:custDataLst>
+              <p:tags r:id="rId3"/>
+            </p:custDataLst>
+          </p:nvPr>
+        </p:nvPicPr>
+        <p:blipFill>
+          <a:blip r:embed="rId7">
+            <a:extLst>
+              <a:ext uri="{28A0092B-C50C-407E-A947-70E740481C1C}">
+                <a14:useLocalDpi xmlns:a14="http://schemas.microsoft.com/office/drawing/2010/main" val="0"/>
+              </a:ext>
+            </a:extLst>
+          </a:blip>
+          <a:stretch>
+            <a:fillRect/>
+          </a:stretch>
+        </p:blipFill>
+        <p:spPr>
+          <a:xfrm>
+            <a:off x="984508" y="4688668"/>
+            <a:ext cx="3701792" cy="924097"/>
+          </a:xfrm>
+          <a:prstGeom prst="rect">
+            <a:avLst/>
+          </a:prstGeom>
+        </p:spPr>
+      </p:pic>
+      <p:sp>
+        <p:nvSpPr>
+          <p:cNvPr id="7" name="テキスト ボックス 6">
+            <a:extLst>
+              <a:ext uri="{FF2B5EF4-FFF2-40B4-BE49-F238E27FC236}">
+                <a16:creationId xmlns:a16="http://schemas.microsoft.com/office/drawing/2014/main" id="{0A483CDC-5375-CF46-C21D-D1124718DC0B}"/>
+              </a:ext>
+            </a:extLst>
+          </p:cNvPr>
+          <p:cNvSpPr txBox="1"/>
+          <p:nvPr/>
+        </p:nvSpPr>
+        <p:spPr>
+          <a:xfrm>
+            <a:off x="0" y="70686"/>
+            <a:ext cx="13501314" cy="646331"/>
+          </a:xfrm>
+          <a:prstGeom prst="rect">
+            <a:avLst/>
+          </a:prstGeom>
+          <a:noFill/>
+        </p:spPr>
+        <p:txBody>
+          <a:bodyPr wrap="square" rtlCol="0">
+            <a:spAutoFit/>
+          </a:bodyPr>
+          <a:lstStyle/>
+          <a:p>
+            <a:r>
+              <a:rPr lang="ja-JP" altLang="en-US" sz="3600" b="1" dirty="0">
+                <a:latin typeface="BIZ UDPゴシック" panose="020B0400000000000000" pitchFamily="50" charset="-128"/>
+                <a:ea typeface="BIZ UDPゴシック" panose="020B0400000000000000" pitchFamily="50" charset="-128"/>
+              </a:rPr>
+              <a:t>固有モード伝送</a:t>
+            </a:r>
+            <a:r>
+              <a:rPr lang="en-US" altLang="ja-JP" sz="3600" b="1" dirty="0">
+                <a:latin typeface="BIZ UDPゴシック" panose="020B0400000000000000" pitchFamily="50" charset="-128"/>
+                <a:ea typeface="BIZ UDPゴシック" panose="020B0400000000000000" pitchFamily="50" charset="-128"/>
+              </a:rPr>
+              <a:t>(EM-BF : Eigenmode Beamforming)</a:t>
+            </a:r>
+            <a:endParaRPr kumimoji="1" lang="ja-JP" altLang="en-US" sz="3600" b="1" dirty="0">
+              <a:latin typeface="BIZ UDPゴシック" panose="020B0400000000000000" pitchFamily="50" charset="-128"/>
+              <a:ea typeface="BIZ UDPゴシック" panose="020B0400000000000000" pitchFamily="50" charset="-128"/>
+            </a:endParaRPr>
+          </a:p>
+        </p:txBody>
+      </p:sp>
+    </p:spTree>
+    <p:extLst>
+      <p:ext uri="{BB962C8B-B14F-4D97-AF65-F5344CB8AC3E}">
+        <p14:creationId xmlns:p14="http://schemas.microsoft.com/office/powerpoint/2010/main" val="264044345"/>
+      </p:ext>
+    </p:extLst>
+  </p:cSld>
+  <p:clrMapOvr>
+    <a:masterClrMapping/>
+  </p:clrMapOvr>
+</p:sld>
+</file>
+
 <file path=ppt/slides/slide6.xml><?xml version="1.0" encoding="utf-8"?>
+<p:sld xmlns:a="http://schemas.openxmlformats.org/drawingml/2006/main" xmlns:r="http://schemas.openxmlformats.org/officeDocument/2006/relationships" xmlns:p="http://schemas.openxmlformats.org/presentationml/2006/main">
+  <p:cSld>
+    <p:spTree>
+      <p:nvGrpSpPr>
+        <p:cNvPr id="1" name=""/>
+        <p:cNvGrpSpPr/>
+        <p:nvPr/>
+      </p:nvGrpSpPr>
+      <p:grpSpPr>
+        <a:xfrm>
+          <a:off x="0" y="0"/>
+          <a:ext cx="0" cy="0"/>
+          <a:chOff x="0" y="0"/>
+          <a:chExt cx="0" cy="0"/>
+        </a:xfrm>
+      </p:grpSpPr>
+      <p:sp>
+        <p:nvSpPr>
+          <p:cNvPr id="4" name="テキスト ボックス 3">
+            <a:extLst>
+              <a:ext uri="{FF2B5EF4-FFF2-40B4-BE49-F238E27FC236}">
+                <a16:creationId xmlns:a16="http://schemas.microsoft.com/office/drawing/2014/main" id="{79A47DC8-5623-32CB-1412-59A23A9FDAC1}"/>
+              </a:ext>
+            </a:extLst>
+          </p:cNvPr>
+          <p:cNvSpPr txBox="1"/>
+          <p:nvPr/>
+        </p:nvSpPr>
+        <p:spPr>
+          <a:xfrm>
+            <a:off x="0" y="70686"/>
+            <a:ext cx="13501314" cy="646331"/>
+          </a:xfrm>
+          <a:prstGeom prst="rect">
+            <a:avLst/>
+          </a:prstGeom>
+          <a:noFill/>
+        </p:spPr>
+        <p:txBody>
+          <a:bodyPr wrap="square" rtlCol="0">
+            <a:spAutoFit/>
+          </a:bodyPr>
+          <a:lstStyle/>
+          <a:p>
+            <a:r>
+              <a:rPr lang="ja-JP" altLang="en-US" sz="3600" b="1" dirty="0">
+                <a:latin typeface="BIZ UDPゴシック" panose="020B0400000000000000" pitchFamily="50" charset="-128"/>
+                <a:ea typeface="BIZ UDPゴシック" panose="020B0400000000000000" pitchFamily="50" charset="-128"/>
+              </a:rPr>
+              <a:t>固有モード伝送</a:t>
+            </a:r>
+            <a:r>
+              <a:rPr lang="en-US" altLang="ja-JP" sz="3600" b="1" dirty="0">
+                <a:latin typeface="BIZ UDPゴシック" panose="020B0400000000000000" pitchFamily="50" charset="-128"/>
+                <a:ea typeface="BIZ UDPゴシック" panose="020B0400000000000000" pitchFamily="50" charset="-128"/>
+              </a:rPr>
+              <a:t>(EM-BF : Eigenmode Beamforming)</a:t>
+            </a:r>
+            <a:endParaRPr kumimoji="1" lang="ja-JP" altLang="en-US" sz="3600" b="1" dirty="0">
+              <a:latin typeface="BIZ UDPゴシック" panose="020B0400000000000000" pitchFamily="50" charset="-128"/>
+              <a:ea typeface="BIZ UDPゴシック" panose="020B0400000000000000" pitchFamily="50" charset="-128"/>
+            </a:endParaRPr>
+          </a:p>
+        </p:txBody>
+      </p:sp>
+      <p:sp>
+        <p:nvSpPr>
+          <p:cNvPr id="6" name="テキスト ボックス 5">
+            <a:extLst>
+              <a:ext uri="{FF2B5EF4-FFF2-40B4-BE49-F238E27FC236}">
+                <a16:creationId xmlns:a16="http://schemas.microsoft.com/office/drawing/2014/main" id="{3630BCC8-59BB-1F54-623D-8AB85D7513CA}"/>
+              </a:ext>
+            </a:extLst>
+          </p:cNvPr>
+          <p:cNvSpPr txBox="1"/>
+          <p:nvPr/>
+        </p:nvSpPr>
+        <p:spPr>
+          <a:xfrm>
+            <a:off x="466683" y="1088976"/>
+            <a:ext cx="3098048" cy="646331"/>
+          </a:xfrm>
+          <a:prstGeom prst="rect">
+            <a:avLst/>
+          </a:prstGeom>
+          <a:noFill/>
+        </p:spPr>
+        <p:txBody>
+          <a:bodyPr wrap="square" rtlCol="0">
+            <a:spAutoFit/>
+          </a:bodyPr>
+          <a:lstStyle/>
+          <a:p>
+            <a:r>
+              <a:rPr kumimoji="1" lang="ja-JP" altLang="en-US" sz="3600" b="1" dirty="0">
+                <a:latin typeface="BIZ UDPゴシック" panose="020B0400000000000000" pitchFamily="50" charset="-128"/>
+                <a:ea typeface="BIZ UDPゴシック" panose="020B0400000000000000" pitchFamily="50" charset="-128"/>
+              </a:rPr>
+              <a:t>通信フロー</a:t>
+            </a:r>
+          </a:p>
+        </p:txBody>
+      </p:sp>
+      <p:grpSp>
+        <p:nvGrpSpPr>
+          <p:cNvPr id="19" name="グループ化 18">
+            <a:extLst>
+              <a:ext uri="{FF2B5EF4-FFF2-40B4-BE49-F238E27FC236}">
+                <a16:creationId xmlns:a16="http://schemas.microsoft.com/office/drawing/2014/main" id="{A9B1F7E3-47C5-CD6B-6488-B14810CD037F}"/>
+              </a:ext>
+            </a:extLst>
+          </p:cNvPr>
+          <p:cNvGrpSpPr/>
+          <p:nvPr/>
+        </p:nvGrpSpPr>
+        <p:grpSpPr>
+          <a:xfrm>
+            <a:off x="1575582" y="1916964"/>
+            <a:ext cx="9353880" cy="2246769"/>
+            <a:chOff x="1821423" y="1981926"/>
+            <a:chExt cx="8549154" cy="2246769"/>
+          </a:xfrm>
+        </p:grpSpPr>
+        <p:sp>
+          <p:nvSpPr>
+            <p:cNvPr id="7" name="テキスト ボックス 6">
+              <a:extLst>
+                <a:ext uri="{FF2B5EF4-FFF2-40B4-BE49-F238E27FC236}">
+                  <a16:creationId xmlns:a16="http://schemas.microsoft.com/office/drawing/2014/main" id="{005F191A-A314-1957-2837-BC045205815B}"/>
+                </a:ext>
+              </a:extLst>
+            </p:cNvPr>
+            <p:cNvSpPr txBox="1"/>
+            <p:nvPr/>
+          </p:nvSpPr>
+          <p:spPr>
+            <a:xfrm>
+              <a:off x="1821423" y="1981926"/>
+              <a:ext cx="8549154" cy="2246769"/>
+            </a:xfrm>
+            <a:prstGeom prst="rect">
+              <a:avLst/>
+            </a:prstGeom>
+            <a:noFill/>
+          </p:spPr>
+          <p:txBody>
+            <a:bodyPr wrap="square" rtlCol="0">
+              <a:spAutoFit/>
+            </a:bodyPr>
+            <a:lstStyle/>
+            <a:p>
+              <a:pPr marL="285750" indent="-285750">
+                <a:buFont typeface="Arial" panose="020B0604020202020204" pitchFamily="34" charset="0"/>
+                <a:buChar char="•"/>
+              </a:pPr>
+              <a:r>
+                <a:rPr kumimoji="1" lang="ja-JP" altLang="en-US" sz="2000" dirty="0">
+                  <a:latin typeface="BIZ UDPゴシック" panose="020B0400000000000000" pitchFamily="50" charset="-128"/>
+                  <a:ea typeface="BIZ UDPゴシック" panose="020B0400000000000000" pitchFamily="50" charset="-128"/>
+                </a:rPr>
+                <a:t>送信と受信の両方で伝搬チャネル行列　　を推定する</a:t>
+              </a:r>
+              <a:r>
+                <a:rPr kumimoji="1" lang="en-US" altLang="ja-JP" sz="2000" dirty="0">
+                  <a:latin typeface="BIZ UDPゴシック" panose="020B0400000000000000" pitchFamily="50" charset="-128"/>
+                  <a:ea typeface="BIZ UDPゴシック" panose="020B0400000000000000" pitchFamily="50" charset="-128"/>
+                </a:rPr>
+                <a:t>.</a:t>
+              </a:r>
+              <a:r>
+                <a:rPr kumimoji="1" lang="ja-JP" altLang="en-US" sz="2000" dirty="0">
+                  <a:latin typeface="BIZ UDPゴシック" panose="020B0400000000000000" pitchFamily="50" charset="-128"/>
+                  <a:ea typeface="BIZ UDPゴシック" panose="020B0400000000000000" pitchFamily="50" charset="-128"/>
+                </a:rPr>
+                <a:t>受信側では</a:t>
+              </a:r>
+              <a:r>
+                <a:rPr lang="en-US" altLang="ja-JP" sz="2000" dirty="0">
+                  <a:latin typeface="BIZ UDPゴシック" panose="020B0400000000000000" pitchFamily="50" charset="-128"/>
+                  <a:ea typeface="BIZ UDPゴシック" panose="020B0400000000000000" pitchFamily="50" charset="-128"/>
+                </a:rPr>
+                <a:t>,</a:t>
+              </a:r>
+              <a:r>
+                <a:rPr lang="ja-JP" altLang="en-US" sz="2000" dirty="0">
+                  <a:latin typeface="BIZ UDPゴシック" panose="020B0400000000000000" pitchFamily="50" charset="-128"/>
+                  <a:ea typeface="BIZ UDPゴシック" panose="020B0400000000000000" pitchFamily="50" charset="-128"/>
+                </a:rPr>
+                <a:t>ロングプリアンプルを複数回送信されることで推定できる</a:t>
+              </a:r>
+              <a:r>
+                <a:rPr lang="en-US" altLang="ja-JP" sz="2000" dirty="0">
+                  <a:latin typeface="BIZ UDPゴシック" panose="020B0400000000000000" pitchFamily="50" charset="-128"/>
+                  <a:ea typeface="BIZ UDPゴシック" panose="020B0400000000000000" pitchFamily="50" charset="-128"/>
+                </a:rPr>
+                <a:t>.</a:t>
+              </a:r>
+            </a:p>
+            <a:p>
+              <a:pPr marL="285750" indent="-285750">
+                <a:buFont typeface="Arial" panose="020B0604020202020204" pitchFamily="34" charset="0"/>
+                <a:buChar char="•"/>
+              </a:pPr>
+              <a:endParaRPr kumimoji="1" lang="en-US" altLang="ja-JP" sz="2000" dirty="0">
+                <a:latin typeface="BIZ UDPゴシック" panose="020B0400000000000000" pitchFamily="50" charset="-128"/>
+                <a:ea typeface="BIZ UDPゴシック" panose="020B0400000000000000" pitchFamily="50" charset="-128"/>
+              </a:endParaRPr>
+            </a:p>
+            <a:p>
+              <a:pPr marL="285750" indent="-285750">
+                <a:buFont typeface="Arial" panose="020B0604020202020204" pitchFamily="34" charset="0"/>
+                <a:buChar char="•"/>
+              </a:pPr>
+              <a:r>
+                <a:rPr kumimoji="1" lang="ja-JP" altLang="en-US" sz="2000" dirty="0">
+                  <a:latin typeface="BIZ UDPゴシック" panose="020B0400000000000000" pitchFamily="50" charset="-128"/>
+                  <a:ea typeface="BIZ UDPゴシック" panose="020B0400000000000000" pitchFamily="50" charset="-128"/>
+                </a:rPr>
+                <a:t>送信信号を分岐し</a:t>
+              </a:r>
+              <a:r>
+                <a:rPr kumimoji="1" lang="en-US" altLang="ja-JP" sz="2000" dirty="0">
+                  <a:latin typeface="BIZ UDPゴシック" panose="020B0400000000000000" pitchFamily="50" charset="-128"/>
+                  <a:ea typeface="BIZ UDPゴシック" panose="020B0400000000000000" pitchFamily="50" charset="-128"/>
+                </a:rPr>
+                <a:t>,</a:t>
+              </a:r>
+              <a:r>
+                <a:rPr kumimoji="1" lang="ja-JP" altLang="en-US" sz="2000" dirty="0">
+                  <a:latin typeface="BIZ UDPゴシック" panose="020B0400000000000000" pitchFamily="50" charset="-128"/>
+                  <a:ea typeface="BIZ UDPゴシック" panose="020B0400000000000000" pitchFamily="50" charset="-128"/>
+                </a:rPr>
+                <a:t>　　　　　　　 に送信側固有ベクトル　　　  をそれぞれ乗算する</a:t>
+              </a:r>
+              <a:r>
+                <a:rPr kumimoji="1" lang="en-US" altLang="ja-JP" sz="2000" dirty="0">
+                  <a:latin typeface="BIZ UDPゴシック" panose="020B0400000000000000" pitchFamily="50" charset="-128"/>
+                  <a:ea typeface="BIZ UDPゴシック" panose="020B0400000000000000" pitchFamily="50" charset="-128"/>
+                </a:rPr>
+                <a:t>.</a:t>
+              </a:r>
+              <a:r>
+                <a:rPr kumimoji="1" lang="ja-JP" altLang="en-US" sz="2000" dirty="0">
+                  <a:latin typeface="BIZ UDPゴシック" panose="020B0400000000000000" pitchFamily="50" charset="-128"/>
+                  <a:ea typeface="BIZ UDPゴシック" panose="020B0400000000000000" pitchFamily="50" charset="-128"/>
+                </a:rPr>
+                <a:t>その後</a:t>
+              </a:r>
+              <a:r>
+                <a:rPr lang="en-US" altLang="ja-JP" sz="2000" dirty="0">
+                  <a:latin typeface="BIZ UDPゴシック" panose="020B0400000000000000" pitchFamily="50" charset="-128"/>
+                  <a:ea typeface="BIZ UDPゴシック" panose="020B0400000000000000" pitchFamily="50" charset="-128"/>
+                </a:rPr>
+                <a:t>,</a:t>
+              </a:r>
+              <a:r>
+                <a:rPr lang="ja-JP" altLang="en-US" sz="2000" dirty="0">
+                  <a:latin typeface="BIZ UDPゴシック" panose="020B0400000000000000" pitchFamily="50" charset="-128"/>
+                  <a:ea typeface="BIZ UDPゴシック" panose="020B0400000000000000" pitchFamily="50" charset="-128"/>
+                </a:rPr>
+                <a:t>アンテナ素子番号に相当する信号をそれぞれ加算する</a:t>
+              </a:r>
+              <a:r>
+                <a:rPr lang="en-US" altLang="ja-JP" sz="2000" dirty="0">
+                  <a:latin typeface="BIZ UDPゴシック" panose="020B0400000000000000" pitchFamily="50" charset="-128"/>
+                  <a:ea typeface="BIZ UDPゴシック" panose="020B0400000000000000" pitchFamily="50" charset="-128"/>
+                </a:rPr>
+                <a:t>.</a:t>
+              </a:r>
+            </a:p>
+            <a:p>
+              <a:pPr marL="285750" indent="-285750">
+                <a:buFont typeface="Arial" panose="020B0604020202020204" pitchFamily="34" charset="0"/>
+                <a:buChar char="•"/>
+              </a:pPr>
+              <a:endParaRPr kumimoji="1" lang="en-US" altLang="ja-JP" sz="2000" dirty="0">
+                <a:latin typeface="BIZ UDPゴシック" panose="020B0400000000000000" pitchFamily="50" charset="-128"/>
+                <a:ea typeface="BIZ UDPゴシック" panose="020B0400000000000000" pitchFamily="50" charset="-128"/>
+              </a:endParaRPr>
+            </a:p>
+            <a:p>
+              <a:pPr marL="285750" indent="-285750">
+                <a:buFont typeface="Arial" panose="020B0604020202020204" pitchFamily="34" charset="0"/>
+                <a:buChar char="•"/>
+              </a:pPr>
+              <a:r>
+                <a:rPr lang="ja-JP" altLang="en-US" sz="2000" dirty="0">
+                  <a:latin typeface="BIZ UDPゴシック" panose="020B0400000000000000" pitchFamily="50" charset="-128"/>
+                  <a:ea typeface="BIZ UDPゴシック" panose="020B0400000000000000" pitchFamily="50" charset="-128"/>
+                </a:rPr>
+                <a:t>受信信号　　　　　  　</a:t>
+              </a:r>
+              <a:r>
+                <a:rPr lang="en-US" altLang="ja-JP" sz="2000" dirty="0">
+                  <a:latin typeface="BIZ UDPゴシック" panose="020B0400000000000000" pitchFamily="50" charset="-128"/>
+                  <a:ea typeface="BIZ UDPゴシック" panose="020B0400000000000000" pitchFamily="50" charset="-128"/>
+                </a:rPr>
+                <a:t> </a:t>
+              </a:r>
+              <a:r>
+                <a:rPr lang="ja-JP" altLang="en-US" sz="2000" dirty="0">
+                  <a:latin typeface="BIZ UDPゴシック" panose="020B0400000000000000" pitchFamily="50" charset="-128"/>
+                  <a:ea typeface="BIZ UDPゴシック" panose="020B0400000000000000" pitchFamily="50" charset="-128"/>
+                </a:rPr>
+                <a:t>を分岐し</a:t>
+              </a:r>
+              <a:r>
+                <a:rPr lang="en-US" altLang="ja-JP" sz="2000" dirty="0">
+                  <a:latin typeface="BIZ UDPゴシック" panose="020B0400000000000000" pitchFamily="50" charset="-128"/>
+                  <a:ea typeface="BIZ UDPゴシック" panose="020B0400000000000000" pitchFamily="50" charset="-128"/>
+                </a:rPr>
+                <a:t>,</a:t>
+              </a:r>
+              <a:r>
+                <a:rPr lang="ja-JP" altLang="en-US" sz="2000" dirty="0">
+                  <a:latin typeface="BIZ UDPゴシック" panose="020B0400000000000000" pitchFamily="50" charset="-128"/>
+                  <a:ea typeface="BIZ UDPゴシック" panose="020B0400000000000000" pitchFamily="50" charset="-128"/>
+                </a:rPr>
+                <a:t>それぞれに受信側固有ベクトル　　　    を乗算する</a:t>
+              </a:r>
+              <a:endParaRPr kumimoji="1" lang="ja-JP" altLang="en-US" sz="2000" dirty="0">
+                <a:latin typeface="BIZ UDPゴシック" panose="020B0400000000000000" pitchFamily="50" charset="-128"/>
+                <a:ea typeface="BIZ UDPゴシック" panose="020B0400000000000000" pitchFamily="50" charset="-128"/>
+              </a:endParaRPr>
+            </a:p>
+          </p:txBody>
+        </p:sp>
+        <p:pic>
+          <p:nvPicPr>
+            <p:cNvPr id="3" name="図 2" descr="\documentclass{jsarticle}&#10;\usepackage{amsmath}&#10;\usepackage[T1]{fontenc}&#10;\usepackage{lmodern}&#10;\pagestyle{empty}&#10;&#10;\begin{document}&#10;%\begin{align*}&#10;%\end{align*}&#10;$H$&#10;\end{document}" title="IguanaTex Bitmap Display">
+              <a:extLst>
+                <a:ext uri="{FF2B5EF4-FFF2-40B4-BE49-F238E27FC236}">
+                  <a16:creationId xmlns:a16="http://schemas.microsoft.com/office/drawing/2014/main" id="{44472F7F-7E15-DAFF-F65E-F5F46738985F}"/>
+                </a:ext>
+              </a:extLst>
+            </p:cNvPr>
+            <p:cNvPicPr>
+              <a:picLocks noChangeAspect="1"/>
+            </p:cNvPicPr>
+            <p:nvPr>
+              <p:custDataLst>
+                <p:tags r:id="rId2"/>
+              </p:custDataLst>
+            </p:nvPr>
+          </p:nvPicPr>
+          <p:blipFill>
+            <a:blip r:embed="rId9">
+              <a:extLst>
+                <a:ext uri="{28A0092B-C50C-407E-A947-70E740481C1C}">
+                  <a14:useLocalDpi xmlns:a14="http://schemas.microsoft.com/office/drawing/2010/main" val="0"/>
+                </a:ext>
+              </a:extLst>
+            </a:blip>
+            <a:stretch>
+              <a:fillRect/>
+            </a:stretch>
+          </p:blipFill>
+          <p:spPr>
+            <a:xfrm>
+              <a:off x="6056824" y="2106181"/>
+              <a:ext cx="245975" cy="201252"/>
+            </a:xfrm>
+            <a:prstGeom prst="rect">
+              <a:avLst/>
+            </a:prstGeom>
+          </p:spPr>
+        </p:pic>
+        <p:pic>
+          <p:nvPicPr>
+            <p:cNvPr id="9" name="図 8" descr="\documentclass{jsarticle}&#10;\usepackage{amsmath}&#10;\usepackage[T1]{fontenc}&#10;\usepackage{lmodern}&#10;\pagestyle{empty}&#10;&#10;\begin{document}&#10;%\begin{align*}&#10;%\end{align*}&#10;$s_1(t),s_2(t)$&#10;\end{document}" title="IguanaTex Bitmap Display">
+              <a:extLst>
+                <a:ext uri="{FF2B5EF4-FFF2-40B4-BE49-F238E27FC236}">
+                  <a16:creationId xmlns:a16="http://schemas.microsoft.com/office/drawing/2014/main" id="{72C94CE4-002D-C31D-90AD-FCF5F0D88279}"/>
+                </a:ext>
+              </a:extLst>
+            </p:cNvPr>
+            <p:cNvPicPr>
+              <a:picLocks noChangeAspect="1"/>
+            </p:cNvPicPr>
+            <p:nvPr>
+              <p:custDataLst>
+                <p:tags r:id="rId3"/>
+              </p:custDataLst>
+            </p:nvPr>
+          </p:nvPicPr>
+          <p:blipFill>
+            <a:blip r:embed="rId10">
+              <a:extLst>
+                <a:ext uri="{28A0092B-C50C-407E-A947-70E740481C1C}">
+                  <a14:useLocalDpi xmlns:a14="http://schemas.microsoft.com/office/drawing/2010/main" val="0"/>
+                </a:ext>
+              </a:extLst>
+            </a:blip>
+            <a:stretch>
+              <a:fillRect/>
+            </a:stretch>
+          </p:blipFill>
+          <p:spPr>
+            <a:xfrm>
+              <a:off x="4139213" y="3005168"/>
+              <a:ext cx="1065125" cy="207234"/>
+            </a:xfrm>
+            <a:prstGeom prst="rect">
+              <a:avLst/>
+            </a:prstGeom>
+          </p:spPr>
+        </p:pic>
+        <p:pic>
+          <p:nvPicPr>
+            <p:cNvPr id="12" name="図 11" descr="\documentclass{jsarticle}&#10;\usepackage{amsmath}&#10;\usepackage[T1]{fontenc}&#10;\usepackage{lmodern}&#10;\pagestyle{empty}&#10;&#10;\begin{document}&#10;%\begin{align*}&#10;%\end{align*}&#10;$v_1,v_2$&#10;\end{document}" title="IguanaTex Bitmap Display">
+              <a:extLst>
+                <a:ext uri="{FF2B5EF4-FFF2-40B4-BE49-F238E27FC236}">
+                  <a16:creationId xmlns:a16="http://schemas.microsoft.com/office/drawing/2014/main" id="{F57732C9-D0E3-C3D0-0A0F-920C97F50920}"/>
+                </a:ext>
+              </a:extLst>
+            </p:cNvPr>
+            <p:cNvPicPr>
+              <a:picLocks noChangeAspect="1"/>
+            </p:cNvPicPr>
+            <p:nvPr>
+              <p:custDataLst>
+                <p:tags r:id="rId4"/>
+              </p:custDataLst>
+            </p:nvPr>
+          </p:nvPicPr>
+          <p:blipFill>
+            <a:blip r:embed="rId11">
+              <a:extLst>
+                <a:ext uri="{28A0092B-C50C-407E-A947-70E740481C1C}">
+                  <a14:useLocalDpi xmlns:a14="http://schemas.microsoft.com/office/drawing/2010/main" val="0"/>
+                </a:ext>
+              </a:extLst>
+            </a:blip>
+            <a:stretch>
+              <a:fillRect/>
+            </a:stretch>
+          </p:blipFill>
+          <p:spPr>
+            <a:xfrm>
+              <a:off x="7491598" y="3064233"/>
+              <a:ext cx="531838" cy="133660"/>
+            </a:xfrm>
+            <a:prstGeom prst="rect">
+              <a:avLst/>
+            </a:prstGeom>
+          </p:spPr>
+        </p:pic>
+        <p:pic>
+          <p:nvPicPr>
+            <p:cNvPr id="15" name="図 14" descr="\documentclass{jsarticle}&#10;\usepackage{amsmath}&#10;\usepackage[T1]{fontenc}&#10;\usepackage{lmodern}&#10;\pagestyle{empty}&#10;&#10;\begin{document}&#10;%\begin{align*}&#10;%\end{align*}&#10;$y_1(t),y_2(t)$&#10;\end{document}" title="IguanaTex Bitmap Display">
+              <a:extLst>
+                <a:ext uri="{FF2B5EF4-FFF2-40B4-BE49-F238E27FC236}">
+                  <a16:creationId xmlns:a16="http://schemas.microsoft.com/office/drawing/2014/main" id="{5442E602-E6CF-8A13-B171-4B752B19EC1A}"/>
+                </a:ext>
+              </a:extLst>
+            </p:cNvPr>
+            <p:cNvPicPr>
+              <a:picLocks noChangeAspect="1"/>
+            </p:cNvPicPr>
+            <p:nvPr>
+              <p:custDataLst>
+                <p:tags r:id="rId5"/>
+              </p:custDataLst>
+            </p:nvPr>
+          </p:nvPicPr>
+          <p:blipFill>
+            <a:blip r:embed="rId12">
+              <a:extLst>
+                <a:ext uri="{28A0092B-C50C-407E-A947-70E740481C1C}">
+                  <a14:useLocalDpi xmlns:a14="http://schemas.microsoft.com/office/drawing/2010/main" val="0"/>
+                </a:ext>
+              </a:extLst>
+            </a:blip>
+            <a:stretch>
+              <a:fillRect/>
+            </a:stretch>
+          </p:blipFill>
+          <p:spPr>
+            <a:xfrm>
+              <a:off x="3147458" y="3933648"/>
+              <a:ext cx="1081066" cy="207234"/>
+            </a:xfrm>
+            <a:prstGeom prst="rect">
+              <a:avLst/>
+            </a:prstGeom>
+          </p:spPr>
+        </p:pic>
+        <p:pic>
+          <p:nvPicPr>
+            <p:cNvPr id="18" name="図 17" descr="\documentclass{jsarticle}&#10;\usepackage{amsmath}&#10;\usepackage[T1]{fontenc}&#10;\usepackage{lmodern}&#10;\pagestyle{empty}&#10;&#10;\begin{document}&#10;%\begin{align*}&#10;%\end{align*}&#10;$u_1^H,u_2^H$&#10;\end{document}" title="IguanaTex Bitmap Display">
+              <a:extLst>
+                <a:ext uri="{FF2B5EF4-FFF2-40B4-BE49-F238E27FC236}">
+                  <a16:creationId xmlns:a16="http://schemas.microsoft.com/office/drawing/2014/main" id="{06684D83-E2F7-A88C-3BE6-F8AF31D833FC}"/>
+                </a:ext>
+              </a:extLst>
+            </p:cNvPr>
+            <p:cNvPicPr>
+              <a:picLocks noChangeAspect="1"/>
+            </p:cNvPicPr>
+            <p:nvPr>
+              <p:custDataLst>
+                <p:tags r:id="rId6"/>
+              </p:custDataLst>
+            </p:nvPr>
+          </p:nvPicPr>
+          <p:blipFill>
+            <a:blip r:embed="rId13">
+              <a:extLst>
+                <a:ext uri="{28A0092B-C50C-407E-A947-70E740481C1C}">
+                  <a14:useLocalDpi xmlns:a14="http://schemas.microsoft.com/office/drawing/2010/main" val="0"/>
+                </a:ext>
+              </a:extLst>
+            </a:blip>
+            <a:stretch>
+              <a:fillRect/>
+            </a:stretch>
+          </p:blipFill>
+          <p:spPr>
+            <a:xfrm>
+              <a:off x="8352048" y="3924447"/>
+              <a:ext cx="724575" cy="225628"/>
+            </a:xfrm>
+            <a:prstGeom prst="rect">
+              <a:avLst/>
+            </a:prstGeom>
+          </p:spPr>
+        </p:pic>
+      </p:grpSp>
+      <p:pic>
+        <p:nvPicPr>
+          <p:cNvPr id="21" name="グラフィックス 20">
+            <a:extLst>
+              <a:ext uri="{FF2B5EF4-FFF2-40B4-BE49-F238E27FC236}">
+                <a16:creationId xmlns:a16="http://schemas.microsoft.com/office/drawing/2014/main" id="{5A99454A-A31F-0BD9-1759-45F660F0A4C6}"/>
+              </a:ext>
+            </a:extLst>
+          </p:cNvPr>
+          <p:cNvPicPr>
+            <a:picLocks noChangeAspect="1"/>
+          </p:cNvPicPr>
+          <p:nvPr/>
+        </p:nvPicPr>
+        <p:blipFill>
+          <a:blip r:embed="rId14">
+            <a:extLst>
+              <a:ext uri="{28A0092B-C50C-407E-A947-70E740481C1C}">
+                <a14:useLocalDpi xmlns:a14="http://schemas.microsoft.com/office/drawing/2010/main" val="0"/>
+              </a:ext>
+              <a:ext uri="{96DAC541-7B7A-43D3-8B79-37D633B846F1}">
+                <asvg:svgBlip xmlns:asvg="http://schemas.microsoft.com/office/drawing/2016/SVG/main" r:embed="rId15"/>
+              </a:ext>
+            </a:extLst>
+          </a:blip>
+          <a:stretch>
+            <a:fillRect/>
+          </a:stretch>
+        </p:blipFill>
+        <p:spPr>
+          <a:xfrm>
+            <a:off x="1129574" y="4735087"/>
+            <a:ext cx="10245897" cy="1354045"/>
+          </a:xfrm>
+          <a:prstGeom prst="rect">
+            <a:avLst/>
+          </a:prstGeom>
+        </p:spPr>
+      </p:pic>
+      <mc:AlternateContent xmlns:mc="http://schemas.openxmlformats.org/markup-compatibility/2006" xmlns:a14="http://schemas.microsoft.com/office/drawing/2010/main">
+        <mc:Choice Requires="a14">
+          <p:sp>
+            <p:nvSpPr>
+              <p:cNvPr id="5" name="テキスト ボックス 4">
+                <a:extLst>
+                  <a:ext uri="{FF2B5EF4-FFF2-40B4-BE49-F238E27FC236}">
+                    <a16:creationId xmlns:a16="http://schemas.microsoft.com/office/drawing/2014/main" id="{EEF53136-4FF9-4F4C-A1F1-D083DA594DE6}"/>
+                  </a:ext>
+                </a:extLst>
+              </p:cNvPr>
+              <p:cNvSpPr txBox="1"/>
+              <p:nvPr/>
+            </p:nvSpPr>
+            <p:spPr>
+              <a:xfrm>
+                <a:off x="1010304" y="5077190"/>
+                <a:ext cx="467244" cy="276999"/>
+              </a:xfrm>
+              <a:prstGeom prst="rect">
+                <a:avLst/>
+              </a:prstGeom>
+              <a:noFill/>
+            </p:spPr>
+            <p:txBody>
+              <a:bodyPr wrap="none" lIns="0" tIns="0" rIns="0" bIns="0" rtlCol="0">
+                <a:spAutoFit/>
+              </a:bodyPr>
+              <a:lstStyle/>
+              <a:p>
+                <a:pPr/>
+                <a14:m>
+                  <m:oMathPara xmlns:m="http://schemas.openxmlformats.org/officeDocument/2006/math">
+                    <m:oMathParaPr>
+                      <m:jc m:val="centerGroup"/>
+                    </m:oMathParaPr>
+                    <m:oMath xmlns:m="http://schemas.openxmlformats.org/officeDocument/2006/math">
+                      <m:r>
+                        <a:rPr kumimoji="1" lang="en-US" altLang="ja-JP" b="0" i="1" smtClean="0">
+                          <a:latin typeface="Cambria Math" panose="02040503050406030204" pitchFamily="18" charset="0"/>
+                        </a:rPr>
+                        <m:t>𝑠</m:t>
+                      </m:r>
+                      <m:r>
+                        <a:rPr kumimoji="1" lang="en-US" altLang="ja-JP" b="0" i="1" smtClean="0">
+                          <a:latin typeface="Cambria Math" panose="02040503050406030204" pitchFamily="18" charset="0"/>
+                        </a:rPr>
+                        <m:t>(</m:t>
+                      </m:r>
+                      <m:r>
+                        <a:rPr kumimoji="1" lang="en-US" altLang="ja-JP" b="0" i="1" smtClean="0">
+                          <a:latin typeface="Cambria Math" panose="02040503050406030204" pitchFamily="18" charset="0"/>
+                        </a:rPr>
+                        <m:t>𝑡</m:t>
+                      </m:r>
+                      <m:r>
+                        <a:rPr kumimoji="1" lang="en-US" altLang="ja-JP" b="0" i="1" smtClean="0">
+                          <a:latin typeface="Cambria Math" panose="02040503050406030204" pitchFamily="18" charset="0"/>
+                        </a:rPr>
+                        <m:t>)</m:t>
+                      </m:r>
+                    </m:oMath>
+                  </m:oMathPara>
+                </a14:m>
+                <a:endParaRPr kumimoji="1" lang="ja-JP" altLang="en-US" dirty="0"/>
+              </a:p>
+            </p:txBody>
+          </p:sp>
+        </mc:Choice>
+        <mc:Fallback xmlns="">
+          <p:sp>
+            <p:nvSpPr>
+              <p:cNvPr id="5" name="テキスト ボックス 4">
+                <a:extLst>
+                  <a:ext uri="{FF2B5EF4-FFF2-40B4-BE49-F238E27FC236}">
+                    <a16:creationId xmlns:a16="http://schemas.microsoft.com/office/drawing/2014/main" id="{EEF53136-4FF9-4F4C-A1F1-D083DA594DE6}"/>
+                  </a:ext>
+                </a:extLst>
+              </p:cNvPr>
+              <p:cNvSpPr txBox="1">
+                <a:spLocks noRot="1" noChangeAspect="1" noMove="1" noResize="1" noEditPoints="1" noAdjustHandles="1" noChangeArrowheads="1" noChangeShapeType="1" noTextEdit="1"/>
+              </p:cNvSpPr>
+              <p:nvPr/>
+            </p:nvSpPr>
+            <p:spPr>
+              <a:xfrm>
+                <a:off x="1010304" y="5077190"/>
+                <a:ext cx="467244" cy="276999"/>
+              </a:xfrm>
+              <a:prstGeom prst="rect">
+                <a:avLst/>
+              </a:prstGeom>
+              <a:blipFill>
+                <a:blip r:embed="rId16"/>
+                <a:stretch>
+                  <a:fillRect l="-5263" t="-2222" r="-17105" b="-35556"/>
+                </a:stretch>
+              </a:blipFill>
+            </p:spPr>
+            <p:txBody>
+              <a:bodyPr/>
+              <a:lstStyle/>
+              <a:p>
+                <a:r>
+                  <a:rPr lang="ja-JP" altLang="en-US">
+                    <a:noFill/>
+                  </a:rPr>
+                  <a:t> </a:t>
+                </a:r>
+              </a:p>
+            </p:txBody>
+          </p:sp>
+        </mc:Fallback>
+      </mc:AlternateContent>
+      <mc:AlternateContent xmlns:mc="http://schemas.openxmlformats.org/markup-compatibility/2006" xmlns:a14="http://schemas.microsoft.com/office/drawing/2010/main">
+        <mc:Choice Requires="a14">
+          <p:sp>
+            <p:nvSpPr>
+              <p:cNvPr id="14" name="テキスト ボックス 13">
+                <a:extLst>
+                  <a:ext uri="{FF2B5EF4-FFF2-40B4-BE49-F238E27FC236}">
+                    <a16:creationId xmlns:a16="http://schemas.microsoft.com/office/drawing/2014/main" id="{68328705-3588-4692-93BE-E0DE0FF68A59}"/>
+                  </a:ext>
+                </a:extLst>
+              </p:cNvPr>
+              <p:cNvSpPr txBox="1"/>
+              <p:nvPr/>
+            </p:nvSpPr>
+            <p:spPr>
+              <a:xfrm>
+                <a:off x="2362527" y="4689895"/>
+                <a:ext cx="495905" cy="246221"/>
+              </a:xfrm>
+              <a:prstGeom prst="rect">
+                <a:avLst/>
+              </a:prstGeom>
+              <a:noFill/>
+            </p:spPr>
+            <p:txBody>
+              <a:bodyPr wrap="none" lIns="0" tIns="0" rIns="0" bIns="0" rtlCol="0">
+                <a:spAutoFit/>
+              </a:bodyPr>
+              <a:lstStyle/>
+              <a:p>
+                <a:pPr/>
+                <a14:m>
+                  <m:oMathPara xmlns:m="http://schemas.openxmlformats.org/officeDocument/2006/math">
+                    <m:oMathParaPr>
+                      <m:jc m:val="centerGroup"/>
+                    </m:oMathParaPr>
+                    <m:oMath xmlns:m="http://schemas.openxmlformats.org/officeDocument/2006/math">
+                      <m:sSub>
+                        <m:sSubPr>
+                          <m:ctrlPr>
+                            <a:rPr kumimoji="1" lang="en-US" altLang="ja-JP" sz="1600" i="1" smtClean="0">
+                              <a:latin typeface="Cambria Math" panose="02040503050406030204" pitchFamily="18" charset="0"/>
+                            </a:rPr>
+                          </m:ctrlPr>
+                        </m:sSubPr>
+                        <m:e>
+                          <m:r>
+                            <a:rPr kumimoji="1" lang="en-US" altLang="ja-JP" sz="1600" b="0" i="1" smtClean="0">
+                              <a:latin typeface="Cambria Math" panose="02040503050406030204" pitchFamily="18" charset="0"/>
+                            </a:rPr>
+                            <m:t>𝑠</m:t>
+                          </m:r>
+                        </m:e>
+                        <m:sub>
+                          <m:r>
+                            <a:rPr kumimoji="1" lang="en-US" altLang="ja-JP" sz="1600" b="0" i="1" smtClean="0">
+                              <a:latin typeface="Cambria Math" panose="02040503050406030204" pitchFamily="18" charset="0"/>
+                            </a:rPr>
+                            <m:t>1</m:t>
+                          </m:r>
+                        </m:sub>
+                      </m:sSub>
+                      <m:r>
+                        <a:rPr kumimoji="1" lang="en-US" altLang="ja-JP" sz="1600" b="0" i="1" smtClean="0">
+                          <a:latin typeface="Cambria Math" panose="02040503050406030204" pitchFamily="18" charset="0"/>
+                        </a:rPr>
+                        <m:t>(</m:t>
+                      </m:r>
+                      <m:r>
+                        <a:rPr kumimoji="1" lang="en-US" altLang="ja-JP" sz="1600" b="0" i="1" smtClean="0">
+                          <a:latin typeface="Cambria Math" panose="02040503050406030204" pitchFamily="18" charset="0"/>
+                        </a:rPr>
+                        <m:t>𝑡</m:t>
+                      </m:r>
+                      <m:r>
+                        <a:rPr kumimoji="1" lang="en-US" altLang="ja-JP" sz="1600" b="0" i="1" smtClean="0">
+                          <a:latin typeface="Cambria Math" panose="02040503050406030204" pitchFamily="18" charset="0"/>
+                        </a:rPr>
+                        <m:t>)</m:t>
+                      </m:r>
+                    </m:oMath>
+                  </m:oMathPara>
+                </a14:m>
+                <a:endParaRPr kumimoji="1" lang="ja-JP" altLang="en-US" dirty="0"/>
+              </a:p>
+            </p:txBody>
+          </p:sp>
+        </mc:Choice>
+        <mc:Fallback xmlns="">
+          <p:sp>
+            <p:nvSpPr>
+              <p:cNvPr id="14" name="テキスト ボックス 13">
+                <a:extLst>
+                  <a:ext uri="{FF2B5EF4-FFF2-40B4-BE49-F238E27FC236}">
+                    <a16:creationId xmlns:a16="http://schemas.microsoft.com/office/drawing/2014/main" id="{68328705-3588-4692-93BE-E0DE0FF68A59}"/>
+                  </a:ext>
+                </a:extLst>
+              </p:cNvPr>
+              <p:cNvSpPr txBox="1">
+                <a:spLocks noRot="1" noChangeAspect="1" noMove="1" noResize="1" noEditPoints="1" noAdjustHandles="1" noChangeArrowheads="1" noChangeShapeType="1" noTextEdit="1"/>
+              </p:cNvSpPr>
+              <p:nvPr/>
+            </p:nvSpPr>
+            <p:spPr>
+              <a:xfrm>
+                <a:off x="2362527" y="4689895"/>
+                <a:ext cx="495905" cy="246221"/>
+              </a:xfrm>
+              <a:prstGeom prst="rect">
+                <a:avLst/>
+              </a:prstGeom>
+              <a:blipFill>
+                <a:blip r:embed="rId17"/>
+                <a:stretch>
+                  <a:fillRect l="-4938" r="-12346" b="-31707"/>
+                </a:stretch>
+              </a:blipFill>
+            </p:spPr>
+            <p:txBody>
+              <a:bodyPr/>
+              <a:lstStyle/>
+              <a:p>
+                <a:r>
+                  <a:rPr lang="ja-JP" altLang="en-US">
+                    <a:noFill/>
+                  </a:rPr>
+                  <a:t> </a:t>
+                </a:r>
+              </a:p>
+            </p:txBody>
+          </p:sp>
+        </mc:Fallback>
+      </mc:AlternateContent>
+      <mc:AlternateContent xmlns:mc="http://schemas.openxmlformats.org/markup-compatibility/2006" xmlns:a14="http://schemas.microsoft.com/office/drawing/2010/main">
+        <mc:Choice Requires="a14">
+          <p:sp>
+            <p:nvSpPr>
+              <p:cNvPr id="16" name="テキスト ボックス 15">
+                <a:extLst>
+                  <a:ext uri="{FF2B5EF4-FFF2-40B4-BE49-F238E27FC236}">
+                    <a16:creationId xmlns:a16="http://schemas.microsoft.com/office/drawing/2014/main" id="{F2D79039-1B83-4BB7-B6A6-8936826468E8}"/>
+                  </a:ext>
+                </a:extLst>
+              </p:cNvPr>
+              <p:cNvSpPr txBox="1"/>
+              <p:nvPr/>
+            </p:nvSpPr>
+            <p:spPr>
+              <a:xfrm>
+                <a:off x="2362526" y="5428804"/>
+                <a:ext cx="500650" cy="246221"/>
+              </a:xfrm>
+              <a:prstGeom prst="rect">
+                <a:avLst/>
+              </a:prstGeom>
+              <a:noFill/>
+            </p:spPr>
+            <p:txBody>
+              <a:bodyPr wrap="none" lIns="0" tIns="0" rIns="0" bIns="0" rtlCol="0">
+                <a:spAutoFit/>
+              </a:bodyPr>
+              <a:lstStyle/>
+              <a:p>
+                <a:pPr/>
+                <a14:m>
+                  <m:oMathPara xmlns:m="http://schemas.openxmlformats.org/officeDocument/2006/math">
+                    <m:oMathParaPr>
+                      <m:jc m:val="centerGroup"/>
+                    </m:oMathParaPr>
+                    <m:oMath xmlns:m="http://schemas.openxmlformats.org/officeDocument/2006/math">
+                      <m:sSub>
+                        <m:sSubPr>
+                          <m:ctrlPr>
+                            <a:rPr kumimoji="1" lang="en-US" altLang="ja-JP" sz="1600" i="1" smtClean="0">
+                              <a:latin typeface="Cambria Math" panose="02040503050406030204" pitchFamily="18" charset="0"/>
+                            </a:rPr>
+                          </m:ctrlPr>
+                        </m:sSubPr>
+                        <m:e>
+                          <m:r>
+                            <a:rPr kumimoji="1" lang="en-US" altLang="ja-JP" sz="1600" b="0" i="1" smtClean="0">
+                              <a:latin typeface="Cambria Math" panose="02040503050406030204" pitchFamily="18" charset="0"/>
+                            </a:rPr>
+                            <m:t>𝑠</m:t>
+                          </m:r>
+                        </m:e>
+                        <m:sub>
+                          <m:r>
+                            <a:rPr kumimoji="1" lang="en-US" altLang="ja-JP" sz="1600" b="0" i="1" smtClean="0">
+                              <a:latin typeface="Cambria Math" panose="02040503050406030204" pitchFamily="18" charset="0"/>
+                            </a:rPr>
+                            <m:t>2</m:t>
+                          </m:r>
+                        </m:sub>
+                      </m:sSub>
+                      <m:r>
+                        <a:rPr kumimoji="1" lang="en-US" altLang="ja-JP" sz="1600" b="0" i="1" smtClean="0">
+                          <a:latin typeface="Cambria Math" panose="02040503050406030204" pitchFamily="18" charset="0"/>
+                        </a:rPr>
+                        <m:t>(</m:t>
+                      </m:r>
+                      <m:r>
+                        <a:rPr kumimoji="1" lang="en-US" altLang="ja-JP" sz="1600" b="0" i="1" smtClean="0">
+                          <a:latin typeface="Cambria Math" panose="02040503050406030204" pitchFamily="18" charset="0"/>
+                        </a:rPr>
+                        <m:t>𝑡</m:t>
+                      </m:r>
+                      <m:r>
+                        <a:rPr kumimoji="1" lang="en-US" altLang="ja-JP" sz="1600" b="0" i="1" smtClean="0">
+                          <a:latin typeface="Cambria Math" panose="02040503050406030204" pitchFamily="18" charset="0"/>
+                        </a:rPr>
+                        <m:t>)</m:t>
+                      </m:r>
+                    </m:oMath>
+                  </m:oMathPara>
+                </a14:m>
+                <a:endParaRPr kumimoji="1" lang="ja-JP" altLang="en-US" dirty="0"/>
+              </a:p>
+            </p:txBody>
+          </p:sp>
+        </mc:Choice>
+        <mc:Fallback xmlns="">
+          <p:sp>
+            <p:nvSpPr>
+              <p:cNvPr id="16" name="テキスト ボックス 15">
+                <a:extLst>
+                  <a:ext uri="{FF2B5EF4-FFF2-40B4-BE49-F238E27FC236}">
+                    <a16:creationId xmlns:a16="http://schemas.microsoft.com/office/drawing/2014/main" id="{F2D79039-1B83-4BB7-B6A6-8936826468E8}"/>
+                  </a:ext>
+                </a:extLst>
+              </p:cNvPr>
+              <p:cNvSpPr txBox="1">
+                <a:spLocks noRot="1" noChangeAspect="1" noMove="1" noResize="1" noEditPoints="1" noAdjustHandles="1" noChangeArrowheads="1" noChangeShapeType="1" noTextEdit="1"/>
+              </p:cNvSpPr>
+              <p:nvPr/>
+            </p:nvSpPr>
+            <p:spPr>
+              <a:xfrm>
+                <a:off x="2362526" y="5428804"/>
+                <a:ext cx="500650" cy="246221"/>
+              </a:xfrm>
+              <a:prstGeom prst="rect">
+                <a:avLst/>
+              </a:prstGeom>
+              <a:blipFill>
+                <a:blip r:embed="rId18"/>
+                <a:stretch>
+                  <a:fillRect l="-4878" r="-12195" b="-32500"/>
+                </a:stretch>
+              </a:blipFill>
+            </p:spPr>
+            <p:txBody>
+              <a:bodyPr/>
+              <a:lstStyle/>
+              <a:p>
+                <a:r>
+                  <a:rPr lang="ja-JP" altLang="en-US">
+                    <a:noFill/>
+                  </a:rPr>
+                  <a:t> </a:t>
+                </a:r>
+              </a:p>
+            </p:txBody>
+          </p:sp>
+        </mc:Fallback>
+      </mc:AlternateContent>
+      <mc:AlternateContent xmlns:mc="http://schemas.openxmlformats.org/markup-compatibility/2006" xmlns:a14="http://schemas.microsoft.com/office/drawing/2010/main">
+        <mc:Choice Requires="a14">
+          <p:sp>
+            <p:nvSpPr>
+              <p:cNvPr id="8" name="テキスト ボックス 7">
+                <a:extLst>
+                  <a:ext uri="{FF2B5EF4-FFF2-40B4-BE49-F238E27FC236}">
+                    <a16:creationId xmlns:a16="http://schemas.microsoft.com/office/drawing/2014/main" id="{42ACDD72-BD63-42CD-85BC-9CD51C30513F}"/>
+                  </a:ext>
+                </a:extLst>
+              </p:cNvPr>
+              <p:cNvSpPr txBox="1"/>
+              <p:nvPr/>
+            </p:nvSpPr>
+            <p:spPr>
+              <a:xfrm>
+                <a:off x="3066290" y="4412896"/>
+                <a:ext cx="290528" cy="276999"/>
+              </a:xfrm>
+              <a:prstGeom prst="rect">
+                <a:avLst/>
+              </a:prstGeom>
+              <a:noFill/>
+            </p:spPr>
+            <p:txBody>
+              <a:bodyPr wrap="none" lIns="0" tIns="0" rIns="0" bIns="0" rtlCol="0">
+                <a:spAutoFit/>
+              </a:bodyPr>
+              <a:lstStyle/>
+              <a:p>
+                <a:pPr/>
+                <a14:m>
+                  <m:oMathPara xmlns:m="http://schemas.openxmlformats.org/officeDocument/2006/math">
+                    <m:oMathParaPr>
+                      <m:jc m:val="centerGroup"/>
+                    </m:oMathParaPr>
+                    <m:oMath xmlns:m="http://schemas.openxmlformats.org/officeDocument/2006/math">
+                      <m:sSub>
+                        <m:sSubPr>
+                          <m:ctrlPr>
+                            <a:rPr kumimoji="1" lang="en-US" altLang="ja-JP" i="1" smtClean="0">
+                              <a:latin typeface="Cambria Math" panose="02040503050406030204" pitchFamily="18" charset="0"/>
+                            </a:rPr>
+                          </m:ctrlPr>
+                        </m:sSubPr>
+                        <m:e>
+                          <m:r>
+                            <a:rPr kumimoji="1" lang="en-US" altLang="ja-JP" b="0" i="1" smtClean="0">
+                              <a:latin typeface="Cambria Math" panose="02040503050406030204" pitchFamily="18" charset="0"/>
+                            </a:rPr>
+                            <m:t>𝑣</m:t>
+                          </m:r>
+                        </m:e>
+                        <m:sub>
+                          <m:r>
+                            <a:rPr kumimoji="1" lang="en-US" altLang="ja-JP" b="0" i="1" smtClean="0">
+                              <a:latin typeface="Cambria Math" panose="02040503050406030204" pitchFamily="18" charset="0"/>
+                            </a:rPr>
+                            <m:t>1</m:t>
+                          </m:r>
+                        </m:sub>
+                      </m:sSub>
+                    </m:oMath>
+                  </m:oMathPara>
+                </a14:m>
+                <a:endParaRPr kumimoji="1" lang="ja-JP" altLang="en-US" dirty="0"/>
+              </a:p>
+            </p:txBody>
+          </p:sp>
+        </mc:Choice>
+        <mc:Fallback xmlns="">
+          <p:sp>
+            <p:nvSpPr>
+              <p:cNvPr id="8" name="テキスト ボックス 7">
+                <a:extLst>
+                  <a:ext uri="{FF2B5EF4-FFF2-40B4-BE49-F238E27FC236}">
+                    <a16:creationId xmlns:a16="http://schemas.microsoft.com/office/drawing/2014/main" id="{42ACDD72-BD63-42CD-85BC-9CD51C30513F}"/>
+                  </a:ext>
+                </a:extLst>
+              </p:cNvPr>
+              <p:cNvSpPr txBox="1">
+                <a:spLocks noRot="1" noChangeAspect="1" noMove="1" noResize="1" noEditPoints="1" noAdjustHandles="1" noChangeArrowheads="1" noChangeShapeType="1" noTextEdit="1"/>
+              </p:cNvSpPr>
+              <p:nvPr/>
+            </p:nvSpPr>
+            <p:spPr>
+              <a:xfrm>
+                <a:off x="3066290" y="4412896"/>
+                <a:ext cx="290528" cy="276999"/>
+              </a:xfrm>
+              <a:prstGeom prst="rect">
+                <a:avLst/>
+              </a:prstGeom>
+              <a:blipFill>
+                <a:blip r:embed="rId19"/>
+                <a:stretch>
+                  <a:fillRect l="-8333" r="-6250" b="-15556"/>
+                </a:stretch>
+              </a:blipFill>
+            </p:spPr>
+            <p:txBody>
+              <a:bodyPr/>
+              <a:lstStyle/>
+              <a:p>
+                <a:r>
+                  <a:rPr lang="ja-JP" altLang="en-US">
+                    <a:noFill/>
+                  </a:rPr>
+                  <a:t> </a:t>
+                </a:r>
+              </a:p>
+            </p:txBody>
+          </p:sp>
+        </mc:Fallback>
+      </mc:AlternateContent>
+      <mc:AlternateContent xmlns:mc="http://schemas.openxmlformats.org/markup-compatibility/2006" xmlns:a14="http://schemas.microsoft.com/office/drawing/2010/main">
+        <mc:Choice Requires="a14">
+          <p:sp>
+            <p:nvSpPr>
+              <p:cNvPr id="17" name="テキスト ボックス 16">
+                <a:extLst>
+                  <a:ext uri="{FF2B5EF4-FFF2-40B4-BE49-F238E27FC236}">
+                    <a16:creationId xmlns:a16="http://schemas.microsoft.com/office/drawing/2014/main" id="{D738E4B4-BBF2-4DEE-8E3E-4A9788D0BC6D}"/>
+                  </a:ext>
+                </a:extLst>
+              </p:cNvPr>
+              <p:cNvSpPr txBox="1"/>
+              <p:nvPr/>
+            </p:nvSpPr>
+            <p:spPr>
+              <a:xfrm>
+                <a:off x="3066290" y="6088847"/>
+                <a:ext cx="295850" cy="276999"/>
+              </a:xfrm>
+              <a:prstGeom prst="rect">
+                <a:avLst/>
+              </a:prstGeom>
+              <a:noFill/>
+            </p:spPr>
+            <p:txBody>
+              <a:bodyPr wrap="none" lIns="0" tIns="0" rIns="0" bIns="0" rtlCol="0">
+                <a:spAutoFit/>
+              </a:bodyPr>
+              <a:lstStyle/>
+              <a:p>
+                <a:pPr/>
+                <a14:m>
+                  <m:oMathPara xmlns:m="http://schemas.openxmlformats.org/officeDocument/2006/math">
+                    <m:oMathParaPr>
+                      <m:jc m:val="centerGroup"/>
+                    </m:oMathParaPr>
+                    <m:oMath xmlns:m="http://schemas.openxmlformats.org/officeDocument/2006/math">
+                      <m:sSub>
+                        <m:sSubPr>
+                          <m:ctrlPr>
+                            <a:rPr kumimoji="1" lang="en-US" altLang="ja-JP" i="1" smtClean="0">
+                              <a:latin typeface="Cambria Math" panose="02040503050406030204" pitchFamily="18" charset="0"/>
+                            </a:rPr>
+                          </m:ctrlPr>
+                        </m:sSubPr>
+                        <m:e>
+                          <m:r>
+                            <a:rPr kumimoji="1" lang="en-US" altLang="ja-JP" b="0" i="1" smtClean="0">
+                              <a:latin typeface="Cambria Math" panose="02040503050406030204" pitchFamily="18" charset="0"/>
+                            </a:rPr>
+                            <m:t>𝑣</m:t>
+                          </m:r>
+                        </m:e>
+                        <m:sub>
+                          <m:r>
+                            <a:rPr kumimoji="1" lang="en-US" altLang="ja-JP" b="0" i="1" smtClean="0">
+                              <a:latin typeface="Cambria Math" panose="02040503050406030204" pitchFamily="18" charset="0"/>
+                            </a:rPr>
+                            <m:t>2</m:t>
+                          </m:r>
+                        </m:sub>
+                      </m:sSub>
+                    </m:oMath>
+                  </m:oMathPara>
+                </a14:m>
+                <a:endParaRPr kumimoji="1" lang="ja-JP" altLang="en-US" dirty="0"/>
+              </a:p>
+            </p:txBody>
+          </p:sp>
+        </mc:Choice>
+        <mc:Fallback xmlns="">
+          <p:sp>
+            <p:nvSpPr>
+              <p:cNvPr id="17" name="テキスト ボックス 16">
+                <a:extLst>
+                  <a:ext uri="{FF2B5EF4-FFF2-40B4-BE49-F238E27FC236}">
+                    <a16:creationId xmlns:a16="http://schemas.microsoft.com/office/drawing/2014/main" id="{D738E4B4-BBF2-4DEE-8E3E-4A9788D0BC6D}"/>
+                  </a:ext>
+                </a:extLst>
+              </p:cNvPr>
+              <p:cNvSpPr txBox="1">
+                <a:spLocks noRot="1" noChangeAspect="1" noMove="1" noResize="1" noEditPoints="1" noAdjustHandles="1" noChangeArrowheads="1" noChangeShapeType="1" noTextEdit="1"/>
+              </p:cNvSpPr>
+              <p:nvPr/>
+            </p:nvSpPr>
+            <p:spPr>
+              <a:xfrm>
+                <a:off x="3066290" y="6088847"/>
+                <a:ext cx="295850" cy="276999"/>
+              </a:xfrm>
+              <a:prstGeom prst="rect">
+                <a:avLst/>
+              </a:prstGeom>
+              <a:blipFill>
+                <a:blip r:embed="rId20"/>
+                <a:stretch>
+                  <a:fillRect l="-8163" r="-4082" b="-15556"/>
+                </a:stretch>
+              </a:blipFill>
+            </p:spPr>
+            <p:txBody>
+              <a:bodyPr/>
+              <a:lstStyle/>
+              <a:p>
+                <a:r>
+                  <a:rPr lang="ja-JP" altLang="en-US">
+                    <a:noFill/>
+                  </a:rPr>
+                  <a:t> </a:t>
+                </a:r>
+              </a:p>
+            </p:txBody>
+          </p:sp>
+        </mc:Fallback>
+      </mc:AlternateContent>
+      <mc:AlternateContent xmlns:mc="http://schemas.openxmlformats.org/markup-compatibility/2006" xmlns:a14="http://schemas.microsoft.com/office/drawing/2010/main">
+        <mc:Choice Requires="a14">
+          <p:sp>
+            <p:nvSpPr>
+              <p:cNvPr id="20" name="テキスト ボックス 19">
+                <a:extLst>
+                  <a:ext uri="{FF2B5EF4-FFF2-40B4-BE49-F238E27FC236}">
+                    <a16:creationId xmlns:a16="http://schemas.microsoft.com/office/drawing/2014/main" id="{E858FBEC-6574-4B78-9588-09EB9D7048E2}"/>
+                  </a:ext>
+                </a:extLst>
+              </p:cNvPr>
+              <p:cNvSpPr txBox="1"/>
+              <p:nvPr/>
+            </p:nvSpPr>
+            <p:spPr>
+              <a:xfrm>
+                <a:off x="10764252" y="5063291"/>
+                <a:ext cx="467243" cy="276999"/>
+              </a:xfrm>
+              <a:prstGeom prst="rect">
+                <a:avLst/>
+              </a:prstGeom>
+              <a:noFill/>
+            </p:spPr>
+            <p:txBody>
+              <a:bodyPr wrap="none" lIns="0" tIns="0" rIns="0" bIns="0" rtlCol="0">
+                <a:spAutoFit/>
+              </a:bodyPr>
+              <a:lstStyle/>
+              <a:p>
+                <a:pPr/>
+                <a14:m>
+                  <m:oMathPara xmlns:m="http://schemas.openxmlformats.org/officeDocument/2006/math">
+                    <m:oMathParaPr>
+                      <m:jc m:val="centerGroup"/>
+                    </m:oMathParaPr>
+                    <m:oMath xmlns:m="http://schemas.openxmlformats.org/officeDocument/2006/math">
+                      <m:acc>
+                        <m:accPr>
+                          <m:chr m:val="̃"/>
+                          <m:ctrlPr>
+                            <a:rPr kumimoji="1" lang="en-US" altLang="ja-JP" b="0" i="1" smtClean="0">
+                              <a:latin typeface="Cambria Math" panose="02040503050406030204" pitchFamily="18" charset="0"/>
+                            </a:rPr>
+                          </m:ctrlPr>
+                        </m:accPr>
+                        <m:e>
+                          <m:r>
+                            <a:rPr kumimoji="1" lang="en-US" altLang="ja-JP" b="0" i="1" smtClean="0">
+                              <a:latin typeface="Cambria Math" panose="02040503050406030204" pitchFamily="18" charset="0"/>
+                            </a:rPr>
+                            <m:t>𝑠</m:t>
+                          </m:r>
+                        </m:e>
+                      </m:acc>
+                      <m:r>
+                        <a:rPr kumimoji="1" lang="en-US" altLang="ja-JP" b="0" i="1" smtClean="0">
+                          <a:latin typeface="Cambria Math" panose="02040503050406030204" pitchFamily="18" charset="0"/>
+                        </a:rPr>
+                        <m:t>(</m:t>
+                      </m:r>
+                      <m:r>
+                        <a:rPr kumimoji="1" lang="en-US" altLang="ja-JP" b="0" i="1" smtClean="0">
+                          <a:latin typeface="Cambria Math" panose="02040503050406030204" pitchFamily="18" charset="0"/>
+                        </a:rPr>
+                        <m:t>𝑡</m:t>
+                      </m:r>
+                      <m:r>
+                        <a:rPr kumimoji="1" lang="en-US" altLang="ja-JP" b="0" i="1" smtClean="0">
+                          <a:latin typeface="Cambria Math" panose="02040503050406030204" pitchFamily="18" charset="0"/>
+                        </a:rPr>
+                        <m:t>)</m:t>
+                      </m:r>
+                    </m:oMath>
+                  </m:oMathPara>
+                </a14:m>
+                <a:endParaRPr kumimoji="1" lang="ja-JP" altLang="en-US" dirty="0"/>
+              </a:p>
+            </p:txBody>
+          </p:sp>
+        </mc:Choice>
+        <mc:Fallback xmlns="">
+          <p:sp>
+            <p:nvSpPr>
+              <p:cNvPr id="20" name="テキスト ボックス 19">
+                <a:extLst>
+                  <a:ext uri="{FF2B5EF4-FFF2-40B4-BE49-F238E27FC236}">
+                    <a16:creationId xmlns:a16="http://schemas.microsoft.com/office/drawing/2014/main" id="{E858FBEC-6574-4B78-9588-09EB9D7048E2}"/>
+                  </a:ext>
+                </a:extLst>
+              </p:cNvPr>
+              <p:cNvSpPr txBox="1">
+                <a:spLocks noRot="1" noChangeAspect="1" noMove="1" noResize="1" noEditPoints="1" noAdjustHandles="1" noChangeArrowheads="1" noChangeShapeType="1" noTextEdit="1"/>
+              </p:cNvSpPr>
+              <p:nvPr/>
+            </p:nvSpPr>
+            <p:spPr>
+              <a:xfrm>
+                <a:off x="10764252" y="5063291"/>
+                <a:ext cx="467243" cy="276999"/>
+              </a:xfrm>
+              <a:prstGeom prst="rect">
+                <a:avLst/>
+              </a:prstGeom>
+              <a:blipFill>
+                <a:blip r:embed="rId21"/>
+                <a:stretch>
+                  <a:fillRect l="-5263" t="-4444" r="-17105" b="-35556"/>
+                </a:stretch>
+              </a:blipFill>
+            </p:spPr>
+            <p:txBody>
+              <a:bodyPr/>
+              <a:lstStyle/>
+              <a:p>
+                <a:r>
+                  <a:rPr lang="ja-JP" altLang="en-US">
+                    <a:noFill/>
+                  </a:rPr>
+                  <a:t> </a:t>
+                </a:r>
+              </a:p>
+            </p:txBody>
+          </p:sp>
+        </mc:Fallback>
+      </mc:AlternateContent>
+      <mc:AlternateContent xmlns:mc="http://schemas.openxmlformats.org/markup-compatibility/2006" xmlns:a14="http://schemas.microsoft.com/office/drawing/2010/main">
+        <mc:Choice Requires="a14">
+          <p:sp>
+            <p:nvSpPr>
+              <p:cNvPr id="22" name="テキスト ボックス 21">
+                <a:extLst>
+                  <a:ext uri="{FF2B5EF4-FFF2-40B4-BE49-F238E27FC236}">
+                    <a16:creationId xmlns:a16="http://schemas.microsoft.com/office/drawing/2014/main" id="{E9C7752F-0517-45FB-9CDD-C9ACC9DF34A4}"/>
+                  </a:ext>
+                </a:extLst>
+              </p:cNvPr>
+              <p:cNvSpPr txBox="1"/>
+              <p:nvPr/>
+            </p:nvSpPr>
+            <p:spPr>
+              <a:xfrm>
+                <a:off x="9157354" y="4418463"/>
+                <a:ext cx="345287" cy="280333"/>
+              </a:xfrm>
+              <a:prstGeom prst="rect">
+                <a:avLst/>
+              </a:prstGeom>
+              <a:noFill/>
+            </p:spPr>
+            <p:txBody>
+              <a:bodyPr wrap="none" lIns="0" tIns="0" rIns="0" bIns="0" rtlCol="0">
+                <a:spAutoFit/>
+              </a:bodyPr>
+              <a:lstStyle/>
+              <a:p>
+                <a:pPr/>
+                <a14:m>
+                  <m:oMathPara xmlns:m="http://schemas.openxmlformats.org/officeDocument/2006/math">
+                    <m:oMathParaPr>
+                      <m:jc m:val="centerGroup"/>
+                    </m:oMathParaPr>
+                    <m:oMath xmlns:m="http://schemas.openxmlformats.org/officeDocument/2006/math">
+                      <m:sSubSup>
+                        <m:sSubSupPr>
+                          <m:ctrlPr>
+                            <a:rPr kumimoji="1" lang="en-US" altLang="ja-JP" i="1" smtClean="0">
+                              <a:latin typeface="Cambria Math" panose="02040503050406030204" pitchFamily="18" charset="0"/>
+                            </a:rPr>
+                          </m:ctrlPr>
+                        </m:sSubSupPr>
+                        <m:e>
+                          <m:r>
+                            <a:rPr kumimoji="1" lang="en-US" altLang="ja-JP" b="0" i="1" smtClean="0">
+                              <a:latin typeface="Cambria Math" panose="02040503050406030204" pitchFamily="18" charset="0"/>
+                            </a:rPr>
+                            <m:t>𝑢</m:t>
+                          </m:r>
+                        </m:e>
+                        <m:sub>
+                          <m:r>
+                            <a:rPr kumimoji="1" lang="en-US" altLang="ja-JP" b="0" i="1" smtClean="0">
+                              <a:latin typeface="Cambria Math" panose="02040503050406030204" pitchFamily="18" charset="0"/>
+                            </a:rPr>
+                            <m:t>1</m:t>
+                          </m:r>
+                        </m:sub>
+                        <m:sup>
+                          <m:r>
+                            <a:rPr kumimoji="1" lang="en-US" altLang="ja-JP" b="0" i="1" smtClean="0">
+                              <a:latin typeface="Cambria Math" panose="02040503050406030204" pitchFamily="18" charset="0"/>
+                            </a:rPr>
+                            <m:t>𝐻</m:t>
+                          </m:r>
+                        </m:sup>
+                      </m:sSubSup>
+                    </m:oMath>
+                  </m:oMathPara>
+                </a14:m>
+                <a:endParaRPr kumimoji="1" lang="ja-JP" altLang="en-US" dirty="0"/>
+              </a:p>
+            </p:txBody>
+          </p:sp>
+        </mc:Choice>
+        <mc:Fallback xmlns="">
+          <p:sp>
+            <p:nvSpPr>
+              <p:cNvPr id="22" name="テキスト ボックス 21">
+                <a:extLst>
+                  <a:ext uri="{FF2B5EF4-FFF2-40B4-BE49-F238E27FC236}">
+                    <a16:creationId xmlns:a16="http://schemas.microsoft.com/office/drawing/2014/main" id="{E9C7752F-0517-45FB-9CDD-C9ACC9DF34A4}"/>
+                  </a:ext>
+                </a:extLst>
+              </p:cNvPr>
+              <p:cNvSpPr txBox="1">
+                <a:spLocks noRot="1" noChangeAspect="1" noMove="1" noResize="1" noEditPoints="1" noAdjustHandles="1" noChangeArrowheads="1" noChangeShapeType="1" noTextEdit="1"/>
+              </p:cNvSpPr>
+              <p:nvPr/>
+            </p:nvSpPr>
+            <p:spPr>
+              <a:xfrm>
+                <a:off x="9157354" y="4418463"/>
+                <a:ext cx="345287" cy="280333"/>
+              </a:xfrm>
+              <a:prstGeom prst="rect">
+                <a:avLst/>
+              </a:prstGeom>
+              <a:blipFill>
+                <a:blip r:embed="rId22"/>
+                <a:stretch>
+                  <a:fillRect l="-7018" t="-4348" r="-5263" b="-15217"/>
+                </a:stretch>
+              </a:blipFill>
+            </p:spPr>
+            <p:txBody>
+              <a:bodyPr/>
+              <a:lstStyle/>
+              <a:p>
+                <a:r>
+                  <a:rPr lang="ja-JP" altLang="en-US">
+                    <a:noFill/>
+                  </a:rPr>
+                  <a:t> </a:t>
+                </a:r>
+              </a:p>
+            </p:txBody>
+          </p:sp>
+        </mc:Fallback>
+      </mc:AlternateContent>
+      <mc:AlternateContent xmlns:mc="http://schemas.openxmlformats.org/markup-compatibility/2006" xmlns:a14="http://schemas.microsoft.com/office/drawing/2010/main">
+        <mc:Choice Requires="a14">
+          <p:sp>
+            <p:nvSpPr>
+              <p:cNvPr id="23" name="テキスト ボックス 22">
+                <a:extLst>
+                  <a:ext uri="{FF2B5EF4-FFF2-40B4-BE49-F238E27FC236}">
+                    <a16:creationId xmlns:a16="http://schemas.microsoft.com/office/drawing/2014/main" id="{45BB0510-AD22-47C0-A60B-80099F8B0D31}"/>
+                  </a:ext>
+                </a:extLst>
+              </p:cNvPr>
+              <p:cNvSpPr txBox="1"/>
+              <p:nvPr/>
+            </p:nvSpPr>
+            <p:spPr>
+              <a:xfrm>
+                <a:off x="9213188" y="6130991"/>
+                <a:ext cx="345287" cy="280846"/>
+              </a:xfrm>
+              <a:prstGeom prst="rect">
+                <a:avLst/>
+              </a:prstGeom>
+              <a:noFill/>
+            </p:spPr>
+            <p:txBody>
+              <a:bodyPr wrap="none" lIns="0" tIns="0" rIns="0" bIns="0" rtlCol="0">
+                <a:spAutoFit/>
+              </a:bodyPr>
+              <a:lstStyle/>
+              <a:p>
+                <a:pPr/>
+                <a14:m>
+                  <m:oMathPara xmlns:m="http://schemas.openxmlformats.org/officeDocument/2006/math">
+                    <m:oMathParaPr>
+                      <m:jc m:val="centerGroup"/>
+                    </m:oMathParaPr>
+                    <m:oMath xmlns:m="http://schemas.openxmlformats.org/officeDocument/2006/math">
+                      <m:sSubSup>
+                        <m:sSubSupPr>
+                          <m:ctrlPr>
+                            <a:rPr kumimoji="1" lang="en-US" altLang="ja-JP" i="1" smtClean="0">
+                              <a:latin typeface="Cambria Math" panose="02040503050406030204" pitchFamily="18" charset="0"/>
+                            </a:rPr>
+                          </m:ctrlPr>
+                        </m:sSubSupPr>
+                        <m:e>
+                          <m:r>
+                            <a:rPr kumimoji="1" lang="en-US" altLang="ja-JP" b="0" i="1" smtClean="0">
+                              <a:latin typeface="Cambria Math" panose="02040503050406030204" pitchFamily="18" charset="0"/>
+                            </a:rPr>
+                            <m:t>𝑢</m:t>
+                          </m:r>
+                        </m:e>
+                        <m:sub>
+                          <m:r>
+                            <a:rPr kumimoji="1" lang="en-US" altLang="ja-JP" b="0" i="1" smtClean="0">
+                              <a:latin typeface="Cambria Math" panose="02040503050406030204" pitchFamily="18" charset="0"/>
+                            </a:rPr>
+                            <m:t>2</m:t>
+                          </m:r>
+                        </m:sub>
+                        <m:sup>
+                          <m:r>
+                            <a:rPr kumimoji="1" lang="en-US" altLang="ja-JP" b="0" i="1" smtClean="0">
+                              <a:latin typeface="Cambria Math" panose="02040503050406030204" pitchFamily="18" charset="0"/>
+                            </a:rPr>
+                            <m:t>𝐻</m:t>
+                          </m:r>
+                        </m:sup>
+                      </m:sSubSup>
+                    </m:oMath>
+                  </m:oMathPara>
+                </a14:m>
+                <a:endParaRPr kumimoji="1" lang="ja-JP" altLang="en-US" dirty="0"/>
+              </a:p>
+            </p:txBody>
+          </p:sp>
+        </mc:Choice>
+        <mc:Fallback xmlns="">
+          <p:sp>
+            <p:nvSpPr>
+              <p:cNvPr id="23" name="テキスト ボックス 22">
+                <a:extLst>
+                  <a:ext uri="{FF2B5EF4-FFF2-40B4-BE49-F238E27FC236}">
+                    <a16:creationId xmlns:a16="http://schemas.microsoft.com/office/drawing/2014/main" id="{45BB0510-AD22-47C0-A60B-80099F8B0D31}"/>
+                  </a:ext>
+                </a:extLst>
+              </p:cNvPr>
+              <p:cNvSpPr txBox="1">
+                <a:spLocks noRot="1" noChangeAspect="1" noMove="1" noResize="1" noEditPoints="1" noAdjustHandles="1" noChangeArrowheads="1" noChangeShapeType="1" noTextEdit="1"/>
+              </p:cNvSpPr>
+              <p:nvPr/>
+            </p:nvSpPr>
+            <p:spPr>
+              <a:xfrm>
+                <a:off x="9213188" y="6130991"/>
+                <a:ext cx="345287" cy="280846"/>
+              </a:xfrm>
+              <a:prstGeom prst="rect">
+                <a:avLst/>
+              </a:prstGeom>
+              <a:blipFill>
+                <a:blip r:embed="rId23"/>
+                <a:stretch>
+                  <a:fillRect l="-7018" t="-2174" r="-5263" b="-17391"/>
+                </a:stretch>
+              </a:blipFill>
+            </p:spPr>
+            <p:txBody>
+              <a:bodyPr/>
+              <a:lstStyle/>
+              <a:p>
+                <a:r>
+                  <a:rPr lang="ja-JP" altLang="en-US">
+                    <a:noFill/>
+                  </a:rPr>
+                  <a:t> </a:t>
+                </a:r>
+              </a:p>
+            </p:txBody>
+          </p:sp>
+        </mc:Fallback>
+      </mc:AlternateContent>
+      <p:sp>
+        <p:nvSpPr>
+          <p:cNvPr id="2" name="雲 1">
+            <a:extLst>
+              <a:ext uri="{FF2B5EF4-FFF2-40B4-BE49-F238E27FC236}">
+                <a16:creationId xmlns:a16="http://schemas.microsoft.com/office/drawing/2014/main" id="{E7681342-C698-412D-866D-06113BA289D5}"/>
+              </a:ext>
+            </a:extLst>
+          </p:cNvPr>
+          <p:cNvSpPr/>
+          <p:nvPr/>
+        </p:nvSpPr>
+        <p:spPr>
+          <a:xfrm>
+            <a:off x="5409483" y="4485557"/>
+            <a:ext cx="1201564" cy="1183263"/>
+          </a:xfrm>
+          <a:prstGeom prst="cloud">
+            <a:avLst/>
+          </a:prstGeom>
+          <a:noFill/>
+          <a:ln w="28575"/>
+        </p:spPr>
+        <p:style>
+          <a:lnRef idx="2">
+            <a:schemeClr val="accent1">
+              <a:shade val="50000"/>
+            </a:schemeClr>
+          </a:lnRef>
+          <a:fillRef idx="1">
+            <a:schemeClr val="accent1"/>
+          </a:fillRef>
+          <a:effectRef idx="0">
+            <a:schemeClr val="accent1"/>
+          </a:effectRef>
+          <a:fontRef idx="minor">
+            <a:schemeClr val="lt1"/>
+          </a:fontRef>
+        </p:style>
+        <p:txBody>
+          <a:bodyPr rtlCol="0" anchor="ctr"/>
+          <a:lstStyle/>
+          <a:p>
+            <a:pPr algn="ctr"/>
+            <a:endParaRPr kumimoji="1" lang="ja-JP" altLang="en-US" dirty="0"/>
+          </a:p>
+        </p:txBody>
+      </p:sp>
+      <p:pic>
+        <p:nvPicPr>
+          <p:cNvPr id="24" name="図 23" descr="\documentclass{jsarticle}&#10;\usepackage{amsmath}&#10;\usepackage[T1]{fontenc}&#10;\usepackage{lmodern}&#10;\pagestyle{empty}&#10;&#10;\begin{document}&#10;%\begin{align*}&#10;%\end{align*}&#10;$H$&#10;\end{document}" title="IguanaTex Bitmap Display">
+            <a:extLst>
+              <a:ext uri="{FF2B5EF4-FFF2-40B4-BE49-F238E27FC236}">
+                <a16:creationId xmlns:a16="http://schemas.microsoft.com/office/drawing/2014/main" id="{2C52101C-CC65-4F33-A1B0-D8E913184319}"/>
+              </a:ext>
+            </a:extLst>
+          </p:cNvPr>
+          <p:cNvPicPr>
+            <a:picLocks noChangeAspect="1"/>
+          </p:cNvPicPr>
+          <p:nvPr>
+            <p:custDataLst>
+              <p:tags r:id="rId1"/>
+            </p:custDataLst>
+          </p:nvPr>
+        </p:nvPicPr>
+        <p:blipFill>
+          <a:blip r:embed="rId9">
+            <a:extLst>
+              <a:ext uri="{28A0092B-C50C-407E-A947-70E740481C1C}">
+                <a14:useLocalDpi xmlns:a14="http://schemas.microsoft.com/office/drawing/2010/main" val="0"/>
+              </a:ext>
+            </a:extLst>
+          </a:blip>
+          <a:stretch>
+            <a:fillRect/>
+          </a:stretch>
+        </p:blipFill>
+        <p:spPr>
+          <a:xfrm>
+            <a:off x="5795218" y="4901242"/>
+            <a:ext cx="430093" cy="351894"/>
+          </a:xfrm>
+          <a:prstGeom prst="rect">
+            <a:avLst/>
+          </a:prstGeom>
+        </p:spPr>
+      </p:pic>
+      <p:sp>
+        <p:nvSpPr>
+          <p:cNvPr id="10" name="テキスト ボックス 9">
+            <a:extLst>
+              <a:ext uri="{FF2B5EF4-FFF2-40B4-BE49-F238E27FC236}">
+                <a16:creationId xmlns:a16="http://schemas.microsoft.com/office/drawing/2014/main" id="{C6A543DD-9665-4CEE-B14C-D7BD74D74A76}"/>
+              </a:ext>
+            </a:extLst>
+          </p:cNvPr>
+          <p:cNvSpPr txBox="1"/>
+          <p:nvPr/>
+        </p:nvSpPr>
+        <p:spPr>
+          <a:xfrm>
+            <a:off x="5208352" y="5733600"/>
+            <a:ext cx="1603824" cy="369332"/>
+          </a:xfrm>
+          <a:prstGeom prst="rect">
+            <a:avLst/>
+          </a:prstGeom>
+          <a:noFill/>
+        </p:spPr>
+        <p:txBody>
+          <a:bodyPr wrap="square" rtlCol="0">
+            <a:spAutoFit/>
+          </a:bodyPr>
+          <a:lstStyle/>
+          <a:p>
+            <a:pPr algn="ctr"/>
+            <a:r>
+              <a:rPr kumimoji="1" lang="ja-JP" altLang="en-US" dirty="0">
+                <a:latin typeface="BIZ UDPゴシック" panose="020B0400000000000000" pitchFamily="50" charset="-128"/>
+                <a:ea typeface="BIZ UDPゴシック" panose="020B0400000000000000" pitchFamily="50" charset="-128"/>
+              </a:rPr>
+              <a:t>伝搬チャネル</a:t>
+            </a:r>
+          </a:p>
+        </p:txBody>
+      </p:sp>
+      <mc:AlternateContent xmlns:mc="http://schemas.openxmlformats.org/markup-compatibility/2006" xmlns:a14="http://schemas.microsoft.com/office/drawing/2010/main">
+        <mc:Choice Requires="a14">
+          <p:sp>
+            <p:nvSpPr>
+              <p:cNvPr id="11" name="テキスト ボックス 10">
+                <a:extLst>
+                  <a:ext uri="{FF2B5EF4-FFF2-40B4-BE49-F238E27FC236}">
+                    <a16:creationId xmlns:a16="http://schemas.microsoft.com/office/drawing/2014/main" id="{851F4E04-0A27-4885-A626-A82CF1749747}"/>
+                  </a:ext>
+                </a:extLst>
+              </p:cNvPr>
+              <p:cNvSpPr txBox="1"/>
+              <p:nvPr/>
+            </p:nvSpPr>
+            <p:spPr>
+              <a:xfrm>
+                <a:off x="9595323" y="4659117"/>
+                <a:ext cx="558871" cy="276999"/>
+              </a:xfrm>
+              <a:prstGeom prst="rect">
+                <a:avLst/>
+              </a:prstGeom>
+              <a:noFill/>
+            </p:spPr>
+            <p:txBody>
+              <a:bodyPr wrap="none" lIns="0" tIns="0" rIns="0" bIns="0" rtlCol="0">
+                <a:spAutoFit/>
+              </a:bodyPr>
+              <a:lstStyle/>
+              <a:p>
+                <a:pPr/>
+                <a14:m>
+                  <m:oMathPara xmlns:m="http://schemas.openxmlformats.org/officeDocument/2006/math">
+                    <m:oMathParaPr>
+                      <m:jc m:val="centerGroup"/>
+                    </m:oMathParaPr>
+                    <m:oMath xmlns:m="http://schemas.openxmlformats.org/officeDocument/2006/math">
+                      <m:sSub>
+                        <m:sSubPr>
+                          <m:ctrlPr>
+                            <a:rPr kumimoji="1" lang="en-US" altLang="ja-JP" i="1" smtClean="0">
+                              <a:latin typeface="Cambria Math" panose="02040503050406030204" pitchFamily="18" charset="0"/>
+                            </a:rPr>
+                          </m:ctrlPr>
+                        </m:sSubPr>
+                        <m:e>
+                          <m:acc>
+                            <m:accPr>
+                              <m:chr m:val="̃"/>
+                              <m:ctrlPr>
+                                <a:rPr kumimoji="1" lang="en-US" altLang="ja-JP" i="1" smtClean="0">
+                                  <a:latin typeface="Cambria Math" panose="02040503050406030204" pitchFamily="18" charset="0"/>
+                                </a:rPr>
+                              </m:ctrlPr>
+                            </m:accPr>
+                            <m:e>
+                              <m:r>
+                                <a:rPr kumimoji="1" lang="en-US" altLang="ja-JP" b="0" i="1" smtClean="0">
+                                  <a:latin typeface="Cambria Math" panose="02040503050406030204" pitchFamily="18" charset="0"/>
+                                </a:rPr>
+                                <m:t>𝑠</m:t>
+                              </m:r>
+                            </m:e>
+                          </m:acc>
+                        </m:e>
+                        <m:sub>
+                          <m:r>
+                            <a:rPr kumimoji="1" lang="en-US" altLang="ja-JP" b="0" i="1" smtClean="0">
+                              <a:latin typeface="Cambria Math" panose="02040503050406030204" pitchFamily="18" charset="0"/>
+                            </a:rPr>
+                            <m:t>1</m:t>
+                          </m:r>
+                        </m:sub>
+                      </m:sSub>
+                      <m:r>
+                        <a:rPr kumimoji="1" lang="en-US" altLang="ja-JP" b="0" i="1" smtClean="0">
+                          <a:latin typeface="Cambria Math" panose="02040503050406030204" pitchFamily="18" charset="0"/>
+                        </a:rPr>
+                        <m:t>(</m:t>
+                      </m:r>
+                      <m:r>
+                        <a:rPr kumimoji="1" lang="en-US" altLang="ja-JP" b="0" i="1" smtClean="0">
+                          <a:latin typeface="Cambria Math" panose="02040503050406030204" pitchFamily="18" charset="0"/>
+                        </a:rPr>
+                        <m:t>𝑡</m:t>
+                      </m:r>
+                      <m:r>
+                        <a:rPr kumimoji="1" lang="en-US" altLang="ja-JP" b="0" i="1" smtClean="0">
+                          <a:latin typeface="Cambria Math" panose="02040503050406030204" pitchFamily="18" charset="0"/>
+                        </a:rPr>
+                        <m:t>)</m:t>
+                      </m:r>
+                    </m:oMath>
+                  </m:oMathPara>
+                </a14:m>
+                <a:endParaRPr kumimoji="1" lang="ja-JP" altLang="en-US" dirty="0"/>
+              </a:p>
+            </p:txBody>
+          </p:sp>
+        </mc:Choice>
+        <mc:Fallback xmlns="">
+          <p:sp>
+            <p:nvSpPr>
+              <p:cNvPr id="11" name="テキスト ボックス 10">
+                <a:extLst>
+                  <a:ext uri="{FF2B5EF4-FFF2-40B4-BE49-F238E27FC236}">
+                    <a16:creationId xmlns:a16="http://schemas.microsoft.com/office/drawing/2014/main" id="{851F4E04-0A27-4885-A626-A82CF1749747}"/>
+                  </a:ext>
+                </a:extLst>
+              </p:cNvPr>
+              <p:cNvSpPr txBox="1">
+                <a:spLocks noRot="1" noChangeAspect="1" noMove="1" noResize="1" noEditPoints="1" noAdjustHandles="1" noChangeArrowheads="1" noChangeShapeType="1" noTextEdit="1"/>
+              </p:cNvSpPr>
+              <p:nvPr/>
+            </p:nvSpPr>
+            <p:spPr>
+              <a:xfrm>
+                <a:off x="9595323" y="4659117"/>
+                <a:ext cx="558871" cy="276999"/>
+              </a:xfrm>
+              <a:prstGeom prst="rect">
+                <a:avLst/>
+              </a:prstGeom>
+              <a:blipFill>
+                <a:blip r:embed="rId24"/>
+                <a:stretch>
+                  <a:fillRect l="-4348" t="-2174" r="-13043" b="-32609"/>
+                </a:stretch>
+              </a:blipFill>
+            </p:spPr>
+            <p:txBody>
+              <a:bodyPr/>
+              <a:lstStyle/>
+              <a:p>
+                <a:r>
+                  <a:rPr lang="ja-JP" altLang="en-US">
+                    <a:noFill/>
+                  </a:rPr>
+                  <a:t> </a:t>
+                </a:r>
+              </a:p>
+            </p:txBody>
+          </p:sp>
+        </mc:Fallback>
+      </mc:AlternateContent>
+      <mc:AlternateContent xmlns:mc="http://schemas.openxmlformats.org/markup-compatibility/2006" xmlns:a14="http://schemas.microsoft.com/office/drawing/2010/main">
+        <mc:Choice Requires="a14">
+          <p:sp>
+            <p:nvSpPr>
+              <p:cNvPr id="25" name="テキスト ボックス 24">
+                <a:extLst>
+                  <a:ext uri="{FF2B5EF4-FFF2-40B4-BE49-F238E27FC236}">
+                    <a16:creationId xmlns:a16="http://schemas.microsoft.com/office/drawing/2014/main" id="{32755378-7238-41BE-AA04-E14BB4EF99A6}"/>
+                  </a:ext>
+                </a:extLst>
+              </p:cNvPr>
+              <p:cNvSpPr txBox="1"/>
+              <p:nvPr/>
+            </p:nvSpPr>
+            <p:spPr>
+              <a:xfrm>
+                <a:off x="9595323" y="5412109"/>
+                <a:ext cx="564193" cy="276999"/>
+              </a:xfrm>
+              <a:prstGeom prst="rect">
+                <a:avLst/>
+              </a:prstGeom>
+              <a:noFill/>
+            </p:spPr>
+            <p:txBody>
+              <a:bodyPr wrap="square" lIns="0" tIns="0" rIns="0" bIns="0" rtlCol="0">
+                <a:spAutoFit/>
+              </a:bodyPr>
+              <a:lstStyle/>
+              <a:p>
+                <a:pPr/>
+                <a14:m>
+                  <m:oMathPara xmlns:m="http://schemas.openxmlformats.org/officeDocument/2006/math">
+                    <m:oMathParaPr>
+                      <m:jc m:val="centerGroup"/>
+                    </m:oMathParaPr>
+                    <m:oMath xmlns:m="http://schemas.openxmlformats.org/officeDocument/2006/math">
+                      <m:sSub>
+                        <m:sSubPr>
+                          <m:ctrlPr>
+                            <a:rPr kumimoji="1" lang="en-US" altLang="ja-JP" i="1" smtClean="0">
+                              <a:latin typeface="Cambria Math" panose="02040503050406030204" pitchFamily="18" charset="0"/>
+                            </a:rPr>
+                          </m:ctrlPr>
+                        </m:sSubPr>
+                        <m:e>
+                          <m:acc>
+                            <m:accPr>
+                              <m:chr m:val="̃"/>
+                              <m:ctrlPr>
+                                <a:rPr kumimoji="1" lang="en-US" altLang="ja-JP" i="1" smtClean="0">
+                                  <a:latin typeface="Cambria Math" panose="02040503050406030204" pitchFamily="18" charset="0"/>
+                                </a:rPr>
+                              </m:ctrlPr>
+                            </m:accPr>
+                            <m:e>
+                              <m:r>
+                                <a:rPr kumimoji="1" lang="en-US" altLang="ja-JP" b="0" i="1" smtClean="0">
+                                  <a:latin typeface="Cambria Math" panose="02040503050406030204" pitchFamily="18" charset="0"/>
+                                </a:rPr>
+                                <m:t>𝑠</m:t>
+                              </m:r>
+                            </m:e>
+                          </m:acc>
+                        </m:e>
+                        <m:sub>
+                          <m:r>
+                            <a:rPr kumimoji="1" lang="en-US" altLang="ja-JP" b="0" i="1" smtClean="0">
+                              <a:latin typeface="Cambria Math" panose="02040503050406030204" pitchFamily="18" charset="0"/>
+                            </a:rPr>
+                            <m:t>2</m:t>
+                          </m:r>
+                        </m:sub>
+                      </m:sSub>
+                      <m:r>
+                        <a:rPr kumimoji="1" lang="en-US" altLang="ja-JP" b="0" i="1" smtClean="0">
+                          <a:latin typeface="Cambria Math" panose="02040503050406030204" pitchFamily="18" charset="0"/>
+                        </a:rPr>
+                        <m:t>(</m:t>
+                      </m:r>
+                      <m:r>
+                        <a:rPr kumimoji="1" lang="en-US" altLang="ja-JP" b="0" i="1" smtClean="0">
+                          <a:latin typeface="Cambria Math" panose="02040503050406030204" pitchFamily="18" charset="0"/>
+                        </a:rPr>
+                        <m:t>𝑡</m:t>
+                      </m:r>
+                      <m:r>
+                        <a:rPr kumimoji="1" lang="en-US" altLang="ja-JP" b="0" i="1" smtClean="0">
+                          <a:latin typeface="Cambria Math" panose="02040503050406030204" pitchFamily="18" charset="0"/>
+                        </a:rPr>
+                        <m:t>)</m:t>
+                      </m:r>
+                    </m:oMath>
+                  </m:oMathPara>
+                </a14:m>
+                <a:endParaRPr kumimoji="1" lang="ja-JP" altLang="en-US" dirty="0"/>
+              </a:p>
+            </p:txBody>
+          </p:sp>
+        </mc:Choice>
+        <mc:Fallback xmlns="">
+          <p:sp>
+            <p:nvSpPr>
+              <p:cNvPr id="25" name="テキスト ボックス 24">
+                <a:extLst>
+                  <a:ext uri="{FF2B5EF4-FFF2-40B4-BE49-F238E27FC236}">
+                    <a16:creationId xmlns:a16="http://schemas.microsoft.com/office/drawing/2014/main" id="{32755378-7238-41BE-AA04-E14BB4EF99A6}"/>
+                  </a:ext>
+                </a:extLst>
+              </p:cNvPr>
+              <p:cNvSpPr txBox="1">
+                <a:spLocks noRot="1" noChangeAspect="1" noMove="1" noResize="1" noEditPoints="1" noAdjustHandles="1" noChangeArrowheads="1" noChangeShapeType="1" noTextEdit="1"/>
+              </p:cNvSpPr>
+              <p:nvPr/>
+            </p:nvSpPr>
+            <p:spPr>
+              <a:xfrm>
+                <a:off x="9595323" y="5412109"/>
+                <a:ext cx="564193" cy="276999"/>
+              </a:xfrm>
+              <a:prstGeom prst="rect">
+                <a:avLst/>
+              </a:prstGeom>
+              <a:blipFill>
+                <a:blip r:embed="rId25"/>
+                <a:stretch>
+                  <a:fillRect l="-4301" t="-4444" r="-12903" b="-35556"/>
+                </a:stretch>
+              </a:blipFill>
+            </p:spPr>
+            <p:txBody>
+              <a:bodyPr/>
+              <a:lstStyle/>
+              <a:p>
+                <a:r>
+                  <a:rPr lang="ja-JP" altLang="en-US">
+                    <a:noFill/>
+                  </a:rPr>
+                  <a:t> </a:t>
+                </a:r>
+              </a:p>
+            </p:txBody>
+          </p:sp>
+        </mc:Fallback>
+      </mc:AlternateContent>
+      <mc:AlternateContent xmlns:mc="http://schemas.openxmlformats.org/markup-compatibility/2006" xmlns:a14="http://schemas.microsoft.com/office/drawing/2010/main">
+        <mc:Choice Requires="a14">
+          <p:sp>
+            <p:nvSpPr>
+              <p:cNvPr id="13" name="テキスト ボックス 12">
+                <a:extLst>
+                  <a:ext uri="{FF2B5EF4-FFF2-40B4-BE49-F238E27FC236}">
+                    <a16:creationId xmlns:a16="http://schemas.microsoft.com/office/drawing/2014/main" id="{D57431D4-1810-47ED-9A81-89C2A85787E8}"/>
+                  </a:ext>
+                </a:extLst>
+              </p:cNvPr>
+              <p:cNvSpPr txBox="1"/>
+              <p:nvPr/>
+            </p:nvSpPr>
+            <p:spPr>
+              <a:xfrm>
+                <a:off x="7837773" y="4536006"/>
+                <a:ext cx="579967" cy="276999"/>
+              </a:xfrm>
+              <a:prstGeom prst="rect">
+                <a:avLst/>
+              </a:prstGeom>
+              <a:noFill/>
+            </p:spPr>
+            <p:txBody>
+              <a:bodyPr wrap="none" lIns="0" tIns="0" rIns="0" bIns="0" rtlCol="0">
+                <a:spAutoFit/>
+              </a:bodyPr>
+              <a:lstStyle/>
+              <a:p>
+                <a:pPr/>
+                <a14:m>
+                  <m:oMathPara xmlns:m="http://schemas.openxmlformats.org/officeDocument/2006/math">
+                    <m:oMathParaPr>
+                      <m:jc m:val="centerGroup"/>
+                    </m:oMathParaPr>
+                    <m:oMath xmlns:m="http://schemas.openxmlformats.org/officeDocument/2006/math">
+                      <m:sSub>
+                        <m:sSubPr>
+                          <m:ctrlPr>
+                            <a:rPr kumimoji="1" lang="en-US" altLang="ja-JP" i="1" smtClean="0">
+                              <a:latin typeface="Cambria Math" panose="02040503050406030204" pitchFamily="18" charset="0"/>
+                            </a:rPr>
+                          </m:ctrlPr>
+                        </m:sSubPr>
+                        <m:e>
+                          <m:r>
+                            <a:rPr kumimoji="1" lang="en-US" altLang="ja-JP" b="0" i="1" smtClean="0">
+                              <a:latin typeface="Cambria Math" panose="02040503050406030204" pitchFamily="18" charset="0"/>
+                            </a:rPr>
+                            <m:t>𝑦</m:t>
+                          </m:r>
+                        </m:e>
+                        <m:sub>
+                          <m:r>
+                            <a:rPr kumimoji="1" lang="en-US" altLang="ja-JP" b="0" i="1" smtClean="0">
+                              <a:latin typeface="Cambria Math" panose="02040503050406030204" pitchFamily="18" charset="0"/>
+                            </a:rPr>
+                            <m:t>1</m:t>
+                          </m:r>
+                        </m:sub>
+                      </m:sSub>
+                      <m:r>
+                        <a:rPr kumimoji="1" lang="en-US" altLang="ja-JP" b="0" i="1" smtClean="0">
+                          <a:latin typeface="Cambria Math" panose="02040503050406030204" pitchFamily="18" charset="0"/>
+                        </a:rPr>
+                        <m:t>(</m:t>
+                      </m:r>
+                      <m:r>
+                        <a:rPr kumimoji="1" lang="en-US" altLang="ja-JP" b="0" i="1" smtClean="0">
+                          <a:latin typeface="Cambria Math" panose="02040503050406030204" pitchFamily="18" charset="0"/>
+                        </a:rPr>
+                        <m:t>𝑡</m:t>
+                      </m:r>
+                      <m:r>
+                        <a:rPr kumimoji="1" lang="en-US" altLang="ja-JP" b="0" i="1" smtClean="0">
+                          <a:latin typeface="Cambria Math" panose="02040503050406030204" pitchFamily="18" charset="0"/>
+                        </a:rPr>
+                        <m:t>)</m:t>
+                      </m:r>
+                    </m:oMath>
+                  </m:oMathPara>
+                </a14:m>
+                <a:endParaRPr kumimoji="1" lang="ja-JP" altLang="en-US" dirty="0"/>
+              </a:p>
+            </p:txBody>
+          </p:sp>
+        </mc:Choice>
+        <mc:Fallback xmlns="">
+          <p:sp>
+            <p:nvSpPr>
+              <p:cNvPr id="13" name="テキスト ボックス 12">
+                <a:extLst>
+                  <a:ext uri="{FF2B5EF4-FFF2-40B4-BE49-F238E27FC236}">
+                    <a16:creationId xmlns:a16="http://schemas.microsoft.com/office/drawing/2014/main" id="{D57431D4-1810-47ED-9A81-89C2A85787E8}"/>
+                  </a:ext>
+                </a:extLst>
+              </p:cNvPr>
+              <p:cNvSpPr txBox="1">
+                <a:spLocks noRot="1" noChangeAspect="1" noMove="1" noResize="1" noEditPoints="1" noAdjustHandles="1" noChangeArrowheads="1" noChangeShapeType="1" noTextEdit="1"/>
+              </p:cNvSpPr>
+              <p:nvPr/>
+            </p:nvSpPr>
+            <p:spPr>
+              <a:xfrm>
+                <a:off x="7837773" y="4536006"/>
+                <a:ext cx="579967" cy="276999"/>
+              </a:xfrm>
+              <a:prstGeom prst="rect">
+                <a:avLst/>
+              </a:prstGeom>
+              <a:blipFill>
+                <a:blip r:embed="rId26"/>
+                <a:stretch>
+                  <a:fillRect l="-8421" t="-2174" r="-13684" b="-32609"/>
+                </a:stretch>
+              </a:blipFill>
+            </p:spPr>
+            <p:txBody>
+              <a:bodyPr/>
+              <a:lstStyle/>
+              <a:p>
+                <a:r>
+                  <a:rPr lang="ja-JP" altLang="en-US">
+                    <a:noFill/>
+                  </a:rPr>
+                  <a:t> </a:t>
+                </a:r>
+              </a:p>
+            </p:txBody>
+          </p:sp>
+        </mc:Fallback>
+      </mc:AlternateContent>
+      <mc:AlternateContent xmlns:mc="http://schemas.openxmlformats.org/markup-compatibility/2006" xmlns:a14="http://schemas.microsoft.com/office/drawing/2010/main">
+        <mc:Choice Requires="a14">
+          <p:sp>
+            <p:nvSpPr>
+              <p:cNvPr id="26" name="テキスト ボックス 25">
+                <a:extLst>
+                  <a:ext uri="{FF2B5EF4-FFF2-40B4-BE49-F238E27FC236}">
+                    <a16:creationId xmlns:a16="http://schemas.microsoft.com/office/drawing/2014/main" id="{5F7F9D46-818A-46B7-B451-BA0EDC0F0458}"/>
+                  </a:ext>
+                </a:extLst>
+              </p:cNvPr>
+              <p:cNvSpPr txBox="1"/>
+              <p:nvPr/>
+            </p:nvSpPr>
+            <p:spPr>
+              <a:xfrm>
+                <a:off x="8215629" y="4901242"/>
+                <a:ext cx="585288" cy="276999"/>
+              </a:xfrm>
+              <a:prstGeom prst="rect">
+                <a:avLst/>
+              </a:prstGeom>
+              <a:noFill/>
+            </p:spPr>
+            <p:txBody>
+              <a:bodyPr wrap="none" lIns="0" tIns="0" rIns="0" bIns="0" rtlCol="0">
+                <a:spAutoFit/>
+              </a:bodyPr>
+              <a:lstStyle/>
+              <a:p>
+                <a:pPr/>
+                <a14:m>
+                  <m:oMathPara xmlns:m="http://schemas.openxmlformats.org/officeDocument/2006/math">
+                    <m:oMathParaPr>
+                      <m:jc m:val="centerGroup"/>
+                    </m:oMathParaPr>
+                    <m:oMath xmlns:m="http://schemas.openxmlformats.org/officeDocument/2006/math">
+                      <m:sSub>
+                        <m:sSubPr>
+                          <m:ctrlPr>
+                            <a:rPr kumimoji="1" lang="en-US" altLang="ja-JP" i="1" smtClean="0">
+                              <a:latin typeface="Cambria Math" panose="02040503050406030204" pitchFamily="18" charset="0"/>
+                            </a:rPr>
+                          </m:ctrlPr>
+                        </m:sSubPr>
+                        <m:e>
+                          <m:r>
+                            <a:rPr kumimoji="1" lang="en-US" altLang="ja-JP" b="0" i="1" smtClean="0">
+                              <a:latin typeface="Cambria Math" panose="02040503050406030204" pitchFamily="18" charset="0"/>
+                            </a:rPr>
+                            <m:t>𝑦</m:t>
+                          </m:r>
+                        </m:e>
+                        <m:sub>
+                          <m:r>
+                            <a:rPr kumimoji="1" lang="en-US" altLang="ja-JP" b="0" i="1" smtClean="0">
+                              <a:latin typeface="Cambria Math" panose="02040503050406030204" pitchFamily="18" charset="0"/>
+                            </a:rPr>
+                            <m:t>2</m:t>
+                          </m:r>
+                        </m:sub>
+                      </m:sSub>
+                      <m:r>
+                        <a:rPr kumimoji="1" lang="en-US" altLang="ja-JP" b="0" i="1" smtClean="0">
+                          <a:latin typeface="Cambria Math" panose="02040503050406030204" pitchFamily="18" charset="0"/>
+                        </a:rPr>
+                        <m:t>(</m:t>
+                      </m:r>
+                      <m:r>
+                        <a:rPr kumimoji="1" lang="en-US" altLang="ja-JP" b="0" i="1" smtClean="0">
+                          <a:latin typeface="Cambria Math" panose="02040503050406030204" pitchFamily="18" charset="0"/>
+                        </a:rPr>
+                        <m:t>𝑡</m:t>
+                      </m:r>
+                      <m:r>
+                        <a:rPr kumimoji="1" lang="en-US" altLang="ja-JP" b="0" i="1" smtClean="0">
+                          <a:latin typeface="Cambria Math" panose="02040503050406030204" pitchFamily="18" charset="0"/>
+                        </a:rPr>
+                        <m:t>)</m:t>
+                      </m:r>
+                    </m:oMath>
+                  </m:oMathPara>
+                </a14:m>
+                <a:endParaRPr kumimoji="1" lang="ja-JP" altLang="en-US" dirty="0"/>
+              </a:p>
+            </p:txBody>
+          </p:sp>
+        </mc:Choice>
+        <mc:Fallback xmlns="">
+          <p:sp>
+            <p:nvSpPr>
+              <p:cNvPr id="26" name="テキスト ボックス 25">
+                <a:extLst>
+                  <a:ext uri="{FF2B5EF4-FFF2-40B4-BE49-F238E27FC236}">
+                    <a16:creationId xmlns:a16="http://schemas.microsoft.com/office/drawing/2014/main" id="{5F7F9D46-818A-46B7-B451-BA0EDC0F0458}"/>
+                  </a:ext>
+                </a:extLst>
+              </p:cNvPr>
+              <p:cNvSpPr txBox="1">
+                <a:spLocks noRot="1" noChangeAspect="1" noMove="1" noResize="1" noEditPoints="1" noAdjustHandles="1" noChangeArrowheads="1" noChangeShapeType="1" noTextEdit="1"/>
+              </p:cNvSpPr>
+              <p:nvPr/>
+            </p:nvSpPr>
+            <p:spPr>
+              <a:xfrm>
+                <a:off x="8215629" y="4901242"/>
+                <a:ext cx="585288" cy="276999"/>
+              </a:xfrm>
+              <a:prstGeom prst="rect">
+                <a:avLst/>
+              </a:prstGeom>
+              <a:blipFill>
+                <a:blip r:embed="rId27"/>
+                <a:stretch>
+                  <a:fillRect l="-8333" t="-2222" r="-13542" b="-35556"/>
+                </a:stretch>
+              </a:blipFill>
+            </p:spPr>
+            <p:txBody>
+              <a:bodyPr/>
+              <a:lstStyle/>
+              <a:p>
+                <a:r>
+                  <a:rPr lang="ja-JP" altLang="en-US">
+                    <a:noFill/>
+                  </a:rPr>
+                  <a:t> </a:t>
+                </a:r>
+              </a:p>
+            </p:txBody>
+          </p:sp>
+        </mc:Fallback>
+      </mc:AlternateContent>
+    </p:spTree>
+    <p:extLst>
+      <p:ext uri="{BB962C8B-B14F-4D97-AF65-F5344CB8AC3E}">
+        <p14:creationId xmlns:p14="http://schemas.microsoft.com/office/powerpoint/2010/main" val="2100741056"/>
+      </p:ext>
+    </p:extLst>
+  </p:cSld>
+  <p:clrMapOvr>
+    <a:masterClrMapping/>
+  </p:clrMapOvr>
+</p:sld>
+</file>
+
+<file path=ppt/slides/slide7.xml><?xml version="1.0" encoding="utf-8"?>
 <p:sld xmlns:a="http://schemas.openxmlformats.org/drawingml/2006/main" xmlns:r="http://schemas.openxmlformats.org/officeDocument/2006/relationships" xmlns:p="http://schemas.openxmlformats.org/presentationml/2006/main">
   <p:cSld>
     <p:spTree>
@@ -13313,42 +13987,12 @@
           </a:p>
         </p:txBody>
       </p:sp>
-    </p:spTree>
-    <p:extLst>
-      <p:ext uri="{BB962C8B-B14F-4D97-AF65-F5344CB8AC3E}">
-        <p14:creationId xmlns:p14="http://schemas.microsoft.com/office/powerpoint/2010/main" val="842544541"/>
-      </p:ext>
-    </p:extLst>
-  </p:cSld>
-  <p:clrMapOvr>
-    <a:masterClrMapping/>
-  </p:clrMapOvr>
-</p:sld>
-</file>
-
-<file path=ppt/slides/slide7.xml><?xml version="1.0" encoding="utf-8"?>
-<p:sld xmlns:a="http://schemas.openxmlformats.org/drawingml/2006/main" xmlns:r="http://schemas.openxmlformats.org/officeDocument/2006/relationships" xmlns:p="http://schemas.openxmlformats.org/presentationml/2006/main">
-  <p:cSld>
-    <p:spTree>
-      <p:nvGrpSpPr>
-        <p:cNvPr id="1" name=""/>
-        <p:cNvGrpSpPr/>
-        <p:nvPr/>
-      </p:nvGrpSpPr>
-      <p:grpSpPr>
-        <a:xfrm>
-          <a:off x="0" y="0"/>
-          <a:ext cx="0" cy="0"/>
-          <a:chOff x="0" y="0"/>
-          <a:chExt cx="0" cy="0"/>
-        </a:xfrm>
-      </p:grpSpPr>
       <p:sp>
         <p:nvSpPr>
-          <p:cNvPr id="4" name="テキスト ボックス 3">
+          <p:cNvPr id="2" name="テキスト ボックス 1">
             <a:extLst>
               <a:ext uri="{FF2B5EF4-FFF2-40B4-BE49-F238E27FC236}">
-                <a16:creationId xmlns:a16="http://schemas.microsoft.com/office/drawing/2014/main" id="{F41D5E34-65A8-598A-6399-FEC1DFBB018D}"/>
+                <a16:creationId xmlns:a16="http://schemas.microsoft.com/office/drawing/2014/main" id="{56033343-FEF5-F51C-624D-F9EE9C4F1615}"/>
               </a:ext>
             </a:extLst>
           </p:cNvPr>
@@ -13357,8 +14001,8 @@
         </p:nvSpPr>
         <p:spPr>
           <a:xfrm>
-            <a:off x="14245" y="213451"/>
-            <a:ext cx="12615488" cy="646331"/>
+            <a:off x="491495" y="1172837"/>
+            <a:ext cx="2858923" cy="646331"/>
           </a:xfrm>
           <a:prstGeom prst="rect">
             <a:avLst/>
@@ -13372,75 +14016,19 @@
           <a:lstStyle/>
           <a:p>
             <a:r>
-              <a:rPr kumimoji="1" lang="en-US" altLang="ja-JP" sz="3600" b="1" dirty="0">
+              <a:rPr kumimoji="1" lang="ja-JP" altLang="en-US" sz="3600" b="1" dirty="0">
                 <a:latin typeface="BIZ UDPゴシック" panose="020B0400000000000000" pitchFamily="50" charset="-128"/>
                 <a:ea typeface="BIZ UDPゴシック" panose="020B0400000000000000" pitchFamily="50" charset="-128"/>
               </a:rPr>
-              <a:t>CSI (Channel State Information) Feedback</a:t>
-            </a:r>
-            <a:endParaRPr kumimoji="1" lang="ja-JP" altLang="en-US" sz="3600" b="1" dirty="0">
-              <a:latin typeface="BIZ UDPゴシック" panose="020B0400000000000000" pitchFamily="50" charset="-128"/>
-              <a:ea typeface="BIZ UDPゴシック" panose="020B0400000000000000" pitchFamily="50" charset="-128"/>
-            </a:endParaRPr>
-          </a:p>
-        </p:txBody>
-      </p:sp>
-      <p:sp>
-        <p:nvSpPr>
-          <p:cNvPr id="6" name="テキスト ボックス 5">
-            <a:extLst>
-              <a:ext uri="{FF2B5EF4-FFF2-40B4-BE49-F238E27FC236}">
-                <a16:creationId xmlns:a16="http://schemas.microsoft.com/office/drawing/2014/main" id="{CEE76C06-A97C-4CF7-AEEB-98320CD54410}"/>
-              </a:ext>
-            </a:extLst>
-          </p:cNvPr>
-          <p:cNvSpPr txBox="1"/>
-          <p:nvPr/>
-        </p:nvSpPr>
-        <p:spPr>
-          <a:xfrm>
-            <a:off x="4214813" y="2250281"/>
-            <a:ext cx="3686175" cy="1477328"/>
-          </a:xfrm>
-          <a:prstGeom prst="rect">
-            <a:avLst/>
-          </a:prstGeom>
-          <a:noFill/>
-        </p:spPr>
-        <p:txBody>
-          <a:bodyPr wrap="square" rtlCol="0">
-            <a:spAutoFit/>
-          </a:bodyPr>
-          <a:lstStyle/>
-          <a:p>
-            <a:r>
-              <a:rPr kumimoji="1" lang="en-US" altLang="ja-JP" dirty="0"/>
-              <a:t>AP</a:t>
-            </a:r>
-            <a:r>
-              <a:rPr kumimoji="1" lang="ja-JP" altLang="en-US" dirty="0"/>
-              <a:t>は</a:t>
-            </a:r>
-            <a:r>
-              <a:rPr kumimoji="1" lang="en-US" altLang="ja-JP" dirty="0"/>
-              <a:t>STAs(Stations)</a:t>
-            </a:r>
-            <a:r>
-              <a:rPr kumimoji="1" lang="ja-JP" altLang="en-US" dirty="0"/>
-              <a:t>にビームを動的に向ける送信ビームフォーミングにより異なる信号を同時に送受信できることから空間リソースを有効に利用する</a:t>
-            </a:r>
-            <a:r>
-              <a:rPr kumimoji="1" lang="en-US" altLang="ja-JP" dirty="0"/>
-              <a:t>.</a:t>
-            </a:r>
-            <a:endParaRPr kumimoji="1" lang="ja-JP" altLang="en-US" dirty="0"/>
+              <a:t>適応変調</a:t>
+            </a:r>
           </a:p>
         </p:txBody>
       </p:sp>
     </p:spTree>
     <p:extLst>
       <p:ext uri="{BB962C8B-B14F-4D97-AF65-F5344CB8AC3E}">
-        <p14:creationId xmlns:p14="http://schemas.microsoft.com/office/powerpoint/2010/main" val="2616035584"/>
+        <p14:creationId xmlns:p14="http://schemas.microsoft.com/office/powerpoint/2010/main" val="842544541"/>
       </p:ext>
     </p:extLst>
   </p:cSld>
@@ -13472,7 +14060,7 @@
           <p:cNvPr id="4" name="テキスト ボックス 3">
             <a:extLst>
               <a:ext uri="{FF2B5EF4-FFF2-40B4-BE49-F238E27FC236}">
-                <a16:creationId xmlns:a16="http://schemas.microsoft.com/office/drawing/2014/main" id="{81C4D86E-650F-FAF4-76BA-8BA9C8F1DF2B}"/>
+                <a16:creationId xmlns:a16="http://schemas.microsoft.com/office/drawing/2014/main" id="{F41D5E34-65A8-598A-6399-FEC1DFBB018D}"/>
               </a:ext>
             </a:extLst>
           </p:cNvPr>
@@ -13509,51 +14097,12 @@
           </a:p>
         </p:txBody>
       </p:sp>
-      <p:pic>
-        <p:nvPicPr>
-          <p:cNvPr id="6" name="グラフィックス 5">
-            <a:extLst>
-              <a:ext uri="{FF2B5EF4-FFF2-40B4-BE49-F238E27FC236}">
-                <a16:creationId xmlns:a16="http://schemas.microsoft.com/office/drawing/2014/main" id="{12A619E8-682C-71F5-145C-F3E2A024FCD3}"/>
-              </a:ext>
-            </a:extLst>
-          </p:cNvPr>
-          <p:cNvPicPr>
-            <a:picLocks noChangeAspect="1"/>
-          </p:cNvPicPr>
-          <p:nvPr/>
-        </p:nvPicPr>
-        <p:blipFill>
-          <a:blip r:embed="rId3">
-            <a:extLst>
-              <a:ext uri="{28A0092B-C50C-407E-A947-70E740481C1C}">
-                <a14:useLocalDpi xmlns:a14="http://schemas.microsoft.com/office/drawing/2010/main" val="0"/>
-              </a:ext>
-              <a:ext uri="{96DAC541-7B7A-43D3-8B79-37D633B846F1}">
-                <asvg:svgBlip xmlns:asvg="http://schemas.microsoft.com/office/drawing/2016/SVG/main" r:embed="rId4"/>
-              </a:ext>
-            </a:extLst>
-          </a:blip>
-          <a:stretch>
-            <a:fillRect/>
-          </a:stretch>
-        </p:blipFill>
-        <p:spPr>
-          <a:xfrm>
-            <a:off x="627781" y="1671638"/>
-            <a:ext cx="11398355" cy="3219959"/>
-          </a:xfrm>
-          <a:prstGeom prst="rect">
-            <a:avLst/>
-          </a:prstGeom>
-        </p:spPr>
-      </p:pic>
       <p:sp>
         <p:nvSpPr>
-          <p:cNvPr id="7" name="テキスト ボックス 6">
+          <p:cNvPr id="6" name="テキスト ボックス 5">
             <a:extLst>
               <a:ext uri="{FF2B5EF4-FFF2-40B4-BE49-F238E27FC236}">
-                <a16:creationId xmlns:a16="http://schemas.microsoft.com/office/drawing/2014/main" id="{2388829A-20B8-6B2C-61E1-65EA718070F2}"/>
+                <a16:creationId xmlns:a16="http://schemas.microsoft.com/office/drawing/2014/main" id="{CEE76C06-A97C-4CF7-AEEB-98320CD54410}"/>
               </a:ext>
             </a:extLst>
           </p:cNvPr>
@@ -13562,8 +14111,8 @@
         </p:nvSpPr>
         <p:spPr>
           <a:xfrm>
-            <a:off x="27706" y="2372611"/>
-            <a:ext cx="600075" cy="338554"/>
+            <a:off x="4214813" y="2250281"/>
+            <a:ext cx="3686175" cy="1477328"/>
           </a:xfrm>
           <a:prstGeom prst="rect">
             <a:avLst/>
@@ -13576,1140 +14125,34 @@
           </a:bodyPr>
           <a:lstStyle/>
           <a:p>
-            <a:pPr algn="ctr"/>
-            <a:r>
-              <a:rPr kumimoji="1" lang="en-US" altLang="ja-JP" sz="1600" dirty="0">
-                <a:latin typeface="BIZ UDPゴシック" panose="020B0400000000000000" pitchFamily="50" charset="-128"/>
-                <a:ea typeface="BIZ UDPゴシック" panose="020B0400000000000000" pitchFamily="50" charset="-128"/>
-              </a:rPr>
+            <a:r>
+              <a:rPr kumimoji="1" lang="en-US" altLang="ja-JP" dirty="0"/>
               <a:t>AP</a:t>
             </a:r>
-            <a:endParaRPr kumimoji="1" lang="ja-JP" altLang="en-US" sz="1600" dirty="0">
-              <a:latin typeface="BIZ UDPゴシック" panose="020B0400000000000000" pitchFamily="50" charset="-128"/>
-              <a:ea typeface="BIZ UDPゴシック" panose="020B0400000000000000" pitchFamily="50" charset="-128"/>
-            </a:endParaRPr>
-          </a:p>
-        </p:txBody>
-      </p:sp>
-      <p:sp>
-        <p:nvSpPr>
-          <p:cNvPr id="168" name="テキスト ボックス 167">
-            <a:extLst>
-              <a:ext uri="{FF2B5EF4-FFF2-40B4-BE49-F238E27FC236}">
-                <a16:creationId xmlns:a16="http://schemas.microsoft.com/office/drawing/2014/main" id="{088B0BC2-448D-E815-74D2-B1CA14E9ADBD}"/>
-              </a:ext>
-            </a:extLst>
-          </p:cNvPr>
-          <p:cNvSpPr txBox="1"/>
-          <p:nvPr/>
-        </p:nvSpPr>
-        <p:spPr>
-          <a:xfrm>
-            <a:off x="0" y="3002518"/>
-            <a:ext cx="985838" cy="338554"/>
-          </a:xfrm>
-          <a:prstGeom prst="rect">
-            <a:avLst/>
-          </a:prstGeom>
-          <a:noFill/>
-        </p:spPr>
-        <p:txBody>
-          <a:bodyPr wrap="square" rtlCol="0">
-            <a:spAutoFit/>
-          </a:bodyPr>
-          <a:lstStyle/>
-          <a:p>
-            <a:pPr algn="ctr"/>
-            <a:r>
-              <a:rPr lang="en-US" altLang="ja-JP" sz="1600" dirty="0">
-                <a:latin typeface="BIZ UDPゴシック" panose="020B0400000000000000" pitchFamily="50" charset="-128"/>
-                <a:ea typeface="BIZ UDPゴシック" panose="020B0400000000000000" pitchFamily="50" charset="-128"/>
-              </a:rPr>
-              <a:t>STA#1</a:t>
-            </a:r>
-            <a:endParaRPr kumimoji="1" lang="ja-JP" altLang="en-US" sz="1600" dirty="0">
-              <a:latin typeface="BIZ UDPゴシック" panose="020B0400000000000000" pitchFamily="50" charset="-128"/>
-              <a:ea typeface="BIZ UDPゴシック" panose="020B0400000000000000" pitchFamily="50" charset="-128"/>
-            </a:endParaRPr>
-          </a:p>
-        </p:txBody>
-      </p:sp>
-      <p:sp>
-        <p:nvSpPr>
-          <p:cNvPr id="169" name="テキスト ボックス 168">
-            <a:extLst>
-              <a:ext uri="{FF2B5EF4-FFF2-40B4-BE49-F238E27FC236}">
-                <a16:creationId xmlns:a16="http://schemas.microsoft.com/office/drawing/2014/main" id="{112CBA20-874B-5C26-ECB3-F482F9D4BDBB}"/>
-              </a:ext>
-            </a:extLst>
-          </p:cNvPr>
-          <p:cNvSpPr txBox="1"/>
-          <p:nvPr/>
-        </p:nvSpPr>
-        <p:spPr>
-          <a:xfrm>
-            <a:off x="0" y="3707704"/>
-            <a:ext cx="985838" cy="338554"/>
-          </a:xfrm>
-          <a:prstGeom prst="rect">
-            <a:avLst/>
-          </a:prstGeom>
-          <a:noFill/>
-        </p:spPr>
-        <p:txBody>
-          <a:bodyPr wrap="square" rtlCol="0">
-            <a:spAutoFit/>
-          </a:bodyPr>
-          <a:lstStyle/>
-          <a:p>
-            <a:pPr algn="ctr"/>
-            <a:r>
-              <a:rPr lang="en-US" altLang="ja-JP" sz="1600" dirty="0">
-                <a:latin typeface="BIZ UDPゴシック" panose="020B0400000000000000" pitchFamily="50" charset="-128"/>
-                <a:ea typeface="BIZ UDPゴシック" panose="020B0400000000000000" pitchFamily="50" charset="-128"/>
-              </a:rPr>
-              <a:t>STA#2</a:t>
-            </a:r>
-            <a:endParaRPr kumimoji="1" lang="ja-JP" altLang="en-US" sz="1600" dirty="0">
-              <a:latin typeface="BIZ UDPゴシック" panose="020B0400000000000000" pitchFamily="50" charset="-128"/>
-              <a:ea typeface="BIZ UDPゴシック" panose="020B0400000000000000" pitchFamily="50" charset="-128"/>
-            </a:endParaRPr>
-          </a:p>
-        </p:txBody>
-      </p:sp>
-      <p:sp>
-        <p:nvSpPr>
-          <p:cNvPr id="170" name="テキスト ボックス 169">
-            <a:extLst>
-              <a:ext uri="{FF2B5EF4-FFF2-40B4-BE49-F238E27FC236}">
-                <a16:creationId xmlns:a16="http://schemas.microsoft.com/office/drawing/2014/main" id="{15026D28-7045-5263-8518-70D6E68BCEF1}"/>
-              </a:ext>
-            </a:extLst>
-          </p:cNvPr>
-          <p:cNvSpPr txBox="1"/>
-          <p:nvPr/>
-        </p:nvSpPr>
-        <p:spPr>
-          <a:xfrm>
-            <a:off x="0" y="4434419"/>
-            <a:ext cx="985838" cy="338554"/>
-          </a:xfrm>
-          <a:prstGeom prst="rect">
-            <a:avLst/>
-          </a:prstGeom>
-          <a:noFill/>
-        </p:spPr>
-        <p:txBody>
-          <a:bodyPr wrap="square" rtlCol="0">
-            <a:spAutoFit/>
-          </a:bodyPr>
-          <a:lstStyle/>
-          <a:p>
-            <a:pPr algn="ctr"/>
-            <a:r>
-              <a:rPr lang="en-US" altLang="ja-JP" sz="1600" dirty="0">
-                <a:latin typeface="BIZ UDPゴシック" panose="020B0400000000000000" pitchFamily="50" charset="-128"/>
-                <a:ea typeface="BIZ UDPゴシック" panose="020B0400000000000000" pitchFamily="50" charset="-128"/>
-              </a:rPr>
-              <a:t>STA#3</a:t>
-            </a:r>
-            <a:endParaRPr kumimoji="1" lang="ja-JP" altLang="en-US" sz="1600" dirty="0">
-              <a:latin typeface="BIZ UDPゴシック" panose="020B0400000000000000" pitchFamily="50" charset="-128"/>
-              <a:ea typeface="BIZ UDPゴシック" panose="020B0400000000000000" pitchFamily="50" charset="-128"/>
-            </a:endParaRPr>
-          </a:p>
-        </p:txBody>
-      </p:sp>
-      <p:sp>
-        <p:nvSpPr>
-          <p:cNvPr id="171" name="テキスト ボックス 170">
-            <a:extLst>
-              <a:ext uri="{FF2B5EF4-FFF2-40B4-BE49-F238E27FC236}">
-                <a16:creationId xmlns:a16="http://schemas.microsoft.com/office/drawing/2014/main" id="{9403DECD-D9A2-B926-2932-13A7155072CB}"/>
-              </a:ext>
-            </a:extLst>
-          </p:cNvPr>
-          <p:cNvSpPr txBox="1"/>
-          <p:nvPr/>
-        </p:nvSpPr>
-        <p:spPr>
-          <a:xfrm>
-            <a:off x="327743" y="2021152"/>
-            <a:ext cx="1000125" cy="430887"/>
-          </a:xfrm>
-          <a:prstGeom prst="rect">
-            <a:avLst/>
-          </a:prstGeom>
-          <a:noFill/>
-        </p:spPr>
-        <p:txBody>
-          <a:bodyPr wrap="square" rtlCol="0">
-            <a:spAutoFit/>
-          </a:bodyPr>
-          <a:lstStyle/>
-          <a:p>
-            <a:r>
-              <a:rPr kumimoji="1" lang="en-US" altLang="ja-JP" sz="1050" dirty="0">
-                <a:latin typeface="BIZ UDPゴシック" panose="020B0400000000000000" pitchFamily="50" charset="-128"/>
-                <a:ea typeface="BIZ UDPゴシック" panose="020B0400000000000000" pitchFamily="50" charset="-128"/>
-              </a:rPr>
-              <a:t>DIFS</a:t>
-            </a:r>
-          </a:p>
-          <a:p>
-            <a:r>
-              <a:rPr lang="en-US" altLang="ja-JP" sz="1050" dirty="0">
-                <a:latin typeface="BIZ UDPゴシック" panose="020B0400000000000000" pitchFamily="50" charset="-128"/>
-                <a:ea typeface="BIZ UDPゴシック" panose="020B0400000000000000" pitchFamily="50" charset="-128"/>
-              </a:rPr>
-              <a:t>+Backoff</a:t>
-            </a:r>
-            <a:endParaRPr kumimoji="1" lang="ja-JP" altLang="en-US" sz="1050" dirty="0">
-              <a:latin typeface="BIZ UDPゴシック" panose="020B0400000000000000" pitchFamily="50" charset="-128"/>
-              <a:ea typeface="BIZ UDPゴシック" panose="020B0400000000000000" pitchFamily="50" charset="-128"/>
-            </a:endParaRPr>
-          </a:p>
-        </p:txBody>
-      </p:sp>
-      <p:sp>
-        <p:nvSpPr>
-          <p:cNvPr id="172" name="テキスト ボックス 171">
-            <a:extLst>
-              <a:ext uri="{FF2B5EF4-FFF2-40B4-BE49-F238E27FC236}">
-                <a16:creationId xmlns:a16="http://schemas.microsoft.com/office/drawing/2014/main" id="{3705F5EA-19C3-7D91-FBBE-7EA9C69BBB1D}"/>
-              </a:ext>
-            </a:extLst>
-          </p:cNvPr>
-          <p:cNvSpPr txBox="1"/>
-          <p:nvPr/>
-        </p:nvSpPr>
-        <p:spPr>
-          <a:xfrm>
-            <a:off x="1198410" y="1071474"/>
-            <a:ext cx="1144740" cy="600164"/>
-          </a:xfrm>
-          <a:prstGeom prst="rect">
-            <a:avLst/>
-          </a:prstGeom>
-          <a:noFill/>
-        </p:spPr>
-        <p:txBody>
-          <a:bodyPr wrap="square" rtlCol="0">
-            <a:spAutoFit/>
-          </a:bodyPr>
-          <a:lstStyle/>
-          <a:p>
-            <a:pPr algn="ctr"/>
-            <a:r>
-              <a:rPr kumimoji="1" lang="en-US" altLang="ja-JP" sz="1100" dirty="0">
-                <a:latin typeface="BIZ UDPゴシック" panose="020B0400000000000000" pitchFamily="50" charset="-128"/>
-                <a:ea typeface="BIZ UDPゴシック" panose="020B0400000000000000" pitchFamily="50" charset="-128"/>
-              </a:rPr>
-              <a:t>Request</a:t>
-            </a:r>
-          </a:p>
-          <a:p>
-            <a:pPr algn="ctr"/>
-            <a:r>
-              <a:rPr lang="en-US" altLang="ja-JP" sz="1100" dirty="0">
-                <a:latin typeface="BIZ UDPゴシック" panose="020B0400000000000000" pitchFamily="50" charset="-128"/>
-                <a:ea typeface="BIZ UDPゴシック" panose="020B0400000000000000" pitchFamily="50" charset="-128"/>
-              </a:rPr>
-              <a:t>of channel</a:t>
-            </a:r>
-          </a:p>
-          <a:p>
-            <a:pPr algn="ctr"/>
-            <a:r>
-              <a:rPr lang="en-US" altLang="ja-JP" sz="1100" dirty="0">
-                <a:latin typeface="BIZ UDPゴシック" panose="020B0400000000000000" pitchFamily="50" charset="-128"/>
-                <a:ea typeface="BIZ UDPゴシック" panose="020B0400000000000000" pitchFamily="50" charset="-128"/>
-              </a:rPr>
-              <a:t>estimate </a:t>
-            </a:r>
-            <a:endParaRPr kumimoji="1" lang="ja-JP" altLang="en-US" sz="1100" dirty="0">
-              <a:latin typeface="BIZ UDPゴシック" panose="020B0400000000000000" pitchFamily="50" charset="-128"/>
-              <a:ea typeface="BIZ UDPゴシック" panose="020B0400000000000000" pitchFamily="50" charset="-128"/>
-            </a:endParaRPr>
-          </a:p>
-        </p:txBody>
-      </p:sp>
-      <p:sp>
-        <p:nvSpPr>
-          <p:cNvPr id="173" name="テキスト ボックス 172">
-            <a:extLst>
-              <a:ext uri="{FF2B5EF4-FFF2-40B4-BE49-F238E27FC236}">
-                <a16:creationId xmlns:a16="http://schemas.microsoft.com/office/drawing/2014/main" id="{7E35AB74-2888-904E-5658-D3DB76F5333B}"/>
-              </a:ext>
-            </a:extLst>
-          </p:cNvPr>
-          <p:cNvSpPr txBox="1"/>
-          <p:nvPr/>
-        </p:nvSpPr>
-        <p:spPr>
-          <a:xfrm>
-            <a:off x="3465359" y="1186890"/>
-            <a:ext cx="2221066" cy="369332"/>
-          </a:xfrm>
-          <a:prstGeom prst="rect">
-            <a:avLst/>
-          </a:prstGeom>
-          <a:noFill/>
-        </p:spPr>
-        <p:txBody>
-          <a:bodyPr wrap="square" rtlCol="0">
-            <a:spAutoFit/>
-          </a:bodyPr>
-          <a:lstStyle/>
-          <a:p>
-            <a:pPr algn="ctr"/>
-            <a:r>
-              <a:rPr kumimoji="1" lang="en-US" altLang="ja-JP" dirty="0">
-                <a:latin typeface="BIZ UDPゴシック" panose="020B0400000000000000" pitchFamily="50" charset="-128"/>
-                <a:ea typeface="BIZ UDPゴシック" panose="020B0400000000000000" pitchFamily="50" charset="-128"/>
-              </a:rPr>
-              <a:t>CSI feedback</a:t>
-            </a:r>
-            <a:endParaRPr kumimoji="1" lang="ja-JP" altLang="en-US" dirty="0">
-              <a:latin typeface="BIZ UDPゴシック" panose="020B0400000000000000" pitchFamily="50" charset="-128"/>
-              <a:ea typeface="BIZ UDPゴシック" panose="020B0400000000000000" pitchFamily="50" charset="-128"/>
-            </a:endParaRPr>
-          </a:p>
-        </p:txBody>
-      </p:sp>
-      <p:sp>
-        <p:nvSpPr>
-          <p:cNvPr id="174" name="テキスト ボックス 173">
-            <a:extLst>
-              <a:ext uri="{FF2B5EF4-FFF2-40B4-BE49-F238E27FC236}">
-                <a16:creationId xmlns:a16="http://schemas.microsoft.com/office/drawing/2014/main" id="{FAEB38AC-355A-0B2F-60D9-29ACF79E424A}"/>
-              </a:ext>
-            </a:extLst>
-          </p:cNvPr>
-          <p:cNvSpPr txBox="1"/>
-          <p:nvPr/>
-        </p:nvSpPr>
-        <p:spPr>
-          <a:xfrm>
-            <a:off x="6618133" y="1140724"/>
-            <a:ext cx="1411441" cy="461665"/>
-          </a:xfrm>
-          <a:prstGeom prst="rect">
-            <a:avLst/>
-          </a:prstGeom>
-          <a:noFill/>
-        </p:spPr>
-        <p:txBody>
-          <a:bodyPr wrap="square" rtlCol="0">
-            <a:spAutoFit/>
-          </a:bodyPr>
-          <a:lstStyle/>
-          <a:p>
-            <a:pPr algn="ctr"/>
-            <a:r>
-              <a:rPr kumimoji="1" lang="en-US" altLang="ja-JP" sz="1200" dirty="0">
-                <a:latin typeface="BIZ UDPゴシック" panose="020B0400000000000000" pitchFamily="50" charset="-128"/>
-                <a:ea typeface="BIZ UDPゴシック" panose="020B0400000000000000" pitchFamily="50" charset="-128"/>
-              </a:rPr>
-              <a:t>Data</a:t>
-            </a:r>
-          </a:p>
-          <a:p>
-            <a:pPr algn="ctr"/>
-            <a:r>
-              <a:rPr lang="en-US" altLang="ja-JP" sz="1200" dirty="0">
-                <a:latin typeface="BIZ UDPゴシック" panose="020B0400000000000000" pitchFamily="50" charset="-128"/>
-                <a:ea typeface="BIZ UDPゴシック" panose="020B0400000000000000" pitchFamily="50" charset="-128"/>
-              </a:rPr>
-              <a:t>transmission</a:t>
-            </a:r>
-            <a:endParaRPr kumimoji="1" lang="ja-JP" altLang="en-US" sz="1200" dirty="0">
-              <a:latin typeface="BIZ UDPゴシック" panose="020B0400000000000000" pitchFamily="50" charset="-128"/>
-              <a:ea typeface="BIZ UDPゴシック" panose="020B0400000000000000" pitchFamily="50" charset="-128"/>
-            </a:endParaRPr>
-          </a:p>
-        </p:txBody>
-      </p:sp>
-      <p:sp>
-        <p:nvSpPr>
-          <p:cNvPr id="175" name="テキスト ボックス 174">
-            <a:extLst>
-              <a:ext uri="{FF2B5EF4-FFF2-40B4-BE49-F238E27FC236}">
-                <a16:creationId xmlns:a16="http://schemas.microsoft.com/office/drawing/2014/main" id="{1FD25F08-AFC6-02A4-08EB-7801AD199CCC}"/>
-              </a:ext>
-            </a:extLst>
-          </p:cNvPr>
-          <p:cNvSpPr txBox="1"/>
-          <p:nvPr/>
-        </p:nvSpPr>
-        <p:spPr>
-          <a:xfrm>
-            <a:off x="8757999" y="1217668"/>
-            <a:ext cx="2244880" cy="338554"/>
-          </a:xfrm>
-          <a:prstGeom prst="rect">
-            <a:avLst/>
-          </a:prstGeom>
-          <a:noFill/>
-        </p:spPr>
-        <p:txBody>
-          <a:bodyPr wrap="square" rtlCol="0">
-            <a:spAutoFit/>
-          </a:bodyPr>
-          <a:lstStyle/>
-          <a:p>
-            <a:pPr algn="ctr"/>
-            <a:r>
-              <a:rPr kumimoji="1" lang="en-US" altLang="ja-JP" sz="1600" dirty="0">
-                <a:latin typeface="BIZ UDPゴシック" panose="020B0400000000000000" pitchFamily="50" charset="-128"/>
-                <a:ea typeface="BIZ UDPゴシック" panose="020B0400000000000000" pitchFamily="50" charset="-128"/>
-              </a:rPr>
-              <a:t>Acknowl</a:t>
-            </a:r>
-            <a:r>
-              <a:rPr lang="en-US" altLang="ja-JP" sz="1600" dirty="0">
-                <a:latin typeface="BIZ UDPゴシック" panose="020B0400000000000000" pitchFamily="50" charset="-128"/>
-                <a:ea typeface="BIZ UDPゴシック" panose="020B0400000000000000" pitchFamily="50" charset="-128"/>
-              </a:rPr>
-              <a:t>edgment</a:t>
-            </a:r>
-            <a:endParaRPr kumimoji="1" lang="ja-JP" altLang="en-US" sz="1600" dirty="0">
-              <a:latin typeface="BIZ UDPゴシック" panose="020B0400000000000000" pitchFamily="50" charset="-128"/>
-              <a:ea typeface="BIZ UDPゴシック" panose="020B0400000000000000" pitchFamily="50" charset="-128"/>
-            </a:endParaRPr>
-          </a:p>
-        </p:txBody>
-      </p:sp>
-      <p:sp>
-        <p:nvSpPr>
-          <p:cNvPr id="176" name="テキスト ボックス 175">
-            <a:extLst>
-              <a:ext uri="{FF2B5EF4-FFF2-40B4-BE49-F238E27FC236}">
-                <a16:creationId xmlns:a16="http://schemas.microsoft.com/office/drawing/2014/main" id="{144B6EFB-A490-7C69-DF14-F9E6B3E4F1A7}"/>
-              </a:ext>
-            </a:extLst>
-          </p:cNvPr>
-          <p:cNvSpPr txBox="1"/>
-          <p:nvPr/>
-        </p:nvSpPr>
-        <p:spPr>
-          <a:xfrm>
-            <a:off x="1103163" y="2299251"/>
-            <a:ext cx="600076" cy="276999"/>
-          </a:xfrm>
-          <a:prstGeom prst="rect">
-            <a:avLst/>
-          </a:prstGeom>
-          <a:noFill/>
-        </p:spPr>
-        <p:txBody>
-          <a:bodyPr wrap="square" rtlCol="0">
-            <a:spAutoFit/>
-          </a:bodyPr>
-          <a:lstStyle/>
-          <a:p>
-            <a:pPr algn="ctr"/>
-            <a:r>
-              <a:rPr kumimoji="1" lang="en-US" altLang="ja-JP" sz="1200" spc="-150" dirty="0">
-                <a:latin typeface="BIZ UDPゴシック" panose="020B0400000000000000" pitchFamily="50" charset="-128"/>
-                <a:ea typeface="BIZ UDPゴシック" panose="020B0400000000000000" pitchFamily="50" charset="-128"/>
-              </a:rPr>
-              <a:t>NDPA</a:t>
-            </a:r>
-            <a:endParaRPr kumimoji="1" lang="ja-JP" altLang="en-US" sz="1200" spc="-150" dirty="0">
-              <a:latin typeface="BIZ UDPゴシック" panose="020B0400000000000000" pitchFamily="50" charset="-128"/>
-              <a:ea typeface="BIZ UDPゴシック" panose="020B0400000000000000" pitchFamily="50" charset="-128"/>
-            </a:endParaRPr>
-          </a:p>
-        </p:txBody>
-      </p:sp>
-      <p:sp>
-        <p:nvSpPr>
-          <p:cNvPr id="177" name="テキスト ボックス 176">
-            <a:extLst>
-              <a:ext uri="{FF2B5EF4-FFF2-40B4-BE49-F238E27FC236}">
-                <a16:creationId xmlns:a16="http://schemas.microsoft.com/office/drawing/2014/main" id="{6A0A1455-1BB4-2ADD-BA25-433691DAE06A}"/>
-              </a:ext>
-            </a:extLst>
-          </p:cNvPr>
-          <p:cNvSpPr txBox="1"/>
-          <p:nvPr/>
-        </p:nvSpPr>
-        <p:spPr>
-          <a:xfrm>
-            <a:off x="1770780" y="2292107"/>
-            <a:ext cx="600076" cy="276999"/>
-          </a:xfrm>
-          <a:prstGeom prst="rect">
-            <a:avLst/>
-          </a:prstGeom>
-          <a:noFill/>
-        </p:spPr>
-        <p:txBody>
-          <a:bodyPr wrap="square" rtlCol="0">
-            <a:spAutoFit/>
-          </a:bodyPr>
-          <a:lstStyle/>
-          <a:p>
-            <a:pPr algn="ctr"/>
-            <a:r>
-              <a:rPr kumimoji="1" lang="en-US" altLang="ja-JP" sz="1200" spc="-150" dirty="0">
-                <a:latin typeface="BIZ UDPゴシック" panose="020B0400000000000000" pitchFamily="50" charset="-128"/>
-                <a:ea typeface="BIZ UDPゴシック" panose="020B0400000000000000" pitchFamily="50" charset="-128"/>
-              </a:rPr>
-              <a:t>NDP</a:t>
-            </a:r>
-            <a:endParaRPr kumimoji="1" lang="ja-JP" altLang="en-US" sz="1200" spc="-150" dirty="0">
-              <a:latin typeface="BIZ UDPゴシック" panose="020B0400000000000000" pitchFamily="50" charset="-128"/>
-              <a:ea typeface="BIZ UDPゴシック" panose="020B0400000000000000" pitchFamily="50" charset="-128"/>
-            </a:endParaRPr>
-          </a:p>
-        </p:txBody>
-      </p:sp>
-      <p:sp>
-        <p:nvSpPr>
-          <p:cNvPr id="178" name="テキスト ボックス 177">
-            <a:extLst>
-              <a:ext uri="{FF2B5EF4-FFF2-40B4-BE49-F238E27FC236}">
-                <a16:creationId xmlns:a16="http://schemas.microsoft.com/office/drawing/2014/main" id="{62779FE2-BEE1-B490-3063-346B07F88716}"/>
-              </a:ext>
-            </a:extLst>
-          </p:cNvPr>
-          <p:cNvSpPr txBox="1"/>
-          <p:nvPr/>
-        </p:nvSpPr>
-        <p:spPr>
-          <a:xfrm>
-            <a:off x="3266205" y="2292107"/>
-            <a:ext cx="600076" cy="276999"/>
-          </a:xfrm>
-          <a:prstGeom prst="rect">
-            <a:avLst/>
-          </a:prstGeom>
-          <a:noFill/>
-        </p:spPr>
-        <p:txBody>
-          <a:bodyPr wrap="square" rtlCol="0">
-            <a:spAutoFit/>
-          </a:bodyPr>
-          <a:lstStyle/>
-          <a:p>
-            <a:pPr algn="ctr"/>
-            <a:r>
-              <a:rPr lang="en-US" altLang="ja-JP" sz="1200" spc="-150" dirty="0">
-                <a:latin typeface="BIZ UDPゴシック" panose="020B0400000000000000" pitchFamily="50" charset="-128"/>
-                <a:ea typeface="BIZ UDPゴシック" panose="020B0400000000000000" pitchFamily="50" charset="-128"/>
-              </a:rPr>
-              <a:t>BRP</a:t>
-            </a:r>
-            <a:endParaRPr kumimoji="1" lang="ja-JP" altLang="en-US" sz="1200" spc="-150" dirty="0">
-              <a:latin typeface="BIZ UDPゴシック" panose="020B0400000000000000" pitchFamily="50" charset="-128"/>
-              <a:ea typeface="BIZ UDPゴシック" panose="020B0400000000000000" pitchFamily="50" charset="-128"/>
-            </a:endParaRPr>
-          </a:p>
-        </p:txBody>
-      </p:sp>
-      <p:sp>
-        <p:nvSpPr>
-          <p:cNvPr id="179" name="テキスト ボックス 178">
-            <a:extLst>
-              <a:ext uri="{FF2B5EF4-FFF2-40B4-BE49-F238E27FC236}">
-                <a16:creationId xmlns:a16="http://schemas.microsoft.com/office/drawing/2014/main" id="{82E3EC7C-7BBF-CB28-CD85-2CEC9A143DED}"/>
-              </a:ext>
-            </a:extLst>
-          </p:cNvPr>
-          <p:cNvSpPr txBox="1"/>
-          <p:nvPr/>
-        </p:nvSpPr>
-        <p:spPr>
-          <a:xfrm>
-            <a:off x="5276598" y="2300982"/>
-            <a:ext cx="600076" cy="276999"/>
-          </a:xfrm>
-          <a:prstGeom prst="rect">
-            <a:avLst/>
-          </a:prstGeom>
-          <a:noFill/>
-        </p:spPr>
-        <p:txBody>
-          <a:bodyPr wrap="square" rtlCol="0">
-            <a:spAutoFit/>
-          </a:bodyPr>
-          <a:lstStyle/>
-          <a:p>
-            <a:pPr algn="ctr"/>
-            <a:r>
-              <a:rPr lang="en-US" altLang="ja-JP" sz="1200" spc="-150" dirty="0">
-                <a:latin typeface="BIZ UDPゴシック" panose="020B0400000000000000" pitchFamily="50" charset="-128"/>
-                <a:ea typeface="BIZ UDPゴシック" panose="020B0400000000000000" pitchFamily="50" charset="-128"/>
-              </a:rPr>
-              <a:t>BRP</a:t>
-            </a:r>
-            <a:endParaRPr kumimoji="1" lang="ja-JP" altLang="en-US" sz="1200" spc="-150" dirty="0">
-              <a:latin typeface="BIZ UDPゴシック" panose="020B0400000000000000" pitchFamily="50" charset="-128"/>
-              <a:ea typeface="BIZ UDPゴシック" panose="020B0400000000000000" pitchFamily="50" charset="-128"/>
-            </a:endParaRPr>
-          </a:p>
-        </p:txBody>
-      </p:sp>
-      <p:sp>
-        <p:nvSpPr>
-          <p:cNvPr id="180" name="テキスト ボックス 179">
-            <a:extLst>
-              <a:ext uri="{FF2B5EF4-FFF2-40B4-BE49-F238E27FC236}">
-                <a16:creationId xmlns:a16="http://schemas.microsoft.com/office/drawing/2014/main" id="{64909182-4C68-8BA6-7D2D-E3E47B87059E}"/>
-              </a:ext>
-            </a:extLst>
-          </p:cNvPr>
-          <p:cNvSpPr txBox="1"/>
-          <p:nvPr/>
-        </p:nvSpPr>
-        <p:spPr>
-          <a:xfrm>
-            <a:off x="2518493" y="2952350"/>
-            <a:ext cx="600076" cy="338554"/>
-          </a:xfrm>
-          <a:prstGeom prst="rect">
-            <a:avLst/>
-          </a:prstGeom>
-          <a:noFill/>
-        </p:spPr>
-        <p:txBody>
-          <a:bodyPr wrap="square" rtlCol="0">
-            <a:spAutoFit/>
-          </a:bodyPr>
-          <a:lstStyle/>
-          <a:p>
-            <a:pPr algn="ctr"/>
-            <a:r>
-              <a:rPr lang="en-US" altLang="ja-JP" sz="1600" spc="-150" dirty="0">
-                <a:latin typeface="BIZ UDPゴシック" panose="020B0400000000000000" pitchFamily="50" charset="-128"/>
-                <a:ea typeface="BIZ UDPゴシック" panose="020B0400000000000000" pitchFamily="50" charset="-128"/>
-              </a:rPr>
-              <a:t>BR</a:t>
-            </a:r>
-            <a:endParaRPr kumimoji="1" lang="ja-JP" altLang="en-US" sz="1600" spc="-150" dirty="0">
-              <a:latin typeface="BIZ UDPゴシック" panose="020B0400000000000000" pitchFamily="50" charset="-128"/>
-              <a:ea typeface="BIZ UDPゴシック" panose="020B0400000000000000" pitchFamily="50" charset="-128"/>
-            </a:endParaRPr>
-          </a:p>
-        </p:txBody>
-      </p:sp>
-      <p:sp>
-        <p:nvSpPr>
-          <p:cNvPr id="181" name="テキスト ボックス 180">
-            <a:extLst>
-              <a:ext uri="{FF2B5EF4-FFF2-40B4-BE49-F238E27FC236}">
-                <a16:creationId xmlns:a16="http://schemas.microsoft.com/office/drawing/2014/main" id="{3E7CE7B3-B25B-52A8-E343-AF24ECD86C52}"/>
-              </a:ext>
-            </a:extLst>
-          </p:cNvPr>
-          <p:cNvSpPr txBox="1"/>
-          <p:nvPr/>
-        </p:nvSpPr>
-        <p:spPr>
-          <a:xfrm>
-            <a:off x="4018680" y="3686272"/>
-            <a:ext cx="600076" cy="338554"/>
-          </a:xfrm>
-          <a:prstGeom prst="rect">
-            <a:avLst/>
-          </a:prstGeom>
-          <a:noFill/>
-        </p:spPr>
-        <p:txBody>
-          <a:bodyPr wrap="square" rtlCol="0">
-            <a:spAutoFit/>
-          </a:bodyPr>
-          <a:lstStyle/>
-          <a:p>
-            <a:pPr algn="ctr"/>
-            <a:r>
-              <a:rPr lang="en-US" altLang="ja-JP" sz="1600" spc="-150" dirty="0">
-                <a:latin typeface="BIZ UDPゴシック" panose="020B0400000000000000" pitchFamily="50" charset="-128"/>
-                <a:ea typeface="BIZ UDPゴシック" panose="020B0400000000000000" pitchFamily="50" charset="-128"/>
-              </a:rPr>
-              <a:t>BR</a:t>
-            </a:r>
-            <a:endParaRPr kumimoji="1" lang="ja-JP" altLang="en-US" sz="1600" spc="-150" dirty="0">
-              <a:latin typeface="BIZ UDPゴシック" panose="020B0400000000000000" pitchFamily="50" charset="-128"/>
-              <a:ea typeface="BIZ UDPゴシック" panose="020B0400000000000000" pitchFamily="50" charset="-128"/>
-            </a:endParaRPr>
-          </a:p>
-        </p:txBody>
-      </p:sp>
-      <p:sp>
-        <p:nvSpPr>
-          <p:cNvPr id="182" name="テキスト ボックス 181">
-            <a:extLst>
-              <a:ext uri="{FF2B5EF4-FFF2-40B4-BE49-F238E27FC236}">
-                <a16:creationId xmlns:a16="http://schemas.microsoft.com/office/drawing/2014/main" id="{CDEE1ED0-235C-E210-2BFB-697408945A1F}"/>
-              </a:ext>
-            </a:extLst>
-          </p:cNvPr>
-          <p:cNvSpPr txBox="1"/>
-          <p:nvPr/>
-        </p:nvSpPr>
-        <p:spPr>
-          <a:xfrm>
-            <a:off x="6021951" y="4390810"/>
-            <a:ext cx="600076" cy="338554"/>
-          </a:xfrm>
-          <a:prstGeom prst="rect">
-            <a:avLst/>
-          </a:prstGeom>
-          <a:noFill/>
-        </p:spPr>
-        <p:txBody>
-          <a:bodyPr wrap="square" rtlCol="0">
-            <a:spAutoFit/>
-          </a:bodyPr>
-          <a:lstStyle/>
-          <a:p>
-            <a:pPr algn="ctr"/>
-            <a:r>
-              <a:rPr lang="en-US" altLang="ja-JP" sz="1600" spc="-150" dirty="0">
-                <a:latin typeface="BIZ UDPゴシック" panose="020B0400000000000000" pitchFamily="50" charset="-128"/>
-                <a:ea typeface="BIZ UDPゴシック" panose="020B0400000000000000" pitchFamily="50" charset="-128"/>
-              </a:rPr>
-              <a:t>BR</a:t>
-            </a:r>
-            <a:endParaRPr kumimoji="1" lang="ja-JP" altLang="en-US" sz="1600" spc="-150" dirty="0">
-              <a:latin typeface="BIZ UDPゴシック" panose="020B0400000000000000" pitchFamily="50" charset="-128"/>
-              <a:ea typeface="BIZ UDPゴシック" panose="020B0400000000000000" pitchFamily="50" charset="-128"/>
-            </a:endParaRPr>
-          </a:p>
-        </p:txBody>
-      </p:sp>
-      <p:sp>
-        <p:nvSpPr>
-          <p:cNvPr id="183" name="テキスト ボックス 182">
-            <a:extLst>
-              <a:ext uri="{FF2B5EF4-FFF2-40B4-BE49-F238E27FC236}">
-                <a16:creationId xmlns:a16="http://schemas.microsoft.com/office/drawing/2014/main" id="{5AAE0DD0-F877-A3EE-86BC-85EB3130C3C5}"/>
-              </a:ext>
-            </a:extLst>
-          </p:cNvPr>
-          <p:cNvSpPr txBox="1"/>
-          <p:nvPr/>
-        </p:nvSpPr>
-        <p:spPr>
-          <a:xfrm>
-            <a:off x="7063376" y="2298150"/>
-            <a:ext cx="818536" cy="307777"/>
-          </a:xfrm>
-          <a:prstGeom prst="rect">
-            <a:avLst/>
-          </a:prstGeom>
-          <a:noFill/>
-        </p:spPr>
-        <p:txBody>
-          <a:bodyPr wrap="square" rtlCol="0">
-            <a:spAutoFit/>
-          </a:bodyPr>
-          <a:lstStyle/>
-          <a:p>
-            <a:pPr algn="ctr"/>
-            <a:r>
-              <a:rPr kumimoji="1" lang="en-US" altLang="ja-JP" sz="1400" spc="-150" dirty="0">
-                <a:latin typeface="BIZ UDPゴシック" panose="020B0400000000000000" pitchFamily="50" charset="-128"/>
-                <a:ea typeface="BIZ UDPゴシック" panose="020B0400000000000000" pitchFamily="50" charset="-128"/>
-              </a:rPr>
-              <a:t>DATA</a:t>
-            </a:r>
-            <a:endParaRPr kumimoji="1" lang="ja-JP" altLang="en-US" sz="1400" spc="-150" dirty="0">
-              <a:latin typeface="BIZ UDPゴシック" panose="020B0400000000000000" pitchFamily="50" charset="-128"/>
-              <a:ea typeface="BIZ UDPゴシック" panose="020B0400000000000000" pitchFamily="50" charset="-128"/>
-            </a:endParaRPr>
-          </a:p>
-        </p:txBody>
-      </p:sp>
-      <p:sp>
-        <p:nvSpPr>
-          <p:cNvPr id="184" name="テキスト ボックス 183">
-            <a:extLst>
-              <a:ext uri="{FF2B5EF4-FFF2-40B4-BE49-F238E27FC236}">
-                <a16:creationId xmlns:a16="http://schemas.microsoft.com/office/drawing/2014/main" id="{DF0E4591-26D7-6904-9FE3-CCDDBA2A9A8D}"/>
-              </a:ext>
-            </a:extLst>
-          </p:cNvPr>
-          <p:cNvSpPr txBox="1"/>
-          <p:nvPr/>
-        </p:nvSpPr>
-        <p:spPr>
-          <a:xfrm>
-            <a:off x="8952252" y="2285849"/>
-            <a:ext cx="548332" cy="307777"/>
-          </a:xfrm>
-          <a:prstGeom prst="rect">
-            <a:avLst/>
-          </a:prstGeom>
-          <a:noFill/>
-        </p:spPr>
-        <p:txBody>
-          <a:bodyPr wrap="square" rtlCol="0">
-            <a:spAutoFit/>
-          </a:bodyPr>
-          <a:lstStyle/>
-          <a:p>
-            <a:pPr algn="ctr"/>
-            <a:r>
-              <a:rPr lang="en-US" altLang="ja-JP" sz="1400" spc="-150" dirty="0">
-                <a:latin typeface="BIZ UDPゴシック" panose="020B0400000000000000" pitchFamily="50" charset="-128"/>
-                <a:ea typeface="BIZ UDPゴシック" panose="020B0400000000000000" pitchFamily="50" charset="-128"/>
-              </a:rPr>
-              <a:t>BAR</a:t>
-            </a:r>
-            <a:endParaRPr kumimoji="1" lang="ja-JP" altLang="en-US" sz="1400" spc="-150" dirty="0">
-              <a:latin typeface="BIZ UDPゴシック" panose="020B0400000000000000" pitchFamily="50" charset="-128"/>
-              <a:ea typeface="BIZ UDPゴシック" panose="020B0400000000000000" pitchFamily="50" charset="-128"/>
-            </a:endParaRPr>
-          </a:p>
-        </p:txBody>
-      </p:sp>
-      <p:sp>
-        <p:nvSpPr>
-          <p:cNvPr id="185" name="テキスト ボックス 184">
-            <a:extLst>
-              <a:ext uri="{FF2B5EF4-FFF2-40B4-BE49-F238E27FC236}">
-                <a16:creationId xmlns:a16="http://schemas.microsoft.com/office/drawing/2014/main" id="{D7E63310-3E91-CCA4-78E2-27DB1EEAF637}"/>
-              </a:ext>
-            </a:extLst>
-          </p:cNvPr>
-          <p:cNvSpPr txBox="1"/>
-          <p:nvPr/>
-        </p:nvSpPr>
-        <p:spPr>
-          <a:xfrm>
-            <a:off x="10628076" y="2282761"/>
-            <a:ext cx="548332" cy="307777"/>
-          </a:xfrm>
-          <a:prstGeom prst="rect">
-            <a:avLst/>
-          </a:prstGeom>
-          <a:noFill/>
-        </p:spPr>
-        <p:txBody>
-          <a:bodyPr wrap="square" rtlCol="0">
-            <a:spAutoFit/>
-          </a:bodyPr>
-          <a:lstStyle/>
-          <a:p>
-            <a:pPr algn="ctr"/>
-            <a:r>
-              <a:rPr lang="en-US" altLang="ja-JP" sz="1400" spc="-150" dirty="0">
-                <a:latin typeface="BIZ UDPゴシック" panose="020B0400000000000000" pitchFamily="50" charset="-128"/>
-                <a:ea typeface="BIZ UDPゴシック" panose="020B0400000000000000" pitchFamily="50" charset="-128"/>
-              </a:rPr>
-              <a:t>BAR</a:t>
-            </a:r>
-            <a:endParaRPr kumimoji="1" lang="ja-JP" altLang="en-US" sz="1400" spc="-150" dirty="0">
-              <a:latin typeface="BIZ UDPゴシック" panose="020B0400000000000000" pitchFamily="50" charset="-128"/>
-              <a:ea typeface="BIZ UDPゴシック" panose="020B0400000000000000" pitchFamily="50" charset="-128"/>
-            </a:endParaRPr>
-          </a:p>
-        </p:txBody>
-      </p:sp>
-      <p:sp>
-        <p:nvSpPr>
-          <p:cNvPr id="186" name="テキスト ボックス 185">
-            <a:extLst>
-              <a:ext uri="{FF2B5EF4-FFF2-40B4-BE49-F238E27FC236}">
-                <a16:creationId xmlns:a16="http://schemas.microsoft.com/office/drawing/2014/main" id="{27235142-674D-56F2-D0A6-50A8862C79AB}"/>
-              </a:ext>
-            </a:extLst>
-          </p:cNvPr>
-          <p:cNvSpPr txBox="1"/>
-          <p:nvPr/>
-        </p:nvSpPr>
-        <p:spPr>
-          <a:xfrm>
-            <a:off x="8209667" y="3002518"/>
-            <a:ext cx="548332" cy="307777"/>
-          </a:xfrm>
-          <a:prstGeom prst="rect">
-            <a:avLst/>
-          </a:prstGeom>
-          <a:noFill/>
-        </p:spPr>
-        <p:txBody>
-          <a:bodyPr wrap="square" rtlCol="0">
-            <a:spAutoFit/>
-          </a:bodyPr>
-          <a:lstStyle/>
-          <a:p>
-            <a:pPr algn="ctr"/>
-            <a:r>
-              <a:rPr lang="en-US" altLang="ja-JP" sz="1400" spc="-150" dirty="0">
-                <a:latin typeface="BIZ UDPゴシック" panose="020B0400000000000000" pitchFamily="50" charset="-128"/>
-                <a:ea typeface="BIZ UDPゴシック" panose="020B0400000000000000" pitchFamily="50" charset="-128"/>
-              </a:rPr>
-              <a:t>BA</a:t>
-            </a:r>
-            <a:endParaRPr kumimoji="1" lang="ja-JP" altLang="en-US" sz="1400" spc="-150" dirty="0">
-              <a:latin typeface="BIZ UDPゴシック" panose="020B0400000000000000" pitchFamily="50" charset="-128"/>
-              <a:ea typeface="BIZ UDPゴシック" panose="020B0400000000000000" pitchFamily="50" charset="-128"/>
-            </a:endParaRPr>
-          </a:p>
-        </p:txBody>
-      </p:sp>
-      <p:sp>
-        <p:nvSpPr>
-          <p:cNvPr id="187" name="テキスト ボックス 186">
-            <a:extLst>
-              <a:ext uri="{FF2B5EF4-FFF2-40B4-BE49-F238E27FC236}">
-                <a16:creationId xmlns:a16="http://schemas.microsoft.com/office/drawing/2014/main" id="{2503E611-F636-8375-E4A2-A8915994155A}"/>
-              </a:ext>
-            </a:extLst>
-          </p:cNvPr>
-          <p:cNvSpPr txBox="1"/>
-          <p:nvPr/>
-        </p:nvSpPr>
-        <p:spPr>
-          <a:xfrm>
-            <a:off x="9627705" y="3738481"/>
-            <a:ext cx="548332" cy="307777"/>
-          </a:xfrm>
-          <a:prstGeom prst="rect">
-            <a:avLst/>
-          </a:prstGeom>
-          <a:noFill/>
-        </p:spPr>
-        <p:txBody>
-          <a:bodyPr wrap="square" rtlCol="0">
-            <a:spAutoFit/>
-          </a:bodyPr>
-          <a:lstStyle/>
-          <a:p>
-            <a:pPr algn="ctr"/>
-            <a:r>
-              <a:rPr lang="en-US" altLang="ja-JP" sz="1400" spc="-150" dirty="0">
-                <a:latin typeface="BIZ UDPゴシック" panose="020B0400000000000000" pitchFamily="50" charset="-128"/>
-                <a:ea typeface="BIZ UDPゴシック" panose="020B0400000000000000" pitchFamily="50" charset="-128"/>
-              </a:rPr>
-              <a:t>BA</a:t>
-            </a:r>
-            <a:endParaRPr kumimoji="1" lang="ja-JP" altLang="en-US" sz="1400" spc="-150" dirty="0">
-              <a:latin typeface="BIZ UDPゴシック" panose="020B0400000000000000" pitchFamily="50" charset="-128"/>
-              <a:ea typeface="BIZ UDPゴシック" panose="020B0400000000000000" pitchFamily="50" charset="-128"/>
-            </a:endParaRPr>
-          </a:p>
-        </p:txBody>
-      </p:sp>
-      <p:sp>
-        <p:nvSpPr>
-          <p:cNvPr id="188" name="テキスト ボックス 187">
-            <a:extLst>
-              <a:ext uri="{FF2B5EF4-FFF2-40B4-BE49-F238E27FC236}">
-                <a16:creationId xmlns:a16="http://schemas.microsoft.com/office/drawing/2014/main" id="{5D807CA8-141E-1863-7997-C058394371C6}"/>
-              </a:ext>
-            </a:extLst>
-          </p:cNvPr>
-          <p:cNvSpPr txBox="1"/>
-          <p:nvPr/>
-        </p:nvSpPr>
-        <p:spPr>
-          <a:xfrm>
-            <a:off x="11290053" y="4449807"/>
-            <a:ext cx="548332" cy="307777"/>
-          </a:xfrm>
-          <a:prstGeom prst="rect">
-            <a:avLst/>
-          </a:prstGeom>
-          <a:noFill/>
-        </p:spPr>
-        <p:txBody>
-          <a:bodyPr wrap="square" rtlCol="0">
-            <a:spAutoFit/>
-          </a:bodyPr>
-          <a:lstStyle/>
-          <a:p>
-            <a:pPr algn="ctr"/>
-            <a:r>
-              <a:rPr lang="en-US" altLang="ja-JP" sz="1400" spc="-150" dirty="0">
-                <a:latin typeface="BIZ UDPゴシック" panose="020B0400000000000000" pitchFamily="50" charset="-128"/>
-                <a:ea typeface="BIZ UDPゴシック" panose="020B0400000000000000" pitchFamily="50" charset="-128"/>
-              </a:rPr>
-              <a:t>BA</a:t>
-            </a:r>
-            <a:endParaRPr kumimoji="1" lang="ja-JP" altLang="en-US" sz="1400" spc="-150" dirty="0">
-              <a:latin typeface="BIZ UDPゴシック" panose="020B0400000000000000" pitchFamily="50" charset="-128"/>
-              <a:ea typeface="BIZ UDPゴシック" panose="020B0400000000000000" pitchFamily="50" charset="-128"/>
-            </a:endParaRPr>
-          </a:p>
-        </p:txBody>
-      </p:sp>
-      <p:sp>
-        <p:nvSpPr>
-          <p:cNvPr id="189" name="テキスト ボックス 188">
-            <a:extLst>
-              <a:ext uri="{FF2B5EF4-FFF2-40B4-BE49-F238E27FC236}">
-                <a16:creationId xmlns:a16="http://schemas.microsoft.com/office/drawing/2014/main" id="{EC81809D-DDF9-9754-95D5-34AB158D0CA7}"/>
-              </a:ext>
-            </a:extLst>
-          </p:cNvPr>
-          <p:cNvSpPr txBox="1"/>
-          <p:nvPr/>
-        </p:nvSpPr>
-        <p:spPr>
-          <a:xfrm>
-            <a:off x="327743" y="5063318"/>
-            <a:ext cx="3776018" cy="584775"/>
-          </a:xfrm>
-          <a:prstGeom prst="rect">
-            <a:avLst/>
-          </a:prstGeom>
-          <a:noFill/>
-        </p:spPr>
-        <p:txBody>
-          <a:bodyPr wrap="square" rtlCol="0">
-            <a:spAutoFit/>
-          </a:bodyPr>
-          <a:lstStyle/>
-          <a:p>
-            <a:r>
-              <a:rPr lang="en-US" altLang="ja-JP" sz="1600" dirty="0">
-                <a:latin typeface="BIZ UDPゴシック" panose="020B0400000000000000" pitchFamily="50" charset="-128"/>
-                <a:ea typeface="BIZ UDPゴシック" panose="020B0400000000000000" pitchFamily="50" charset="-128"/>
-              </a:rPr>
-              <a:t>NDP : Null Data Packet</a:t>
-            </a:r>
-          </a:p>
-          <a:p>
-            <a:r>
-              <a:rPr kumimoji="1" lang="en-US" altLang="ja-JP" sz="1600" dirty="0">
-                <a:latin typeface="BIZ UDPゴシック" panose="020B0400000000000000" pitchFamily="50" charset="-128"/>
-                <a:ea typeface="BIZ UDPゴシック" panose="020B0400000000000000" pitchFamily="50" charset="-128"/>
-              </a:rPr>
-              <a:t>NDPA : </a:t>
-            </a:r>
-            <a:r>
-              <a:rPr lang="en-US" altLang="ja-JP" sz="1600" dirty="0">
-                <a:latin typeface="BIZ UDPゴシック" panose="020B0400000000000000" pitchFamily="50" charset="-128"/>
-                <a:ea typeface="BIZ UDPゴシック" panose="020B0400000000000000" pitchFamily="50" charset="-128"/>
-              </a:rPr>
-              <a:t>NDP Announcement</a:t>
-            </a:r>
-            <a:endParaRPr kumimoji="1" lang="ja-JP" altLang="en-US" sz="1600" dirty="0">
-              <a:latin typeface="BIZ UDPゴシック" panose="020B0400000000000000" pitchFamily="50" charset="-128"/>
-              <a:ea typeface="BIZ UDPゴシック" panose="020B0400000000000000" pitchFamily="50" charset="-128"/>
-            </a:endParaRPr>
-          </a:p>
-        </p:txBody>
-      </p:sp>
-      <p:sp>
-        <p:nvSpPr>
-          <p:cNvPr id="190" name="テキスト ボックス 189">
-            <a:extLst>
-              <a:ext uri="{FF2B5EF4-FFF2-40B4-BE49-F238E27FC236}">
-                <a16:creationId xmlns:a16="http://schemas.microsoft.com/office/drawing/2014/main" id="{B72C3E15-BEAF-BA79-983D-76CFE01B5865}"/>
-              </a:ext>
-            </a:extLst>
-          </p:cNvPr>
-          <p:cNvSpPr txBox="1"/>
-          <p:nvPr/>
-        </p:nvSpPr>
-        <p:spPr>
-          <a:xfrm>
-            <a:off x="4312223" y="5063318"/>
-            <a:ext cx="3776018" cy="584775"/>
-          </a:xfrm>
-          <a:prstGeom prst="rect">
-            <a:avLst/>
-          </a:prstGeom>
-          <a:noFill/>
-        </p:spPr>
-        <p:txBody>
-          <a:bodyPr wrap="square" rtlCol="0">
-            <a:spAutoFit/>
-          </a:bodyPr>
-          <a:lstStyle/>
-          <a:p>
-            <a:r>
-              <a:rPr lang="en-US" altLang="ja-JP" sz="1600" dirty="0">
-                <a:latin typeface="BIZ UDPゴシック" panose="020B0400000000000000" pitchFamily="50" charset="-128"/>
-                <a:ea typeface="BIZ UDPゴシック" panose="020B0400000000000000" pitchFamily="50" charset="-128"/>
-              </a:rPr>
-              <a:t>BR : Beamforming Report</a:t>
-            </a:r>
-          </a:p>
-          <a:p>
-            <a:r>
-              <a:rPr lang="en-US" altLang="ja-JP" sz="1600" dirty="0">
-                <a:latin typeface="BIZ UDPゴシック" panose="020B0400000000000000" pitchFamily="50" charset="-128"/>
-                <a:ea typeface="BIZ UDPゴシック" panose="020B0400000000000000" pitchFamily="50" charset="-128"/>
-              </a:rPr>
-              <a:t>BRP : BR Polling</a:t>
-            </a:r>
-            <a:endParaRPr kumimoji="1" lang="ja-JP" altLang="en-US" sz="1600" dirty="0">
-              <a:latin typeface="BIZ UDPゴシック" panose="020B0400000000000000" pitchFamily="50" charset="-128"/>
-              <a:ea typeface="BIZ UDPゴシック" panose="020B0400000000000000" pitchFamily="50" charset="-128"/>
-            </a:endParaRPr>
-          </a:p>
-        </p:txBody>
-      </p:sp>
-      <p:sp>
-        <p:nvSpPr>
-          <p:cNvPr id="191" name="テキスト ボックス 190">
-            <a:extLst>
-              <a:ext uri="{FF2B5EF4-FFF2-40B4-BE49-F238E27FC236}">
-                <a16:creationId xmlns:a16="http://schemas.microsoft.com/office/drawing/2014/main" id="{B48D9C16-ABB4-E7BC-A2C2-09D7BA0395DC}"/>
-              </a:ext>
-            </a:extLst>
-          </p:cNvPr>
-          <p:cNvSpPr txBox="1"/>
-          <p:nvPr/>
-        </p:nvSpPr>
-        <p:spPr>
-          <a:xfrm>
-            <a:off x="8304128" y="5032897"/>
-            <a:ext cx="3776018" cy="584775"/>
-          </a:xfrm>
-          <a:prstGeom prst="rect">
-            <a:avLst/>
-          </a:prstGeom>
-          <a:noFill/>
-        </p:spPr>
-        <p:txBody>
-          <a:bodyPr wrap="square" rtlCol="0">
-            <a:spAutoFit/>
-          </a:bodyPr>
-          <a:lstStyle/>
-          <a:p>
-            <a:r>
-              <a:rPr lang="en-US" altLang="ja-JP" sz="1600" dirty="0">
-                <a:latin typeface="BIZ UDPゴシック" panose="020B0400000000000000" pitchFamily="50" charset="-128"/>
-                <a:ea typeface="BIZ UDPゴシック" panose="020B0400000000000000" pitchFamily="50" charset="-128"/>
-              </a:rPr>
-              <a:t>BA : Block ACK</a:t>
-            </a:r>
-          </a:p>
-          <a:p>
-            <a:r>
-              <a:rPr kumimoji="1" lang="en-US" altLang="ja-JP" sz="1600" dirty="0">
-                <a:latin typeface="BIZ UDPゴシック" panose="020B0400000000000000" pitchFamily="50" charset="-128"/>
-                <a:ea typeface="BIZ UDPゴシック" panose="020B0400000000000000" pitchFamily="50" charset="-128"/>
-              </a:rPr>
-              <a:t>BAR : BA R</a:t>
-            </a:r>
-            <a:r>
-              <a:rPr lang="en-US" altLang="ja-JP" sz="1600" dirty="0">
-                <a:latin typeface="BIZ UDPゴシック" panose="020B0400000000000000" pitchFamily="50" charset="-128"/>
-                <a:ea typeface="BIZ UDPゴシック" panose="020B0400000000000000" pitchFamily="50" charset="-128"/>
-              </a:rPr>
-              <a:t>equest</a:t>
-            </a:r>
-            <a:endParaRPr kumimoji="1" lang="ja-JP" altLang="en-US" sz="1600" dirty="0">
-              <a:latin typeface="BIZ UDPゴシック" panose="020B0400000000000000" pitchFamily="50" charset="-128"/>
-              <a:ea typeface="BIZ UDPゴシック" panose="020B0400000000000000" pitchFamily="50" charset="-128"/>
-            </a:endParaRPr>
+            <a:r>
+              <a:rPr kumimoji="1" lang="ja-JP" altLang="en-US" dirty="0"/>
+              <a:t>は</a:t>
+            </a:r>
+            <a:r>
+              <a:rPr kumimoji="1" lang="en-US" altLang="ja-JP" dirty="0"/>
+              <a:t>STAs(Stations)</a:t>
+            </a:r>
+            <a:r>
+              <a:rPr kumimoji="1" lang="ja-JP" altLang="en-US" dirty="0"/>
+              <a:t>にビームを動的に向ける送信ビームフォーミングにより異なる信号を同時に送受信できることから空間リソースを有効に利用する</a:t>
+            </a:r>
+            <a:r>
+              <a:rPr kumimoji="1" lang="en-US" altLang="ja-JP" dirty="0"/>
+              <a:t>.</a:t>
+            </a:r>
+            <a:endParaRPr kumimoji="1" lang="ja-JP" altLang="en-US" dirty="0"/>
           </a:p>
         </p:txBody>
       </p:sp>
     </p:spTree>
     <p:extLst>
       <p:ext uri="{BB962C8B-B14F-4D97-AF65-F5344CB8AC3E}">
-        <p14:creationId xmlns:p14="http://schemas.microsoft.com/office/powerpoint/2010/main" val="428280065"/>
+        <p14:creationId xmlns:p14="http://schemas.microsoft.com/office/powerpoint/2010/main" val="2616035584"/>
       </p:ext>
     </p:extLst>
   </p:cSld>
@@ -14741,7 +14184,7 @@
           <p:cNvPr id="4" name="テキスト ボックス 3">
             <a:extLst>
               <a:ext uri="{FF2B5EF4-FFF2-40B4-BE49-F238E27FC236}">
-                <a16:creationId xmlns:a16="http://schemas.microsoft.com/office/drawing/2014/main" id="{EC1B87F1-9C1C-5F33-C890-DF44359298D6}"/>
+                <a16:creationId xmlns:a16="http://schemas.microsoft.com/office/drawing/2014/main" id="{81C4D86E-650F-FAF4-76BA-8BA9C8F1DF2B}"/>
               </a:ext>
             </a:extLst>
           </p:cNvPr>
@@ -14778,12 +14221,51 @@
           </a:p>
         </p:txBody>
       </p:sp>
+      <p:pic>
+        <p:nvPicPr>
+          <p:cNvPr id="6" name="グラフィックス 5">
+            <a:extLst>
+              <a:ext uri="{FF2B5EF4-FFF2-40B4-BE49-F238E27FC236}">
+                <a16:creationId xmlns:a16="http://schemas.microsoft.com/office/drawing/2014/main" id="{12A619E8-682C-71F5-145C-F3E2A024FCD3}"/>
+              </a:ext>
+            </a:extLst>
+          </p:cNvPr>
+          <p:cNvPicPr>
+            <a:picLocks noChangeAspect="1"/>
+          </p:cNvPicPr>
+          <p:nvPr/>
+        </p:nvPicPr>
+        <p:blipFill>
+          <a:blip r:embed="rId3">
+            <a:extLst>
+              <a:ext uri="{28A0092B-C50C-407E-A947-70E740481C1C}">
+                <a14:useLocalDpi xmlns:a14="http://schemas.microsoft.com/office/drawing/2010/main" val="0"/>
+              </a:ext>
+              <a:ext uri="{96DAC541-7B7A-43D3-8B79-37D633B846F1}">
+                <asvg:svgBlip xmlns:asvg="http://schemas.microsoft.com/office/drawing/2016/SVG/main" r:embed="rId4"/>
+              </a:ext>
+            </a:extLst>
+          </a:blip>
+          <a:stretch>
+            <a:fillRect/>
+          </a:stretch>
+        </p:blipFill>
+        <p:spPr>
+          <a:xfrm>
+            <a:off x="627781" y="1671638"/>
+            <a:ext cx="11398355" cy="3219959"/>
+          </a:xfrm>
+          <a:prstGeom prst="rect">
+            <a:avLst/>
+          </a:prstGeom>
+        </p:spPr>
+      </p:pic>
       <p:sp>
         <p:nvSpPr>
-          <p:cNvPr id="5" name="テキスト ボックス 4">
+          <p:cNvPr id="7" name="テキスト ボックス 6">
             <a:extLst>
               <a:ext uri="{FF2B5EF4-FFF2-40B4-BE49-F238E27FC236}">
-                <a16:creationId xmlns:a16="http://schemas.microsoft.com/office/drawing/2014/main" id="{FB223AAB-1D89-B214-7555-3FF6808DA4C8}"/>
+                <a16:creationId xmlns:a16="http://schemas.microsoft.com/office/drawing/2014/main" id="{2388829A-20B8-6B2C-61E1-65EA718070F2}"/>
               </a:ext>
             </a:extLst>
           </p:cNvPr>
@@ -14792,8 +14274,8 @@
         </p:nvSpPr>
         <p:spPr>
           <a:xfrm>
-            <a:off x="1242780" y="1837521"/>
-            <a:ext cx="9815513" cy="954107"/>
+            <a:off x="27706" y="2372611"/>
+            <a:ext cx="600075" cy="338554"/>
           </a:xfrm>
           <a:prstGeom prst="rect">
             <a:avLst/>
@@ -14806,63 +14288,15 @@
           </a:bodyPr>
           <a:lstStyle/>
           <a:p>
-            <a:r>
-              <a:rPr kumimoji="1" lang="ja-JP" altLang="en-US" sz="2800" dirty="0">
+            <a:pPr algn="ctr"/>
+            <a:r>
+              <a:rPr kumimoji="1" lang="en-US" altLang="ja-JP" sz="1600" dirty="0">
                 <a:latin typeface="BIZ UDPゴシック" panose="020B0400000000000000" pitchFamily="50" charset="-128"/>
                 <a:ea typeface="BIZ UDPゴシック" panose="020B0400000000000000" pitchFamily="50" charset="-128"/>
               </a:rPr>
-              <a:t>データパケットは</a:t>
-            </a:r>
-            <a:r>
-              <a:rPr kumimoji="1" lang="en-US" altLang="ja-JP" sz="2800" dirty="0">
-                <a:latin typeface="BIZ UDPゴシック" panose="020B0400000000000000" pitchFamily="50" charset="-128"/>
-                <a:ea typeface="BIZ UDPゴシック" panose="020B0400000000000000" pitchFamily="50" charset="-128"/>
-              </a:rPr>
-              <a:t>CSI</a:t>
-            </a:r>
-            <a:r>
-              <a:rPr lang="ja-JP" altLang="en-US" sz="2800" dirty="0">
-                <a:latin typeface="BIZ UDPゴシック" panose="020B0400000000000000" pitchFamily="50" charset="-128"/>
-                <a:ea typeface="BIZ UDPゴシック" panose="020B0400000000000000" pitchFamily="50" charset="-128"/>
-              </a:rPr>
-              <a:t> </a:t>
-            </a:r>
-            <a:r>
-              <a:rPr lang="en-US" altLang="ja-JP" sz="2800" dirty="0">
-                <a:latin typeface="BIZ UDPゴシック" panose="020B0400000000000000" pitchFamily="50" charset="-128"/>
-                <a:ea typeface="BIZ UDPゴシック" panose="020B0400000000000000" pitchFamily="50" charset="-128"/>
-              </a:rPr>
-              <a:t>Feedback</a:t>
-            </a:r>
-            <a:r>
-              <a:rPr lang="ja-JP" altLang="en-US" sz="2800" dirty="0">
-                <a:latin typeface="BIZ UDPゴシック" panose="020B0400000000000000" pitchFamily="50" charset="-128"/>
-                <a:ea typeface="BIZ UDPゴシック" panose="020B0400000000000000" pitchFamily="50" charset="-128"/>
-              </a:rPr>
-              <a:t>によるチャネル推定が完了したところで送信状態へ移行し</a:t>
-            </a:r>
-            <a:r>
-              <a:rPr lang="en-US" altLang="ja-JP" sz="2800" dirty="0">
-                <a:latin typeface="BIZ UDPゴシック" panose="020B0400000000000000" pitchFamily="50" charset="-128"/>
-                <a:ea typeface="BIZ UDPゴシック" panose="020B0400000000000000" pitchFamily="50" charset="-128"/>
-              </a:rPr>
-              <a:t>,</a:t>
-            </a:r>
-            <a:r>
-              <a:rPr lang="ja-JP" altLang="en-US" sz="2800" dirty="0">
-                <a:latin typeface="BIZ UDPゴシック" panose="020B0400000000000000" pitchFamily="50" charset="-128"/>
-                <a:ea typeface="BIZ UDPゴシック" panose="020B0400000000000000" pitchFamily="50" charset="-128"/>
-              </a:rPr>
-              <a:t>同期して送信する必要がある</a:t>
-            </a:r>
-            <a:r>
-              <a:rPr lang="en-US" altLang="ja-JP" sz="2800" dirty="0">
-                <a:latin typeface="BIZ UDPゴシック" panose="020B0400000000000000" pitchFamily="50" charset="-128"/>
-                <a:ea typeface="BIZ UDPゴシック" panose="020B0400000000000000" pitchFamily="50" charset="-128"/>
-              </a:rPr>
-              <a:t>.</a:t>
-            </a:r>
-            <a:endParaRPr kumimoji="1" lang="ja-JP" altLang="en-US" sz="2800" dirty="0">
+              <a:t>AP</a:t>
+            </a:r>
+            <a:endParaRPr kumimoji="1" lang="ja-JP" altLang="en-US" sz="1600" dirty="0">
               <a:latin typeface="BIZ UDPゴシック" panose="020B0400000000000000" pitchFamily="50" charset="-128"/>
               <a:ea typeface="BIZ UDPゴシック" panose="020B0400000000000000" pitchFamily="50" charset="-128"/>
             </a:endParaRPr>
@@ -14871,10 +14305,10 @@
       </p:sp>
       <p:sp>
         <p:nvSpPr>
-          <p:cNvPr id="7" name="テキスト ボックス 6">
+          <p:cNvPr id="168" name="テキスト ボックス 167">
             <a:extLst>
               <a:ext uri="{FF2B5EF4-FFF2-40B4-BE49-F238E27FC236}">
-                <a16:creationId xmlns:a16="http://schemas.microsoft.com/office/drawing/2014/main" id="{708DC01C-0E7E-9586-9518-8051754A0E16}"/>
+                <a16:creationId xmlns:a16="http://schemas.microsoft.com/office/drawing/2014/main" id="{088B0BC2-448D-E815-74D2-B1CA14E9ADBD}"/>
               </a:ext>
             </a:extLst>
           </p:cNvPr>
@@ -14883,8 +14317,8 @@
         </p:nvSpPr>
         <p:spPr>
           <a:xfrm>
-            <a:off x="1902156" y="2860655"/>
-            <a:ext cx="9156137" cy="954107"/>
+            <a:off x="0" y="3002518"/>
+            <a:ext cx="985838" cy="338554"/>
           </a:xfrm>
           <a:prstGeom prst="rect">
             <a:avLst/>
@@ -14897,35 +14331,15 @@
           </a:bodyPr>
           <a:lstStyle/>
           <a:p>
-            <a:r>
-              <a:rPr lang="ja-JP" altLang="en-US" sz="2800" dirty="0">
+            <a:pPr algn="ctr"/>
+            <a:r>
+              <a:rPr lang="en-US" altLang="ja-JP" sz="1600" dirty="0">
                 <a:latin typeface="BIZ UDPゴシック" panose="020B0400000000000000" pitchFamily="50" charset="-128"/>
                 <a:ea typeface="BIZ UDPゴシック" panose="020B0400000000000000" pitchFamily="50" charset="-128"/>
               </a:rPr>
-              <a:t>データ送信開始までのオーバーヘッドとなり</a:t>
-            </a:r>
-            <a:r>
-              <a:rPr lang="en-US" altLang="ja-JP" sz="2800" dirty="0">
-                <a:latin typeface="BIZ UDPゴシック" panose="020B0400000000000000" pitchFamily="50" charset="-128"/>
-                <a:ea typeface="BIZ UDPゴシック" panose="020B0400000000000000" pitchFamily="50" charset="-128"/>
-              </a:rPr>
-              <a:t>,</a:t>
-            </a:r>
-            <a:r>
-              <a:rPr lang="ja-JP" altLang="en-US" sz="2800" dirty="0">
-                <a:latin typeface="BIZ UDPゴシック" panose="020B0400000000000000" pitchFamily="50" charset="-128"/>
-                <a:ea typeface="BIZ UDPゴシック" panose="020B0400000000000000" pitchFamily="50" charset="-128"/>
-              </a:rPr>
-              <a:t>伝送効率を低下させる</a:t>
-            </a:r>
-            <a:r>
-              <a:rPr lang="en-US" altLang="ja-JP" sz="2800" dirty="0">
-                <a:latin typeface="BIZ UDPゴシック" panose="020B0400000000000000" pitchFamily="50" charset="-128"/>
-                <a:ea typeface="BIZ UDPゴシック" panose="020B0400000000000000" pitchFamily="50" charset="-128"/>
-              </a:rPr>
-              <a:t>.</a:t>
-            </a:r>
-            <a:endParaRPr kumimoji="1" lang="ja-JP" altLang="en-US" sz="2800" dirty="0">
+              <a:t>STA#1</a:t>
+            </a:r>
+            <a:endParaRPr kumimoji="1" lang="ja-JP" altLang="en-US" sz="1600" dirty="0">
               <a:latin typeface="BIZ UDPゴシック" panose="020B0400000000000000" pitchFamily="50" charset="-128"/>
               <a:ea typeface="BIZ UDPゴシック" panose="020B0400000000000000" pitchFamily="50" charset="-128"/>
             </a:endParaRPr>
@@ -14934,10 +14348,10 @@
       </p:sp>
       <p:sp>
         <p:nvSpPr>
-          <p:cNvPr id="8" name="テキスト ボックス 7">
+          <p:cNvPr id="169" name="テキスト ボックス 168">
             <a:extLst>
               <a:ext uri="{FF2B5EF4-FFF2-40B4-BE49-F238E27FC236}">
-                <a16:creationId xmlns:a16="http://schemas.microsoft.com/office/drawing/2014/main" id="{EE806ECE-119D-E56E-856F-CDC63ED5EA8B}"/>
+                <a16:creationId xmlns:a16="http://schemas.microsoft.com/office/drawing/2014/main" id="{112CBA20-874B-5C26-ECB3-F482F9D4BDBB}"/>
               </a:ext>
             </a:extLst>
           </p:cNvPr>
@@ -14946,8 +14360,8 @@
         </p:nvSpPr>
         <p:spPr>
           <a:xfrm>
-            <a:off x="1444956" y="2860655"/>
-            <a:ext cx="457200" cy="523220"/>
+            <a:off x="0" y="3707704"/>
+            <a:ext cx="985838" cy="338554"/>
           </a:xfrm>
           <a:prstGeom prst="rect">
             <a:avLst/>
@@ -14960,22 +14374,27 @@
           </a:bodyPr>
           <a:lstStyle/>
           <a:p>
-            <a:r>
-              <a:rPr kumimoji="1" lang="ja-JP" altLang="en-US" sz="2800" dirty="0">
+            <a:pPr algn="ctr"/>
+            <a:r>
+              <a:rPr lang="en-US" altLang="ja-JP" sz="1600" dirty="0">
                 <a:latin typeface="BIZ UDPゴシック" panose="020B0400000000000000" pitchFamily="50" charset="-128"/>
                 <a:ea typeface="BIZ UDPゴシック" panose="020B0400000000000000" pitchFamily="50" charset="-128"/>
               </a:rPr>
-              <a:t>⇒</a:t>
-            </a:r>
+              <a:t>STA#2</a:t>
+            </a:r>
+            <a:endParaRPr kumimoji="1" lang="ja-JP" altLang="en-US" sz="1600" dirty="0">
+              <a:latin typeface="BIZ UDPゴシック" panose="020B0400000000000000" pitchFamily="50" charset="-128"/>
+              <a:ea typeface="BIZ UDPゴシック" panose="020B0400000000000000" pitchFamily="50" charset="-128"/>
+            </a:endParaRPr>
           </a:p>
         </p:txBody>
       </p:sp>
       <p:sp>
         <p:nvSpPr>
-          <p:cNvPr id="10" name="テキスト ボックス 9">
+          <p:cNvPr id="170" name="テキスト ボックス 169">
             <a:extLst>
               <a:ext uri="{FF2B5EF4-FFF2-40B4-BE49-F238E27FC236}">
-                <a16:creationId xmlns:a16="http://schemas.microsoft.com/office/drawing/2014/main" id="{78A50DDA-CEB1-FE07-556C-222AC94D4BD9}"/>
+                <a16:creationId xmlns:a16="http://schemas.microsoft.com/office/drawing/2014/main" id="{15026D28-7045-5263-8518-70D6E68BCEF1}"/>
               </a:ext>
             </a:extLst>
           </p:cNvPr>
@@ -14984,8 +14403,8 @@
         </p:nvSpPr>
         <p:spPr>
           <a:xfrm>
-            <a:off x="1414232" y="4409272"/>
-            <a:ext cx="9815513" cy="1815882"/>
+            <a:off x="0" y="4434419"/>
+            <a:ext cx="985838" cy="338554"/>
           </a:xfrm>
           <a:prstGeom prst="rect">
             <a:avLst/>
@@ -14998,98 +14417,15 @@
           </a:bodyPr>
           <a:lstStyle/>
           <a:p>
-            <a:r>
-              <a:rPr lang="en-US" altLang="ja-JP" sz="2800" dirty="0">
+            <a:pPr algn="ctr"/>
+            <a:r>
+              <a:rPr lang="en-US" altLang="ja-JP" sz="1600" dirty="0">
                 <a:latin typeface="BIZ UDPゴシック" panose="020B0400000000000000" pitchFamily="50" charset="-128"/>
                 <a:ea typeface="BIZ UDPゴシック" panose="020B0400000000000000" pitchFamily="50" charset="-128"/>
               </a:rPr>
-              <a:t>MU-MIMO</a:t>
-            </a:r>
-            <a:r>
-              <a:rPr lang="ja-JP" altLang="en-US" sz="2800" dirty="0">
-                <a:latin typeface="BIZ UDPゴシック" panose="020B0400000000000000" pitchFamily="50" charset="-128"/>
-                <a:ea typeface="BIZ UDPゴシック" panose="020B0400000000000000" pitchFamily="50" charset="-128"/>
-              </a:rPr>
-              <a:t>の場合</a:t>
-            </a:r>
-            <a:r>
-              <a:rPr lang="en-US" altLang="ja-JP" sz="2800" dirty="0">
-                <a:latin typeface="BIZ UDPゴシック" panose="020B0400000000000000" pitchFamily="50" charset="-128"/>
-                <a:ea typeface="BIZ UDPゴシック" panose="020B0400000000000000" pitchFamily="50" charset="-128"/>
-              </a:rPr>
-              <a:t>,</a:t>
-            </a:r>
-            <a:r>
-              <a:rPr lang="ja-JP" altLang="en-US" sz="2800" dirty="0">
-                <a:latin typeface="BIZ UDPゴシック" panose="020B0400000000000000" pitchFamily="50" charset="-128"/>
-                <a:ea typeface="BIZ UDPゴシック" panose="020B0400000000000000" pitchFamily="50" charset="-128"/>
-              </a:rPr>
-              <a:t>複数</a:t>
-            </a:r>
-            <a:r>
-              <a:rPr lang="en-US" altLang="ja-JP" sz="2800" dirty="0">
-                <a:latin typeface="BIZ UDPゴシック" panose="020B0400000000000000" pitchFamily="50" charset="-128"/>
-                <a:ea typeface="BIZ UDPゴシック" panose="020B0400000000000000" pitchFamily="50" charset="-128"/>
-              </a:rPr>
-              <a:t>STA</a:t>
-            </a:r>
-            <a:r>
-              <a:rPr lang="ja-JP" altLang="en-US" sz="2800" dirty="0">
-                <a:latin typeface="BIZ UDPゴシック" panose="020B0400000000000000" pitchFamily="50" charset="-128"/>
-                <a:ea typeface="BIZ UDPゴシック" panose="020B0400000000000000" pitchFamily="50" charset="-128"/>
-              </a:rPr>
-              <a:t>宛てに同期してデータを送信しなければならないため</a:t>
-            </a:r>
-            <a:r>
-              <a:rPr lang="en-US" altLang="ja-JP" sz="2800" dirty="0">
-                <a:latin typeface="BIZ UDPゴシック" panose="020B0400000000000000" pitchFamily="50" charset="-128"/>
-                <a:ea typeface="BIZ UDPゴシック" panose="020B0400000000000000" pitchFamily="50" charset="-128"/>
-              </a:rPr>
-              <a:t>,</a:t>
-            </a:r>
-            <a:r>
-              <a:rPr lang="ja-JP" altLang="en-US" sz="2800" dirty="0">
-                <a:latin typeface="BIZ UDPゴシック" panose="020B0400000000000000" pitchFamily="50" charset="-128"/>
-                <a:ea typeface="BIZ UDPゴシック" panose="020B0400000000000000" pitchFamily="50" charset="-128"/>
-              </a:rPr>
-              <a:t>従来の無線</a:t>
-            </a:r>
-            <a:r>
-              <a:rPr lang="en-US" altLang="ja-JP" sz="2800" dirty="0">
-                <a:latin typeface="BIZ UDPゴシック" panose="020B0400000000000000" pitchFamily="50" charset="-128"/>
-                <a:ea typeface="BIZ UDPゴシック" panose="020B0400000000000000" pitchFamily="50" charset="-128"/>
-              </a:rPr>
-              <a:t>LAN</a:t>
-            </a:r>
-            <a:r>
-              <a:rPr lang="ja-JP" altLang="en-US" sz="2800" dirty="0">
-                <a:latin typeface="BIZ UDPゴシック" panose="020B0400000000000000" pitchFamily="50" charset="-128"/>
-                <a:ea typeface="BIZ UDPゴシック" panose="020B0400000000000000" pitchFamily="50" charset="-128"/>
-              </a:rPr>
-              <a:t>は自立分散制御であったが</a:t>
-            </a:r>
-            <a:r>
-              <a:rPr lang="en-US" altLang="ja-JP" sz="2800" dirty="0">
-                <a:latin typeface="BIZ UDPゴシック" panose="020B0400000000000000" pitchFamily="50" charset="-128"/>
-                <a:ea typeface="BIZ UDPゴシック" panose="020B0400000000000000" pitchFamily="50" charset="-128"/>
-              </a:rPr>
-              <a:t>,</a:t>
-            </a:r>
-            <a:r>
-              <a:rPr lang="ja-JP" altLang="en-US" sz="2800" dirty="0">
-                <a:latin typeface="BIZ UDPゴシック" panose="020B0400000000000000" pitchFamily="50" charset="-128"/>
-                <a:ea typeface="BIZ UDPゴシック" panose="020B0400000000000000" pitchFamily="50" charset="-128"/>
-              </a:rPr>
-              <a:t>集中制御のような送信タイミングをスケジューリングするなどの工夫が必要となる</a:t>
-            </a:r>
-            <a:r>
-              <a:rPr lang="en-US" altLang="ja-JP" sz="2800" dirty="0">
-                <a:latin typeface="BIZ UDPゴシック" panose="020B0400000000000000" pitchFamily="50" charset="-128"/>
-                <a:ea typeface="BIZ UDPゴシック" panose="020B0400000000000000" pitchFamily="50" charset="-128"/>
-              </a:rPr>
-              <a:t>.</a:t>
-            </a:r>
-            <a:endParaRPr kumimoji="1" lang="ja-JP" altLang="en-US" sz="2800" dirty="0">
+              <a:t>STA#3</a:t>
+            </a:r>
+            <a:endParaRPr kumimoji="1" lang="ja-JP" altLang="en-US" sz="1600" dirty="0">
               <a:latin typeface="BIZ UDPゴシック" panose="020B0400000000000000" pitchFamily="50" charset="-128"/>
               <a:ea typeface="BIZ UDPゴシック" panose="020B0400000000000000" pitchFamily="50" charset="-128"/>
             </a:endParaRPr>
@@ -15098,10 +14434,10 @@
       </p:sp>
       <p:sp>
         <p:nvSpPr>
-          <p:cNvPr id="11" name="テキスト ボックス 10">
+          <p:cNvPr id="171" name="テキスト ボックス 170">
             <a:extLst>
               <a:ext uri="{FF2B5EF4-FFF2-40B4-BE49-F238E27FC236}">
-                <a16:creationId xmlns:a16="http://schemas.microsoft.com/office/drawing/2014/main" id="{FB98A88C-F9F2-08E8-6FA3-9C33C730FBBF}"/>
+                <a16:creationId xmlns:a16="http://schemas.microsoft.com/office/drawing/2014/main" id="{9403DECD-D9A2-B926-2932-13A7155072CB}"/>
               </a:ext>
             </a:extLst>
           </p:cNvPr>
@@ -15110,8 +14446,8 @@
         </p:nvSpPr>
         <p:spPr>
           <a:xfrm>
-            <a:off x="466683" y="1088976"/>
-            <a:ext cx="2312236" cy="646331"/>
+            <a:off x="327743" y="2021152"/>
+            <a:ext cx="1000125" cy="430887"/>
           </a:xfrm>
           <a:prstGeom prst="rect">
             <a:avLst/>
@@ -15125,13 +14461,957 @@
           <a:lstStyle/>
           <a:p>
             <a:r>
-              <a:rPr lang="ja-JP" altLang="en-US" sz="3600" b="1" dirty="0">
+              <a:rPr kumimoji="1" lang="en-US" altLang="ja-JP" sz="1050" dirty="0">
                 <a:latin typeface="BIZ UDPゴシック" panose="020B0400000000000000" pitchFamily="50" charset="-128"/>
                 <a:ea typeface="BIZ UDPゴシック" panose="020B0400000000000000" pitchFamily="50" charset="-128"/>
               </a:rPr>
-              <a:t>デメリット</a:t>
-            </a:r>
-            <a:endParaRPr kumimoji="1" lang="ja-JP" altLang="en-US" sz="3600" b="1" dirty="0">
+              <a:t>DIFS</a:t>
+            </a:r>
+          </a:p>
+          <a:p>
+            <a:r>
+              <a:rPr lang="en-US" altLang="ja-JP" sz="1050" dirty="0">
+                <a:latin typeface="BIZ UDPゴシック" panose="020B0400000000000000" pitchFamily="50" charset="-128"/>
+                <a:ea typeface="BIZ UDPゴシック" panose="020B0400000000000000" pitchFamily="50" charset="-128"/>
+              </a:rPr>
+              <a:t>+Backoff</a:t>
+            </a:r>
+            <a:endParaRPr kumimoji="1" lang="ja-JP" altLang="en-US" sz="1050" dirty="0">
+              <a:latin typeface="BIZ UDPゴシック" panose="020B0400000000000000" pitchFamily="50" charset="-128"/>
+              <a:ea typeface="BIZ UDPゴシック" panose="020B0400000000000000" pitchFamily="50" charset="-128"/>
+            </a:endParaRPr>
+          </a:p>
+        </p:txBody>
+      </p:sp>
+      <p:sp>
+        <p:nvSpPr>
+          <p:cNvPr id="172" name="テキスト ボックス 171">
+            <a:extLst>
+              <a:ext uri="{FF2B5EF4-FFF2-40B4-BE49-F238E27FC236}">
+                <a16:creationId xmlns:a16="http://schemas.microsoft.com/office/drawing/2014/main" id="{3705F5EA-19C3-7D91-FBBE-7EA9C69BBB1D}"/>
+              </a:ext>
+            </a:extLst>
+          </p:cNvPr>
+          <p:cNvSpPr txBox="1"/>
+          <p:nvPr/>
+        </p:nvSpPr>
+        <p:spPr>
+          <a:xfrm>
+            <a:off x="1198410" y="1071474"/>
+            <a:ext cx="1144740" cy="600164"/>
+          </a:xfrm>
+          <a:prstGeom prst="rect">
+            <a:avLst/>
+          </a:prstGeom>
+          <a:noFill/>
+        </p:spPr>
+        <p:txBody>
+          <a:bodyPr wrap="square" rtlCol="0">
+            <a:spAutoFit/>
+          </a:bodyPr>
+          <a:lstStyle/>
+          <a:p>
+            <a:pPr algn="ctr"/>
+            <a:r>
+              <a:rPr kumimoji="1" lang="en-US" altLang="ja-JP" sz="1100" dirty="0">
+                <a:latin typeface="BIZ UDPゴシック" panose="020B0400000000000000" pitchFamily="50" charset="-128"/>
+                <a:ea typeface="BIZ UDPゴシック" panose="020B0400000000000000" pitchFamily="50" charset="-128"/>
+              </a:rPr>
+              <a:t>Request</a:t>
+            </a:r>
+          </a:p>
+          <a:p>
+            <a:pPr algn="ctr"/>
+            <a:r>
+              <a:rPr lang="en-US" altLang="ja-JP" sz="1100" dirty="0">
+                <a:latin typeface="BIZ UDPゴシック" panose="020B0400000000000000" pitchFamily="50" charset="-128"/>
+                <a:ea typeface="BIZ UDPゴシック" panose="020B0400000000000000" pitchFamily="50" charset="-128"/>
+              </a:rPr>
+              <a:t>of channel</a:t>
+            </a:r>
+          </a:p>
+          <a:p>
+            <a:pPr algn="ctr"/>
+            <a:r>
+              <a:rPr lang="en-US" altLang="ja-JP" sz="1100" dirty="0">
+                <a:latin typeface="BIZ UDPゴシック" panose="020B0400000000000000" pitchFamily="50" charset="-128"/>
+                <a:ea typeface="BIZ UDPゴシック" panose="020B0400000000000000" pitchFamily="50" charset="-128"/>
+              </a:rPr>
+              <a:t>estimate </a:t>
+            </a:r>
+            <a:endParaRPr kumimoji="1" lang="ja-JP" altLang="en-US" sz="1100" dirty="0">
+              <a:latin typeface="BIZ UDPゴシック" panose="020B0400000000000000" pitchFamily="50" charset="-128"/>
+              <a:ea typeface="BIZ UDPゴシック" panose="020B0400000000000000" pitchFamily="50" charset="-128"/>
+            </a:endParaRPr>
+          </a:p>
+        </p:txBody>
+      </p:sp>
+      <p:sp>
+        <p:nvSpPr>
+          <p:cNvPr id="173" name="テキスト ボックス 172">
+            <a:extLst>
+              <a:ext uri="{FF2B5EF4-FFF2-40B4-BE49-F238E27FC236}">
+                <a16:creationId xmlns:a16="http://schemas.microsoft.com/office/drawing/2014/main" id="{7E35AB74-2888-904E-5658-D3DB76F5333B}"/>
+              </a:ext>
+            </a:extLst>
+          </p:cNvPr>
+          <p:cNvSpPr txBox="1"/>
+          <p:nvPr/>
+        </p:nvSpPr>
+        <p:spPr>
+          <a:xfrm>
+            <a:off x="3465359" y="1186890"/>
+            <a:ext cx="2221066" cy="369332"/>
+          </a:xfrm>
+          <a:prstGeom prst="rect">
+            <a:avLst/>
+          </a:prstGeom>
+          <a:noFill/>
+        </p:spPr>
+        <p:txBody>
+          <a:bodyPr wrap="square" rtlCol="0">
+            <a:spAutoFit/>
+          </a:bodyPr>
+          <a:lstStyle/>
+          <a:p>
+            <a:pPr algn="ctr"/>
+            <a:r>
+              <a:rPr kumimoji="1" lang="en-US" altLang="ja-JP" dirty="0">
+                <a:latin typeface="BIZ UDPゴシック" panose="020B0400000000000000" pitchFamily="50" charset="-128"/>
+                <a:ea typeface="BIZ UDPゴシック" panose="020B0400000000000000" pitchFamily="50" charset="-128"/>
+              </a:rPr>
+              <a:t>CSI feedback</a:t>
+            </a:r>
+            <a:endParaRPr kumimoji="1" lang="ja-JP" altLang="en-US" dirty="0">
+              <a:latin typeface="BIZ UDPゴシック" panose="020B0400000000000000" pitchFamily="50" charset="-128"/>
+              <a:ea typeface="BIZ UDPゴシック" panose="020B0400000000000000" pitchFamily="50" charset="-128"/>
+            </a:endParaRPr>
+          </a:p>
+        </p:txBody>
+      </p:sp>
+      <p:sp>
+        <p:nvSpPr>
+          <p:cNvPr id="174" name="テキスト ボックス 173">
+            <a:extLst>
+              <a:ext uri="{FF2B5EF4-FFF2-40B4-BE49-F238E27FC236}">
+                <a16:creationId xmlns:a16="http://schemas.microsoft.com/office/drawing/2014/main" id="{FAEB38AC-355A-0B2F-60D9-29ACF79E424A}"/>
+              </a:ext>
+            </a:extLst>
+          </p:cNvPr>
+          <p:cNvSpPr txBox="1"/>
+          <p:nvPr/>
+        </p:nvSpPr>
+        <p:spPr>
+          <a:xfrm>
+            <a:off x="6618133" y="1140724"/>
+            <a:ext cx="1411441" cy="461665"/>
+          </a:xfrm>
+          <a:prstGeom prst="rect">
+            <a:avLst/>
+          </a:prstGeom>
+          <a:noFill/>
+        </p:spPr>
+        <p:txBody>
+          <a:bodyPr wrap="square" rtlCol="0">
+            <a:spAutoFit/>
+          </a:bodyPr>
+          <a:lstStyle/>
+          <a:p>
+            <a:pPr algn="ctr"/>
+            <a:r>
+              <a:rPr kumimoji="1" lang="en-US" altLang="ja-JP" sz="1200" dirty="0">
+                <a:latin typeface="BIZ UDPゴシック" panose="020B0400000000000000" pitchFamily="50" charset="-128"/>
+                <a:ea typeface="BIZ UDPゴシック" panose="020B0400000000000000" pitchFamily="50" charset="-128"/>
+              </a:rPr>
+              <a:t>Data</a:t>
+            </a:r>
+          </a:p>
+          <a:p>
+            <a:pPr algn="ctr"/>
+            <a:r>
+              <a:rPr lang="en-US" altLang="ja-JP" sz="1200" dirty="0">
+                <a:latin typeface="BIZ UDPゴシック" panose="020B0400000000000000" pitchFamily="50" charset="-128"/>
+                <a:ea typeface="BIZ UDPゴシック" panose="020B0400000000000000" pitchFamily="50" charset="-128"/>
+              </a:rPr>
+              <a:t>transmission</a:t>
+            </a:r>
+            <a:endParaRPr kumimoji="1" lang="ja-JP" altLang="en-US" sz="1200" dirty="0">
+              <a:latin typeface="BIZ UDPゴシック" panose="020B0400000000000000" pitchFamily="50" charset="-128"/>
+              <a:ea typeface="BIZ UDPゴシック" panose="020B0400000000000000" pitchFamily="50" charset="-128"/>
+            </a:endParaRPr>
+          </a:p>
+        </p:txBody>
+      </p:sp>
+      <p:sp>
+        <p:nvSpPr>
+          <p:cNvPr id="175" name="テキスト ボックス 174">
+            <a:extLst>
+              <a:ext uri="{FF2B5EF4-FFF2-40B4-BE49-F238E27FC236}">
+                <a16:creationId xmlns:a16="http://schemas.microsoft.com/office/drawing/2014/main" id="{1FD25F08-AFC6-02A4-08EB-7801AD199CCC}"/>
+              </a:ext>
+            </a:extLst>
+          </p:cNvPr>
+          <p:cNvSpPr txBox="1"/>
+          <p:nvPr/>
+        </p:nvSpPr>
+        <p:spPr>
+          <a:xfrm>
+            <a:off x="8757999" y="1217668"/>
+            <a:ext cx="2244880" cy="338554"/>
+          </a:xfrm>
+          <a:prstGeom prst="rect">
+            <a:avLst/>
+          </a:prstGeom>
+          <a:noFill/>
+        </p:spPr>
+        <p:txBody>
+          <a:bodyPr wrap="square" rtlCol="0">
+            <a:spAutoFit/>
+          </a:bodyPr>
+          <a:lstStyle/>
+          <a:p>
+            <a:pPr algn="ctr"/>
+            <a:r>
+              <a:rPr kumimoji="1" lang="en-US" altLang="ja-JP" sz="1600" dirty="0">
+                <a:latin typeface="BIZ UDPゴシック" panose="020B0400000000000000" pitchFamily="50" charset="-128"/>
+                <a:ea typeface="BIZ UDPゴシック" panose="020B0400000000000000" pitchFamily="50" charset="-128"/>
+              </a:rPr>
+              <a:t>Acknowl</a:t>
+            </a:r>
+            <a:r>
+              <a:rPr lang="en-US" altLang="ja-JP" sz="1600" dirty="0">
+                <a:latin typeface="BIZ UDPゴシック" panose="020B0400000000000000" pitchFamily="50" charset="-128"/>
+                <a:ea typeface="BIZ UDPゴシック" panose="020B0400000000000000" pitchFamily="50" charset="-128"/>
+              </a:rPr>
+              <a:t>edgment</a:t>
+            </a:r>
+            <a:endParaRPr kumimoji="1" lang="ja-JP" altLang="en-US" sz="1600" dirty="0">
+              <a:latin typeface="BIZ UDPゴシック" panose="020B0400000000000000" pitchFamily="50" charset="-128"/>
+              <a:ea typeface="BIZ UDPゴシック" panose="020B0400000000000000" pitchFamily="50" charset="-128"/>
+            </a:endParaRPr>
+          </a:p>
+        </p:txBody>
+      </p:sp>
+      <p:sp>
+        <p:nvSpPr>
+          <p:cNvPr id="176" name="テキスト ボックス 175">
+            <a:extLst>
+              <a:ext uri="{FF2B5EF4-FFF2-40B4-BE49-F238E27FC236}">
+                <a16:creationId xmlns:a16="http://schemas.microsoft.com/office/drawing/2014/main" id="{144B6EFB-A490-7C69-DF14-F9E6B3E4F1A7}"/>
+              </a:ext>
+            </a:extLst>
+          </p:cNvPr>
+          <p:cNvSpPr txBox="1"/>
+          <p:nvPr/>
+        </p:nvSpPr>
+        <p:spPr>
+          <a:xfrm>
+            <a:off x="1103163" y="2299251"/>
+            <a:ext cx="600076" cy="276999"/>
+          </a:xfrm>
+          <a:prstGeom prst="rect">
+            <a:avLst/>
+          </a:prstGeom>
+          <a:noFill/>
+        </p:spPr>
+        <p:txBody>
+          <a:bodyPr wrap="square" rtlCol="0">
+            <a:spAutoFit/>
+          </a:bodyPr>
+          <a:lstStyle/>
+          <a:p>
+            <a:pPr algn="ctr"/>
+            <a:r>
+              <a:rPr kumimoji="1" lang="en-US" altLang="ja-JP" sz="1200" spc="-150" dirty="0">
+                <a:latin typeface="BIZ UDPゴシック" panose="020B0400000000000000" pitchFamily="50" charset="-128"/>
+                <a:ea typeface="BIZ UDPゴシック" panose="020B0400000000000000" pitchFamily="50" charset="-128"/>
+              </a:rPr>
+              <a:t>NDPA</a:t>
+            </a:r>
+            <a:endParaRPr kumimoji="1" lang="ja-JP" altLang="en-US" sz="1200" spc="-150" dirty="0">
+              <a:latin typeface="BIZ UDPゴシック" panose="020B0400000000000000" pitchFamily="50" charset="-128"/>
+              <a:ea typeface="BIZ UDPゴシック" panose="020B0400000000000000" pitchFamily="50" charset="-128"/>
+            </a:endParaRPr>
+          </a:p>
+        </p:txBody>
+      </p:sp>
+      <p:sp>
+        <p:nvSpPr>
+          <p:cNvPr id="177" name="テキスト ボックス 176">
+            <a:extLst>
+              <a:ext uri="{FF2B5EF4-FFF2-40B4-BE49-F238E27FC236}">
+                <a16:creationId xmlns:a16="http://schemas.microsoft.com/office/drawing/2014/main" id="{6A0A1455-1BB4-2ADD-BA25-433691DAE06A}"/>
+              </a:ext>
+            </a:extLst>
+          </p:cNvPr>
+          <p:cNvSpPr txBox="1"/>
+          <p:nvPr/>
+        </p:nvSpPr>
+        <p:spPr>
+          <a:xfrm>
+            <a:off x="1770780" y="2292107"/>
+            <a:ext cx="600076" cy="276999"/>
+          </a:xfrm>
+          <a:prstGeom prst="rect">
+            <a:avLst/>
+          </a:prstGeom>
+          <a:noFill/>
+        </p:spPr>
+        <p:txBody>
+          <a:bodyPr wrap="square" rtlCol="0">
+            <a:spAutoFit/>
+          </a:bodyPr>
+          <a:lstStyle/>
+          <a:p>
+            <a:pPr algn="ctr"/>
+            <a:r>
+              <a:rPr kumimoji="1" lang="en-US" altLang="ja-JP" sz="1200" spc="-150" dirty="0">
+                <a:latin typeface="BIZ UDPゴシック" panose="020B0400000000000000" pitchFamily="50" charset="-128"/>
+                <a:ea typeface="BIZ UDPゴシック" panose="020B0400000000000000" pitchFamily="50" charset="-128"/>
+              </a:rPr>
+              <a:t>NDP</a:t>
+            </a:r>
+            <a:endParaRPr kumimoji="1" lang="ja-JP" altLang="en-US" sz="1200" spc="-150" dirty="0">
+              <a:latin typeface="BIZ UDPゴシック" panose="020B0400000000000000" pitchFamily="50" charset="-128"/>
+              <a:ea typeface="BIZ UDPゴシック" panose="020B0400000000000000" pitchFamily="50" charset="-128"/>
+            </a:endParaRPr>
+          </a:p>
+        </p:txBody>
+      </p:sp>
+      <p:sp>
+        <p:nvSpPr>
+          <p:cNvPr id="178" name="テキスト ボックス 177">
+            <a:extLst>
+              <a:ext uri="{FF2B5EF4-FFF2-40B4-BE49-F238E27FC236}">
+                <a16:creationId xmlns:a16="http://schemas.microsoft.com/office/drawing/2014/main" id="{62779FE2-BEE1-B490-3063-346B07F88716}"/>
+              </a:ext>
+            </a:extLst>
+          </p:cNvPr>
+          <p:cNvSpPr txBox="1"/>
+          <p:nvPr/>
+        </p:nvSpPr>
+        <p:spPr>
+          <a:xfrm>
+            <a:off x="3266205" y="2292107"/>
+            <a:ext cx="600076" cy="276999"/>
+          </a:xfrm>
+          <a:prstGeom prst="rect">
+            <a:avLst/>
+          </a:prstGeom>
+          <a:noFill/>
+        </p:spPr>
+        <p:txBody>
+          <a:bodyPr wrap="square" rtlCol="0">
+            <a:spAutoFit/>
+          </a:bodyPr>
+          <a:lstStyle/>
+          <a:p>
+            <a:pPr algn="ctr"/>
+            <a:r>
+              <a:rPr lang="en-US" altLang="ja-JP" sz="1200" spc="-150" dirty="0">
+                <a:latin typeface="BIZ UDPゴシック" panose="020B0400000000000000" pitchFamily="50" charset="-128"/>
+                <a:ea typeface="BIZ UDPゴシック" panose="020B0400000000000000" pitchFamily="50" charset="-128"/>
+              </a:rPr>
+              <a:t>BRP</a:t>
+            </a:r>
+            <a:endParaRPr kumimoji="1" lang="ja-JP" altLang="en-US" sz="1200" spc="-150" dirty="0">
+              <a:latin typeface="BIZ UDPゴシック" panose="020B0400000000000000" pitchFamily="50" charset="-128"/>
+              <a:ea typeface="BIZ UDPゴシック" panose="020B0400000000000000" pitchFamily="50" charset="-128"/>
+            </a:endParaRPr>
+          </a:p>
+        </p:txBody>
+      </p:sp>
+      <p:sp>
+        <p:nvSpPr>
+          <p:cNvPr id="179" name="テキスト ボックス 178">
+            <a:extLst>
+              <a:ext uri="{FF2B5EF4-FFF2-40B4-BE49-F238E27FC236}">
+                <a16:creationId xmlns:a16="http://schemas.microsoft.com/office/drawing/2014/main" id="{82E3EC7C-7BBF-CB28-CD85-2CEC9A143DED}"/>
+              </a:ext>
+            </a:extLst>
+          </p:cNvPr>
+          <p:cNvSpPr txBox="1"/>
+          <p:nvPr/>
+        </p:nvSpPr>
+        <p:spPr>
+          <a:xfrm>
+            <a:off x="5276598" y="2300982"/>
+            <a:ext cx="600076" cy="276999"/>
+          </a:xfrm>
+          <a:prstGeom prst="rect">
+            <a:avLst/>
+          </a:prstGeom>
+          <a:noFill/>
+        </p:spPr>
+        <p:txBody>
+          <a:bodyPr wrap="square" rtlCol="0">
+            <a:spAutoFit/>
+          </a:bodyPr>
+          <a:lstStyle/>
+          <a:p>
+            <a:pPr algn="ctr"/>
+            <a:r>
+              <a:rPr lang="en-US" altLang="ja-JP" sz="1200" spc="-150" dirty="0">
+                <a:latin typeface="BIZ UDPゴシック" panose="020B0400000000000000" pitchFamily="50" charset="-128"/>
+                <a:ea typeface="BIZ UDPゴシック" panose="020B0400000000000000" pitchFamily="50" charset="-128"/>
+              </a:rPr>
+              <a:t>BRP</a:t>
+            </a:r>
+            <a:endParaRPr kumimoji="1" lang="ja-JP" altLang="en-US" sz="1200" spc="-150" dirty="0">
+              <a:latin typeface="BIZ UDPゴシック" panose="020B0400000000000000" pitchFamily="50" charset="-128"/>
+              <a:ea typeface="BIZ UDPゴシック" panose="020B0400000000000000" pitchFamily="50" charset="-128"/>
+            </a:endParaRPr>
+          </a:p>
+        </p:txBody>
+      </p:sp>
+      <p:sp>
+        <p:nvSpPr>
+          <p:cNvPr id="180" name="テキスト ボックス 179">
+            <a:extLst>
+              <a:ext uri="{FF2B5EF4-FFF2-40B4-BE49-F238E27FC236}">
+                <a16:creationId xmlns:a16="http://schemas.microsoft.com/office/drawing/2014/main" id="{64909182-4C68-8BA6-7D2D-E3E47B87059E}"/>
+              </a:ext>
+            </a:extLst>
+          </p:cNvPr>
+          <p:cNvSpPr txBox="1"/>
+          <p:nvPr/>
+        </p:nvSpPr>
+        <p:spPr>
+          <a:xfrm>
+            <a:off x="2518493" y="2952350"/>
+            <a:ext cx="600076" cy="338554"/>
+          </a:xfrm>
+          <a:prstGeom prst="rect">
+            <a:avLst/>
+          </a:prstGeom>
+          <a:noFill/>
+        </p:spPr>
+        <p:txBody>
+          <a:bodyPr wrap="square" rtlCol="0">
+            <a:spAutoFit/>
+          </a:bodyPr>
+          <a:lstStyle/>
+          <a:p>
+            <a:pPr algn="ctr"/>
+            <a:r>
+              <a:rPr lang="en-US" altLang="ja-JP" sz="1600" spc="-150" dirty="0">
+                <a:latin typeface="BIZ UDPゴシック" panose="020B0400000000000000" pitchFamily="50" charset="-128"/>
+                <a:ea typeface="BIZ UDPゴシック" panose="020B0400000000000000" pitchFamily="50" charset="-128"/>
+              </a:rPr>
+              <a:t>BR</a:t>
+            </a:r>
+            <a:endParaRPr kumimoji="1" lang="ja-JP" altLang="en-US" sz="1600" spc="-150" dirty="0">
+              <a:latin typeface="BIZ UDPゴシック" panose="020B0400000000000000" pitchFamily="50" charset="-128"/>
+              <a:ea typeface="BIZ UDPゴシック" panose="020B0400000000000000" pitchFamily="50" charset="-128"/>
+            </a:endParaRPr>
+          </a:p>
+        </p:txBody>
+      </p:sp>
+      <p:sp>
+        <p:nvSpPr>
+          <p:cNvPr id="181" name="テキスト ボックス 180">
+            <a:extLst>
+              <a:ext uri="{FF2B5EF4-FFF2-40B4-BE49-F238E27FC236}">
+                <a16:creationId xmlns:a16="http://schemas.microsoft.com/office/drawing/2014/main" id="{3E7CE7B3-B25B-52A8-E343-AF24ECD86C52}"/>
+              </a:ext>
+            </a:extLst>
+          </p:cNvPr>
+          <p:cNvSpPr txBox="1"/>
+          <p:nvPr/>
+        </p:nvSpPr>
+        <p:spPr>
+          <a:xfrm>
+            <a:off x="4018680" y="3686272"/>
+            <a:ext cx="600076" cy="338554"/>
+          </a:xfrm>
+          <a:prstGeom prst="rect">
+            <a:avLst/>
+          </a:prstGeom>
+          <a:noFill/>
+        </p:spPr>
+        <p:txBody>
+          <a:bodyPr wrap="square" rtlCol="0">
+            <a:spAutoFit/>
+          </a:bodyPr>
+          <a:lstStyle/>
+          <a:p>
+            <a:pPr algn="ctr"/>
+            <a:r>
+              <a:rPr lang="en-US" altLang="ja-JP" sz="1600" spc="-150" dirty="0">
+                <a:latin typeface="BIZ UDPゴシック" panose="020B0400000000000000" pitchFamily="50" charset="-128"/>
+                <a:ea typeface="BIZ UDPゴシック" panose="020B0400000000000000" pitchFamily="50" charset="-128"/>
+              </a:rPr>
+              <a:t>BR</a:t>
+            </a:r>
+            <a:endParaRPr kumimoji="1" lang="ja-JP" altLang="en-US" sz="1600" spc="-150" dirty="0">
+              <a:latin typeface="BIZ UDPゴシック" panose="020B0400000000000000" pitchFamily="50" charset="-128"/>
+              <a:ea typeface="BIZ UDPゴシック" panose="020B0400000000000000" pitchFamily="50" charset="-128"/>
+            </a:endParaRPr>
+          </a:p>
+        </p:txBody>
+      </p:sp>
+      <p:sp>
+        <p:nvSpPr>
+          <p:cNvPr id="182" name="テキスト ボックス 181">
+            <a:extLst>
+              <a:ext uri="{FF2B5EF4-FFF2-40B4-BE49-F238E27FC236}">
+                <a16:creationId xmlns:a16="http://schemas.microsoft.com/office/drawing/2014/main" id="{CDEE1ED0-235C-E210-2BFB-697408945A1F}"/>
+              </a:ext>
+            </a:extLst>
+          </p:cNvPr>
+          <p:cNvSpPr txBox="1"/>
+          <p:nvPr/>
+        </p:nvSpPr>
+        <p:spPr>
+          <a:xfrm>
+            <a:off x="6021951" y="4390810"/>
+            <a:ext cx="600076" cy="338554"/>
+          </a:xfrm>
+          <a:prstGeom prst="rect">
+            <a:avLst/>
+          </a:prstGeom>
+          <a:noFill/>
+        </p:spPr>
+        <p:txBody>
+          <a:bodyPr wrap="square" rtlCol="0">
+            <a:spAutoFit/>
+          </a:bodyPr>
+          <a:lstStyle/>
+          <a:p>
+            <a:pPr algn="ctr"/>
+            <a:r>
+              <a:rPr lang="en-US" altLang="ja-JP" sz="1600" spc="-150" dirty="0">
+                <a:latin typeface="BIZ UDPゴシック" panose="020B0400000000000000" pitchFamily="50" charset="-128"/>
+                <a:ea typeface="BIZ UDPゴシック" panose="020B0400000000000000" pitchFamily="50" charset="-128"/>
+              </a:rPr>
+              <a:t>BR</a:t>
+            </a:r>
+            <a:endParaRPr kumimoji="1" lang="ja-JP" altLang="en-US" sz="1600" spc="-150" dirty="0">
+              <a:latin typeface="BIZ UDPゴシック" panose="020B0400000000000000" pitchFamily="50" charset="-128"/>
+              <a:ea typeface="BIZ UDPゴシック" panose="020B0400000000000000" pitchFamily="50" charset="-128"/>
+            </a:endParaRPr>
+          </a:p>
+        </p:txBody>
+      </p:sp>
+      <p:sp>
+        <p:nvSpPr>
+          <p:cNvPr id="183" name="テキスト ボックス 182">
+            <a:extLst>
+              <a:ext uri="{FF2B5EF4-FFF2-40B4-BE49-F238E27FC236}">
+                <a16:creationId xmlns:a16="http://schemas.microsoft.com/office/drawing/2014/main" id="{5AAE0DD0-F877-A3EE-86BC-85EB3130C3C5}"/>
+              </a:ext>
+            </a:extLst>
+          </p:cNvPr>
+          <p:cNvSpPr txBox="1"/>
+          <p:nvPr/>
+        </p:nvSpPr>
+        <p:spPr>
+          <a:xfrm>
+            <a:off x="7063376" y="2298150"/>
+            <a:ext cx="818536" cy="307777"/>
+          </a:xfrm>
+          <a:prstGeom prst="rect">
+            <a:avLst/>
+          </a:prstGeom>
+          <a:noFill/>
+        </p:spPr>
+        <p:txBody>
+          <a:bodyPr wrap="square" rtlCol="0">
+            <a:spAutoFit/>
+          </a:bodyPr>
+          <a:lstStyle/>
+          <a:p>
+            <a:pPr algn="ctr"/>
+            <a:r>
+              <a:rPr kumimoji="1" lang="en-US" altLang="ja-JP" sz="1400" spc="-150" dirty="0">
+                <a:latin typeface="BIZ UDPゴシック" panose="020B0400000000000000" pitchFamily="50" charset="-128"/>
+                <a:ea typeface="BIZ UDPゴシック" panose="020B0400000000000000" pitchFamily="50" charset="-128"/>
+              </a:rPr>
+              <a:t>DATA</a:t>
+            </a:r>
+            <a:endParaRPr kumimoji="1" lang="ja-JP" altLang="en-US" sz="1400" spc="-150" dirty="0">
+              <a:latin typeface="BIZ UDPゴシック" panose="020B0400000000000000" pitchFamily="50" charset="-128"/>
+              <a:ea typeface="BIZ UDPゴシック" panose="020B0400000000000000" pitchFamily="50" charset="-128"/>
+            </a:endParaRPr>
+          </a:p>
+        </p:txBody>
+      </p:sp>
+      <p:sp>
+        <p:nvSpPr>
+          <p:cNvPr id="184" name="テキスト ボックス 183">
+            <a:extLst>
+              <a:ext uri="{FF2B5EF4-FFF2-40B4-BE49-F238E27FC236}">
+                <a16:creationId xmlns:a16="http://schemas.microsoft.com/office/drawing/2014/main" id="{DF0E4591-26D7-6904-9FE3-CCDDBA2A9A8D}"/>
+              </a:ext>
+            </a:extLst>
+          </p:cNvPr>
+          <p:cNvSpPr txBox="1"/>
+          <p:nvPr/>
+        </p:nvSpPr>
+        <p:spPr>
+          <a:xfrm>
+            <a:off x="8952252" y="2285849"/>
+            <a:ext cx="548332" cy="307777"/>
+          </a:xfrm>
+          <a:prstGeom prst="rect">
+            <a:avLst/>
+          </a:prstGeom>
+          <a:noFill/>
+        </p:spPr>
+        <p:txBody>
+          <a:bodyPr wrap="square" rtlCol="0">
+            <a:spAutoFit/>
+          </a:bodyPr>
+          <a:lstStyle/>
+          <a:p>
+            <a:pPr algn="ctr"/>
+            <a:r>
+              <a:rPr lang="en-US" altLang="ja-JP" sz="1400" spc="-150" dirty="0">
+                <a:latin typeface="BIZ UDPゴシック" panose="020B0400000000000000" pitchFamily="50" charset="-128"/>
+                <a:ea typeface="BIZ UDPゴシック" panose="020B0400000000000000" pitchFamily="50" charset="-128"/>
+              </a:rPr>
+              <a:t>BAR</a:t>
+            </a:r>
+            <a:endParaRPr kumimoji="1" lang="ja-JP" altLang="en-US" sz="1400" spc="-150" dirty="0">
+              <a:latin typeface="BIZ UDPゴシック" panose="020B0400000000000000" pitchFamily="50" charset="-128"/>
+              <a:ea typeface="BIZ UDPゴシック" panose="020B0400000000000000" pitchFamily="50" charset="-128"/>
+            </a:endParaRPr>
+          </a:p>
+        </p:txBody>
+      </p:sp>
+      <p:sp>
+        <p:nvSpPr>
+          <p:cNvPr id="185" name="テキスト ボックス 184">
+            <a:extLst>
+              <a:ext uri="{FF2B5EF4-FFF2-40B4-BE49-F238E27FC236}">
+                <a16:creationId xmlns:a16="http://schemas.microsoft.com/office/drawing/2014/main" id="{D7E63310-3E91-CCA4-78E2-27DB1EEAF637}"/>
+              </a:ext>
+            </a:extLst>
+          </p:cNvPr>
+          <p:cNvSpPr txBox="1"/>
+          <p:nvPr/>
+        </p:nvSpPr>
+        <p:spPr>
+          <a:xfrm>
+            <a:off x="10628076" y="2282761"/>
+            <a:ext cx="548332" cy="307777"/>
+          </a:xfrm>
+          <a:prstGeom prst="rect">
+            <a:avLst/>
+          </a:prstGeom>
+          <a:noFill/>
+        </p:spPr>
+        <p:txBody>
+          <a:bodyPr wrap="square" rtlCol="0">
+            <a:spAutoFit/>
+          </a:bodyPr>
+          <a:lstStyle/>
+          <a:p>
+            <a:pPr algn="ctr"/>
+            <a:r>
+              <a:rPr lang="en-US" altLang="ja-JP" sz="1400" spc="-150" dirty="0">
+                <a:latin typeface="BIZ UDPゴシック" panose="020B0400000000000000" pitchFamily="50" charset="-128"/>
+                <a:ea typeface="BIZ UDPゴシック" panose="020B0400000000000000" pitchFamily="50" charset="-128"/>
+              </a:rPr>
+              <a:t>BAR</a:t>
+            </a:r>
+            <a:endParaRPr kumimoji="1" lang="ja-JP" altLang="en-US" sz="1400" spc="-150" dirty="0">
+              <a:latin typeface="BIZ UDPゴシック" panose="020B0400000000000000" pitchFamily="50" charset="-128"/>
+              <a:ea typeface="BIZ UDPゴシック" panose="020B0400000000000000" pitchFamily="50" charset="-128"/>
+            </a:endParaRPr>
+          </a:p>
+        </p:txBody>
+      </p:sp>
+      <p:sp>
+        <p:nvSpPr>
+          <p:cNvPr id="186" name="テキスト ボックス 185">
+            <a:extLst>
+              <a:ext uri="{FF2B5EF4-FFF2-40B4-BE49-F238E27FC236}">
+                <a16:creationId xmlns:a16="http://schemas.microsoft.com/office/drawing/2014/main" id="{27235142-674D-56F2-D0A6-50A8862C79AB}"/>
+              </a:ext>
+            </a:extLst>
+          </p:cNvPr>
+          <p:cNvSpPr txBox="1"/>
+          <p:nvPr/>
+        </p:nvSpPr>
+        <p:spPr>
+          <a:xfrm>
+            <a:off x="8209667" y="3002518"/>
+            <a:ext cx="548332" cy="307777"/>
+          </a:xfrm>
+          <a:prstGeom prst="rect">
+            <a:avLst/>
+          </a:prstGeom>
+          <a:noFill/>
+        </p:spPr>
+        <p:txBody>
+          <a:bodyPr wrap="square" rtlCol="0">
+            <a:spAutoFit/>
+          </a:bodyPr>
+          <a:lstStyle/>
+          <a:p>
+            <a:pPr algn="ctr"/>
+            <a:r>
+              <a:rPr lang="en-US" altLang="ja-JP" sz="1400" spc="-150" dirty="0">
+                <a:latin typeface="BIZ UDPゴシック" panose="020B0400000000000000" pitchFamily="50" charset="-128"/>
+                <a:ea typeface="BIZ UDPゴシック" panose="020B0400000000000000" pitchFamily="50" charset="-128"/>
+              </a:rPr>
+              <a:t>BA</a:t>
+            </a:r>
+            <a:endParaRPr kumimoji="1" lang="ja-JP" altLang="en-US" sz="1400" spc="-150" dirty="0">
+              <a:latin typeface="BIZ UDPゴシック" panose="020B0400000000000000" pitchFamily="50" charset="-128"/>
+              <a:ea typeface="BIZ UDPゴシック" panose="020B0400000000000000" pitchFamily="50" charset="-128"/>
+            </a:endParaRPr>
+          </a:p>
+        </p:txBody>
+      </p:sp>
+      <p:sp>
+        <p:nvSpPr>
+          <p:cNvPr id="187" name="テキスト ボックス 186">
+            <a:extLst>
+              <a:ext uri="{FF2B5EF4-FFF2-40B4-BE49-F238E27FC236}">
+                <a16:creationId xmlns:a16="http://schemas.microsoft.com/office/drawing/2014/main" id="{2503E611-F636-8375-E4A2-A8915994155A}"/>
+              </a:ext>
+            </a:extLst>
+          </p:cNvPr>
+          <p:cNvSpPr txBox="1"/>
+          <p:nvPr/>
+        </p:nvSpPr>
+        <p:spPr>
+          <a:xfrm>
+            <a:off x="9627705" y="3738481"/>
+            <a:ext cx="548332" cy="307777"/>
+          </a:xfrm>
+          <a:prstGeom prst="rect">
+            <a:avLst/>
+          </a:prstGeom>
+          <a:noFill/>
+        </p:spPr>
+        <p:txBody>
+          <a:bodyPr wrap="square" rtlCol="0">
+            <a:spAutoFit/>
+          </a:bodyPr>
+          <a:lstStyle/>
+          <a:p>
+            <a:pPr algn="ctr"/>
+            <a:r>
+              <a:rPr lang="en-US" altLang="ja-JP" sz="1400" spc="-150" dirty="0">
+                <a:latin typeface="BIZ UDPゴシック" panose="020B0400000000000000" pitchFamily="50" charset="-128"/>
+                <a:ea typeface="BIZ UDPゴシック" panose="020B0400000000000000" pitchFamily="50" charset="-128"/>
+              </a:rPr>
+              <a:t>BA</a:t>
+            </a:r>
+            <a:endParaRPr kumimoji="1" lang="ja-JP" altLang="en-US" sz="1400" spc="-150" dirty="0">
+              <a:latin typeface="BIZ UDPゴシック" panose="020B0400000000000000" pitchFamily="50" charset="-128"/>
+              <a:ea typeface="BIZ UDPゴシック" panose="020B0400000000000000" pitchFamily="50" charset="-128"/>
+            </a:endParaRPr>
+          </a:p>
+        </p:txBody>
+      </p:sp>
+      <p:sp>
+        <p:nvSpPr>
+          <p:cNvPr id="188" name="テキスト ボックス 187">
+            <a:extLst>
+              <a:ext uri="{FF2B5EF4-FFF2-40B4-BE49-F238E27FC236}">
+                <a16:creationId xmlns:a16="http://schemas.microsoft.com/office/drawing/2014/main" id="{5D807CA8-141E-1863-7997-C058394371C6}"/>
+              </a:ext>
+            </a:extLst>
+          </p:cNvPr>
+          <p:cNvSpPr txBox="1"/>
+          <p:nvPr/>
+        </p:nvSpPr>
+        <p:spPr>
+          <a:xfrm>
+            <a:off x="11290053" y="4449807"/>
+            <a:ext cx="548332" cy="307777"/>
+          </a:xfrm>
+          <a:prstGeom prst="rect">
+            <a:avLst/>
+          </a:prstGeom>
+          <a:noFill/>
+        </p:spPr>
+        <p:txBody>
+          <a:bodyPr wrap="square" rtlCol="0">
+            <a:spAutoFit/>
+          </a:bodyPr>
+          <a:lstStyle/>
+          <a:p>
+            <a:pPr algn="ctr"/>
+            <a:r>
+              <a:rPr lang="en-US" altLang="ja-JP" sz="1400" spc="-150" dirty="0">
+                <a:latin typeface="BIZ UDPゴシック" panose="020B0400000000000000" pitchFamily="50" charset="-128"/>
+                <a:ea typeface="BIZ UDPゴシック" panose="020B0400000000000000" pitchFamily="50" charset="-128"/>
+              </a:rPr>
+              <a:t>BA</a:t>
+            </a:r>
+            <a:endParaRPr kumimoji="1" lang="ja-JP" altLang="en-US" sz="1400" spc="-150" dirty="0">
+              <a:latin typeface="BIZ UDPゴシック" panose="020B0400000000000000" pitchFamily="50" charset="-128"/>
+              <a:ea typeface="BIZ UDPゴシック" panose="020B0400000000000000" pitchFamily="50" charset="-128"/>
+            </a:endParaRPr>
+          </a:p>
+        </p:txBody>
+      </p:sp>
+      <p:sp>
+        <p:nvSpPr>
+          <p:cNvPr id="189" name="テキスト ボックス 188">
+            <a:extLst>
+              <a:ext uri="{FF2B5EF4-FFF2-40B4-BE49-F238E27FC236}">
+                <a16:creationId xmlns:a16="http://schemas.microsoft.com/office/drawing/2014/main" id="{EC81809D-DDF9-9754-95D5-34AB158D0CA7}"/>
+              </a:ext>
+            </a:extLst>
+          </p:cNvPr>
+          <p:cNvSpPr txBox="1"/>
+          <p:nvPr/>
+        </p:nvSpPr>
+        <p:spPr>
+          <a:xfrm>
+            <a:off x="327743" y="5063318"/>
+            <a:ext cx="3776018" cy="584775"/>
+          </a:xfrm>
+          <a:prstGeom prst="rect">
+            <a:avLst/>
+          </a:prstGeom>
+          <a:noFill/>
+        </p:spPr>
+        <p:txBody>
+          <a:bodyPr wrap="square" rtlCol="0">
+            <a:spAutoFit/>
+          </a:bodyPr>
+          <a:lstStyle/>
+          <a:p>
+            <a:r>
+              <a:rPr lang="en-US" altLang="ja-JP" sz="1600" dirty="0">
+                <a:latin typeface="BIZ UDPゴシック" panose="020B0400000000000000" pitchFamily="50" charset="-128"/>
+                <a:ea typeface="BIZ UDPゴシック" panose="020B0400000000000000" pitchFamily="50" charset="-128"/>
+              </a:rPr>
+              <a:t>NDP : Null Data Packet</a:t>
+            </a:r>
+          </a:p>
+          <a:p>
+            <a:r>
+              <a:rPr kumimoji="1" lang="en-US" altLang="ja-JP" sz="1600" dirty="0">
+                <a:latin typeface="BIZ UDPゴシック" panose="020B0400000000000000" pitchFamily="50" charset="-128"/>
+                <a:ea typeface="BIZ UDPゴシック" panose="020B0400000000000000" pitchFamily="50" charset="-128"/>
+              </a:rPr>
+              <a:t>NDPA : </a:t>
+            </a:r>
+            <a:r>
+              <a:rPr lang="en-US" altLang="ja-JP" sz="1600" dirty="0">
+                <a:latin typeface="BIZ UDPゴシック" panose="020B0400000000000000" pitchFamily="50" charset="-128"/>
+                <a:ea typeface="BIZ UDPゴシック" panose="020B0400000000000000" pitchFamily="50" charset="-128"/>
+              </a:rPr>
+              <a:t>NDP Announcement</a:t>
+            </a:r>
+            <a:endParaRPr kumimoji="1" lang="ja-JP" altLang="en-US" sz="1600" dirty="0">
+              <a:latin typeface="BIZ UDPゴシック" panose="020B0400000000000000" pitchFamily="50" charset="-128"/>
+              <a:ea typeface="BIZ UDPゴシック" panose="020B0400000000000000" pitchFamily="50" charset="-128"/>
+            </a:endParaRPr>
+          </a:p>
+        </p:txBody>
+      </p:sp>
+      <p:sp>
+        <p:nvSpPr>
+          <p:cNvPr id="190" name="テキスト ボックス 189">
+            <a:extLst>
+              <a:ext uri="{FF2B5EF4-FFF2-40B4-BE49-F238E27FC236}">
+                <a16:creationId xmlns:a16="http://schemas.microsoft.com/office/drawing/2014/main" id="{B72C3E15-BEAF-BA79-983D-76CFE01B5865}"/>
+              </a:ext>
+            </a:extLst>
+          </p:cNvPr>
+          <p:cNvSpPr txBox="1"/>
+          <p:nvPr/>
+        </p:nvSpPr>
+        <p:spPr>
+          <a:xfrm>
+            <a:off x="4312223" y="5063318"/>
+            <a:ext cx="3776018" cy="584775"/>
+          </a:xfrm>
+          <a:prstGeom prst="rect">
+            <a:avLst/>
+          </a:prstGeom>
+          <a:noFill/>
+        </p:spPr>
+        <p:txBody>
+          <a:bodyPr wrap="square" rtlCol="0">
+            <a:spAutoFit/>
+          </a:bodyPr>
+          <a:lstStyle/>
+          <a:p>
+            <a:r>
+              <a:rPr lang="en-US" altLang="ja-JP" sz="1600" dirty="0">
+                <a:latin typeface="BIZ UDPゴシック" panose="020B0400000000000000" pitchFamily="50" charset="-128"/>
+                <a:ea typeface="BIZ UDPゴシック" panose="020B0400000000000000" pitchFamily="50" charset="-128"/>
+              </a:rPr>
+              <a:t>BR : Beamforming Report</a:t>
+            </a:r>
+          </a:p>
+          <a:p>
+            <a:r>
+              <a:rPr lang="en-US" altLang="ja-JP" sz="1600" dirty="0">
+                <a:latin typeface="BIZ UDPゴシック" panose="020B0400000000000000" pitchFamily="50" charset="-128"/>
+                <a:ea typeface="BIZ UDPゴシック" panose="020B0400000000000000" pitchFamily="50" charset="-128"/>
+              </a:rPr>
+              <a:t>BRP : BR Polling</a:t>
+            </a:r>
+            <a:endParaRPr kumimoji="1" lang="ja-JP" altLang="en-US" sz="1600" dirty="0">
+              <a:latin typeface="BIZ UDPゴシック" panose="020B0400000000000000" pitchFamily="50" charset="-128"/>
+              <a:ea typeface="BIZ UDPゴシック" panose="020B0400000000000000" pitchFamily="50" charset="-128"/>
+            </a:endParaRPr>
+          </a:p>
+        </p:txBody>
+      </p:sp>
+      <p:sp>
+        <p:nvSpPr>
+          <p:cNvPr id="191" name="テキスト ボックス 190">
+            <a:extLst>
+              <a:ext uri="{FF2B5EF4-FFF2-40B4-BE49-F238E27FC236}">
+                <a16:creationId xmlns:a16="http://schemas.microsoft.com/office/drawing/2014/main" id="{B48D9C16-ABB4-E7BC-A2C2-09D7BA0395DC}"/>
+              </a:ext>
+            </a:extLst>
+          </p:cNvPr>
+          <p:cNvSpPr txBox="1"/>
+          <p:nvPr/>
+        </p:nvSpPr>
+        <p:spPr>
+          <a:xfrm>
+            <a:off x="8304128" y="5032897"/>
+            <a:ext cx="3776018" cy="584775"/>
+          </a:xfrm>
+          <a:prstGeom prst="rect">
+            <a:avLst/>
+          </a:prstGeom>
+          <a:noFill/>
+        </p:spPr>
+        <p:txBody>
+          <a:bodyPr wrap="square" rtlCol="0">
+            <a:spAutoFit/>
+          </a:bodyPr>
+          <a:lstStyle/>
+          <a:p>
+            <a:r>
+              <a:rPr lang="en-US" altLang="ja-JP" sz="1600" dirty="0">
+                <a:latin typeface="BIZ UDPゴシック" panose="020B0400000000000000" pitchFamily="50" charset="-128"/>
+                <a:ea typeface="BIZ UDPゴシック" panose="020B0400000000000000" pitchFamily="50" charset="-128"/>
+              </a:rPr>
+              <a:t>BA : Block ACK</a:t>
+            </a:r>
+          </a:p>
+          <a:p>
+            <a:r>
+              <a:rPr kumimoji="1" lang="en-US" altLang="ja-JP" sz="1600" dirty="0">
+                <a:latin typeface="BIZ UDPゴシック" panose="020B0400000000000000" pitchFamily="50" charset="-128"/>
+                <a:ea typeface="BIZ UDPゴシック" panose="020B0400000000000000" pitchFamily="50" charset="-128"/>
+              </a:rPr>
+              <a:t>BAR : BA R</a:t>
+            </a:r>
+            <a:r>
+              <a:rPr lang="en-US" altLang="ja-JP" sz="1600" dirty="0">
+                <a:latin typeface="BIZ UDPゴシック" panose="020B0400000000000000" pitchFamily="50" charset="-128"/>
+                <a:ea typeface="BIZ UDPゴシック" panose="020B0400000000000000" pitchFamily="50" charset="-128"/>
+              </a:rPr>
+              <a:t>equest</a:t>
+            </a:r>
+            <a:endParaRPr kumimoji="1" lang="ja-JP" altLang="en-US" sz="1600" dirty="0">
               <a:latin typeface="BIZ UDPゴシック" panose="020B0400000000000000" pitchFamily="50" charset="-128"/>
               <a:ea typeface="BIZ UDPゴシック" panose="020B0400000000000000" pitchFamily="50" charset="-128"/>
             </a:endParaRPr>
@@ -15141,7 +15421,7 @@
     </p:spTree>
     <p:extLst>
       <p:ext uri="{BB962C8B-B14F-4D97-AF65-F5344CB8AC3E}">
-        <p14:creationId xmlns:p14="http://schemas.microsoft.com/office/powerpoint/2010/main" val="3037100936"/>
+        <p14:creationId xmlns:p14="http://schemas.microsoft.com/office/powerpoint/2010/main" val="428280065"/>
       </p:ext>
     </p:extLst>
   </p:cSld>
@@ -15294,13 +15574,13 @@
 <file path=ppt/tags/tag16.xml><?xml version="1.0" encoding="utf-8"?>
 <p:tagLst xmlns:a="http://schemas.openxmlformats.org/drawingml/2006/main" xmlns:r="http://schemas.openxmlformats.org/officeDocument/2006/relationships" xmlns:p="http://schemas.openxmlformats.org/presentationml/2006/main">
   <p:tag name="OUTPUTDPI" val="1200"/>
-  <p:tag name="ORIGINALHEIGHT" val="87.76228"/>
-  <p:tag name="ORIGINALWIDTH" val="107.265"/>
+  <p:tag name="ORIGINALHEIGHT" val="515.3219"/>
+  <p:tag name="ORIGINALWIDTH" val="2066.538"/>
   <p:tag name="OUTPUTTYPE" val="PNG"/>
   <p:tag name="IGUANATEXVERSION" val="160"/>
-  <p:tag name="LATEXADDIN" val="\documentclass{jsarticle}&#10;\usepackage{amsmath}&#10;\usepackage[T1]{fontenc}&#10;\usepackage{lmodern}&#10;\pagestyle{empty}&#10;&#10;\begin{document}&#10;%\begin{align*}&#10;%\end{align*}&#10;$H$&#10;\end{document}"/>
+  <p:tag name="LATEXADDIN" val="\documentclass{jsarticle}&#10;\usepackage{amsmath}&#10;\usepackage[T1]{fontenc}&#10;\usepackage{lmodern}&#10;\pagestyle{empty}&#10;&#10;\begin{document}&#10;%\begin{align*}&#10;%\end{align*}&#10;\begin{align*}&#10;  H &amp;= UDV^H\\&#10;    &amp;=&#10;    \begin{bmatrix}&#10;      u_1 &amp; u_2&#10;    \end{bmatrix}&#10;    \begin{bmatrix}&#10;      \sqrt{\lambda_1} &amp; 0\\&#10;      0 &amp; \sqrt{\lambda_2}&#10;    \end{bmatrix}&#10;    \begin{bmatrix}&#10;      v_1 &amp; v_2&#10;    \end{bmatrix}^H&#10;\end{align*}&#10;\end{document}"/>
   <p:tag name="IGUANATEXSIZE" val="60"/>
-  <p:tag name="IGUANATEXCURSOR" val="161"/>
+  <p:tag name="IGUANATEXCURSOR" val="412"/>
   <p:tag name="TRANSPARENCY" val="True"/>
   <p:tag name="LATEXENGINEID" val="4"/>
   <p:tag name="TEMPFOLDER" val="c:\temp\"/>
@@ -15334,13 +15614,13 @@
 <file path=ppt/tags/tag18.xml><?xml version="1.0" encoding="utf-8"?>
 <p:tagLst xmlns:a="http://schemas.openxmlformats.org/drawingml/2006/main" xmlns:r="http://schemas.openxmlformats.org/officeDocument/2006/relationships" xmlns:p="http://schemas.openxmlformats.org/presentationml/2006/main">
   <p:tag name="OUTPUTDPI" val="1200"/>
-  <p:tag name="ORIGINALHEIGHT" val="126.7677"/>
-  <p:tag name="ORIGINALWIDTH" val="551.3269"/>
+  <p:tag name="ORIGINALHEIGHT" val="87.76228"/>
+  <p:tag name="ORIGINALWIDTH" val="107.265"/>
   <p:tag name="OUTPUTTYPE" val="PNG"/>
   <p:tag name="IGUANATEXVERSION" val="160"/>
-  <p:tag name="LATEXADDIN" val="\documentclass{jsarticle}&#10;\usepackage{amsmath}&#10;\usepackage[T1]{fontenc}&#10;\usepackage{lmodern}&#10;\pagestyle{empty}&#10;&#10;\begin{document}&#10;%\begin{align*}&#10;%\end{align*}&#10;$s_1(t),s_2(t)$&#10;\end{document}"/>
+  <p:tag name="LATEXADDIN" val="\documentclass{jsarticle}&#10;\usepackage{amsmath}&#10;\usepackage[T1]{fontenc}&#10;\usepackage{lmodern}&#10;\pagestyle{empty}&#10;&#10;\begin{document}&#10;%\begin{align*}&#10;%\end{align*}&#10;$H$&#10;\end{document}"/>
   <p:tag name="IGUANATEXSIZE" val="60"/>
-  <p:tag name="IGUANATEXCURSOR" val="173"/>
+  <p:tag name="IGUANATEXCURSOR" val="161"/>
   <p:tag name="TRANSPARENCY" val="True"/>
   <p:tag name="LATEXENGINEID" val="4"/>
   <p:tag name="TEMPFOLDER" val="c:\temp\"/>
@@ -15354,13 +15634,13 @@
 <file path=ppt/tags/tag19.xml><?xml version="1.0" encoding="utf-8"?>
 <p:tagLst xmlns:a="http://schemas.openxmlformats.org/drawingml/2006/main" xmlns:r="http://schemas.openxmlformats.org/officeDocument/2006/relationships" xmlns:p="http://schemas.openxmlformats.org/presentationml/2006/main">
   <p:tag name="OUTPUTDPI" val="1200"/>
-  <p:tag name="ORIGINALHEIGHT" val="81.76141"/>
-  <p:tag name="ORIGINALWIDTH" val="275.2884"/>
+  <p:tag name="ORIGINALHEIGHT" val="180.7752"/>
+  <p:tag name="ORIGINALWIDTH" val="919.6284"/>
   <p:tag name="OUTPUTTYPE" val="PNG"/>
   <p:tag name="IGUANATEXVERSION" val="160"/>
-  <p:tag name="LATEXADDIN" val="\documentclass{jsarticle}&#10;\usepackage{amsmath}&#10;\usepackage[T1]{fontenc}&#10;\usepackage{lmodern}&#10;\pagestyle{empty}&#10;&#10;\begin{document}&#10;%\begin{align*}&#10;%\end{align*}&#10;$v_1,v_2$&#10;\end{document}"/>
+  <p:tag name="LATEXADDIN" val="\documentclass{jsarticle}&#10;\usepackage{amsmath}&#10;\usepackage[T1]{fontenc}&#10;\usepackage{lmodern}&#10;\pagestyle{empty}&#10;&#10;\begin{document}&#10;%\begin{align*}&#10;%\end{align*}&#10;\begin{equation*}&#10;  U^H =&#10;  \begin{bmatrix}&#10;    u_1 &amp; u_2&#10;  \end{bmatrix}^H&#10;\end{equation*}&#10;\end{document}"/>
   <p:tag name="IGUANATEXSIZE" val="60"/>
-  <p:tag name="IGUANATEXCURSOR" val="161"/>
+  <p:tag name="IGUANATEXCURSOR" val="250"/>
   <p:tag name="TRANSPARENCY" val="True"/>
   <p:tag name="LATEXENGINEID" val="4"/>
   <p:tag name="TEMPFOLDER" val="c:\temp\"/>
@@ -15394,13 +15674,13 @@
 <file path=ppt/tags/tag20.xml><?xml version="1.0" encoding="utf-8"?>
 <p:tagLst xmlns:a="http://schemas.openxmlformats.org/drawingml/2006/main" xmlns:r="http://schemas.openxmlformats.org/officeDocument/2006/relationships" xmlns:p="http://schemas.openxmlformats.org/presentationml/2006/main">
   <p:tag name="OUTPUTDPI" val="1200"/>
-  <p:tag name="ORIGINALHEIGHT" val="126.7677"/>
-  <p:tag name="ORIGINALWIDTH" val="559.5781"/>
+  <p:tag name="ORIGINALHEIGHT" val="152.2713"/>
+  <p:tag name="ORIGINALWIDTH" val="697.5974"/>
   <p:tag name="OUTPUTTYPE" val="PNG"/>
   <p:tag name="IGUANATEXVERSION" val="160"/>
-  <p:tag name="LATEXADDIN" val="\documentclass{jsarticle}&#10;\usepackage{amsmath}&#10;\usepackage[T1]{fontenc}&#10;\usepackage{lmodern}&#10;\pagestyle{empty}&#10;&#10;\begin{document}&#10;%\begin{align*}&#10;%\end{align*}&#10;$y_1(t),y_2(t)$&#10;\end{document}"/>
+  <p:tag name="LATEXADDIN" val="\documentclass{jsarticle}&#10;\usepackage{amsmath}&#10;\usepackage[T1]{fontenc}&#10;\usepackage{lmodern}&#10;\pagestyle{empty}&#10;&#10;\begin{document}&#10;%\begin{align*}&#10;%\end{align*}&#10;\begin{equation*}&#10;  V =&#10;  \begin{bmatrix}&#10;    v_1 &amp; v_2&#10;  \end{bmatrix}&#10;\end{equation*}&#10;&#10;\end{document}"/>
   <p:tag name="IGUANATEXSIZE" val="60"/>
-  <p:tag name="IGUANATEXCURSOR" val="168"/>
+  <p:tag name="IGUANATEXCURSOR" val="247"/>
   <p:tag name="TRANSPARENCY" val="True"/>
   <p:tag name="LATEXENGINEID" val="4"/>
   <p:tag name="TEMPFOLDER" val="c:\temp\"/>
@@ -15414,13 +15694,13 @@
 <file path=ppt/tags/tag21.xml><?xml version="1.0" encoding="utf-8"?>
 <p:tagLst xmlns:a="http://schemas.openxmlformats.org/drawingml/2006/main" xmlns:r="http://schemas.openxmlformats.org/officeDocument/2006/relationships" xmlns:p="http://schemas.openxmlformats.org/presentationml/2006/main">
   <p:tag name="OUTPUTDPI" val="1200"/>
-  <p:tag name="ORIGINALHEIGHT" val="138.0193"/>
-  <p:tag name="ORIGINALWIDTH" val="375.0524"/>
+  <p:tag name="ORIGINALHEIGHT" val="128.2679"/>
+  <p:tag name="ORIGINALWIDTH" val="513.8217"/>
   <p:tag name="OUTPUTTYPE" val="PNG"/>
   <p:tag name="IGUANATEXVERSION" val="160"/>
-  <p:tag name="LATEXADDIN" val="\documentclass{jsarticle}&#10;\usepackage{amsmath}&#10;\usepackage[T1]{fontenc}&#10;\usepackage{lmodern}&#10;\pagestyle{empty}&#10;&#10;\begin{document}&#10;%\begin{align*}&#10;%\end{align*}&#10;$u_1^H,u_2^H$&#10;\end{document}"/>
+  <p:tag name="LATEXADDIN" val="\documentclass{jsarticle}&#10;\usepackage{amsmath}&#10;\usepackage[T1]{fontenc}&#10;\usepackage{lmodern}&#10;\pagestyle{empty}&#10;&#10;\begin{document}&#10;%\begin{align*}&#10;%\end{align*}&#10;$\sqrt{\lambda_1},\sqrt{\lambda_2}$&#10;\end{document}"/>
   <p:tag name="IGUANATEXSIZE" val="60"/>
-  <p:tag name="IGUANATEXCURSOR" val="171"/>
+  <p:tag name="IGUANATEXCURSOR" val="194"/>
   <p:tag name="TRANSPARENCY" val="True"/>
   <p:tag name="LATEXENGINEID" val="4"/>
   <p:tag name="TEMPFOLDER" val="c:\temp\"/>
@@ -15434,13 +15714,13 @@
 <file path=ppt/tags/tag22.xml><?xml version="1.0" encoding="utf-8"?>
 <p:tagLst xmlns:a="http://schemas.openxmlformats.org/drawingml/2006/main" xmlns:r="http://schemas.openxmlformats.org/officeDocument/2006/relationships" xmlns:p="http://schemas.openxmlformats.org/presentationml/2006/main">
   <p:tag name="OUTPUTDPI" val="1200"/>
-  <p:tag name="ORIGINALHEIGHT" val="515.3219"/>
-  <p:tag name="ORIGINALWIDTH" val="2066.538"/>
+  <p:tag name="ORIGINALHEIGHT" val="87.76228"/>
+  <p:tag name="ORIGINALWIDTH" val="107.265"/>
   <p:tag name="OUTPUTTYPE" val="PNG"/>
   <p:tag name="IGUANATEXVERSION" val="160"/>
-  <p:tag name="LATEXADDIN" val="\documentclass{jsarticle}&#10;\usepackage{amsmath}&#10;\usepackage[T1]{fontenc}&#10;\usepackage{lmodern}&#10;\pagestyle{empty}&#10;&#10;\begin{document}&#10;%\begin{align*}&#10;%\end{align*}&#10;\begin{align*}&#10;  H &amp;= UDV^H\\&#10;    &amp;=&#10;    \begin{bmatrix}&#10;      u_1 &amp; u_2&#10;    \end{bmatrix}&#10;    \begin{bmatrix}&#10;      \sqrt{\lambda_1} &amp; 0\\&#10;      0 &amp; \sqrt{\lambda_2}&#10;    \end{bmatrix}&#10;    \begin{bmatrix}&#10;      v_1 &amp; v_2&#10;    \end{bmatrix}^H&#10;\end{align*}&#10;\end{document}"/>
+  <p:tag name="LATEXADDIN" val="\documentclass{jsarticle}&#10;\usepackage{amsmath}&#10;\usepackage[T1]{fontenc}&#10;\usepackage{lmodern}&#10;\pagestyle{empty}&#10;&#10;\begin{document}&#10;%\begin{align*}&#10;%\end{align*}&#10;$H$&#10;\end{document}"/>
   <p:tag name="IGUANATEXSIZE" val="60"/>
-  <p:tag name="IGUANATEXCURSOR" val="412"/>
+  <p:tag name="IGUANATEXCURSOR" val="161"/>
   <p:tag name="TRANSPARENCY" val="True"/>
   <p:tag name="LATEXENGINEID" val="4"/>
   <p:tag name="TEMPFOLDER" val="c:\temp\"/>
@@ -15474,11 +15754,31 @@
 <file path=ppt/tags/tag24.xml><?xml version="1.0" encoding="utf-8"?>
 <p:tagLst xmlns:a="http://schemas.openxmlformats.org/drawingml/2006/main" xmlns:r="http://schemas.openxmlformats.org/officeDocument/2006/relationships" xmlns:p="http://schemas.openxmlformats.org/presentationml/2006/main">
   <p:tag name="OUTPUTDPI" val="1200"/>
-  <p:tag name="ORIGINALHEIGHT" val="87.76228"/>
-  <p:tag name="ORIGINALWIDTH" val="107.265"/>
+  <p:tag name="ORIGINALHEIGHT" val="126.7677"/>
+  <p:tag name="ORIGINALWIDTH" val="551.3269"/>
   <p:tag name="OUTPUTTYPE" val="PNG"/>
   <p:tag name="IGUANATEXVERSION" val="160"/>
-  <p:tag name="LATEXADDIN" val="\documentclass{jsarticle}&#10;\usepackage{amsmath}&#10;\usepackage[T1]{fontenc}&#10;\usepackage{lmodern}&#10;\pagestyle{empty}&#10;&#10;\begin{document}&#10;%\begin{align*}&#10;%\end{align*}&#10;$H$&#10;\end{document}"/>
+  <p:tag name="LATEXADDIN" val="\documentclass{jsarticle}&#10;\usepackage{amsmath}&#10;\usepackage[T1]{fontenc}&#10;\usepackage{lmodern}&#10;\pagestyle{empty}&#10;&#10;\begin{document}&#10;%\begin{align*}&#10;%\end{align*}&#10;$s_1(t),s_2(t)$&#10;\end{document}"/>
+  <p:tag name="IGUANATEXSIZE" val="60"/>
+  <p:tag name="IGUANATEXCURSOR" val="173"/>
+  <p:tag name="TRANSPARENCY" val="True"/>
+  <p:tag name="LATEXENGINEID" val="4"/>
+  <p:tag name="TEMPFOLDER" val="c:\temp\"/>
+  <p:tag name="LATEXFORMHEIGHT" val="320"/>
+  <p:tag name="LATEXFORMWIDTH" val="385"/>
+  <p:tag name="LATEXFORMWRAP" val="True"/>
+  <p:tag name="BITMAPVECTOR" val="0"/>
+</p:tagLst>
+</file>
+
+<file path=ppt/tags/tag25.xml><?xml version="1.0" encoding="utf-8"?>
+<p:tagLst xmlns:a="http://schemas.openxmlformats.org/drawingml/2006/main" xmlns:r="http://schemas.openxmlformats.org/officeDocument/2006/relationships" xmlns:p="http://schemas.openxmlformats.org/presentationml/2006/main">
+  <p:tag name="OUTPUTDPI" val="1200"/>
+  <p:tag name="ORIGINALHEIGHT" val="81.76141"/>
+  <p:tag name="ORIGINALWIDTH" val="275.2884"/>
+  <p:tag name="OUTPUTTYPE" val="PNG"/>
+  <p:tag name="IGUANATEXVERSION" val="160"/>
+  <p:tag name="LATEXADDIN" val="\documentclass{jsarticle}&#10;\usepackage{amsmath}&#10;\usepackage[T1]{fontenc}&#10;\usepackage{lmodern}&#10;\pagestyle{empty}&#10;&#10;\begin{document}&#10;%\begin{align*}&#10;%\end{align*}&#10;$v_1,v_2$&#10;\end{document}"/>
   <p:tag name="IGUANATEXSIZE" val="60"/>
   <p:tag name="IGUANATEXCURSOR" val="161"/>
   <p:tag name="TRANSPARENCY" val="True"/>
@@ -15491,7 +15791,47 @@
 </p:tagLst>
 </file>
 
-<file path=ppt/tags/tag25.xml><?xml version="1.0" encoding="utf-8"?>
+<file path=ppt/tags/tag26.xml><?xml version="1.0" encoding="utf-8"?>
+<p:tagLst xmlns:a="http://schemas.openxmlformats.org/drawingml/2006/main" xmlns:r="http://schemas.openxmlformats.org/officeDocument/2006/relationships" xmlns:p="http://schemas.openxmlformats.org/presentationml/2006/main">
+  <p:tag name="OUTPUTDPI" val="1200"/>
+  <p:tag name="ORIGINALHEIGHT" val="126.7677"/>
+  <p:tag name="ORIGINALWIDTH" val="559.5781"/>
+  <p:tag name="OUTPUTTYPE" val="PNG"/>
+  <p:tag name="IGUANATEXVERSION" val="160"/>
+  <p:tag name="LATEXADDIN" val="\documentclass{jsarticle}&#10;\usepackage{amsmath}&#10;\usepackage[T1]{fontenc}&#10;\usepackage{lmodern}&#10;\pagestyle{empty}&#10;&#10;\begin{document}&#10;%\begin{align*}&#10;%\end{align*}&#10;$y_1(t),y_2(t)$&#10;\end{document}"/>
+  <p:tag name="IGUANATEXSIZE" val="60"/>
+  <p:tag name="IGUANATEXCURSOR" val="168"/>
+  <p:tag name="TRANSPARENCY" val="True"/>
+  <p:tag name="LATEXENGINEID" val="4"/>
+  <p:tag name="TEMPFOLDER" val="c:\temp\"/>
+  <p:tag name="LATEXFORMHEIGHT" val="320"/>
+  <p:tag name="LATEXFORMWIDTH" val="385"/>
+  <p:tag name="LATEXFORMWRAP" val="True"/>
+  <p:tag name="BITMAPVECTOR" val="0"/>
+</p:tagLst>
+</file>
+
+<file path=ppt/tags/tag27.xml><?xml version="1.0" encoding="utf-8"?>
+<p:tagLst xmlns:a="http://schemas.openxmlformats.org/drawingml/2006/main" xmlns:r="http://schemas.openxmlformats.org/officeDocument/2006/relationships" xmlns:p="http://schemas.openxmlformats.org/presentationml/2006/main">
+  <p:tag name="OUTPUTDPI" val="1200"/>
+  <p:tag name="ORIGINALHEIGHT" val="138.0193"/>
+  <p:tag name="ORIGINALWIDTH" val="375.0524"/>
+  <p:tag name="OUTPUTTYPE" val="PNG"/>
+  <p:tag name="IGUANATEXVERSION" val="160"/>
+  <p:tag name="LATEXADDIN" val="\documentclass{jsarticle}&#10;\usepackage{amsmath}&#10;\usepackage[T1]{fontenc}&#10;\usepackage{lmodern}&#10;\pagestyle{empty}&#10;&#10;\begin{document}&#10;%\begin{align*}&#10;%\end{align*}&#10;$u_1^H,u_2^H$&#10;\end{document}"/>
+  <p:tag name="IGUANATEXSIZE" val="60"/>
+  <p:tag name="IGUANATEXCURSOR" val="171"/>
+  <p:tag name="TRANSPARENCY" val="True"/>
+  <p:tag name="LATEXENGINEID" val="4"/>
+  <p:tag name="TEMPFOLDER" val="c:\temp\"/>
+  <p:tag name="LATEXFORMHEIGHT" val="320"/>
+  <p:tag name="LATEXFORMWIDTH" val="385"/>
+  <p:tag name="LATEXFORMWRAP" val="True"/>
+  <p:tag name="BITMAPVECTOR" val="0"/>
+</p:tagLst>
+</file>
+
+<file path=ppt/tags/tag28.xml><?xml version="1.0" encoding="utf-8"?>
 <p:tagLst xmlns:a="http://schemas.openxmlformats.org/drawingml/2006/main" xmlns:r="http://schemas.openxmlformats.org/officeDocument/2006/relationships" xmlns:p="http://schemas.openxmlformats.org/presentationml/2006/main">
   <p:tag name="OUTPUTDPI" val="1200"/>
   <p:tag name="ORIGINALHEIGHT" val="116.2662"/>
@@ -15511,27 +15851,7 @@
 </p:tagLst>
 </file>
 
-<file path=ppt/tags/tag26.xml><?xml version="1.0" encoding="utf-8"?>
-<p:tagLst xmlns:a="http://schemas.openxmlformats.org/drawingml/2006/main" xmlns:r="http://schemas.openxmlformats.org/officeDocument/2006/relationships" xmlns:p="http://schemas.openxmlformats.org/presentationml/2006/main">
-  <p:tag name="OUTPUTDPI" val="1200"/>
-  <p:tag name="ORIGINALHEIGHT" val="87.76228"/>
-  <p:tag name="ORIGINALWIDTH" val="107.265"/>
-  <p:tag name="OUTPUTTYPE" val="PNG"/>
-  <p:tag name="IGUANATEXVERSION" val="160"/>
-  <p:tag name="LATEXADDIN" val="\documentclass{jsarticle}&#10;\usepackage{amsmath}&#10;\usepackage[T1]{fontenc}&#10;\usepackage{lmodern}&#10;\pagestyle{empty}&#10;&#10;\begin{document}&#10;%\begin{align*}&#10;%\end{align*}&#10;$H$&#10;\end{document}"/>
-  <p:tag name="IGUANATEXSIZE" val="60"/>
-  <p:tag name="IGUANATEXCURSOR" val="161"/>
-  <p:tag name="TRANSPARENCY" val="True"/>
-  <p:tag name="LATEXENGINEID" val="4"/>
-  <p:tag name="TEMPFOLDER" val="c:\temp\"/>
-  <p:tag name="LATEXFORMHEIGHT" val="320"/>
-  <p:tag name="LATEXFORMWIDTH" val="385"/>
-  <p:tag name="LATEXFORMWRAP" val="True"/>
-  <p:tag name="BITMAPVECTOR" val="0"/>
-</p:tagLst>
-</file>
-
-<file path=ppt/tags/tag27.xml><?xml version="1.0" encoding="utf-8"?>
+<file path=ppt/tags/tag29.xml><?xml version="1.0" encoding="utf-8"?>
 <p:tagLst xmlns:a="http://schemas.openxmlformats.org/drawingml/2006/main" xmlns:r="http://schemas.openxmlformats.org/officeDocument/2006/relationships" xmlns:p="http://schemas.openxmlformats.org/presentationml/2006/main">
   <p:tag name="OUTPUTDPI" val="1200"/>
   <p:tag name="ORIGINALHEIGHT" val="87.76228"/>
@@ -15561,6 +15881,26 @@
   <p:tag name="LATEXADDIN" val="\documentclass{jsarticle}&#10;\usepackage{amsmath}&#10;\usepackage[T1]{fontenc}&#10;\usepackage{lmodern}&#10;\pagestyle{empty}&#10;&#10;\begin{document}&#10;%\begin{align*}&#10;%\end{align*}&#10;$S_3$&#10;\end{document}"/>
   <p:tag name="IGUANATEXSIZE" val="60"/>
   <p:tag name="IGUANATEXCURSOR" val="163"/>
+  <p:tag name="TRANSPARENCY" val="True"/>
+  <p:tag name="LATEXENGINEID" val="4"/>
+  <p:tag name="TEMPFOLDER" val="c:\temp\"/>
+  <p:tag name="LATEXFORMHEIGHT" val="320"/>
+  <p:tag name="LATEXFORMWIDTH" val="385"/>
+  <p:tag name="LATEXFORMWRAP" val="True"/>
+  <p:tag name="BITMAPVECTOR" val="0"/>
+</p:tagLst>
+</file>
+
+<file path=ppt/tags/tag30.xml><?xml version="1.0" encoding="utf-8"?>
+<p:tagLst xmlns:a="http://schemas.openxmlformats.org/drawingml/2006/main" xmlns:r="http://schemas.openxmlformats.org/officeDocument/2006/relationships" xmlns:p="http://schemas.openxmlformats.org/presentationml/2006/main">
+  <p:tag name="OUTPUTDPI" val="1200"/>
+  <p:tag name="ORIGINALHEIGHT" val="87.76228"/>
+  <p:tag name="ORIGINALWIDTH" val="107.265"/>
+  <p:tag name="OUTPUTTYPE" val="PNG"/>
+  <p:tag name="IGUANATEXVERSION" val="160"/>
+  <p:tag name="LATEXADDIN" val="\documentclass{jsarticle}&#10;\usepackage{amsmath}&#10;\usepackage[T1]{fontenc}&#10;\usepackage{lmodern}&#10;\pagestyle{empty}&#10;&#10;\begin{document}&#10;%\begin{align*}&#10;%\end{align*}&#10;$H$&#10;\end{document}"/>
+  <p:tag name="IGUANATEXSIZE" val="60"/>
+  <p:tag name="IGUANATEXCURSOR" val="161"/>
   <p:tag name="TRANSPARENCY" val="True"/>
   <p:tag name="LATEXENGINEID" val="4"/>
   <p:tag name="TEMPFOLDER" val="c:\temp\"/>

--- a/MIMO/MU-MIMO.pptx
+++ b/MIMO/MU-MIMO.pptx
@@ -10793,6 +10793,184 @@
           </a:p>
         </p:txBody>
       </p:sp>
+      <p:sp>
+        <p:nvSpPr>
+          <p:cNvPr id="2" name="テキスト ボックス 1">
+            <a:extLst>
+              <a:ext uri="{FF2B5EF4-FFF2-40B4-BE49-F238E27FC236}">
+                <a16:creationId xmlns:a16="http://schemas.microsoft.com/office/drawing/2014/main" id="{320F6396-3F1F-4DC7-A915-BEE71EA7068C}"/>
+              </a:ext>
+            </a:extLst>
+          </p:cNvPr>
+          <p:cNvSpPr txBox="1"/>
+          <p:nvPr/>
+        </p:nvSpPr>
+        <p:spPr>
+          <a:xfrm>
+            <a:off x="7255564" y="1600200"/>
+            <a:ext cx="4393096" cy="523220"/>
+          </a:xfrm>
+          <a:prstGeom prst="rect">
+            <a:avLst/>
+          </a:prstGeom>
+          <a:noFill/>
+        </p:spPr>
+        <p:txBody>
+          <a:bodyPr wrap="square" rtlCol="0">
+            <a:spAutoFit/>
+          </a:bodyPr>
+          <a:lstStyle/>
+          <a:p>
+            <a:r>
+              <a:rPr lang="ja-JP" altLang="en-US" sz="2800" dirty="0">
+                <a:latin typeface="BIZ UDPゴシック" panose="020B0400000000000000" pitchFamily="50" charset="-128"/>
+                <a:ea typeface="BIZ UDPゴシック" panose="020B0400000000000000" pitchFamily="50" charset="-128"/>
+              </a:rPr>
+              <a:t>受信側ウエイト</a:t>
+            </a:r>
+            <a:r>
+              <a:rPr lang="en-US" altLang="ja-JP" sz="2800" dirty="0">
+                <a:latin typeface="BIZ UDPゴシック" panose="020B0400000000000000" pitchFamily="50" charset="-128"/>
+                <a:ea typeface="BIZ UDPゴシック" panose="020B0400000000000000" pitchFamily="50" charset="-128"/>
+              </a:rPr>
+              <a:t>(</a:t>
+            </a:r>
+            <a:r>
+              <a:rPr lang="ja-JP" altLang="en-US" sz="2800" dirty="0">
+                <a:latin typeface="BIZ UDPゴシック" panose="020B0400000000000000" pitchFamily="50" charset="-128"/>
+                <a:ea typeface="BIZ UDPゴシック" panose="020B0400000000000000" pitchFamily="50" charset="-128"/>
+              </a:rPr>
+              <a:t>重み</a:t>
+            </a:r>
+            <a:r>
+              <a:rPr lang="en-US" altLang="ja-JP" sz="2800" dirty="0">
+                <a:latin typeface="BIZ UDPゴシック" panose="020B0400000000000000" pitchFamily="50" charset="-128"/>
+                <a:ea typeface="BIZ UDPゴシック" panose="020B0400000000000000" pitchFamily="50" charset="-128"/>
+              </a:rPr>
+              <a:t>)</a:t>
+            </a:r>
+            <a:r>
+              <a:rPr lang="ja-JP" altLang="en-US" sz="2800" dirty="0">
+                <a:latin typeface="BIZ UDPゴシック" panose="020B0400000000000000" pitchFamily="50" charset="-128"/>
+                <a:ea typeface="BIZ UDPゴシック" panose="020B0400000000000000" pitchFamily="50" charset="-128"/>
+              </a:rPr>
+              <a:t>行列</a:t>
+            </a:r>
+            <a:endParaRPr kumimoji="1" lang="ja-JP" altLang="en-US" sz="2800" dirty="0">
+              <a:latin typeface="BIZ UDPゴシック" panose="020B0400000000000000" pitchFamily="50" charset="-128"/>
+              <a:ea typeface="BIZ UDPゴシック" panose="020B0400000000000000" pitchFamily="50" charset="-128"/>
+            </a:endParaRPr>
+          </a:p>
+        </p:txBody>
+      </p:sp>
+      <p:sp>
+        <p:nvSpPr>
+          <p:cNvPr id="8" name="テキスト ボックス 7">
+            <a:extLst>
+              <a:ext uri="{FF2B5EF4-FFF2-40B4-BE49-F238E27FC236}">
+                <a16:creationId xmlns:a16="http://schemas.microsoft.com/office/drawing/2014/main" id="{9F590100-65B1-42F8-92A7-140BE5D4C345}"/>
+              </a:ext>
+            </a:extLst>
+          </p:cNvPr>
+          <p:cNvSpPr txBox="1"/>
+          <p:nvPr/>
+        </p:nvSpPr>
+        <p:spPr>
+          <a:xfrm>
+            <a:off x="7255564" y="3167390"/>
+            <a:ext cx="4393096" cy="523220"/>
+          </a:xfrm>
+          <a:prstGeom prst="rect">
+            <a:avLst/>
+          </a:prstGeom>
+          <a:noFill/>
+        </p:spPr>
+        <p:txBody>
+          <a:bodyPr wrap="square" rtlCol="0">
+            <a:spAutoFit/>
+          </a:bodyPr>
+          <a:lstStyle/>
+          <a:p>
+            <a:r>
+              <a:rPr lang="ja-JP" altLang="en-US" sz="2800" dirty="0">
+                <a:latin typeface="BIZ UDPゴシック" panose="020B0400000000000000" pitchFamily="50" charset="-128"/>
+                <a:ea typeface="BIZ UDPゴシック" panose="020B0400000000000000" pitchFamily="50" charset="-128"/>
+              </a:rPr>
+              <a:t>送信側ウエイト</a:t>
+            </a:r>
+            <a:r>
+              <a:rPr lang="en-US" altLang="ja-JP" sz="2800" dirty="0">
+                <a:latin typeface="BIZ UDPゴシック" panose="020B0400000000000000" pitchFamily="50" charset="-128"/>
+                <a:ea typeface="BIZ UDPゴシック" panose="020B0400000000000000" pitchFamily="50" charset="-128"/>
+              </a:rPr>
+              <a:t>(</a:t>
+            </a:r>
+            <a:r>
+              <a:rPr lang="ja-JP" altLang="en-US" sz="2800" dirty="0">
+                <a:latin typeface="BIZ UDPゴシック" panose="020B0400000000000000" pitchFamily="50" charset="-128"/>
+                <a:ea typeface="BIZ UDPゴシック" panose="020B0400000000000000" pitchFamily="50" charset="-128"/>
+              </a:rPr>
+              <a:t>重み</a:t>
+            </a:r>
+            <a:r>
+              <a:rPr lang="en-US" altLang="ja-JP" sz="2800" dirty="0">
+                <a:latin typeface="BIZ UDPゴシック" panose="020B0400000000000000" pitchFamily="50" charset="-128"/>
+                <a:ea typeface="BIZ UDPゴシック" panose="020B0400000000000000" pitchFamily="50" charset="-128"/>
+              </a:rPr>
+              <a:t>)</a:t>
+            </a:r>
+            <a:r>
+              <a:rPr lang="ja-JP" altLang="en-US" sz="2800" dirty="0">
+                <a:latin typeface="BIZ UDPゴシック" panose="020B0400000000000000" pitchFamily="50" charset="-128"/>
+                <a:ea typeface="BIZ UDPゴシック" panose="020B0400000000000000" pitchFamily="50" charset="-128"/>
+              </a:rPr>
+              <a:t>行列</a:t>
+            </a:r>
+            <a:endParaRPr kumimoji="1" lang="ja-JP" altLang="en-US" sz="2800" dirty="0">
+              <a:latin typeface="BIZ UDPゴシック" panose="020B0400000000000000" pitchFamily="50" charset="-128"/>
+              <a:ea typeface="BIZ UDPゴシック" panose="020B0400000000000000" pitchFamily="50" charset="-128"/>
+            </a:endParaRPr>
+          </a:p>
+        </p:txBody>
+      </p:sp>
+      <p:sp>
+        <p:nvSpPr>
+          <p:cNvPr id="9" name="テキスト ボックス 8">
+            <a:extLst>
+              <a:ext uri="{FF2B5EF4-FFF2-40B4-BE49-F238E27FC236}">
+                <a16:creationId xmlns:a16="http://schemas.microsoft.com/office/drawing/2014/main" id="{D560D5D0-0972-471C-8E8B-D02AA923F9EA}"/>
+              </a:ext>
+            </a:extLst>
+          </p:cNvPr>
+          <p:cNvSpPr txBox="1"/>
+          <p:nvPr/>
+        </p:nvSpPr>
+        <p:spPr>
+          <a:xfrm>
+            <a:off x="7255564" y="4996190"/>
+            <a:ext cx="4393096" cy="523220"/>
+          </a:xfrm>
+          <a:prstGeom prst="rect">
+            <a:avLst/>
+          </a:prstGeom>
+          <a:noFill/>
+        </p:spPr>
+        <p:txBody>
+          <a:bodyPr wrap="square" rtlCol="0">
+            <a:spAutoFit/>
+          </a:bodyPr>
+          <a:lstStyle/>
+          <a:p>
+            <a:r>
+              <a:rPr kumimoji="1" lang="ja-JP" altLang="en-US" sz="2800" dirty="0">
+                <a:latin typeface="BIZ UDPゴシック" panose="020B0400000000000000" pitchFamily="50" charset="-128"/>
+                <a:ea typeface="BIZ UDPゴシック" panose="020B0400000000000000" pitchFamily="50" charset="-128"/>
+              </a:rPr>
+              <a:t>特異値</a:t>
+            </a:r>
+          </a:p>
+        </p:txBody>
+      </p:sp>
     </p:spTree>
     <p:extLst>
       <p:ext uri="{BB962C8B-B14F-4D97-AF65-F5344CB8AC3E}">
@@ -10924,9 +11102,9 @@
         </p:nvGrpSpPr>
         <p:grpSpPr>
           <a:xfrm>
-            <a:off x="1575582" y="1916964"/>
+            <a:off x="1575582" y="1489247"/>
             <a:ext cx="9353880" cy="2246769"/>
-            <a:chOff x="1821423" y="1981926"/>
+            <a:chOff x="1821423" y="1991264"/>
             <a:chExt cx="8549154" cy="2246769"/>
           </a:xfrm>
         </p:grpSpPr>
@@ -10944,7 +11122,7 @@
           </p:nvSpPr>
           <p:spPr>
             <a:xfrm>
-              <a:off x="1821423" y="1981926"/>
+              <a:off x="1821423" y="1991264"/>
               <a:ext cx="8549154" cy="2246769"/>
             </a:xfrm>
             <a:prstGeom prst="rect">
@@ -10957,6 +11135,16 @@
               <a:spAutoFit/>
             </a:bodyPr>
             <a:lstStyle/>
+            <a:p>
+              <a:pPr marL="285750" indent="-285750">
+                <a:buFont typeface="Arial" panose="020B0604020202020204" pitchFamily="34" charset="0"/>
+                <a:buChar char="•"/>
+              </a:pPr>
+              <a:endParaRPr kumimoji="1" lang="en-US" altLang="ja-JP" sz="2000" dirty="0">
+                <a:latin typeface="BIZ UDPゴシック" panose="020B0400000000000000" pitchFamily="50" charset="-128"/>
+                <a:ea typeface="BIZ UDPゴシック" panose="020B0400000000000000" pitchFamily="50" charset="-128"/>
+              </a:endParaRPr>
+            </a:p>
             <a:p>
               <a:pPr marL="285750" indent="-285750">
                 <a:buFont typeface="Arial" panose="020B0604020202020204" pitchFamily="34" charset="0"/>
@@ -10976,34 +11164,10 @@
                 </a:rPr>
                 <a:t>.</a:t>
               </a:r>
-              <a:r>
-                <a:rPr kumimoji="1" lang="ja-JP" altLang="en-US" sz="2000" dirty="0">
-                  <a:latin typeface="BIZ UDPゴシック" panose="020B0400000000000000" pitchFamily="50" charset="-128"/>
-                  <a:ea typeface="BIZ UDPゴシック" panose="020B0400000000000000" pitchFamily="50" charset="-128"/>
-                </a:rPr>
-                <a:t>受信側では</a:t>
-              </a:r>
-              <a:r>
-                <a:rPr lang="en-US" altLang="ja-JP" sz="2000" dirty="0">
-                  <a:latin typeface="BIZ UDPゴシック" panose="020B0400000000000000" pitchFamily="50" charset="-128"/>
-                  <a:ea typeface="BIZ UDPゴシック" panose="020B0400000000000000" pitchFamily="50" charset="-128"/>
-                </a:rPr>
-                <a:t>,</a:t>
-              </a:r>
-              <a:r>
-                <a:rPr lang="ja-JP" altLang="en-US" sz="2000" dirty="0">
-                  <a:latin typeface="BIZ UDPゴシック" panose="020B0400000000000000" pitchFamily="50" charset="-128"/>
-                  <a:ea typeface="BIZ UDPゴシック" panose="020B0400000000000000" pitchFamily="50" charset="-128"/>
-                </a:rPr>
-                <a:t>ロングプリアンプルを複数回送信されることで推定できる</a:t>
-              </a:r>
-              <a:r>
-                <a:rPr lang="en-US" altLang="ja-JP" sz="2000" dirty="0">
-                  <a:latin typeface="BIZ UDPゴシック" panose="020B0400000000000000" pitchFamily="50" charset="-128"/>
-                  <a:ea typeface="BIZ UDPゴシック" panose="020B0400000000000000" pitchFamily="50" charset="-128"/>
-                </a:rPr>
-                <a:t>.</a:t>
-              </a:r>
+              <a:endParaRPr lang="en-US" altLang="ja-JP" sz="2000" dirty="0">
+                <a:latin typeface="BIZ UDPゴシック" panose="020B0400000000000000" pitchFamily="50" charset="-128"/>
+                <a:ea typeface="BIZ UDPゴシック" panose="020B0400000000000000" pitchFamily="50" charset="-128"/>
+              </a:endParaRPr>
             </a:p>
             <a:p>
               <a:pPr marL="285750" indent="-285750">
@@ -11166,7 +11330,7 @@
           </p:blipFill>
           <p:spPr>
             <a:xfrm>
-              <a:off x="6056824" y="2106181"/>
+              <a:off x="6071130" y="2399866"/>
               <a:ext cx="245975" cy="201252"/>
             </a:xfrm>
             <a:prstGeom prst="rect">
@@ -13039,6 +13203,270 @@
           </p:sp>
         </mc:Fallback>
       </mc:AlternateContent>
+      <mc:AlternateContent xmlns:mc="http://schemas.openxmlformats.org/markup-compatibility/2006">
+        <mc:Choice xmlns:a14="http://schemas.microsoft.com/office/drawing/2010/main" Requires="a14">
+          <p:sp>
+            <p:nvSpPr>
+              <p:cNvPr id="27" name="テキスト ボックス 26">
+                <a:extLst>
+                  <a:ext uri="{FF2B5EF4-FFF2-40B4-BE49-F238E27FC236}">
+                    <a16:creationId xmlns:a16="http://schemas.microsoft.com/office/drawing/2014/main" id="{699E1359-1425-4520-AB65-CF6D5B9F062E}"/>
+                  </a:ext>
+                </a:extLst>
+              </p:cNvPr>
+              <p:cNvSpPr txBox="1"/>
+              <p:nvPr/>
+            </p:nvSpPr>
+            <p:spPr>
+              <a:xfrm>
+                <a:off x="6998957" y="4485557"/>
+                <a:ext cx="590162" cy="276999"/>
+              </a:xfrm>
+              <a:prstGeom prst="rect">
+                <a:avLst/>
+              </a:prstGeom>
+              <a:noFill/>
+            </p:spPr>
+            <p:txBody>
+              <a:bodyPr wrap="none" lIns="0" tIns="0" rIns="0" bIns="0" rtlCol="0">
+                <a:spAutoFit/>
+              </a:bodyPr>
+              <a:lstStyle/>
+              <a:p>
+                <a14:m>
+                  <m:oMathPara xmlns:m="http://schemas.openxmlformats.org/officeDocument/2006/math">
+                    <m:oMathParaPr>
+                      <m:jc m:val="centerGroup"/>
+                    </m:oMathParaPr>
+                    <m:oMath xmlns:m="http://schemas.openxmlformats.org/officeDocument/2006/math">
+                      <m:sSub>
+                        <m:sSubPr>
+                          <m:ctrlPr>
+                            <a:rPr kumimoji="1" lang="en-US" altLang="ja-JP" i="1" smtClean="0">
+                              <a:latin typeface="Cambria Math" panose="02040503050406030204" pitchFamily="18" charset="0"/>
+                            </a:rPr>
+                          </m:ctrlPr>
+                        </m:sSubPr>
+                        <m:e>
+                          <m:r>
+                            <a:rPr kumimoji="1" lang="en-US" altLang="ja-JP" b="0" i="1" smtClean="0">
+                              <a:latin typeface="Cambria Math" panose="02040503050406030204" pitchFamily="18" charset="0"/>
+                            </a:rPr>
+                            <m:t>𝑛</m:t>
+                          </m:r>
+                        </m:e>
+                        <m:sub>
+                          <m:r>
+                            <a:rPr kumimoji="1" lang="en-US" altLang="ja-JP" b="0" i="1" smtClean="0">
+                              <a:latin typeface="Cambria Math" panose="02040503050406030204" pitchFamily="18" charset="0"/>
+                            </a:rPr>
+                            <m:t>1</m:t>
+                          </m:r>
+                        </m:sub>
+                      </m:sSub>
+                      <m:r>
+                        <a:rPr kumimoji="1" lang="en-US" altLang="ja-JP" b="0" i="1" smtClean="0">
+                          <a:latin typeface="Cambria Math" panose="02040503050406030204" pitchFamily="18" charset="0"/>
+                        </a:rPr>
+                        <m:t>(</m:t>
+                      </m:r>
+                      <m:r>
+                        <a:rPr kumimoji="1" lang="en-US" altLang="ja-JP" b="0" i="1" smtClean="0">
+                          <a:latin typeface="Cambria Math" panose="02040503050406030204" pitchFamily="18" charset="0"/>
+                        </a:rPr>
+                        <m:t>𝑡</m:t>
+                      </m:r>
+                      <m:r>
+                        <a:rPr kumimoji="1" lang="en-US" altLang="ja-JP" b="0" i="1" smtClean="0">
+                          <a:latin typeface="Cambria Math" panose="02040503050406030204" pitchFamily="18" charset="0"/>
+                        </a:rPr>
+                        <m:t>)</m:t>
+                      </m:r>
+                    </m:oMath>
+                  </m:oMathPara>
+                </a14:m>
+                <a:endParaRPr kumimoji="1" lang="ja-JP" altLang="en-US" dirty="0"/>
+              </a:p>
+            </p:txBody>
+          </p:sp>
+        </mc:Choice>
+        <mc:Fallback>
+          <p:sp>
+            <p:nvSpPr>
+              <p:cNvPr id="27" name="テキスト ボックス 26">
+                <a:extLst>
+                  <a:ext uri="{FF2B5EF4-FFF2-40B4-BE49-F238E27FC236}">
+                    <a16:creationId xmlns:a16="http://schemas.microsoft.com/office/drawing/2014/main" id="{699E1359-1425-4520-AB65-CF6D5B9F062E}"/>
+                  </a:ext>
+                </a:extLst>
+              </p:cNvPr>
+              <p:cNvSpPr txBox="1">
+                <a:spLocks noRot="1" noChangeAspect="1" noMove="1" noResize="1" noEditPoints="1" noAdjustHandles="1" noChangeArrowheads="1" noChangeShapeType="1" noTextEdit="1"/>
+              </p:cNvSpPr>
+              <p:nvPr/>
+            </p:nvSpPr>
+            <p:spPr>
+              <a:xfrm>
+                <a:off x="6998957" y="4485557"/>
+                <a:ext cx="590162" cy="276999"/>
+              </a:xfrm>
+              <a:prstGeom prst="rect">
+                <a:avLst/>
+              </a:prstGeom>
+              <a:blipFill>
+                <a:blip r:embed="rId28"/>
+                <a:stretch>
+                  <a:fillRect l="-4124" t="-2222" r="-12371" b="-35556"/>
+                </a:stretch>
+              </a:blipFill>
+            </p:spPr>
+            <p:txBody>
+              <a:bodyPr/>
+              <a:lstStyle/>
+              <a:p>
+                <a:r>
+                  <a:rPr lang="ja-JP" altLang="en-US">
+                    <a:noFill/>
+                  </a:rPr>
+                  <a:t> </a:t>
+                </a:r>
+              </a:p>
+            </p:txBody>
+          </p:sp>
+        </mc:Fallback>
+      </mc:AlternateContent>
+      <mc:AlternateContent xmlns:mc="http://schemas.openxmlformats.org/markup-compatibility/2006">
+        <mc:Choice xmlns:a14="http://schemas.microsoft.com/office/drawing/2010/main" Requires="a14">
+          <p:sp>
+            <p:nvSpPr>
+              <p:cNvPr id="28" name="テキスト ボックス 27">
+                <a:extLst>
+                  <a:ext uri="{FF2B5EF4-FFF2-40B4-BE49-F238E27FC236}">
+                    <a16:creationId xmlns:a16="http://schemas.microsoft.com/office/drawing/2014/main" id="{194E63CF-D2DE-47F4-9A7C-C455ECA43896}"/>
+                  </a:ext>
+                </a:extLst>
+              </p:cNvPr>
+              <p:cNvSpPr txBox="1"/>
+              <p:nvPr/>
+            </p:nvSpPr>
+            <p:spPr>
+              <a:xfrm>
+                <a:off x="7002432" y="5340290"/>
+                <a:ext cx="595484" cy="276999"/>
+              </a:xfrm>
+              <a:prstGeom prst="rect">
+                <a:avLst/>
+              </a:prstGeom>
+              <a:noFill/>
+            </p:spPr>
+            <p:txBody>
+              <a:bodyPr wrap="none" lIns="0" tIns="0" rIns="0" bIns="0" rtlCol="0">
+                <a:spAutoFit/>
+              </a:bodyPr>
+              <a:lstStyle/>
+              <a:p>
+                <a14:m>
+                  <m:oMathPara xmlns:m="http://schemas.openxmlformats.org/officeDocument/2006/math">
+                    <m:oMathParaPr>
+                      <m:jc m:val="centerGroup"/>
+                    </m:oMathParaPr>
+                    <m:oMath xmlns:m="http://schemas.openxmlformats.org/officeDocument/2006/math">
+                      <m:sSub>
+                        <m:sSubPr>
+                          <m:ctrlPr>
+                            <a:rPr kumimoji="1" lang="en-US" altLang="ja-JP" i="1" smtClean="0">
+                              <a:latin typeface="Cambria Math" panose="02040503050406030204" pitchFamily="18" charset="0"/>
+                            </a:rPr>
+                          </m:ctrlPr>
+                        </m:sSubPr>
+                        <m:e>
+                          <m:r>
+                            <a:rPr kumimoji="1" lang="en-US" altLang="ja-JP" b="0" i="1" smtClean="0">
+                              <a:latin typeface="Cambria Math" panose="02040503050406030204" pitchFamily="18" charset="0"/>
+                            </a:rPr>
+                            <m:t>𝑛</m:t>
+                          </m:r>
+                        </m:e>
+                        <m:sub>
+                          <m:r>
+                            <a:rPr kumimoji="1" lang="en-US" altLang="ja-JP" b="0" i="1" smtClean="0">
+                              <a:latin typeface="Cambria Math" panose="02040503050406030204" pitchFamily="18" charset="0"/>
+                            </a:rPr>
+                            <m:t>2</m:t>
+                          </m:r>
+                        </m:sub>
+                      </m:sSub>
+                      <m:r>
+                        <a:rPr kumimoji="1" lang="en-US" altLang="ja-JP" b="0" i="1" smtClean="0">
+                          <a:latin typeface="Cambria Math" panose="02040503050406030204" pitchFamily="18" charset="0"/>
+                        </a:rPr>
+                        <m:t>(</m:t>
+                      </m:r>
+                      <m:r>
+                        <a:rPr kumimoji="1" lang="en-US" altLang="ja-JP" b="0" i="1" smtClean="0">
+                          <a:latin typeface="Cambria Math" panose="02040503050406030204" pitchFamily="18" charset="0"/>
+                        </a:rPr>
+                        <m:t>𝑡</m:t>
+                      </m:r>
+                      <m:r>
+                        <a:rPr kumimoji="1" lang="en-US" altLang="ja-JP" b="0" i="1" smtClean="0">
+                          <a:latin typeface="Cambria Math" panose="02040503050406030204" pitchFamily="18" charset="0"/>
+                        </a:rPr>
+                        <m:t>)</m:t>
+                      </m:r>
+                    </m:oMath>
+                  </m:oMathPara>
+                </a14:m>
+                <a:endParaRPr kumimoji="1" lang="ja-JP" altLang="en-US" dirty="0"/>
+              </a:p>
+            </p:txBody>
+          </p:sp>
+        </mc:Choice>
+        <mc:Fallback>
+          <p:sp>
+            <p:nvSpPr>
+              <p:cNvPr id="28" name="テキスト ボックス 27">
+                <a:extLst>
+                  <a:ext uri="{FF2B5EF4-FFF2-40B4-BE49-F238E27FC236}">
+                    <a16:creationId xmlns:a16="http://schemas.microsoft.com/office/drawing/2014/main" id="{194E63CF-D2DE-47F4-9A7C-C455ECA43896}"/>
+                  </a:ext>
+                </a:extLst>
+              </p:cNvPr>
+              <p:cNvSpPr txBox="1">
+                <a:spLocks noRot="1" noChangeAspect="1" noMove="1" noResize="1" noEditPoints="1" noAdjustHandles="1" noChangeArrowheads="1" noChangeShapeType="1" noTextEdit="1"/>
+              </p:cNvSpPr>
+              <p:nvPr/>
+            </p:nvSpPr>
+            <p:spPr>
+              <a:xfrm>
+                <a:off x="7002432" y="5340290"/>
+                <a:ext cx="595484" cy="276999"/>
+              </a:xfrm>
+              <a:prstGeom prst="rect">
+                <a:avLst/>
+              </a:prstGeom>
+              <a:blipFill>
+                <a:blip r:embed="rId29"/>
+                <a:stretch>
+                  <a:fillRect l="-4124" t="-2222" r="-13402" b="-35556"/>
+                </a:stretch>
+              </a:blipFill>
+            </p:spPr>
+            <p:txBody>
+              <a:bodyPr/>
+              <a:lstStyle/>
+              <a:p>
+                <a:r>
+                  <a:rPr lang="ja-JP" altLang="en-US">
+                    <a:noFill/>
+                  </a:rPr>
+                  <a:t> </a:t>
+                </a:r>
+              </a:p>
+            </p:txBody>
+          </p:sp>
+        </mc:Fallback>
+      </mc:AlternateContent>
     </p:spTree>
     <p:extLst>
       <p:ext uri="{BB962C8B-B14F-4D97-AF65-F5344CB8AC3E}">
@@ -13071,875 +13499,6 @@
       </p:grpSpPr>
       <p:sp>
         <p:nvSpPr>
-          <p:cNvPr id="30" name="テキスト ボックス 29">
-            <a:extLst>
-              <a:ext uri="{FF2B5EF4-FFF2-40B4-BE49-F238E27FC236}">
-                <a16:creationId xmlns:a16="http://schemas.microsoft.com/office/drawing/2014/main" id="{A4FC2B76-FC5E-4197-942B-E158202DB7FC}"/>
-              </a:ext>
-            </a:extLst>
-          </p:cNvPr>
-          <p:cNvSpPr txBox="1"/>
-          <p:nvPr/>
-        </p:nvSpPr>
-        <p:spPr>
-          <a:xfrm rot="783544">
-            <a:off x="8624126" y="2755706"/>
-            <a:ext cx="2117245" cy="338554"/>
-          </a:xfrm>
-          <a:prstGeom prst="rect">
-            <a:avLst/>
-          </a:prstGeom>
-          <a:noFill/>
-        </p:spPr>
-        <p:txBody>
-          <a:bodyPr wrap="square" rtlCol="0">
-            <a:spAutoFit/>
-          </a:bodyPr>
-          <a:lstStyle/>
-          <a:p>
-            <a:r>
-              <a:rPr kumimoji="1" lang="ja-JP" altLang="en-US" sz="1600" dirty="0">
-                <a:latin typeface="BIZ UDPゴシック" panose="020B0400000000000000" pitchFamily="50" charset="-128"/>
-                <a:ea typeface="BIZ UDPゴシック" panose="020B0400000000000000" pitchFamily="50" charset="-128"/>
-              </a:rPr>
-              <a:t>情報</a:t>
-            </a:r>
-            <a:r>
-              <a:rPr lang="en-US" altLang="ja-JP" sz="1600" dirty="0">
-                <a:latin typeface="BIZ UDPゴシック" panose="020B0400000000000000" pitchFamily="50" charset="-128"/>
-                <a:ea typeface="BIZ UDPゴシック" panose="020B0400000000000000" pitchFamily="50" charset="-128"/>
-              </a:rPr>
-              <a:t>B</a:t>
-            </a:r>
-            <a:r>
-              <a:rPr kumimoji="1" lang="en-US" altLang="ja-JP" sz="1600" dirty="0">
-                <a:latin typeface="BIZ UDPゴシック" panose="020B0400000000000000" pitchFamily="50" charset="-128"/>
-                <a:ea typeface="BIZ UDPゴシック" panose="020B0400000000000000" pitchFamily="50" charset="-128"/>
-              </a:rPr>
-              <a:t>(16QAM)</a:t>
-            </a:r>
-            <a:endParaRPr kumimoji="1" lang="ja-JP" altLang="en-US" sz="1600" dirty="0">
-              <a:latin typeface="BIZ UDPゴシック" panose="020B0400000000000000" pitchFamily="50" charset="-128"/>
-              <a:ea typeface="BIZ UDPゴシック" panose="020B0400000000000000" pitchFamily="50" charset="-128"/>
-            </a:endParaRPr>
-          </a:p>
-        </p:txBody>
-      </p:sp>
-      <p:sp>
-        <p:nvSpPr>
-          <p:cNvPr id="31" name="テキスト ボックス 30">
-            <a:extLst>
-              <a:ext uri="{FF2B5EF4-FFF2-40B4-BE49-F238E27FC236}">
-                <a16:creationId xmlns:a16="http://schemas.microsoft.com/office/drawing/2014/main" id="{083D7949-395D-4A4A-9D63-2CE5DBC6217B}"/>
-              </a:ext>
-            </a:extLst>
-          </p:cNvPr>
-          <p:cNvSpPr txBox="1"/>
-          <p:nvPr/>
-        </p:nvSpPr>
-        <p:spPr>
-          <a:xfrm rot="749578">
-            <a:off x="7724488" y="5062176"/>
-            <a:ext cx="2117245" cy="307777"/>
-          </a:xfrm>
-          <a:prstGeom prst="rect">
-            <a:avLst/>
-          </a:prstGeom>
-          <a:noFill/>
-        </p:spPr>
-        <p:txBody>
-          <a:bodyPr wrap="square" rtlCol="0">
-            <a:spAutoFit/>
-          </a:bodyPr>
-          <a:lstStyle/>
-          <a:p>
-            <a:r>
-              <a:rPr kumimoji="1" lang="ja-JP" altLang="en-US" sz="1400" dirty="0">
-                <a:latin typeface="BIZ UDPゴシック" panose="020B0400000000000000" pitchFamily="50" charset="-128"/>
-                <a:ea typeface="BIZ UDPゴシック" panose="020B0400000000000000" pitchFamily="50" charset="-128"/>
-              </a:rPr>
-              <a:t>情報</a:t>
-            </a:r>
-            <a:r>
-              <a:rPr kumimoji="1" lang="en-US" altLang="ja-JP" sz="1400" dirty="0">
-                <a:latin typeface="BIZ UDPゴシック" panose="020B0400000000000000" pitchFamily="50" charset="-128"/>
-                <a:ea typeface="BIZ UDPゴシック" panose="020B0400000000000000" pitchFamily="50" charset="-128"/>
-              </a:rPr>
-              <a:t>C(QPSK)</a:t>
-            </a:r>
-            <a:endParaRPr kumimoji="1" lang="ja-JP" altLang="en-US" sz="1400" dirty="0">
-              <a:latin typeface="BIZ UDPゴシック" panose="020B0400000000000000" pitchFamily="50" charset="-128"/>
-              <a:ea typeface="BIZ UDPゴシック" panose="020B0400000000000000" pitchFamily="50" charset="-128"/>
-            </a:endParaRPr>
-          </a:p>
-        </p:txBody>
-      </p:sp>
-      <p:grpSp>
-        <p:nvGrpSpPr>
-          <p:cNvPr id="50" name="グループ化 49">
-            <a:extLst>
-              <a:ext uri="{FF2B5EF4-FFF2-40B4-BE49-F238E27FC236}">
-                <a16:creationId xmlns:a16="http://schemas.microsoft.com/office/drawing/2014/main" id="{0EF4EA86-CB05-4662-A30E-71887BA7D85B}"/>
-              </a:ext>
-            </a:extLst>
-          </p:cNvPr>
-          <p:cNvGrpSpPr/>
-          <p:nvPr/>
-        </p:nvGrpSpPr>
-        <p:grpSpPr>
-          <a:xfrm>
-            <a:off x="6540982" y="2410314"/>
-            <a:ext cx="4840774" cy="4173695"/>
-            <a:chOff x="9685622" y="1923085"/>
-            <a:chExt cx="2208005" cy="2059367"/>
-          </a:xfrm>
-        </p:grpSpPr>
-        <p:pic>
-          <p:nvPicPr>
-            <p:cNvPr id="32" name="グラフィックス 31">
-              <a:extLst>
-                <a:ext uri="{FF2B5EF4-FFF2-40B4-BE49-F238E27FC236}">
-                  <a16:creationId xmlns:a16="http://schemas.microsoft.com/office/drawing/2014/main" id="{176B60D1-40FF-471C-8150-D6FF0FDD1611}"/>
-                </a:ext>
-              </a:extLst>
-            </p:cNvPr>
-            <p:cNvPicPr>
-              <a:picLocks noChangeAspect="1"/>
-            </p:cNvPicPr>
-            <p:nvPr/>
-          </p:nvPicPr>
-          <p:blipFill>
-            <a:blip r:embed="rId2">
-              <a:extLst>
-                <a:ext uri="{28A0092B-C50C-407E-A947-70E740481C1C}">
-                  <a14:useLocalDpi xmlns:a14="http://schemas.microsoft.com/office/drawing/2010/main" val="0"/>
-                </a:ext>
-                <a:ext uri="{96DAC541-7B7A-43D3-8B79-37D633B846F1}">
-                  <asvg:svgBlip xmlns:asvg="http://schemas.microsoft.com/office/drawing/2016/SVG/main" r:embed="rId3"/>
-                </a:ext>
-              </a:extLst>
-            </a:blip>
-            <a:stretch>
-              <a:fillRect/>
-            </a:stretch>
-          </p:blipFill>
-          <p:spPr>
-            <a:xfrm>
-              <a:off x="9685622" y="1923085"/>
-              <a:ext cx="771443" cy="1749199"/>
-            </a:xfrm>
-            <a:prstGeom prst="rect">
-              <a:avLst/>
-            </a:prstGeom>
-          </p:spPr>
-        </p:pic>
-        <p:sp>
-          <p:nvSpPr>
-            <p:cNvPr id="33" name="正方形/長方形 32">
-              <a:extLst>
-                <a:ext uri="{FF2B5EF4-FFF2-40B4-BE49-F238E27FC236}">
-                  <a16:creationId xmlns:a16="http://schemas.microsoft.com/office/drawing/2014/main" id="{F01BC6CF-61A4-4998-AF64-28B8A65BF9A8}"/>
-                </a:ext>
-              </a:extLst>
-            </p:cNvPr>
-            <p:cNvSpPr/>
-            <p:nvPr/>
-          </p:nvSpPr>
-          <p:spPr>
-            <a:xfrm>
-              <a:off x="11397615" y="3464951"/>
-              <a:ext cx="496012" cy="258751"/>
-            </a:xfrm>
-            <a:prstGeom prst="rect">
-              <a:avLst/>
-            </a:prstGeom>
-            <a:noFill/>
-            <a:ln w="28575"/>
-          </p:spPr>
-          <p:style>
-            <a:lnRef idx="2">
-              <a:schemeClr val="accent1">
-                <a:shade val="15000"/>
-              </a:schemeClr>
-            </a:lnRef>
-            <a:fillRef idx="1">
-              <a:schemeClr val="accent1"/>
-            </a:fillRef>
-            <a:effectRef idx="0">
-              <a:schemeClr val="accent1"/>
-            </a:effectRef>
-            <a:fontRef idx="minor">
-              <a:schemeClr val="lt1"/>
-            </a:fontRef>
-          </p:style>
-          <p:txBody>
-            <a:bodyPr rtlCol="0" anchor="ctr"/>
-            <a:lstStyle/>
-            <a:p>
-              <a:pPr algn="ctr"/>
-              <a:endParaRPr kumimoji="1" lang="ja-JP" altLang="en-US" dirty="0"/>
-            </a:p>
-          </p:txBody>
-        </p:sp>
-        <p:sp>
-          <p:nvSpPr>
-            <p:cNvPr id="34" name="平行四辺形 33">
-              <a:extLst>
-                <a:ext uri="{FF2B5EF4-FFF2-40B4-BE49-F238E27FC236}">
-                  <a16:creationId xmlns:a16="http://schemas.microsoft.com/office/drawing/2014/main" id="{69881BAA-2BB2-4F64-8DDD-47253BEC0235}"/>
-                </a:ext>
-              </a:extLst>
-            </p:cNvPr>
-            <p:cNvSpPr/>
-            <p:nvPr/>
-          </p:nvSpPr>
-          <p:spPr>
-            <a:xfrm>
-              <a:off x="11332104" y="3723701"/>
-              <a:ext cx="561523" cy="258751"/>
-            </a:xfrm>
-            <a:prstGeom prst="parallelogram">
-              <a:avLst>
-                <a:gd name="adj" fmla="val 28572"/>
-              </a:avLst>
-            </a:prstGeom>
-            <a:noFill/>
-            <a:ln w="28575"/>
-          </p:spPr>
-          <p:style>
-            <a:lnRef idx="2">
-              <a:schemeClr val="accent1">
-                <a:shade val="15000"/>
-              </a:schemeClr>
-            </a:lnRef>
-            <a:fillRef idx="1">
-              <a:schemeClr val="accent1"/>
-            </a:fillRef>
-            <a:effectRef idx="0">
-              <a:schemeClr val="accent1"/>
-            </a:effectRef>
-            <a:fontRef idx="minor">
-              <a:schemeClr val="lt1"/>
-            </a:fontRef>
-          </p:style>
-          <p:txBody>
-            <a:bodyPr rtlCol="0" anchor="ctr"/>
-            <a:lstStyle/>
-            <a:p>
-              <a:pPr algn="ctr"/>
-              <a:endParaRPr kumimoji="1" lang="ja-JP" altLang="en-US"/>
-            </a:p>
-          </p:txBody>
-        </p:sp>
-        <p:pic>
-          <p:nvPicPr>
-            <p:cNvPr id="35" name="グラフィックス 34">
-              <a:extLst>
-                <a:ext uri="{FF2B5EF4-FFF2-40B4-BE49-F238E27FC236}">
-                  <a16:creationId xmlns:a16="http://schemas.microsoft.com/office/drawing/2014/main" id="{B2A7BFB0-386A-4A56-976F-5E1F7E03464D}"/>
-                </a:ext>
-              </a:extLst>
-            </p:cNvPr>
-            <p:cNvPicPr>
-              <a:picLocks noChangeAspect="1"/>
-            </p:cNvPicPr>
-            <p:nvPr/>
-          </p:nvPicPr>
-          <p:blipFill rotWithShape="1">
-            <a:blip r:embed="rId4">
-              <a:extLst>
-                <a:ext uri="{28A0092B-C50C-407E-A947-70E740481C1C}">
-                  <a14:useLocalDpi xmlns:a14="http://schemas.microsoft.com/office/drawing/2010/main" val="0"/>
-                </a:ext>
-                <a:ext uri="{96DAC541-7B7A-43D3-8B79-37D633B846F1}">
-                  <asvg:svgBlip xmlns:asvg="http://schemas.microsoft.com/office/drawing/2016/SVG/main" r:embed="rId5"/>
-                </a:ext>
-              </a:extLst>
-            </a:blip>
-            <a:srcRect l="1" r="-1" b="17291"/>
-            <a:stretch/>
-          </p:blipFill>
-          <p:spPr>
-            <a:xfrm flipH="1">
-              <a:off x="11494349" y="3015261"/>
-              <a:ext cx="302542" cy="449690"/>
-            </a:xfrm>
-            <a:prstGeom prst="rect">
-              <a:avLst/>
-            </a:prstGeom>
-          </p:spPr>
-        </p:pic>
-        <p:cxnSp>
-          <p:nvCxnSpPr>
-            <p:cNvPr id="36" name="直線コネクタ 35">
-              <a:extLst>
-                <a:ext uri="{FF2B5EF4-FFF2-40B4-BE49-F238E27FC236}">
-                  <a16:creationId xmlns:a16="http://schemas.microsoft.com/office/drawing/2014/main" id="{2AD5518A-3704-4EC6-8D8F-1EBFC66D407E}"/>
-                </a:ext>
-              </a:extLst>
-            </p:cNvPr>
-            <p:cNvCxnSpPr/>
-            <p:nvPr/>
-          </p:nvCxnSpPr>
-          <p:spPr>
-            <a:xfrm>
-              <a:off x="10457065" y="2132626"/>
-              <a:ext cx="794250" cy="194063"/>
-            </a:xfrm>
-            <a:prstGeom prst="line">
-              <a:avLst/>
-            </a:prstGeom>
-            <a:ln w="12700">
-              <a:prstDash val="lgDashDot"/>
-            </a:ln>
-          </p:spPr>
-          <p:style>
-            <a:lnRef idx="1">
-              <a:schemeClr val="accent1"/>
-            </a:lnRef>
-            <a:fillRef idx="0">
-              <a:schemeClr val="accent1"/>
-            </a:fillRef>
-            <a:effectRef idx="0">
-              <a:schemeClr val="accent1"/>
-            </a:effectRef>
-            <a:fontRef idx="minor">
-              <a:schemeClr val="tx1"/>
-            </a:fontRef>
-          </p:style>
-        </p:cxnSp>
-        <p:cxnSp>
-          <p:nvCxnSpPr>
-            <p:cNvPr id="37" name="直線矢印コネクタ 36">
-              <a:extLst>
-                <a:ext uri="{FF2B5EF4-FFF2-40B4-BE49-F238E27FC236}">
-                  <a16:creationId xmlns:a16="http://schemas.microsoft.com/office/drawing/2014/main" id="{068EEB63-292A-4AB0-B2BF-BC3181223C58}"/>
-                </a:ext>
-              </a:extLst>
-            </p:cNvPr>
-            <p:cNvCxnSpPr/>
-            <p:nvPr/>
-          </p:nvCxnSpPr>
-          <p:spPr>
-            <a:xfrm>
-              <a:off x="11251315" y="2326689"/>
-              <a:ext cx="336913" cy="563707"/>
-            </a:xfrm>
-            <a:prstGeom prst="straightConnector1">
-              <a:avLst/>
-            </a:prstGeom>
-            <a:ln w="12700">
-              <a:prstDash val="lgDashDot"/>
-              <a:tailEnd type="triangle"/>
-            </a:ln>
-          </p:spPr>
-          <p:style>
-            <a:lnRef idx="1">
-              <a:schemeClr val="accent1"/>
-            </a:lnRef>
-            <a:fillRef idx="0">
-              <a:schemeClr val="accent1"/>
-            </a:fillRef>
-            <a:effectRef idx="0">
-              <a:schemeClr val="accent1"/>
-            </a:effectRef>
-            <a:fontRef idx="minor">
-              <a:schemeClr val="tx1"/>
-            </a:fontRef>
-          </p:style>
-        </p:cxnSp>
-        <p:cxnSp>
-          <p:nvCxnSpPr>
-            <p:cNvPr id="38" name="直線コネクタ 37">
-              <a:extLst>
-                <a:ext uri="{FF2B5EF4-FFF2-40B4-BE49-F238E27FC236}">
-                  <a16:creationId xmlns:a16="http://schemas.microsoft.com/office/drawing/2014/main" id="{6673D335-48EA-4342-9947-5B113FD1650C}"/>
-                </a:ext>
-              </a:extLst>
-            </p:cNvPr>
-            <p:cNvCxnSpPr>
-              <a:cxnSpLocks/>
-            </p:cNvCxnSpPr>
-            <p:nvPr/>
-          </p:nvCxnSpPr>
-          <p:spPr>
-            <a:xfrm>
-              <a:off x="9909355" y="2577815"/>
-              <a:ext cx="323975" cy="672984"/>
-            </a:xfrm>
-            <a:prstGeom prst="line">
-              <a:avLst/>
-            </a:prstGeom>
-            <a:ln w="12700">
-              <a:prstDash val="sysDash"/>
-            </a:ln>
-          </p:spPr>
-          <p:style>
-            <a:lnRef idx="1">
-              <a:schemeClr val="accent1"/>
-            </a:lnRef>
-            <a:fillRef idx="0">
-              <a:schemeClr val="accent1"/>
-            </a:fillRef>
-            <a:effectRef idx="0">
-              <a:schemeClr val="accent1"/>
-            </a:effectRef>
-            <a:fontRef idx="minor">
-              <a:schemeClr val="tx1"/>
-            </a:fontRef>
-          </p:style>
-        </p:cxnSp>
-        <p:cxnSp>
-          <p:nvCxnSpPr>
-            <p:cNvPr id="39" name="直線矢印コネクタ 38">
-              <a:extLst>
-                <a:ext uri="{FF2B5EF4-FFF2-40B4-BE49-F238E27FC236}">
-                  <a16:creationId xmlns:a16="http://schemas.microsoft.com/office/drawing/2014/main" id="{B0A5FFED-62E6-4171-BF01-95CEA4EE16E8}"/>
-                </a:ext>
-              </a:extLst>
-            </p:cNvPr>
-            <p:cNvCxnSpPr>
-              <a:cxnSpLocks/>
-            </p:cNvCxnSpPr>
-            <p:nvPr/>
-          </p:nvCxnSpPr>
-          <p:spPr>
-            <a:xfrm>
-              <a:off x="10233331" y="3250799"/>
-              <a:ext cx="868244" cy="214151"/>
-            </a:xfrm>
-            <a:prstGeom prst="straightConnector1">
-              <a:avLst/>
-            </a:prstGeom>
-            <a:ln w="12700">
-              <a:prstDash val="sysDash"/>
-              <a:tailEnd type="triangle"/>
-            </a:ln>
-          </p:spPr>
-          <p:style>
-            <a:lnRef idx="1">
-              <a:schemeClr val="accent1"/>
-            </a:lnRef>
-            <a:fillRef idx="0">
-              <a:schemeClr val="accent1"/>
-            </a:fillRef>
-            <a:effectRef idx="0">
-              <a:schemeClr val="accent1"/>
-            </a:effectRef>
-            <a:fontRef idx="minor">
-              <a:schemeClr val="tx1"/>
-            </a:fontRef>
-          </p:style>
-        </p:cxnSp>
-        <p:cxnSp>
-          <p:nvCxnSpPr>
-            <p:cNvPr id="40" name="直線矢印コネクタ 39">
-              <a:extLst>
-                <a:ext uri="{FF2B5EF4-FFF2-40B4-BE49-F238E27FC236}">
-                  <a16:creationId xmlns:a16="http://schemas.microsoft.com/office/drawing/2014/main" id="{D0A8088B-A790-4372-B445-241FE332DD9A}"/>
-                </a:ext>
-              </a:extLst>
-            </p:cNvPr>
-            <p:cNvCxnSpPr>
-              <a:cxnSpLocks/>
-            </p:cNvCxnSpPr>
-            <p:nvPr/>
-          </p:nvCxnSpPr>
-          <p:spPr>
-            <a:xfrm>
-              <a:off x="10344140" y="2512526"/>
-              <a:ext cx="987964" cy="571933"/>
-            </a:xfrm>
-            <a:prstGeom prst="straightConnector1">
-              <a:avLst/>
-            </a:prstGeom>
-            <a:ln w="57150">
-              <a:tailEnd type="triangle"/>
-            </a:ln>
-          </p:spPr>
-          <p:style>
-            <a:lnRef idx="1">
-              <a:schemeClr val="accent1"/>
-            </a:lnRef>
-            <a:fillRef idx="0">
-              <a:schemeClr val="accent1"/>
-            </a:fillRef>
-            <a:effectRef idx="0">
-              <a:schemeClr val="accent1"/>
-            </a:effectRef>
-            <a:fontRef idx="minor">
-              <a:schemeClr val="tx1"/>
-            </a:fontRef>
-          </p:style>
-        </p:cxnSp>
-        <p:sp>
-          <p:nvSpPr>
-            <p:cNvPr id="44" name="楕円 43">
-              <a:extLst>
-                <a:ext uri="{FF2B5EF4-FFF2-40B4-BE49-F238E27FC236}">
-                  <a16:creationId xmlns:a16="http://schemas.microsoft.com/office/drawing/2014/main" id="{5D140319-E544-48BD-8328-17F329CD8CC5}"/>
-                </a:ext>
-              </a:extLst>
-            </p:cNvPr>
-            <p:cNvSpPr/>
-            <p:nvPr/>
-          </p:nvSpPr>
-          <p:spPr>
-            <a:xfrm rot="18060243">
-              <a:off x="10312581" y="2290155"/>
-              <a:ext cx="158963" cy="505256"/>
-            </a:xfrm>
-            <a:prstGeom prst="ellipse">
-              <a:avLst/>
-            </a:prstGeom>
-            <a:noFill/>
-            <a:ln w="28575">
-              <a:solidFill>
-                <a:schemeClr val="accent1"/>
-              </a:solidFill>
-            </a:ln>
-          </p:spPr>
-          <p:style>
-            <a:lnRef idx="2">
-              <a:schemeClr val="accent1">
-                <a:shade val="15000"/>
-              </a:schemeClr>
-            </a:lnRef>
-            <a:fillRef idx="1">
-              <a:schemeClr val="accent1"/>
-            </a:fillRef>
-            <a:effectRef idx="0">
-              <a:schemeClr val="accent1"/>
-            </a:effectRef>
-            <a:fontRef idx="minor">
-              <a:schemeClr val="lt1"/>
-            </a:fontRef>
-          </p:style>
-          <p:txBody>
-            <a:bodyPr rtlCol="0" anchor="ctr"/>
-            <a:lstStyle/>
-            <a:p>
-              <a:pPr algn="ctr"/>
-              <a:endParaRPr kumimoji="1" lang="ja-JP" altLang="en-US"/>
-            </a:p>
-          </p:txBody>
-        </p:sp>
-        <p:sp>
-          <p:nvSpPr>
-            <p:cNvPr id="45" name="楕円 44">
-              <a:extLst>
-                <a:ext uri="{FF2B5EF4-FFF2-40B4-BE49-F238E27FC236}">
-                  <a16:creationId xmlns:a16="http://schemas.microsoft.com/office/drawing/2014/main" id="{86A46B15-B356-4F2C-977E-B1F65A2E61C0}"/>
-                </a:ext>
-              </a:extLst>
-            </p:cNvPr>
-            <p:cNvSpPr/>
-            <p:nvPr/>
-          </p:nvSpPr>
-          <p:spPr>
-            <a:xfrm rot="18060243">
-              <a:off x="11119812" y="2734975"/>
-              <a:ext cx="238219" cy="573558"/>
-            </a:xfrm>
-            <a:prstGeom prst="ellipse">
-              <a:avLst/>
-            </a:prstGeom>
-            <a:noFill/>
-            <a:ln w="28575">
-              <a:solidFill>
-                <a:schemeClr val="accent1"/>
-              </a:solidFill>
-            </a:ln>
-          </p:spPr>
-          <p:style>
-            <a:lnRef idx="2">
-              <a:schemeClr val="accent1">
-                <a:shade val="15000"/>
-              </a:schemeClr>
-            </a:lnRef>
-            <a:fillRef idx="1">
-              <a:schemeClr val="accent1"/>
-            </a:fillRef>
-            <a:effectRef idx="0">
-              <a:schemeClr val="accent1"/>
-            </a:effectRef>
-            <a:fontRef idx="minor">
-              <a:schemeClr val="lt1"/>
-            </a:fontRef>
-          </p:style>
-          <p:txBody>
-            <a:bodyPr rtlCol="0" anchor="ctr"/>
-            <a:lstStyle/>
-            <a:p>
-              <a:pPr algn="ctr"/>
-              <a:endParaRPr kumimoji="1" lang="ja-JP" altLang="en-US"/>
-            </a:p>
-          </p:txBody>
-        </p:sp>
-        <p:sp>
-          <p:nvSpPr>
-            <p:cNvPr id="46" name="楕円 45">
-              <a:extLst>
-                <a:ext uri="{FF2B5EF4-FFF2-40B4-BE49-F238E27FC236}">
-                  <a16:creationId xmlns:a16="http://schemas.microsoft.com/office/drawing/2014/main" id="{443C5C33-1C02-4808-8066-42C887DD5C2E}"/>
-                </a:ext>
-              </a:extLst>
-            </p:cNvPr>
-            <p:cNvSpPr/>
-            <p:nvPr/>
-          </p:nvSpPr>
-          <p:spPr>
-            <a:xfrm rot="17075817">
-              <a:off x="10469879" y="1937585"/>
-              <a:ext cx="196226" cy="505256"/>
-            </a:xfrm>
-            <a:prstGeom prst="ellipse">
-              <a:avLst/>
-            </a:prstGeom>
-            <a:noFill/>
-            <a:ln w="12700">
-              <a:solidFill>
-                <a:schemeClr val="accent1"/>
-              </a:solidFill>
-              <a:prstDash val="lgDashDot"/>
-            </a:ln>
-          </p:spPr>
-          <p:style>
-            <a:lnRef idx="2">
-              <a:schemeClr val="accent1">
-                <a:shade val="15000"/>
-              </a:schemeClr>
-            </a:lnRef>
-            <a:fillRef idx="1">
-              <a:schemeClr val="accent1"/>
-            </a:fillRef>
-            <a:effectRef idx="0">
-              <a:schemeClr val="accent1"/>
-            </a:effectRef>
-            <a:fontRef idx="minor">
-              <a:schemeClr val="lt1"/>
-            </a:fontRef>
-          </p:style>
-          <p:txBody>
-            <a:bodyPr rtlCol="0" anchor="ctr"/>
-            <a:lstStyle/>
-            <a:p>
-              <a:pPr algn="ctr"/>
-              <a:endParaRPr kumimoji="1" lang="ja-JP" altLang="en-US"/>
-            </a:p>
-          </p:txBody>
-        </p:sp>
-        <p:sp>
-          <p:nvSpPr>
-            <p:cNvPr id="47" name="楕円 46">
-              <a:extLst>
-                <a:ext uri="{FF2B5EF4-FFF2-40B4-BE49-F238E27FC236}">
-                  <a16:creationId xmlns:a16="http://schemas.microsoft.com/office/drawing/2014/main" id="{DEBB25AE-36B9-41BF-8623-77B676B357E4}"/>
-                </a:ext>
-              </a:extLst>
-            </p:cNvPr>
-            <p:cNvSpPr/>
-            <p:nvPr/>
-          </p:nvSpPr>
-          <p:spPr>
-            <a:xfrm rot="19544429">
-              <a:off x="11457984" y="2576186"/>
-              <a:ext cx="196226" cy="505256"/>
-            </a:xfrm>
-            <a:prstGeom prst="ellipse">
-              <a:avLst/>
-            </a:prstGeom>
-            <a:noFill/>
-            <a:ln w="12700">
-              <a:solidFill>
-                <a:schemeClr val="accent1"/>
-              </a:solidFill>
-              <a:prstDash val="lgDashDot"/>
-            </a:ln>
-          </p:spPr>
-          <p:style>
-            <a:lnRef idx="2">
-              <a:schemeClr val="accent1">
-                <a:shade val="15000"/>
-              </a:schemeClr>
-            </a:lnRef>
-            <a:fillRef idx="1">
-              <a:schemeClr val="accent1"/>
-            </a:fillRef>
-            <a:effectRef idx="0">
-              <a:schemeClr val="accent1"/>
-            </a:effectRef>
-            <a:fontRef idx="minor">
-              <a:schemeClr val="lt1"/>
-            </a:fontRef>
-          </p:style>
-          <p:txBody>
-            <a:bodyPr rtlCol="0" anchor="ctr"/>
-            <a:lstStyle/>
-            <a:p>
-              <a:pPr algn="ctr"/>
-              <a:endParaRPr kumimoji="1" lang="ja-JP" altLang="en-US"/>
-            </a:p>
-          </p:txBody>
-        </p:sp>
-        <p:sp>
-          <p:nvSpPr>
-            <p:cNvPr id="48" name="楕円 47">
-              <a:extLst>
-                <a:ext uri="{FF2B5EF4-FFF2-40B4-BE49-F238E27FC236}">
-                  <a16:creationId xmlns:a16="http://schemas.microsoft.com/office/drawing/2014/main" id="{47A313A4-51FD-43A4-855E-388FE81EF74C}"/>
-                </a:ext>
-              </a:extLst>
-            </p:cNvPr>
-            <p:cNvSpPr/>
-            <p:nvPr/>
-          </p:nvSpPr>
-          <p:spPr>
-            <a:xfrm rot="20207455">
-              <a:off x="9822878" y="2372625"/>
-              <a:ext cx="196226" cy="505256"/>
-            </a:xfrm>
-            <a:prstGeom prst="ellipse">
-              <a:avLst/>
-            </a:prstGeom>
-            <a:noFill/>
-            <a:ln w="12700">
-              <a:solidFill>
-                <a:schemeClr val="accent1"/>
-              </a:solidFill>
-              <a:prstDash val="sysDash"/>
-            </a:ln>
-          </p:spPr>
-          <p:style>
-            <a:lnRef idx="2">
-              <a:schemeClr val="accent1">
-                <a:shade val="15000"/>
-              </a:schemeClr>
-            </a:lnRef>
-            <a:fillRef idx="1">
-              <a:schemeClr val="accent1"/>
-            </a:fillRef>
-            <a:effectRef idx="0">
-              <a:schemeClr val="accent1"/>
-            </a:effectRef>
-            <a:fontRef idx="minor">
-              <a:schemeClr val="lt1"/>
-            </a:fontRef>
-          </p:style>
-          <p:txBody>
-            <a:bodyPr rtlCol="0" anchor="ctr"/>
-            <a:lstStyle/>
-            <a:p>
-              <a:pPr algn="ctr"/>
-              <a:endParaRPr kumimoji="1" lang="ja-JP" altLang="en-US"/>
-            </a:p>
-          </p:txBody>
-        </p:sp>
-        <p:sp>
-          <p:nvSpPr>
-            <p:cNvPr id="49" name="楕円 48">
-              <a:extLst>
-                <a:ext uri="{FF2B5EF4-FFF2-40B4-BE49-F238E27FC236}">
-                  <a16:creationId xmlns:a16="http://schemas.microsoft.com/office/drawing/2014/main" id="{64137292-523C-42BF-974F-0926D32F592D}"/>
-                </a:ext>
-              </a:extLst>
-            </p:cNvPr>
-            <p:cNvSpPr/>
-            <p:nvPr/>
-          </p:nvSpPr>
-          <p:spPr>
-            <a:xfrm rot="17249612">
-              <a:off x="10961751" y="3211834"/>
-              <a:ext cx="196226" cy="505256"/>
-            </a:xfrm>
-            <a:prstGeom prst="ellipse">
-              <a:avLst/>
-            </a:prstGeom>
-            <a:noFill/>
-            <a:ln w="12700">
-              <a:solidFill>
-                <a:schemeClr val="accent1"/>
-              </a:solidFill>
-              <a:prstDash val="sysDash"/>
-            </a:ln>
-          </p:spPr>
-          <p:style>
-            <a:lnRef idx="2">
-              <a:schemeClr val="accent1">
-                <a:shade val="15000"/>
-              </a:schemeClr>
-            </a:lnRef>
-            <a:fillRef idx="1">
-              <a:schemeClr val="accent1"/>
-            </a:fillRef>
-            <a:effectRef idx="0">
-              <a:schemeClr val="accent1"/>
-            </a:effectRef>
-            <a:fontRef idx="minor">
-              <a:schemeClr val="lt1"/>
-            </a:fontRef>
-          </p:style>
-          <p:txBody>
-            <a:bodyPr rtlCol="0" anchor="ctr"/>
-            <a:lstStyle/>
-            <a:p>
-              <a:pPr algn="ctr"/>
-              <a:endParaRPr kumimoji="1" lang="ja-JP" altLang="en-US"/>
-            </a:p>
-          </p:txBody>
-        </p:sp>
-      </p:grpSp>
-      <p:sp>
-        <p:nvSpPr>
-          <p:cNvPr id="29" name="テキスト ボックス 28">
-            <a:extLst>
-              <a:ext uri="{FF2B5EF4-FFF2-40B4-BE49-F238E27FC236}">
-                <a16:creationId xmlns:a16="http://schemas.microsoft.com/office/drawing/2014/main" id="{04635C1E-61C9-48A3-B104-1C4CD7C5A02F}"/>
-              </a:ext>
-            </a:extLst>
-          </p:cNvPr>
-          <p:cNvSpPr txBox="1"/>
-          <p:nvPr/>
-        </p:nvSpPr>
-        <p:spPr>
-          <a:xfrm rot="1616798">
-            <a:off x="8066260" y="3794699"/>
-            <a:ext cx="2117245" cy="369332"/>
-          </a:xfrm>
-          <a:prstGeom prst="rect">
-            <a:avLst/>
-          </a:prstGeom>
-          <a:noFill/>
-        </p:spPr>
-        <p:txBody>
-          <a:bodyPr wrap="square" rtlCol="0">
-            <a:spAutoFit/>
-          </a:bodyPr>
-          <a:lstStyle/>
-          <a:p>
-            <a:r>
-              <a:rPr kumimoji="1" lang="ja-JP" altLang="en-US" dirty="0">
-                <a:latin typeface="BIZ UDPゴシック" panose="020B0400000000000000" pitchFamily="50" charset="-128"/>
-                <a:ea typeface="BIZ UDPゴシック" panose="020B0400000000000000" pitchFamily="50" charset="-128"/>
-              </a:rPr>
-              <a:t>情報</a:t>
-            </a:r>
-            <a:r>
-              <a:rPr kumimoji="1" lang="en-US" altLang="ja-JP" dirty="0">
-                <a:latin typeface="BIZ UDPゴシック" panose="020B0400000000000000" pitchFamily="50" charset="-128"/>
-                <a:ea typeface="BIZ UDPゴシック" panose="020B0400000000000000" pitchFamily="50" charset="-128"/>
-              </a:rPr>
-              <a:t>A(64QAM)</a:t>
-            </a:r>
-            <a:endParaRPr kumimoji="1" lang="ja-JP" altLang="en-US" dirty="0">
-              <a:latin typeface="BIZ UDPゴシック" panose="020B0400000000000000" pitchFamily="50" charset="-128"/>
-              <a:ea typeface="BIZ UDPゴシック" panose="020B0400000000000000" pitchFamily="50" charset="-128"/>
-            </a:endParaRPr>
-          </a:p>
-        </p:txBody>
-      </p:sp>
-      <p:sp>
-        <p:nvSpPr>
           <p:cNvPr id="51" name="テキスト ボックス 50">
             <a:extLst>
               <a:ext uri="{FF2B5EF4-FFF2-40B4-BE49-F238E27FC236}">
@@ -14001,7 +13560,7 @@
         </p:nvSpPr>
         <p:spPr>
           <a:xfrm>
-            <a:off x="491495" y="1172837"/>
+            <a:off x="495327" y="745882"/>
             <a:ext cx="2858923" cy="646331"/>
           </a:xfrm>
           <a:prstGeom prst="rect">
@@ -14025,6 +13584,1033 @@
           </a:p>
         </p:txBody>
       </p:sp>
+      <p:sp>
+        <p:nvSpPr>
+          <p:cNvPr id="3" name="テキスト ボックス 2">
+            <a:extLst>
+              <a:ext uri="{FF2B5EF4-FFF2-40B4-BE49-F238E27FC236}">
+                <a16:creationId xmlns:a16="http://schemas.microsoft.com/office/drawing/2014/main" id="{46562091-771C-40DF-9644-1FDBD0339A1F}"/>
+              </a:ext>
+            </a:extLst>
+          </p:cNvPr>
+          <p:cNvSpPr txBox="1"/>
+          <p:nvPr/>
+        </p:nvSpPr>
+        <p:spPr>
+          <a:xfrm>
+            <a:off x="500577" y="1543714"/>
+            <a:ext cx="10730640" cy="1200329"/>
+          </a:xfrm>
+          <a:prstGeom prst="rect">
+            <a:avLst/>
+          </a:prstGeom>
+          <a:noFill/>
+        </p:spPr>
+        <p:txBody>
+          <a:bodyPr wrap="square" rtlCol="0">
+            <a:spAutoFit/>
+          </a:bodyPr>
+          <a:lstStyle/>
+          <a:p>
+            <a:r>
+              <a:rPr kumimoji="1" lang="ja-JP" altLang="en-US" dirty="0">
+                <a:latin typeface="BIZ UDPゴシック" panose="020B0400000000000000" pitchFamily="50" charset="-128"/>
+                <a:ea typeface="BIZ UDPゴシック" panose="020B0400000000000000" pitchFamily="50" charset="-128"/>
+              </a:rPr>
+              <a:t>受信側で複合され</a:t>
+            </a:r>
+            <a:r>
+              <a:rPr lang="ja-JP" altLang="en-US" dirty="0">
+                <a:latin typeface="BIZ UDPゴシック" panose="020B0400000000000000" pitchFamily="50" charset="-128"/>
+                <a:ea typeface="BIZ UDPゴシック" panose="020B0400000000000000" pitchFamily="50" charset="-128"/>
+              </a:rPr>
+              <a:t>る信号は特異値の大きさに依存するため</a:t>
+            </a:r>
+            <a:r>
+              <a:rPr lang="en-US" altLang="ja-JP" dirty="0">
+                <a:latin typeface="BIZ UDPゴシック" panose="020B0400000000000000" pitchFamily="50" charset="-128"/>
+                <a:ea typeface="BIZ UDPゴシック" panose="020B0400000000000000" pitchFamily="50" charset="-128"/>
+              </a:rPr>
+              <a:t>,</a:t>
+            </a:r>
+            <a:r>
+              <a:rPr lang="ja-JP" altLang="en-US" dirty="0">
+                <a:latin typeface="BIZ UDPゴシック" panose="020B0400000000000000" pitchFamily="50" charset="-128"/>
+                <a:ea typeface="BIZ UDPゴシック" panose="020B0400000000000000" pitchFamily="50" charset="-128"/>
+              </a:rPr>
+              <a:t>固有モード伝送では適応変調が必要となる</a:t>
+            </a:r>
+            <a:r>
+              <a:rPr lang="en-US" altLang="ja-JP" dirty="0">
+                <a:latin typeface="BIZ UDPゴシック" panose="020B0400000000000000" pitchFamily="50" charset="-128"/>
+                <a:ea typeface="BIZ UDPゴシック" panose="020B0400000000000000" pitchFamily="50" charset="-128"/>
+              </a:rPr>
+              <a:t>.</a:t>
+            </a:r>
+          </a:p>
+          <a:p>
+            <a:endParaRPr lang="en-US" altLang="ja-JP" dirty="0">
+              <a:latin typeface="BIZ UDPゴシック" panose="020B0400000000000000" pitchFamily="50" charset="-128"/>
+              <a:ea typeface="BIZ UDPゴシック" panose="020B0400000000000000" pitchFamily="50" charset="-128"/>
+            </a:endParaRPr>
+          </a:p>
+          <a:p>
+            <a:r>
+              <a:rPr kumimoji="1" lang="ja-JP" altLang="en-US" dirty="0">
+                <a:latin typeface="BIZ UDPゴシック" panose="020B0400000000000000" pitchFamily="50" charset="-128"/>
+                <a:ea typeface="BIZ UDPゴシック" panose="020B0400000000000000" pitchFamily="50" charset="-128"/>
+              </a:rPr>
+              <a:t>固有値の大きさに比例してチャネル容量が決定される</a:t>
+            </a:r>
+            <a:r>
+              <a:rPr kumimoji="1" lang="en-US" altLang="ja-JP" dirty="0">
+                <a:latin typeface="BIZ UDPゴシック" panose="020B0400000000000000" pitchFamily="50" charset="-128"/>
+                <a:ea typeface="BIZ UDPゴシック" panose="020B0400000000000000" pitchFamily="50" charset="-128"/>
+              </a:rPr>
+              <a:t>.</a:t>
+            </a:r>
+            <a:r>
+              <a:rPr kumimoji="1" lang="ja-JP" altLang="en-US" dirty="0">
+                <a:latin typeface="BIZ UDPゴシック" panose="020B0400000000000000" pitchFamily="50" charset="-128"/>
+                <a:ea typeface="BIZ UDPゴシック" panose="020B0400000000000000" pitchFamily="50" charset="-128"/>
+              </a:rPr>
+              <a:t>そこで</a:t>
+            </a:r>
+            <a:r>
+              <a:rPr kumimoji="1" lang="en-US" altLang="ja-JP" dirty="0">
+                <a:latin typeface="BIZ UDPゴシック" panose="020B0400000000000000" pitchFamily="50" charset="-128"/>
+                <a:ea typeface="BIZ UDPゴシック" panose="020B0400000000000000" pitchFamily="50" charset="-128"/>
+              </a:rPr>
+              <a:t>,</a:t>
+            </a:r>
+            <a:r>
+              <a:rPr kumimoji="1" lang="ja-JP" altLang="en-US" dirty="0">
+                <a:latin typeface="BIZ UDPゴシック" panose="020B0400000000000000" pitchFamily="50" charset="-128"/>
+                <a:ea typeface="BIZ UDPゴシック" panose="020B0400000000000000" pitchFamily="50" charset="-128"/>
+              </a:rPr>
+              <a:t>固有モード伝送では</a:t>
+            </a:r>
+            <a:r>
+              <a:rPr kumimoji="1" lang="en-US" altLang="ja-JP" dirty="0">
+                <a:latin typeface="BIZ UDPゴシック" panose="020B0400000000000000" pitchFamily="50" charset="-128"/>
+                <a:ea typeface="BIZ UDPゴシック" panose="020B0400000000000000" pitchFamily="50" charset="-128"/>
+              </a:rPr>
+              <a:t>SNR(Signal Noise Ratio)</a:t>
+            </a:r>
+            <a:r>
+              <a:rPr kumimoji="1" lang="ja-JP" altLang="en-US" dirty="0">
+                <a:latin typeface="BIZ UDPゴシック" panose="020B0400000000000000" pitchFamily="50" charset="-128"/>
+                <a:ea typeface="BIZ UDPゴシック" panose="020B0400000000000000" pitchFamily="50" charset="-128"/>
+              </a:rPr>
+              <a:t>に応じて変調方式を送信データごとに採用することで高いビットレートを得ることができる</a:t>
+            </a:r>
+            <a:r>
+              <a:rPr kumimoji="1" lang="en-US" altLang="ja-JP" dirty="0">
+                <a:latin typeface="BIZ UDPゴシック" panose="020B0400000000000000" pitchFamily="50" charset="-128"/>
+                <a:ea typeface="BIZ UDPゴシック" panose="020B0400000000000000" pitchFamily="50" charset="-128"/>
+              </a:rPr>
+              <a:t>.</a:t>
+            </a:r>
+          </a:p>
+        </p:txBody>
+      </p:sp>
+      <p:grpSp>
+        <p:nvGrpSpPr>
+          <p:cNvPr id="4" name="グループ化 3">
+            <a:extLst>
+              <a:ext uri="{FF2B5EF4-FFF2-40B4-BE49-F238E27FC236}">
+                <a16:creationId xmlns:a16="http://schemas.microsoft.com/office/drawing/2014/main" id="{DA8FC9E2-E5EA-434F-96C8-6512EDC02F42}"/>
+              </a:ext>
+            </a:extLst>
+          </p:cNvPr>
+          <p:cNvGrpSpPr/>
+          <p:nvPr/>
+        </p:nvGrpSpPr>
+        <p:grpSpPr>
+          <a:xfrm>
+            <a:off x="6940366" y="3125150"/>
+            <a:ext cx="3844819" cy="3314658"/>
+            <a:chOff x="6450496" y="2375451"/>
+            <a:chExt cx="4931260" cy="4208557"/>
+          </a:xfrm>
+        </p:grpSpPr>
+        <p:sp>
+          <p:nvSpPr>
+            <p:cNvPr id="31" name="テキスト ボックス 30">
+              <a:extLst>
+                <a:ext uri="{FF2B5EF4-FFF2-40B4-BE49-F238E27FC236}">
+                  <a16:creationId xmlns:a16="http://schemas.microsoft.com/office/drawing/2014/main" id="{083D7949-395D-4A4A-9D63-2CE5DBC6217B}"/>
+                </a:ext>
+              </a:extLst>
+            </p:cNvPr>
+            <p:cNvSpPr txBox="1"/>
+            <p:nvPr/>
+          </p:nvSpPr>
+          <p:spPr>
+            <a:xfrm rot="749578">
+              <a:off x="7724488" y="5040215"/>
+              <a:ext cx="2117245" cy="351700"/>
+            </a:xfrm>
+            <a:prstGeom prst="rect">
+              <a:avLst/>
+            </a:prstGeom>
+            <a:noFill/>
+          </p:spPr>
+          <p:txBody>
+            <a:bodyPr wrap="square" rtlCol="0">
+              <a:spAutoFit/>
+            </a:bodyPr>
+            <a:lstStyle/>
+            <a:p>
+              <a:r>
+                <a:rPr kumimoji="1" lang="ja-JP" altLang="en-US" sz="1200" dirty="0">
+                  <a:latin typeface="BIZ UDPゴシック" panose="020B0400000000000000" pitchFamily="50" charset="-128"/>
+                  <a:ea typeface="BIZ UDPゴシック" panose="020B0400000000000000" pitchFamily="50" charset="-128"/>
+                </a:rPr>
+                <a:t>情報</a:t>
+              </a:r>
+              <a:r>
+                <a:rPr kumimoji="1" lang="en-US" altLang="ja-JP" sz="1200" dirty="0">
+                  <a:latin typeface="BIZ UDPゴシック" panose="020B0400000000000000" pitchFamily="50" charset="-128"/>
+                  <a:ea typeface="BIZ UDPゴシック" panose="020B0400000000000000" pitchFamily="50" charset="-128"/>
+                </a:rPr>
+                <a:t>C(QPSK)</a:t>
+              </a:r>
+              <a:endParaRPr kumimoji="1" lang="ja-JP" altLang="en-US" sz="1200" dirty="0">
+                <a:latin typeface="BIZ UDPゴシック" panose="020B0400000000000000" pitchFamily="50" charset="-128"/>
+                <a:ea typeface="BIZ UDPゴシック" panose="020B0400000000000000" pitchFamily="50" charset="-128"/>
+              </a:endParaRPr>
+            </a:p>
+          </p:txBody>
+        </p:sp>
+        <p:sp>
+          <p:nvSpPr>
+            <p:cNvPr id="24" name="テキスト ボックス 23">
+              <a:extLst>
+                <a:ext uri="{FF2B5EF4-FFF2-40B4-BE49-F238E27FC236}">
+                  <a16:creationId xmlns:a16="http://schemas.microsoft.com/office/drawing/2014/main" id="{93DBB507-6948-4FE6-8A96-F3E6DDD01D37}"/>
+                </a:ext>
+              </a:extLst>
+            </p:cNvPr>
+            <p:cNvSpPr txBox="1"/>
+            <p:nvPr/>
+          </p:nvSpPr>
+          <p:spPr>
+            <a:xfrm rot="783544">
+              <a:off x="8624126" y="2729593"/>
+              <a:ext cx="2117245" cy="390778"/>
+            </a:xfrm>
+            <a:prstGeom prst="rect">
+              <a:avLst/>
+            </a:prstGeom>
+            <a:noFill/>
+          </p:spPr>
+          <p:txBody>
+            <a:bodyPr wrap="square" rtlCol="0">
+              <a:spAutoFit/>
+            </a:bodyPr>
+            <a:lstStyle/>
+            <a:p>
+              <a:r>
+                <a:rPr kumimoji="1" lang="ja-JP" altLang="en-US" sz="1400" dirty="0">
+                  <a:latin typeface="BIZ UDPゴシック" panose="020B0400000000000000" pitchFamily="50" charset="-128"/>
+                  <a:ea typeface="BIZ UDPゴシック" panose="020B0400000000000000" pitchFamily="50" charset="-128"/>
+                </a:rPr>
+                <a:t>情報</a:t>
+              </a:r>
+              <a:r>
+                <a:rPr lang="en-US" altLang="ja-JP" sz="1400" dirty="0">
+                  <a:latin typeface="BIZ UDPゴシック" panose="020B0400000000000000" pitchFamily="50" charset="-128"/>
+                  <a:ea typeface="BIZ UDPゴシック" panose="020B0400000000000000" pitchFamily="50" charset="-128"/>
+                </a:rPr>
+                <a:t>B</a:t>
+              </a:r>
+              <a:r>
+                <a:rPr kumimoji="1" lang="en-US" altLang="ja-JP" sz="1400" dirty="0">
+                  <a:latin typeface="BIZ UDPゴシック" panose="020B0400000000000000" pitchFamily="50" charset="-128"/>
+                  <a:ea typeface="BIZ UDPゴシック" panose="020B0400000000000000" pitchFamily="50" charset="-128"/>
+                </a:rPr>
+                <a:t>(16QAM)</a:t>
+              </a:r>
+              <a:endParaRPr kumimoji="1" lang="ja-JP" altLang="en-US" sz="1400" dirty="0">
+                <a:latin typeface="BIZ UDPゴシック" panose="020B0400000000000000" pitchFamily="50" charset="-128"/>
+                <a:ea typeface="BIZ UDPゴシック" panose="020B0400000000000000" pitchFamily="50" charset="-128"/>
+              </a:endParaRPr>
+            </a:p>
+          </p:txBody>
+        </p:sp>
+        <p:grpSp>
+          <p:nvGrpSpPr>
+            <p:cNvPr id="25" name="グループ化 24">
+              <a:extLst>
+                <a:ext uri="{FF2B5EF4-FFF2-40B4-BE49-F238E27FC236}">
+                  <a16:creationId xmlns:a16="http://schemas.microsoft.com/office/drawing/2014/main" id="{0C65153F-50CB-4B50-8058-043E00572BF4}"/>
+                </a:ext>
+              </a:extLst>
+            </p:cNvPr>
+            <p:cNvGrpSpPr/>
+            <p:nvPr/>
+          </p:nvGrpSpPr>
+          <p:grpSpPr>
+            <a:xfrm>
+              <a:off x="6450496" y="2375451"/>
+              <a:ext cx="4931260" cy="4208557"/>
+              <a:chOff x="9685622" y="1923085"/>
+              <a:chExt cx="2208005" cy="2059367"/>
+            </a:xfrm>
+          </p:grpSpPr>
+          <p:pic>
+            <p:nvPicPr>
+              <p:cNvPr id="26" name="グラフィックス 25">
+                <a:extLst>
+                  <a:ext uri="{FF2B5EF4-FFF2-40B4-BE49-F238E27FC236}">
+                    <a16:creationId xmlns:a16="http://schemas.microsoft.com/office/drawing/2014/main" id="{F9E908FE-B825-4EDF-9453-E28151896F82}"/>
+                  </a:ext>
+                </a:extLst>
+              </p:cNvPr>
+              <p:cNvPicPr>
+                <a:picLocks noChangeAspect="1"/>
+              </p:cNvPicPr>
+              <p:nvPr/>
+            </p:nvPicPr>
+            <p:blipFill>
+              <a:blip r:embed="rId2">
+                <a:extLst>
+                  <a:ext uri="{28A0092B-C50C-407E-A947-70E740481C1C}">
+                    <a14:useLocalDpi xmlns:a14="http://schemas.microsoft.com/office/drawing/2010/main" val="0"/>
+                  </a:ext>
+                  <a:ext uri="{96DAC541-7B7A-43D3-8B79-37D633B846F1}">
+                    <asvg:svgBlip xmlns:asvg="http://schemas.microsoft.com/office/drawing/2016/SVG/main" r:embed="rId3"/>
+                  </a:ext>
+                </a:extLst>
+              </a:blip>
+              <a:stretch>
+                <a:fillRect/>
+              </a:stretch>
+            </p:blipFill>
+            <p:spPr>
+              <a:xfrm>
+                <a:off x="9685622" y="1923085"/>
+                <a:ext cx="771443" cy="1749199"/>
+              </a:xfrm>
+              <a:prstGeom prst="rect">
+                <a:avLst/>
+              </a:prstGeom>
+            </p:spPr>
+          </p:pic>
+          <p:sp>
+            <p:nvSpPr>
+              <p:cNvPr id="27" name="正方形/長方形 26">
+                <a:extLst>
+                  <a:ext uri="{FF2B5EF4-FFF2-40B4-BE49-F238E27FC236}">
+                    <a16:creationId xmlns:a16="http://schemas.microsoft.com/office/drawing/2014/main" id="{36492020-C661-4517-BA6B-05C1A80F9E52}"/>
+                  </a:ext>
+                </a:extLst>
+              </p:cNvPr>
+              <p:cNvSpPr/>
+              <p:nvPr/>
+            </p:nvSpPr>
+            <p:spPr>
+              <a:xfrm>
+                <a:off x="11397615" y="3464951"/>
+                <a:ext cx="496012" cy="258751"/>
+              </a:xfrm>
+              <a:prstGeom prst="rect">
+                <a:avLst/>
+              </a:prstGeom>
+              <a:noFill/>
+              <a:ln w="28575"/>
+            </p:spPr>
+            <p:style>
+              <a:lnRef idx="2">
+                <a:schemeClr val="accent1">
+                  <a:shade val="15000"/>
+                </a:schemeClr>
+              </a:lnRef>
+              <a:fillRef idx="1">
+                <a:schemeClr val="accent1"/>
+              </a:fillRef>
+              <a:effectRef idx="0">
+                <a:schemeClr val="accent1"/>
+              </a:effectRef>
+              <a:fontRef idx="minor">
+                <a:schemeClr val="lt1"/>
+              </a:fontRef>
+            </p:style>
+            <p:txBody>
+              <a:bodyPr rtlCol="0" anchor="ctr"/>
+              <a:lstStyle/>
+              <a:p>
+                <a:pPr algn="ctr"/>
+                <a:endParaRPr kumimoji="1" lang="ja-JP" altLang="en-US" dirty="0"/>
+              </a:p>
+            </p:txBody>
+          </p:sp>
+          <p:sp>
+            <p:nvSpPr>
+              <p:cNvPr id="28" name="平行四辺形 27">
+                <a:extLst>
+                  <a:ext uri="{FF2B5EF4-FFF2-40B4-BE49-F238E27FC236}">
+                    <a16:creationId xmlns:a16="http://schemas.microsoft.com/office/drawing/2014/main" id="{86C419D5-2980-430E-AAC0-42F8CD36A6BE}"/>
+                  </a:ext>
+                </a:extLst>
+              </p:cNvPr>
+              <p:cNvSpPr/>
+              <p:nvPr/>
+            </p:nvSpPr>
+            <p:spPr>
+              <a:xfrm>
+                <a:off x="11332104" y="3723701"/>
+                <a:ext cx="561523" cy="258751"/>
+              </a:xfrm>
+              <a:prstGeom prst="parallelogram">
+                <a:avLst>
+                  <a:gd name="adj" fmla="val 28572"/>
+                </a:avLst>
+              </a:prstGeom>
+              <a:noFill/>
+              <a:ln w="28575"/>
+            </p:spPr>
+            <p:style>
+              <a:lnRef idx="2">
+                <a:schemeClr val="accent1">
+                  <a:shade val="15000"/>
+                </a:schemeClr>
+              </a:lnRef>
+              <a:fillRef idx="1">
+                <a:schemeClr val="accent1"/>
+              </a:fillRef>
+              <a:effectRef idx="0">
+                <a:schemeClr val="accent1"/>
+              </a:effectRef>
+              <a:fontRef idx="minor">
+                <a:schemeClr val="lt1"/>
+              </a:fontRef>
+            </p:style>
+            <p:txBody>
+              <a:bodyPr rtlCol="0" anchor="ctr"/>
+              <a:lstStyle/>
+              <a:p>
+                <a:pPr algn="ctr"/>
+                <a:endParaRPr kumimoji="1" lang="ja-JP" altLang="en-US"/>
+              </a:p>
+            </p:txBody>
+          </p:sp>
+          <p:pic>
+            <p:nvPicPr>
+              <p:cNvPr id="41" name="グラフィックス 40">
+                <a:extLst>
+                  <a:ext uri="{FF2B5EF4-FFF2-40B4-BE49-F238E27FC236}">
+                    <a16:creationId xmlns:a16="http://schemas.microsoft.com/office/drawing/2014/main" id="{75B3EE90-CD57-4C2C-8300-5DAD79724EB4}"/>
+                  </a:ext>
+                </a:extLst>
+              </p:cNvPr>
+              <p:cNvPicPr>
+                <a:picLocks noChangeAspect="1"/>
+              </p:cNvPicPr>
+              <p:nvPr/>
+            </p:nvPicPr>
+            <p:blipFill rotWithShape="1">
+              <a:blip r:embed="rId4">
+                <a:extLst>
+                  <a:ext uri="{28A0092B-C50C-407E-A947-70E740481C1C}">
+                    <a14:useLocalDpi xmlns:a14="http://schemas.microsoft.com/office/drawing/2010/main" val="0"/>
+                  </a:ext>
+                  <a:ext uri="{96DAC541-7B7A-43D3-8B79-37D633B846F1}">
+                    <asvg:svgBlip xmlns:asvg="http://schemas.microsoft.com/office/drawing/2016/SVG/main" r:embed="rId5"/>
+                  </a:ext>
+                </a:extLst>
+              </a:blip>
+              <a:srcRect l="1" r="-1" b="17291"/>
+              <a:stretch/>
+            </p:blipFill>
+            <p:spPr>
+              <a:xfrm flipH="1">
+                <a:off x="11494349" y="3015261"/>
+                <a:ext cx="302542" cy="449690"/>
+              </a:xfrm>
+              <a:prstGeom prst="rect">
+                <a:avLst/>
+              </a:prstGeom>
+            </p:spPr>
+          </p:pic>
+          <p:cxnSp>
+            <p:nvCxnSpPr>
+              <p:cNvPr id="42" name="直線コネクタ 41">
+                <a:extLst>
+                  <a:ext uri="{FF2B5EF4-FFF2-40B4-BE49-F238E27FC236}">
+                    <a16:creationId xmlns:a16="http://schemas.microsoft.com/office/drawing/2014/main" id="{74145200-EB7F-4160-99D6-67AD24EDB52E}"/>
+                  </a:ext>
+                </a:extLst>
+              </p:cNvPr>
+              <p:cNvCxnSpPr/>
+              <p:nvPr/>
+            </p:nvCxnSpPr>
+            <p:spPr>
+              <a:xfrm>
+                <a:off x="10457065" y="2132626"/>
+                <a:ext cx="794250" cy="194063"/>
+              </a:xfrm>
+              <a:prstGeom prst="line">
+                <a:avLst/>
+              </a:prstGeom>
+              <a:ln w="12700">
+                <a:prstDash val="lgDashDot"/>
+              </a:ln>
+            </p:spPr>
+            <p:style>
+              <a:lnRef idx="1">
+                <a:schemeClr val="accent1"/>
+              </a:lnRef>
+              <a:fillRef idx="0">
+                <a:schemeClr val="accent1"/>
+              </a:fillRef>
+              <a:effectRef idx="0">
+                <a:schemeClr val="accent1"/>
+              </a:effectRef>
+              <a:fontRef idx="minor">
+                <a:schemeClr val="tx1"/>
+              </a:fontRef>
+            </p:style>
+          </p:cxnSp>
+          <p:cxnSp>
+            <p:nvCxnSpPr>
+              <p:cNvPr id="43" name="直線矢印コネクタ 42">
+                <a:extLst>
+                  <a:ext uri="{FF2B5EF4-FFF2-40B4-BE49-F238E27FC236}">
+                    <a16:creationId xmlns:a16="http://schemas.microsoft.com/office/drawing/2014/main" id="{46CBD4DB-3317-491E-B93C-781D73EB47D5}"/>
+                  </a:ext>
+                </a:extLst>
+              </p:cNvPr>
+              <p:cNvCxnSpPr/>
+              <p:nvPr/>
+            </p:nvCxnSpPr>
+            <p:spPr>
+              <a:xfrm>
+                <a:off x="11251315" y="2326689"/>
+                <a:ext cx="336913" cy="563707"/>
+              </a:xfrm>
+              <a:prstGeom prst="straightConnector1">
+                <a:avLst/>
+              </a:prstGeom>
+              <a:ln w="12700">
+                <a:prstDash val="lgDashDot"/>
+                <a:tailEnd type="triangle"/>
+              </a:ln>
+            </p:spPr>
+            <p:style>
+              <a:lnRef idx="1">
+                <a:schemeClr val="accent1"/>
+              </a:lnRef>
+              <a:fillRef idx="0">
+                <a:schemeClr val="accent1"/>
+              </a:fillRef>
+              <a:effectRef idx="0">
+                <a:schemeClr val="accent1"/>
+              </a:effectRef>
+              <a:fontRef idx="minor">
+                <a:schemeClr val="tx1"/>
+              </a:fontRef>
+            </p:style>
+          </p:cxnSp>
+          <p:cxnSp>
+            <p:nvCxnSpPr>
+              <p:cNvPr id="52" name="直線コネクタ 51">
+                <a:extLst>
+                  <a:ext uri="{FF2B5EF4-FFF2-40B4-BE49-F238E27FC236}">
+                    <a16:creationId xmlns:a16="http://schemas.microsoft.com/office/drawing/2014/main" id="{83D27399-77F7-4F66-B771-C6A4301ACE46}"/>
+                  </a:ext>
+                </a:extLst>
+              </p:cNvPr>
+              <p:cNvCxnSpPr>
+                <a:cxnSpLocks/>
+              </p:cNvCxnSpPr>
+              <p:nvPr/>
+            </p:nvCxnSpPr>
+            <p:spPr>
+              <a:xfrm>
+                <a:off x="9909355" y="2577815"/>
+                <a:ext cx="323975" cy="672984"/>
+              </a:xfrm>
+              <a:prstGeom prst="line">
+                <a:avLst/>
+              </a:prstGeom>
+              <a:ln w="12700">
+                <a:prstDash val="sysDash"/>
+              </a:ln>
+            </p:spPr>
+            <p:style>
+              <a:lnRef idx="1">
+                <a:schemeClr val="accent1"/>
+              </a:lnRef>
+              <a:fillRef idx="0">
+                <a:schemeClr val="accent1"/>
+              </a:fillRef>
+              <a:effectRef idx="0">
+                <a:schemeClr val="accent1"/>
+              </a:effectRef>
+              <a:fontRef idx="minor">
+                <a:schemeClr val="tx1"/>
+              </a:fontRef>
+            </p:style>
+          </p:cxnSp>
+          <p:cxnSp>
+            <p:nvCxnSpPr>
+              <p:cNvPr id="53" name="直線矢印コネクタ 52">
+                <a:extLst>
+                  <a:ext uri="{FF2B5EF4-FFF2-40B4-BE49-F238E27FC236}">
+                    <a16:creationId xmlns:a16="http://schemas.microsoft.com/office/drawing/2014/main" id="{17BC49E2-3F52-4931-947F-4E5DCA33855B}"/>
+                  </a:ext>
+                </a:extLst>
+              </p:cNvPr>
+              <p:cNvCxnSpPr>
+                <a:cxnSpLocks/>
+              </p:cNvCxnSpPr>
+              <p:nvPr/>
+            </p:nvCxnSpPr>
+            <p:spPr>
+              <a:xfrm>
+                <a:off x="10233331" y="3250799"/>
+                <a:ext cx="868244" cy="214151"/>
+              </a:xfrm>
+              <a:prstGeom prst="straightConnector1">
+                <a:avLst/>
+              </a:prstGeom>
+              <a:ln w="12700">
+                <a:prstDash val="sysDash"/>
+                <a:tailEnd type="triangle"/>
+              </a:ln>
+            </p:spPr>
+            <p:style>
+              <a:lnRef idx="1">
+                <a:schemeClr val="accent1"/>
+              </a:lnRef>
+              <a:fillRef idx="0">
+                <a:schemeClr val="accent1"/>
+              </a:fillRef>
+              <a:effectRef idx="0">
+                <a:schemeClr val="accent1"/>
+              </a:effectRef>
+              <a:fontRef idx="minor">
+                <a:schemeClr val="tx1"/>
+              </a:fontRef>
+            </p:style>
+          </p:cxnSp>
+          <p:cxnSp>
+            <p:nvCxnSpPr>
+              <p:cNvPr id="54" name="直線矢印コネクタ 53">
+                <a:extLst>
+                  <a:ext uri="{FF2B5EF4-FFF2-40B4-BE49-F238E27FC236}">
+                    <a16:creationId xmlns:a16="http://schemas.microsoft.com/office/drawing/2014/main" id="{DE25895B-1D45-4ED3-B062-003FA39DB263}"/>
+                  </a:ext>
+                </a:extLst>
+              </p:cNvPr>
+              <p:cNvCxnSpPr>
+                <a:cxnSpLocks/>
+              </p:cNvCxnSpPr>
+              <p:nvPr/>
+            </p:nvCxnSpPr>
+            <p:spPr>
+              <a:xfrm>
+                <a:off x="10344140" y="2512526"/>
+                <a:ext cx="987964" cy="571933"/>
+              </a:xfrm>
+              <a:prstGeom prst="straightConnector1">
+                <a:avLst/>
+              </a:prstGeom>
+              <a:ln w="57150">
+                <a:tailEnd type="triangle"/>
+              </a:ln>
+            </p:spPr>
+            <p:style>
+              <a:lnRef idx="1">
+                <a:schemeClr val="accent1"/>
+              </a:lnRef>
+              <a:fillRef idx="0">
+                <a:schemeClr val="accent1"/>
+              </a:fillRef>
+              <a:effectRef idx="0">
+                <a:schemeClr val="accent1"/>
+              </a:effectRef>
+              <a:fontRef idx="minor">
+                <a:schemeClr val="tx1"/>
+              </a:fontRef>
+            </p:style>
+          </p:cxnSp>
+          <p:sp>
+            <p:nvSpPr>
+              <p:cNvPr id="55" name="楕円 54">
+                <a:extLst>
+                  <a:ext uri="{FF2B5EF4-FFF2-40B4-BE49-F238E27FC236}">
+                    <a16:creationId xmlns:a16="http://schemas.microsoft.com/office/drawing/2014/main" id="{EC5B0D19-066F-4BBF-8174-F59E408B2785}"/>
+                  </a:ext>
+                </a:extLst>
+              </p:cNvPr>
+              <p:cNvSpPr/>
+              <p:nvPr/>
+            </p:nvSpPr>
+            <p:spPr>
+              <a:xfrm rot="18060243">
+                <a:off x="10312581" y="2290155"/>
+                <a:ext cx="158963" cy="505256"/>
+              </a:xfrm>
+              <a:prstGeom prst="ellipse">
+                <a:avLst/>
+              </a:prstGeom>
+              <a:noFill/>
+              <a:ln w="28575">
+                <a:solidFill>
+                  <a:schemeClr val="accent1"/>
+                </a:solidFill>
+              </a:ln>
+            </p:spPr>
+            <p:style>
+              <a:lnRef idx="2">
+                <a:schemeClr val="accent1">
+                  <a:shade val="15000"/>
+                </a:schemeClr>
+              </a:lnRef>
+              <a:fillRef idx="1">
+                <a:schemeClr val="accent1"/>
+              </a:fillRef>
+              <a:effectRef idx="0">
+                <a:schemeClr val="accent1"/>
+              </a:effectRef>
+              <a:fontRef idx="minor">
+                <a:schemeClr val="lt1"/>
+              </a:fontRef>
+            </p:style>
+            <p:txBody>
+              <a:bodyPr rtlCol="0" anchor="ctr"/>
+              <a:lstStyle/>
+              <a:p>
+                <a:pPr algn="ctr"/>
+                <a:endParaRPr kumimoji="1" lang="ja-JP" altLang="en-US"/>
+              </a:p>
+            </p:txBody>
+          </p:sp>
+          <p:sp>
+            <p:nvSpPr>
+              <p:cNvPr id="56" name="楕円 55">
+                <a:extLst>
+                  <a:ext uri="{FF2B5EF4-FFF2-40B4-BE49-F238E27FC236}">
+                    <a16:creationId xmlns:a16="http://schemas.microsoft.com/office/drawing/2014/main" id="{07613738-4F13-484B-AD7A-F9D0FA126AC7}"/>
+                  </a:ext>
+                </a:extLst>
+              </p:cNvPr>
+              <p:cNvSpPr/>
+              <p:nvPr/>
+            </p:nvSpPr>
+            <p:spPr>
+              <a:xfrm rot="18060243">
+                <a:off x="11119812" y="2734975"/>
+                <a:ext cx="238219" cy="573558"/>
+              </a:xfrm>
+              <a:prstGeom prst="ellipse">
+                <a:avLst/>
+              </a:prstGeom>
+              <a:noFill/>
+              <a:ln w="28575">
+                <a:solidFill>
+                  <a:schemeClr val="accent1"/>
+                </a:solidFill>
+              </a:ln>
+            </p:spPr>
+            <p:style>
+              <a:lnRef idx="2">
+                <a:schemeClr val="accent1">
+                  <a:shade val="15000"/>
+                </a:schemeClr>
+              </a:lnRef>
+              <a:fillRef idx="1">
+                <a:schemeClr val="accent1"/>
+              </a:fillRef>
+              <a:effectRef idx="0">
+                <a:schemeClr val="accent1"/>
+              </a:effectRef>
+              <a:fontRef idx="minor">
+                <a:schemeClr val="lt1"/>
+              </a:fontRef>
+            </p:style>
+            <p:txBody>
+              <a:bodyPr rtlCol="0" anchor="ctr"/>
+              <a:lstStyle/>
+              <a:p>
+                <a:pPr algn="ctr"/>
+                <a:endParaRPr kumimoji="1" lang="ja-JP" altLang="en-US"/>
+              </a:p>
+            </p:txBody>
+          </p:sp>
+          <p:sp>
+            <p:nvSpPr>
+              <p:cNvPr id="57" name="楕円 56">
+                <a:extLst>
+                  <a:ext uri="{FF2B5EF4-FFF2-40B4-BE49-F238E27FC236}">
+                    <a16:creationId xmlns:a16="http://schemas.microsoft.com/office/drawing/2014/main" id="{00595FD6-E28A-4666-8F4A-05FEAFE2FCBA}"/>
+                  </a:ext>
+                </a:extLst>
+              </p:cNvPr>
+              <p:cNvSpPr/>
+              <p:nvPr/>
+            </p:nvSpPr>
+            <p:spPr>
+              <a:xfrm rot="17075817">
+                <a:off x="10469879" y="1937585"/>
+                <a:ext cx="196226" cy="505256"/>
+              </a:xfrm>
+              <a:prstGeom prst="ellipse">
+                <a:avLst/>
+              </a:prstGeom>
+              <a:noFill/>
+              <a:ln w="12700">
+                <a:solidFill>
+                  <a:schemeClr val="accent1"/>
+                </a:solidFill>
+                <a:prstDash val="lgDashDot"/>
+              </a:ln>
+            </p:spPr>
+            <p:style>
+              <a:lnRef idx="2">
+                <a:schemeClr val="accent1">
+                  <a:shade val="15000"/>
+                </a:schemeClr>
+              </a:lnRef>
+              <a:fillRef idx="1">
+                <a:schemeClr val="accent1"/>
+              </a:fillRef>
+              <a:effectRef idx="0">
+                <a:schemeClr val="accent1"/>
+              </a:effectRef>
+              <a:fontRef idx="minor">
+                <a:schemeClr val="lt1"/>
+              </a:fontRef>
+            </p:style>
+            <p:txBody>
+              <a:bodyPr rtlCol="0" anchor="ctr"/>
+              <a:lstStyle/>
+              <a:p>
+                <a:pPr algn="ctr"/>
+                <a:endParaRPr kumimoji="1" lang="ja-JP" altLang="en-US"/>
+              </a:p>
+            </p:txBody>
+          </p:sp>
+          <p:sp>
+            <p:nvSpPr>
+              <p:cNvPr id="58" name="楕円 57">
+                <a:extLst>
+                  <a:ext uri="{FF2B5EF4-FFF2-40B4-BE49-F238E27FC236}">
+                    <a16:creationId xmlns:a16="http://schemas.microsoft.com/office/drawing/2014/main" id="{652A1E86-2C2C-443B-B02E-9741BBBE34F1}"/>
+                  </a:ext>
+                </a:extLst>
+              </p:cNvPr>
+              <p:cNvSpPr/>
+              <p:nvPr/>
+            </p:nvSpPr>
+            <p:spPr>
+              <a:xfrm rot="19544429">
+                <a:off x="11457984" y="2576186"/>
+                <a:ext cx="196226" cy="505256"/>
+              </a:xfrm>
+              <a:prstGeom prst="ellipse">
+                <a:avLst/>
+              </a:prstGeom>
+              <a:noFill/>
+              <a:ln w="12700">
+                <a:solidFill>
+                  <a:schemeClr val="accent1"/>
+                </a:solidFill>
+                <a:prstDash val="lgDashDot"/>
+              </a:ln>
+            </p:spPr>
+            <p:style>
+              <a:lnRef idx="2">
+                <a:schemeClr val="accent1">
+                  <a:shade val="15000"/>
+                </a:schemeClr>
+              </a:lnRef>
+              <a:fillRef idx="1">
+                <a:schemeClr val="accent1"/>
+              </a:fillRef>
+              <a:effectRef idx="0">
+                <a:schemeClr val="accent1"/>
+              </a:effectRef>
+              <a:fontRef idx="minor">
+                <a:schemeClr val="lt1"/>
+              </a:fontRef>
+            </p:style>
+            <p:txBody>
+              <a:bodyPr rtlCol="0" anchor="ctr"/>
+              <a:lstStyle/>
+              <a:p>
+                <a:pPr algn="ctr"/>
+                <a:endParaRPr kumimoji="1" lang="ja-JP" altLang="en-US"/>
+              </a:p>
+            </p:txBody>
+          </p:sp>
+          <p:sp>
+            <p:nvSpPr>
+              <p:cNvPr id="59" name="楕円 58">
+                <a:extLst>
+                  <a:ext uri="{FF2B5EF4-FFF2-40B4-BE49-F238E27FC236}">
+                    <a16:creationId xmlns:a16="http://schemas.microsoft.com/office/drawing/2014/main" id="{028E3EDD-6CE3-4DF2-8434-06A28FF75B21}"/>
+                  </a:ext>
+                </a:extLst>
+              </p:cNvPr>
+              <p:cNvSpPr/>
+              <p:nvPr/>
+            </p:nvSpPr>
+            <p:spPr>
+              <a:xfrm rot="20207455">
+                <a:off x="9822878" y="2372625"/>
+                <a:ext cx="196226" cy="505256"/>
+              </a:xfrm>
+              <a:prstGeom prst="ellipse">
+                <a:avLst/>
+              </a:prstGeom>
+              <a:noFill/>
+              <a:ln w="12700">
+                <a:solidFill>
+                  <a:schemeClr val="accent1"/>
+                </a:solidFill>
+                <a:prstDash val="sysDash"/>
+              </a:ln>
+            </p:spPr>
+            <p:style>
+              <a:lnRef idx="2">
+                <a:schemeClr val="accent1">
+                  <a:shade val="15000"/>
+                </a:schemeClr>
+              </a:lnRef>
+              <a:fillRef idx="1">
+                <a:schemeClr val="accent1"/>
+              </a:fillRef>
+              <a:effectRef idx="0">
+                <a:schemeClr val="accent1"/>
+              </a:effectRef>
+              <a:fontRef idx="minor">
+                <a:schemeClr val="lt1"/>
+              </a:fontRef>
+            </p:style>
+            <p:txBody>
+              <a:bodyPr rtlCol="0" anchor="ctr"/>
+              <a:lstStyle/>
+              <a:p>
+                <a:pPr algn="ctr"/>
+                <a:endParaRPr kumimoji="1" lang="ja-JP" altLang="en-US"/>
+              </a:p>
+            </p:txBody>
+          </p:sp>
+          <p:sp>
+            <p:nvSpPr>
+              <p:cNvPr id="60" name="楕円 59">
+                <a:extLst>
+                  <a:ext uri="{FF2B5EF4-FFF2-40B4-BE49-F238E27FC236}">
+                    <a16:creationId xmlns:a16="http://schemas.microsoft.com/office/drawing/2014/main" id="{1E4A9104-96DB-420A-886C-1B6CEF7729D0}"/>
+                  </a:ext>
+                </a:extLst>
+              </p:cNvPr>
+              <p:cNvSpPr/>
+              <p:nvPr/>
+            </p:nvSpPr>
+            <p:spPr>
+              <a:xfrm rot="17249612">
+                <a:off x="10961751" y="3211834"/>
+                <a:ext cx="196226" cy="505256"/>
+              </a:xfrm>
+              <a:prstGeom prst="ellipse">
+                <a:avLst/>
+              </a:prstGeom>
+              <a:noFill/>
+              <a:ln w="12700">
+                <a:solidFill>
+                  <a:schemeClr val="accent1"/>
+                </a:solidFill>
+                <a:prstDash val="sysDash"/>
+              </a:ln>
+            </p:spPr>
+            <p:style>
+              <a:lnRef idx="2">
+                <a:schemeClr val="accent1">
+                  <a:shade val="15000"/>
+                </a:schemeClr>
+              </a:lnRef>
+              <a:fillRef idx="1">
+                <a:schemeClr val="accent1"/>
+              </a:fillRef>
+              <a:effectRef idx="0">
+                <a:schemeClr val="accent1"/>
+              </a:effectRef>
+              <a:fontRef idx="minor">
+                <a:schemeClr val="lt1"/>
+              </a:fontRef>
+            </p:style>
+            <p:txBody>
+              <a:bodyPr rtlCol="0" anchor="ctr"/>
+              <a:lstStyle/>
+              <a:p>
+                <a:pPr algn="ctr"/>
+                <a:endParaRPr kumimoji="1" lang="ja-JP" altLang="en-US"/>
+              </a:p>
+            </p:txBody>
+          </p:sp>
+        </p:grpSp>
+        <p:sp>
+          <p:nvSpPr>
+            <p:cNvPr id="29" name="テキスト ボックス 28">
+              <a:extLst>
+                <a:ext uri="{FF2B5EF4-FFF2-40B4-BE49-F238E27FC236}">
+                  <a16:creationId xmlns:a16="http://schemas.microsoft.com/office/drawing/2014/main" id="{04635C1E-61C9-48A3-B104-1C4CD7C5A02F}"/>
+                </a:ext>
+              </a:extLst>
+            </p:cNvPr>
+            <p:cNvSpPr txBox="1"/>
+            <p:nvPr/>
+          </p:nvSpPr>
+          <p:spPr>
+            <a:xfrm rot="1616798">
+              <a:off x="8066261" y="3764437"/>
+              <a:ext cx="2117245" cy="429855"/>
+            </a:xfrm>
+            <a:prstGeom prst="rect">
+              <a:avLst/>
+            </a:prstGeom>
+            <a:noFill/>
+          </p:spPr>
+          <p:txBody>
+            <a:bodyPr wrap="square" rtlCol="0">
+              <a:spAutoFit/>
+            </a:bodyPr>
+            <a:lstStyle/>
+            <a:p>
+              <a:r>
+                <a:rPr kumimoji="1" lang="ja-JP" altLang="en-US" sz="1400" dirty="0">
+                  <a:latin typeface="BIZ UDPゴシック" panose="020B0400000000000000" pitchFamily="50" charset="-128"/>
+                  <a:ea typeface="BIZ UDPゴシック" panose="020B0400000000000000" pitchFamily="50" charset="-128"/>
+                </a:rPr>
+                <a:t>情報</a:t>
+              </a:r>
+              <a:r>
+                <a:rPr kumimoji="1" lang="en-US" altLang="ja-JP" sz="1400" dirty="0">
+                  <a:latin typeface="BIZ UDPゴシック" panose="020B0400000000000000" pitchFamily="50" charset="-128"/>
+                  <a:ea typeface="BIZ UDPゴシック" panose="020B0400000000000000" pitchFamily="50" charset="-128"/>
+                </a:rPr>
+                <a:t>A(64QAM</a:t>
+              </a:r>
+              <a:r>
+                <a:rPr kumimoji="1" lang="en-US" altLang="ja-JP" sz="1600" dirty="0">
+                  <a:latin typeface="BIZ UDPゴシック" panose="020B0400000000000000" pitchFamily="50" charset="-128"/>
+                  <a:ea typeface="BIZ UDPゴシック" panose="020B0400000000000000" pitchFamily="50" charset="-128"/>
+                </a:rPr>
+                <a:t>)</a:t>
+              </a:r>
+              <a:endParaRPr kumimoji="1" lang="ja-JP" altLang="en-US" sz="1600" dirty="0">
+                <a:latin typeface="BIZ UDPゴシック" panose="020B0400000000000000" pitchFamily="50" charset="-128"/>
+                <a:ea typeface="BIZ UDPゴシック" panose="020B0400000000000000" pitchFamily="50" charset="-128"/>
+              </a:endParaRPr>
+            </a:p>
+          </p:txBody>
+        </p:sp>
+      </p:grpSp>
     </p:spTree>
     <p:extLst>
       <p:ext uri="{BB962C8B-B14F-4D97-AF65-F5344CB8AC3E}">

--- a/MIMO/MU-MIMO.pptx
+++ b/MIMO/MU-MIMO.pptx
@@ -13203,8 +13203,8 @@
           </p:sp>
         </mc:Fallback>
       </mc:AlternateContent>
-      <mc:AlternateContent xmlns:mc="http://schemas.openxmlformats.org/markup-compatibility/2006">
-        <mc:Choice xmlns:a14="http://schemas.microsoft.com/office/drawing/2010/main" Requires="a14">
+      <mc:AlternateContent xmlns:mc="http://schemas.openxmlformats.org/markup-compatibility/2006" xmlns:a14="http://schemas.microsoft.com/office/drawing/2010/main">
+        <mc:Choice Requires="a14">
           <p:sp>
             <p:nvSpPr>
               <p:cNvPr id="27" name="テキスト ボックス 26">
@@ -13233,6 +13233,7 @@
               </a:bodyPr>
               <a:lstStyle/>
               <a:p>
+                <a:pPr/>
                 <a14:m>
                   <m:oMathPara xmlns:m="http://schemas.openxmlformats.org/officeDocument/2006/math">
                     <m:oMathParaPr>
@@ -13290,7 +13291,7 @@
             </p:txBody>
           </p:sp>
         </mc:Choice>
-        <mc:Fallback>
+        <mc:Fallback xmlns="">
           <p:sp>
             <p:nvSpPr>
               <p:cNvPr id="27" name="テキスト ボックス 26">
@@ -13335,8 +13336,8 @@
           </p:sp>
         </mc:Fallback>
       </mc:AlternateContent>
-      <mc:AlternateContent xmlns:mc="http://schemas.openxmlformats.org/markup-compatibility/2006">
-        <mc:Choice xmlns:a14="http://schemas.microsoft.com/office/drawing/2010/main" Requires="a14">
+      <mc:AlternateContent xmlns:mc="http://schemas.openxmlformats.org/markup-compatibility/2006" xmlns:a14="http://schemas.microsoft.com/office/drawing/2010/main">
+        <mc:Choice Requires="a14">
           <p:sp>
             <p:nvSpPr>
               <p:cNvPr id="28" name="テキスト ボックス 27">
@@ -13365,6 +13366,7 @@
               </a:bodyPr>
               <a:lstStyle/>
               <a:p>
+                <a:pPr/>
                 <a14:m>
                   <m:oMathPara xmlns:m="http://schemas.openxmlformats.org/officeDocument/2006/math">
                     <m:oMathParaPr>
@@ -13422,7 +13424,7 @@
             </p:txBody>
           </p:sp>
         </mc:Choice>
-        <mc:Fallback>
+        <mc:Fallback xmlns="">
           <p:sp>
             <p:nvSpPr>
               <p:cNvPr id="28" name="テキスト ボックス 27">
@@ -13874,13 +13876,13 @@
               <p:nvPr/>
             </p:nvPicPr>
             <p:blipFill>
-              <a:blip r:embed="rId2">
+              <a:blip r:embed="rId5">
                 <a:extLst>
                   <a:ext uri="{28A0092B-C50C-407E-A947-70E740481C1C}">
                     <a14:useLocalDpi xmlns:a14="http://schemas.microsoft.com/office/drawing/2010/main" val="0"/>
                   </a:ext>
                   <a:ext uri="{96DAC541-7B7A-43D3-8B79-37D633B846F1}">
-                    <asvg:svgBlip xmlns:asvg="http://schemas.microsoft.com/office/drawing/2016/SVG/main" r:embed="rId3"/>
+                    <asvg:svgBlip xmlns:asvg="http://schemas.microsoft.com/office/drawing/2016/SVG/main" r:embed="rId6"/>
                   </a:ext>
                 </a:extLst>
               </a:blip>
@@ -14011,13 +14013,13 @@
               <p:nvPr/>
             </p:nvPicPr>
             <p:blipFill rotWithShape="1">
-              <a:blip r:embed="rId4">
+              <a:blip r:embed="rId7">
                 <a:extLst>
                   <a:ext uri="{28A0092B-C50C-407E-A947-70E740481C1C}">
                     <a14:useLocalDpi xmlns:a14="http://schemas.microsoft.com/office/drawing/2010/main" val="0"/>
                   </a:ext>
                   <a:ext uri="{96DAC541-7B7A-43D3-8B79-37D633B846F1}">
-                    <asvg:svgBlip xmlns:asvg="http://schemas.microsoft.com/office/drawing/2016/SVG/main" r:embed="rId5"/>
+                    <asvg:svgBlip xmlns:asvg="http://schemas.microsoft.com/office/drawing/2016/SVG/main" r:embed="rId8"/>
                   </a:ext>
                 </a:extLst>
               </a:blip>
@@ -14611,6 +14613,126 @@
           </p:txBody>
         </p:sp>
       </p:grpSp>
+      <p:pic>
+        <p:nvPicPr>
+          <p:cNvPr id="6" name="図 5" descr="\documentclass{jsarticle}&#10;\usepackage{amsmath}&#10;\usepackage[T1]{fontenc}&#10;\usepackage{lmodern}&#10;\pagestyle{empty}&#10;&#10;\begin{document}&#10;%\begin{align*}&#10;%\end{align*}&#10;$\sqrt{\lambda_1},\sqrt{\lambda_2},\sqrt{\lambda_j}$&#10;\end{document}" title="IguanaTex Bitmap Display">
+            <a:extLst>
+              <a:ext uri="{FF2B5EF4-FFF2-40B4-BE49-F238E27FC236}">
+                <a16:creationId xmlns:a16="http://schemas.microsoft.com/office/drawing/2014/main" id="{FA1EDEE4-01BD-D0FD-5343-EE0896452CAD}"/>
+              </a:ext>
+            </a:extLst>
+          </p:cNvPr>
+          <p:cNvPicPr>
+            <a:picLocks noChangeAspect="1"/>
+          </p:cNvPicPr>
+          <p:nvPr>
+            <p:custDataLst>
+              <p:tags r:id="rId1"/>
+            </p:custDataLst>
+          </p:nvPr>
+        </p:nvPicPr>
+        <p:blipFill>
+          <a:blip r:embed="rId9">
+            <a:extLst>
+              <a:ext uri="{28A0092B-C50C-407E-A947-70E740481C1C}">
+                <a14:useLocalDpi xmlns:a14="http://schemas.microsoft.com/office/drawing/2010/main" val="0"/>
+              </a:ext>
+            </a:extLst>
+          </a:blip>
+          <a:stretch>
+            <a:fillRect/>
+          </a:stretch>
+        </p:blipFill>
+        <p:spPr>
+          <a:xfrm>
+            <a:off x="2540000" y="2540000"/>
+            <a:ext cx="4988748" cy="928246"/>
+          </a:xfrm>
+          <a:prstGeom prst="rect">
+            <a:avLst/>
+          </a:prstGeom>
+        </p:spPr>
+      </p:pic>
+      <p:pic>
+        <p:nvPicPr>
+          <p:cNvPr id="10" name="図 9" descr="\documentclass{jsarticle}&#10;\usepackage{amsmath}&#10;\usepackage[T1]{fontenc}&#10;\usepackage{lmodern}&#10;\pagestyle{empty}&#10;&#10;\begin{document}&#10;%\begin{align*}&#10;%\end{align*}&#10;\begin{equation*}&#10;  \begin{bmatrix}&#10;    s_1(t)\\&#10;    s_2(t)\\&#10;    \vdots\\&#10;    s_J(t)\\&#10;  \end{bmatrix}&#10;\end{equation*}&#10;\end{document}" title="IguanaTex Bitmap Display">
+            <a:extLst>
+              <a:ext uri="{FF2B5EF4-FFF2-40B4-BE49-F238E27FC236}">
+                <a16:creationId xmlns:a16="http://schemas.microsoft.com/office/drawing/2014/main" id="{28A92C88-0C19-60C7-632F-8135D6121110}"/>
+              </a:ext>
+            </a:extLst>
+          </p:cNvPr>
+          <p:cNvPicPr>
+            <a:picLocks noChangeAspect="1"/>
+          </p:cNvPicPr>
+          <p:nvPr>
+            <p:custDataLst>
+              <p:tags r:id="rId2"/>
+            </p:custDataLst>
+          </p:nvPr>
+        </p:nvPicPr>
+        <p:blipFill>
+          <a:blip r:embed="rId10">
+            <a:extLst>
+              <a:ext uri="{28A0092B-C50C-407E-A947-70E740481C1C}">
+                <a14:useLocalDpi xmlns:a14="http://schemas.microsoft.com/office/drawing/2010/main" val="0"/>
+              </a:ext>
+            </a:extLst>
+          </a:blip>
+          <a:stretch>
+            <a:fillRect/>
+          </a:stretch>
+        </p:blipFill>
+        <p:spPr>
+          <a:xfrm>
+            <a:off x="495327" y="3985383"/>
+            <a:ext cx="960602" cy="1816264"/>
+          </a:xfrm>
+          <a:prstGeom prst="rect">
+            <a:avLst/>
+          </a:prstGeom>
+        </p:spPr>
+      </p:pic>
+      <p:pic>
+        <p:nvPicPr>
+          <p:cNvPr id="12" name="図 11" descr="\documentclass{jsarticle}&#10;\usepackage{amsmath}&#10;\usepackage[T1]{fontenc}&#10;\usepackage{lmodern}&#10;\pagestyle{empty}&#10;&#10;\begin{document}&#10;%\begin{align*}&#10;%\end{align*}&#10;&#10;\begin{equation*}&#10;  \begin{bmatrix}&#10;    \sqrt{\lambda_1}s_1(t)\\&#10;    \sqrt{\lambda_2}s_2(t)\\&#10;    \vdots\\&#10;    \sqrt{\lambda_J}s_j(t)\\&#10;  \end{bmatrix}&#10;\end{equation*}&#10;\end{document}" title="IguanaTex Bitmap Display">
+            <a:extLst>
+              <a:ext uri="{FF2B5EF4-FFF2-40B4-BE49-F238E27FC236}">
+                <a16:creationId xmlns:a16="http://schemas.microsoft.com/office/drawing/2014/main" id="{BD982DFC-4A6F-39C6-FE1A-59AB99AF0AAE}"/>
+              </a:ext>
+            </a:extLst>
+          </p:cNvPr>
+          <p:cNvPicPr>
+            <a:picLocks noChangeAspect="1"/>
+          </p:cNvPicPr>
+          <p:nvPr>
+            <p:custDataLst>
+              <p:tags r:id="rId3"/>
+            </p:custDataLst>
+          </p:nvPr>
+        </p:nvPicPr>
+        <p:blipFill>
+          <a:blip r:embed="rId11">
+            <a:extLst>
+              <a:ext uri="{28A0092B-C50C-407E-A947-70E740481C1C}">
+                <a14:useLocalDpi xmlns:a14="http://schemas.microsoft.com/office/drawing/2010/main" val="0"/>
+              </a:ext>
+            </a:extLst>
+          </a:blip>
+          <a:stretch>
+            <a:fillRect/>
+          </a:stretch>
+        </p:blipFill>
+        <p:spPr>
+          <a:xfrm>
+            <a:off x="4478826" y="3985383"/>
+            <a:ext cx="1572889" cy="1816264"/>
+          </a:xfrm>
+          <a:prstGeom prst="rect">
+            <a:avLst/>
+          </a:prstGeom>
+        </p:spPr>
+      </p:pic>
     </p:spTree>
     <p:extLst>
       <p:ext uri="{BB962C8B-B14F-4D97-AF65-F5344CB8AC3E}">
@@ -16420,13 +16542,13 @@
 <file path=ppt/tags/tag28.xml><?xml version="1.0" encoding="utf-8"?>
 <p:tagLst xmlns:a="http://schemas.openxmlformats.org/drawingml/2006/main" xmlns:r="http://schemas.openxmlformats.org/officeDocument/2006/relationships" xmlns:p="http://schemas.openxmlformats.org/presentationml/2006/main">
   <p:tag name="OUTPUTDPI" val="1200"/>
-  <p:tag name="ORIGINALHEIGHT" val="116.2662"/>
-  <p:tag name="ORIGINALWIDTH" val="570.8297"/>
+  <p:tag name="ORIGINALHEIGHT" val="152.2713"/>
+  <p:tag name="ORIGINALWIDTH" val="818.3642"/>
   <p:tag name="OUTPUTTYPE" val="PNG"/>
   <p:tag name="IGUANATEXVERSION" val="160"/>
-  <p:tag name="LATEXADDIN" val="\documentclass{jsarticle}&#10;\usepackage{amsmath}&#10;\usepackage[T1]{fontenc}&#10;\usepackage{lmodern}&#10;\pagestyle{empty}&#10;&#10;\begin{document}&#10;%\begin{align*}&#10;%\end{align*}&#10;\begin{align*}&#10;  G = HH^H&#10;\end{align*}&#10;&#10;\end{document}"/>
+  <p:tag name="LATEXADDIN" val="\documentclass{jsarticle}&#10;\usepackage{amsmath}&#10;\usepackage[T1]{fontenc}&#10;\usepackage{lmodern}&#10;\pagestyle{empty}&#10;&#10;\begin{document}&#10;%\begin{align*}&#10;%\end{align*}&#10;$\sqrt{\lambda_1},\sqrt{\lambda_2},\sqrt{\lambda_j}$&#10;\end{document}"/>
   <p:tag name="IGUANATEXSIZE" val="60"/>
-  <p:tag name="IGUANATEXCURSOR" val="184"/>
+  <p:tag name="IGUANATEXCURSOR" val="211"/>
   <p:tag name="TRANSPARENCY" val="True"/>
   <p:tag name="LATEXENGINEID" val="4"/>
   <p:tag name="TEMPFOLDER" val="c:\temp\"/>
@@ -16440,13 +16562,13 @@
 <file path=ppt/tags/tag29.xml><?xml version="1.0" encoding="utf-8"?>
 <p:tagLst xmlns:a="http://schemas.openxmlformats.org/drawingml/2006/main" xmlns:r="http://schemas.openxmlformats.org/officeDocument/2006/relationships" xmlns:p="http://schemas.openxmlformats.org/presentationml/2006/main">
   <p:tag name="OUTPUTDPI" val="1200"/>
-  <p:tag name="ORIGINALHEIGHT" val="87.76228"/>
-  <p:tag name="ORIGINALWIDTH" val="107.265"/>
+  <p:tag name="ORIGINALHEIGHT" val="675.0942"/>
+  <p:tag name="ORIGINALWIDTH" val="357.0498"/>
   <p:tag name="OUTPUTTYPE" val="PNG"/>
   <p:tag name="IGUANATEXVERSION" val="160"/>
-  <p:tag name="LATEXADDIN" val="\documentclass{jsarticle}&#10;\usepackage{amsmath}&#10;\usepackage[T1]{fontenc}&#10;\usepackage{lmodern}&#10;\pagestyle{empty}&#10;&#10;\begin{document}&#10;%\begin{align*}&#10;%\end{align*}&#10;$H$&#10;\end{document}"/>
+  <p:tag name="LATEXADDIN" val="\documentclass{jsarticle}&#10;\usepackage{amsmath}&#10;\usepackage[T1]{fontenc}&#10;\usepackage{lmodern}&#10;\pagestyle{empty}&#10;&#10;\begin{document}&#10;%\begin{align*}&#10;%\end{align*}&#10;\begin{equation*}&#10;  \begin{bmatrix}&#10;    s_1(t)\\&#10;    s_2(t)\\&#10;    \vdots\\&#10;    s_J(t)\\&#10;  \end{bmatrix}&#10;\end{equation*}&#10;\end{document}"/>
   <p:tag name="IGUANATEXSIZE" val="60"/>
-  <p:tag name="IGUANATEXCURSOR" val="161"/>
+  <p:tag name="IGUANATEXCURSOR" val="241"/>
   <p:tag name="TRANSPARENCY" val="True"/>
   <p:tag name="LATEXENGINEID" val="4"/>
   <p:tag name="TEMPFOLDER" val="c:\temp\"/>
@@ -16478,6 +16600,66 @@
 </file>
 
 <file path=ppt/tags/tag30.xml><?xml version="1.0" encoding="utf-8"?>
+<p:tagLst xmlns:a="http://schemas.openxmlformats.org/drawingml/2006/main" xmlns:r="http://schemas.openxmlformats.org/officeDocument/2006/relationships" xmlns:p="http://schemas.openxmlformats.org/presentationml/2006/main">
+  <p:tag name="OUTPUTDPI" val="1200"/>
+  <p:tag name="ORIGINALHEIGHT" val="677.3445"/>
+  <p:tag name="ORIGINALWIDTH" val="586.5819"/>
+  <p:tag name="OUTPUTTYPE" val="PNG"/>
+  <p:tag name="IGUANATEXVERSION" val="160"/>
+  <p:tag name="LATEXADDIN" val="\documentclass{jsarticle}&#10;\usepackage{amsmath}&#10;\usepackage[T1]{fontenc}&#10;\usepackage{lmodern}&#10;\pagestyle{empty}&#10;&#10;\begin{document}&#10;%\begin{align*}&#10;%\end{align*}&#10;&#10;\begin{equation*}&#10;  \begin{bmatrix}&#10;    \sqrt{\lambda_1}s_1(t)\\&#10;    \sqrt{\lambda_2}s_2(t)\\&#10;    \vdots\\&#10;    \sqrt{\lambda_J}s_j(t)\\&#10;  \end{bmatrix}&#10;\end{equation*}&#10;\end{document}"/>
+  <p:tag name="IGUANATEXSIZE" val="60"/>
+  <p:tag name="IGUANATEXCURSOR" val="327"/>
+  <p:tag name="TRANSPARENCY" val="True"/>
+  <p:tag name="LATEXENGINEID" val="4"/>
+  <p:tag name="TEMPFOLDER" val="c:\temp\"/>
+  <p:tag name="LATEXFORMHEIGHT" val="320"/>
+  <p:tag name="LATEXFORMWIDTH" val="385"/>
+  <p:tag name="LATEXFORMWRAP" val="True"/>
+  <p:tag name="BITMAPVECTOR" val="0"/>
+</p:tagLst>
+</file>
+
+<file path=ppt/tags/tag31.xml><?xml version="1.0" encoding="utf-8"?>
+<p:tagLst xmlns:a="http://schemas.openxmlformats.org/drawingml/2006/main" xmlns:r="http://schemas.openxmlformats.org/officeDocument/2006/relationships" xmlns:p="http://schemas.openxmlformats.org/presentationml/2006/main">
+  <p:tag name="OUTPUTDPI" val="1200"/>
+  <p:tag name="ORIGINALHEIGHT" val="116.2662"/>
+  <p:tag name="ORIGINALWIDTH" val="570.8297"/>
+  <p:tag name="OUTPUTTYPE" val="PNG"/>
+  <p:tag name="IGUANATEXVERSION" val="160"/>
+  <p:tag name="LATEXADDIN" val="\documentclass{jsarticle}&#10;\usepackage{amsmath}&#10;\usepackage[T1]{fontenc}&#10;\usepackage{lmodern}&#10;\pagestyle{empty}&#10;&#10;\begin{document}&#10;%\begin{align*}&#10;%\end{align*}&#10;\begin{align*}&#10;  G = HH^H&#10;\end{align*}&#10;&#10;\end{document}"/>
+  <p:tag name="IGUANATEXSIZE" val="60"/>
+  <p:tag name="IGUANATEXCURSOR" val="184"/>
+  <p:tag name="TRANSPARENCY" val="True"/>
+  <p:tag name="LATEXENGINEID" val="4"/>
+  <p:tag name="TEMPFOLDER" val="c:\temp\"/>
+  <p:tag name="LATEXFORMHEIGHT" val="320"/>
+  <p:tag name="LATEXFORMWIDTH" val="385"/>
+  <p:tag name="LATEXFORMWRAP" val="True"/>
+  <p:tag name="BITMAPVECTOR" val="0"/>
+</p:tagLst>
+</file>
+
+<file path=ppt/tags/tag32.xml><?xml version="1.0" encoding="utf-8"?>
+<p:tagLst xmlns:a="http://schemas.openxmlformats.org/drawingml/2006/main" xmlns:r="http://schemas.openxmlformats.org/officeDocument/2006/relationships" xmlns:p="http://schemas.openxmlformats.org/presentationml/2006/main">
+  <p:tag name="OUTPUTDPI" val="1200"/>
+  <p:tag name="ORIGINALHEIGHT" val="87.76228"/>
+  <p:tag name="ORIGINALWIDTH" val="107.265"/>
+  <p:tag name="OUTPUTTYPE" val="PNG"/>
+  <p:tag name="IGUANATEXVERSION" val="160"/>
+  <p:tag name="LATEXADDIN" val="\documentclass{jsarticle}&#10;\usepackage{amsmath}&#10;\usepackage[T1]{fontenc}&#10;\usepackage{lmodern}&#10;\pagestyle{empty}&#10;&#10;\begin{document}&#10;%\begin{align*}&#10;%\end{align*}&#10;$H$&#10;\end{document}"/>
+  <p:tag name="IGUANATEXSIZE" val="60"/>
+  <p:tag name="IGUANATEXCURSOR" val="161"/>
+  <p:tag name="TRANSPARENCY" val="True"/>
+  <p:tag name="LATEXENGINEID" val="4"/>
+  <p:tag name="TEMPFOLDER" val="c:\temp\"/>
+  <p:tag name="LATEXFORMHEIGHT" val="320"/>
+  <p:tag name="LATEXFORMWIDTH" val="385"/>
+  <p:tag name="LATEXFORMWRAP" val="True"/>
+  <p:tag name="BITMAPVECTOR" val="0"/>
+</p:tagLst>
+</file>
+
+<file path=ppt/tags/tag33.xml><?xml version="1.0" encoding="utf-8"?>
 <p:tagLst xmlns:a="http://schemas.openxmlformats.org/drawingml/2006/main" xmlns:r="http://schemas.openxmlformats.org/officeDocument/2006/relationships" xmlns:p="http://schemas.openxmlformats.org/presentationml/2006/main">
   <p:tag name="OUTPUTDPI" val="1200"/>
   <p:tag name="ORIGINALHEIGHT" val="87.76228"/>

--- a/MIMO/MU-MIMO.pptx
+++ b/MIMO/MU-MIMO.pptx
@@ -221,7 +221,7 @@
           <a:p>
             <a:fld id="{10641EFE-85AC-47D7-93D2-DAF2137E2C08}" type="datetimeFigureOut">
               <a:rPr kumimoji="1" lang="ja-JP" altLang="en-US" smtClean="0"/>
-              <a:t>2023/11/22</a:t>
+              <a:t>2023/11/25</a:t>
             </a:fld>
             <a:endParaRPr kumimoji="1" lang="ja-JP" altLang="en-US"/>
           </a:p>
@@ -2220,7 +2220,7 @@
           <a:p>
             <a:fld id="{83865FC5-081D-46DF-9F40-B9AC6F30491E}" type="datetimeFigureOut">
               <a:rPr kumimoji="1" lang="ja-JP" altLang="en-US" smtClean="0"/>
-              <a:t>2023/11/22</a:t>
+              <a:t>2023/11/25</a:t>
             </a:fld>
             <a:endParaRPr kumimoji="1" lang="ja-JP" altLang="en-US"/>
           </a:p>
@@ -2450,7 +2450,7 @@
           <a:p>
             <a:fld id="{83865FC5-081D-46DF-9F40-B9AC6F30491E}" type="datetimeFigureOut">
               <a:rPr kumimoji="1" lang="ja-JP" altLang="en-US" smtClean="0"/>
-              <a:t>2023/11/22</a:t>
+              <a:t>2023/11/25</a:t>
             </a:fld>
             <a:endParaRPr kumimoji="1" lang="ja-JP" altLang="en-US"/>
           </a:p>
@@ -2690,7 +2690,7 @@
           <a:p>
             <a:fld id="{83865FC5-081D-46DF-9F40-B9AC6F30491E}" type="datetimeFigureOut">
               <a:rPr kumimoji="1" lang="ja-JP" altLang="en-US" smtClean="0"/>
-              <a:t>2023/11/22</a:t>
+              <a:t>2023/11/25</a:t>
             </a:fld>
             <a:endParaRPr kumimoji="1" lang="ja-JP" altLang="en-US"/>
           </a:p>
@@ -2920,7 +2920,7 @@
           <a:p>
             <a:fld id="{83865FC5-081D-46DF-9F40-B9AC6F30491E}" type="datetimeFigureOut">
               <a:rPr kumimoji="1" lang="ja-JP" altLang="en-US" smtClean="0"/>
-              <a:t>2023/11/22</a:t>
+              <a:t>2023/11/25</a:t>
             </a:fld>
             <a:endParaRPr kumimoji="1" lang="ja-JP" altLang="en-US"/>
           </a:p>
@@ -3195,7 +3195,7 @@
           <a:p>
             <a:fld id="{83865FC5-081D-46DF-9F40-B9AC6F30491E}" type="datetimeFigureOut">
               <a:rPr kumimoji="1" lang="ja-JP" altLang="en-US" smtClean="0"/>
-              <a:t>2023/11/22</a:t>
+              <a:t>2023/11/25</a:t>
             </a:fld>
             <a:endParaRPr kumimoji="1" lang="ja-JP" altLang="en-US"/>
           </a:p>
@@ -3524,7 +3524,7 @@
           <a:p>
             <a:fld id="{83865FC5-081D-46DF-9F40-B9AC6F30491E}" type="datetimeFigureOut">
               <a:rPr kumimoji="1" lang="ja-JP" altLang="en-US" smtClean="0"/>
-              <a:t>2023/11/22</a:t>
+              <a:t>2023/11/25</a:t>
             </a:fld>
             <a:endParaRPr kumimoji="1" lang="ja-JP" altLang="en-US"/>
           </a:p>
@@ -4000,7 +4000,7 @@
           <a:p>
             <a:fld id="{83865FC5-081D-46DF-9F40-B9AC6F30491E}" type="datetimeFigureOut">
               <a:rPr kumimoji="1" lang="ja-JP" altLang="en-US" smtClean="0"/>
-              <a:t>2023/11/22</a:t>
+              <a:t>2023/11/25</a:t>
             </a:fld>
             <a:endParaRPr kumimoji="1" lang="ja-JP" altLang="en-US"/>
           </a:p>
@@ -4141,7 +4141,7 @@
           <a:p>
             <a:fld id="{83865FC5-081D-46DF-9F40-B9AC6F30491E}" type="datetimeFigureOut">
               <a:rPr kumimoji="1" lang="ja-JP" altLang="en-US" smtClean="0"/>
-              <a:t>2023/11/22</a:t>
+              <a:t>2023/11/25</a:t>
             </a:fld>
             <a:endParaRPr kumimoji="1" lang="ja-JP" altLang="en-US"/>
           </a:p>
@@ -4254,7 +4254,7 @@
           <a:p>
             <a:fld id="{83865FC5-081D-46DF-9F40-B9AC6F30491E}" type="datetimeFigureOut">
               <a:rPr kumimoji="1" lang="ja-JP" altLang="en-US" smtClean="0"/>
-              <a:t>2023/11/22</a:t>
+              <a:t>2023/11/25</a:t>
             </a:fld>
             <a:endParaRPr kumimoji="1" lang="ja-JP" altLang="en-US"/>
           </a:p>
@@ -4597,7 +4597,7 @@
           <a:p>
             <a:fld id="{83865FC5-081D-46DF-9F40-B9AC6F30491E}" type="datetimeFigureOut">
               <a:rPr kumimoji="1" lang="ja-JP" altLang="en-US" smtClean="0"/>
-              <a:t>2023/11/22</a:t>
+              <a:t>2023/11/25</a:t>
             </a:fld>
             <a:endParaRPr kumimoji="1" lang="ja-JP" altLang="en-US"/>
           </a:p>
@@ -4885,7 +4885,7 @@
           <a:p>
             <a:fld id="{83865FC5-081D-46DF-9F40-B9AC6F30491E}" type="datetimeFigureOut">
               <a:rPr kumimoji="1" lang="ja-JP" altLang="en-US" smtClean="0"/>
-              <a:t>2023/11/22</a:t>
+              <a:t>2023/11/25</a:t>
             </a:fld>
             <a:endParaRPr kumimoji="1" lang="ja-JP" altLang="en-US"/>
           </a:p>
@@ -5158,7 +5158,7 @@
           <a:p>
             <a:fld id="{83865FC5-081D-46DF-9F40-B9AC6F30491E}" type="datetimeFigureOut">
               <a:rPr kumimoji="1" lang="ja-JP" altLang="en-US" smtClean="0"/>
-              <a:t>2023/11/22</a:t>
+              <a:t>2023/11/25</a:t>
             </a:fld>
             <a:endParaRPr kumimoji="1" lang="ja-JP" altLang="en-US"/>
           </a:p>
@@ -14745,7 +14745,7 @@
                 <a:latin typeface="BIZ UDPゴシック" panose="020B0400000000000000" pitchFamily="50" charset="-128"/>
                 <a:ea typeface="BIZ UDPゴシック" panose="020B0400000000000000" pitchFamily="50" charset="-128"/>
               </a:rPr>
-              <a:t>基地局アンテナ数　　　 </a:t>
+              <a:t>端末側アンテナ数　　　 </a:t>
             </a:r>
             <a:r>
               <a:rPr lang="en-US" altLang="ja-JP" sz="2800" dirty="0">
